--- a/Project 1 Presentation.pptx
+++ b/Project 1 Presentation.pptx
@@ -2,19 +2,26 @@
 <file path=ppt/presentation.xml><?xml version="1.0" encoding="utf-8"?>
 <p:presentation xmlns:a="http://schemas.openxmlformats.org/drawingml/2006/main" xmlns:r="http://schemas.openxmlformats.org/officeDocument/2006/relationships" xmlns:p="http://schemas.openxmlformats.org/presentationml/2006/main" saveSubsetFonts="1">
   <p:sldMasterIdLst>
-    <p:sldMasterId id="2147483648" r:id="rId1"/>
+    <p:sldMasterId id="2147483713" r:id="rId1"/>
   </p:sldMasterIdLst>
+  <p:notesMasterIdLst>
+    <p:notesMasterId r:id="rId16"/>
+  </p:notesMasterIdLst>
   <p:sldIdLst>
     <p:sldId id="256" r:id="rId2"/>
     <p:sldId id="257" r:id="rId3"/>
     <p:sldId id="258" r:id="rId4"/>
-    <p:sldId id="259" r:id="rId5"/>
-    <p:sldId id="260" r:id="rId6"/>
-    <p:sldId id="261" r:id="rId7"/>
-    <p:sldId id="262" r:id="rId8"/>
-    <p:sldId id="263" r:id="rId9"/>
-    <p:sldId id="264" r:id="rId10"/>
-    <p:sldId id="265" r:id="rId11"/>
+    <p:sldId id="266" r:id="rId5"/>
+    <p:sldId id="267" r:id="rId6"/>
+    <p:sldId id="260" r:id="rId7"/>
+    <p:sldId id="268" r:id="rId8"/>
+    <p:sldId id="270" r:id="rId9"/>
+    <p:sldId id="269" r:id="rId10"/>
+    <p:sldId id="271" r:id="rId11"/>
+    <p:sldId id="262" r:id="rId12"/>
+    <p:sldId id="263" r:id="rId13"/>
+    <p:sldId id="264" r:id="rId14"/>
+    <p:sldId id="265" r:id="rId15"/>
   </p:sldIdLst>
   <p:sldSz cx="12192000" cy="6858000"/>
   <p:notesSz cx="6858000" cy="9144000"/>
@@ -22,7 +29,7 @@
     <a:defPPr>
       <a:defRPr lang="en-US"/>
     </a:defPPr>
-    <a:lvl1pPr marL="0" algn="l" defTabSz="914400" rtl="0" eaLnBrk="1" latinLnBrk="0" hangingPunct="1">
+    <a:lvl1pPr marL="0" algn="l" defTabSz="457200" rtl="0" eaLnBrk="1" latinLnBrk="0" hangingPunct="1">
       <a:defRPr sz="1800" kern="1200">
         <a:solidFill>
           <a:schemeClr val="tx1"/>
@@ -32,7 +39,7 @@
         <a:cs typeface="+mn-cs"/>
       </a:defRPr>
     </a:lvl1pPr>
-    <a:lvl2pPr marL="457200" algn="l" defTabSz="914400" rtl="0" eaLnBrk="1" latinLnBrk="0" hangingPunct="1">
+    <a:lvl2pPr marL="457200" algn="l" defTabSz="457200" rtl="0" eaLnBrk="1" latinLnBrk="0" hangingPunct="1">
       <a:defRPr sz="1800" kern="1200">
         <a:solidFill>
           <a:schemeClr val="tx1"/>
@@ -42,7 +49,7 @@
         <a:cs typeface="+mn-cs"/>
       </a:defRPr>
     </a:lvl2pPr>
-    <a:lvl3pPr marL="914400" algn="l" defTabSz="914400" rtl="0" eaLnBrk="1" latinLnBrk="0" hangingPunct="1">
+    <a:lvl3pPr marL="914400" algn="l" defTabSz="457200" rtl="0" eaLnBrk="1" latinLnBrk="0" hangingPunct="1">
       <a:defRPr sz="1800" kern="1200">
         <a:solidFill>
           <a:schemeClr val="tx1"/>
@@ -52,7 +59,7 @@
         <a:cs typeface="+mn-cs"/>
       </a:defRPr>
     </a:lvl3pPr>
-    <a:lvl4pPr marL="1371600" algn="l" defTabSz="914400" rtl="0" eaLnBrk="1" latinLnBrk="0" hangingPunct="1">
+    <a:lvl4pPr marL="1371600" algn="l" defTabSz="457200" rtl="0" eaLnBrk="1" latinLnBrk="0" hangingPunct="1">
       <a:defRPr sz="1800" kern="1200">
         <a:solidFill>
           <a:schemeClr val="tx1"/>
@@ -62,7 +69,7 @@
         <a:cs typeface="+mn-cs"/>
       </a:defRPr>
     </a:lvl4pPr>
-    <a:lvl5pPr marL="1828800" algn="l" defTabSz="914400" rtl="0" eaLnBrk="1" latinLnBrk="0" hangingPunct="1">
+    <a:lvl5pPr marL="1828800" algn="l" defTabSz="457200" rtl="0" eaLnBrk="1" latinLnBrk="0" hangingPunct="1">
       <a:defRPr sz="1800" kern="1200">
         <a:solidFill>
           <a:schemeClr val="tx1"/>
@@ -72,7 +79,7 @@
         <a:cs typeface="+mn-cs"/>
       </a:defRPr>
     </a:lvl5pPr>
-    <a:lvl6pPr marL="2286000" algn="l" defTabSz="914400" rtl="0" eaLnBrk="1" latinLnBrk="0" hangingPunct="1">
+    <a:lvl6pPr marL="2286000" algn="l" defTabSz="457200" rtl="0" eaLnBrk="1" latinLnBrk="0" hangingPunct="1">
       <a:defRPr sz="1800" kern="1200">
         <a:solidFill>
           <a:schemeClr val="tx1"/>
@@ -82,7 +89,7 @@
         <a:cs typeface="+mn-cs"/>
       </a:defRPr>
     </a:lvl6pPr>
-    <a:lvl7pPr marL="2743200" algn="l" defTabSz="914400" rtl="0" eaLnBrk="1" latinLnBrk="0" hangingPunct="1">
+    <a:lvl7pPr marL="2743200" algn="l" defTabSz="457200" rtl="0" eaLnBrk="1" latinLnBrk="0" hangingPunct="1">
       <a:defRPr sz="1800" kern="1200">
         <a:solidFill>
           <a:schemeClr val="tx1"/>
@@ -92,7 +99,7 @@
         <a:cs typeface="+mn-cs"/>
       </a:defRPr>
     </a:lvl7pPr>
-    <a:lvl8pPr marL="3200400" algn="l" defTabSz="914400" rtl="0" eaLnBrk="1" latinLnBrk="0" hangingPunct="1">
+    <a:lvl8pPr marL="3200400" algn="l" defTabSz="457200" rtl="0" eaLnBrk="1" latinLnBrk="0" hangingPunct="1">
       <a:defRPr sz="1800" kern="1200">
         <a:solidFill>
           <a:schemeClr val="tx1"/>
@@ -102,7 +109,7 @@
         <a:cs typeface="+mn-cs"/>
       </a:defRPr>
     </a:lvl8pPr>
-    <a:lvl9pPr marL="3657600" algn="l" defTabSz="914400" rtl="0" eaLnBrk="1" latinLnBrk="0" hangingPunct="1">
+    <a:lvl9pPr marL="3657600" algn="l" defTabSz="457200" rtl="0" eaLnBrk="1" latinLnBrk="0" hangingPunct="1">
       <a:defRPr sz="1800" kern="1200">
         <a:solidFill>
           <a:schemeClr val="tx1"/>
@@ -113,12 +120,22 @@
       </a:defRPr>
     </a:lvl9pPr>
   </p:defaultTextStyle>
+  <p:extLst>
+    <p:ext uri="{EFAFB233-063F-42B5-8137-9DF3F51BA10A}">
+      <p15:sldGuideLst xmlns:p15="http://schemas.microsoft.com/office/powerpoint/2012/main"/>
+    </p:ext>
+  </p:extLst>
 </p:presentation>
 </file>
 
-<file path=ppt/slideLayouts/slideLayout1.xml><?xml version="1.0" encoding="utf-8"?>
-<p:sldLayout xmlns:a="http://schemas.openxmlformats.org/drawingml/2006/main" xmlns:r="http://schemas.openxmlformats.org/officeDocument/2006/relationships" xmlns:p="http://schemas.openxmlformats.org/presentationml/2006/main" type="title" preserve="1">
-  <p:cSld name="Title Slide">
+<file path=ppt/notesMasters/notesMaster1.xml><?xml version="1.0" encoding="utf-8"?>
+<p:notesMaster xmlns:a="http://schemas.openxmlformats.org/drawingml/2006/main" xmlns:r="http://schemas.openxmlformats.org/officeDocument/2006/relationships" xmlns:p="http://schemas.openxmlformats.org/presentationml/2006/main">
+  <p:cSld>
+    <p:bg>
+      <p:bgRef idx="1001">
+        <a:schemeClr val="bg1"/>
+      </p:bgRef>
+    </p:bg>
     <p:spTree>
       <p:nvGrpSpPr>
         <p:cNvPr id="1" name=""/>
@@ -135,51 +152,1343 @@
       </p:grpSpPr>
       <p:sp>
         <p:nvSpPr>
-          <p:cNvPr id="2" name="Title 1">
-            <a:extLst>
-              <a:ext uri="{FF2B5EF4-FFF2-40B4-BE49-F238E27FC236}">
-                <a16:creationId xmlns:a16="http://schemas.microsoft.com/office/drawing/2014/main" id="{2B4F0C59-155F-456F-AF37-42023BB1C855}"/>
-              </a:ext>
-            </a:extLst>
-          </p:cNvPr>
-          <p:cNvSpPr>
-            <a:spLocks noGrp="1"/>
-          </p:cNvSpPr>
-          <p:nvPr>
-            <p:ph type="ctrTitle"/>
+          <p:cNvPr id="2" name="Header Placeholder 1"/>
+          <p:cNvSpPr>
+            <a:spLocks noGrp="1"/>
+          </p:cNvSpPr>
+          <p:nvPr>
+            <p:ph type="hdr" sz="quarter"/>
           </p:nvPr>
         </p:nvSpPr>
         <p:spPr>
           <a:xfrm>
-            <a:off x="1524000" y="1122363"/>
-            <a:ext cx="9144000" cy="2387600"/>
+            <a:off x="0" y="0"/>
+            <a:ext cx="2971800" cy="458788"/>
           </a:xfrm>
+          <a:prstGeom prst="rect">
+            <a:avLst/>
+          </a:prstGeom>
         </p:spPr>
         <p:txBody>
-          <a:bodyPr anchor="b"/>
+          <a:bodyPr vert="horz" lIns="91440" tIns="45720" rIns="91440" bIns="45720" rtlCol="0"/>
+          <a:lstStyle>
+            <a:lvl1pPr algn="l">
+              <a:defRPr sz="1200"/>
+            </a:lvl1pPr>
+          </a:lstStyle>
+          <a:p>
+            <a:endParaRPr lang="en-US"/>
+          </a:p>
+        </p:txBody>
+      </p:sp>
+      <p:sp>
+        <p:nvSpPr>
+          <p:cNvPr id="3" name="Date Placeholder 2"/>
+          <p:cNvSpPr>
+            <a:spLocks noGrp="1"/>
+          </p:cNvSpPr>
+          <p:nvPr>
+            <p:ph type="dt" idx="1"/>
+          </p:nvPr>
+        </p:nvSpPr>
+        <p:spPr>
+          <a:xfrm>
+            <a:off x="3884613" y="0"/>
+            <a:ext cx="2971800" cy="458788"/>
+          </a:xfrm>
+          <a:prstGeom prst="rect">
+            <a:avLst/>
+          </a:prstGeom>
+        </p:spPr>
+        <p:txBody>
+          <a:bodyPr vert="horz" lIns="91440" tIns="45720" rIns="91440" bIns="45720" rtlCol="0"/>
+          <a:lstStyle>
+            <a:lvl1pPr algn="r">
+              <a:defRPr sz="1200"/>
+            </a:lvl1pPr>
+          </a:lstStyle>
+          <a:p>
+            <a:fld id="{2429B6F7-E88D-5542-86AE-E68B90A8D5D5}" type="datetimeFigureOut">
+              <a:rPr lang="en-US" smtClean="0"/>
+              <a:t>2/3/21</a:t>
+            </a:fld>
+            <a:endParaRPr lang="en-US"/>
+          </a:p>
+        </p:txBody>
+      </p:sp>
+      <p:sp>
+        <p:nvSpPr>
+          <p:cNvPr id="4" name="Slide Image Placeholder 3"/>
+          <p:cNvSpPr>
+            <a:spLocks noGrp="1" noRot="1" noChangeAspect="1"/>
+          </p:cNvSpPr>
+          <p:nvPr>
+            <p:ph type="sldImg" idx="2"/>
+          </p:nvPr>
+        </p:nvSpPr>
+        <p:spPr>
+          <a:xfrm>
+            <a:off x="685800" y="1143000"/>
+            <a:ext cx="5486400" cy="3086100"/>
+          </a:xfrm>
+          <a:prstGeom prst="rect">
+            <a:avLst/>
+          </a:prstGeom>
+          <a:noFill/>
+          <a:ln w="12700">
+            <a:solidFill>
+              <a:prstClr val="black"/>
+            </a:solidFill>
+          </a:ln>
+        </p:spPr>
+        <p:txBody>
+          <a:bodyPr vert="horz" lIns="91440" tIns="45720" rIns="91440" bIns="45720" rtlCol="0" anchor="ctr"/>
+          <a:lstStyle/>
+          <a:p>
+            <a:endParaRPr lang="en-US"/>
+          </a:p>
+        </p:txBody>
+      </p:sp>
+      <p:sp>
+        <p:nvSpPr>
+          <p:cNvPr id="5" name="Notes Placeholder 4"/>
+          <p:cNvSpPr>
+            <a:spLocks noGrp="1"/>
+          </p:cNvSpPr>
+          <p:nvPr>
+            <p:ph type="body" sz="quarter" idx="3"/>
+          </p:nvPr>
+        </p:nvSpPr>
+        <p:spPr>
+          <a:xfrm>
+            <a:off x="685800" y="4400550"/>
+            <a:ext cx="5486400" cy="3600450"/>
+          </a:xfrm>
+          <a:prstGeom prst="rect">
+            <a:avLst/>
+          </a:prstGeom>
+        </p:spPr>
+        <p:txBody>
+          <a:bodyPr vert="horz" lIns="91440" tIns="45720" rIns="91440" bIns="45720" rtlCol="0"/>
+          <a:lstStyle/>
+          <a:p>
+            <a:pPr lvl="0"/>
+            <a:r>
+              <a:rPr lang="en-GB"/>
+              <a:t>Click to edit Master text styles</a:t>
+            </a:r>
+          </a:p>
+          <a:p>
+            <a:pPr lvl="1"/>
+            <a:r>
+              <a:rPr lang="en-GB"/>
+              <a:t>Second level</a:t>
+            </a:r>
+          </a:p>
+          <a:p>
+            <a:pPr lvl="2"/>
+            <a:r>
+              <a:rPr lang="en-GB"/>
+              <a:t>Third level</a:t>
+            </a:r>
+          </a:p>
+          <a:p>
+            <a:pPr lvl="3"/>
+            <a:r>
+              <a:rPr lang="en-GB"/>
+              <a:t>Fourth level</a:t>
+            </a:r>
+          </a:p>
+          <a:p>
+            <a:pPr lvl="4"/>
+            <a:r>
+              <a:rPr lang="en-GB"/>
+              <a:t>Fifth level</a:t>
+            </a:r>
+            <a:endParaRPr lang="en-US"/>
+          </a:p>
+        </p:txBody>
+      </p:sp>
+      <p:sp>
+        <p:nvSpPr>
+          <p:cNvPr id="6" name="Footer Placeholder 5"/>
+          <p:cNvSpPr>
+            <a:spLocks noGrp="1"/>
+          </p:cNvSpPr>
+          <p:nvPr>
+            <p:ph type="ftr" sz="quarter" idx="4"/>
+          </p:nvPr>
+        </p:nvSpPr>
+        <p:spPr>
+          <a:xfrm>
+            <a:off x="0" y="8685213"/>
+            <a:ext cx="2971800" cy="458787"/>
+          </a:xfrm>
+          <a:prstGeom prst="rect">
+            <a:avLst/>
+          </a:prstGeom>
+        </p:spPr>
+        <p:txBody>
+          <a:bodyPr vert="horz" lIns="91440" tIns="45720" rIns="91440" bIns="45720" rtlCol="0" anchor="b"/>
+          <a:lstStyle>
+            <a:lvl1pPr algn="l">
+              <a:defRPr sz="1200"/>
+            </a:lvl1pPr>
+          </a:lstStyle>
+          <a:p>
+            <a:endParaRPr lang="en-US"/>
+          </a:p>
+        </p:txBody>
+      </p:sp>
+      <p:sp>
+        <p:nvSpPr>
+          <p:cNvPr id="7" name="Slide Number Placeholder 6"/>
+          <p:cNvSpPr>
+            <a:spLocks noGrp="1"/>
+          </p:cNvSpPr>
+          <p:nvPr>
+            <p:ph type="sldNum" sz="quarter" idx="5"/>
+          </p:nvPr>
+        </p:nvSpPr>
+        <p:spPr>
+          <a:xfrm>
+            <a:off x="3884613" y="8685213"/>
+            <a:ext cx="2971800" cy="458787"/>
+          </a:xfrm>
+          <a:prstGeom prst="rect">
+            <a:avLst/>
+          </a:prstGeom>
+        </p:spPr>
+        <p:txBody>
+          <a:bodyPr vert="horz" lIns="91440" tIns="45720" rIns="91440" bIns="45720" rtlCol="0" anchor="b"/>
+          <a:lstStyle>
+            <a:lvl1pPr algn="r">
+              <a:defRPr sz="1200"/>
+            </a:lvl1pPr>
+          </a:lstStyle>
+          <a:p>
+            <a:fld id="{4F2AAB9E-B1B6-7347-AEB9-3DE8A4E8C48F}" type="slidenum">
+              <a:rPr lang="en-US" smtClean="0"/>
+              <a:t>‹#›</a:t>
+            </a:fld>
+            <a:endParaRPr lang="en-US"/>
+          </a:p>
+        </p:txBody>
+      </p:sp>
+    </p:spTree>
+    <p:extLst>
+      <p:ext uri="{BB962C8B-B14F-4D97-AF65-F5344CB8AC3E}">
+        <p14:creationId xmlns:p14="http://schemas.microsoft.com/office/powerpoint/2010/main" val="4093929612"/>
+      </p:ext>
+    </p:extLst>
+  </p:cSld>
+  <p:clrMap bg1="lt1" tx1="dk1" bg2="lt2" tx2="dk2" accent1="accent1" accent2="accent2" accent3="accent3" accent4="accent4" accent5="accent5" accent6="accent6" hlink="hlink" folHlink="folHlink"/>
+  <p:notesStyle>
+    <a:lvl1pPr marL="0" algn="l" defTabSz="914400" rtl="0" eaLnBrk="1" latinLnBrk="0" hangingPunct="1">
+      <a:defRPr sz="1200" kern="1200">
+        <a:solidFill>
+          <a:schemeClr val="tx1"/>
+        </a:solidFill>
+        <a:latin typeface="+mn-lt"/>
+        <a:ea typeface="+mn-ea"/>
+        <a:cs typeface="+mn-cs"/>
+      </a:defRPr>
+    </a:lvl1pPr>
+    <a:lvl2pPr marL="457200" algn="l" defTabSz="914400" rtl="0" eaLnBrk="1" latinLnBrk="0" hangingPunct="1">
+      <a:defRPr sz="1200" kern="1200">
+        <a:solidFill>
+          <a:schemeClr val="tx1"/>
+        </a:solidFill>
+        <a:latin typeface="+mn-lt"/>
+        <a:ea typeface="+mn-ea"/>
+        <a:cs typeface="+mn-cs"/>
+      </a:defRPr>
+    </a:lvl2pPr>
+    <a:lvl3pPr marL="914400" algn="l" defTabSz="914400" rtl="0" eaLnBrk="1" latinLnBrk="0" hangingPunct="1">
+      <a:defRPr sz="1200" kern="1200">
+        <a:solidFill>
+          <a:schemeClr val="tx1"/>
+        </a:solidFill>
+        <a:latin typeface="+mn-lt"/>
+        <a:ea typeface="+mn-ea"/>
+        <a:cs typeface="+mn-cs"/>
+      </a:defRPr>
+    </a:lvl3pPr>
+    <a:lvl4pPr marL="1371600" algn="l" defTabSz="914400" rtl="0" eaLnBrk="1" latinLnBrk="0" hangingPunct="1">
+      <a:defRPr sz="1200" kern="1200">
+        <a:solidFill>
+          <a:schemeClr val="tx1"/>
+        </a:solidFill>
+        <a:latin typeface="+mn-lt"/>
+        <a:ea typeface="+mn-ea"/>
+        <a:cs typeface="+mn-cs"/>
+      </a:defRPr>
+    </a:lvl4pPr>
+    <a:lvl5pPr marL="1828800" algn="l" defTabSz="914400" rtl="0" eaLnBrk="1" latinLnBrk="0" hangingPunct="1">
+      <a:defRPr sz="1200" kern="1200">
+        <a:solidFill>
+          <a:schemeClr val="tx1"/>
+        </a:solidFill>
+        <a:latin typeface="+mn-lt"/>
+        <a:ea typeface="+mn-ea"/>
+        <a:cs typeface="+mn-cs"/>
+      </a:defRPr>
+    </a:lvl5pPr>
+    <a:lvl6pPr marL="2286000" algn="l" defTabSz="914400" rtl="0" eaLnBrk="1" latinLnBrk="0" hangingPunct="1">
+      <a:defRPr sz="1200" kern="1200">
+        <a:solidFill>
+          <a:schemeClr val="tx1"/>
+        </a:solidFill>
+        <a:latin typeface="+mn-lt"/>
+        <a:ea typeface="+mn-ea"/>
+        <a:cs typeface="+mn-cs"/>
+      </a:defRPr>
+    </a:lvl6pPr>
+    <a:lvl7pPr marL="2743200" algn="l" defTabSz="914400" rtl="0" eaLnBrk="1" latinLnBrk="0" hangingPunct="1">
+      <a:defRPr sz="1200" kern="1200">
+        <a:solidFill>
+          <a:schemeClr val="tx1"/>
+        </a:solidFill>
+        <a:latin typeface="+mn-lt"/>
+        <a:ea typeface="+mn-ea"/>
+        <a:cs typeface="+mn-cs"/>
+      </a:defRPr>
+    </a:lvl7pPr>
+    <a:lvl8pPr marL="3200400" algn="l" defTabSz="914400" rtl="0" eaLnBrk="1" latinLnBrk="0" hangingPunct="1">
+      <a:defRPr sz="1200" kern="1200">
+        <a:solidFill>
+          <a:schemeClr val="tx1"/>
+        </a:solidFill>
+        <a:latin typeface="+mn-lt"/>
+        <a:ea typeface="+mn-ea"/>
+        <a:cs typeface="+mn-cs"/>
+      </a:defRPr>
+    </a:lvl8pPr>
+    <a:lvl9pPr marL="3657600" algn="l" defTabSz="914400" rtl="0" eaLnBrk="1" latinLnBrk="0" hangingPunct="1">
+      <a:defRPr sz="1200" kern="1200">
+        <a:solidFill>
+          <a:schemeClr val="tx1"/>
+        </a:solidFill>
+        <a:latin typeface="+mn-lt"/>
+        <a:ea typeface="+mn-ea"/>
+        <a:cs typeface="+mn-cs"/>
+      </a:defRPr>
+    </a:lvl9pPr>
+  </p:notesStyle>
+</p:notesMaster>
+</file>
+
+<file path=ppt/notesSlides/notesSlide1.xml><?xml version="1.0" encoding="utf-8"?>
+<p:notes xmlns:a="http://schemas.openxmlformats.org/drawingml/2006/main" xmlns:r="http://schemas.openxmlformats.org/officeDocument/2006/relationships" xmlns:p="http://schemas.openxmlformats.org/presentationml/2006/main">
+  <p:cSld>
+    <p:spTree>
+      <p:nvGrpSpPr>
+        <p:cNvPr id="1" name=""/>
+        <p:cNvGrpSpPr/>
+        <p:nvPr/>
+      </p:nvGrpSpPr>
+      <p:grpSpPr>
+        <a:xfrm>
+          <a:off x="0" y="0"/>
+          <a:ext cx="0" cy="0"/>
+          <a:chOff x="0" y="0"/>
+          <a:chExt cx="0" cy="0"/>
+        </a:xfrm>
+      </p:grpSpPr>
+      <p:sp>
+        <p:nvSpPr>
+          <p:cNvPr id="2" name="Slide Image Placeholder 1"/>
+          <p:cNvSpPr>
+            <a:spLocks noGrp="1" noRot="1" noChangeAspect="1"/>
+          </p:cNvSpPr>
+          <p:nvPr>
+            <p:ph type="sldImg"/>
+          </p:nvPr>
+        </p:nvSpPr>
+        <p:spPr/>
+      </p:sp>
+      <p:sp>
+        <p:nvSpPr>
+          <p:cNvPr id="3" name="Notes Placeholder 2"/>
+          <p:cNvSpPr>
+            <a:spLocks noGrp="1"/>
+          </p:cNvSpPr>
+          <p:nvPr>
+            <p:ph type="body" idx="1"/>
+          </p:nvPr>
+        </p:nvSpPr>
+        <p:spPr/>
+        <p:txBody>
+          <a:bodyPr/>
+          <a:lstStyle/>
+          <a:p>
+            <a:pPr marL="0" indent="0">
+              <a:buNone/>
+            </a:pPr>
+            <a:r>
+              <a:rPr lang="en-US" dirty="0">
+                <a:highlight>
+                  <a:srgbClr val="FFFF00"/>
+                </a:highlight>
+              </a:rPr>
+              <a:t>Describe the questions you asked, and </a:t>
+            </a:r>
+            <a:r>
+              <a:rPr lang="en-US" i="1" dirty="0">
+                <a:highlight>
+                  <a:srgbClr val="FFFF00"/>
+                </a:highlight>
+              </a:rPr>
+              <a:t>why</a:t>
+            </a:r>
+            <a:r>
+              <a:rPr lang="en-US" dirty="0">
+                <a:highlight>
+                  <a:srgbClr val="FFFF00"/>
+                </a:highlight>
+              </a:rPr>
+              <a:t> you asked them</a:t>
+            </a:r>
+          </a:p>
+          <a:p>
+            <a:pPr marL="0" indent="0">
+              <a:buNone/>
+            </a:pPr>
+            <a:endParaRPr lang="en-US" dirty="0">
+              <a:highlight>
+                <a:srgbClr val="FFFF00"/>
+              </a:highlight>
+            </a:endParaRPr>
+          </a:p>
+          <a:p>
+            <a:pPr marL="0" indent="0">
+              <a:buNone/>
+            </a:pPr>
+            <a:r>
+              <a:rPr lang="en-US" dirty="0">
+                <a:highlight>
+                  <a:srgbClr val="FFFF00"/>
+                </a:highlight>
+              </a:rPr>
+              <a:t>Describe whether you were able to answer these questions to your satisfaction, and briefly summarize your findings</a:t>
+            </a:r>
+          </a:p>
+          <a:p>
+            <a:endParaRPr lang="en-US" dirty="0"/>
+          </a:p>
+        </p:txBody>
+      </p:sp>
+      <p:sp>
+        <p:nvSpPr>
+          <p:cNvPr id="4" name="Slide Number Placeholder 3"/>
+          <p:cNvSpPr>
+            <a:spLocks noGrp="1"/>
+          </p:cNvSpPr>
+          <p:nvPr>
+            <p:ph type="sldNum" sz="quarter" idx="5"/>
+          </p:nvPr>
+        </p:nvSpPr>
+        <p:spPr/>
+        <p:txBody>
+          <a:bodyPr/>
+          <a:lstStyle/>
+          <a:p>
+            <a:fld id="{4F2AAB9E-B1B6-7347-AEB9-3DE8A4E8C48F}" type="slidenum">
+              <a:rPr lang="en-US" smtClean="0"/>
+              <a:t>2</a:t>
+            </a:fld>
+            <a:endParaRPr lang="en-US"/>
+          </a:p>
+        </p:txBody>
+      </p:sp>
+    </p:spTree>
+    <p:extLst>
+      <p:ext uri="{BB962C8B-B14F-4D97-AF65-F5344CB8AC3E}">
+        <p14:creationId xmlns:p14="http://schemas.microsoft.com/office/powerpoint/2010/main" val="2292279801"/>
+      </p:ext>
+    </p:extLst>
+  </p:cSld>
+  <p:clrMapOvr>
+    <a:masterClrMapping/>
+  </p:clrMapOvr>
+</p:notes>
+</file>
+
+<file path=ppt/notesSlides/notesSlide2.xml><?xml version="1.0" encoding="utf-8"?>
+<p:notes xmlns:a="http://schemas.openxmlformats.org/drawingml/2006/main" xmlns:r="http://schemas.openxmlformats.org/officeDocument/2006/relationships" xmlns:p="http://schemas.openxmlformats.org/presentationml/2006/main">
+  <p:cSld>
+    <p:spTree>
+      <p:nvGrpSpPr>
+        <p:cNvPr id="1" name=""/>
+        <p:cNvGrpSpPr/>
+        <p:nvPr/>
+      </p:nvGrpSpPr>
+      <p:grpSpPr>
+        <a:xfrm>
+          <a:off x="0" y="0"/>
+          <a:ext cx="0" cy="0"/>
+          <a:chOff x="0" y="0"/>
+          <a:chExt cx="0" cy="0"/>
+        </a:xfrm>
+      </p:grpSpPr>
+      <p:sp>
+        <p:nvSpPr>
+          <p:cNvPr id="2" name="Slide Image Placeholder 1"/>
+          <p:cNvSpPr>
+            <a:spLocks noGrp="1" noRot="1" noChangeAspect="1"/>
+          </p:cNvSpPr>
+          <p:nvPr>
+            <p:ph type="sldImg"/>
+          </p:nvPr>
+        </p:nvSpPr>
+        <p:spPr/>
+      </p:sp>
+      <p:sp>
+        <p:nvSpPr>
+          <p:cNvPr id="3" name="Notes Placeholder 2"/>
+          <p:cNvSpPr>
+            <a:spLocks noGrp="1"/>
+          </p:cNvSpPr>
+          <p:nvPr>
+            <p:ph type="body" idx="1"/>
+          </p:nvPr>
+        </p:nvSpPr>
+        <p:spPr/>
+        <p:txBody>
+          <a:bodyPr/>
+          <a:lstStyle/>
+          <a:p>
+            <a:pPr marL="0" marR="0" lvl="0" indent="0" algn="l" defTabSz="914400" rtl="0" eaLnBrk="1" fontAlgn="auto" latinLnBrk="0" hangingPunct="1">
+              <a:lnSpc>
+                <a:spcPct val="100000"/>
+              </a:lnSpc>
+              <a:spcBef>
+                <a:spcPts val="0"/>
+              </a:spcBef>
+              <a:spcAft>
+                <a:spcPts val="0"/>
+              </a:spcAft>
+              <a:buClrTx/>
+              <a:buSzTx/>
+              <a:buFontTx/>
+              <a:buNone/>
+              <a:tabLst/>
+              <a:defRPr/>
+            </a:pPr>
+            <a:r>
+              <a:rPr lang="en-US" dirty="0">
+                <a:highlight>
+                  <a:srgbClr val="FFFF00"/>
+                </a:highlight>
+              </a:rPr>
+              <a:t>During the slide talk about:</a:t>
+            </a:r>
+          </a:p>
+          <a:p>
+            <a:pPr marL="0" marR="0" lvl="0" indent="0" algn="l" defTabSz="914400" rtl="0" eaLnBrk="1" fontAlgn="auto" latinLnBrk="0" hangingPunct="1">
+              <a:lnSpc>
+                <a:spcPct val="100000"/>
+              </a:lnSpc>
+              <a:spcBef>
+                <a:spcPts val="0"/>
+              </a:spcBef>
+              <a:spcAft>
+                <a:spcPts val="0"/>
+              </a:spcAft>
+              <a:buClrTx/>
+              <a:buSzTx/>
+              <a:buFontTx/>
+              <a:buNone/>
+              <a:tabLst/>
+              <a:defRPr/>
+            </a:pPr>
+            <a:r>
+              <a:rPr lang="en-US" u="sng" dirty="0">
+                <a:highlight>
+                  <a:srgbClr val="FFFF00"/>
+                </a:highlight>
+              </a:rPr>
+              <a:t>Crime Data Source</a:t>
+            </a:r>
+          </a:p>
+          <a:p>
+            <a:pPr marL="171450" marR="0" lvl="0" indent="-171450" algn="l" defTabSz="914400" rtl="0" eaLnBrk="1" fontAlgn="auto" latinLnBrk="0" hangingPunct="1">
+              <a:lnSpc>
+                <a:spcPct val="100000"/>
+              </a:lnSpc>
+              <a:spcBef>
+                <a:spcPts val="0"/>
+              </a:spcBef>
+              <a:spcAft>
+                <a:spcPts val="0"/>
+              </a:spcAft>
+              <a:buClrTx/>
+              <a:buSzTx/>
+              <a:buFont typeface="Arial" panose="020B0604020202020204" pitchFamily="34" charset="0"/>
+              <a:buChar char="•"/>
+              <a:tabLst/>
+              <a:defRPr/>
+            </a:pPr>
+            <a:r>
+              <a:rPr lang="en-US" u="none" dirty="0">
+                <a:highlight>
+                  <a:srgbClr val="FFFF00"/>
+                </a:highlight>
+              </a:rPr>
+              <a:t>Five csv files (incorporated all crimes for five financial years)</a:t>
+            </a:r>
+          </a:p>
+          <a:p>
+            <a:pPr marL="171450" marR="0" lvl="0" indent="-171450" algn="l" defTabSz="914400" rtl="0" eaLnBrk="1" fontAlgn="auto" latinLnBrk="0" hangingPunct="1">
+              <a:lnSpc>
+                <a:spcPct val="100000"/>
+              </a:lnSpc>
+              <a:spcBef>
+                <a:spcPts val="0"/>
+              </a:spcBef>
+              <a:spcAft>
+                <a:spcPts val="0"/>
+              </a:spcAft>
+              <a:buClrTx/>
+              <a:buSzTx/>
+              <a:buFont typeface="Arial" panose="020B0604020202020204" pitchFamily="34" charset="0"/>
+              <a:buChar char="•"/>
+              <a:tabLst/>
+              <a:defRPr/>
+            </a:pPr>
+            <a:r>
+              <a:rPr lang="en-US" u="none" dirty="0">
+                <a:highlight>
+                  <a:srgbClr val="FFFF00"/>
+                </a:highlight>
+              </a:rPr>
+              <a:t>Each row contained the committed crime date, suburb, crime count and crime type</a:t>
+            </a:r>
+          </a:p>
+          <a:p>
+            <a:pPr marL="0" marR="0" lvl="0" indent="0" algn="l" defTabSz="914400" rtl="0" eaLnBrk="1" fontAlgn="auto" latinLnBrk="0" hangingPunct="1">
+              <a:lnSpc>
+                <a:spcPct val="100000"/>
+              </a:lnSpc>
+              <a:spcBef>
+                <a:spcPts val="0"/>
+              </a:spcBef>
+              <a:spcAft>
+                <a:spcPts val="0"/>
+              </a:spcAft>
+              <a:buClrTx/>
+              <a:buSzTx/>
+              <a:buFontTx/>
+              <a:buNone/>
+              <a:tabLst/>
+              <a:defRPr/>
+            </a:pPr>
+            <a:endParaRPr lang="en-US" dirty="0">
+              <a:highlight>
+                <a:srgbClr val="FFFF00"/>
+              </a:highlight>
+            </a:endParaRPr>
+          </a:p>
+          <a:p>
+            <a:pPr marL="0" marR="0" lvl="0" indent="0" algn="l" defTabSz="914400" rtl="0" eaLnBrk="1" fontAlgn="auto" latinLnBrk="0" hangingPunct="1">
+              <a:lnSpc>
+                <a:spcPct val="100000"/>
+              </a:lnSpc>
+              <a:spcBef>
+                <a:spcPts val="0"/>
+              </a:spcBef>
+              <a:spcAft>
+                <a:spcPts val="0"/>
+              </a:spcAft>
+              <a:buClrTx/>
+              <a:buSzTx/>
+              <a:buFontTx/>
+              <a:buNone/>
+              <a:tabLst/>
+              <a:defRPr/>
+            </a:pPr>
+            <a:endParaRPr lang="en-US" dirty="0">
+              <a:highlight>
+                <a:srgbClr val="FFFF00"/>
+              </a:highlight>
+            </a:endParaRPr>
+          </a:p>
+          <a:p>
+            <a:pPr marL="0" marR="0" lvl="0" indent="0" algn="l" defTabSz="914400" rtl="0" eaLnBrk="1" fontAlgn="auto" latinLnBrk="0" hangingPunct="1">
+              <a:lnSpc>
+                <a:spcPct val="100000"/>
+              </a:lnSpc>
+              <a:spcBef>
+                <a:spcPts val="0"/>
+              </a:spcBef>
+              <a:spcAft>
+                <a:spcPts val="0"/>
+              </a:spcAft>
+              <a:buClrTx/>
+              <a:buSzTx/>
+              <a:buFontTx/>
+              <a:buNone/>
+              <a:tabLst/>
+              <a:defRPr/>
+            </a:pPr>
+            <a:r>
+              <a:rPr lang="en-US" dirty="0">
+                <a:highlight>
+                  <a:srgbClr val="FFFF00"/>
+                </a:highlight>
+              </a:rPr>
+              <a:t>Elaborate on the questions you asked, describing what kinds of data you needed to answer them, and where you found it</a:t>
+            </a:r>
+          </a:p>
+          <a:p>
+            <a:pPr marL="0" marR="0" lvl="0" indent="0" algn="l" defTabSz="914400" rtl="0" eaLnBrk="1" fontAlgn="auto" latinLnBrk="0" hangingPunct="1">
+              <a:lnSpc>
+                <a:spcPct val="100000"/>
+              </a:lnSpc>
+              <a:spcBef>
+                <a:spcPts val="0"/>
+              </a:spcBef>
+              <a:spcAft>
+                <a:spcPts val="0"/>
+              </a:spcAft>
+              <a:buClrTx/>
+              <a:buSzTx/>
+              <a:buFontTx/>
+              <a:buNone/>
+              <a:tabLst/>
+              <a:defRPr/>
+            </a:pPr>
+            <a:endParaRPr lang="en-US" dirty="0">
+              <a:highlight>
+                <a:srgbClr val="FFFF00"/>
+              </a:highlight>
+            </a:endParaRPr>
+          </a:p>
+          <a:p>
+            <a:pPr marL="0" marR="0" lvl="0" indent="0" algn="l" defTabSz="914400" rtl="0" eaLnBrk="1" fontAlgn="auto" latinLnBrk="0" hangingPunct="1">
+              <a:lnSpc>
+                <a:spcPct val="100000"/>
+              </a:lnSpc>
+              <a:spcBef>
+                <a:spcPts val="0"/>
+              </a:spcBef>
+              <a:spcAft>
+                <a:spcPts val="0"/>
+              </a:spcAft>
+              <a:buClrTx/>
+              <a:buSzTx/>
+              <a:buFontTx/>
+              <a:buNone/>
+              <a:tabLst/>
+              <a:defRPr/>
+            </a:pPr>
+            <a:r>
+              <a:rPr lang="en-US" b="1" dirty="0">
+                <a:highlight>
+                  <a:srgbClr val="FFFF00"/>
+                </a:highlight>
+              </a:rPr>
+              <a:t>Challenges:</a:t>
+            </a:r>
+          </a:p>
+          <a:p>
+            <a:pPr marL="0" marR="0" lvl="0" indent="0" algn="l" defTabSz="914400" rtl="0" eaLnBrk="1" fontAlgn="auto" latinLnBrk="0" hangingPunct="1">
+              <a:lnSpc>
+                <a:spcPct val="100000"/>
+              </a:lnSpc>
+              <a:spcBef>
+                <a:spcPts val="0"/>
+              </a:spcBef>
+              <a:spcAft>
+                <a:spcPts val="0"/>
+              </a:spcAft>
+              <a:buClrTx/>
+              <a:buSzTx/>
+              <a:buFontTx/>
+              <a:buNone/>
+              <a:tabLst/>
+              <a:defRPr/>
+            </a:pPr>
+            <a:r>
+              <a:rPr lang="en-US" dirty="0"/>
+              <a:t>Started looking at WA, found crime data from </a:t>
+            </a:r>
+            <a:r>
+              <a:rPr lang="en-AU" dirty="0">
+                <a:hlinkClick r:id="rId3"/>
+              </a:rPr>
+              <a:t>Crime Statistics | Western Australia Police Force</a:t>
+            </a:r>
+            <a:r>
+              <a:rPr lang="en-AU" dirty="0"/>
+              <a:t> was not broken down by location sufficiently to compare to the median house price with a commonality</a:t>
+            </a:r>
+            <a:endParaRPr lang="en-US" dirty="0">
+              <a:highlight>
+                <a:srgbClr val="FFFF00"/>
+              </a:highlight>
+            </a:endParaRPr>
+          </a:p>
+          <a:p>
+            <a:endParaRPr lang="en-US" dirty="0"/>
+          </a:p>
+        </p:txBody>
+      </p:sp>
+      <p:sp>
+        <p:nvSpPr>
+          <p:cNvPr id="4" name="Slide Number Placeholder 3"/>
+          <p:cNvSpPr>
+            <a:spLocks noGrp="1"/>
+          </p:cNvSpPr>
+          <p:nvPr>
+            <p:ph type="sldNum" sz="quarter" idx="5"/>
+          </p:nvPr>
+        </p:nvSpPr>
+        <p:spPr/>
+        <p:txBody>
+          <a:bodyPr/>
+          <a:lstStyle/>
+          <a:p>
+            <a:fld id="{4F2AAB9E-B1B6-7347-AEB9-3DE8A4E8C48F}" type="slidenum">
+              <a:rPr lang="en-US" smtClean="0"/>
+              <a:t>3</a:t>
+            </a:fld>
+            <a:endParaRPr lang="en-US"/>
+          </a:p>
+        </p:txBody>
+      </p:sp>
+    </p:spTree>
+    <p:extLst>
+      <p:ext uri="{BB962C8B-B14F-4D97-AF65-F5344CB8AC3E}">
+        <p14:creationId xmlns:p14="http://schemas.microsoft.com/office/powerpoint/2010/main" val="1264430062"/>
+      </p:ext>
+    </p:extLst>
+  </p:cSld>
+  <p:clrMapOvr>
+    <a:masterClrMapping/>
+  </p:clrMapOvr>
+</p:notes>
+</file>
+
+<file path=ppt/notesSlides/notesSlide3.xml><?xml version="1.0" encoding="utf-8"?>
+<p:notes xmlns:a="http://schemas.openxmlformats.org/drawingml/2006/main" xmlns:r="http://schemas.openxmlformats.org/officeDocument/2006/relationships" xmlns:p="http://schemas.openxmlformats.org/presentationml/2006/main">
+  <p:cSld>
+    <p:spTree>
+      <p:nvGrpSpPr>
+        <p:cNvPr id="1" name=""/>
+        <p:cNvGrpSpPr/>
+        <p:nvPr/>
+      </p:nvGrpSpPr>
+      <p:grpSpPr>
+        <a:xfrm>
+          <a:off x="0" y="0"/>
+          <a:ext cx="0" cy="0"/>
+          <a:chOff x="0" y="0"/>
+          <a:chExt cx="0" cy="0"/>
+        </a:xfrm>
+      </p:grpSpPr>
+      <p:sp>
+        <p:nvSpPr>
+          <p:cNvPr id="2" name="Slide Image Placeholder 1"/>
+          <p:cNvSpPr>
+            <a:spLocks noGrp="1" noRot="1" noChangeAspect="1"/>
+          </p:cNvSpPr>
+          <p:nvPr>
+            <p:ph type="sldImg"/>
+          </p:nvPr>
+        </p:nvSpPr>
+        <p:spPr/>
+      </p:sp>
+      <p:sp>
+        <p:nvSpPr>
+          <p:cNvPr id="3" name="Notes Placeholder 2"/>
+          <p:cNvSpPr>
+            <a:spLocks noGrp="1"/>
+          </p:cNvSpPr>
+          <p:nvPr>
+            <p:ph type="body" idx="1"/>
+          </p:nvPr>
+        </p:nvSpPr>
+        <p:spPr/>
+        <p:txBody>
+          <a:bodyPr/>
+          <a:lstStyle/>
+          <a:p>
+            <a:r>
+              <a:rPr lang="en-US" dirty="0"/>
+              <a:t>Nick to complete</a:t>
+            </a:r>
+          </a:p>
+          <a:p>
+            <a:endParaRPr lang="en-US" dirty="0"/>
+          </a:p>
+          <a:p>
+            <a:r>
+              <a:rPr lang="en-US" dirty="0"/>
+              <a:t>Trying to eliminate petty crimes (e.g. graffiti)</a:t>
+            </a:r>
+          </a:p>
+          <a:p>
+            <a:r>
+              <a:rPr lang="en-US" dirty="0"/>
+              <a:t>Included SCT because we assumed it would only be counted once and the data would be accurate</a:t>
+            </a:r>
+          </a:p>
+          <a:p>
+            <a:endParaRPr lang="en-US" dirty="0"/>
+          </a:p>
+          <a:p>
+            <a:pPr>
+              <a:buFont typeface="Arial" panose="020B0604020202020204" pitchFamily="34" charset="0"/>
+              <a:buChar char="•"/>
+            </a:pPr>
+            <a:r>
+              <a:rPr lang="en-US" dirty="0">
+                <a:highlight>
+                  <a:srgbClr val="FFFF00"/>
+                </a:highlight>
+              </a:rPr>
+              <a:t>Describe the exploration and cleanup process</a:t>
+            </a:r>
+          </a:p>
+          <a:p>
+            <a:pPr>
+              <a:buFont typeface="Arial" panose="020B0604020202020204" pitchFamily="34" charset="0"/>
+              <a:buChar char="•"/>
+            </a:pPr>
+            <a:r>
+              <a:rPr lang="en-US" dirty="0"/>
+              <a:t>Crime data found in CSV by financial year, merged the data together for each year</a:t>
+            </a:r>
+          </a:p>
+          <a:p>
+            <a:pPr>
+              <a:buFont typeface="Arial" panose="020B0604020202020204" pitchFamily="34" charset="0"/>
+              <a:buChar char="•"/>
+            </a:pPr>
+            <a:r>
+              <a:rPr lang="en-US" dirty="0">
+                <a:highlight>
+                  <a:srgbClr val="FFFF00"/>
+                </a:highlight>
+              </a:rPr>
+              <a:t>Discuss insights you had while exploring the data that you didn't anticipate</a:t>
+            </a:r>
+          </a:p>
+          <a:p>
+            <a:pPr>
+              <a:buFont typeface="Arial" panose="020B0604020202020204" pitchFamily="34" charset="0"/>
+              <a:buChar char="•"/>
+            </a:pPr>
+            <a:r>
+              <a:rPr lang="en-US" dirty="0">
+                <a:highlight>
+                  <a:srgbClr val="FFFF00"/>
+                </a:highlight>
+              </a:rPr>
+              <a:t>Discuss any problems that arose after exploring the data, and how you resolved them</a:t>
+            </a:r>
+          </a:p>
+          <a:p>
+            <a:pPr>
+              <a:buFont typeface="Arial" panose="020B0604020202020204" pitchFamily="34" charset="0"/>
+              <a:buChar char="•"/>
+            </a:pPr>
+            <a:r>
+              <a:rPr lang="en-US" dirty="0">
+                <a:highlight>
+                  <a:srgbClr val="FFFF00"/>
+                </a:highlight>
+              </a:rPr>
+              <a:t>Present and discuss interesting figures developed during exploration, ideally with the help of </a:t>
+            </a:r>
+            <a:r>
+              <a:rPr lang="en-US" dirty="0" err="1">
+                <a:highlight>
+                  <a:srgbClr val="FFFF00"/>
+                </a:highlight>
+              </a:rPr>
+              <a:t>Jupyter</a:t>
+            </a:r>
+            <a:r>
+              <a:rPr lang="en-US" dirty="0">
+                <a:highlight>
+                  <a:srgbClr val="FFFF00"/>
+                </a:highlight>
+              </a:rPr>
+              <a:t> Notebook</a:t>
+            </a:r>
+          </a:p>
+          <a:p>
+            <a:endParaRPr lang="en-US" dirty="0"/>
+          </a:p>
+        </p:txBody>
+      </p:sp>
+      <p:sp>
+        <p:nvSpPr>
+          <p:cNvPr id="4" name="Slide Number Placeholder 3"/>
+          <p:cNvSpPr>
+            <a:spLocks noGrp="1"/>
+          </p:cNvSpPr>
+          <p:nvPr>
+            <p:ph type="sldNum" sz="quarter" idx="5"/>
+          </p:nvPr>
+        </p:nvSpPr>
+        <p:spPr/>
+        <p:txBody>
+          <a:bodyPr/>
+          <a:lstStyle/>
+          <a:p>
+            <a:fld id="{4F2AAB9E-B1B6-7347-AEB9-3DE8A4E8C48F}" type="slidenum">
+              <a:rPr lang="en-US" smtClean="0"/>
+              <a:t>4</a:t>
+            </a:fld>
+            <a:endParaRPr lang="en-US"/>
+          </a:p>
+        </p:txBody>
+      </p:sp>
+    </p:spTree>
+    <p:extLst>
+      <p:ext uri="{BB962C8B-B14F-4D97-AF65-F5344CB8AC3E}">
+        <p14:creationId xmlns:p14="http://schemas.microsoft.com/office/powerpoint/2010/main" val="3600383317"/>
+      </p:ext>
+    </p:extLst>
+  </p:cSld>
+  <p:clrMapOvr>
+    <a:masterClrMapping/>
+  </p:clrMapOvr>
+</p:notes>
+</file>
+
+<file path=ppt/notesSlides/notesSlide4.xml><?xml version="1.0" encoding="utf-8"?>
+<p:notes xmlns:a="http://schemas.openxmlformats.org/drawingml/2006/main" xmlns:r="http://schemas.openxmlformats.org/officeDocument/2006/relationships" xmlns:p="http://schemas.openxmlformats.org/presentationml/2006/main">
+  <p:cSld>
+    <p:spTree>
+      <p:nvGrpSpPr>
+        <p:cNvPr id="1" name=""/>
+        <p:cNvGrpSpPr/>
+        <p:nvPr/>
+      </p:nvGrpSpPr>
+      <p:grpSpPr>
+        <a:xfrm>
+          <a:off x="0" y="0"/>
+          <a:ext cx="0" cy="0"/>
+          <a:chOff x="0" y="0"/>
+          <a:chExt cx="0" cy="0"/>
+        </a:xfrm>
+      </p:grpSpPr>
+      <p:sp>
+        <p:nvSpPr>
+          <p:cNvPr id="2" name="Slide Image Placeholder 1"/>
+          <p:cNvSpPr>
+            <a:spLocks noGrp="1" noRot="1" noChangeAspect="1"/>
+          </p:cNvSpPr>
+          <p:nvPr>
+            <p:ph type="sldImg"/>
+          </p:nvPr>
+        </p:nvSpPr>
+        <p:spPr/>
+      </p:sp>
+      <p:sp>
+        <p:nvSpPr>
+          <p:cNvPr id="3" name="Notes Placeholder 2"/>
+          <p:cNvSpPr>
+            <a:spLocks noGrp="1"/>
+          </p:cNvSpPr>
+          <p:nvPr>
+            <p:ph type="body" idx="1"/>
+          </p:nvPr>
+        </p:nvSpPr>
+        <p:spPr/>
+        <p:txBody>
+          <a:bodyPr/>
+          <a:lstStyle/>
+          <a:p>
+            <a:endParaRPr lang="en-US" dirty="0"/>
+          </a:p>
+        </p:txBody>
+      </p:sp>
+      <p:sp>
+        <p:nvSpPr>
+          <p:cNvPr id="4" name="Slide Number Placeholder 3"/>
+          <p:cNvSpPr>
+            <a:spLocks noGrp="1"/>
+          </p:cNvSpPr>
+          <p:nvPr>
+            <p:ph type="sldNum" sz="quarter" idx="5"/>
+          </p:nvPr>
+        </p:nvSpPr>
+        <p:spPr/>
+        <p:txBody>
+          <a:bodyPr/>
+          <a:lstStyle/>
+          <a:p>
+            <a:fld id="{4F2AAB9E-B1B6-7347-AEB9-3DE8A4E8C48F}" type="slidenum">
+              <a:rPr lang="en-US" smtClean="0"/>
+              <a:t>5</a:t>
+            </a:fld>
+            <a:endParaRPr lang="en-US"/>
+          </a:p>
+        </p:txBody>
+      </p:sp>
+    </p:spTree>
+    <p:extLst>
+      <p:ext uri="{BB962C8B-B14F-4D97-AF65-F5344CB8AC3E}">
+        <p14:creationId xmlns:p14="http://schemas.microsoft.com/office/powerpoint/2010/main" val="428156339"/>
+      </p:ext>
+    </p:extLst>
+  </p:cSld>
+  <p:clrMapOvr>
+    <a:masterClrMapping/>
+  </p:clrMapOvr>
+</p:notes>
+</file>
+
+<file path=ppt/notesSlides/notesSlide5.xml><?xml version="1.0" encoding="utf-8"?>
+<p:notes xmlns:a="http://schemas.openxmlformats.org/drawingml/2006/main" xmlns:r="http://schemas.openxmlformats.org/officeDocument/2006/relationships" xmlns:p="http://schemas.openxmlformats.org/presentationml/2006/main">
+  <p:cSld>
+    <p:spTree>
+      <p:nvGrpSpPr>
+        <p:cNvPr id="1" name=""/>
+        <p:cNvGrpSpPr/>
+        <p:nvPr/>
+      </p:nvGrpSpPr>
+      <p:grpSpPr>
+        <a:xfrm>
+          <a:off x="0" y="0"/>
+          <a:ext cx="0" cy="0"/>
+          <a:chOff x="0" y="0"/>
+          <a:chExt cx="0" cy="0"/>
+        </a:xfrm>
+      </p:grpSpPr>
+      <p:sp>
+        <p:nvSpPr>
+          <p:cNvPr id="2" name="Slide Image Placeholder 1"/>
+          <p:cNvSpPr>
+            <a:spLocks noGrp="1" noRot="1" noChangeAspect="1"/>
+          </p:cNvSpPr>
+          <p:nvPr>
+            <p:ph type="sldImg"/>
+          </p:nvPr>
+        </p:nvSpPr>
+        <p:spPr/>
+      </p:sp>
+      <p:sp>
+        <p:nvSpPr>
+          <p:cNvPr id="3" name="Notes Placeholder 2"/>
+          <p:cNvSpPr>
+            <a:spLocks noGrp="1"/>
+          </p:cNvSpPr>
+          <p:nvPr>
+            <p:ph type="body" idx="1"/>
+          </p:nvPr>
+        </p:nvSpPr>
+        <p:spPr/>
+        <p:txBody>
+          <a:bodyPr/>
+          <a:lstStyle/>
+          <a:p>
+            <a:r>
+              <a:rPr lang="en-US" dirty="0"/>
+              <a:t>Potentially just show one graph</a:t>
+            </a:r>
+          </a:p>
+        </p:txBody>
+      </p:sp>
+      <p:sp>
+        <p:nvSpPr>
+          <p:cNvPr id="4" name="Slide Number Placeholder 3"/>
+          <p:cNvSpPr>
+            <a:spLocks noGrp="1"/>
+          </p:cNvSpPr>
+          <p:nvPr>
+            <p:ph type="sldNum" sz="quarter" idx="5"/>
+          </p:nvPr>
+        </p:nvSpPr>
+        <p:spPr/>
+        <p:txBody>
+          <a:bodyPr/>
+          <a:lstStyle/>
+          <a:p>
+            <a:fld id="{4F2AAB9E-B1B6-7347-AEB9-3DE8A4E8C48F}" type="slidenum">
+              <a:rPr lang="en-US" smtClean="0"/>
+              <a:t>10</a:t>
+            </a:fld>
+            <a:endParaRPr lang="en-US"/>
+          </a:p>
+        </p:txBody>
+      </p:sp>
+    </p:spTree>
+    <p:extLst>
+      <p:ext uri="{BB962C8B-B14F-4D97-AF65-F5344CB8AC3E}">
+        <p14:creationId xmlns:p14="http://schemas.microsoft.com/office/powerpoint/2010/main" val="4246549080"/>
+      </p:ext>
+    </p:extLst>
+  </p:cSld>
+  <p:clrMapOvr>
+    <a:masterClrMapping/>
+  </p:clrMapOvr>
+</p:notes>
+</file>
+
+<file path=ppt/notesSlides/notesSlide6.xml><?xml version="1.0" encoding="utf-8"?>
+<p:notes xmlns:a="http://schemas.openxmlformats.org/drawingml/2006/main" xmlns:r="http://schemas.openxmlformats.org/officeDocument/2006/relationships" xmlns:p="http://schemas.openxmlformats.org/presentationml/2006/main">
+  <p:cSld>
+    <p:spTree>
+      <p:nvGrpSpPr>
+        <p:cNvPr id="1" name=""/>
+        <p:cNvGrpSpPr/>
+        <p:nvPr/>
+      </p:nvGrpSpPr>
+      <p:grpSpPr>
+        <a:xfrm>
+          <a:off x="0" y="0"/>
+          <a:ext cx="0" cy="0"/>
+          <a:chOff x="0" y="0"/>
+          <a:chExt cx="0" cy="0"/>
+        </a:xfrm>
+      </p:grpSpPr>
+      <p:sp>
+        <p:nvSpPr>
+          <p:cNvPr id="2" name="Slide Image Placeholder 1"/>
+          <p:cNvSpPr>
+            <a:spLocks noGrp="1" noRot="1" noChangeAspect="1"/>
+          </p:cNvSpPr>
+          <p:nvPr>
+            <p:ph type="sldImg"/>
+          </p:nvPr>
+        </p:nvSpPr>
+        <p:spPr/>
+      </p:sp>
+      <p:sp>
+        <p:nvSpPr>
+          <p:cNvPr id="3" name="Notes Placeholder 2"/>
+          <p:cNvSpPr>
+            <a:spLocks noGrp="1"/>
+          </p:cNvSpPr>
+          <p:nvPr>
+            <p:ph type="body" idx="1"/>
+          </p:nvPr>
+        </p:nvSpPr>
+        <p:spPr/>
+        <p:txBody>
+          <a:bodyPr/>
+          <a:lstStyle/>
+          <a:p>
+            <a:endParaRPr lang="en-US" dirty="0"/>
+          </a:p>
+        </p:txBody>
+      </p:sp>
+      <p:sp>
+        <p:nvSpPr>
+          <p:cNvPr id="4" name="Slide Number Placeholder 3"/>
+          <p:cNvSpPr>
+            <a:spLocks noGrp="1"/>
+          </p:cNvSpPr>
+          <p:nvPr>
+            <p:ph type="sldNum" sz="quarter" idx="5"/>
+          </p:nvPr>
+        </p:nvSpPr>
+        <p:spPr/>
+        <p:txBody>
+          <a:bodyPr/>
+          <a:lstStyle/>
+          <a:p>
+            <a:fld id="{4F2AAB9E-B1B6-7347-AEB9-3DE8A4E8C48F}" type="slidenum">
+              <a:rPr lang="en-US" smtClean="0"/>
+              <a:t>11</a:t>
+            </a:fld>
+            <a:endParaRPr lang="en-US"/>
+          </a:p>
+        </p:txBody>
+      </p:sp>
+    </p:spTree>
+    <p:extLst>
+      <p:ext uri="{BB962C8B-B14F-4D97-AF65-F5344CB8AC3E}">
+        <p14:creationId xmlns:p14="http://schemas.microsoft.com/office/powerpoint/2010/main" val="4063722880"/>
+      </p:ext>
+    </p:extLst>
+  </p:cSld>
+  <p:clrMapOvr>
+    <a:masterClrMapping/>
+  </p:clrMapOvr>
+</p:notes>
+</file>
+
+<file path=ppt/slideLayouts/slideLayout1.xml><?xml version="1.0" encoding="utf-8"?>
+<p:sldLayout xmlns:a="http://schemas.openxmlformats.org/drawingml/2006/main" xmlns:r="http://schemas.openxmlformats.org/officeDocument/2006/relationships" xmlns:p="http://schemas.openxmlformats.org/presentationml/2006/main" type="title" preserve="1">
+  <p:cSld name="Title Slide">
+    <p:bg>
+      <p:bgPr>
+        <a:solidFill>
+          <a:schemeClr val="accent2"/>
+        </a:solidFill>
+        <a:effectLst/>
+      </p:bgPr>
+    </p:bg>
+    <p:spTree>
+      <p:nvGrpSpPr>
+        <p:cNvPr id="1" name=""/>
+        <p:cNvGrpSpPr/>
+        <p:nvPr/>
+      </p:nvGrpSpPr>
+      <p:grpSpPr>
+        <a:xfrm>
+          <a:off x="0" y="0"/>
+          <a:ext cx="0" cy="0"/>
+          <a:chOff x="0" y="0"/>
+          <a:chExt cx="0" cy="0"/>
+        </a:xfrm>
+      </p:grpSpPr>
+      <p:sp>
+        <p:nvSpPr>
+          <p:cNvPr id="2" name="Title 1"/>
+          <p:cNvSpPr>
+            <a:spLocks noGrp="1"/>
+          </p:cNvSpPr>
+          <p:nvPr>
+            <p:ph type="ctrTitle"/>
+          </p:nvPr>
+        </p:nvSpPr>
+        <p:spPr bwMode="blackWhite">
+          <a:xfrm>
+            <a:off x="1600200" y="2386744"/>
+            <a:ext cx="8991600" cy="1645920"/>
+          </a:xfrm>
+          <a:solidFill>
+            <a:srgbClr val="FFFFFF"/>
+          </a:solidFill>
+          <a:ln w="38100">
+            <a:solidFill>
+              <a:srgbClr val="404040"/>
+            </a:solidFill>
+          </a:ln>
+        </p:spPr>
+        <p:txBody>
+          <a:bodyPr lIns="274320" rIns="274320" anchor="ctr" anchorCtr="1">
+            <a:normAutofit/>
+          </a:bodyPr>
           <a:lstStyle>
             <a:lvl1pPr algn="ctr">
-              <a:defRPr sz="6000"/>
+              <a:defRPr sz="3800">
+                <a:solidFill>
+                  <a:srgbClr val="262626"/>
+                </a:solidFill>
+              </a:defRPr>
             </a:lvl1pPr>
           </a:lstStyle>
           <a:p>
             <a:r>
-              <a:rPr lang="en-US"/>
+              <a:rPr lang="en-GB"/>
               <a:t>Click to edit Master title style</a:t>
             </a:r>
-            <a:endParaRPr lang="en-AU"/>
-          </a:p>
-        </p:txBody>
-      </p:sp>
-      <p:sp>
-        <p:nvSpPr>
-          <p:cNvPr id="3" name="Subtitle 2">
-            <a:extLst>
-              <a:ext uri="{FF2B5EF4-FFF2-40B4-BE49-F238E27FC236}">
-                <a16:creationId xmlns:a16="http://schemas.microsoft.com/office/drawing/2014/main" id="{07990EC7-2EC3-4941-BD90-73A6B1D3BB7F}"/>
-              </a:ext>
-            </a:extLst>
-          </p:cNvPr>
+            <a:endParaRPr lang="en-US" dirty="0"/>
+          </a:p>
+        </p:txBody>
+      </p:sp>
+      <p:sp>
+        <p:nvSpPr>
+          <p:cNvPr id="3" name="Subtitle 2"/>
           <p:cNvSpPr>
             <a:spLocks noGrp="1"/>
           </p:cNvSpPr>
@@ -189,16 +1498,26 @@
         </p:nvSpPr>
         <p:spPr>
           <a:xfrm>
-            <a:off x="1524000" y="3602038"/>
-            <a:ext cx="9144000" cy="1655762"/>
+            <a:off x="2695194" y="4352544"/>
+            <a:ext cx="6801612" cy="1239894"/>
           </a:xfrm>
+          <a:noFill/>
         </p:spPr>
         <p:txBody>
-          <a:bodyPr/>
+          <a:bodyPr>
+            <a:normAutofit/>
+          </a:bodyPr>
           <a:lstStyle>
             <a:lvl1pPr marL="0" indent="0" algn="ctr">
               <a:buNone/>
-              <a:defRPr sz="2400"/>
+              <a:defRPr sz="2000">
+                <a:solidFill>
+                  <a:schemeClr val="tx1">
+                    <a:lumMod val="75000"/>
+                    <a:lumOff val="25000"/>
+                  </a:schemeClr>
+                </a:solidFill>
+              </a:defRPr>
             </a:lvl1pPr>
             <a:lvl2pPr marL="457200" indent="0" algn="ctr">
               <a:buNone/>
@@ -235,22 +1554,16 @@
           </a:lstStyle>
           <a:p>
             <a:r>
-              <a:rPr lang="en-US"/>
+              <a:rPr lang="en-GB"/>
               <a:t>Click to edit Master subtitle style</a:t>
             </a:r>
-            <a:endParaRPr lang="en-AU"/>
-          </a:p>
-        </p:txBody>
-      </p:sp>
-      <p:sp>
-        <p:nvSpPr>
-          <p:cNvPr id="4" name="Date Placeholder 3">
-            <a:extLst>
-              <a:ext uri="{FF2B5EF4-FFF2-40B4-BE49-F238E27FC236}">
-                <a16:creationId xmlns:a16="http://schemas.microsoft.com/office/drawing/2014/main" id="{E8017253-7D4B-43FC-A68B-9F1939432304}"/>
-              </a:ext>
-            </a:extLst>
-          </p:cNvPr>
+            <a:endParaRPr lang="en-US" dirty="0"/>
+          </a:p>
+        </p:txBody>
+      </p:sp>
+      <p:sp>
+        <p:nvSpPr>
+          <p:cNvPr id="7" name="Date Placeholder 6"/>
           <p:cNvSpPr>
             <a:spLocks noGrp="1"/>
           </p:cNvSpPr>
@@ -265,7 +1578,7 @@
           <a:p>
             <a:fld id="{FD85B985-76B1-472F-AE68-4120063CE451}" type="datetimeFigureOut">
               <a:rPr lang="en-AU" smtClean="0"/>
-              <a:t>28/01/2021</a:t>
+              <a:t>3/2/21</a:t>
             </a:fld>
             <a:endParaRPr lang="en-AU"/>
           </a:p>
@@ -273,13 +1586,7 @@
       </p:sp>
       <p:sp>
         <p:nvSpPr>
-          <p:cNvPr id="5" name="Footer Placeholder 4">
-            <a:extLst>
-              <a:ext uri="{FF2B5EF4-FFF2-40B4-BE49-F238E27FC236}">
-                <a16:creationId xmlns:a16="http://schemas.microsoft.com/office/drawing/2014/main" id="{429524A7-F6A4-4687-A363-7E4129BF4F84}"/>
-              </a:ext>
-            </a:extLst>
-          </p:cNvPr>
+          <p:cNvPr id="8" name="Footer Placeholder 7"/>
           <p:cNvSpPr>
             <a:spLocks noGrp="1"/>
           </p:cNvSpPr>
@@ -298,13 +1605,7 @@
       </p:sp>
       <p:sp>
         <p:nvSpPr>
-          <p:cNvPr id="6" name="Slide Number Placeholder 5">
-            <a:extLst>
-              <a:ext uri="{FF2B5EF4-FFF2-40B4-BE49-F238E27FC236}">
-                <a16:creationId xmlns:a16="http://schemas.microsoft.com/office/drawing/2014/main" id="{17895805-94C8-4413-AF41-C47B4E44FD81}"/>
-              </a:ext>
-            </a:extLst>
-          </p:cNvPr>
+          <p:cNvPr id="9" name="Slide Number Placeholder 8"/>
           <p:cNvSpPr>
             <a:spLocks noGrp="1"/>
           </p:cNvSpPr>
@@ -328,12 +1629,12 @@
     </p:spTree>
     <p:extLst>
       <p:ext uri="{BB962C8B-B14F-4D97-AF65-F5344CB8AC3E}">
-        <p14:creationId xmlns:p14="http://schemas.microsoft.com/office/powerpoint/2010/main" val="2458942319"/>
+        <p14:creationId xmlns:p14="http://schemas.microsoft.com/office/powerpoint/2010/main" val="2523574302"/>
       </p:ext>
     </p:extLst>
   </p:cSld>
   <p:clrMapOvr>
-    <a:masterClrMapping/>
+    <a:overrideClrMapping bg1="dk1" tx1="lt1" bg2="dk2" tx2="lt2" accent1="accent1" accent2="accent2" accent3="accent3" accent4="accent4" accent5="accent5" accent6="accent6" hlink="hlink" folHlink="folHlink"/>
   </p:clrMapOvr>
 </p:sldLayout>
 </file>
@@ -357,13 +1658,7 @@
       </p:grpSpPr>
       <p:sp>
         <p:nvSpPr>
-          <p:cNvPr id="2" name="Title 1">
-            <a:extLst>
-              <a:ext uri="{FF2B5EF4-FFF2-40B4-BE49-F238E27FC236}">
-                <a16:creationId xmlns:a16="http://schemas.microsoft.com/office/drawing/2014/main" id="{B9FC4F7C-752C-4F8C-A405-B99008E1414F}"/>
-              </a:ext>
-            </a:extLst>
-          </p:cNvPr>
+          <p:cNvPr id="2" name="Title 1"/>
           <p:cNvSpPr>
             <a:spLocks noGrp="1"/>
           </p:cNvSpPr>
@@ -377,22 +1672,16 @@
           <a:lstStyle/>
           <a:p>
             <a:r>
-              <a:rPr lang="en-US"/>
+              <a:rPr lang="en-GB"/>
               <a:t>Click to edit Master title style</a:t>
             </a:r>
-            <a:endParaRPr lang="en-AU"/>
-          </a:p>
-        </p:txBody>
-      </p:sp>
-      <p:sp>
-        <p:nvSpPr>
-          <p:cNvPr id="3" name="Vertical Text Placeholder 2">
-            <a:extLst>
-              <a:ext uri="{FF2B5EF4-FFF2-40B4-BE49-F238E27FC236}">
-                <a16:creationId xmlns:a16="http://schemas.microsoft.com/office/drawing/2014/main" id="{C8D29D42-A8E4-4FD4-A182-442FA3C2260B}"/>
-              </a:ext>
-            </a:extLst>
-          </p:cNvPr>
+            <a:endParaRPr lang="en-US" dirty="0"/>
+          </a:p>
+        </p:txBody>
+      </p:sp>
+      <p:sp>
+        <p:nvSpPr>
+          <p:cNvPr id="3" name="Vertical Text Placeholder 2"/>
           <p:cNvSpPr>
             <a:spLocks noGrp="1"/>
           </p:cNvSpPr>
@@ -407,50 +1696,44 @@
           <a:p>
             <a:pPr lvl="0"/>
             <a:r>
-              <a:rPr lang="en-US"/>
+              <a:rPr lang="en-GB"/>
               <a:t>Click to edit Master text styles</a:t>
             </a:r>
           </a:p>
           <a:p>
             <a:pPr lvl="1"/>
             <a:r>
-              <a:rPr lang="en-US"/>
+              <a:rPr lang="en-GB"/>
               <a:t>Second level</a:t>
             </a:r>
           </a:p>
           <a:p>
             <a:pPr lvl="2"/>
             <a:r>
-              <a:rPr lang="en-US"/>
+              <a:rPr lang="en-GB"/>
               <a:t>Third level</a:t>
             </a:r>
           </a:p>
           <a:p>
             <a:pPr lvl="3"/>
             <a:r>
-              <a:rPr lang="en-US"/>
+              <a:rPr lang="en-GB"/>
               <a:t>Fourth level</a:t>
             </a:r>
           </a:p>
           <a:p>
             <a:pPr lvl="4"/>
             <a:r>
-              <a:rPr lang="en-US"/>
+              <a:rPr lang="en-GB"/>
               <a:t>Fifth level</a:t>
             </a:r>
-            <a:endParaRPr lang="en-AU"/>
-          </a:p>
-        </p:txBody>
-      </p:sp>
-      <p:sp>
-        <p:nvSpPr>
-          <p:cNvPr id="4" name="Date Placeholder 3">
-            <a:extLst>
-              <a:ext uri="{FF2B5EF4-FFF2-40B4-BE49-F238E27FC236}">
-                <a16:creationId xmlns:a16="http://schemas.microsoft.com/office/drawing/2014/main" id="{96A68BB8-B1AF-4A2D-BDD0-239E97668165}"/>
-              </a:ext>
-            </a:extLst>
-          </p:cNvPr>
+            <a:endParaRPr lang="en-US" dirty="0"/>
+          </a:p>
+        </p:txBody>
+      </p:sp>
+      <p:sp>
+        <p:nvSpPr>
+          <p:cNvPr id="4" name="Date Placeholder 3"/>
           <p:cNvSpPr>
             <a:spLocks noGrp="1"/>
           </p:cNvSpPr>
@@ -465,7 +1748,7 @@
           <a:p>
             <a:fld id="{FD85B985-76B1-472F-AE68-4120063CE451}" type="datetimeFigureOut">
               <a:rPr lang="en-AU" smtClean="0"/>
-              <a:t>28/01/2021</a:t>
+              <a:t>3/2/21</a:t>
             </a:fld>
             <a:endParaRPr lang="en-AU"/>
           </a:p>
@@ -473,13 +1756,7 @@
       </p:sp>
       <p:sp>
         <p:nvSpPr>
-          <p:cNvPr id="5" name="Footer Placeholder 4">
-            <a:extLst>
-              <a:ext uri="{FF2B5EF4-FFF2-40B4-BE49-F238E27FC236}">
-                <a16:creationId xmlns:a16="http://schemas.microsoft.com/office/drawing/2014/main" id="{4B314493-9F79-4545-8848-6EC1724AE999}"/>
-              </a:ext>
-            </a:extLst>
-          </p:cNvPr>
+          <p:cNvPr id="5" name="Footer Placeholder 4"/>
           <p:cNvSpPr>
             <a:spLocks noGrp="1"/>
           </p:cNvSpPr>
@@ -498,13 +1775,7 @@
       </p:sp>
       <p:sp>
         <p:nvSpPr>
-          <p:cNvPr id="6" name="Slide Number Placeholder 5">
-            <a:extLst>
-              <a:ext uri="{FF2B5EF4-FFF2-40B4-BE49-F238E27FC236}">
-                <a16:creationId xmlns:a16="http://schemas.microsoft.com/office/drawing/2014/main" id="{5857C97F-C95B-4BFA-BAD7-A4F0F3EDB711}"/>
-              </a:ext>
-            </a:extLst>
-          </p:cNvPr>
+          <p:cNvPr id="6" name="Slide Number Placeholder 5"/>
           <p:cNvSpPr>
             <a:spLocks noGrp="1"/>
           </p:cNvSpPr>
@@ -528,7 +1799,7 @@
     </p:spTree>
     <p:extLst>
       <p:ext uri="{BB962C8B-B14F-4D97-AF65-F5344CB8AC3E}">
-        <p14:creationId xmlns:p14="http://schemas.microsoft.com/office/powerpoint/2010/main" val="1911415262"/>
+        <p14:creationId xmlns:p14="http://schemas.microsoft.com/office/powerpoint/2010/main" val="2669018461"/>
       </p:ext>
     </p:extLst>
   </p:cSld>
@@ -557,13 +1828,7 @@
       </p:grpSpPr>
       <p:sp>
         <p:nvSpPr>
-          <p:cNvPr id="2" name="Vertical Title 1">
-            <a:extLst>
-              <a:ext uri="{FF2B5EF4-FFF2-40B4-BE49-F238E27FC236}">
-                <a16:creationId xmlns:a16="http://schemas.microsoft.com/office/drawing/2014/main" id="{B3FE389E-1A92-4686-BF3F-1474BD7549D0}"/>
-              </a:ext>
-            </a:extLst>
-          </p:cNvPr>
+          <p:cNvPr id="2" name="Vertical Title 1"/>
           <p:cNvSpPr>
             <a:spLocks noGrp="1"/>
           </p:cNvSpPr>
@@ -573,8 +1838,8 @@
         </p:nvSpPr>
         <p:spPr>
           <a:xfrm>
-            <a:off x="8724900" y="365125"/>
-            <a:ext cx="2628900" cy="5811838"/>
+            <a:off x="8653112" y="937260"/>
+            <a:ext cx="1298608" cy="4983480"/>
           </a:xfrm>
         </p:spPr>
         <p:txBody>
@@ -582,22 +1847,16 @@
           <a:lstStyle/>
           <a:p>
             <a:r>
-              <a:rPr lang="en-US"/>
+              <a:rPr lang="en-GB"/>
               <a:t>Click to edit Master title style</a:t>
             </a:r>
-            <a:endParaRPr lang="en-AU"/>
-          </a:p>
-        </p:txBody>
-      </p:sp>
-      <p:sp>
-        <p:nvSpPr>
-          <p:cNvPr id="3" name="Vertical Text Placeholder 2">
-            <a:extLst>
-              <a:ext uri="{FF2B5EF4-FFF2-40B4-BE49-F238E27FC236}">
-                <a16:creationId xmlns:a16="http://schemas.microsoft.com/office/drawing/2014/main" id="{1A7B6A62-0BD8-4E55-9E18-D95ABE669B38}"/>
-              </a:ext>
-            </a:extLst>
-          </p:cNvPr>
+            <a:endParaRPr lang="en-US" dirty="0"/>
+          </a:p>
+        </p:txBody>
+      </p:sp>
+      <p:sp>
+        <p:nvSpPr>
+          <p:cNvPr id="3" name="Vertical Text Placeholder 2"/>
           <p:cNvSpPr>
             <a:spLocks noGrp="1"/>
           </p:cNvSpPr>
@@ -607,8 +1866,8 @@
         </p:nvSpPr>
         <p:spPr>
           <a:xfrm>
-            <a:off x="838200" y="365125"/>
-            <a:ext cx="7734300" cy="5811838"/>
+            <a:off x="2231136" y="937260"/>
+            <a:ext cx="6198489" cy="4983480"/>
           </a:xfrm>
         </p:spPr>
         <p:txBody>
@@ -617,50 +1876,44 @@
           <a:p>
             <a:pPr lvl="0"/>
             <a:r>
-              <a:rPr lang="en-US"/>
+              <a:rPr lang="en-GB"/>
               <a:t>Click to edit Master text styles</a:t>
             </a:r>
           </a:p>
           <a:p>
             <a:pPr lvl="1"/>
             <a:r>
-              <a:rPr lang="en-US"/>
+              <a:rPr lang="en-GB"/>
               <a:t>Second level</a:t>
             </a:r>
           </a:p>
           <a:p>
             <a:pPr lvl="2"/>
             <a:r>
-              <a:rPr lang="en-US"/>
+              <a:rPr lang="en-GB"/>
               <a:t>Third level</a:t>
             </a:r>
           </a:p>
           <a:p>
             <a:pPr lvl="3"/>
             <a:r>
-              <a:rPr lang="en-US"/>
+              <a:rPr lang="en-GB"/>
               <a:t>Fourth level</a:t>
             </a:r>
           </a:p>
           <a:p>
             <a:pPr lvl="4"/>
             <a:r>
-              <a:rPr lang="en-US"/>
+              <a:rPr lang="en-GB"/>
               <a:t>Fifth level</a:t>
             </a:r>
-            <a:endParaRPr lang="en-AU"/>
-          </a:p>
-        </p:txBody>
-      </p:sp>
-      <p:sp>
-        <p:nvSpPr>
-          <p:cNvPr id="4" name="Date Placeholder 3">
-            <a:extLst>
-              <a:ext uri="{FF2B5EF4-FFF2-40B4-BE49-F238E27FC236}">
-                <a16:creationId xmlns:a16="http://schemas.microsoft.com/office/drawing/2014/main" id="{598EA0BB-CC08-4869-919A-1E0604433655}"/>
-              </a:ext>
-            </a:extLst>
-          </p:cNvPr>
+            <a:endParaRPr lang="en-US" dirty="0"/>
+          </a:p>
+        </p:txBody>
+      </p:sp>
+      <p:sp>
+        <p:nvSpPr>
+          <p:cNvPr id="4" name="Date Placeholder 3"/>
           <p:cNvSpPr>
             <a:spLocks noGrp="1"/>
           </p:cNvSpPr>
@@ -675,7 +1928,7 @@
           <a:p>
             <a:fld id="{FD85B985-76B1-472F-AE68-4120063CE451}" type="datetimeFigureOut">
               <a:rPr lang="en-AU" smtClean="0"/>
-              <a:t>28/01/2021</a:t>
+              <a:t>3/2/21</a:t>
             </a:fld>
             <a:endParaRPr lang="en-AU"/>
           </a:p>
@@ -683,13 +1936,7 @@
       </p:sp>
       <p:sp>
         <p:nvSpPr>
-          <p:cNvPr id="5" name="Footer Placeholder 4">
-            <a:extLst>
-              <a:ext uri="{FF2B5EF4-FFF2-40B4-BE49-F238E27FC236}">
-                <a16:creationId xmlns:a16="http://schemas.microsoft.com/office/drawing/2014/main" id="{50237C58-1A7C-49B8-8FCB-C21358B0F6A4}"/>
-              </a:ext>
-            </a:extLst>
-          </p:cNvPr>
+          <p:cNvPr id="5" name="Footer Placeholder 4"/>
           <p:cNvSpPr>
             <a:spLocks noGrp="1"/>
           </p:cNvSpPr>
@@ -708,13 +1955,7 @@
       </p:sp>
       <p:sp>
         <p:nvSpPr>
-          <p:cNvPr id="6" name="Slide Number Placeholder 5">
-            <a:extLst>
-              <a:ext uri="{FF2B5EF4-FFF2-40B4-BE49-F238E27FC236}">
-                <a16:creationId xmlns:a16="http://schemas.microsoft.com/office/drawing/2014/main" id="{298CF54C-FF0C-4C22-B0FC-AD15267EE033}"/>
-              </a:ext>
-            </a:extLst>
-          </p:cNvPr>
+          <p:cNvPr id="6" name="Slide Number Placeholder 5"/>
           <p:cNvSpPr>
             <a:spLocks noGrp="1"/>
           </p:cNvSpPr>
@@ -738,7 +1979,7 @@
     </p:spTree>
     <p:extLst>
       <p:ext uri="{BB962C8B-B14F-4D97-AF65-F5344CB8AC3E}">
-        <p14:creationId xmlns:p14="http://schemas.microsoft.com/office/powerpoint/2010/main" val="1563792360"/>
+        <p14:creationId xmlns:p14="http://schemas.microsoft.com/office/powerpoint/2010/main" val="3022346186"/>
       </p:ext>
     </p:extLst>
   </p:cSld>
@@ -767,13 +2008,7 @@
       </p:grpSpPr>
       <p:sp>
         <p:nvSpPr>
-          <p:cNvPr id="2" name="Title 1">
-            <a:extLst>
-              <a:ext uri="{FF2B5EF4-FFF2-40B4-BE49-F238E27FC236}">
-                <a16:creationId xmlns:a16="http://schemas.microsoft.com/office/drawing/2014/main" id="{D82B488F-51E7-40D7-B372-5A47E6D0D168}"/>
-              </a:ext>
-            </a:extLst>
-          </p:cNvPr>
+          <p:cNvPr id="2" name="Title 1"/>
           <p:cNvSpPr>
             <a:spLocks noGrp="1"/>
           </p:cNvSpPr>
@@ -787,22 +2022,16 @@
           <a:lstStyle/>
           <a:p>
             <a:r>
-              <a:rPr lang="en-US"/>
+              <a:rPr lang="en-GB"/>
               <a:t>Click to edit Master title style</a:t>
             </a:r>
-            <a:endParaRPr lang="en-AU"/>
-          </a:p>
-        </p:txBody>
-      </p:sp>
-      <p:sp>
-        <p:nvSpPr>
-          <p:cNvPr id="3" name="Content Placeholder 2">
-            <a:extLst>
-              <a:ext uri="{FF2B5EF4-FFF2-40B4-BE49-F238E27FC236}">
-                <a16:creationId xmlns:a16="http://schemas.microsoft.com/office/drawing/2014/main" id="{91EDE36A-4A88-4F2D-B7F8-08E2BE72C6BF}"/>
-              </a:ext>
-            </a:extLst>
-          </p:cNvPr>
+            <a:endParaRPr lang="en-US" dirty="0"/>
+          </a:p>
+        </p:txBody>
+      </p:sp>
+      <p:sp>
+        <p:nvSpPr>
+          <p:cNvPr id="3" name="Content Placeholder 2"/>
           <p:cNvSpPr>
             <a:spLocks noGrp="1"/>
           </p:cNvSpPr>
@@ -817,50 +2046,44 @@
           <a:p>
             <a:pPr lvl="0"/>
             <a:r>
-              <a:rPr lang="en-US"/>
+              <a:rPr lang="en-GB"/>
               <a:t>Click to edit Master text styles</a:t>
             </a:r>
           </a:p>
           <a:p>
             <a:pPr lvl="1"/>
             <a:r>
-              <a:rPr lang="en-US"/>
+              <a:rPr lang="en-GB"/>
               <a:t>Second level</a:t>
             </a:r>
           </a:p>
           <a:p>
             <a:pPr lvl="2"/>
             <a:r>
-              <a:rPr lang="en-US"/>
+              <a:rPr lang="en-GB"/>
               <a:t>Third level</a:t>
             </a:r>
           </a:p>
           <a:p>
             <a:pPr lvl="3"/>
             <a:r>
-              <a:rPr lang="en-US"/>
+              <a:rPr lang="en-GB"/>
               <a:t>Fourth level</a:t>
             </a:r>
           </a:p>
           <a:p>
             <a:pPr lvl="4"/>
             <a:r>
-              <a:rPr lang="en-US"/>
+              <a:rPr lang="en-GB"/>
               <a:t>Fifth level</a:t>
             </a:r>
-            <a:endParaRPr lang="en-AU"/>
-          </a:p>
-        </p:txBody>
-      </p:sp>
-      <p:sp>
-        <p:nvSpPr>
-          <p:cNvPr id="4" name="Date Placeholder 3">
-            <a:extLst>
-              <a:ext uri="{FF2B5EF4-FFF2-40B4-BE49-F238E27FC236}">
-                <a16:creationId xmlns:a16="http://schemas.microsoft.com/office/drawing/2014/main" id="{D6477DA0-3083-4DDC-93E2-6FA01EDA62C6}"/>
-              </a:ext>
-            </a:extLst>
-          </p:cNvPr>
+            <a:endParaRPr lang="en-US" dirty="0"/>
+          </a:p>
+        </p:txBody>
+      </p:sp>
+      <p:sp>
+        <p:nvSpPr>
+          <p:cNvPr id="7" name="Date Placeholder 6"/>
           <p:cNvSpPr>
             <a:spLocks noGrp="1"/>
           </p:cNvSpPr>
@@ -875,7 +2098,7 @@
           <a:p>
             <a:fld id="{FD85B985-76B1-472F-AE68-4120063CE451}" type="datetimeFigureOut">
               <a:rPr lang="en-AU" smtClean="0"/>
-              <a:t>28/01/2021</a:t>
+              <a:t>3/2/21</a:t>
             </a:fld>
             <a:endParaRPr lang="en-AU"/>
           </a:p>
@@ -883,13 +2106,7 @@
       </p:sp>
       <p:sp>
         <p:nvSpPr>
-          <p:cNvPr id="5" name="Footer Placeholder 4">
-            <a:extLst>
-              <a:ext uri="{FF2B5EF4-FFF2-40B4-BE49-F238E27FC236}">
-                <a16:creationId xmlns:a16="http://schemas.microsoft.com/office/drawing/2014/main" id="{DFE3ABE5-9F21-4376-8D3E-740DA177575C}"/>
-              </a:ext>
-            </a:extLst>
-          </p:cNvPr>
+          <p:cNvPr id="8" name="Footer Placeholder 7"/>
           <p:cNvSpPr>
             <a:spLocks noGrp="1"/>
           </p:cNvSpPr>
@@ -908,13 +2125,7 @@
       </p:sp>
       <p:sp>
         <p:nvSpPr>
-          <p:cNvPr id="6" name="Slide Number Placeholder 5">
-            <a:extLst>
-              <a:ext uri="{FF2B5EF4-FFF2-40B4-BE49-F238E27FC236}">
-                <a16:creationId xmlns:a16="http://schemas.microsoft.com/office/drawing/2014/main" id="{5B72A09A-1234-424D-8D1A-0FCC7A8C4D25}"/>
-              </a:ext>
-            </a:extLst>
-          </p:cNvPr>
+          <p:cNvPr id="9" name="Slide Number Placeholder 8"/>
           <p:cNvSpPr>
             <a:spLocks noGrp="1"/>
           </p:cNvSpPr>
@@ -938,7 +2149,7 @@
     </p:spTree>
     <p:extLst>
       <p:ext uri="{BB962C8B-B14F-4D97-AF65-F5344CB8AC3E}">
-        <p14:creationId xmlns:p14="http://schemas.microsoft.com/office/powerpoint/2010/main" val="2093624621"/>
+        <p14:creationId xmlns:p14="http://schemas.microsoft.com/office/powerpoint/2010/main" val="610612383"/>
       </p:ext>
     </p:extLst>
   </p:cSld>
@@ -951,6 +2162,14 @@
 <file path=ppt/slideLayouts/slideLayout3.xml><?xml version="1.0" encoding="utf-8"?>
 <p:sldLayout xmlns:a="http://schemas.openxmlformats.org/drawingml/2006/main" xmlns:r="http://schemas.openxmlformats.org/officeDocument/2006/relationships" xmlns:p="http://schemas.openxmlformats.org/presentationml/2006/main" type="secHead" preserve="1">
   <p:cSld name="Section Header">
+    <p:bg>
+      <p:bgPr>
+        <a:solidFill>
+          <a:schemeClr val="accent1"/>
+        </a:solidFill>
+        <a:effectLst/>
+      </p:bgPr>
+    </p:bg>
     <p:spTree>
       <p:nvGrpSpPr>
         <p:cNvPr id="1" name=""/>
@@ -967,74 +2186,76 @@
       </p:grpSpPr>
       <p:sp>
         <p:nvSpPr>
-          <p:cNvPr id="2" name="Title 1">
-            <a:extLst>
-              <a:ext uri="{FF2B5EF4-FFF2-40B4-BE49-F238E27FC236}">
-                <a16:creationId xmlns:a16="http://schemas.microsoft.com/office/drawing/2014/main" id="{76926ADE-D407-43C3-9735-8F86351C4F27}"/>
-              </a:ext>
-            </a:extLst>
-          </p:cNvPr>
+          <p:cNvPr id="2" name="Title 1"/>
           <p:cNvSpPr>
             <a:spLocks noGrp="1"/>
           </p:cNvSpPr>
           <p:nvPr>
             <p:ph type="title"/>
+          </p:nvPr>
+        </p:nvSpPr>
+        <p:spPr bwMode="blackWhite">
+          <a:xfrm>
+            <a:off x="1600200" y="2386744"/>
+            <a:ext cx="8991600" cy="1645920"/>
+          </a:xfrm>
+          <a:solidFill>
+            <a:srgbClr val="FFFFFF"/>
+          </a:solidFill>
+          <a:ln w="38100">
+            <a:solidFill>
+              <a:srgbClr val="404040"/>
+            </a:solidFill>
+          </a:ln>
+        </p:spPr>
+        <p:txBody>
+          <a:bodyPr lIns="274320" rIns="274320" anchor="ctr" anchorCtr="1">
+            <a:normAutofit/>
+          </a:bodyPr>
+          <a:lstStyle>
+            <a:lvl1pPr>
+              <a:defRPr sz="3800">
+                <a:solidFill>
+                  <a:srgbClr val="262626"/>
+                </a:solidFill>
+              </a:defRPr>
+            </a:lvl1pPr>
+          </a:lstStyle>
+          <a:p>
+            <a:r>
+              <a:rPr lang="en-GB"/>
+              <a:t>Click to edit Master title style</a:t>
+            </a:r>
+            <a:endParaRPr lang="en-US" dirty="0"/>
+          </a:p>
+        </p:txBody>
+      </p:sp>
+      <p:sp>
+        <p:nvSpPr>
+          <p:cNvPr id="3" name="Text Placeholder 2"/>
+          <p:cNvSpPr>
+            <a:spLocks noGrp="1"/>
+          </p:cNvSpPr>
+          <p:nvPr>
+            <p:ph type="body" idx="1"/>
           </p:nvPr>
         </p:nvSpPr>
         <p:spPr>
           <a:xfrm>
-            <a:off x="831850" y="1709738"/>
-            <a:ext cx="10515600" cy="2852737"/>
+            <a:off x="2695194" y="4352465"/>
+            <a:ext cx="6801612" cy="1265082"/>
           </a:xfrm>
         </p:spPr>
         <p:txBody>
-          <a:bodyPr anchor="b"/>
-          <a:lstStyle>
-            <a:lvl1pPr>
-              <a:defRPr sz="6000"/>
-            </a:lvl1pPr>
-          </a:lstStyle>
-          <a:p>
-            <a:r>
-              <a:rPr lang="en-US"/>
-              <a:t>Click to edit Master title style</a:t>
-            </a:r>
-            <a:endParaRPr lang="en-AU"/>
-          </a:p>
-        </p:txBody>
-      </p:sp>
-      <p:sp>
-        <p:nvSpPr>
-          <p:cNvPr id="3" name="Text Placeholder 2">
-            <a:extLst>
-              <a:ext uri="{FF2B5EF4-FFF2-40B4-BE49-F238E27FC236}">
-                <a16:creationId xmlns:a16="http://schemas.microsoft.com/office/drawing/2014/main" id="{C9AD5EAC-0F58-4628-8823-82641A5CAC05}"/>
-              </a:ext>
-            </a:extLst>
-          </p:cNvPr>
-          <p:cNvSpPr>
-            <a:spLocks noGrp="1"/>
-          </p:cNvSpPr>
-          <p:nvPr>
-            <p:ph type="body" idx="1"/>
-          </p:nvPr>
-        </p:nvSpPr>
-        <p:spPr>
-          <a:xfrm>
-            <a:off x="831850" y="4589463"/>
-            <a:ext cx="10515600" cy="1500187"/>
-          </a:xfrm>
-        </p:spPr>
-        <p:txBody>
-          <a:bodyPr/>
+          <a:bodyPr anchor="t" anchorCtr="1">
+            <a:normAutofit/>
+          </a:bodyPr>
           <a:lstStyle>
             <a:lvl1pPr marL="0" indent="0">
               <a:buNone/>
-              <a:defRPr sz="2400">
+              <a:defRPr sz="2000">
                 <a:solidFill>
-                  <a:schemeClr val="tx1">
-                    <a:tint val="75000"/>
-                  </a:schemeClr>
+                  <a:schemeClr val="tx1"/>
                 </a:solidFill>
               </a:defRPr>
             </a:lvl1pPr>
@@ -1122,7 +2343,7 @@
           <a:p>
             <a:pPr lvl="0"/>
             <a:r>
-              <a:rPr lang="en-US"/>
+              <a:rPr lang="en-GB"/>
               <a:t>Click to edit Master text styles</a:t>
             </a:r>
           </a:p>
@@ -1130,13 +2351,7 @@
       </p:sp>
       <p:sp>
         <p:nvSpPr>
-          <p:cNvPr id="4" name="Date Placeholder 3">
-            <a:extLst>
-              <a:ext uri="{FF2B5EF4-FFF2-40B4-BE49-F238E27FC236}">
-                <a16:creationId xmlns:a16="http://schemas.microsoft.com/office/drawing/2014/main" id="{940D0A61-3667-4FAD-B918-C019D9F0589F}"/>
-              </a:ext>
-            </a:extLst>
-          </p:cNvPr>
+          <p:cNvPr id="7" name="Date Placeholder 6"/>
           <p:cNvSpPr>
             <a:spLocks noGrp="1"/>
           </p:cNvSpPr>
@@ -1151,7 +2366,7 @@
           <a:p>
             <a:fld id="{FD85B985-76B1-472F-AE68-4120063CE451}" type="datetimeFigureOut">
               <a:rPr lang="en-AU" smtClean="0"/>
-              <a:t>28/01/2021</a:t>
+              <a:t>3/2/21</a:t>
             </a:fld>
             <a:endParaRPr lang="en-AU"/>
           </a:p>
@@ -1159,13 +2374,7 @@
       </p:sp>
       <p:sp>
         <p:nvSpPr>
-          <p:cNvPr id="5" name="Footer Placeholder 4">
-            <a:extLst>
-              <a:ext uri="{FF2B5EF4-FFF2-40B4-BE49-F238E27FC236}">
-                <a16:creationId xmlns:a16="http://schemas.microsoft.com/office/drawing/2014/main" id="{DE706370-3F86-42C8-9947-399CD1B71FB6}"/>
-              </a:ext>
-            </a:extLst>
-          </p:cNvPr>
+          <p:cNvPr id="8" name="Footer Placeholder 7"/>
           <p:cNvSpPr>
             <a:spLocks noGrp="1"/>
           </p:cNvSpPr>
@@ -1184,13 +2393,7 @@
       </p:sp>
       <p:sp>
         <p:nvSpPr>
-          <p:cNvPr id="6" name="Slide Number Placeholder 5">
-            <a:extLst>
-              <a:ext uri="{FF2B5EF4-FFF2-40B4-BE49-F238E27FC236}">
-                <a16:creationId xmlns:a16="http://schemas.microsoft.com/office/drawing/2014/main" id="{F3FF66EC-11EB-4F0A-9D71-D1A15143D7D4}"/>
-              </a:ext>
-            </a:extLst>
-          </p:cNvPr>
+          <p:cNvPr id="9" name="Slide Number Placeholder 8"/>
           <p:cNvSpPr>
             <a:spLocks noGrp="1"/>
           </p:cNvSpPr>
@@ -1214,12 +2417,12 @@
     </p:spTree>
     <p:extLst>
       <p:ext uri="{BB962C8B-B14F-4D97-AF65-F5344CB8AC3E}">
-        <p14:creationId xmlns:p14="http://schemas.microsoft.com/office/powerpoint/2010/main" val="378221989"/>
+        <p14:creationId xmlns:p14="http://schemas.microsoft.com/office/powerpoint/2010/main" val="1943055888"/>
       </p:ext>
     </p:extLst>
   </p:cSld>
   <p:clrMapOvr>
-    <a:masterClrMapping/>
+    <a:overrideClrMapping bg1="dk1" tx1="lt1" bg2="dk2" tx2="lt2" accent1="accent1" accent2="accent2" accent3="accent3" accent4="accent4" accent5="accent5" accent6="accent6" hlink="hlink" folHlink="folHlink"/>
   </p:clrMapOvr>
 </p:sldLayout>
 </file>
@@ -1243,13 +2446,7 @@
       </p:grpSpPr>
       <p:sp>
         <p:nvSpPr>
-          <p:cNvPr id="2" name="Title 1">
-            <a:extLst>
-              <a:ext uri="{FF2B5EF4-FFF2-40B4-BE49-F238E27FC236}">
-                <a16:creationId xmlns:a16="http://schemas.microsoft.com/office/drawing/2014/main" id="{1C964678-8975-4266-9F54-BC8029E97A4B}"/>
-              </a:ext>
-            </a:extLst>
-          </p:cNvPr>
+          <p:cNvPr id="2" name="Title 1"/>
           <p:cNvSpPr>
             <a:spLocks noGrp="1"/>
           </p:cNvSpPr>
@@ -1263,22 +2460,16 @@
           <a:lstStyle/>
           <a:p>
             <a:r>
-              <a:rPr lang="en-US"/>
+              <a:rPr lang="en-GB"/>
               <a:t>Click to edit Master title style</a:t>
             </a:r>
-            <a:endParaRPr lang="en-AU"/>
-          </a:p>
-        </p:txBody>
-      </p:sp>
-      <p:sp>
-        <p:nvSpPr>
-          <p:cNvPr id="3" name="Content Placeholder 2">
-            <a:extLst>
-              <a:ext uri="{FF2B5EF4-FFF2-40B4-BE49-F238E27FC236}">
-                <a16:creationId xmlns:a16="http://schemas.microsoft.com/office/drawing/2014/main" id="{E5663C8A-D07A-4E36-938D-D72A42F6F3B4}"/>
-              </a:ext>
-            </a:extLst>
-          </p:cNvPr>
+            <a:endParaRPr lang="en-US" dirty="0"/>
+          </a:p>
+        </p:txBody>
+      </p:sp>
+      <p:sp>
+        <p:nvSpPr>
+          <p:cNvPr id="3" name="Content Placeholder 2"/>
           <p:cNvSpPr>
             <a:spLocks noGrp="1"/>
           </p:cNvSpPr>
@@ -1288,8 +2479,8 @@
         </p:nvSpPr>
         <p:spPr>
           <a:xfrm>
-            <a:off x="838200" y="1825625"/>
-            <a:ext cx="5181600" cy="4351338"/>
+            <a:off x="1581912" y="2638044"/>
+            <a:ext cx="4271771" cy="3101982"/>
           </a:xfrm>
         </p:spPr>
         <p:txBody>
@@ -1298,50 +2489,44 @@
           <a:p>
             <a:pPr lvl="0"/>
             <a:r>
-              <a:rPr lang="en-US"/>
+              <a:rPr lang="en-GB"/>
               <a:t>Click to edit Master text styles</a:t>
             </a:r>
           </a:p>
           <a:p>
             <a:pPr lvl="1"/>
             <a:r>
-              <a:rPr lang="en-US"/>
+              <a:rPr lang="en-GB"/>
               <a:t>Second level</a:t>
             </a:r>
           </a:p>
           <a:p>
             <a:pPr lvl="2"/>
             <a:r>
-              <a:rPr lang="en-US"/>
+              <a:rPr lang="en-GB"/>
               <a:t>Third level</a:t>
             </a:r>
           </a:p>
           <a:p>
             <a:pPr lvl="3"/>
             <a:r>
-              <a:rPr lang="en-US"/>
+              <a:rPr lang="en-GB"/>
               <a:t>Fourth level</a:t>
             </a:r>
           </a:p>
           <a:p>
             <a:pPr lvl="4"/>
             <a:r>
-              <a:rPr lang="en-US"/>
+              <a:rPr lang="en-GB"/>
               <a:t>Fifth level</a:t>
             </a:r>
-            <a:endParaRPr lang="en-AU"/>
-          </a:p>
-        </p:txBody>
-      </p:sp>
-      <p:sp>
-        <p:nvSpPr>
-          <p:cNvPr id="4" name="Content Placeholder 3">
-            <a:extLst>
-              <a:ext uri="{FF2B5EF4-FFF2-40B4-BE49-F238E27FC236}">
-                <a16:creationId xmlns:a16="http://schemas.microsoft.com/office/drawing/2014/main" id="{4B74B01A-B128-4524-A330-A1E840D50CF1}"/>
-              </a:ext>
-            </a:extLst>
-          </p:cNvPr>
+            <a:endParaRPr lang="en-US" dirty="0"/>
+          </a:p>
+        </p:txBody>
+      </p:sp>
+      <p:sp>
+        <p:nvSpPr>
+          <p:cNvPr id="4" name="Content Placeholder 3"/>
           <p:cNvSpPr>
             <a:spLocks noGrp="1"/>
           </p:cNvSpPr>
@@ -1351,8 +2536,8 @@
         </p:nvSpPr>
         <p:spPr>
           <a:xfrm>
-            <a:off x="6172200" y="1825625"/>
-            <a:ext cx="5181600" cy="4351338"/>
+            <a:off x="6338315" y="2638044"/>
+            <a:ext cx="4270247" cy="3101982"/>
           </a:xfrm>
         </p:spPr>
         <p:txBody>
@@ -1361,50 +2546,44 @@
           <a:p>
             <a:pPr lvl="0"/>
             <a:r>
-              <a:rPr lang="en-US"/>
+              <a:rPr lang="en-GB"/>
               <a:t>Click to edit Master text styles</a:t>
             </a:r>
           </a:p>
           <a:p>
             <a:pPr lvl="1"/>
             <a:r>
-              <a:rPr lang="en-US"/>
+              <a:rPr lang="en-GB"/>
               <a:t>Second level</a:t>
             </a:r>
           </a:p>
           <a:p>
             <a:pPr lvl="2"/>
             <a:r>
-              <a:rPr lang="en-US"/>
+              <a:rPr lang="en-GB"/>
               <a:t>Third level</a:t>
             </a:r>
           </a:p>
           <a:p>
             <a:pPr lvl="3"/>
             <a:r>
-              <a:rPr lang="en-US"/>
+              <a:rPr lang="en-GB"/>
               <a:t>Fourth level</a:t>
             </a:r>
           </a:p>
           <a:p>
             <a:pPr lvl="4"/>
             <a:r>
-              <a:rPr lang="en-US"/>
+              <a:rPr lang="en-GB"/>
               <a:t>Fifth level</a:t>
             </a:r>
-            <a:endParaRPr lang="en-AU"/>
-          </a:p>
-        </p:txBody>
-      </p:sp>
-      <p:sp>
-        <p:nvSpPr>
-          <p:cNvPr id="5" name="Date Placeholder 4">
-            <a:extLst>
-              <a:ext uri="{FF2B5EF4-FFF2-40B4-BE49-F238E27FC236}">
-                <a16:creationId xmlns:a16="http://schemas.microsoft.com/office/drawing/2014/main" id="{93FAE411-6CD7-4521-AECF-C70E603B4184}"/>
-              </a:ext>
-            </a:extLst>
-          </p:cNvPr>
+            <a:endParaRPr lang="en-US" dirty="0"/>
+          </a:p>
+        </p:txBody>
+      </p:sp>
+      <p:sp>
+        <p:nvSpPr>
+          <p:cNvPr id="8" name="Date Placeholder 7"/>
           <p:cNvSpPr>
             <a:spLocks noGrp="1"/>
           </p:cNvSpPr>
@@ -1419,7 +2598,7 @@
           <a:p>
             <a:fld id="{FD85B985-76B1-472F-AE68-4120063CE451}" type="datetimeFigureOut">
               <a:rPr lang="en-AU" smtClean="0"/>
-              <a:t>28/01/2021</a:t>
+              <a:t>3/2/21</a:t>
             </a:fld>
             <a:endParaRPr lang="en-AU"/>
           </a:p>
@@ -1427,13 +2606,7 @@
       </p:sp>
       <p:sp>
         <p:nvSpPr>
-          <p:cNvPr id="6" name="Footer Placeholder 5">
-            <a:extLst>
-              <a:ext uri="{FF2B5EF4-FFF2-40B4-BE49-F238E27FC236}">
-                <a16:creationId xmlns:a16="http://schemas.microsoft.com/office/drawing/2014/main" id="{DEB9D2D1-862B-418A-BAE8-5AD55550A242}"/>
-              </a:ext>
-            </a:extLst>
-          </p:cNvPr>
+          <p:cNvPr id="9" name="Footer Placeholder 8"/>
           <p:cNvSpPr>
             <a:spLocks noGrp="1"/>
           </p:cNvSpPr>
@@ -1452,13 +2625,7 @@
       </p:sp>
       <p:sp>
         <p:nvSpPr>
-          <p:cNvPr id="7" name="Slide Number Placeholder 6">
-            <a:extLst>
-              <a:ext uri="{FF2B5EF4-FFF2-40B4-BE49-F238E27FC236}">
-                <a16:creationId xmlns:a16="http://schemas.microsoft.com/office/drawing/2014/main" id="{198AE84A-BD9B-4CE6-8918-37A6E0C971A4}"/>
-              </a:ext>
-            </a:extLst>
-          </p:cNvPr>
+          <p:cNvPr id="10" name="Slide Number Placeholder 9"/>
           <p:cNvSpPr>
             <a:spLocks noGrp="1"/>
           </p:cNvSpPr>
@@ -1482,7 +2649,7 @@
     </p:spTree>
     <p:extLst>
       <p:ext uri="{BB962C8B-B14F-4D97-AF65-F5344CB8AC3E}">
-        <p14:creationId xmlns:p14="http://schemas.microsoft.com/office/powerpoint/2010/main" val="978735543"/>
+        <p14:creationId xmlns:p14="http://schemas.microsoft.com/office/powerpoint/2010/main" val="393558613"/>
       </p:ext>
     </p:extLst>
   </p:cSld>
@@ -1511,70 +2678,38 @@
       </p:grpSpPr>
       <p:sp>
         <p:nvSpPr>
-          <p:cNvPr id="2" name="Title 1">
-            <a:extLst>
-              <a:ext uri="{FF2B5EF4-FFF2-40B4-BE49-F238E27FC236}">
-                <a16:creationId xmlns:a16="http://schemas.microsoft.com/office/drawing/2014/main" id="{9B04769B-B0CB-47A8-B070-1334365C78A9}"/>
-              </a:ext>
-            </a:extLst>
-          </p:cNvPr>
-          <p:cNvSpPr>
-            <a:spLocks noGrp="1"/>
-          </p:cNvSpPr>
-          <p:nvPr>
-            <p:ph type="title"/>
+          <p:cNvPr id="3" name="Text Placeholder 2"/>
+          <p:cNvSpPr>
+            <a:spLocks noGrp="1"/>
+          </p:cNvSpPr>
+          <p:nvPr>
+            <p:ph type="body" idx="1"/>
           </p:nvPr>
         </p:nvSpPr>
         <p:spPr>
           <a:xfrm>
-            <a:off x="839788" y="365125"/>
-            <a:ext cx="10515600" cy="1325563"/>
+            <a:off x="1583436" y="2313433"/>
+            <a:ext cx="4270248" cy="704087"/>
           </a:xfrm>
         </p:spPr>
         <p:txBody>
-          <a:bodyPr/>
-          <a:lstStyle/>
-          <a:p>
-            <a:r>
-              <a:rPr lang="en-US"/>
-              <a:t>Click to edit Master title style</a:t>
-            </a:r>
-            <a:endParaRPr lang="en-AU"/>
-          </a:p>
-        </p:txBody>
-      </p:sp>
-      <p:sp>
-        <p:nvSpPr>
-          <p:cNvPr id="3" name="Text Placeholder 2">
-            <a:extLst>
-              <a:ext uri="{FF2B5EF4-FFF2-40B4-BE49-F238E27FC236}">
-                <a16:creationId xmlns:a16="http://schemas.microsoft.com/office/drawing/2014/main" id="{FDDA304D-D77E-4C34-B83A-D9DEB9D8FB16}"/>
-              </a:ext>
-            </a:extLst>
-          </p:cNvPr>
-          <p:cNvSpPr>
-            <a:spLocks noGrp="1"/>
-          </p:cNvSpPr>
-          <p:nvPr>
-            <p:ph type="body" idx="1"/>
-          </p:nvPr>
-        </p:nvSpPr>
-        <p:spPr>
-          <a:xfrm>
-            <a:off x="839788" y="1681163"/>
-            <a:ext cx="5157787" cy="823912"/>
-          </a:xfrm>
-        </p:spPr>
-        <p:txBody>
-          <a:bodyPr anchor="b"/>
+          <a:bodyPr anchor="b" anchorCtr="1">
+            <a:normAutofit/>
+          </a:bodyPr>
           <a:lstStyle>
-            <a:lvl1pPr marL="0" indent="0">
-              <a:buNone/>
-              <a:defRPr sz="2400" b="1"/>
+            <a:lvl1pPr marL="0" indent="0" algn="ctr">
+              <a:buNone/>
+              <a:defRPr sz="1900" b="0" cap="all" spc="100" baseline="0">
+                <a:solidFill>
+                  <a:schemeClr val="accent2">
+                    <a:lumMod val="75000"/>
+                  </a:schemeClr>
+                </a:solidFill>
+              </a:defRPr>
             </a:lvl1pPr>
             <a:lvl2pPr marL="457200" indent="0">
               <a:buNone/>
-              <a:defRPr sz="2000" b="1"/>
+              <a:defRPr sz="1900" b="1"/>
             </a:lvl2pPr>
             <a:lvl3pPr marL="914400" indent="0">
               <a:buNone/>
@@ -1608,7 +2743,7 @@
           <a:p>
             <a:pPr lvl="0"/>
             <a:r>
-              <a:rPr lang="en-US"/>
+              <a:rPr lang="en-GB"/>
               <a:t>Click to edit Master text styles</a:t>
             </a:r>
           </a:p>
@@ -1616,13 +2751,7 @@
       </p:sp>
       <p:sp>
         <p:nvSpPr>
-          <p:cNvPr id="4" name="Content Placeholder 3">
-            <a:extLst>
-              <a:ext uri="{FF2B5EF4-FFF2-40B4-BE49-F238E27FC236}">
-                <a16:creationId xmlns:a16="http://schemas.microsoft.com/office/drawing/2014/main" id="{346A2DB2-523E-4EC0-B25D-80628283FCC6}"/>
-              </a:ext>
-            </a:extLst>
-          </p:cNvPr>
+          <p:cNvPr id="4" name="Content Placeholder 3"/>
           <p:cNvSpPr>
             <a:spLocks noGrp="1"/>
           </p:cNvSpPr>
@@ -1632,8 +2761,8 @@
         </p:nvSpPr>
         <p:spPr>
           <a:xfrm>
-            <a:off x="839788" y="2505075"/>
-            <a:ext cx="5157787" cy="3684588"/>
+            <a:off x="1583436" y="3143250"/>
+            <a:ext cx="4270248" cy="2596776"/>
           </a:xfrm>
         </p:spPr>
         <p:txBody>
@@ -1642,73 +2771,136 @@
           <a:p>
             <a:pPr lvl="0"/>
             <a:r>
-              <a:rPr lang="en-US"/>
+              <a:rPr lang="en-GB"/>
               <a:t>Click to edit Master text styles</a:t>
             </a:r>
           </a:p>
           <a:p>
             <a:pPr lvl="1"/>
             <a:r>
-              <a:rPr lang="en-US"/>
+              <a:rPr lang="en-GB"/>
               <a:t>Second level</a:t>
             </a:r>
           </a:p>
           <a:p>
             <a:pPr lvl="2"/>
             <a:r>
-              <a:rPr lang="en-US"/>
+              <a:rPr lang="en-GB"/>
               <a:t>Third level</a:t>
             </a:r>
           </a:p>
           <a:p>
             <a:pPr lvl="3"/>
             <a:r>
-              <a:rPr lang="en-US"/>
+              <a:rPr lang="en-GB"/>
               <a:t>Fourth level</a:t>
             </a:r>
           </a:p>
           <a:p>
             <a:pPr lvl="4"/>
             <a:r>
-              <a:rPr lang="en-US"/>
+              <a:rPr lang="en-GB"/>
               <a:t>Fifth level</a:t>
             </a:r>
-            <a:endParaRPr lang="en-AU"/>
-          </a:p>
-        </p:txBody>
-      </p:sp>
-      <p:sp>
-        <p:nvSpPr>
-          <p:cNvPr id="5" name="Text Placeholder 4">
-            <a:extLst>
-              <a:ext uri="{FF2B5EF4-FFF2-40B4-BE49-F238E27FC236}">
-                <a16:creationId xmlns:a16="http://schemas.microsoft.com/office/drawing/2014/main" id="{9884C9BC-2730-43A0-9D8D-A2785A7923C8}"/>
-              </a:ext>
-            </a:extLst>
-          </p:cNvPr>
-          <p:cNvSpPr>
-            <a:spLocks noGrp="1"/>
-          </p:cNvSpPr>
-          <p:nvPr>
-            <p:ph type="body" sz="quarter" idx="3"/>
+            <a:endParaRPr lang="en-US" dirty="0"/>
+          </a:p>
+        </p:txBody>
+      </p:sp>
+      <p:sp>
+        <p:nvSpPr>
+          <p:cNvPr id="6" name="Content Placeholder 5"/>
+          <p:cNvSpPr>
+            <a:spLocks noGrp="1"/>
+          </p:cNvSpPr>
+          <p:nvPr>
+            <p:ph sz="quarter" idx="4"/>
           </p:nvPr>
         </p:nvSpPr>
         <p:spPr>
           <a:xfrm>
-            <a:off x="6172200" y="1681163"/>
-            <a:ext cx="5183188" cy="823912"/>
+            <a:off x="6338316" y="3143250"/>
+            <a:ext cx="4253484" cy="2596776"/>
           </a:xfrm>
         </p:spPr>
         <p:txBody>
-          <a:bodyPr anchor="b"/>
+          <a:bodyPr/>
           <a:lstStyle>
-            <a:lvl1pPr marL="0" indent="0">
-              <a:buNone/>
-              <a:defRPr sz="2400" b="1"/>
+            <a:lvl5pPr>
+              <a:defRPr/>
+            </a:lvl5pPr>
+          </a:lstStyle>
+          <a:p>
+            <a:pPr lvl="0"/>
+            <a:r>
+              <a:rPr lang="en-GB"/>
+              <a:t>Click to edit Master text styles</a:t>
+            </a:r>
+          </a:p>
+          <a:p>
+            <a:pPr lvl="1"/>
+            <a:r>
+              <a:rPr lang="en-GB"/>
+              <a:t>Second level</a:t>
+            </a:r>
+          </a:p>
+          <a:p>
+            <a:pPr lvl="2"/>
+            <a:r>
+              <a:rPr lang="en-GB"/>
+              <a:t>Third level</a:t>
+            </a:r>
+          </a:p>
+          <a:p>
+            <a:pPr lvl="3"/>
+            <a:r>
+              <a:rPr lang="en-GB"/>
+              <a:t>Fourth level</a:t>
+            </a:r>
+          </a:p>
+          <a:p>
+            <a:pPr lvl="4"/>
+            <a:r>
+              <a:rPr lang="en-GB"/>
+              <a:t>Fifth level</a:t>
+            </a:r>
+            <a:endParaRPr lang="en-US" dirty="0"/>
+          </a:p>
+        </p:txBody>
+      </p:sp>
+      <p:sp>
+        <p:nvSpPr>
+          <p:cNvPr id="11" name="Text Placeholder 4"/>
+          <p:cNvSpPr>
+            <a:spLocks noGrp="1"/>
+          </p:cNvSpPr>
+          <p:nvPr>
+            <p:ph type="body" sz="quarter" idx="13"/>
+          </p:nvPr>
+        </p:nvSpPr>
+        <p:spPr>
+          <a:xfrm>
+            <a:off x="6338316" y="2313433"/>
+            <a:ext cx="4270248" cy="704087"/>
+          </a:xfrm>
+        </p:spPr>
+        <p:txBody>
+          <a:bodyPr anchor="b" anchorCtr="1">
+            <a:normAutofit/>
+          </a:bodyPr>
+          <a:lstStyle>
+            <a:lvl1pPr marL="0" indent="0" algn="ctr">
+              <a:buNone/>
+              <a:defRPr sz="1900" b="0" cap="all" spc="100" baseline="0">
+                <a:solidFill>
+                  <a:schemeClr val="accent2">
+                    <a:lumMod val="75000"/>
+                  </a:schemeClr>
+                </a:solidFill>
+              </a:defRPr>
             </a:lvl1pPr>
             <a:lvl2pPr marL="457200" indent="0">
               <a:buNone/>
-              <a:defRPr sz="2000" b="1"/>
+              <a:defRPr sz="1900" b="1"/>
             </a:lvl2pPr>
             <a:lvl3pPr marL="914400" indent="0">
               <a:buNone/>
@@ -1742,7 +2934,7 @@
           <a:p>
             <a:pPr lvl="0"/>
             <a:r>
-              <a:rPr lang="en-US"/>
+              <a:rPr lang="en-GB"/>
               <a:t>Click to edit Master text styles</a:t>
             </a:r>
           </a:p>
@@ -1750,76 +2942,7 @@
       </p:sp>
       <p:sp>
         <p:nvSpPr>
-          <p:cNvPr id="6" name="Content Placeholder 5">
-            <a:extLst>
-              <a:ext uri="{FF2B5EF4-FFF2-40B4-BE49-F238E27FC236}">
-                <a16:creationId xmlns:a16="http://schemas.microsoft.com/office/drawing/2014/main" id="{98693B16-8C37-46C0-86D2-C15D07590D01}"/>
-              </a:ext>
-            </a:extLst>
-          </p:cNvPr>
-          <p:cNvSpPr>
-            <a:spLocks noGrp="1"/>
-          </p:cNvSpPr>
-          <p:nvPr>
-            <p:ph sz="quarter" idx="4"/>
-          </p:nvPr>
-        </p:nvSpPr>
-        <p:spPr>
-          <a:xfrm>
-            <a:off x="6172200" y="2505075"/>
-            <a:ext cx="5183188" cy="3684588"/>
-          </a:xfrm>
-        </p:spPr>
-        <p:txBody>
-          <a:bodyPr/>
-          <a:lstStyle/>
-          <a:p>
-            <a:pPr lvl="0"/>
-            <a:r>
-              <a:rPr lang="en-US"/>
-              <a:t>Click to edit Master text styles</a:t>
-            </a:r>
-          </a:p>
-          <a:p>
-            <a:pPr lvl="1"/>
-            <a:r>
-              <a:rPr lang="en-US"/>
-              <a:t>Second level</a:t>
-            </a:r>
-          </a:p>
-          <a:p>
-            <a:pPr lvl="2"/>
-            <a:r>
-              <a:rPr lang="en-US"/>
-              <a:t>Third level</a:t>
-            </a:r>
-          </a:p>
-          <a:p>
-            <a:pPr lvl="3"/>
-            <a:r>
-              <a:rPr lang="en-US"/>
-              <a:t>Fourth level</a:t>
-            </a:r>
-          </a:p>
-          <a:p>
-            <a:pPr lvl="4"/>
-            <a:r>
-              <a:rPr lang="en-US"/>
-              <a:t>Fifth level</a:t>
-            </a:r>
-            <a:endParaRPr lang="en-AU"/>
-          </a:p>
-        </p:txBody>
-      </p:sp>
-      <p:sp>
-        <p:nvSpPr>
-          <p:cNvPr id="7" name="Date Placeholder 6">
-            <a:extLst>
-              <a:ext uri="{FF2B5EF4-FFF2-40B4-BE49-F238E27FC236}">
-                <a16:creationId xmlns:a16="http://schemas.microsoft.com/office/drawing/2014/main" id="{615242EE-3225-4316-BF8B-B4F715398407}"/>
-              </a:ext>
-            </a:extLst>
-          </p:cNvPr>
+          <p:cNvPr id="7" name="Date Placeholder 6"/>
           <p:cNvSpPr>
             <a:spLocks noGrp="1"/>
           </p:cNvSpPr>
@@ -1834,7 +2957,7 @@
           <a:p>
             <a:fld id="{FD85B985-76B1-472F-AE68-4120063CE451}" type="datetimeFigureOut">
               <a:rPr lang="en-AU" smtClean="0"/>
-              <a:t>28/01/2021</a:t>
+              <a:t>3/2/21</a:t>
             </a:fld>
             <a:endParaRPr lang="en-AU"/>
           </a:p>
@@ -1842,13 +2965,7 @@
       </p:sp>
       <p:sp>
         <p:nvSpPr>
-          <p:cNvPr id="8" name="Footer Placeholder 7">
-            <a:extLst>
-              <a:ext uri="{FF2B5EF4-FFF2-40B4-BE49-F238E27FC236}">
-                <a16:creationId xmlns:a16="http://schemas.microsoft.com/office/drawing/2014/main" id="{0BD79DC8-C614-4637-B1BB-12315A89318E}"/>
-              </a:ext>
-            </a:extLst>
-          </p:cNvPr>
+          <p:cNvPr id="8" name="Footer Placeholder 7"/>
           <p:cNvSpPr>
             <a:spLocks noGrp="1"/>
           </p:cNvSpPr>
@@ -1867,13 +2984,7 @@
       </p:sp>
       <p:sp>
         <p:nvSpPr>
-          <p:cNvPr id="9" name="Slide Number Placeholder 8">
-            <a:extLst>
-              <a:ext uri="{FF2B5EF4-FFF2-40B4-BE49-F238E27FC236}">
-                <a16:creationId xmlns:a16="http://schemas.microsoft.com/office/drawing/2014/main" id="{1C45E425-2FAA-4D14-961B-51AFF7C628C5}"/>
-              </a:ext>
-            </a:extLst>
-          </p:cNvPr>
+          <p:cNvPr id="9" name="Slide Number Placeholder 8"/>
           <p:cNvSpPr>
             <a:spLocks noGrp="1"/>
           </p:cNvSpPr>
@@ -1894,10 +3005,33 @@
           </a:p>
         </p:txBody>
       </p:sp>
+      <p:sp>
+        <p:nvSpPr>
+          <p:cNvPr id="10" name="Title 9"/>
+          <p:cNvSpPr>
+            <a:spLocks noGrp="1"/>
+          </p:cNvSpPr>
+          <p:nvPr>
+            <p:ph type="title"/>
+          </p:nvPr>
+        </p:nvSpPr>
+        <p:spPr/>
+        <p:txBody>
+          <a:bodyPr/>
+          <a:lstStyle/>
+          <a:p>
+            <a:r>
+              <a:rPr lang="en-GB"/>
+              <a:t>Click to edit Master title style</a:t>
+            </a:r>
+            <a:endParaRPr lang="en-US" dirty="0"/>
+          </a:p>
+        </p:txBody>
+      </p:sp>
     </p:spTree>
     <p:extLst>
       <p:ext uri="{BB962C8B-B14F-4D97-AF65-F5344CB8AC3E}">
-        <p14:creationId xmlns:p14="http://schemas.microsoft.com/office/powerpoint/2010/main" val="708321642"/>
+        <p14:creationId xmlns:p14="http://schemas.microsoft.com/office/powerpoint/2010/main" val="2154099077"/>
       </p:ext>
     </p:extLst>
   </p:cSld>
@@ -1926,13 +3060,7 @@
       </p:grpSpPr>
       <p:sp>
         <p:nvSpPr>
-          <p:cNvPr id="2" name="Title 1">
-            <a:extLst>
-              <a:ext uri="{FF2B5EF4-FFF2-40B4-BE49-F238E27FC236}">
-                <a16:creationId xmlns:a16="http://schemas.microsoft.com/office/drawing/2014/main" id="{324DEBD3-C1ED-4F33-BFA1-D69FECAE2D2C}"/>
-              </a:ext>
-            </a:extLst>
-          </p:cNvPr>
+          <p:cNvPr id="2" name="Title 1"/>
           <p:cNvSpPr>
             <a:spLocks noGrp="1"/>
           </p:cNvSpPr>
@@ -1946,22 +3074,16 @@
           <a:lstStyle/>
           <a:p>
             <a:r>
-              <a:rPr lang="en-US"/>
+              <a:rPr lang="en-GB"/>
               <a:t>Click to edit Master title style</a:t>
             </a:r>
-            <a:endParaRPr lang="en-AU"/>
-          </a:p>
-        </p:txBody>
-      </p:sp>
-      <p:sp>
-        <p:nvSpPr>
-          <p:cNvPr id="3" name="Date Placeholder 2">
-            <a:extLst>
-              <a:ext uri="{FF2B5EF4-FFF2-40B4-BE49-F238E27FC236}">
-                <a16:creationId xmlns:a16="http://schemas.microsoft.com/office/drawing/2014/main" id="{59EFCAA1-EF82-46FF-AA48-9E7677E69C8F}"/>
-              </a:ext>
-            </a:extLst>
-          </p:cNvPr>
+            <a:endParaRPr lang="en-US" dirty="0"/>
+          </a:p>
+        </p:txBody>
+      </p:sp>
+      <p:sp>
+        <p:nvSpPr>
+          <p:cNvPr id="3" name="Date Placeholder 2"/>
           <p:cNvSpPr>
             <a:spLocks noGrp="1"/>
           </p:cNvSpPr>
@@ -1976,7 +3098,7 @@
           <a:p>
             <a:fld id="{FD85B985-76B1-472F-AE68-4120063CE451}" type="datetimeFigureOut">
               <a:rPr lang="en-AU" smtClean="0"/>
-              <a:t>28/01/2021</a:t>
+              <a:t>3/2/21</a:t>
             </a:fld>
             <a:endParaRPr lang="en-AU"/>
           </a:p>
@@ -1984,13 +3106,7 @@
       </p:sp>
       <p:sp>
         <p:nvSpPr>
-          <p:cNvPr id="4" name="Footer Placeholder 3">
-            <a:extLst>
-              <a:ext uri="{FF2B5EF4-FFF2-40B4-BE49-F238E27FC236}">
-                <a16:creationId xmlns:a16="http://schemas.microsoft.com/office/drawing/2014/main" id="{66AB5244-AD6B-4CDC-8939-D98A3061B69E}"/>
-              </a:ext>
-            </a:extLst>
-          </p:cNvPr>
+          <p:cNvPr id="4" name="Footer Placeholder 3"/>
           <p:cNvSpPr>
             <a:spLocks noGrp="1"/>
           </p:cNvSpPr>
@@ -2009,13 +3125,7 @@
       </p:sp>
       <p:sp>
         <p:nvSpPr>
-          <p:cNvPr id="5" name="Slide Number Placeholder 4">
-            <a:extLst>
-              <a:ext uri="{FF2B5EF4-FFF2-40B4-BE49-F238E27FC236}">
-                <a16:creationId xmlns:a16="http://schemas.microsoft.com/office/drawing/2014/main" id="{F566789D-62D3-48D0-BB07-7A5F39DDA356}"/>
-              </a:ext>
-            </a:extLst>
-          </p:cNvPr>
+          <p:cNvPr id="5" name="Slide Number Placeholder 4"/>
           <p:cNvSpPr>
             <a:spLocks noGrp="1"/>
           </p:cNvSpPr>
@@ -2039,7 +3149,7 @@
     </p:spTree>
     <p:extLst>
       <p:ext uri="{BB962C8B-B14F-4D97-AF65-F5344CB8AC3E}">
-        <p14:creationId xmlns:p14="http://schemas.microsoft.com/office/powerpoint/2010/main" val="3710867566"/>
+        <p14:creationId xmlns:p14="http://schemas.microsoft.com/office/powerpoint/2010/main" val="1704915091"/>
       </p:ext>
     </p:extLst>
   </p:cSld>
@@ -2068,13 +3178,7 @@
       </p:grpSpPr>
       <p:sp>
         <p:nvSpPr>
-          <p:cNvPr id="2" name="Date Placeholder 1">
-            <a:extLst>
-              <a:ext uri="{FF2B5EF4-FFF2-40B4-BE49-F238E27FC236}">
-                <a16:creationId xmlns:a16="http://schemas.microsoft.com/office/drawing/2014/main" id="{67E9F289-4FD0-42E6-87C5-B5147E0B19C8}"/>
-              </a:ext>
-            </a:extLst>
-          </p:cNvPr>
+          <p:cNvPr id="2" name="Date Placeholder 1"/>
           <p:cNvSpPr>
             <a:spLocks noGrp="1"/>
           </p:cNvSpPr>
@@ -2089,7 +3193,7 @@
           <a:p>
             <a:fld id="{FD85B985-76B1-472F-AE68-4120063CE451}" type="datetimeFigureOut">
               <a:rPr lang="en-AU" smtClean="0"/>
-              <a:t>28/01/2021</a:t>
+              <a:t>3/2/21</a:t>
             </a:fld>
             <a:endParaRPr lang="en-AU"/>
           </a:p>
@@ -2097,13 +3201,7 @@
       </p:sp>
       <p:sp>
         <p:nvSpPr>
-          <p:cNvPr id="3" name="Footer Placeholder 2">
-            <a:extLst>
-              <a:ext uri="{FF2B5EF4-FFF2-40B4-BE49-F238E27FC236}">
-                <a16:creationId xmlns:a16="http://schemas.microsoft.com/office/drawing/2014/main" id="{41AA9578-6A41-4096-B5E9-8915B458037C}"/>
-              </a:ext>
-            </a:extLst>
-          </p:cNvPr>
+          <p:cNvPr id="3" name="Footer Placeholder 2"/>
           <p:cNvSpPr>
             <a:spLocks noGrp="1"/>
           </p:cNvSpPr>
@@ -2122,13 +3220,7 @@
       </p:sp>
       <p:sp>
         <p:nvSpPr>
-          <p:cNvPr id="4" name="Slide Number Placeholder 3">
-            <a:extLst>
-              <a:ext uri="{FF2B5EF4-FFF2-40B4-BE49-F238E27FC236}">
-                <a16:creationId xmlns:a16="http://schemas.microsoft.com/office/drawing/2014/main" id="{7CA81987-CFB0-49B6-B7C4-CF3C6F8C7B97}"/>
-              </a:ext>
-            </a:extLst>
-          </p:cNvPr>
+          <p:cNvPr id="4" name="Slide Number Placeholder 3"/>
           <p:cNvSpPr>
             <a:spLocks noGrp="1"/>
           </p:cNvSpPr>
@@ -2152,7 +3244,7 @@
     </p:spTree>
     <p:extLst>
       <p:ext uri="{BB962C8B-B14F-4D97-AF65-F5344CB8AC3E}">
-        <p14:creationId xmlns:p14="http://schemas.microsoft.com/office/powerpoint/2010/main" val="1533028751"/>
+        <p14:creationId xmlns:p14="http://schemas.microsoft.com/office/powerpoint/2010/main" val="2014379778"/>
       </p:ext>
     </p:extLst>
   </p:cSld>
@@ -2181,267 +3273,326 @@
       </p:grpSpPr>
       <p:sp>
         <p:nvSpPr>
-          <p:cNvPr id="2" name="Title 1">
-            <a:extLst>
-              <a:ext uri="{FF2B5EF4-FFF2-40B4-BE49-F238E27FC236}">
-                <a16:creationId xmlns:a16="http://schemas.microsoft.com/office/drawing/2014/main" id="{70893F0C-82D9-4751-87C8-364049BCC2F5}"/>
-              </a:ext>
-            </a:extLst>
-          </p:cNvPr>
-          <p:cNvSpPr>
-            <a:spLocks noGrp="1"/>
-          </p:cNvSpPr>
-          <p:nvPr>
-            <p:ph type="title"/>
-          </p:nvPr>
+          <p:cNvPr id="26" name="Rectangle 25"/>
+          <p:cNvSpPr/>
+          <p:nvPr/>
         </p:nvSpPr>
         <p:spPr>
           <a:xfrm>
-            <a:off x="839788" y="457200"/>
-            <a:ext cx="3932237" cy="1600200"/>
+            <a:off x="0" y="0"/>
+            <a:ext cx="6096000" cy="6858000"/>
+          </a:xfrm>
+          <a:prstGeom prst="rect">
+            <a:avLst/>
+          </a:prstGeom>
+          <a:solidFill>
+            <a:schemeClr val="accent2"/>
+          </a:solidFill>
+          <a:ln>
+            <a:noFill/>
+          </a:ln>
+        </p:spPr>
+        <p:style>
+          <a:lnRef idx="2">
+            <a:schemeClr val="accent1">
+              <a:shade val="50000"/>
+            </a:schemeClr>
+          </a:lnRef>
+          <a:fillRef idx="1">
+            <a:schemeClr val="accent1"/>
+          </a:fillRef>
+          <a:effectRef idx="0">
+            <a:schemeClr val="accent1"/>
+          </a:effectRef>
+          <a:fontRef idx="minor">
+            <a:schemeClr val="lt1"/>
+          </a:fontRef>
+        </p:style>
+      </p:sp>
+      <p:sp>
+        <p:nvSpPr>
+          <p:cNvPr id="2" name="Title 1"/>
+          <p:cNvSpPr>
+            <a:spLocks noGrp="1"/>
+          </p:cNvSpPr>
+          <p:nvPr>
+            <p:ph type="title"/>
+          </p:nvPr>
+        </p:nvSpPr>
+        <p:spPr bwMode="blackWhite">
+          <a:xfrm>
+            <a:off x="804672" y="2243828"/>
+            <a:ext cx="4486656" cy="1141497"/>
+          </a:xfrm>
+          <a:solidFill>
+            <a:srgbClr val="FFFFFF"/>
+          </a:solidFill>
+          <a:ln>
+            <a:solidFill>
+              <a:srgbClr val="404040"/>
+            </a:solidFill>
+          </a:ln>
+        </p:spPr>
+        <p:txBody>
+          <a:bodyPr anchor="ctr" anchorCtr="1">
+            <a:normAutofit/>
+          </a:bodyPr>
+          <a:lstStyle>
+            <a:lvl1pPr>
+              <a:defRPr sz="2200">
+                <a:solidFill>
+                  <a:srgbClr val="262626"/>
+                </a:solidFill>
+              </a:defRPr>
+            </a:lvl1pPr>
+          </a:lstStyle>
+          <a:p>
+            <a:r>
+              <a:rPr lang="en-GB"/>
+              <a:t>Click to edit Master title style</a:t>
+            </a:r>
+            <a:endParaRPr lang="en-US" dirty="0"/>
+          </a:p>
+        </p:txBody>
+      </p:sp>
+      <p:sp>
+        <p:nvSpPr>
+          <p:cNvPr id="3" name="Content Placeholder 2"/>
+          <p:cNvSpPr>
+            <a:spLocks noGrp="1"/>
+          </p:cNvSpPr>
+          <p:nvPr>
+            <p:ph idx="1"/>
+          </p:nvPr>
+        </p:nvSpPr>
+        <p:spPr>
+          <a:xfrm>
+            <a:off x="6736080" y="804672"/>
+            <a:ext cx="4815840" cy="5248656"/>
           </a:xfrm>
         </p:spPr>
         <p:txBody>
-          <a:bodyPr anchor="b"/>
+          <a:bodyPr>
+            <a:normAutofit/>
+          </a:bodyPr>
           <a:lstStyle>
             <a:lvl1pPr>
-              <a:defRPr sz="3200"/>
+              <a:defRPr sz="1900">
+                <a:solidFill>
+                  <a:schemeClr val="tx1"/>
+                </a:solidFill>
+              </a:defRPr>
             </a:lvl1pPr>
+            <a:lvl2pPr>
+              <a:defRPr sz="1600">
+                <a:solidFill>
+                  <a:schemeClr val="tx1"/>
+                </a:solidFill>
+              </a:defRPr>
+            </a:lvl2pPr>
+            <a:lvl3pPr>
+              <a:defRPr sz="1600">
+                <a:solidFill>
+                  <a:schemeClr val="tx1"/>
+                </a:solidFill>
+              </a:defRPr>
+            </a:lvl3pPr>
+            <a:lvl4pPr>
+              <a:defRPr sz="1600">
+                <a:solidFill>
+                  <a:schemeClr val="tx1"/>
+                </a:solidFill>
+              </a:defRPr>
+            </a:lvl4pPr>
+            <a:lvl5pPr>
+              <a:defRPr sz="1600">
+                <a:solidFill>
+                  <a:schemeClr val="tx1"/>
+                </a:solidFill>
+              </a:defRPr>
+            </a:lvl5pPr>
+            <a:lvl6pPr>
+              <a:defRPr sz="1600"/>
+            </a:lvl6pPr>
+            <a:lvl7pPr>
+              <a:defRPr sz="1600"/>
+            </a:lvl7pPr>
+            <a:lvl8pPr>
+              <a:defRPr sz="1600"/>
+            </a:lvl8pPr>
+            <a:lvl9pPr>
+              <a:defRPr sz="1600"/>
+            </a:lvl9pPr>
           </a:lstStyle>
           <a:p>
-            <a:r>
-              <a:rPr lang="en-US"/>
-              <a:t>Click to edit Master title style</a:t>
-            </a:r>
-            <a:endParaRPr lang="en-AU"/>
-          </a:p>
-        </p:txBody>
-      </p:sp>
-      <p:sp>
-        <p:nvSpPr>
-          <p:cNvPr id="3" name="Content Placeholder 2">
-            <a:extLst>
-              <a:ext uri="{FF2B5EF4-FFF2-40B4-BE49-F238E27FC236}">
-                <a16:creationId xmlns:a16="http://schemas.microsoft.com/office/drawing/2014/main" id="{72C6456F-9F19-4368-8DE5-A71AA940594A}"/>
-              </a:ext>
-            </a:extLst>
-          </p:cNvPr>
-          <p:cNvSpPr>
-            <a:spLocks noGrp="1"/>
-          </p:cNvSpPr>
-          <p:nvPr>
-            <p:ph idx="1"/>
+            <a:pPr lvl="0"/>
+            <a:r>
+              <a:rPr lang="en-GB"/>
+              <a:t>Click to edit Master text styles</a:t>
+            </a:r>
+          </a:p>
+          <a:p>
+            <a:pPr lvl="1"/>
+            <a:r>
+              <a:rPr lang="en-GB"/>
+              <a:t>Second level</a:t>
+            </a:r>
+          </a:p>
+          <a:p>
+            <a:pPr lvl="2"/>
+            <a:r>
+              <a:rPr lang="en-GB"/>
+              <a:t>Third level</a:t>
+            </a:r>
+          </a:p>
+          <a:p>
+            <a:pPr lvl="3"/>
+            <a:r>
+              <a:rPr lang="en-GB"/>
+              <a:t>Fourth level</a:t>
+            </a:r>
+          </a:p>
+          <a:p>
+            <a:pPr lvl="4"/>
+            <a:r>
+              <a:rPr lang="en-GB"/>
+              <a:t>Fifth level</a:t>
+            </a:r>
+            <a:endParaRPr lang="en-US" dirty="0"/>
+          </a:p>
+        </p:txBody>
+      </p:sp>
+      <p:sp>
+        <p:nvSpPr>
+          <p:cNvPr id="4" name="Text Placeholder 3"/>
+          <p:cNvSpPr>
+            <a:spLocks noGrp="1"/>
+          </p:cNvSpPr>
+          <p:nvPr>
+            <p:ph type="body" sz="half" idx="2"/>
           </p:nvPr>
         </p:nvSpPr>
         <p:spPr>
           <a:xfrm>
-            <a:off x="5183188" y="987425"/>
-            <a:ext cx="6172200" cy="4873625"/>
+            <a:off x="1115568" y="3549918"/>
+            <a:ext cx="3794760" cy="2194036"/>
+          </a:xfrm>
+        </p:spPr>
+        <p:txBody>
+          <a:bodyPr anchor="t" anchorCtr="1">
+            <a:normAutofit/>
+          </a:bodyPr>
+          <a:lstStyle>
+            <a:lvl1pPr marL="0" indent="0" algn="ctr">
+              <a:buNone/>
+              <a:defRPr sz="1500">
+                <a:solidFill>
+                  <a:srgbClr val="FFFFFF"/>
+                </a:solidFill>
+              </a:defRPr>
+            </a:lvl1pPr>
+            <a:lvl2pPr marL="457200" indent="0">
+              <a:buNone/>
+              <a:defRPr sz="1400"/>
+            </a:lvl2pPr>
+            <a:lvl3pPr marL="914400" indent="0">
+              <a:buNone/>
+              <a:defRPr sz="1200"/>
+            </a:lvl3pPr>
+            <a:lvl4pPr marL="1371600" indent="0">
+              <a:buNone/>
+              <a:defRPr sz="1000"/>
+            </a:lvl4pPr>
+            <a:lvl5pPr marL="1828800" indent="0">
+              <a:buNone/>
+              <a:defRPr sz="1000"/>
+            </a:lvl5pPr>
+            <a:lvl6pPr marL="2286000" indent="0">
+              <a:buNone/>
+              <a:defRPr sz="1000"/>
+            </a:lvl6pPr>
+            <a:lvl7pPr marL="2743200" indent="0">
+              <a:buNone/>
+              <a:defRPr sz="1000"/>
+            </a:lvl7pPr>
+            <a:lvl8pPr marL="3200400" indent="0">
+              <a:buNone/>
+              <a:defRPr sz="1000"/>
+            </a:lvl8pPr>
+            <a:lvl9pPr marL="3657600" indent="0">
+              <a:buNone/>
+              <a:defRPr sz="1000"/>
+            </a:lvl9pPr>
+          </a:lstStyle>
+          <a:p>
+            <a:pPr lvl="0"/>
+            <a:r>
+              <a:rPr lang="en-GB"/>
+              <a:t>Click to edit Master text styles</a:t>
+            </a:r>
+          </a:p>
+        </p:txBody>
+      </p:sp>
+      <p:sp>
+        <p:nvSpPr>
+          <p:cNvPr id="9" name="Date Placeholder 8"/>
+          <p:cNvSpPr>
+            <a:spLocks noGrp="1"/>
+          </p:cNvSpPr>
+          <p:nvPr>
+            <p:ph type="dt" sz="half" idx="10"/>
+          </p:nvPr>
+        </p:nvSpPr>
+        <p:spPr/>
+        <p:txBody>
+          <a:bodyPr/>
+          <a:lstStyle/>
+          <a:p>
+            <a:fld id="{FD85B985-76B1-472F-AE68-4120063CE451}" type="datetimeFigureOut">
+              <a:rPr lang="en-AU" smtClean="0"/>
+              <a:t>3/2/21</a:t>
+            </a:fld>
+            <a:endParaRPr lang="en-AU"/>
+          </a:p>
+        </p:txBody>
+      </p:sp>
+      <p:sp>
+        <p:nvSpPr>
+          <p:cNvPr id="10" name="Footer Placeholder 9"/>
+          <p:cNvSpPr>
+            <a:spLocks noGrp="1"/>
+          </p:cNvSpPr>
+          <p:nvPr>
+            <p:ph type="ftr" sz="quarter" idx="11"/>
+          </p:nvPr>
+        </p:nvSpPr>
+        <p:spPr>
+          <a:xfrm>
+            <a:off x="804672" y="6236208"/>
+            <a:ext cx="5124797" cy="320040"/>
           </a:xfrm>
         </p:spPr>
         <p:txBody>
           <a:bodyPr/>
           <a:lstStyle>
             <a:lvl1pPr>
-              <a:defRPr sz="3200"/>
+              <a:defRPr>
+                <a:solidFill>
+                  <a:srgbClr val="FFFFFF">
+                    <a:alpha val="70000"/>
+                  </a:srgbClr>
+                </a:solidFill>
+              </a:defRPr>
             </a:lvl1pPr>
-            <a:lvl2pPr>
-              <a:defRPr sz="2800"/>
-            </a:lvl2pPr>
-            <a:lvl3pPr>
-              <a:defRPr sz="2400"/>
-            </a:lvl3pPr>
-            <a:lvl4pPr>
-              <a:defRPr sz="2000"/>
-            </a:lvl4pPr>
-            <a:lvl5pPr>
-              <a:defRPr sz="2000"/>
-            </a:lvl5pPr>
-            <a:lvl6pPr>
-              <a:defRPr sz="2000"/>
-            </a:lvl6pPr>
-            <a:lvl7pPr>
-              <a:defRPr sz="2000"/>
-            </a:lvl7pPr>
-            <a:lvl8pPr>
-              <a:defRPr sz="2000"/>
-            </a:lvl8pPr>
-            <a:lvl9pPr>
-              <a:defRPr sz="2000"/>
-            </a:lvl9pPr>
           </a:lstStyle>
           <a:p>
-            <a:pPr lvl="0"/>
-            <a:r>
-              <a:rPr lang="en-US"/>
-              <a:t>Click to edit Master text styles</a:t>
-            </a:r>
-          </a:p>
-          <a:p>
-            <a:pPr lvl="1"/>
-            <a:r>
-              <a:rPr lang="en-US"/>
-              <a:t>Second level</a:t>
-            </a:r>
-          </a:p>
-          <a:p>
-            <a:pPr lvl="2"/>
-            <a:r>
-              <a:rPr lang="en-US"/>
-              <a:t>Third level</a:t>
-            </a:r>
-          </a:p>
-          <a:p>
-            <a:pPr lvl="3"/>
-            <a:r>
-              <a:rPr lang="en-US"/>
-              <a:t>Fourth level</a:t>
-            </a:r>
-          </a:p>
-          <a:p>
-            <a:pPr lvl="4"/>
-            <a:r>
-              <a:rPr lang="en-US"/>
-              <a:t>Fifth level</a:t>
-            </a:r>
             <a:endParaRPr lang="en-AU"/>
           </a:p>
         </p:txBody>
       </p:sp>
       <p:sp>
         <p:nvSpPr>
-          <p:cNvPr id="4" name="Text Placeholder 3">
-            <a:extLst>
-              <a:ext uri="{FF2B5EF4-FFF2-40B4-BE49-F238E27FC236}">
-                <a16:creationId xmlns:a16="http://schemas.microsoft.com/office/drawing/2014/main" id="{E540417C-3A51-40D1-8620-D5312D4C0D49}"/>
-              </a:ext>
-            </a:extLst>
-          </p:cNvPr>
-          <p:cNvSpPr>
-            <a:spLocks noGrp="1"/>
-          </p:cNvSpPr>
-          <p:nvPr>
-            <p:ph type="body" sz="half" idx="2"/>
-          </p:nvPr>
-        </p:nvSpPr>
-        <p:spPr>
-          <a:xfrm>
-            <a:off x="839788" y="2057400"/>
-            <a:ext cx="3932237" cy="3811588"/>
-          </a:xfrm>
-        </p:spPr>
-        <p:txBody>
-          <a:bodyPr/>
-          <a:lstStyle>
-            <a:lvl1pPr marL="0" indent="0">
-              <a:buNone/>
-              <a:defRPr sz="1600"/>
-            </a:lvl1pPr>
-            <a:lvl2pPr marL="457200" indent="0">
-              <a:buNone/>
-              <a:defRPr sz="1400"/>
-            </a:lvl2pPr>
-            <a:lvl3pPr marL="914400" indent="0">
-              <a:buNone/>
-              <a:defRPr sz="1200"/>
-            </a:lvl3pPr>
-            <a:lvl4pPr marL="1371600" indent="0">
-              <a:buNone/>
-              <a:defRPr sz="1000"/>
-            </a:lvl4pPr>
-            <a:lvl5pPr marL="1828800" indent="0">
-              <a:buNone/>
-              <a:defRPr sz="1000"/>
-            </a:lvl5pPr>
-            <a:lvl6pPr marL="2286000" indent="0">
-              <a:buNone/>
-              <a:defRPr sz="1000"/>
-            </a:lvl6pPr>
-            <a:lvl7pPr marL="2743200" indent="0">
-              <a:buNone/>
-              <a:defRPr sz="1000"/>
-            </a:lvl7pPr>
-            <a:lvl8pPr marL="3200400" indent="0">
-              <a:buNone/>
-              <a:defRPr sz="1000"/>
-            </a:lvl8pPr>
-            <a:lvl9pPr marL="3657600" indent="0">
-              <a:buNone/>
-              <a:defRPr sz="1000"/>
-            </a:lvl9pPr>
-          </a:lstStyle>
-          <a:p>
-            <a:pPr lvl="0"/>
-            <a:r>
-              <a:rPr lang="en-US"/>
-              <a:t>Click to edit Master text styles</a:t>
-            </a:r>
-          </a:p>
-        </p:txBody>
-      </p:sp>
-      <p:sp>
-        <p:nvSpPr>
-          <p:cNvPr id="5" name="Date Placeholder 4">
-            <a:extLst>
-              <a:ext uri="{FF2B5EF4-FFF2-40B4-BE49-F238E27FC236}">
-                <a16:creationId xmlns:a16="http://schemas.microsoft.com/office/drawing/2014/main" id="{2808843A-938C-43D9-927B-E050B7303B94}"/>
-              </a:ext>
-            </a:extLst>
-          </p:cNvPr>
-          <p:cNvSpPr>
-            <a:spLocks noGrp="1"/>
-          </p:cNvSpPr>
-          <p:nvPr>
-            <p:ph type="dt" sz="half" idx="10"/>
-          </p:nvPr>
-        </p:nvSpPr>
-        <p:spPr/>
-        <p:txBody>
-          <a:bodyPr/>
-          <a:lstStyle/>
-          <a:p>
-            <a:fld id="{FD85B985-76B1-472F-AE68-4120063CE451}" type="datetimeFigureOut">
-              <a:rPr lang="en-AU" smtClean="0"/>
-              <a:t>28/01/2021</a:t>
-            </a:fld>
-            <a:endParaRPr lang="en-AU"/>
-          </a:p>
-        </p:txBody>
-      </p:sp>
-      <p:sp>
-        <p:nvSpPr>
-          <p:cNvPr id="6" name="Footer Placeholder 5">
-            <a:extLst>
-              <a:ext uri="{FF2B5EF4-FFF2-40B4-BE49-F238E27FC236}">
-                <a16:creationId xmlns:a16="http://schemas.microsoft.com/office/drawing/2014/main" id="{3866D17C-DA09-4A4F-B7F1-13BA221AA6C5}"/>
-              </a:ext>
-            </a:extLst>
-          </p:cNvPr>
-          <p:cNvSpPr>
-            <a:spLocks noGrp="1"/>
-          </p:cNvSpPr>
-          <p:nvPr>
-            <p:ph type="ftr" sz="quarter" idx="11"/>
-          </p:nvPr>
-        </p:nvSpPr>
-        <p:spPr/>
-        <p:txBody>
-          <a:bodyPr/>
-          <a:lstStyle/>
-          <a:p>
-            <a:endParaRPr lang="en-AU"/>
-          </a:p>
-        </p:txBody>
-      </p:sp>
-      <p:sp>
-        <p:nvSpPr>
-          <p:cNvPr id="7" name="Slide Number Placeholder 6">
-            <a:extLst>
-              <a:ext uri="{FF2B5EF4-FFF2-40B4-BE49-F238E27FC236}">
-                <a16:creationId xmlns:a16="http://schemas.microsoft.com/office/drawing/2014/main" id="{4C2434D2-12EC-443D-B828-81F96082194A}"/>
-              </a:ext>
-            </a:extLst>
-          </p:cNvPr>
+          <p:cNvPr id="11" name="Slide Number Placeholder 10"/>
           <p:cNvSpPr>
             <a:spLocks noGrp="1"/>
           </p:cNvSpPr>
@@ -2465,7 +3616,7 @@
     </p:spTree>
     <p:extLst>
       <p:ext uri="{BB962C8B-B14F-4D97-AF65-F5344CB8AC3E}">
-        <p14:creationId xmlns:p14="http://schemas.microsoft.com/office/powerpoint/2010/main" val="3993123262"/>
+        <p14:creationId xmlns:p14="http://schemas.microsoft.com/office/powerpoint/2010/main" val="908017434"/>
       </p:ext>
     </p:extLst>
   </p:cSld>
@@ -2494,53 +3645,93 @@
       </p:grpSpPr>
       <p:sp>
         <p:nvSpPr>
-          <p:cNvPr id="2" name="Title 1">
-            <a:extLst>
-              <a:ext uri="{FF2B5EF4-FFF2-40B4-BE49-F238E27FC236}">
-                <a16:creationId xmlns:a16="http://schemas.microsoft.com/office/drawing/2014/main" id="{EBE41A65-A333-4CD0-9422-5F9FB431A27D}"/>
-              </a:ext>
-            </a:extLst>
-          </p:cNvPr>
-          <p:cNvSpPr>
-            <a:spLocks noGrp="1"/>
-          </p:cNvSpPr>
-          <p:nvPr>
-            <p:ph type="title"/>
-          </p:nvPr>
+          <p:cNvPr id="18" name="Rectangle 17"/>
+          <p:cNvSpPr/>
+          <p:nvPr/>
         </p:nvSpPr>
         <p:spPr>
           <a:xfrm>
-            <a:off x="839788" y="457200"/>
-            <a:ext cx="3932237" cy="1600200"/>
+            <a:off x="0" y="0"/>
+            <a:ext cx="6095999" cy="6858000"/>
           </a:xfrm>
+          <a:prstGeom prst="rect">
+            <a:avLst/>
+          </a:prstGeom>
+          <a:solidFill>
+            <a:schemeClr val="accent2"/>
+          </a:solidFill>
+          <a:ln>
+            <a:noFill/>
+          </a:ln>
         </p:spPr>
-        <p:txBody>
-          <a:bodyPr anchor="b"/>
+        <p:style>
+          <a:lnRef idx="2">
+            <a:schemeClr val="accent1">
+              <a:shade val="50000"/>
+            </a:schemeClr>
+          </a:lnRef>
+          <a:fillRef idx="1">
+            <a:schemeClr val="accent1"/>
+          </a:fillRef>
+          <a:effectRef idx="0">
+            <a:schemeClr val="accent1"/>
+          </a:effectRef>
+          <a:fontRef idx="minor">
+            <a:schemeClr val="lt1"/>
+          </a:fontRef>
+        </p:style>
+      </p:sp>
+      <p:sp>
+        <p:nvSpPr>
+          <p:cNvPr id="2" name="Title 1"/>
+          <p:cNvSpPr>
+            <a:spLocks noGrp="1"/>
+          </p:cNvSpPr>
+          <p:nvPr>
+            <p:ph type="title"/>
+          </p:nvPr>
+        </p:nvSpPr>
+        <p:spPr bwMode="blackWhite">
+          <a:xfrm>
+            <a:off x="808523" y="2243828"/>
+            <a:ext cx="4494998" cy="1134640"/>
+          </a:xfrm>
+          <a:solidFill>
+            <a:srgbClr val="FFFFFF"/>
+          </a:solidFill>
+          <a:ln>
+            <a:solidFill>
+              <a:srgbClr val="404040"/>
+            </a:solidFill>
+          </a:ln>
+        </p:spPr>
+        <p:txBody>
+          <a:bodyPr anchor="ctr" anchorCtr="1">
+            <a:noAutofit/>
+          </a:bodyPr>
           <a:lstStyle>
             <a:lvl1pPr>
-              <a:defRPr sz="3200"/>
+              <a:defRPr sz="2200">
+                <a:solidFill>
+                  <a:srgbClr val="262626"/>
+                </a:solidFill>
+              </a:defRPr>
             </a:lvl1pPr>
           </a:lstStyle>
           <a:p>
             <a:r>
-              <a:rPr lang="en-US"/>
+              <a:rPr lang="en-GB"/>
               <a:t>Click to edit Master title style</a:t>
             </a:r>
-            <a:endParaRPr lang="en-AU"/>
-          </a:p>
-        </p:txBody>
-      </p:sp>
-      <p:sp>
-        <p:nvSpPr>
-          <p:cNvPr id="3" name="Picture Placeholder 2">
-            <a:extLst>
-              <a:ext uri="{FF2B5EF4-FFF2-40B4-BE49-F238E27FC236}">
-                <a16:creationId xmlns:a16="http://schemas.microsoft.com/office/drawing/2014/main" id="{7017BEBF-AE13-403E-964C-A9ED47E2D588}"/>
-              </a:ext>
-            </a:extLst>
-          </p:cNvPr>
-          <p:cNvSpPr>
-            <a:spLocks noGrp="1"/>
+            <a:endParaRPr lang="en-US" dirty="0"/>
+          </a:p>
+        </p:txBody>
+      </p:sp>
+      <p:sp>
+        <p:nvSpPr>
+          <p:cNvPr id="3" name="Picture Placeholder 2"/>
+          <p:cNvSpPr>
+            <a:spLocks noGrp="1" noChangeAspect="1"/>
           </p:cNvSpPr>
           <p:nvPr>
             <p:ph type="pic" idx="1"/>
@@ -2548,16 +3739,28 @@
         </p:nvSpPr>
         <p:spPr>
           <a:xfrm>
-            <a:off x="5183188" y="987425"/>
-            <a:ext cx="6172200" cy="4873625"/>
+            <a:off x="6095999" y="0"/>
+            <a:ext cx="6102097" cy="6858000"/>
           </a:xfrm>
+          <a:solidFill>
+            <a:schemeClr val="bg1">
+              <a:lumMod val="75000"/>
+            </a:schemeClr>
+          </a:solidFill>
         </p:spPr>
         <p:txBody>
-          <a:bodyPr/>
+          <a:bodyPr anchor="t"/>
           <a:lstStyle>
             <a:lvl1pPr marL="0" indent="0">
               <a:buNone/>
-              <a:defRPr sz="3200"/>
+              <a:defRPr sz="3200">
+                <a:solidFill>
+                  <a:schemeClr val="bg1">
+                    <a:lumMod val="85000"/>
+                    <a:lumOff val="15000"/>
+                  </a:schemeClr>
+                </a:solidFill>
+              </a:defRPr>
             </a:lvl1pPr>
             <a:lvl2pPr marL="457200" indent="0">
               <a:buNone/>
@@ -2593,19 +3796,17 @@
             </a:lvl9pPr>
           </a:lstStyle>
           <a:p>
-            <a:endParaRPr lang="en-AU"/>
-          </a:p>
-        </p:txBody>
-      </p:sp>
-      <p:sp>
-        <p:nvSpPr>
-          <p:cNvPr id="4" name="Text Placeholder 3">
-            <a:extLst>
-              <a:ext uri="{FF2B5EF4-FFF2-40B4-BE49-F238E27FC236}">
-                <a16:creationId xmlns:a16="http://schemas.microsoft.com/office/drawing/2014/main" id="{C812D31E-8AD1-4D67-A822-71B34E104A82}"/>
-              </a:ext>
-            </a:extLst>
-          </p:cNvPr>
+            <a:r>
+              <a:rPr lang="en-GB"/>
+              <a:t>Click icon to add picture</a:t>
+            </a:r>
+            <a:endParaRPr lang="en-US" dirty="0"/>
+          </a:p>
+        </p:txBody>
+      </p:sp>
+      <p:sp>
+        <p:nvSpPr>
+          <p:cNvPr id="4" name="Text Placeholder 3"/>
           <p:cNvSpPr>
             <a:spLocks noGrp="1"/>
           </p:cNvSpPr>
@@ -2615,16 +3816,22 @@
         </p:nvSpPr>
         <p:spPr>
           <a:xfrm>
-            <a:off x="839788" y="2057400"/>
-            <a:ext cx="3932237" cy="3811588"/>
+            <a:off x="1115568" y="3549918"/>
+            <a:ext cx="3794760" cy="2194037"/>
           </a:xfrm>
         </p:spPr>
         <p:txBody>
-          <a:bodyPr/>
+          <a:bodyPr anchor="t" anchorCtr="1">
+            <a:normAutofit/>
+          </a:bodyPr>
           <a:lstStyle>
-            <a:lvl1pPr marL="0" indent="0">
-              <a:buNone/>
-              <a:defRPr sz="1600"/>
+            <a:lvl1pPr marL="0" indent="0" algn="ctr">
+              <a:buNone/>
+              <a:defRPr sz="1500">
+                <a:solidFill>
+                  <a:srgbClr val="FFFFFF"/>
+                </a:solidFill>
+              </a:defRPr>
             </a:lvl1pPr>
             <a:lvl2pPr marL="457200" indent="0">
               <a:buNone/>
@@ -2662,7 +3869,7 @@
           <a:p>
             <a:pPr lvl="0"/>
             <a:r>
-              <a:rPr lang="en-US"/>
+              <a:rPr lang="en-GB"/>
               <a:t>Click to edit Master text styles</a:t>
             </a:r>
           </a:p>
@@ -2670,13 +3877,7 @@
       </p:sp>
       <p:sp>
         <p:nvSpPr>
-          <p:cNvPr id="5" name="Date Placeholder 4">
-            <a:extLst>
-              <a:ext uri="{FF2B5EF4-FFF2-40B4-BE49-F238E27FC236}">
-                <a16:creationId xmlns:a16="http://schemas.microsoft.com/office/drawing/2014/main" id="{16871FDE-773D-45EB-B4A2-06CBF106CB77}"/>
-              </a:ext>
-            </a:extLst>
-          </p:cNvPr>
+          <p:cNvPr id="8" name="Date Placeholder 7"/>
           <p:cNvSpPr>
             <a:spLocks noGrp="1"/>
           </p:cNvSpPr>
@@ -2687,11 +3888,26 @@
         <p:spPr/>
         <p:txBody>
           <a:bodyPr/>
-          <a:lstStyle/>
+          <a:lstStyle>
+            <a:lvl1pPr>
+              <a:defRPr>
+                <a:solidFill>
+                  <a:srgbClr val="FFFFFF"/>
+                </a:solidFill>
+                <a:effectLst>
+                  <a:outerShdw blurRad="50800" dist="38100" dir="2700000" algn="tl" rotWithShape="0">
+                    <a:prstClr val="black">
+                      <a:alpha val="43000"/>
+                    </a:prstClr>
+                  </a:outerShdw>
+                </a:effectLst>
+              </a:defRPr>
+            </a:lvl1pPr>
+          </a:lstStyle>
           <a:p>
             <a:fld id="{FD85B985-76B1-472F-AE68-4120063CE451}" type="datetimeFigureOut">
               <a:rPr lang="en-AU" smtClean="0"/>
-              <a:t>28/01/2021</a:t>
+              <a:t>3/2/21</a:t>
             </a:fld>
             <a:endParaRPr lang="en-AU"/>
           </a:p>
@@ -2699,13 +3915,7 @@
       </p:sp>
       <p:sp>
         <p:nvSpPr>
-          <p:cNvPr id="6" name="Footer Placeholder 5">
-            <a:extLst>
-              <a:ext uri="{FF2B5EF4-FFF2-40B4-BE49-F238E27FC236}">
-                <a16:creationId xmlns:a16="http://schemas.microsoft.com/office/drawing/2014/main" id="{1A8B2DB6-BFD8-4BA5-B1AC-B04CC0EACFF8}"/>
-              </a:ext>
-            </a:extLst>
-          </p:cNvPr>
+          <p:cNvPr id="9" name="Footer Placeholder 8"/>
           <p:cNvSpPr>
             <a:spLocks noGrp="1"/>
           </p:cNvSpPr>
@@ -2713,10 +3923,25 @@
             <p:ph type="ftr" sz="quarter" idx="11"/>
           </p:nvPr>
         </p:nvSpPr>
-        <p:spPr/>
+        <p:spPr>
+          <a:xfrm>
+            <a:off x="804672" y="6236208"/>
+            <a:ext cx="5124797" cy="320040"/>
+          </a:xfrm>
+        </p:spPr>
         <p:txBody>
           <a:bodyPr/>
-          <a:lstStyle/>
+          <a:lstStyle>
+            <a:lvl1pPr>
+              <a:defRPr>
+                <a:solidFill>
+                  <a:srgbClr val="FFFFFF">
+                    <a:alpha val="70000"/>
+                  </a:srgbClr>
+                </a:solidFill>
+              </a:defRPr>
+            </a:lvl1pPr>
+          </a:lstStyle>
           <a:p>
             <a:endParaRPr lang="en-AU"/>
           </a:p>
@@ -2724,13 +3949,7 @@
       </p:sp>
       <p:sp>
         <p:nvSpPr>
-          <p:cNvPr id="7" name="Slide Number Placeholder 6">
-            <a:extLst>
-              <a:ext uri="{FF2B5EF4-FFF2-40B4-BE49-F238E27FC236}">
-                <a16:creationId xmlns:a16="http://schemas.microsoft.com/office/drawing/2014/main" id="{86FAD4A3-DB37-473A-B203-4A19D3E5DA0A}"/>
-              </a:ext>
-            </a:extLst>
-          </p:cNvPr>
+          <p:cNvPr id="10" name="Slide Number Placeholder 9"/>
           <p:cNvSpPr>
             <a:spLocks noGrp="1"/>
           </p:cNvSpPr>
@@ -2754,7 +3973,7 @@
     </p:spTree>
     <p:extLst>
       <p:ext uri="{BB962C8B-B14F-4D97-AF65-F5344CB8AC3E}">
-        <p14:creationId xmlns:p14="http://schemas.microsoft.com/office/powerpoint/2010/main" val="1096359781"/>
+        <p14:creationId xmlns:p14="http://schemas.microsoft.com/office/powerpoint/2010/main" val="2741760558"/>
       </p:ext>
     </p:extLst>
   </p:cSld>
@@ -2768,9 +3987,14 @@
 <p:sldMaster xmlns:a="http://schemas.openxmlformats.org/drawingml/2006/main" xmlns:r="http://schemas.openxmlformats.org/officeDocument/2006/relationships" xmlns:p="http://schemas.openxmlformats.org/presentationml/2006/main">
   <p:cSld>
     <p:bg>
-      <p:bgRef idx="1001">
-        <a:schemeClr val="bg1"/>
-      </p:bgRef>
+      <p:bgPr>
+        <a:solidFill>
+          <a:schemeClr val="bg1">
+            <a:lumMod val="95000"/>
+          </a:schemeClr>
+        </a:solidFill>
+        <a:effectLst/>
+      </p:bgPr>
     </p:bg>
     <p:spTree>
       <p:nvGrpSpPr>
@@ -2788,131 +4012,163 @@
       </p:grpSpPr>
       <p:sp>
         <p:nvSpPr>
-          <p:cNvPr id="2" name="Title Placeholder 1">
-            <a:extLst>
-              <a:ext uri="{FF2B5EF4-FFF2-40B4-BE49-F238E27FC236}">
-                <a16:creationId xmlns:a16="http://schemas.microsoft.com/office/drawing/2014/main" id="{F3675839-0BAF-4689-A9AC-4B904C90DF60}"/>
-              </a:ext>
-            </a:extLst>
-          </p:cNvPr>
+          <p:cNvPr id="2" name="Title Placeholder 1"/>
           <p:cNvSpPr>
             <a:spLocks noGrp="1"/>
           </p:cNvSpPr>
           <p:nvPr>
             <p:ph type="title"/>
+          </p:nvPr>
+        </p:nvSpPr>
+        <p:spPr bwMode="black">
+          <a:xfrm>
+            <a:off x="2231136" y="964692"/>
+            <a:ext cx="7729728" cy="1188720"/>
+          </a:xfrm>
+          <a:prstGeom prst="rect">
+            <a:avLst/>
+          </a:prstGeom>
+          <a:solidFill>
+            <a:srgbClr val="FFFFFF"/>
+          </a:solidFill>
+          <a:ln w="31750" cap="sq">
+            <a:solidFill>
+              <a:srgbClr val="404040"/>
+            </a:solidFill>
+            <a:miter lim="800000"/>
+          </a:ln>
+        </p:spPr>
+        <p:txBody>
+          <a:bodyPr vert="horz" lIns="182880" tIns="182880" rIns="182880" bIns="182880" rtlCol="0" anchor="ctr">
+            <a:normAutofit/>
+          </a:bodyPr>
+          <a:lstStyle/>
+          <a:p>
+            <a:r>
+              <a:rPr lang="en-GB"/>
+              <a:t>Click to edit Master title style</a:t>
+            </a:r>
+            <a:endParaRPr lang="en-US" dirty="0"/>
+          </a:p>
+        </p:txBody>
+      </p:sp>
+      <p:sp>
+        <p:nvSpPr>
+          <p:cNvPr id="3" name="Text Placeholder 2"/>
+          <p:cNvSpPr>
+            <a:spLocks noGrp="1"/>
+          </p:cNvSpPr>
+          <p:nvPr>
+            <p:ph type="body" idx="1"/>
           </p:nvPr>
         </p:nvSpPr>
         <p:spPr>
           <a:xfrm>
-            <a:off x="838200" y="365125"/>
-            <a:ext cx="10515600" cy="1325563"/>
+            <a:off x="2231136" y="2638044"/>
+            <a:ext cx="7729728" cy="3101983"/>
           </a:xfrm>
           <a:prstGeom prst="rect">
             <a:avLst/>
           </a:prstGeom>
         </p:spPr>
         <p:txBody>
-          <a:bodyPr vert="horz" lIns="91440" tIns="45720" rIns="91440" bIns="45720" rtlCol="0" anchor="ctr">
+          <a:bodyPr vert="horz" lIns="91440" tIns="45720" rIns="91440" bIns="45720" rtlCol="0">
             <a:normAutofit/>
           </a:bodyPr>
           <a:lstStyle/>
           <a:p>
-            <a:r>
-              <a:rPr lang="en-US"/>
-              <a:t>Click to edit Master title style</a:t>
-            </a:r>
-            <a:endParaRPr lang="en-AU"/>
-          </a:p>
-        </p:txBody>
-      </p:sp>
-      <p:sp>
-        <p:nvSpPr>
-          <p:cNvPr id="3" name="Text Placeholder 2">
-            <a:extLst>
-              <a:ext uri="{FF2B5EF4-FFF2-40B4-BE49-F238E27FC236}">
-                <a16:creationId xmlns:a16="http://schemas.microsoft.com/office/drawing/2014/main" id="{ACC7856D-6DB9-42BF-A348-3241AB79B070}"/>
-              </a:ext>
-            </a:extLst>
-          </p:cNvPr>
-          <p:cNvSpPr>
-            <a:spLocks noGrp="1"/>
-          </p:cNvSpPr>
-          <p:nvPr>
-            <p:ph type="body" idx="1"/>
+            <a:pPr lvl="0"/>
+            <a:r>
+              <a:rPr lang="en-GB"/>
+              <a:t>Click to edit Master text styles</a:t>
+            </a:r>
+          </a:p>
+          <a:p>
+            <a:pPr lvl="1"/>
+            <a:r>
+              <a:rPr lang="en-GB"/>
+              <a:t>Second level</a:t>
+            </a:r>
+          </a:p>
+          <a:p>
+            <a:pPr lvl="2"/>
+            <a:r>
+              <a:rPr lang="en-GB"/>
+              <a:t>Third level</a:t>
+            </a:r>
+          </a:p>
+          <a:p>
+            <a:pPr lvl="3"/>
+            <a:r>
+              <a:rPr lang="en-GB"/>
+              <a:t>Fourth level</a:t>
+            </a:r>
+          </a:p>
+          <a:p>
+            <a:pPr lvl="4"/>
+            <a:r>
+              <a:rPr lang="en-GB"/>
+              <a:t>Fifth level</a:t>
+            </a:r>
+            <a:endParaRPr lang="en-US" dirty="0"/>
+          </a:p>
+        </p:txBody>
+      </p:sp>
+      <p:sp>
+        <p:nvSpPr>
+          <p:cNvPr id="4" name="Date Placeholder 3"/>
+          <p:cNvSpPr>
+            <a:spLocks noGrp="1"/>
+          </p:cNvSpPr>
+          <p:nvPr>
+            <p:ph type="dt" sz="half" idx="2"/>
           </p:nvPr>
         </p:nvSpPr>
         <p:spPr>
           <a:xfrm>
-            <a:off x="838200" y="1825625"/>
-            <a:ext cx="10515600" cy="4351338"/>
+            <a:off x="7821429" y="6238816"/>
+            <a:ext cx="2753746" cy="323968"/>
           </a:xfrm>
           <a:prstGeom prst="rect">
             <a:avLst/>
           </a:prstGeom>
         </p:spPr>
         <p:txBody>
-          <a:bodyPr vert="horz" lIns="91440" tIns="45720" rIns="91440" bIns="45720" rtlCol="0">
-            <a:normAutofit/>
-          </a:bodyPr>
-          <a:lstStyle/>
-          <a:p>
-            <a:pPr lvl="0"/>
-            <a:r>
-              <a:rPr lang="en-US"/>
-              <a:t>Click to edit Master text styles</a:t>
-            </a:r>
-          </a:p>
-          <a:p>
-            <a:pPr lvl="1"/>
-            <a:r>
-              <a:rPr lang="en-US"/>
-              <a:t>Second level</a:t>
-            </a:r>
-          </a:p>
-          <a:p>
-            <a:pPr lvl="2"/>
-            <a:r>
-              <a:rPr lang="en-US"/>
-              <a:t>Third level</a:t>
-            </a:r>
-          </a:p>
-          <a:p>
-            <a:pPr lvl="3"/>
-            <a:r>
-              <a:rPr lang="en-US"/>
-              <a:t>Fourth level</a:t>
-            </a:r>
-          </a:p>
-          <a:p>
-            <a:pPr lvl="4"/>
-            <a:r>
-              <a:rPr lang="en-US"/>
-              <a:t>Fifth level</a:t>
-            </a:r>
+          <a:bodyPr vert="horz" lIns="91440" tIns="45720" rIns="91440" bIns="45720" rtlCol="0" anchor="ctr"/>
+          <a:lstStyle>
+            <a:lvl1pPr algn="r">
+              <a:defRPr sz="1050">
+                <a:solidFill>
+                  <a:schemeClr val="tx1">
+                    <a:alpha val="70000"/>
+                  </a:schemeClr>
+                </a:solidFill>
+              </a:defRPr>
+            </a:lvl1pPr>
+          </a:lstStyle>
+          <a:p>
+            <a:fld id="{FD85B985-76B1-472F-AE68-4120063CE451}" type="datetimeFigureOut">
+              <a:rPr lang="en-AU" smtClean="0"/>
+              <a:t>3/2/21</a:t>
+            </a:fld>
             <a:endParaRPr lang="en-AU"/>
           </a:p>
         </p:txBody>
       </p:sp>
       <p:sp>
         <p:nvSpPr>
-          <p:cNvPr id="4" name="Date Placeholder 3">
-            <a:extLst>
-              <a:ext uri="{FF2B5EF4-FFF2-40B4-BE49-F238E27FC236}">
-                <a16:creationId xmlns:a16="http://schemas.microsoft.com/office/drawing/2014/main" id="{440E14CD-1DFD-479C-B537-70F605870BBB}"/>
-              </a:ext>
-            </a:extLst>
-          </p:cNvPr>
-          <p:cNvSpPr>
-            <a:spLocks noGrp="1"/>
-          </p:cNvSpPr>
-          <p:nvPr>
-            <p:ph type="dt" sz="half" idx="2"/>
+          <p:cNvPr id="5" name="Footer Placeholder 4"/>
+          <p:cNvSpPr>
+            <a:spLocks noGrp="1"/>
+          </p:cNvSpPr>
+          <p:nvPr>
+            <p:ph type="ftr" sz="quarter" idx="3"/>
           </p:nvPr>
         </p:nvSpPr>
         <p:spPr>
           <a:xfrm>
-            <a:off x="838200" y="6356350"/>
-            <a:ext cx="2743200" cy="365125"/>
+            <a:off x="1600200" y="6236208"/>
+            <a:ext cx="5901189" cy="320040"/>
           </a:xfrm>
           <a:prstGeom prst="rect">
             <a:avLst/>
@@ -2922,101 +4178,53 @@
           <a:bodyPr vert="horz" lIns="91440" tIns="45720" rIns="91440" bIns="45720" rtlCol="0" anchor="ctr"/>
           <a:lstStyle>
             <a:lvl1pPr algn="l">
-              <a:defRPr sz="1200">
+              <a:defRPr sz="1050">
                 <a:solidFill>
                   <a:schemeClr val="tx1">
-                    <a:tint val="75000"/>
+                    <a:alpha val="70000"/>
                   </a:schemeClr>
                 </a:solidFill>
               </a:defRPr>
             </a:lvl1pPr>
           </a:lstStyle>
           <a:p>
-            <a:fld id="{FD85B985-76B1-472F-AE68-4120063CE451}" type="datetimeFigureOut">
-              <a:rPr lang="en-AU" smtClean="0"/>
-              <a:t>28/01/2021</a:t>
-            </a:fld>
             <a:endParaRPr lang="en-AU"/>
           </a:p>
         </p:txBody>
       </p:sp>
       <p:sp>
         <p:nvSpPr>
-          <p:cNvPr id="5" name="Footer Placeholder 4">
-            <a:extLst>
-              <a:ext uri="{FF2B5EF4-FFF2-40B4-BE49-F238E27FC236}">
-                <a16:creationId xmlns:a16="http://schemas.microsoft.com/office/drawing/2014/main" id="{B2F28019-D9DF-4544-AE27-EABCD5354B5E}"/>
-              </a:ext>
-            </a:extLst>
-          </p:cNvPr>
-          <p:cNvSpPr>
-            <a:spLocks noGrp="1"/>
-          </p:cNvSpPr>
-          <p:nvPr>
-            <p:ph type="ftr" sz="quarter" idx="3"/>
+          <p:cNvPr id="6" name="Slide Number Placeholder 5"/>
+          <p:cNvSpPr>
+            <a:spLocks noGrp="1"/>
+          </p:cNvSpPr>
+          <p:nvPr>
+            <p:ph type="sldNum" sz="quarter" idx="4"/>
           </p:nvPr>
         </p:nvSpPr>
         <p:spPr>
           <a:xfrm>
-            <a:off x="4038600" y="6356350"/>
-            <a:ext cx="4114800" cy="365125"/>
+            <a:off x="10758922" y="6217920"/>
+            <a:ext cx="365760" cy="365760"/>
           </a:xfrm>
-          <a:prstGeom prst="rect">
+          <a:prstGeom prst="ellipse">
             <a:avLst/>
           </a:prstGeom>
+          <a:solidFill>
+            <a:srgbClr val="1D1D1D">
+              <a:alpha val="70000"/>
+            </a:srgbClr>
+          </a:solidFill>
         </p:spPr>
         <p:txBody>
-          <a:bodyPr vert="horz" lIns="91440" tIns="45720" rIns="91440" bIns="45720" rtlCol="0" anchor="ctr"/>
+          <a:bodyPr vert="horz" lIns="18288" tIns="45720" rIns="18288" bIns="45720" rtlCol="0" anchor="ctr">
+            <a:noAutofit/>
+          </a:bodyPr>
           <a:lstStyle>
             <a:lvl1pPr algn="ctr">
-              <a:defRPr sz="1200">
+              <a:defRPr sz="1100" spc="0" baseline="0">
                 <a:solidFill>
-                  <a:schemeClr val="tx1">
-                    <a:tint val="75000"/>
-                  </a:schemeClr>
-                </a:solidFill>
-              </a:defRPr>
-            </a:lvl1pPr>
-          </a:lstStyle>
-          <a:p>
-            <a:endParaRPr lang="en-AU"/>
-          </a:p>
-        </p:txBody>
-      </p:sp>
-      <p:sp>
-        <p:nvSpPr>
-          <p:cNvPr id="6" name="Slide Number Placeholder 5">
-            <a:extLst>
-              <a:ext uri="{FF2B5EF4-FFF2-40B4-BE49-F238E27FC236}">
-                <a16:creationId xmlns:a16="http://schemas.microsoft.com/office/drawing/2014/main" id="{4F5FE41F-4C98-4F61-B166-CF49E21394EF}"/>
-              </a:ext>
-            </a:extLst>
-          </p:cNvPr>
-          <p:cNvSpPr>
-            <a:spLocks noGrp="1"/>
-          </p:cNvSpPr>
-          <p:nvPr>
-            <p:ph type="sldNum" sz="quarter" idx="4"/>
-          </p:nvPr>
-        </p:nvSpPr>
-        <p:spPr>
-          <a:xfrm>
-            <a:off x="8610600" y="6356350"/>
-            <a:ext cx="2743200" cy="365125"/>
-          </a:xfrm>
-          <a:prstGeom prst="rect">
-            <a:avLst/>
-          </a:prstGeom>
-        </p:spPr>
-        <p:txBody>
-          <a:bodyPr vert="horz" lIns="91440" tIns="45720" rIns="91440" bIns="45720" rtlCol="0" anchor="ctr"/>
-          <a:lstStyle>
-            <a:lvl1pPr algn="r">
-              <a:defRPr sz="1200">
-                <a:solidFill>
-                  <a:schemeClr val="tx1">
-                    <a:tint val="75000"/>
-                  </a:schemeClr>
+                  <a:srgbClr val="FFFFFF"/>
                 </a:solidFill>
               </a:defRPr>
             </a:lvl1pPr>
@@ -3033,27 +4241,27 @@
     </p:spTree>
     <p:extLst>
       <p:ext uri="{BB962C8B-B14F-4D97-AF65-F5344CB8AC3E}">
-        <p14:creationId xmlns:p14="http://schemas.microsoft.com/office/powerpoint/2010/main" val="1643342048"/>
+        <p14:creationId xmlns:p14="http://schemas.microsoft.com/office/powerpoint/2010/main" val="2968747060"/>
       </p:ext>
     </p:extLst>
   </p:cSld>
   <p:clrMap bg1="lt1" tx1="dk1" bg2="lt2" tx2="dk2" accent1="accent1" accent2="accent2" accent3="accent3" accent4="accent4" accent5="accent5" accent6="accent6" hlink="hlink" folHlink="folHlink"/>
   <p:sldLayoutIdLst>
-    <p:sldLayoutId id="2147483649" r:id="rId1"/>
-    <p:sldLayoutId id="2147483650" r:id="rId2"/>
-    <p:sldLayoutId id="2147483651" r:id="rId3"/>
-    <p:sldLayoutId id="2147483652" r:id="rId4"/>
-    <p:sldLayoutId id="2147483653" r:id="rId5"/>
-    <p:sldLayoutId id="2147483654" r:id="rId6"/>
-    <p:sldLayoutId id="2147483655" r:id="rId7"/>
-    <p:sldLayoutId id="2147483656" r:id="rId8"/>
-    <p:sldLayoutId id="2147483657" r:id="rId9"/>
-    <p:sldLayoutId id="2147483658" r:id="rId10"/>
-    <p:sldLayoutId id="2147483659" r:id="rId11"/>
+    <p:sldLayoutId id="2147483714" r:id="rId1"/>
+    <p:sldLayoutId id="2147483715" r:id="rId2"/>
+    <p:sldLayoutId id="2147483716" r:id="rId3"/>
+    <p:sldLayoutId id="2147483717" r:id="rId4"/>
+    <p:sldLayoutId id="2147483718" r:id="rId5"/>
+    <p:sldLayoutId id="2147483719" r:id="rId6"/>
+    <p:sldLayoutId id="2147483720" r:id="rId7"/>
+    <p:sldLayoutId id="2147483721" r:id="rId8"/>
+    <p:sldLayoutId id="2147483722" r:id="rId9"/>
+    <p:sldLayoutId id="2147483723" r:id="rId10"/>
+    <p:sldLayoutId id="2147483724" r:id="rId11"/>
   </p:sldLayoutIdLst>
   <p:txStyles>
     <p:titleStyle>
-      <a:lvl1pPr algn="l" defTabSz="914400" rtl="0" eaLnBrk="1" latinLnBrk="0" hangingPunct="1">
+      <a:lvl1pPr algn="ctr" defTabSz="914400" rtl="0" eaLnBrk="1" latinLnBrk="0" hangingPunct="1">
         <a:lnSpc>
           <a:spcPct val="90000"/>
         </a:lnSpc>
@@ -3061,9 +4269,9 @@
           <a:spcPct val="0"/>
         </a:spcBef>
         <a:buNone/>
-        <a:defRPr sz="4400" kern="1200">
+        <a:defRPr sz="2800" kern="1200" cap="all" spc="200" baseline="0">
           <a:solidFill>
-            <a:schemeClr val="tx1"/>
+            <a:srgbClr val="262626"/>
           </a:solidFill>
           <a:latin typeface="+mj-lt"/>
           <a:ea typeface="+mj-ea"/>
@@ -3074,104 +4282,137 @@
     <p:bodyStyle>
       <a:lvl1pPr marL="228600" indent="-228600" algn="l" defTabSz="914400" rtl="0" eaLnBrk="1" latinLnBrk="0" hangingPunct="1">
         <a:lnSpc>
-          <a:spcPct val="90000"/>
+          <a:spcPct val="100000"/>
         </a:lnSpc>
         <a:spcBef>
           <a:spcPts val="1000"/>
         </a:spcBef>
+        <a:buClr>
+          <a:schemeClr val="accent2"/>
+        </a:buClr>
         <a:buFont typeface="Arial" panose="020B0604020202020204" pitchFamily="34" charset="0"/>
         <a:buChar char="•"/>
-        <a:defRPr sz="2800" kern="1200">
+        <a:defRPr sz="1800" kern="1200">
           <a:solidFill>
-            <a:schemeClr val="tx1"/>
+            <a:schemeClr val="tx1">
+              <a:lumMod val="85000"/>
+              <a:lumOff val="15000"/>
+            </a:schemeClr>
           </a:solidFill>
           <a:latin typeface="+mn-lt"/>
           <a:ea typeface="+mn-ea"/>
           <a:cs typeface="+mn-cs"/>
         </a:defRPr>
       </a:lvl1pPr>
-      <a:lvl2pPr marL="685800" indent="-228600" algn="l" defTabSz="914400" rtl="0" eaLnBrk="1" latinLnBrk="0" hangingPunct="1">
+      <a:lvl2pPr marL="457200" indent="-228600" algn="l" defTabSz="914400" rtl="0" eaLnBrk="1" latinLnBrk="0" hangingPunct="1">
         <a:lnSpc>
-          <a:spcPct val="90000"/>
+          <a:spcPct val="100000"/>
         </a:lnSpc>
         <a:spcBef>
-          <a:spcPts val="500"/>
+          <a:spcPts val="1000"/>
         </a:spcBef>
+        <a:buClr>
+          <a:schemeClr val="accent2"/>
+        </a:buClr>
         <a:buFont typeface="Arial" panose="020B0604020202020204" pitchFamily="34" charset="0"/>
         <a:buChar char="•"/>
-        <a:defRPr sz="2400" kern="1200">
+        <a:defRPr sz="1600" kern="1200">
           <a:solidFill>
-            <a:schemeClr val="tx1"/>
+            <a:schemeClr val="tx1">
+              <a:lumMod val="85000"/>
+              <a:lumOff val="15000"/>
+            </a:schemeClr>
           </a:solidFill>
           <a:latin typeface="+mn-lt"/>
           <a:ea typeface="+mn-ea"/>
           <a:cs typeface="+mn-cs"/>
         </a:defRPr>
       </a:lvl2pPr>
-      <a:lvl3pPr marL="1143000" indent="-228600" algn="l" defTabSz="914400" rtl="0" eaLnBrk="1" latinLnBrk="0" hangingPunct="1">
+      <a:lvl3pPr marL="685800" indent="-228600" algn="l" defTabSz="914400" rtl="0" eaLnBrk="1" latinLnBrk="0" hangingPunct="1">
         <a:lnSpc>
-          <a:spcPct val="90000"/>
+          <a:spcPct val="100000"/>
         </a:lnSpc>
         <a:spcBef>
-          <a:spcPts val="500"/>
+          <a:spcPts val="1000"/>
         </a:spcBef>
+        <a:buClr>
+          <a:schemeClr val="accent2"/>
+        </a:buClr>
         <a:buFont typeface="Arial" panose="020B0604020202020204" pitchFamily="34" charset="0"/>
         <a:buChar char="•"/>
-        <a:defRPr sz="2000" kern="1200">
+        <a:defRPr sz="1600" kern="1200">
           <a:solidFill>
-            <a:schemeClr val="tx1"/>
+            <a:schemeClr val="tx1">
+              <a:lumMod val="85000"/>
+              <a:lumOff val="15000"/>
+            </a:schemeClr>
           </a:solidFill>
           <a:latin typeface="+mn-lt"/>
           <a:ea typeface="+mn-ea"/>
           <a:cs typeface="+mn-cs"/>
         </a:defRPr>
       </a:lvl3pPr>
-      <a:lvl4pPr marL="1600200" indent="-228600" algn="l" defTabSz="914400" rtl="0" eaLnBrk="1" latinLnBrk="0" hangingPunct="1">
+      <a:lvl4pPr marL="914400" indent="-228600" algn="l" defTabSz="914400" rtl="0" eaLnBrk="1" latinLnBrk="0" hangingPunct="1">
         <a:lnSpc>
-          <a:spcPct val="90000"/>
+          <a:spcPct val="100000"/>
         </a:lnSpc>
         <a:spcBef>
-          <a:spcPts val="500"/>
+          <a:spcPts val="1000"/>
         </a:spcBef>
+        <a:buClr>
+          <a:schemeClr val="accent2"/>
+        </a:buClr>
         <a:buFont typeface="Arial" panose="020B0604020202020204" pitchFamily="34" charset="0"/>
         <a:buChar char="•"/>
-        <a:defRPr sz="1800" kern="1200">
+        <a:defRPr sz="1600" kern="1200">
           <a:solidFill>
-            <a:schemeClr val="tx1"/>
+            <a:schemeClr val="tx1">
+              <a:lumMod val="85000"/>
+              <a:lumOff val="15000"/>
+            </a:schemeClr>
           </a:solidFill>
           <a:latin typeface="+mn-lt"/>
           <a:ea typeface="+mn-ea"/>
           <a:cs typeface="+mn-cs"/>
         </a:defRPr>
       </a:lvl4pPr>
-      <a:lvl5pPr marL="2057400" indent="-228600" algn="l" defTabSz="914400" rtl="0" eaLnBrk="1" latinLnBrk="0" hangingPunct="1">
+      <a:lvl5pPr marL="1143000" indent="-228600" algn="l" defTabSz="914400" rtl="0" eaLnBrk="1" latinLnBrk="0" hangingPunct="1">
         <a:lnSpc>
-          <a:spcPct val="90000"/>
+          <a:spcPct val="100000"/>
         </a:lnSpc>
         <a:spcBef>
-          <a:spcPts val="500"/>
+          <a:spcPts val="1000"/>
         </a:spcBef>
+        <a:buClr>
+          <a:schemeClr val="accent2"/>
+        </a:buClr>
         <a:buFont typeface="Arial" panose="020B0604020202020204" pitchFamily="34" charset="0"/>
         <a:buChar char="•"/>
-        <a:defRPr sz="1800" kern="1200">
+        <a:defRPr sz="1600" kern="1200">
           <a:solidFill>
-            <a:schemeClr val="tx1"/>
+            <a:schemeClr val="tx1">
+              <a:lumMod val="85000"/>
+              <a:lumOff val="15000"/>
+            </a:schemeClr>
           </a:solidFill>
           <a:latin typeface="+mn-lt"/>
           <a:ea typeface="+mn-ea"/>
           <a:cs typeface="+mn-cs"/>
         </a:defRPr>
       </a:lvl5pPr>
-      <a:lvl6pPr marL="2514600" indent="-228600" algn="l" defTabSz="914400" rtl="0" eaLnBrk="1" latinLnBrk="0" hangingPunct="1">
+      <a:lvl6pPr marL="1312863" indent="-228600" algn="l" defTabSz="914400" rtl="0" eaLnBrk="1" latinLnBrk="0" hangingPunct="1">
         <a:lnSpc>
-          <a:spcPct val="90000"/>
+          <a:spcPct val="100000"/>
         </a:lnSpc>
         <a:spcBef>
-          <a:spcPts val="500"/>
+          <a:spcPts val="1000"/>
         </a:spcBef>
+        <a:buClr>
+          <a:schemeClr val="accent2"/>
+        </a:buClr>
         <a:buFont typeface="Arial" panose="020B0604020202020204" pitchFamily="34" charset="0"/>
         <a:buChar char="•"/>
-        <a:defRPr sz="1800" kern="1200">
+        <a:defRPr sz="1600" kern="1200">
           <a:solidFill>
             <a:schemeClr val="tx1"/>
           </a:solidFill>
@@ -3180,16 +4421,19 @@
           <a:cs typeface="+mn-cs"/>
         </a:defRPr>
       </a:lvl6pPr>
-      <a:lvl7pPr marL="2971800" indent="-228600" algn="l" defTabSz="914400" rtl="0" eaLnBrk="1" latinLnBrk="0" hangingPunct="1">
+      <a:lvl7pPr marL="1484313" indent="-228600" algn="l" defTabSz="914400" rtl="0" eaLnBrk="1" latinLnBrk="0" hangingPunct="1">
         <a:lnSpc>
-          <a:spcPct val="90000"/>
+          <a:spcPct val="100000"/>
         </a:lnSpc>
         <a:spcBef>
-          <a:spcPts val="500"/>
+          <a:spcPts val="1000"/>
         </a:spcBef>
+        <a:buClr>
+          <a:schemeClr val="accent2"/>
+        </a:buClr>
         <a:buFont typeface="Arial" panose="020B0604020202020204" pitchFamily="34" charset="0"/>
         <a:buChar char="•"/>
-        <a:defRPr sz="1800" kern="1200">
+        <a:defRPr sz="1600" kern="1200">
           <a:solidFill>
             <a:schemeClr val="tx1"/>
           </a:solidFill>
@@ -3198,16 +4442,19 @@
           <a:cs typeface="+mn-cs"/>
         </a:defRPr>
       </a:lvl7pPr>
-      <a:lvl8pPr marL="3429000" indent="-228600" algn="l" defTabSz="914400" rtl="0" eaLnBrk="1" latinLnBrk="0" hangingPunct="1">
+      <a:lvl8pPr marL="1657350" indent="-228600" algn="l" defTabSz="914400" rtl="0" eaLnBrk="1" latinLnBrk="0" hangingPunct="1">
         <a:lnSpc>
-          <a:spcPct val="90000"/>
+          <a:spcPct val="100000"/>
         </a:lnSpc>
         <a:spcBef>
-          <a:spcPts val="500"/>
+          <a:spcPts val="1000"/>
         </a:spcBef>
+        <a:buClr>
+          <a:schemeClr val="accent2"/>
+        </a:buClr>
         <a:buFont typeface="Arial" panose="020B0604020202020204" pitchFamily="34" charset="0"/>
         <a:buChar char="•"/>
-        <a:defRPr sz="1800" kern="1200">
+        <a:defRPr sz="1600" kern="1200" baseline="0">
           <a:solidFill>
             <a:schemeClr val="tx1"/>
           </a:solidFill>
@@ -3216,16 +4463,19 @@
           <a:cs typeface="+mn-cs"/>
         </a:defRPr>
       </a:lvl8pPr>
-      <a:lvl9pPr marL="3886200" indent="-228600" algn="l" defTabSz="914400" rtl="0" eaLnBrk="1" latinLnBrk="0" hangingPunct="1">
+      <a:lvl9pPr marL="1882775" indent="-228600" algn="l" defTabSz="914400" rtl="0" eaLnBrk="1" latinLnBrk="0" hangingPunct="1">
         <a:lnSpc>
-          <a:spcPct val="90000"/>
+          <a:spcPct val="100000"/>
         </a:lnSpc>
         <a:spcBef>
-          <a:spcPts val="500"/>
+          <a:spcPts val="1000"/>
         </a:spcBef>
+        <a:buClr>
+          <a:schemeClr val="accent2"/>
+        </a:buClr>
         <a:buFont typeface="Arial" panose="020B0604020202020204" pitchFamily="34" charset="0"/>
         <a:buChar char="•"/>
-        <a:defRPr sz="1800" kern="1200">
+        <a:defRPr sz="1600" kern="1200" baseline="0">
           <a:solidFill>
             <a:schemeClr val="tx1"/>
           </a:solidFill>
@@ -3337,6 +4587,14 @@
 <file path=ppt/slides/slide1.xml><?xml version="1.0" encoding="utf-8"?>
 <p:sld xmlns:a="http://schemas.openxmlformats.org/drawingml/2006/main" xmlns:r="http://schemas.openxmlformats.org/officeDocument/2006/relationships" xmlns:p="http://schemas.openxmlformats.org/presentationml/2006/main">
   <p:cSld>
+    <p:bg>
+      <p:bgPr>
+        <a:solidFill>
+          <a:schemeClr val="bg1"/>
+        </a:solidFill>
+        <a:effectLst/>
+      </p:bgPr>
+    </p:bg>
     <p:spTree>
       <p:nvGrpSpPr>
         <p:cNvPr id="1" name=""/>
@@ -3351,6 +4609,127 @@
           <a:chExt cx="0" cy="0"/>
         </a:xfrm>
       </p:grpSpPr>
+      <p:sp useBgFill="1">
+        <p:nvSpPr>
+          <p:cNvPr id="12" name="Rectangle 11">
+            <a:extLst>
+              <a:ext uri="{FF2B5EF4-FFF2-40B4-BE49-F238E27FC236}">
+                <a16:creationId xmlns:a16="http://schemas.microsoft.com/office/drawing/2014/main" id="{3F47E20B-1205-4238-A82B-90EF577F32D8}"/>
+              </a:ext>
+              <a:ext uri="{C183D7F6-B498-43B3-948B-1728B52AA6E4}">
+                <adec:decorative xmlns:adec="http://schemas.microsoft.com/office/drawing/2017/decorative" val="1"/>
+              </a:ext>
+            </a:extLst>
+          </p:cNvPr>
+          <p:cNvSpPr>
+            <a:spLocks noGrp="1" noRot="1" noChangeAspect="1" noMove="1" noResize="1" noEditPoints="1" noAdjustHandles="1" noChangeArrowheads="1" noChangeShapeType="1" noTextEdit="1"/>
+          </p:cNvSpPr>
+          <p:nvPr>
+            <p:extLst>
+              <p:ext uri="{386F3935-93C4-4BCD-93E2-E3B085C9AB24}">
+                <p16:designElem xmlns:p16="http://schemas.microsoft.com/office/powerpoint/2015/main" val="1"/>
+              </p:ext>
+            </p:extLst>
+          </p:nvPr>
+        </p:nvSpPr>
+        <p:spPr>
+          <a:xfrm>
+            <a:off x="1" y="0"/>
+            <a:ext cx="12191999" cy="6858000"/>
+          </a:xfrm>
+          <a:prstGeom prst="rect">
+            <a:avLst/>
+          </a:prstGeom>
+          <a:ln>
+            <a:noFill/>
+          </a:ln>
+        </p:spPr>
+        <p:style>
+          <a:lnRef idx="2">
+            <a:schemeClr val="accent1">
+              <a:shade val="50000"/>
+            </a:schemeClr>
+          </a:lnRef>
+          <a:fillRef idx="1">
+            <a:schemeClr val="accent1"/>
+          </a:fillRef>
+          <a:effectRef idx="0">
+            <a:schemeClr val="accent1"/>
+          </a:effectRef>
+          <a:fontRef idx="minor">
+            <a:schemeClr val="lt1"/>
+          </a:fontRef>
+        </p:style>
+        <p:txBody>
+          <a:bodyPr rtlCol="0" anchor="ctr"/>
+          <a:lstStyle/>
+          <a:p>
+            <a:pPr algn="ctr"/>
+            <a:endParaRPr lang="en-US"/>
+          </a:p>
+        </p:txBody>
+      </p:sp>
+      <p:sp>
+        <p:nvSpPr>
+          <p:cNvPr id="14" name="Rectangle 13">
+            <a:extLst>
+              <a:ext uri="{FF2B5EF4-FFF2-40B4-BE49-F238E27FC236}">
+                <a16:creationId xmlns:a16="http://schemas.microsoft.com/office/drawing/2014/main" id="{D13567AC-EB9A-47A9-B6EC-B5BDB73B113C}"/>
+              </a:ext>
+              <a:ext uri="{C183D7F6-B498-43B3-948B-1728B52AA6E4}">
+                <adec:decorative xmlns:adec="http://schemas.microsoft.com/office/drawing/2017/decorative" val="1"/>
+              </a:ext>
+            </a:extLst>
+          </p:cNvPr>
+          <p:cNvSpPr>
+            <a:spLocks noGrp="1" noRot="1" noChangeAspect="1" noMove="1" noResize="1" noEditPoints="1" noAdjustHandles="1" noChangeArrowheads="1" noChangeShapeType="1" noTextEdit="1"/>
+          </p:cNvSpPr>
+          <p:nvPr>
+            <p:extLst>
+              <p:ext uri="{386F3935-93C4-4BCD-93E2-E3B085C9AB24}">
+                <p16:designElem xmlns:p16="http://schemas.microsoft.com/office/powerpoint/2015/main" val="1"/>
+              </p:ext>
+            </p:extLst>
+          </p:nvPr>
+        </p:nvSpPr>
+        <p:spPr>
+          <a:xfrm>
+            <a:off x="0" y="0"/>
+            <a:ext cx="4654296" cy="6858000"/>
+          </a:xfrm>
+          <a:prstGeom prst="rect">
+            <a:avLst/>
+          </a:prstGeom>
+          <a:solidFill>
+            <a:schemeClr val="tx2"/>
+          </a:solidFill>
+          <a:ln>
+            <a:noFill/>
+          </a:ln>
+        </p:spPr>
+        <p:style>
+          <a:lnRef idx="0">
+            <a:scrgbClr r="0" g="0" b="0"/>
+          </a:lnRef>
+          <a:fillRef idx="0">
+            <a:scrgbClr r="0" g="0" b="0"/>
+          </a:fillRef>
+          <a:effectRef idx="0">
+            <a:scrgbClr r="0" g="0" b="0"/>
+          </a:effectRef>
+          <a:fontRef idx="minor">
+            <a:schemeClr val="lt1"/>
+          </a:fontRef>
+        </p:style>
+        <p:txBody>
+          <a:bodyPr rtlCol="0" anchor="ctr"/>
+          <a:lstStyle/>
+          <a:p>
+            <a:pPr algn="ctr"/>
+            <a:endParaRPr lang="en-US"/>
+          </a:p>
+        </p:txBody>
+      </p:sp>
       <p:sp>
         <p:nvSpPr>
           <p:cNvPr id="2" name="Title 1">
@@ -3367,22 +4746,45 @@
             <p:ph type="ctrTitle"/>
           </p:nvPr>
         </p:nvSpPr>
-        <p:spPr/>
+        <p:spPr>
+          <a:xfrm>
+            <a:off x="643468" y="820010"/>
+            <a:ext cx="3415288" cy="3212654"/>
+          </a:xfrm>
+          <a:noFill/>
+          <a:ln>
+            <a:solidFill>
+              <a:schemeClr val="bg1"/>
+            </a:solidFill>
+          </a:ln>
+        </p:spPr>
         <p:txBody>
           <a:bodyPr>
-            <a:normAutofit fontScale="90000"/>
+            <a:normAutofit/>
           </a:bodyPr>
           <a:lstStyle/>
           <a:p>
             <a:r>
-              <a:rPr lang="en-AU" dirty="0"/>
+              <a:rPr lang="en-AU" sz="2900">
+                <a:solidFill>
+                  <a:schemeClr val="bg1"/>
+                </a:solidFill>
+              </a:rPr>
               <a:t>South Australian Crime Rate effect on median House Price</a:t>
             </a:r>
             <a:br>
-              <a:rPr lang="en-AU" dirty="0"/>
+              <a:rPr lang="en-AU" sz="2900">
+                <a:solidFill>
+                  <a:schemeClr val="bg1"/>
+                </a:solidFill>
+              </a:rPr>
             </a:br>
             <a:r>
-              <a:rPr lang="en-AU" dirty="0"/>
+              <a:rPr lang="en-AU" sz="2900">
+                <a:solidFill>
+                  <a:schemeClr val="bg1"/>
+                </a:solidFill>
+              </a:rPr>
               <a:t>2015 -2021</a:t>
             </a:r>
           </a:p>
@@ -3404,60 +4806,165 @@
             <p:ph type="subTitle" idx="1"/>
           </p:nvPr>
         </p:nvSpPr>
-        <p:spPr/>
-        <p:txBody>
-          <a:bodyPr/>
-          <a:lstStyle/>
-          <a:p>
-            <a:r>
-              <a:rPr lang="en-AU" dirty="0"/>
-              <a:t>Chevrolet Chillies</a:t>
-            </a:r>
-            <a:endParaRPr lang="en-AU" b="1" dirty="0">
+        <p:spPr>
+          <a:xfrm>
+            <a:off x="699777" y="4352544"/>
+            <a:ext cx="3415288" cy="1239894"/>
+          </a:xfrm>
+        </p:spPr>
+        <p:txBody>
+          <a:bodyPr>
+            <a:normAutofit/>
+          </a:bodyPr>
+          <a:lstStyle/>
+          <a:p>
+            <a:pPr>
+              <a:lnSpc>
+                <a:spcPct val="90000"/>
+              </a:lnSpc>
+            </a:pPr>
+            <a:r>
+              <a:rPr lang="en-AU" sz="1700">
+                <a:solidFill>
+                  <a:schemeClr val="bg1"/>
+                </a:solidFill>
+              </a:rPr>
+              <a:t>Chevrolet Chilis</a:t>
+            </a:r>
+            <a:endParaRPr lang="en-AU" sz="1700" b="1">
+              <a:solidFill>
+                <a:schemeClr val="bg1"/>
+              </a:solidFill>
               <a:effectLst/>
             </a:endParaRPr>
           </a:p>
           <a:p>
-            <a:r>
-              <a:rPr lang="en-AU" b="1" dirty="0" err="1">
+            <a:pPr>
+              <a:lnSpc>
+                <a:spcPct val="90000"/>
+              </a:lnSpc>
+            </a:pPr>
+            <a:r>
+              <a:rPr lang="en-AU" sz="1700" b="1">
+                <a:solidFill>
+                  <a:schemeClr val="bg1"/>
+                </a:solidFill>
                 <a:effectLst/>
               </a:rPr>
-              <a:t>Annabele</a:t>
-            </a:r>
-            <a:r>
-              <a:rPr lang="en-AU" b="1" dirty="0">
+              <a:t>Annabel Cheong, Kylie Burns, Miki </a:t>
+            </a:r>
+            <a:r>
+              <a:rPr lang="en-AU" sz="1700" b="1">
+                <a:solidFill>
+                  <a:schemeClr val="bg1"/>
+                </a:solidFill>
+              </a:rPr>
+              <a:t>C</a:t>
+            </a:r>
+            <a:r>
+              <a:rPr lang="en-AU" sz="1700" b="1">
+                <a:solidFill>
+                  <a:schemeClr val="bg1"/>
+                </a:solidFill>
                 <a:effectLst/>
               </a:rPr>
-              <a:t> Cheong, Kylie Burns, Miki </a:t>
-            </a:r>
-            <a:r>
-              <a:rPr lang="en-AU" b="1" dirty="0" err="1">
-                <a:effectLst/>
-              </a:rPr>
-              <a:t>cai</a:t>
-            </a:r>
-            <a:r>
-              <a:rPr lang="en-AU" b="1" dirty="0">
-                <a:effectLst/>
-              </a:rPr>
-              <a:t>, Nick Sullivan, </a:t>
-            </a:r>
-            <a:r>
-              <a:rPr lang="en-AU" b="1" dirty="0" err="1">
-                <a:effectLst/>
-              </a:rPr>
-              <a:t>Presit</a:t>
-            </a:r>
-            <a:r>
-              <a:rPr lang="en-AU" b="1" dirty="0">
-                <a:effectLst/>
-              </a:rPr>
-              <a:t> Kaur</a:t>
-            </a:r>
-            <a:endParaRPr lang="en-AU" dirty="0"/>
-          </a:p>
-        </p:txBody>
-      </p:sp>
+              <a:t>ai, Nick Sullivan, Presit Kaur</a:t>
+            </a:r>
+            <a:endParaRPr lang="en-AU" sz="1700">
+              <a:solidFill>
+                <a:schemeClr val="bg1"/>
+              </a:solidFill>
+            </a:endParaRPr>
+          </a:p>
+        </p:txBody>
+      </p:sp>
+      <p:pic>
+        <p:nvPicPr>
+          <p:cNvPr id="7" name="Picture 6">
+            <a:extLst>
+              <a:ext uri="{FF2B5EF4-FFF2-40B4-BE49-F238E27FC236}">
+                <a16:creationId xmlns:a16="http://schemas.microsoft.com/office/drawing/2014/main" id="{1881C842-1B6B-F244-9994-D6DFE6074603}"/>
+              </a:ext>
+            </a:extLst>
+          </p:cNvPr>
+          <p:cNvPicPr>
+            <a:picLocks noChangeAspect="1"/>
+          </p:cNvPicPr>
+          <p:nvPr/>
+        </p:nvPicPr>
+        <p:blipFill rotWithShape="1">
+          <a:blip r:embed="rId2"/>
+          <a:srcRect r="19755" b="-2"/>
+          <a:stretch/>
+        </p:blipFill>
+        <p:spPr>
+          <a:xfrm>
+            <a:off x="4649234" y="10"/>
+            <a:ext cx="3775438" cy="2634800"/>
+          </a:xfrm>
+          <a:prstGeom prst="rect">
+            <a:avLst/>
+          </a:prstGeom>
+        </p:spPr>
+      </p:pic>
+      <p:pic>
+        <p:nvPicPr>
+          <p:cNvPr id="4" name="Picture 3">
+            <a:extLst>
+              <a:ext uri="{FF2B5EF4-FFF2-40B4-BE49-F238E27FC236}">
+                <a16:creationId xmlns:a16="http://schemas.microsoft.com/office/drawing/2014/main" id="{3F40DDEA-E111-9445-B598-33D42025C63B}"/>
+              </a:ext>
+            </a:extLst>
+          </p:cNvPr>
+          <p:cNvPicPr>
+            <a:picLocks noChangeAspect="1"/>
+          </p:cNvPicPr>
+          <p:nvPr/>
+        </p:nvPicPr>
+        <p:blipFill rotWithShape="1">
+          <a:blip r:embed="rId3"/>
+          <a:srcRect t="951" r="-1" b="15320"/>
+          <a:stretch/>
+        </p:blipFill>
+        <p:spPr>
+          <a:xfrm>
+            <a:off x="4649234" y="2634810"/>
+            <a:ext cx="7537702" cy="4212708"/>
+          </a:xfrm>
+          <a:prstGeom prst="rect">
+            <a:avLst/>
+          </a:prstGeom>
+        </p:spPr>
+      </p:pic>
+      <p:pic>
+        <p:nvPicPr>
+          <p:cNvPr id="6" name="Picture 5">
+            <a:extLst>
+              <a:ext uri="{FF2B5EF4-FFF2-40B4-BE49-F238E27FC236}">
+                <a16:creationId xmlns:a16="http://schemas.microsoft.com/office/drawing/2014/main" id="{CE406A6D-9AEA-304B-AE73-F3F4EACC37F8}"/>
+              </a:ext>
+            </a:extLst>
+          </p:cNvPr>
+          <p:cNvPicPr>
+            <a:picLocks noChangeAspect="1"/>
+          </p:cNvPicPr>
+          <p:nvPr/>
+        </p:nvPicPr>
+        <p:blipFill rotWithShape="1">
+          <a:blip r:embed="rId4"/>
+          <a:srcRect t="1053" r="1" b="13166"/>
+          <a:stretch/>
+        </p:blipFill>
+        <p:spPr>
+          <a:xfrm>
+            <a:off x="8439614" y="2"/>
+            <a:ext cx="3752385" cy="2634800"/>
+          </a:xfrm>
+          <a:prstGeom prst="rect">
+            <a:avLst/>
+          </a:prstGeom>
+        </p:spPr>
+      </p:pic>
     </p:spTree>
     <p:extLst>
       <p:ext uri="{BB962C8B-B14F-4D97-AF65-F5344CB8AC3E}">
@@ -3466,7 +4973,7 @@
     </p:extLst>
   </p:cSld>
   <p:clrMapOvr>
-    <a:masterClrMapping/>
+    <a:overrideClrMapping bg1="lt1" tx1="dk1" bg2="lt2" tx2="dk2" accent1="accent1" accent2="accent2" accent3="accent3" accent4="accent4" accent5="accent5" accent6="accent6" hlink="hlink" folHlink="folHlink"/>
   </p:clrMapOvr>
 </p:sld>
 </file>
@@ -3493,6 +5000,631 @@
           <p:cNvPr id="2" name="Title 1">
             <a:extLst>
               <a:ext uri="{FF2B5EF4-FFF2-40B4-BE49-F238E27FC236}">
+                <a16:creationId xmlns:a16="http://schemas.microsoft.com/office/drawing/2014/main" id="{D4112190-B47C-470F-9F25-6023D45B677C}"/>
+              </a:ext>
+            </a:extLst>
+          </p:cNvPr>
+          <p:cNvSpPr>
+            <a:spLocks noGrp="1"/>
+          </p:cNvSpPr>
+          <p:nvPr>
+            <p:ph type="title"/>
+          </p:nvPr>
+        </p:nvSpPr>
+        <p:spPr>
+          <a:xfrm>
+            <a:off x="2231136" y="964691"/>
+            <a:ext cx="7729728" cy="1355721"/>
+          </a:xfrm>
+        </p:spPr>
+        <p:txBody>
+          <a:bodyPr anchor="ctr">
+            <a:normAutofit/>
+          </a:bodyPr>
+          <a:lstStyle/>
+          <a:p>
+            <a:r>
+              <a:rPr lang="en-US" sz="2400" dirty="0"/>
+              <a:t>Data </a:t>
+            </a:r>
+            <a:r>
+              <a:rPr lang="en-US" sz="2400" dirty="0" err="1"/>
+              <a:t>AnalysiS</a:t>
+            </a:r>
+            <a:br>
+              <a:rPr lang="en-US" sz="2400" dirty="0"/>
+            </a:br>
+            <a:r>
+              <a:rPr lang="en-US" sz="2400" dirty="0"/>
+              <a:t> Correlation between crime count and property price</a:t>
+            </a:r>
+            <a:endParaRPr lang="en-AU" dirty="0"/>
+          </a:p>
+        </p:txBody>
+      </p:sp>
+      <p:sp>
+        <p:nvSpPr>
+          <p:cNvPr id="3" name="Content Placeholder 2">
+            <a:extLst>
+              <a:ext uri="{FF2B5EF4-FFF2-40B4-BE49-F238E27FC236}">
+                <a16:creationId xmlns:a16="http://schemas.microsoft.com/office/drawing/2014/main" id="{9DE61BC1-0CFD-4085-B545-1FDE0510523F}"/>
+              </a:ext>
+            </a:extLst>
+          </p:cNvPr>
+          <p:cNvSpPr>
+            <a:spLocks noGrp="1"/>
+          </p:cNvSpPr>
+          <p:nvPr>
+            <p:ph idx="1"/>
+          </p:nvPr>
+        </p:nvSpPr>
+        <p:spPr/>
+        <p:txBody>
+          <a:bodyPr/>
+          <a:lstStyle/>
+          <a:p>
+            <a:r>
+              <a:rPr lang="en-AU" dirty="0">
+                <a:solidFill>
+                  <a:srgbClr val="FF0000"/>
+                </a:solidFill>
+              </a:rPr>
+              <a:t>Insert graphs and r squared value</a:t>
+            </a:r>
+          </a:p>
+          <a:p>
+            <a:r>
+              <a:rPr lang="en-AU" dirty="0">
+                <a:solidFill>
+                  <a:srgbClr val="FF0000"/>
+                </a:solidFill>
+              </a:rPr>
+              <a:t>Summarise correlation findings </a:t>
+            </a:r>
+          </a:p>
+          <a:p>
+            <a:r>
+              <a:rPr lang="en-AU" dirty="0">
+                <a:solidFill>
+                  <a:srgbClr val="FF0000"/>
+                </a:solidFill>
+              </a:rPr>
+              <a:t>The weak correlation is due to these reasons:</a:t>
+            </a:r>
+          </a:p>
+          <a:p>
+            <a:pPr lvl="1"/>
+            <a:r>
+              <a:rPr lang="en-AU" dirty="0">
+                <a:solidFill>
+                  <a:srgbClr val="FF0000"/>
+                </a:solidFill>
+              </a:rPr>
+              <a:t>Other variables affecting property price (not solely crime counts)</a:t>
+            </a:r>
+          </a:p>
+          <a:p>
+            <a:pPr lvl="1"/>
+            <a:r>
+              <a:rPr lang="en-AU" dirty="0">
+                <a:solidFill>
+                  <a:srgbClr val="FF0000"/>
+                </a:solidFill>
+              </a:rPr>
+              <a:t>Need for per capita data (population density)</a:t>
+            </a:r>
+          </a:p>
+        </p:txBody>
+      </p:sp>
+    </p:spTree>
+    <p:extLst>
+      <p:ext uri="{BB962C8B-B14F-4D97-AF65-F5344CB8AC3E}">
+        <p14:creationId xmlns:p14="http://schemas.microsoft.com/office/powerpoint/2010/main" val="3027296124"/>
+      </p:ext>
+    </p:extLst>
+  </p:cSld>
+  <p:clrMapOvr>
+    <a:masterClrMapping/>
+  </p:clrMapOvr>
+</p:sld>
+</file>
+
+<file path=ppt/slides/slide11.xml><?xml version="1.0" encoding="utf-8"?>
+<p:sld xmlns:a="http://schemas.openxmlformats.org/drawingml/2006/main" xmlns:r="http://schemas.openxmlformats.org/officeDocument/2006/relationships" xmlns:p="http://schemas.openxmlformats.org/presentationml/2006/main">
+  <p:cSld>
+    <p:spTree>
+      <p:nvGrpSpPr>
+        <p:cNvPr id="1" name=""/>
+        <p:cNvGrpSpPr/>
+        <p:nvPr/>
+      </p:nvGrpSpPr>
+      <p:grpSpPr>
+        <a:xfrm>
+          <a:off x="0" y="0"/>
+          <a:ext cx="0" cy="0"/>
+          <a:chOff x="0" y="0"/>
+          <a:chExt cx="0" cy="0"/>
+        </a:xfrm>
+      </p:grpSpPr>
+      <p:sp>
+        <p:nvSpPr>
+          <p:cNvPr id="2" name="Title 1">
+            <a:extLst>
+              <a:ext uri="{FF2B5EF4-FFF2-40B4-BE49-F238E27FC236}">
+                <a16:creationId xmlns:a16="http://schemas.microsoft.com/office/drawing/2014/main" id="{97EDCECB-1016-4042-BFE3-761303E9E76C}"/>
+              </a:ext>
+            </a:extLst>
+          </p:cNvPr>
+          <p:cNvSpPr>
+            <a:spLocks noGrp="1"/>
+          </p:cNvSpPr>
+          <p:nvPr>
+            <p:ph type="title"/>
+          </p:nvPr>
+        </p:nvSpPr>
+        <p:spPr/>
+        <p:txBody>
+          <a:bodyPr/>
+          <a:lstStyle/>
+          <a:p>
+            <a:r>
+              <a:rPr lang="en-US" dirty="0"/>
+              <a:t>PROJECT CHALLENGES</a:t>
+            </a:r>
+            <a:br>
+              <a:rPr lang="en-US" dirty="0"/>
+            </a:br>
+            <a:endParaRPr lang="en-AU" dirty="0"/>
+          </a:p>
+        </p:txBody>
+      </p:sp>
+      <p:sp>
+        <p:nvSpPr>
+          <p:cNvPr id="3" name="Content Placeholder 2">
+            <a:extLst>
+              <a:ext uri="{FF2B5EF4-FFF2-40B4-BE49-F238E27FC236}">
+                <a16:creationId xmlns:a16="http://schemas.microsoft.com/office/drawing/2014/main" id="{41041EED-5A1F-4BA1-9880-478BF56219F1}"/>
+              </a:ext>
+            </a:extLst>
+          </p:cNvPr>
+          <p:cNvSpPr>
+            <a:spLocks noGrp="1"/>
+          </p:cNvSpPr>
+          <p:nvPr>
+            <p:ph idx="1"/>
+          </p:nvPr>
+        </p:nvSpPr>
+        <p:spPr>
+          <a:xfrm>
+            <a:off x="2231136" y="2638044"/>
+            <a:ext cx="7729728" cy="3392366"/>
+          </a:xfrm>
+        </p:spPr>
+        <p:txBody>
+          <a:bodyPr>
+            <a:normAutofit fontScale="92500" lnSpcReduction="20000"/>
+          </a:bodyPr>
+          <a:lstStyle/>
+          <a:p>
+            <a:pPr marL="0" indent="0">
+              <a:buNone/>
+            </a:pPr>
+            <a:r>
+              <a:rPr lang="en-US" u="sng" dirty="0"/>
+              <a:t>Challenges</a:t>
+            </a:r>
+          </a:p>
+          <a:p>
+            <a:pPr>
+              <a:buFont typeface="Arial" panose="020B0604020202020204" pitchFamily="34" charset="0"/>
+              <a:buChar char="•"/>
+            </a:pPr>
+            <a:r>
+              <a:rPr lang="en-US" dirty="0"/>
+              <a:t>WA Data is not </a:t>
+            </a:r>
+            <a:r>
+              <a:rPr lang="en-US" dirty="0" err="1"/>
+              <a:t>categorised</a:t>
+            </a:r>
+            <a:r>
+              <a:rPr lang="en-US" dirty="0"/>
+              <a:t> by suburb</a:t>
+            </a:r>
+          </a:p>
+          <a:p>
+            <a:pPr>
+              <a:buFont typeface="Arial" panose="020B0604020202020204" pitchFamily="34" charset="0"/>
+              <a:buChar char="•"/>
+            </a:pPr>
+            <a:r>
+              <a:rPr lang="en-US" dirty="0"/>
+              <a:t>Binning each crime entry by financial year</a:t>
+            </a:r>
+          </a:p>
+          <a:p>
+            <a:pPr>
+              <a:buFont typeface="Arial" panose="020B0604020202020204" pitchFamily="34" charset="0"/>
+              <a:buChar char="•"/>
+            </a:pPr>
+            <a:r>
+              <a:rPr lang="en-US" dirty="0"/>
+              <a:t>Determining how to find an appropriate property value to represent the financial year as only quarterly median prices were provided in the raw data</a:t>
+            </a:r>
+          </a:p>
+          <a:p>
+            <a:pPr marL="0" indent="0">
+              <a:buNone/>
+            </a:pPr>
+            <a:endParaRPr lang="en-US" u="sng" dirty="0"/>
+          </a:p>
+          <a:p>
+            <a:pPr marL="0" indent="0">
+              <a:buNone/>
+            </a:pPr>
+            <a:r>
+              <a:rPr lang="en-US" u="sng" dirty="0"/>
+              <a:t>Given Additional Project Time</a:t>
+            </a:r>
+          </a:p>
+          <a:p>
+            <a:pPr>
+              <a:buFont typeface="Arial" panose="020B0604020202020204" pitchFamily="34" charset="0"/>
+              <a:buChar char="•"/>
+            </a:pPr>
+            <a:r>
+              <a:rPr lang="en-US" dirty="0"/>
+              <a:t>Dropped all rows with data that was not available (</a:t>
+            </a:r>
+            <a:r>
+              <a:rPr lang="en-US" dirty="0" err="1"/>
+              <a:t>NaN</a:t>
+            </a:r>
+            <a:r>
+              <a:rPr lang="en-US" dirty="0"/>
+              <a:t>)</a:t>
+            </a:r>
+          </a:p>
+          <a:p>
+            <a:pPr>
+              <a:buFont typeface="Arial" panose="020B0604020202020204" pitchFamily="34" charset="0"/>
+              <a:buChar char="•"/>
+            </a:pPr>
+            <a:r>
+              <a:rPr lang="en-US" dirty="0"/>
+              <a:t>Explore other variables affecting property prices</a:t>
+            </a:r>
+          </a:p>
+          <a:p>
+            <a:pPr>
+              <a:buFont typeface="Arial" panose="020B0604020202020204" pitchFamily="34" charset="0"/>
+              <a:buChar char="•"/>
+            </a:pPr>
+            <a:r>
+              <a:rPr lang="en-US" dirty="0"/>
+              <a:t>Further analysis into crime types versus crime count and property prices</a:t>
+            </a:r>
+          </a:p>
+          <a:p>
+            <a:endParaRPr lang="en-AU" dirty="0"/>
+          </a:p>
+        </p:txBody>
+      </p:sp>
+    </p:spTree>
+    <p:extLst>
+      <p:ext uri="{BB962C8B-B14F-4D97-AF65-F5344CB8AC3E}">
+        <p14:creationId xmlns:p14="http://schemas.microsoft.com/office/powerpoint/2010/main" val="1313478886"/>
+      </p:ext>
+    </p:extLst>
+  </p:cSld>
+  <p:clrMapOvr>
+    <a:masterClrMapping/>
+  </p:clrMapOvr>
+</p:sld>
+</file>
+
+<file path=ppt/slides/slide12.xml><?xml version="1.0" encoding="utf-8"?>
+<p:sld xmlns:a="http://schemas.openxmlformats.org/drawingml/2006/main" xmlns:r="http://schemas.openxmlformats.org/officeDocument/2006/relationships" xmlns:p="http://schemas.openxmlformats.org/presentationml/2006/main">
+  <p:cSld>
+    <p:spTree>
+      <p:nvGrpSpPr>
+        <p:cNvPr id="1" name=""/>
+        <p:cNvGrpSpPr/>
+        <p:nvPr/>
+      </p:nvGrpSpPr>
+      <p:grpSpPr>
+        <a:xfrm>
+          <a:off x="0" y="0"/>
+          <a:ext cx="0" cy="0"/>
+          <a:chOff x="0" y="0"/>
+          <a:chExt cx="0" cy="0"/>
+        </a:xfrm>
+      </p:grpSpPr>
+      <p:sp>
+        <p:nvSpPr>
+          <p:cNvPr id="2" name="Title 1">
+            <a:extLst>
+              <a:ext uri="{FF2B5EF4-FFF2-40B4-BE49-F238E27FC236}">
+                <a16:creationId xmlns:a16="http://schemas.microsoft.com/office/drawing/2014/main" id="{0F0E2EE8-FA75-4D9D-8908-3E5819AA8CB1}"/>
+              </a:ext>
+            </a:extLst>
+          </p:cNvPr>
+          <p:cNvSpPr>
+            <a:spLocks noGrp="1"/>
+          </p:cNvSpPr>
+          <p:nvPr>
+            <p:ph type="title"/>
+          </p:nvPr>
+        </p:nvSpPr>
+        <p:spPr/>
+        <p:txBody>
+          <a:bodyPr/>
+          <a:lstStyle/>
+          <a:p>
+            <a:r>
+              <a:rPr lang="en-US" dirty="0"/>
+              <a:t>Questions</a:t>
+            </a:r>
+            <a:br>
+              <a:rPr lang="en-US" dirty="0"/>
+            </a:br>
+            <a:endParaRPr lang="en-AU" dirty="0"/>
+          </a:p>
+        </p:txBody>
+      </p:sp>
+      <p:sp>
+        <p:nvSpPr>
+          <p:cNvPr id="3" name="Content Placeholder 2">
+            <a:extLst>
+              <a:ext uri="{FF2B5EF4-FFF2-40B4-BE49-F238E27FC236}">
+                <a16:creationId xmlns:a16="http://schemas.microsoft.com/office/drawing/2014/main" id="{498E87A0-0BC5-434B-930D-C2DB78772A44}"/>
+              </a:ext>
+            </a:extLst>
+          </p:cNvPr>
+          <p:cNvSpPr>
+            <a:spLocks noGrp="1"/>
+          </p:cNvSpPr>
+          <p:nvPr>
+            <p:ph idx="1"/>
+          </p:nvPr>
+        </p:nvSpPr>
+        <p:spPr/>
+        <p:txBody>
+          <a:bodyPr/>
+          <a:lstStyle/>
+          <a:p>
+            <a:pPr marL="0" indent="0">
+              <a:buNone/>
+            </a:pPr>
+            <a:endParaRPr lang="en-AU" dirty="0"/>
+          </a:p>
+        </p:txBody>
+      </p:sp>
+    </p:spTree>
+    <p:extLst>
+      <p:ext uri="{BB962C8B-B14F-4D97-AF65-F5344CB8AC3E}">
+        <p14:creationId xmlns:p14="http://schemas.microsoft.com/office/powerpoint/2010/main" val="3055528984"/>
+      </p:ext>
+    </p:extLst>
+  </p:cSld>
+  <p:clrMapOvr>
+    <a:masterClrMapping/>
+  </p:clrMapOvr>
+</p:sld>
+</file>
+
+<file path=ppt/slides/slide13.xml><?xml version="1.0" encoding="utf-8"?>
+<p:sld xmlns:a="http://schemas.openxmlformats.org/drawingml/2006/main" xmlns:r="http://schemas.openxmlformats.org/officeDocument/2006/relationships" xmlns:p="http://schemas.openxmlformats.org/presentationml/2006/main" show="0">
+  <p:cSld>
+    <p:spTree>
+      <p:nvGrpSpPr>
+        <p:cNvPr id="1" name=""/>
+        <p:cNvGrpSpPr/>
+        <p:nvPr/>
+      </p:nvGrpSpPr>
+      <p:grpSpPr>
+        <a:xfrm>
+          <a:off x="0" y="0"/>
+          <a:ext cx="0" cy="0"/>
+          <a:chOff x="0" y="0"/>
+          <a:chExt cx="0" cy="0"/>
+        </a:xfrm>
+      </p:grpSpPr>
+      <p:sp>
+        <p:nvSpPr>
+          <p:cNvPr id="2" name="Title 1">
+            <a:extLst>
+              <a:ext uri="{FF2B5EF4-FFF2-40B4-BE49-F238E27FC236}">
+                <a16:creationId xmlns:a16="http://schemas.microsoft.com/office/drawing/2014/main" id="{46EF2B31-4E28-4186-BBDC-8AFDB2F1A172}"/>
+              </a:ext>
+            </a:extLst>
+          </p:cNvPr>
+          <p:cNvSpPr>
+            <a:spLocks noGrp="1"/>
+          </p:cNvSpPr>
+          <p:nvPr>
+            <p:ph type="title"/>
+          </p:nvPr>
+        </p:nvSpPr>
+        <p:spPr/>
+        <p:txBody>
+          <a:bodyPr/>
+          <a:lstStyle/>
+          <a:p>
+            <a:r>
+              <a:rPr lang="en-AU" dirty="0"/>
+              <a:t>Must complete for the project:</a:t>
+            </a:r>
+          </a:p>
+        </p:txBody>
+      </p:sp>
+      <p:sp>
+        <p:nvSpPr>
+          <p:cNvPr id="3" name="Content Placeholder 2">
+            <a:extLst>
+              <a:ext uri="{FF2B5EF4-FFF2-40B4-BE49-F238E27FC236}">
+                <a16:creationId xmlns:a16="http://schemas.microsoft.com/office/drawing/2014/main" id="{B3696089-AACA-43E2-BDBC-69C95F8A9BD3}"/>
+              </a:ext>
+            </a:extLst>
+          </p:cNvPr>
+          <p:cNvSpPr>
+            <a:spLocks noGrp="1"/>
+          </p:cNvSpPr>
+          <p:nvPr>
+            <p:ph idx="1"/>
+          </p:nvPr>
+        </p:nvSpPr>
+        <p:spPr/>
+        <p:txBody>
+          <a:bodyPr>
+            <a:normAutofit fontScale="70000" lnSpcReduction="20000"/>
+          </a:bodyPr>
+          <a:lstStyle/>
+          <a:p>
+            <a:r>
+              <a:rPr lang="en-US" dirty="0"/>
+              <a:t>The technical requirements for Project 1 are as follows.</a:t>
+            </a:r>
+          </a:p>
+          <a:p>
+            <a:pPr>
+              <a:buFont typeface="Arial" panose="020B0604020202020204" pitchFamily="34" charset="0"/>
+              <a:buChar char="•"/>
+            </a:pPr>
+            <a:r>
+              <a:rPr lang="en-US" dirty="0"/>
+              <a:t>Use Pandas to clean and format your data set(s)</a:t>
+            </a:r>
+          </a:p>
+          <a:p>
+            <a:pPr>
+              <a:buFont typeface="Arial" panose="020B0604020202020204" pitchFamily="34" charset="0"/>
+              <a:buChar char="•"/>
+            </a:pPr>
+            <a:r>
+              <a:rPr lang="en-US" dirty="0"/>
+              <a:t>Create a </a:t>
+            </a:r>
+            <a:r>
+              <a:rPr lang="en-US" dirty="0" err="1"/>
+              <a:t>Jupyter</a:t>
+            </a:r>
+            <a:r>
+              <a:rPr lang="en-US" dirty="0"/>
+              <a:t> Notebook describing the </a:t>
+            </a:r>
+            <a:r>
+              <a:rPr lang="en-US" b="1" dirty="0"/>
+              <a:t>data exploration and cleanup</a:t>
+            </a:r>
+            <a:r>
+              <a:rPr lang="en-US" dirty="0"/>
+              <a:t> process</a:t>
+            </a:r>
+          </a:p>
+          <a:p>
+            <a:pPr>
+              <a:buFont typeface="Arial" panose="020B0604020202020204" pitchFamily="34" charset="0"/>
+              <a:buChar char="•"/>
+            </a:pPr>
+            <a:r>
+              <a:rPr lang="en-US" dirty="0"/>
+              <a:t>Create a </a:t>
+            </a:r>
+            <a:r>
+              <a:rPr lang="en-US" dirty="0" err="1"/>
+              <a:t>Jupyter</a:t>
+            </a:r>
+            <a:r>
+              <a:rPr lang="en-US" dirty="0"/>
+              <a:t> Notebook illustrating the </a:t>
+            </a:r>
+            <a:r>
+              <a:rPr lang="en-US" b="1" dirty="0"/>
+              <a:t>final data analysis</a:t>
+            </a:r>
+            <a:endParaRPr lang="en-US" dirty="0"/>
+          </a:p>
+          <a:p>
+            <a:pPr>
+              <a:buFont typeface="Arial" panose="020B0604020202020204" pitchFamily="34" charset="0"/>
+              <a:buChar char="•"/>
+            </a:pPr>
+            <a:r>
+              <a:rPr lang="en-US" dirty="0"/>
+              <a:t>Use Matplotlib to create a total of 6-8 visualizations of your data (ideally, at least 2 per "question" you ask of your data)</a:t>
+            </a:r>
+          </a:p>
+          <a:p>
+            <a:pPr>
+              <a:buFont typeface="Arial" panose="020B0604020202020204" pitchFamily="34" charset="0"/>
+              <a:buChar char="•"/>
+            </a:pPr>
+            <a:r>
+              <a:rPr lang="en-US" dirty="0"/>
+              <a:t>Save PNG images of your visualizations to distribute to the class and instructional team, and for inclusion in your presentation</a:t>
+            </a:r>
+          </a:p>
+          <a:p>
+            <a:pPr>
+              <a:buFont typeface="Arial" panose="020B0604020202020204" pitchFamily="34" charset="0"/>
+              <a:buChar char="•"/>
+            </a:pPr>
+            <a:r>
+              <a:rPr lang="en-US" dirty="0"/>
+              <a:t>Optionally, use at least one API, if you can find an API with data pertinent to your primary research questions</a:t>
+            </a:r>
+          </a:p>
+          <a:p>
+            <a:pPr>
+              <a:buFont typeface="Arial" panose="020B0604020202020204" pitchFamily="34" charset="0"/>
+              <a:buChar char="•"/>
+            </a:pPr>
+            <a:r>
+              <a:rPr lang="en-US" dirty="0"/>
+              <a:t>Create a write-up summarizing your major findings. This should include a heading for each "question" you asked of your data, and under each heading, a short description of what you found and any relevant plots.</a:t>
+            </a:r>
+          </a:p>
+          <a:p>
+            <a:endParaRPr lang="en-AU" dirty="0"/>
+          </a:p>
+        </p:txBody>
+      </p:sp>
+    </p:spTree>
+    <p:extLst>
+      <p:ext uri="{BB962C8B-B14F-4D97-AF65-F5344CB8AC3E}">
+        <p14:creationId xmlns:p14="http://schemas.microsoft.com/office/powerpoint/2010/main" val="4011474787"/>
+      </p:ext>
+    </p:extLst>
+  </p:cSld>
+  <p:clrMapOvr>
+    <a:masterClrMapping/>
+  </p:clrMapOvr>
+</p:sld>
+</file>
+
+<file path=ppt/slides/slide14.xml><?xml version="1.0" encoding="utf-8"?>
+<p:sld xmlns:a="http://schemas.openxmlformats.org/drawingml/2006/main" xmlns:r="http://schemas.openxmlformats.org/officeDocument/2006/relationships" xmlns:p="http://schemas.openxmlformats.org/presentationml/2006/main" show="0">
+  <p:cSld>
+    <p:spTree>
+      <p:nvGrpSpPr>
+        <p:cNvPr id="1" name=""/>
+        <p:cNvGrpSpPr/>
+        <p:nvPr/>
+      </p:nvGrpSpPr>
+      <p:grpSpPr>
+        <a:xfrm>
+          <a:off x="0" y="0"/>
+          <a:ext cx="0" cy="0"/>
+          <a:chOff x="0" y="0"/>
+          <a:chExt cx="0" cy="0"/>
+        </a:xfrm>
+      </p:grpSpPr>
+      <p:sp>
+        <p:nvSpPr>
+          <p:cNvPr id="2" name="Title 1">
+            <a:extLst>
+              <a:ext uri="{FF2B5EF4-FFF2-40B4-BE49-F238E27FC236}">
                 <a16:creationId xmlns:a16="http://schemas.microsoft.com/office/drawing/2014/main" id="{111F2E32-EA5D-4D5A-9751-851D77B11313}"/>
               </a:ext>
             </a:extLst>
@@ -3535,7 +5667,7 @@
         <p:spPr/>
         <p:txBody>
           <a:bodyPr>
-            <a:normAutofit fontScale="62500" lnSpcReduction="20000"/>
+            <a:normAutofit fontScale="55000" lnSpcReduction="20000"/>
           </a:bodyPr>
           <a:lstStyle/>
           <a:p>
@@ -3714,7 +5846,7 @@
           <a:p>
             <a:r>
               <a:rPr lang="en-US" dirty="0"/>
-              <a:t>Motivation &amp; Summary Slide</a:t>
+              <a:t>Motivation &amp; PROJECT HYPOTHESIS</a:t>
             </a:r>
             <a:br>
               <a:rPr lang="en-US" dirty="0"/>
@@ -3739,95 +5871,148 @@
             <p:ph idx="1"/>
           </p:nvPr>
         </p:nvSpPr>
-        <p:spPr/>
-        <p:txBody>
-          <a:bodyPr/>
-          <a:lstStyle/>
-          <a:p>
-            <a:pPr>
-              <a:buFont typeface="Arial" panose="020B0604020202020204" pitchFamily="34" charset="0"/>
-              <a:buChar char="•"/>
+        <p:spPr>
+          <a:xfrm>
+            <a:off x="2231136" y="2638044"/>
+            <a:ext cx="5922264" cy="3101983"/>
+          </a:xfrm>
+        </p:spPr>
+        <p:txBody>
+          <a:bodyPr>
+            <a:normAutofit fontScale="77500" lnSpcReduction="20000"/>
+          </a:bodyPr>
+          <a:lstStyle/>
+          <a:p>
+            <a:pPr marL="0" indent="0">
+              <a:buNone/>
             </a:pPr>
             <a:r>
+              <a:rPr lang="en-US" b="1" dirty="0"/>
+              <a:t>Project hypothesis</a:t>
+            </a:r>
+            <a:r>
+              <a:rPr lang="en-US" dirty="0"/>
+              <a:t>:</a:t>
+            </a:r>
+          </a:p>
+          <a:p>
+            <a:pPr marL="0" indent="0">
+              <a:buNone/>
+            </a:pPr>
+            <a:r>
+              <a:rPr lang="en-US" dirty="0"/>
+              <a:t>Crime rates will be higher for suburbs with lower median property prices and Crime rates will be lower for suburbs with higher median property prices.</a:t>
+            </a:r>
+          </a:p>
+          <a:p>
+            <a:pPr marL="0" indent="0">
+              <a:buNone/>
+            </a:pPr>
+            <a:r>
+              <a:rPr lang="en-US" b="1" dirty="0"/>
+              <a:t>Motivation</a:t>
+            </a:r>
+            <a:r>
+              <a:rPr lang="en-US" dirty="0"/>
+              <a:t>:</a:t>
+            </a:r>
+          </a:p>
+          <a:p>
+            <a:r>
+              <a:rPr lang="en-US" dirty="0"/>
+              <a:t>Relevant to our Australian audience</a:t>
+            </a:r>
+          </a:p>
+          <a:p>
+            <a:pPr lvl="1"/>
+            <a:r>
+              <a:rPr lang="en-US" dirty="0"/>
+              <a:t>In terms of crime and property owners</a:t>
+            </a:r>
+            <a:endParaRPr lang="en-AU" dirty="0"/>
+          </a:p>
+          <a:p>
+            <a:pPr marL="0" indent="0">
+              <a:buNone/>
+            </a:pPr>
+            <a:r>
+              <a:rPr lang="en-AU" b="1" dirty="0"/>
+              <a:t>Analysis:</a:t>
+            </a:r>
+          </a:p>
+          <a:p>
+            <a:pPr marL="0" indent="0">
+              <a:buNone/>
+            </a:pPr>
+            <a:r>
+              <a:rPr lang="en-AU" dirty="0"/>
+              <a:t>Analysis was based on:</a:t>
+            </a:r>
+          </a:p>
+          <a:p>
+            <a:r>
+              <a:rPr lang="en-AU" dirty="0"/>
+              <a:t>Adelaide metropolitan area suburbs</a:t>
+            </a:r>
+            <a:r>
               <a:rPr lang="en-US" dirty="0">
-                <a:highlight>
-                  <a:srgbClr val="FFFF00"/>
-                </a:highlight>
+                <a:solidFill>
+                  <a:srgbClr val="FF0000"/>
+                </a:solidFill>
               </a:rPr>
-              <a:t>Define the core message or hypothesis of your project.</a:t>
+              <a:t> (Kylie to confirm)</a:t>
             </a:r>
           </a:p>
           <a:p>
             <a:r>
               <a:rPr lang="en-US" dirty="0"/>
-              <a:t>Crime rates will be higher for lower median property prices and Crime rates will be lower for higher median property prices</a:t>
-            </a:r>
-            <a:endParaRPr lang="en-US" dirty="0">
-              <a:highlight>
-                <a:srgbClr val="FFFF00"/>
-              </a:highlight>
-            </a:endParaRPr>
-          </a:p>
-          <a:p>
-            <a:pPr>
-              <a:buFont typeface="Arial" panose="020B0604020202020204" pitchFamily="34" charset="0"/>
-              <a:buChar char="•"/>
-            </a:pPr>
-            <a:r>
-              <a:rPr lang="en-US" dirty="0">
-                <a:highlight>
-                  <a:srgbClr val="FFFF00"/>
-                </a:highlight>
-              </a:rPr>
-              <a:t>Describe the questions you asked, and </a:t>
-            </a:r>
-            <a:r>
-              <a:rPr lang="en-US" i="1" dirty="0">
-                <a:highlight>
-                  <a:srgbClr val="FFFF00"/>
-                </a:highlight>
-              </a:rPr>
-              <a:t>why</a:t>
-            </a:r>
-            <a:r>
-              <a:rPr lang="en-US" dirty="0">
-                <a:highlight>
-                  <a:srgbClr val="FFFF00"/>
-                </a:highlight>
-              </a:rPr>
-              <a:t> you asked them</a:t>
-            </a:r>
-          </a:p>
-          <a:p>
-            <a:pPr>
-              <a:buFont typeface="Arial" panose="020B0604020202020204" pitchFamily="34" charset="0"/>
-              <a:buChar char="•"/>
-            </a:pPr>
-            <a:endParaRPr lang="en-US" dirty="0">
-              <a:highlight>
-                <a:srgbClr val="FFFF00"/>
-              </a:highlight>
-            </a:endParaRPr>
-          </a:p>
-          <a:p>
-            <a:pPr>
-              <a:buFont typeface="Arial" panose="020B0604020202020204" pitchFamily="34" charset="0"/>
-              <a:buChar char="•"/>
-            </a:pPr>
-            <a:r>
-              <a:rPr lang="en-US" dirty="0">
-                <a:highlight>
-                  <a:srgbClr val="FFFF00"/>
-                </a:highlight>
-              </a:rPr>
-              <a:t>Describe whether you were able to answer these questions to your satisfaction, and briefly summarize your findings</a:t>
-            </a:r>
-          </a:p>
-          <a:p>
-            <a:endParaRPr lang="en-AU" dirty="0"/>
-          </a:p>
-        </p:txBody>
-      </p:sp>
+              <a:t>5 most recent financial years</a:t>
+            </a:r>
+          </a:p>
+          <a:p>
+            <a:r>
+              <a:rPr lang="en-AU" dirty="0"/>
+              <a:t>Property related crimes</a:t>
+            </a:r>
+          </a:p>
+        </p:txBody>
+      </p:sp>
+      <p:pic>
+        <p:nvPicPr>
+          <p:cNvPr id="5" name="Picture 4" descr="Chart, scatter chart&#10;&#10;Description automatically generated">
+            <a:extLst>
+              <a:ext uri="{FF2B5EF4-FFF2-40B4-BE49-F238E27FC236}">
+                <a16:creationId xmlns:a16="http://schemas.microsoft.com/office/drawing/2014/main" id="{042411E1-0F61-2C46-BD88-F524F9E9D7DF}"/>
+              </a:ext>
+            </a:extLst>
+          </p:cNvPr>
+          <p:cNvPicPr>
+            <a:picLocks noChangeAspect="1"/>
+          </p:cNvPicPr>
+          <p:nvPr/>
+        </p:nvPicPr>
+        <p:blipFill>
+          <a:blip r:embed="rId3">
+            <a:extLst>
+              <a:ext uri="{28A0092B-C50C-407E-A947-70E740481C1C}">
+                <a14:useLocalDpi xmlns:a14="http://schemas.microsoft.com/office/drawing/2010/main" val="0"/>
+              </a:ext>
+            </a:extLst>
+          </a:blip>
+          <a:stretch>
+            <a:fillRect/>
+          </a:stretch>
+        </p:blipFill>
+        <p:spPr>
+          <a:xfrm>
+            <a:off x="8336280" y="2796167"/>
+            <a:ext cx="2606040" cy="2943860"/>
+          </a:xfrm>
+          <a:prstGeom prst="rect">
+            <a:avLst/>
+          </a:prstGeom>
+        </p:spPr>
+      </p:pic>
     </p:spTree>
     <p:extLst>
       <p:ext uri="{BB962C8B-B14F-4D97-AF65-F5344CB8AC3E}">
@@ -3881,7 +6066,7 @@
           <a:p>
             <a:r>
               <a:rPr lang="en-US" dirty="0"/>
-              <a:t>Questions &amp; Data</a:t>
+              <a:t>Data SOURCES</a:t>
             </a:r>
             <a:br>
               <a:rPr lang="en-US" dirty="0"/>
@@ -3909,75 +6094,51 @@
         <p:spPr/>
         <p:txBody>
           <a:bodyPr>
-            <a:normAutofit lnSpcReduction="10000"/>
+            <a:normAutofit/>
           </a:bodyPr>
           <a:lstStyle/>
+          <a:p>
+            <a:pPr marL="0" indent="0">
+              <a:buNone/>
+            </a:pPr>
+            <a:r>
+              <a:rPr lang="en-US" u="sng" dirty="0"/>
+              <a:t>Crime Data Source:</a:t>
+            </a:r>
+          </a:p>
+          <a:p>
+            <a:r>
+              <a:rPr lang="en-US" dirty="0"/>
+              <a:t>South Australian Government </a:t>
+            </a:r>
+            <a:r>
+              <a:rPr lang="en-US" dirty="0">
+                <a:hlinkClick r:id="rId3"/>
+              </a:rPr>
+              <a:t>https://data.sa.gov.au/data/dataset/crime-statistics</a:t>
+            </a:r>
+            <a:r>
+              <a:rPr lang="en-US" dirty="0"/>
+              <a:t> </a:t>
+            </a:r>
+          </a:p>
+          <a:p>
+            <a:pPr marL="0" indent="0">
+              <a:buNone/>
+            </a:pPr>
+            <a:r>
+              <a:rPr lang="en-US" u="sng" dirty="0"/>
+              <a:t>Property Price Source:</a:t>
+            </a:r>
+          </a:p>
           <a:p>
             <a:pPr>
               <a:buFont typeface="Arial" panose="020B0604020202020204" pitchFamily="34" charset="0"/>
               <a:buChar char="•"/>
             </a:pPr>
             <a:r>
-              <a:rPr lang="en-US" dirty="0">
-                <a:highlight>
-                  <a:srgbClr val="FFFF00"/>
-                </a:highlight>
-              </a:rPr>
-              <a:t>Elaborate on the questions you asked, describing what kinds of data you needed to answer them, and where you found it</a:t>
-            </a:r>
-          </a:p>
-          <a:p>
-            <a:pPr>
-              <a:buFont typeface="Arial" panose="020B0604020202020204" pitchFamily="34" charset="0"/>
-              <a:buChar char="•"/>
-            </a:pPr>
-            <a:r>
               <a:rPr lang="en-US" dirty="0"/>
-              <a:t>Started looking at WA, found crime data from </a:t>
-            </a:r>
-            <a:r>
-              <a:rPr lang="en-AU" dirty="0">
-                <a:hlinkClick r:id="rId2"/>
-              </a:rPr>
-              <a:t>Crime Statistics | Western Australia Police Force</a:t>
-            </a:r>
-            <a:r>
-              <a:rPr lang="en-AU" dirty="0"/>
-              <a:t> was not broken down by location sufficiently to compare to the median house price with a commonality</a:t>
-            </a:r>
-            <a:br>
-              <a:rPr lang="en-US" dirty="0"/>
-            </a:br>
-            <a:endParaRPr lang="en-US" dirty="0"/>
-          </a:p>
-          <a:p>
-            <a:pPr>
-              <a:buFont typeface="Arial" panose="020B0604020202020204" pitchFamily="34" charset="0"/>
-              <a:buChar char="•"/>
-            </a:pPr>
-            <a:r>
-              <a:rPr lang="en-US" dirty="0"/>
-              <a:t>crime data from – </a:t>
-            </a:r>
-            <a:r>
-              <a:rPr lang="en-US" dirty="0">
-                <a:hlinkClick r:id="rId3"/>
-              </a:rPr>
-              <a:t>https://data.sa.gov.au/data/dataset/crime-statistics</a:t>
-            </a:r>
-            <a:r>
-              <a:rPr lang="en-US" dirty="0"/>
-              <a:t> </a:t>
-            </a:r>
-          </a:p>
-          <a:p>
-            <a:pPr>
-              <a:buFont typeface="Arial" panose="020B0604020202020204" pitchFamily="34" charset="0"/>
-              <a:buChar char="•"/>
-            </a:pPr>
-            <a:r>
-              <a:rPr lang="en-US" dirty="0"/>
-              <a:t>median house data - </a:t>
+              <a:t>South Australian Government </a:t>
             </a:r>
             <a:r>
               <a:rPr lang="en-US" dirty="0">
@@ -3989,6 +6150,40 @@
               <a:rPr lang="en-US" dirty="0"/>
               <a:t>  </a:t>
             </a:r>
+            <a:r>
+              <a:rPr lang="en-US" dirty="0">
+                <a:solidFill>
+                  <a:srgbClr val="FF0000"/>
+                </a:solidFill>
+              </a:rPr>
+              <a:t>(Miki to confirm </a:t>
+            </a:r>
+            <a:r>
+              <a:rPr lang="en-US" dirty="0" err="1">
+                <a:solidFill>
+                  <a:srgbClr val="FF0000"/>
+                </a:solidFill>
+              </a:rPr>
+              <a:t>url</a:t>
+            </a:r>
+            <a:r>
+              <a:rPr lang="en-US" dirty="0">
+                <a:solidFill>
+                  <a:srgbClr val="FF0000"/>
+                </a:solidFill>
+              </a:rPr>
+              <a:t> and source is correct)</a:t>
+            </a:r>
+          </a:p>
+          <a:p>
+            <a:pPr marL="0" indent="0">
+              <a:buNone/>
+            </a:pPr>
+            <a:endParaRPr lang="en-US" dirty="0">
+              <a:solidFill>
+                <a:srgbClr val="FF0000"/>
+              </a:solidFill>
+            </a:endParaRPr>
           </a:p>
           <a:p>
             <a:endParaRPr lang="en-AU" dirty="0"/>
@@ -4030,7 +6225,7 @@
           <p:cNvPr id="2" name="Title 1">
             <a:extLst>
               <a:ext uri="{FF2B5EF4-FFF2-40B4-BE49-F238E27FC236}">
-                <a16:creationId xmlns:a16="http://schemas.microsoft.com/office/drawing/2014/main" id="{6143D695-20ED-40FE-8FD3-466448D9515F}"/>
+                <a16:creationId xmlns:a16="http://schemas.microsoft.com/office/drawing/2014/main" id="{B30AAF13-8B55-0949-B590-89823F011AAB}"/>
               </a:ext>
             </a:extLst>
           </p:cNvPr>
@@ -4043,17 +6238,13 @@
         </p:nvSpPr>
         <p:spPr/>
         <p:txBody>
-          <a:bodyPr/>
+          <a:bodyPr anchor="t"/>
           <a:lstStyle/>
           <a:p>
             <a:r>
               <a:rPr lang="en-US" dirty="0"/>
-              <a:t>Data Cleanup &amp; Exploration</a:t>
-            </a:r>
-            <a:br>
-              <a:rPr lang="en-US" dirty="0"/>
-            </a:br>
-            <a:endParaRPr lang="en-AU" dirty="0"/>
+              <a:t>DATA SOURCE DEFINITIONS – CRIME DATA</a:t>
+            </a:r>
           </a:p>
         </p:txBody>
       </p:sp>
@@ -4062,7 +6253,7 @@
           <p:cNvPr id="3" name="Content Placeholder 2">
             <a:extLst>
               <a:ext uri="{FF2B5EF4-FFF2-40B4-BE49-F238E27FC236}">
-                <a16:creationId xmlns:a16="http://schemas.microsoft.com/office/drawing/2014/main" id="{7AC1DC09-9CA8-4CD3-AEDD-8B312C201AD1}"/>
+                <a16:creationId xmlns:a16="http://schemas.microsoft.com/office/drawing/2014/main" id="{FE5C1091-FB47-714E-B458-AED523A5E7E9}"/>
               </a:ext>
             </a:extLst>
           </p:cNvPr>
@@ -4076,100 +6267,147 @@
         <p:spPr/>
         <p:txBody>
           <a:bodyPr>
-            <a:normAutofit/>
+            <a:normAutofit fontScale="92500" lnSpcReduction="20000"/>
           </a:bodyPr>
           <a:lstStyle/>
           <a:p>
-            <a:pPr>
-              <a:buFont typeface="Arial" panose="020B0604020202020204" pitchFamily="34" charset="0"/>
-              <a:buChar char="•"/>
-            </a:pPr>
             <a:r>
               <a:rPr lang="en-US" dirty="0">
-                <a:highlight>
-                  <a:srgbClr val="FFFF00"/>
-                </a:highlight>
+                <a:solidFill>
+                  <a:srgbClr val="FF0000"/>
+                </a:solidFill>
               </a:rPr>
-              <a:t>Describe the exploration and cleanup process</a:t>
-            </a:r>
-          </a:p>
-          <a:p>
-            <a:pPr>
-              <a:buFont typeface="Arial" panose="020B0604020202020204" pitchFamily="34" charset="0"/>
-              <a:buChar char="•"/>
-            </a:pPr>
-            <a:r>
-              <a:rPr lang="en-US" dirty="0"/>
-              <a:t>Crime data found in CSV by financial year, merged the data together for each year</a:t>
-            </a:r>
-          </a:p>
-          <a:p>
-            <a:pPr>
-              <a:buFont typeface="Arial" panose="020B0604020202020204" pitchFamily="34" charset="0"/>
-              <a:buChar char="•"/>
-            </a:pPr>
+              <a:t>For the project analysis,  in the crime data pandas were used to create </a:t>
+            </a:r>
+            <a:r>
+              <a:rPr lang="en-US" dirty="0" err="1">
+                <a:solidFill>
+                  <a:srgbClr val="FF0000"/>
+                </a:solidFill>
+              </a:rPr>
+              <a:t>DataFrames</a:t>
+            </a:r>
             <a:r>
               <a:rPr lang="en-US" dirty="0">
-                <a:highlight>
-                  <a:srgbClr val="FFFF00"/>
-                </a:highlight>
+                <a:solidFill>
+                  <a:srgbClr val="FF0000"/>
+                </a:solidFill>
               </a:rPr>
-              <a:t>Discuss insights you had while exploring the data that you didn't anticipate</a:t>
-            </a:r>
-          </a:p>
-          <a:p>
-            <a:pPr>
-              <a:buFont typeface="Arial" panose="020B0604020202020204" pitchFamily="34" charset="0"/>
-              <a:buChar char="•"/>
-            </a:pPr>
+              <a:t> for this raw data. The SA government file incorporated all types of crimes, but for our analysis we only selected five categories. These five categories are:</a:t>
+            </a:r>
+          </a:p>
+          <a:p>
+            <a:pPr lvl="1"/>
+            <a:r>
+              <a:rPr lang="en-US" dirty="0" err="1">
+                <a:solidFill>
+                  <a:srgbClr val="FF0000"/>
+                </a:solidFill>
+              </a:rPr>
+              <a:t>Xx</a:t>
+            </a:r>
+            <a:endParaRPr lang="en-US" dirty="0">
+              <a:solidFill>
+                <a:srgbClr val="FF0000"/>
+              </a:solidFill>
+            </a:endParaRPr>
+          </a:p>
+          <a:p>
+            <a:pPr lvl="1"/>
+            <a:r>
+              <a:rPr lang="en-US" dirty="0" err="1">
+                <a:solidFill>
+                  <a:srgbClr val="FF0000"/>
+                </a:solidFill>
+              </a:rPr>
+              <a:t>Xx</a:t>
+            </a:r>
+            <a:endParaRPr lang="en-US" dirty="0">
+              <a:solidFill>
+                <a:srgbClr val="FF0000"/>
+              </a:solidFill>
+            </a:endParaRPr>
+          </a:p>
+          <a:p>
+            <a:pPr lvl="1"/>
+            <a:r>
+              <a:rPr lang="en-US" dirty="0" err="1">
+                <a:solidFill>
+                  <a:srgbClr val="FF0000"/>
+                </a:solidFill>
+              </a:rPr>
+              <a:t>Xx</a:t>
+            </a:r>
+            <a:endParaRPr lang="en-US" dirty="0">
+              <a:solidFill>
+                <a:srgbClr val="FF0000"/>
+              </a:solidFill>
+            </a:endParaRPr>
+          </a:p>
+          <a:p>
+            <a:pPr lvl="1"/>
+            <a:r>
+              <a:rPr lang="en-US" dirty="0" err="1">
+                <a:solidFill>
+                  <a:srgbClr val="FF0000"/>
+                </a:solidFill>
+              </a:rPr>
+              <a:t>Xx</a:t>
+            </a:r>
+            <a:endParaRPr lang="en-US" dirty="0">
+              <a:solidFill>
+                <a:srgbClr val="FF0000"/>
+              </a:solidFill>
+            </a:endParaRPr>
+          </a:p>
+          <a:p>
+            <a:pPr lvl="1"/>
+            <a:r>
+              <a:rPr lang="en-US" dirty="0" err="1">
+                <a:solidFill>
+                  <a:srgbClr val="FF0000"/>
+                </a:solidFill>
+              </a:rPr>
+              <a:t>Xx</a:t>
+            </a:r>
+            <a:endParaRPr lang="en-US" dirty="0">
+              <a:solidFill>
+                <a:srgbClr val="FF0000"/>
+              </a:solidFill>
+            </a:endParaRPr>
+          </a:p>
+          <a:p>
             <a:r>
               <a:rPr lang="en-US" dirty="0">
-                <a:highlight>
-                  <a:srgbClr val="FFFF00"/>
-                </a:highlight>
+                <a:solidFill>
+                  <a:srgbClr val="FF0000"/>
+                </a:solidFill>
               </a:rPr>
-              <a:t>Discuss any problems that arose after exploring the data, and how you resolved them</a:t>
-            </a:r>
-          </a:p>
-          <a:p>
-            <a:pPr>
-              <a:buFont typeface="Arial" panose="020B0604020202020204" pitchFamily="34" charset="0"/>
-              <a:buChar char="•"/>
-            </a:pPr>
+              <a:t>Why did we select these 5 categories?</a:t>
+            </a:r>
+          </a:p>
+          <a:p>
+            <a:pPr lvl="1"/>
             <a:r>
               <a:rPr lang="en-US" dirty="0">
-                <a:highlight>
-                  <a:srgbClr val="FFFF00"/>
-                </a:highlight>
+                <a:solidFill>
+                  <a:srgbClr val="FF0000"/>
+                </a:solidFill>
               </a:rPr>
-              <a:t>Present and discuss interesting figures developed during exploration, ideally with the help of </a:t>
-            </a:r>
-            <a:r>
-              <a:rPr lang="en-US" dirty="0" err="1">
-                <a:highlight>
-                  <a:srgbClr val="FFFF00"/>
-                </a:highlight>
-              </a:rPr>
-              <a:t>Jupyter</a:t>
-            </a:r>
-            <a:r>
-              <a:rPr lang="en-US" dirty="0">
-                <a:highlight>
-                  <a:srgbClr val="FFFF00"/>
-                </a:highlight>
-              </a:rPr>
-              <a:t> Notebook</a:t>
-            </a:r>
-          </a:p>
-          <a:p>
-            <a:endParaRPr lang="en-AU" dirty="0"/>
+              <a:t>Property related</a:t>
+            </a:r>
+            <a:endParaRPr lang="en-US" dirty="0">
+              <a:solidFill>
+                <a:schemeClr val="tx1"/>
+              </a:solidFill>
+            </a:endParaRPr>
           </a:p>
         </p:txBody>
       </p:sp>
     </p:spTree>
     <p:extLst>
       <p:ext uri="{BB962C8B-B14F-4D97-AF65-F5344CB8AC3E}">
-        <p14:creationId xmlns:p14="http://schemas.microsoft.com/office/powerpoint/2010/main" val="1602822090"/>
+        <p14:creationId xmlns:p14="http://schemas.microsoft.com/office/powerpoint/2010/main" val="2967559075"/>
       </p:ext>
     </p:extLst>
   </p:cSld>
@@ -4201,7 +6439,7 @@
           <p:cNvPr id="2" name="Title 1">
             <a:extLst>
               <a:ext uri="{FF2B5EF4-FFF2-40B4-BE49-F238E27FC236}">
-                <a16:creationId xmlns:a16="http://schemas.microsoft.com/office/drawing/2014/main" id="{D4112190-B47C-470F-9F25-6023D45B677C}"/>
+                <a16:creationId xmlns:a16="http://schemas.microsoft.com/office/drawing/2014/main" id="{A05E3969-0ED9-2A4B-8412-48313BA670F1}"/>
               </a:ext>
             </a:extLst>
           </p:cNvPr>
@@ -4219,12 +6457,8 @@
           <a:p>
             <a:r>
               <a:rPr lang="en-US" dirty="0"/>
-              <a:t>Data Analysis</a:t>
-            </a:r>
-            <a:br>
-              <a:rPr lang="en-US" dirty="0"/>
-            </a:br>
-            <a:endParaRPr lang="en-AU" dirty="0"/>
+              <a:t>DATA SOURCE DEFINITIONS – PROPERTY DATA</a:t>
+            </a:r>
           </a:p>
         </p:txBody>
       </p:sp>
@@ -4233,7 +6467,7 @@
           <p:cNvPr id="3" name="Content Placeholder 2">
             <a:extLst>
               <a:ext uri="{FF2B5EF4-FFF2-40B4-BE49-F238E27FC236}">
-                <a16:creationId xmlns:a16="http://schemas.microsoft.com/office/drawing/2014/main" id="{9DE61BC1-0CFD-4085-B545-1FDE0510523F}"/>
+                <a16:creationId xmlns:a16="http://schemas.microsoft.com/office/drawing/2014/main" id="{6E05505D-DF6B-5E44-9E87-2B7073B0557B}"/>
               </a:ext>
             </a:extLst>
           </p:cNvPr>
@@ -4246,61 +6480,120 @@
         </p:nvSpPr>
         <p:spPr/>
         <p:txBody>
-          <a:bodyPr/>
-          <a:lstStyle/>
-          <a:p>
-            <a:pPr>
-              <a:buFont typeface="Arial" panose="020B0604020202020204" pitchFamily="34" charset="0"/>
-              <a:buChar char="•"/>
-            </a:pPr>
+          <a:bodyPr>
+            <a:normAutofit/>
+          </a:bodyPr>
+          <a:lstStyle/>
+          <a:p>
             <a:r>
               <a:rPr lang="en-US" dirty="0">
-                <a:highlight>
-                  <a:srgbClr val="FFFF00"/>
-                </a:highlight>
+                <a:solidFill>
+                  <a:srgbClr val="FF0000"/>
+                </a:solidFill>
               </a:rPr>
-              <a:t>Discuss the steps you took to analyze the data and answer each question you asked in your proposal</a:t>
-            </a:r>
-          </a:p>
-          <a:p>
-            <a:pPr>
-              <a:buFont typeface="Arial" panose="020B0604020202020204" pitchFamily="34" charset="0"/>
-              <a:buChar char="•"/>
-            </a:pPr>
-            <a:r>
-              <a:rPr lang="en-US" dirty="0">
-                <a:highlight>
-                  <a:srgbClr val="FFFF00"/>
-                </a:highlight>
-              </a:rPr>
-              <a:t>Present and discuss interesting figures developed during analysis, ideally with the help of </a:t>
+              <a:t>For the project analysis,  raw data in excel was imported into a </a:t>
             </a:r>
             <a:r>
               <a:rPr lang="en-US" dirty="0" err="1">
-                <a:highlight>
-                  <a:srgbClr val="FFFF00"/>
-                </a:highlight>
+                <a:solidFill>
+                  <a:srgbClr val="FF0000"/>
+                </a:solidFill>
               </a:rPr>
               <a:t>Jupyter</a:t>
             </a:r>
             <a:r>
               <a:rPr lang="en-US" dirty="0">
-                <a:highlight>
-                  <a:srgbClr val="FFFF00"/>
-                </a:highlight>
+                <a:solidFill>
+                  <a:srgbClr val="FF0000"/>
+                </a:solidFill>
               </a:rPr>
-              <a:t> Notebook</a:t>
-            </a:r>
-          </a:p>
-          <a:p>
-            <a:endParaRPr lang="en-AU" dirty="0"/>
+              <a:t> Notebook for the creation of property-related Panda </a:t>
+            </a:r>
+            <a:r>
+              <a:rPr lang="en-US" dirty="0" err="1">
+                <a:solidFill>
+                  <a:srgbClr val="FF0000"/>
+                </a:solidFill>
+              </a:rPr>
+              <a:t>DataFrames</a:t>
+            </a:r>
+            <a:r>
+              <a:rPr lang="en-US" dirty="0">
+                <a:solidFill>
+                  <a:srgbClr val="FF0000"/>
+                </a:solidFill>
+              </a:rPr>
+              <a:t>. </a:t>
+            </a:r>
+          </a:p>
+          <a:p>
+            <a:pPr lvl="1"/>
+            <a:r>
+              <a:rPr lang="en-US" dirty="0">
+                <a:solidFill>
+                  <a:srgbClr val="FF0000"/>
+                </a:solidFill>
+              </a:rPr>
+              <a:t>The median price of the raw data is available for each quarter (for the past five financial years)</a:t>
+            </a:r>
+          </a:p>
+          <a:p>
+            <a:pPr lvl="1"/>
+            <a:r>
+              <a:rPr lang="en-US" dirty="0">
+                <a:solidFill>
+                  <a:srgbClr val="FF0000"/>
+                </a:solidFill>
+              </a:rPr>
+              <a:t>In order to determine if there is a correlation between crime counts and property prices,  one property price value was used for each financial year. This was was the mean of the four quarterly prices of each financial year</a:t>
+            </a:r>
+          </a:p>
+          <a:p>
+            <a:pPr lvl="1"/>
+            <a:r>
+              <a:rPr lang="en-US" dirty="0">
+                <a:solidFill>
+                  <a:srgbClr val="FF0000"/>
+                </a:solidFill>
+              </a:rPr>
+              <a:t>The city and suburbs were provided for each property sale. Only the suburb column was used to merge between the crime </a:t>
+            </a:r>
+            <a:r>
+              <a:rPr lang="en-US" dirty="0" err="1">
+                <a:solidFill>
+                  <a:srgbClr val="FF0000"/>
+                </a:solidFill>
+              </a:rPr>
+              <a:t>DataFrame</a:t>
+            </a:r>
+            <a:r>
+              <a:rPr lang="en-US" dirty="0">
+                <a:solidFill>
+                  <a:srgbClr val="FF0000"/>
+                </a:solidFill>
+              </a:rPr>
+              <a:t> and the property price </a:t>
+            </a:r>
+            <a:r>
+              <a:rPr lang="en-US" dirty="0" err="1">
+                <a:solidFill>
+                  <a:srgbClr val="FF0000"/>
+                </a:solidFill>
+              </a:rPr>
+              <a:t>DataFrame</a:t>
+            </a:r>
+            <a:endParaRPr lang="en-US" dirty="0">
+              <a:solidFill>
+                <a:srgbClr val="FF0000"/>
+              </a:solidFill>
+            </a:endParaRPr>
           </a:p>
         </p:txBody>
       </p:sp>
     </p:spTree>
     <p:extLst>
       <p:ext uri="{BB962C8B-B14F-4D97-AF65-F5344CB8AC3E}">
-        <p14:creationId xmlns:p14="http://schemas.microsoft.com/office/powerpoint/2010/main" val="2862855137"/>
+        <p14:creationId xmlns:p14="http://schemas.microsoft.com/office/powerpoint/2010/main" val="479094587"/>
       </p:ext>
     </p:extLst>
   </p:cSld>
@@ -4332,7 +6625,7 @@
           <p:cNvPr id="2" name="Title 1">
             <a:extLst>
               <a:ext uri="{FF2B5EF4-FFF2-40B4-BE49-F238E27FC236}">
-                <a16:creationId xmlns:a16="http://schemas.microsoft.com/office/drawing/2014/main" id="{A0ABBFAA-E443-4DE1-8484-848752CC7F4A}"/>
+                <a16:creationId xmlns:a16="http://schemas.microsoft.com/office/drawing/2014/main" id="{D4112190-B47C-470F-9F25-6023D45B677C}"/>
               </a:ext>
             </a:extLst>
           </p:cNvPr>
@@ -4345,12 +6638,25 @@
         </p:nvSpPr>
         <p:spPr/>
         <p:txBody>
-          <a:bodyPr/>
+          <a:bodyPr>
+            <a:normAutofit fontScale="90000"/>
+          </a:bodyPr>
           <a:lstStyle/>
           <a:p>
             <a:r>
               <a:rPr lang="en-US" dirty="0"/>
-              <a:t>Discussion</a:t>
+              <a:t>Data </a:t>
+            </a:r>
+            <a:r>
+              <a:rPr lang="en-US" dirty="0" err="1"/>
+              <a:t>AnalysiS</a:t>
+            </a:r>
+            <a:br>
+              <a:rPr lang="en-US" dirty="0"/>
+            </a:br>
+            <a:r>
+              <a:rPr lang="en-US" dirty="0"/>
+              <a:t> TOP 10 SUBURBS BY CRIME COUNT</a:t>
             </a:r>
             <a:br>
               <a:rPr lang="en-US" dirty="0"/>
@@ -4364,7 +6670,7 @@
           <p:cNvPr id="3" name="Content Placeholder 2">
             <a:extLst>
               <a:ext uri="{FF2B5EF4-FFF2-40B4-BE49-F238E27FC236}">
-                <a16:creationId xmlns:a16="http://schemas.microsoft.com/office/drawing/2014/main" id="{F0B338B2-A423-4B20-A5CB-0E7001094D0F}"/>
+                <a16:creationId xmlns:a16="http://schemas.microsoft.com/office/drawing/2014/main" id="{9DE61BC1-0CFD-4085-B545-1FDE0510523F}"/>
               </a:ext>
             </a:extLst>
           </p:cNvPr>
@@ -4380,28 +6686,38 @@
           <a:bodyPr/>
           <a:lstStyle/>
           <a:p>
-            <a:pPr>
-              <a:buFont typeface="Arial" panose="020B0604020202020204" pitchFamily="34" charset="0"/>
-              <a:buChar char="•"/>
-            </a:pPr>
-            <a:r>
-              <a:rPr lang="en-US" dirty="0">
-                <a:highlight>
-                  <a:srgbClr val="FFFF00"/>
-                </a:highlight>
+            <a:r>
+              <a:rPr lang="en-AU" dirty="0">
+                <a:solidFill>
+                  <a:srgbClr val="FF0000"/>
+                </a:solidFill>
               </a:rPr>
-              <a:t>Discuss your findings. Did you find what you expected to find? If not, why not? What inferences or general conclusions can you draw from your analysis?</a:t>
-            </a:r>
-          </a:p>
-          <a:p>
-            <a:endParaRPr lang="en-AU" dirty="0"/>
+              <a:t>Insert graphs</a:t>
+            </a:r>
+          </a:p>
+          <a:p>
+            <a:r>
+              <a:rPr lang="en-AU" dirty="0">
+                <a:solidFill>
+                  <a:srgbClr val="FF0000"/>
+                </a:solidFill>
+              </a:rPr>
+              <a:t>Insert insights – list suburbs that are in the top 10 over the past five financial years. Check if these suburbs are the lowest 10 median property price</a:t>
+            </a:r>
+          </a:p>
+          <a:p>
+            <a:endParaRPr lang="en-AU" dirty="0">
+              <a:solidFill>
+                <a:srgbClr val="FF0000"/>
+              </a:solidFill>
+            </a:endParaRPr>
           </a:p>
         </p:txBody>
       </p:sp>
     </p:spTree>
     <p:extLst>
       <p:ext uri="{BB962C8B-B14F-4D97-AF65-F5344CB8AC3E}">
-        <p14:creationId xmlns:p14="http://schemas.microsoft.com/office/powerpoint/2010/main" val="1913076707"/>
+        <p14:creationId xmlns:p14="http://schemas.microsoft.com/office/powerpoint/2010/main" val="2862855137"/>
       </p:ext>
     </p:extLst>
   </p:cSld>
@@ -4433,7 +6749,7 @@
           <p:cNvPr id="2" name="Title 1">
             <a:extLst>
               <a:ext uri="{FF2B5EF4-FFF2-40B4-BE49-F238E27FC236}">
-                <a16:creationId xmlns:a16="http://schemas.microsoft.com/office/drawing/2014/main" id="{97EDCECB-1016-4042-BFE3-761303E9E76C}"/>
+                <a16:creationId xmlns:a16="http://schemas.microsoft.com/office/drawing/2014/main" id="{D4112190-B47C-470F-9F25-6023D45B677C}"/>
               </a:ext>
             </a:extLst>
           </p:cNvPr>
@@ -4446,12 +6762,25 @@
         </p:nvSpPr>
         <p:spPr/>
         <p:txBody>
-          <a:bodyPr/>
+          <a:bodyPr>
+            <a:normAutofit fontScale="90000"/>
+          </a:bodyPr>
           <a:lstStyle/>
           <a:p>
             <a:r>
               <a:rPr lang="en-US" dirty="0"/>
-              <a:t>Post Mortem</a:t>
+              <a:t>Data </a:t>
+            </a:r>
+            <a:r>
+              <a:rPr lang="en-US" dirty="0" err="1"/>
+              <a:t>AnalysiS</a:t>
+            </a:r>
+            <a:br>
+              <a:rPr lang="en-US" dirty="0"/>
+            </a:br>
+            <a:r>
+              <a:rPr lang="en-US" dirty="0"/>
+              <a:t> BOTTOM 10 SUBURBS BY CRIME COUNT</a:t>
             </a:r>
             <a:br>
               <a:rPr lang="en-US" dirty="0"/>
@@ -4465,7 +6794,7 @@
           <p:cNvPr id="3" name="Content Placeholder 2">
             <a:extLst>
               <a:ext uri="{FF2B5EF4-FFF2-40B4-BE49-F238E27FC236}">
-                <a16:creationId xmlns:a16="http://schemas.microsoft.com/office/drawing/2014/main" id="{41041EED-5A1F-4BA1-9880-478BF56219F1}"/>
+                <a16:creationId xmlns:a16="http://schemas.microsoft.com/office/drawing/2014/main" id="{9DE61BC1-0CFD-4085-B545-1FDE0510523F}"/>
               </a:ext>
             </a:extLst>
           </p:cNvPr>
@@ -4481,42 +6810,38 @@
           <a:bodyPr/>
           <a:lstStyle/>
           <a:p>
-            <a:pPr>
-              <a:buFont typeface="Arial" panose="020B0604020202020204" pitchFamily="34" charset="0"/>
-              <a:buChar char="•"/>
-            </a:pPr>
-            <a:r>
-              <a:rPr lang="en-US" dirty="0">
-                <a:highlight>
-                  <a:srgbClr val="FFFF00"/>
-                </a:highlight>
+            <a:r>
+              <a:rPr lang="en-AU" dirty="0">
+                <a:solidFill>
+                  <a:srgbClr val="FF0000"/>
+                </a:solidFill>
               </a:rPr>
-              <a:t>Discuss any difficulties that arose, and how you dealt with them</a:t>
-            </a:r>
-          </a:p>
-          <a:p>
-            <a:pPr>
-              <a:buFont typeface="Arial" panose="020B0604020202020204" pitchFamily="34" charset="0"/>
-              <a:buChar char="•"/>
-            </a:pPr>
-            <a:r>
-              <a:rPr lang="en-US" dirty="0">
-                <a:highlight>
-                  <a:srgbClr val="FFFF00"/>
-                </a:highlight>
+              <a:t>Insert graphs</a:t>
+            </a:r>
+          </a:p>
+          <a:p>
+            <a:r>
+              <a:rPr lang="en-AU" dirty="0">
+                <a:solidFill>
+                  <a:srgbClr val="FF0000"/>
+                </a:solidFill>
               </a:rPr>
-              <a:t>Discuss any additional questions that came up, but which you didn't have time to answer: What would you research next, if you had two more weeks?</a:t>
-            </a:r>
-          </a:p>
-          <a:p>
-            <a:endParaRPr lang="en-AU" dirty="0"/>
+              <a:t>Insert insights – list suburbs that are in the bottom 10 over the past five financial years. Check if these suburbs are the highest 10 median property price</a:t>
+            </a:r>
+          </a:p>
+          <a:p>
+            <a:endParaRPr lang="en-AU" dirty="0">
+              <a:solidFill>
+                <a:srgbClr val="FF0000"/>
+              </a:solidFill>
+            </a:endParaRPr>
           </a:p>
         </p:txBody>
       </p:sp>
     </p:spTree>
     <p:extLst>
       <p:ext uri="{BB962C8B-B14F-4D97-AF65-F5344CB8AC3E}">
-        <p14:creationId xmlns:p14="http://schemas.microsoft.com/office/powerpoint/2010/main" val="1313478886"/>
+        <p14:creationId xmlns:p14="http://schemas.microsoft.com/office/powerpoint/2010/main" val="117376051"/>
       </p:ext>
     </p:extLst>
   </p:cSld>
@@ -4548,7 +6873,7 @@
           <p:cNvPr id="2" name="Title 1">
             <a:extLst>
               <a:ext uri="{FF2B5EF4-FFF2-40B4-BE49-F238E27FC236}">
-                <a16:creationId xmlns:a16="http://schemas.microsoft.com/office/drawing/2014/main" id="{0F0E2EE8-FA75-4D9D-8908-3E5819AA8CB1}"/>
+                <a16:creationId xmlns:a16="http://schemas.microsoft.com/office/drawing/2014/main" id="{D4112190-B47C-470F-9F25-6023D45B677C}"/>
               </a:ext>
             </a:extLst>
           </p:cNvPr>
@@ -4561,12 +6886,25 @@
         </p:nvSpPr>
         <p:spPr/>
         <p:txBody>
-          <a:bodyPr/>
+          <a:bodyPr>
+            <a:normAutofit fontScale="90000"/>
+          </a:bodyPr>
           <a:lstStyle/>
           <a:p>
             <a:r>
               <a:rPr lang="en-US" dirty="0"/>
-              <a:t>Questions</a:t>
+              <a:t>Data </a:t>
+            </a:r>
+            <a:r>
+              <a:rPr lang="en-US" dirty="0" err="1"/>
+              <a:t>AnalysiS</a:t>
+            </a:r>
+            <a:br>
+              <a:rPr lang="en-US" dirty="0"/>
+            </a:br>
+            <a:r>
+              <a:rPr lang="en-US" dirty="0"/>
+              <a:t> TOP 10 SUBURBS BY PROPERTY PRICE</a:t>
             </a:r>
             <a:br>
               <a:rPr lang="en-US" dirty="0"/>
@@ -4580,7 +6918,7 @@
           <p:cNvPr id="3" name="Content Placeholder 2">
             <a:extLst>
               <a:ext uri="{FF2B5EF4-FFF2-40B4-BE49-F238E27FC236}">
-                <a16:creationId xmlns:a16="http://schemas.microsoft.com/office/drawing/2014/main" id="{498E87A0-0BC5-434B-930D-C2DB78772A44}"/>
+                <a16:creationId xmlns:a16="http://schemas.microsoft.com/office/drawing/2014/main" id="{9DE61BC1-0CFD-4085-B545-1FDE0510523F}"/>
               </a:ext>
             </a:extLst>
           </p:cNvPr>
@@ -4596,17 +6934,38 @@
           <a:bodyPr/>
           <a:lstStyle/>
           <a:p>
-            <a:pPr marL="0" indent="0">
-              <a:buNone/>
-            </a:pPr>
-            <a:endParaRPr lang="en-AU" dirty="0"/>
+            <a:r>
+              <a:rPr lang="en-AU" dirty="0">
+                <a:solidFill>
+                  <a:srgbClr val="FF0000"/>
+                </a:solidFill>
+              </a:rPr>
+              <a:t>Insert graphs</a:t>
+            </a:r>
+          </a:p>
+          <a:p>
+            <a:r>
+              <a:rPr lang="en-AU" dirty="0">
+                <a:solidFill>
+                  <a:srgbClr val="FF0000"/>
+                </a:solidFill>
+              </a:rPr>
+              <a:t>Insert insights – list suburbs that are in the top 10 over the past five financial years</a:t>
+            </a:r>
+          </a:p>
+          <a:p>
+            <a:endParaRPr lang="en-AU" dirty="0">
+              <a:solidFill>
+                <a:srgbClr val="FF0000"/>
+              </a:solidFill>
+            </a:endParaRPr>
           </a:p>
         </p:txBody>
       </p:sp>
     </p:spTree>
     <p:extLst>
       <p:ext uri="{BB962C8B-B14F-4D97-AF65-F5344CB8AC3E}">
-        <p14:creationId xmlns:p14="http://schemas.microsoft.com/office/powerpoint/2010/main" val="3055528984"/>
+        <p14:creationId xmlns:p14="http://schemas.microsoft.com/office/powerpoint/2010/main" val="3150616333"/>
       </p:ext>
     </p:extLst>
   </p:cSld>
@@ -4638,7 +6997,7 @@
           <p:cNvPr id="2" name="Title 1">
             <a:extLst>
               <a:ext uri="{FF2B5EF4-FFF2-40B4-BE49-F238E27FC236}">
-                <a16:creationId xmlns:a16="http://schemas.microsoft.com/office/drawing/2014/main" id="{46EF2B31-4E28-4186-BBDC-8AFDB2F1A172}"/>
+                <a16:creationId xmlns:a16="http://schemas.microsoft.com/office/drawing/2014/main" id="{D4112190-B47C-470F-9F25-6023D45B677C}"/>
               </a:ext>
             </a:extLst>
           </p:cNvPr>
@@ -4651,13 +7010,30 @@
         </p:nvSpPr>
         <p:spPr/>
         <p:txBody>
-          <a:bodyPr/>
-          <a:lstStyle/>
-          <a:p>
-            <a:r>
-              <a:rPr lang="en-AU" dirty="0"/>
-              <a:t>Must complete for the project:</a:t>
-            </a:r>
+          <a:bodyPr>
+            <a:normAutofit fontScale="90000"/>
+          </a:bodyPr>
+          <a:lstStyle/>
+          <a:p>
+            <a:r>
+              <a:rPr lang="en-US" dirty="0"/>
+              <a:t>Data </a:t>
+            </a:r>
+            <a:r>
+              <a:rPr lang="en-US" dirty="0" err="1"/>
+              <a:t>AnalysiS</a:t>
+            </a:r>
+            <a:br>
+              <a:rPr lang="en-US" dirty="0"/>
+            </a:br>
+            <a:r>
+              <a:rPr lang="en-US" dirty="0"/>
+              <a:t> BOTTOM 10 SUBURBS BY PROPERTY PRICE</a:t>
+            </a:r>
+            <a:br>
+              <a:rPr lang="en-US" dirty="0"/>
+            </a:br>
+            <a:endParaRPr lang="en-AU" dirty="0"/>
           </a:p>
         </p:txBody>
       </p:sp>
@@ -4666,7 +7042,7 @@
           <p:cNvPr id="3" name="Content Placeholder 2">
             <a:extLst>
               <a:ext uri="{FF2B5EF4-FFF2-40B4-BE49-F238E27FC236}">
-                <a16:creationId xmlns:a16="http://schemas.microsoft.com/office/drawing/2014/main" id="{B3696089-AACA-43E2-BDBC-69C95F8A9BD3}"/>
+                <a16:creationId xmlns:a16="http://schemas.microsoft.com/office/drawing/2014/main" id="{9DE61BC1-0CFD-4085-B545-1FDE0510523F}"/>
               </a:ext>
             </a:extLst>
           </p:cNvPr>
@@ -4679,124 +7055,41 @@
         </p:nvSpPr>
         <p:spPr/>
         <p:txBody>
-          <a:bodyPr>
-            <a:normAutofit fontScale="85000" lnSpcReduction="20000"/>
-          </a:bodyPr>
-          <a:lstStyle/>
-          <a:p>
-            <a:r>
-              <a:rPr lang="en-US" dirty="0"/>
-              <a:t>The technical requirements for Project 1 are as follows.</a:t>
-            </a:r>
-          </a:p>
-          <a:p>
-            <a:pPr>
-              <a:buFont typeface="Arial" panose="020B0604020202020204" pitchFamily="34" charset="0"/>
-              <a:buChar char="•"/>
-            </a:pPr>
-            <a:r>
-              <a:rPr lang="en-US" dirty="0"/>
-              <a:t>Use Pandas to clean and format your data set(s)</a:t>
-            </a:r>
-          </a:p>
-          <a:p>
-            <a:pPr>
-              <a:buFont typeface="Arial" panose="020B0604020202020204" pitchFamily="34" charset="0"/>
-              <a:buChar char="•"/>
-            </a:pPr>
-            <a:r>
-              <a:rPr lang="en-US" dirty="0"/>
-              <a:t>Create a </a:t>
-            </a:r>
-            <a:r>
-              <a:rPr lang="en-US" dirty="0" err="1"/>
-              <a:t>Jupyter</a:t>
-            </a:r>
-            <a:r>
-              <a:rPr lang="en-US" dirty="0"/>
-              <a:t> Notebook describing the </a:t>
-            </a:r>
-            <a:r>
-              <a:rPr lang="en-US" b="1" dirty="0"/>
-              <a:t>data exploration and cleanup</a:t>
-            </a:r>
-            <a:r>
-              <a:rPr lang="en-US" dirty="0"/>
-              <a:t> process</a:t>
-            </a:r>
-          </a:p>
-          <a:p>
-            <a:pPr>
-              <a:buFont typeface="Arial" panose="020B0604020202020204" pitchFamily="34" charset="0"/>
-              <a:buChar char="•"/>
-            </a:pPr>
-            <a:r>
-              <a:rPr lang="en-US" dirty="0"/>
-              <a:t>Create a </a:t>
-            </a:r>
-            <a:r>
-              <a:rPr lang="en-US" dirty="0" err="1"/>
-              <a:t>Jupyter</a:t>
-            </a:r>
-            <a:r>
-              <a:rPr lang="en-US" dirty="0"/>
-              <a:t> Notebook illustrating the </a:t>
-            </a:r>
-            <a:r>
-              <a:rPr lang="en-US" b="1" dirty="0"/>
-              <a:t>final data analysis</a:t>
-            </a:r>
-            <a:endParaRPr lang="en-US" dirty="0"/>
-          </a:p>
-          <a:p>
-            <a:pPr>
-              <a:buFont typeface="Arial" panose="020B0604020202020204" pitchFamily="34" charset="0"/>
-              <a:buChar char="•"/>
-            </a:pPr>
-            <a:r>
-              <a:rPr lang="en-US" dirty="0"/>
-              <a:t>Use Matplotlib to create a total of 6-8 visualizations of your data (ideally, at least 2 per "question" you ask of your data)</a:t>
-            </a:r>
-          </a:p>
-          <a:p>
-            <a:pPr>
-              <a:buFont typeface="Arial" panose="020B0604020202020204" pitchFamily="34" charset="0"/>
-              <a:buChar char="•"/>
-            </a:pPr>
-            <a:r>
-              <a:rPr lang="en-US" dirty="0"/>
-              <a:t>Save PNG images of your visualizations to distribute to the class and instructional team, and for inclusion in your presentation</a:t>
-            </a:r>
-          </a:p>
-          <a:p>
-            <a:pPr>
-              <a:buFont typeface="Arial" panose="020B0604020202020204" pitchFamily="34" charset="0"/>
-              <a:buChar char="•"/>
-            </a:pPr>
-            <a:r>
-              <a:rPr lang="en-US" dirty="0"/>
-              <a:t>Optionally, use at least one API, if you can find an API with data pertinent to your primary research questions</a:t>
-            </a:r>
-          </a:p>
-          <a:p>
-            <a:pPr>
-              <a:buFont typeface="Arial" panose="020B0604020202020204" pitchFamily="34" charset="0"/>
-              <a:buChar char="•"/>
-            </a:pPr>
-            <a:r>
-              <a:rPr lang="en-US" dirty="0"/>
-              <a:t>Create a write-up summarizing your major findings. This should include a heading for each "question" you asked of your data, and under each heading, a short description of what you found and any relevant plots.</a:t>
-            </a:r>
-          </a:p>
-          <a:p>
-            <a:endParaRPr lang="en-AU" dirty="0"/>
+          <a:bodyPr/>
+          <a:lstStyle/>
+          <a:p>
+            <a:r>
+              <a:rPr lang="en-AU" dirty="0">
+                <a:solidFill>
+                  <a:srgbClr val="FF0000"/>
+                </a:solidFill>
+              </a:rPr>
+              <a:t>Insert graphs</a:t>
+            </a:r>
+          </a:p>
+          <a:p>
+            <a:r>
+              <a:rPr lang="en-AU" dirty="0">
+                <a:solidFill>
+                  <a:srgbClr val="FF0000"/>
+                </a:solidFill>
+              </a:rPr>
+              <a:t>Insert insights – list suburbs that are in the bottom 10 over the past five financial years.</a:t>
+            </a:r>
+          </a:p>
+          <a:p>
+            <a:endParaRPr lang="en-AU" dirty="0">
+              <a:solidFill>
+                <a:srgbClr val="FF0000"/>
+              </a:solidFill>
+            </a:endParaRPr>
           </a:p>
         </p:txBody>
       </p:sp>
     </p:spTree>
     <p:extLst>
       <p:ext uri="{BB962C8B-B14F-4D97-AF65-F5344CB8AC3E}">
-        <p14:creationId xmlns:p14="http://schemas.microsoft.com/office/powerpoint/2010/main" val="4011474787"/>
+        <p14:creationId xmlns:p14="http://schemas.microsoft.com/office/powerpoint/2010/main" val="2059596493"/>
       </p:ext>
     </p:extLst>
   </p:cSld>
@@ -4807,6 +7100,266 @@
 </file>
 
 <file path=ppt/theme/theme1.xml><?xml version="1.0" encoding="utf-8"?>
+<a:theme xmlns:a="http://schemas.openxmlformats.org/drawingml/2006/main" name="Parcel">
+  <a:themeElements>
+    <a:clrScheme name="Parcel">
+      <a:dk1>
+        <a:srgbClr val="000000"/>
+      </a:dk1>
+      <a:lt1>
+        <a:srgbClr val="FFFFFF"/>
+      </a:lt1>
+      <a:dk2>
+        <a:srgbClr val="4A5356"/>
+      </a:dk2>
+      <a:lt2>
+        <a:srgbClr val="E8E3CE"/>
+      </a:lt2>
+      <a:accent1>
+        <a:srgbClr val="F6A21D"/>
+      </a:accent1>
+      <a:accent2>
+        <a:srgbClr val="9BAFB5"/>
+      </a:accent2>
+      <a:accent3>
+        <a:srgbClr val="C96731"/>
+      </a:accent3>
+      <a:accent4>
+        <a:srgbClr val="9CA383"/>
+      </a:accent4>
+      <a:accent5>
+        <a:srgbClr val="87795D"/>
+      </a:accent5>
+      <a:accent6>
+        <a:srgbClr val="A0988C"/>
+      </a:accent6>
+      <a:hlink>
+        <a:srgbClr val="00B0F0"/>
+      </a:hlink>
+      <a:folHlink>
+        <a:srgbClr val="738F97"/>
+      </a:folHlink>
+    </a:clrScheme>
+    <a:fontScheme name="Parcel">
+      <a:majorFont>
+        <a:latin typeface="Gill Sans MT" panose="020B0502020104020203"/>
+        <a:ea typeface=""/>
+        <a:cs typeface=""/>
+        <a:font script="Grek" typeface="Corbel"/>
+        <a:font script="Cyrl" typeface="Corbel"/>
+        <a:font script="Jpan" typeface="HGｺﾞｼｯｸE"/>
+        <a:font script="Hang" typeface="휴먼매직체"/>
+        <a:font script="Hans" typeface="华文中宋"/>
+        <a:font script="Hant" typeface="微軟正黑體"/>
+        <a:font script="Arab" typeface="Majalla UI"/>
+        <a:font script="Hebr" typeface="Arial"/>
+        <a:font script="Thai" typeface="Cordia New"/>
+        <a:font script="Ethi" typeface="Nyala"/>
+        <a:font script="Beng" typeface="Vrinda"/>
+        <a:font script="Gujr" typeface="Shruti"/>
+        <a:font script="Khmr" typeface="DaunPenh"/>
+        <a:font script="Knda" typeface="Tunga"/>
+        <a:font script="Guru" typeface="Raavi"/>
+        <a:font script="Cans" typeface="Euphemia"/>
+        <a:font script="Cher" typeface="Plantagenet Cherokee"/>
+        <a:font script="Yiii" typeface="Microsoft Yi Baiti"/>
+        <a:font script="Tibt" typeface="Microsoft Himalaya"/>
+        <a:font script="Thaa" typeface="MV Boli"/>
+        <a:font script="Deva" typeface="Mangal"/>
+        <a:font script="Telu" typeface="Gautami"/>
+        <a:font script="Taml" typeface="Latha"/>
+        <a:font script="Syrc" typeface="Estrangelo Edessa"/>
+        <a:font script="Orya" typeface="Kalinga"/>
+        <a:font script="Mlym" typeface="Kartika"/>
+        <a:font script="Laoo" typeface="DokChampa"/>
+        <a:font script="Sinh" typeface="Iskoola Pota"/>
+        <a:font script="Mong" typeface="Mongolian Baiti"/>
+        <a:font script="Viet" typeface="Tahoma"/>
+        <a:font script="Uigh" typeface="Microsoft Uighur"/>
+        <a:font script="Geor" typeface="Sylfaen"/>
+      </a:majorFont>
+      <a:minorFont>
+        <a:latin typeface="Gill Sans MT" panose="020B0502020104020203"/>
+        <a:ea typeface=""/>
+        <a:cs typeface=""/>
+        <a:font script="Grek" typeface="Corbel"/>
+        <a:font script="Cyrl" typeface="Corbel"/>
+        <a:font script="Jpan" typeface="HGｺﾞｼｯｸE"/>
+        <a:font script="Hang" typeface="휴먼매직체"/>
+        <a:font script="Hans" typeface="华文中宋"/>
+        <a:font script="Hant" typeface="微軟正黑體"/>
+        <a:font script="Arab" typeface="Majalla UI"/>
+        <a:font script="Hebr" typeface="Arial"/>
+        <a:font script="Thai" typeface="Cordia New"/>
+        <a:font script="Ethi" typeface="Nyala"/>
+        <a:font script="Beng" typeface="Vrinda"/>
+        <a:font script="Gujr" typeface="Shruti"/>
+        <a:font script="Khmr" typeface="DaunPenh"/>
+        <a:font script="Knda" typeface="Tunga"/>
+        <a:font script="Guru" typeface="Raavi"/>
+        <a:font script="Cans" typeface="Euphemia"/>
+        <a:font script="Cher" typeface="Plantagenet Cherokee"/>
+        <a:font script="Yiii" typeface="Microsoft Yi Baiti"/>
+        <a:font script="Tibt" typeface="Microsoft Himalaya"/>
+        <a:font script="Thaa" typeface="MV Boli"/>
+        <a:font script="Deva" typeface="Mangal"/>
+        <a:font script="Telu" typeface="Gautami"/>
+        <a:font script="Taml" typeface="Latha"/>
+        <a:font script="Syrc" typeface="Estrangelo Edessa"/>
+        <a:font script="Orya" typeface="Kalinga"/>
+        <a:font script="Mlym" typeface="Kartika"/>
+        <a:font script="Laoo" typeface="DokChampa"/>
+        <a:font script="Sinh" typeface="Iskoola Pota"/>
+        <a:font script="Mong" typeface="Mongolian Baiti"/>
+        <a:font script="Viet" typeface="Tahoma"/>
+        <a:font script="Uigh" typeface="Microsoft Uighur"/>
+        <a:font script="Geor" typeface="Sylfaen"/>
+      </a:minorFont>
+    </a:fontScheme>
+    <a:fmtScheme name="Parcel">
+      <a:fillStyleLst>
+        <a:solidFill>
+          <a:schemeClr val="phClr"/>
+        </a:solidFill>
+        <a:gradFill rotWithShape="1">
+          <a:gsLst>
+            <a:gs pos="0">
+              <a:schemeClr val="phClr">
+                <a:tint val="80000"/>
+                <a:satMod val="107000"/>
+                <a:lumMod val="103000"/>
+              </a:schemeClr>
+            </a:gs>
+            <a:gs pos="100000">
+              <a:schemeClr val="phClr">
+                <a:tint val="82000"/>
+                <a:satMod val="109000"/>
+                <a:lumMod val="103000"/>
+              </a:schemeClr>
+            </a:gs>
+          </a:gsLst>
+          <a:lin ang="5400000" scaled="0"/>
+        </a:gradFill>
+        <a:gradFill rotWithShape="1">
+          <a:gsLst>
+            <a:gs pos="0">
+              <a:schemeClr val="phClr">
+                <a:tint val="97000"/>
+                <a:satMod val="100000"/>
+                <a:lumMod val="102000"/>
+              </a:schemeClr>
+            </a:gs>
+            <a:gs pos="50000">
+              <a:schemeClr val="phClr">
+                <a:shade val="100000"/>
+                <a:satMod val="103000"/>
+                <a:lumMod val="100000"/>
+              </a:schemeClr>
+            </a:gs>
+            <a:gs pos="100000">
+              <a:schemeClr val="phClr">
+                <a:shade val="93000"/>
+                <a:satMod val="110000"/>
+                <a:lumMod val="99000"/>
+              </a:schemeClr>
+            </a:gs>
+          </a:gsLst>
+          <a:lin ang="5400000" scaled="0"/>
+        </a:gradFill>
+      </a:fillStyleLst>
+      <a:lnStyleLst>
+        <a:ln w="6350" cap="flat" cmpd="sng" algn="ctr">
+          <a:solidFill>
+            <a:schemeClr val="phClr"/>
+          </a:solidFill>
+          <a:prstDash val="solid"/>
+        </a:ln>
+        <a:ln w="12700" cap="flat" cmpd="sng" algn="ctr">
+          <a:solidFill>
+            <a:schemeClr val="phClr"/>
+          </a:solidFill>
+          <a:prstDash val="solid"/>
+        </a:ln>
+        <a:ln w="31750" cap="flat" cmpd="sng" algn="ctr">
+          <a:solidFill>
+            <a:schemeClr val="phClr"/>
+          </a:solidFill>
+          <a:prstDash val="solid"/>
+        </a:ln>
+      </a:lnStyleLst>
+      <a:effectStyleLst>
+        <a:effectStyle>
+          <a:effectLst/>
+        </a:effectStyle>
+        <a:effectStyle>
+          <a:effectLst/>
+        </a:effectStyle>
+        <a:effectStyle>
+          <a:effectLst>
+            <a:outerShdw blurRad="55880" dist="15240" dir="5400000" algn="ctr" rotWithShape="0">
+              <a:srgbClr val="000000">
+                <a:alpha val="45000"/>
+              </a:srgbClr>
+            </a:outerShdw>
+          </a:effectLst>
+          <a:scene3d>
+            <a:camera prst="orthographicFront">
+              <a:rot lat="0" lon="0" rev="0"/>
+            </a:camera>
+            <a:lightRig rig="brightRoom" dir="tl"/>
+          </a:scene3d>
+          <a:sp3d prstMaterial="dkEdge">
+            <a:bevelT w="0" h="0"/>
+          </a:sp3d>
+        </a:effectStyle>
+      </a:effectStyleLst>
+      <a:bgFillStyleLst>
+        <a:solidFill>
+          <a:schemeClr val="phClr"/>
+        </a:solidFill>
+        <a:solidFill>
+          <a:schemeClr val="phClr">
+            <a:tint val="95000"/>
+            <a:satMod val="170000"/>
+          </a:schemeClr>
+        </a:solidFill>
+        <a:gradFill rotWithShape="1">
+          <a:gsLst>
+            <a:gs pos="0">
+              <a:schemeClr val="phClr">
+                <a:tint val="97000"/>
+                <a:shade val="100000"/>
+                <a:satMod val="185000"/>
+                <a:lumMod val="120000"/>
+              </a:schemeClr>
+            </a:gs>
+            <a:gs pos="100000">
+              <a:schemeClr val="phClr">
+                <a:tint val="96000"/>
+                <a:shade val="95000"/>
+                <a:satMod val="215000"/>
+                <a:lumMod val="80000"/>
+              </a:schemeClr>
+            </a:gs>
+          </a:gsLst>
+          <a:path path="circle">
+            <a:fillToRect l="50000" t="55000" r="125000" b="100000"/>
+          </a:path>
+        </a:gradFill>
+      </a:bgFillStyleLst>
+    </a:fmtScheme>
+  </a:themeElements>
+  <a:objectDefaults/>
+  <a:extraClrSchemeLst/>
+  <a:extLst>
+    <a:ext uri="{05A4C25C-085E-4340-85A3-A5531E510DB2}">
+      <thm15:themeFamily xmlns:thm15="http://schemas.microsoft.com/office/thememl/2012/main" name="Parcel" id="{8BEC4385-4EB9-4D53-BFB5-0EA123736B6D}" vid="{4DB32801-28C0-48B0-8C1D-A9A58613615A}"/>
+    </a:ext>
+  </a:extLst>
+</a:theme>
+</file>
+
+<file path=ppt/theme/theme2.xml><?xml version="1.0" encoding="utf-8"?>
 <a:theme xmlns:a="http://schemas.openxmlformats.org/drawingml/2006/main" name="Office Theme">
   <a:themeElements>
     <a:clrScheme name="Office">

--- a/Project 1 Presentation.pptx
+++ b/Project 1 Presentation.pptx
@@ -210,7 +210,7 @@
           <a:p>
             <a:fld id="{2429B6F7-E88D-5542-86AE-E68B90A8D5D5}" type="datetimeFigureOut">
               <a:rPr lang="en-US" smtClean="0"/>
-              <a:t>2/3/21</a:t>
+              <a:t>2/3/2021</a:t>
             </a:fld>
             <a:endParaRPr lang="en-US"/>
           </a:p>
@@ -522,59 +522,7 @@
           <a:bodyPr/>
           <a:lstStyle/>
           <a:p>
-            <a:pPr marL="0" indent="0">
-              <a:buNone/>
-            </a:pPr>
-            <a:r>
-              <a:rPr lang="en-US" dirty="0">
-                <a:highlight>
-                  <a:srgbClr val="FFFF00"/>
-                </a:highlight>
-              </a:rPr>
-              <a:t>Describe the questions you asked, and </a:t>
-            </a:r>
-            <a:r>
-              <a:rPr lang="en-US" i="1" dirty="0">
-                <a:highlight>
-                  <a:srgbClr val="FFFF00"/>
-                </a:highlight>
-              </a:rPr>
-              <a:t>why</a:t>
-            </a:r>
-            <a:r>
-              <a:rPr lang="en-US" dirty="0">
-                <a:highlight>
-                  <a:srgbClr val="FFFF00"/>
-                </a:highlight>
-              </a:rPr>
-              <a:t> you asked them</a:t>
-            </a:r>
-          </a:p>
-          <a:p>
-            <a:pPr marL="0" indent="0">
-              <a:buNone/>
-            </a:pPr>
-            <a:endParaRPr lang="en-US" dirty="0">
-              <a:highlight>
-                <a:srgbClr val="FFFF00"/>
-              </a:highlight>
-            </a:endParaRPr>
-          </a:p>
-          <a:p>
-            <a:pPr marL="0" indent="0">
-              <a:buNone/>
-            </a:pPr>
-            <a:r>
-              <a:rPr lang="en-US" dirty="0">
-                <a:highlight>
-                  <a:srgbClr val="FFFF00"/>
-                </a:highlight>
-              </a:rPr>
-              <a:t>Describe whether you were able to answer these questions to your satisfaction, and briefly summarize your findings</a:t>
-            </a:r>
-          </a:p>
-          <a:p>
-            <a:endParaRPr lang="en-US" dirty="0"/>
+            <a:endParaRPr lang="en-AU" dirty="0"/>
           </a:p>
         </p:txBody>
       </p:sp>
@@ -595,7 +543,7 @@
           <a:p>
             <a:fld id="{4F2AAB9E-B1B6-7347-AEB9-3DE8A4E8C48F}" type="slidenum">
               <a:rPr lang="en-US" smtClean="0"/>
-              <a:t>2</a:t>
+              <a:t>1</a:t>
             </a:fld>
             <a:endParaRPr lang="en-US"/>
           </a:p>
@@ -604,7 +552,276 @@
     </p:spTree>
     <p:extLst>
       <p:ext uri="{BB962C8B-B14F-4D97-AF65-F5344CB8AC3E}">
-        <p14:creationId xmlns:p14="http://schemas.microsoft.com/office/powerpoint/2010/main" val="2292279801"/>
+        <p14:creationId xmlns:p14="http://schemas.microsoft.com/office/powerpoint/2010/main" val="2246192906"/>
+      </p:ext>
+    </p:extLst>
+  </p:cSld>
+  <p:clrMapOvr>
+    <a:masterClrMapping/>
+  </p:clrMapOvr>
+</p:notes>
+</file>
+
+<file path=ppt/notesSlides/notesSlide10.xml><?xml version="1.0" encoding="utf-8"?>
+<p:notes xmlns:a="http://schemas.openxmlformats.org/drawingml/2006/main" xmlns:r="http://schemas.openxmlformats.org/officeDocument/2006/relationships" xmlns:p="http://schemas.openxmlformats.org/presentationml/2006/main">
+  <p:cSld>
+    <p:spTree>
+      <p:nvGrpSpPr>
+        <p:cNvPr id="1" name=""/>
+        <p:cNvGrpSpPr/>
+        <p:nvPr/>
+      </p:nvGrpSpPr>
+      <p:grpSpPr>
+        <a:xfrm>
+          <a:off x="0" y="0"/>
+          <a:ext cx="0" cy="0"/>
+          <a:chOff x="0" y="0"/>
+          <a:chExt cx="0" cy="0"/>
+        </a:xfrm>
+      </p:grpSpPr>
+      <p:sp>
+        <p:nvSpPr>
+          <p:cNvPr id="2" name="Slide Image Placeholder 1"/>
+          <p:cNvSpPr>
+            <a:spLocks noGrp="1" noRot="1" noChangeAspect="1"/>
+          </p:cNvSpPr>
+          <p:nvPr>
+            <p:ph type="sldImg"/>
+          </p:nvPr>
+        </p:nvSpPr>
+        <p:spPr/>
+      </p:sp>
+      <p:sp>
+        <p:nvSpPr>
+          <p:cNvPr id="3" name="Notes Placeholder 2"/>
+          <p:cNvSpPr>
+            <a:spLocks noGrp="1"/>
+          </p:cNvSpPr>
+          <p:nvPr>
+            <p:ph type="body" idx="1"/>
+          </p:nvPr>
+        </p:nvSpPr>
+        <p:spPr/>
+        <p:txBody>
+          <a:bodyPr/>
+          <a:lstStyle/>
+          <a:p>
+            <a:r>
+              <a:rPr lang="en-US" dirty="0"/>
+              <a:t>Potentially just show one graph</a:t>
+            </a:r>
+          </a:p>
+          <a:p>
+            <a:endParaRPr lang="en-US" dirty="0"/>
+          </a:p>
+          <a:p>
+            <a:r>
+              <a:rPr lang="en-US" dirty="0"/>
+              <a:t>Weak correlation due to out data cleaning process of dropping all </a:t>
+            </a:r>
+            <a:r>
+              <a:rPr lang="en-US" dirty="0" err="1"/>
+              <a:t>NaN</a:t>
+            </a:r>
+            <a:endParaRPr lang="en-US" dirty="0"/>
+          </a:p>
+        </p:txBody>
+      </p:sp>
+      <p:sp>
+        <p:nvSpPr>
+          <p:cNvPr id="4" name="Slide Number Placeholder 3"/>
+          <p:cNvSpPr>
+            <a:spLocks noGrp="1"/>
+          </p:cNvSpPr>
+          <p:nvPr>
+            <p:ph type="sldNum" sz="quarter" idx="5"/>
+          </p:nvPr>
+        </p:nvSpPr>
+        <p:spPr/>
+        <p:txBody>
+          <a:bodyPr/>
+          <a:lstStyle/>
+          <a:p>
+            <a:fld id="{4F2AAB9E-B1B6-7347-AEB9-3DE8A4E8C48F}" type="slidenum">
+              <a:rPr lang="en-US" smtClean="0"/>
+              <a:t>10</a:t>
+            </a:fld>
+            <a:endParaRPr lang="en-US"/>
+          </a:p>
+        </p:txBody>
+      </p:sp>
+    </p:spTree>
+    <p:extLst>
+      <p:ext uri="{BB962C8B-B14F-4D97-AF65-F5344CB8AC3E}">
+        <p14:creationId xmlns:p14="http://schemas.microsoft.com/office/powerpoint/2010/main" val="4246549080"/>
+      </p:ext>
+    </p:extLst>
+  </p:cSld>
+  <p:clrMapOvr>
+    <a:masterClrMapping/>
+  </p:clrMapOvr>
+</p:notes>
+</file>
+
+<file path=ppt/notesSlides/notesSlide11.xml><?xml version="1.0" encoding="utf-8"?>
+<p:notes xmlns:a="http://schemas.openxmlformats.org/drawingml/2006/main" xmlns:r="http://schemas.openxmlformats.org/officeDocument/2006/relationships" xmlns:p="http://schemas.openxmlformats.org/presentationml/2006/main">
+  <p:cSld>
+    <p:spTree>
+      <p:nvGrpSpPr>
+        <p:cNvPr id="1" name=""/>
+        <p:cNvGrpSpPr/>
+        <p:nvPr/>
+      </p:nvGrpSpPr>
+      <p:grpSpPr>
+        <a:xfrm>
+          <a:off x="0" y="0"/>
+          <a:ext cx="0" cy="0"/>
+          <a:chOff x="0" y="0"/>
+          <a:chExt cx="0" cy="0"/>
+        </a:xfrm>
+      </p:grpSpPr>
+      <p:sp>
+        <p:nvSpPr>
+          <p:cNvPr id="2" name="Slide Image Placeholder 1"/>
+          <p:cNvSpPr>
+            <a:spLocks noGrp="1" noRot="1" noChangeAspect="1"/>
+          </p:cNvSpPr>
+          <p:nvPr>
+            <p:ph type="sldImg"/>
+          </p:nvPr>
+        </p:nvSpPr>
+        <p:spPr/>
+      </p:sp>
+      <p:sp>
+        <p:nvSpPr>
+          <p:cNvPr id="3" name="Notes Placeholder 2"/>
+          <p:cNvSpPr>
+            <a:spLocks noGrp="1"/>
+          </p:cNvSpPr>
+          <p:nvPr>
+            <p:ph type="body" idx="1"/>
+          </p:nvPr>
+        </p:nvSpPr>
+        <p:spPr/>
+        <p:txBody>
+          <a:bodyPr/>
+          <a:lstStyle/>
+          <a:p>
+            <a:endParaRPr lang="en-US" dirty="0"/>
+          </a:p>
+        </p:txBody>
+      </p:sp>
+      <p:sp>
+        <p:nvSpPr>
+          <p:cNvPr id="4" name="Slide Number Placeholder 3"/>
+          <p:cNvSpPr>
+            <a:spLocks noGrp="1"/>
+          </p:cNvSpPr>
+          <p:nvPr>
+            <p:ph type="sldNum" sz="quarter" idx="5"/>
+          </p:nvPr>
+        </p:nvSpPr>
+        <p:spPr/>
+        <p:txBody>
+          <a:bodyPr/>
+          <a:lstStyle/>
+          <a:p>
+            <a:fld id="{4F2AAB9E-B1B6-7347-AEB9-3DE8A4E8C48F}" type="slidenum">
+              <a:rPr lang="en-US" smtClean="0"/>
+              <a:t>11</a:t>
+            </a:fld>
+            <a:endParaRPr lang="en-US"/>
+          </a:p>
+        </p:txBody>
+      </p:sp>
+    </p:spTree>
+    <p:extLst>
+      <p:ext uri="{BB962C8B-B14F-4D97-AF65-F5344CB8AC3E}">
+        <p14:creationId xmlns:p14="http://schemas.microsoft.com/office/powerpoint/2010/main" val="4063722880"/>
+      </p:ext>
+    </p:extLst>
+  </p:cSld>
+  <p:clrMapOvr>
+    <a:masterClrMapping/>
+  </p:clrMapOvr>
+</p:notes>
+</file>
+
+<file path=ppt/notesSlides/notesSlide12.xml><?xml version="1.0" encoding="utf-8"?>
+<p:notes xmlns:a="http://schemas.openxmlformats.org/drawingml/2006/main" xmlns:r="http://schemas.openxmlformats.org/officeDocument/2006/relationships" xmlns:p="http://schemas.openxmlformats.org/presentationml/2006/main">
+  <p:cSld>
+    <p:spTree>
+      <p:nvGrpSpPr>
+        <p:cNvPr id="1" name=""/>
+        <p:cNvGrpSpPr/>
+        <p:nvPr/>
+      </p:nvGrpSpPr>
+      <p:grpSpPr>
+        <a:xfrm>
+          <a:off x="0" y="0"/>
+          <a:ext cx="0" cy="0"/>
+          <a:chOff x="0" y="0"/>
+          <a:chExt cx="0" cy="0"/>
+        </a:xfrm>
+      </p:grpSpPr>
+      <p:sp>
+        <p:nvSpPr>
+          <p:cNvPr id="2" name="Slide Image Placeholder 1"/>
+          <p:cNvSpPr>
+            <a:spLocks noGrp="1" noRot="1" noChangeAspect="1"/>
+          </p:cNvSpPr>
+          <p:nvPr>
+            <p:ph type="sldImg"/>
+          </p:nvPr>
+        </p:nvSpPr>
+        <p:spPr/>
+      </p:sp>
+      <p:sp>
+        <p:nvSpPr>
+          <p:cNvPr id="3" name="Notes Placeholder 2"/>
+          <p:cNvSpPr>
+            <a:spLocks noGrp="1"/>
+          </p:cNvSpPr>
+          <p:nvPr>
+            <p:ph type="body" idx="1"/>
+          </p:nvPr>
+        </p:nvSpPr>
+        <p:spPr/>
+        <p:txBody>
+          <a:bodyPr/>
+          <a:lstStyle/>
+          <a:p>
+            <a:endParaRPr lang="en-AU"/>
+          </a:p>
+        </p:txBody>
+      </p:sp>
+      <p:sp>
+        <p:nvSpPr>
+          <p:cNvPr id="4" name="Slide Number Placeholder 3"/>
+          <p:cNvSpPr>
+            <a:spLocks noGrp="1"/>
+          </p:cNvSpPr>
+          <p:nvPr>
+            <p:ph type="sldNum" sz="quarter" idx="5"/>
+          </p:nvPr>
+        </p:nvSpPr>
+        <p:spPr/>
+        <p:txBody>
+          <a:bodyPr/>
+          <a:lstStyle/>
+          <a:p>
+            <a:fld id="{4F2AAB9E-B1B6-7347-AEB9-3DE8A4E8C48F}" type="slidenum">
+              <a:rPr lang="en-US" smtClean="0"/>
+              <a:t>12</a:t>
+            </a:fld>
+            <a:endParaRPr lang="en-US"/>
+          </a:p>
+        </p:txBody>
+      </p:sp>
+    </p:spTree>
+    <p:extLst>
+      <p:ext uri="{BB962C8B-B14F-4D97-AF65-F5344CB8AC3E}">
+        <p14:creationId xmlns:p14="http://schemas.microsoft.com/office/powerpoint/2010/main" val="1433038310"/>
       </p:ext>
     </p:extLst>
   </p:cSld>
@@ -658,22 +875,8 @@
           <a:bodyPr/>
           <a:lstStyle/>
           <a:p>
-            <a:pPr marL="0" marR="0" lvl="0" indent="0" algn="l" defTabSz="914400" rtl="0" eaLnBrk="1" fontAlgn="auto" latinLnBrk="0" hangingPunct="1">
-              <a:lnSpc>
-                <a:spcPct val="100000"/>
-              </a:lnSpc>
-              <a:spcBef>
-                <a:spcPts val="0"/>
-              </a:spcBef>
-              <a:spcAft>
-                <a:spcPts val="0"/>
-              </a:spcAft>
-              <a:buClrTx/>
-              <a:buSzTx/>
-              <a:buFontTx/>
-              <a:buNone/>
-              <a:tabLst/>
-              <a:defRPr/>
+            <a:pPr marL="0" indent="0">
+              <a:buNone/>
             </a:pPr>
             <a:r>
               <a:rPr lang="en-US" dirty="0">
@@ -681,107 +884,28 @@
                   <a:srgbClr val="FFFF00"/>
                 </a:highlight>
               </a:rPr>
-              <a:t>During the slide talk about:</a:t>
-            </a:r>
-          </a:p>
-          <a:p>
-            <a:pPr marL="0" marR="0" lvl="0" indent="0" algn="l" defTabSz="914400" rtl="0" eaLnBrk="1" fontAlgn="auto" latinLnBrk="0" hangingPunct="1">
-              <a:lnSpc>
-                <a:spcPct val="100000"/>
-              </a:lnSpc>
-              <a:spcBef>
-                <a:spcPts val="0"/>
-              </a:spcBef>
-              <a:spcAft>
-                <a:spcPts val="0"/>
-              </a:spcAft>
-              <a:buClrTx/>
-              <a:buSzTx/>
-              <a:buFontTx/>
-              <a:buNone/>
-              <a:tabLst/>
-              <a:defRPr/>
-            </a:pPr>
-            <a:r>
-              <a:rPr lang="en-US" u="sng" dirty="0">
+              <a:t>Describe the questions you asked, and </a:t>
+            </a:r>
+            <a:r>
+              <a:rPr lang="en-US" i="1" dirty="0">
                 <a:highlight>
                   <a:srgbClr val="FFFF00"/>
                 </a:highlight>
               </a:rPr>
-              <a:t>Crime Data Source</a:t>
-            </a:r>
-          </a:p>
-          <a:p>
-            <a:pPr marL="171450" marR="0" lvl="0" indent="-171450" algn="l" defTabSz="914400" rtl="0" eaLnBrk="1" fontAlgn="auto" latinLnBrk="0" hangingPunct="1">
-              <a:lnSpc>
-                <a:spcPct val="100000"/>
-              </a:lnSpc>
-              <a:spcBef>
-                <a:spcPts val="0"/>
-              </a:spcBef>
-              <a:spcAft>
-                <a:spcPts val="0"/>
-              </a:spcAft>
-              <a:buClrTx/>
-              <a:buSzTx/>
-              <a:buFont typeface="Arial" panose="020B0604020202020204" pitchFamily="34" charset="0"/>
-              <a:buChar char="•"/>
-              <a:tabLst/>
-              <a:defRPr/>
-            </a:pPr>
-            <a:r>
-              <a:rPr lang="en-US" u="none" dirty="0">
+              <a:t>why</a:t>
+            </a:r>
+            <a:r>
+              <a:rPr lang="en-US" dirty="0">
                 <a:highlight>
                   <a:srgbClr val="FFFF00"/>
                 </a:highlight>
               </a:rPr>
-              <a:t>Five csv files (incorporated all crimes for five financial years)</a:t>
-            </a:r>
-          </a:p>
-          <a:p>
-            <a:pPr marL="171450" marR="0" lvl="0" indent="-171450" algn="l" defTabSz="914400" rtl="0" eaLnBrk="1" fontAlgn="auto" latinLnBrk="0" hangingPunct="1">
-              <a:lnSpc>
-                <a:spcPct val="100000"/>
-              </a:lnSpc>
-              <a:spcBef>
-                <a:spcPts val="0"/>
-              </a:spcBef>
-              <a:spcAft>
-                <a:spcPts val="0"/>
-              </a:spcAft>
-              <a:buClrTx/>
-              <a:buSzTx/>
-              <a:buFont typeface="Arial" panose="020B0604020202020204" pitchFamily="34" charset="0"/>
-              <a:buChar char="•"/>
-              <a:tabLst/>
-              <a:defRPr/>
-            </a:pPr>
-            <a:r>
-              <a:rPr lang="en-US" u="none" dirty="0">
-                <a:highlight>
-                  <a:srgbClr val="FFFF00"/>
-                </a:highlight>
-              </a:rPr>
-              <a:t>Each row contained the committed crime date, suburb, crime count and crime type</a:t>
-            </a:r>
-          </a:p>
-          <a:p>
-            <a:pPr marL="0" marR="0" lvl="0" indent="0" algn="l" defTabSz="914400" rtl="0" eaLnBrk="1" fontAlgn="auto" latinLnBrk="0" hangingPunct="1">
-              <a:lnSpc>
-                <a:spcPct val="100000"/>
-              </a:lnSpc>
-              <a:spcBef>
-                <a:spcPts val="0"/>
-              </a:spcBef>
-              <a:spcAft>
-                <a:spcPts val="0"/>
-              </a:spcAft>
-              <a:buClrTx/>
-              <a:buSzTx/>
-              <a:buFontTx/>
-              <a:buNone/>
-              <a:tabLst/>
-              <a:defRPr/>
+              <a:t> you asked them</a:t>
+            </a:r>
+          </a:p>
+          <a:p>
+            <a:pPr marL="0" indent="0">
+              <a:buNone/>
             </a:pPr>
             <a:endParaRPr lang="en-US" dirty="0">
               <a:highlight>
@@ -790,46 +914,8 @@
             </a:endParaRPr>
           </a:p>
           <a:p>
-            <a:pPr marL="0" marR="0" lvl="0" indent="0" algn="l" defTabSz="914400" rtl="0" eaLnBrk="1" fontAlgn="auto" latinLnBrk="0" hangingPunct="1">
-              <a:lnSpc>
-                <a:spcPct val="100000"/>
-              </a:lnSpc>
-              <a:spcBef>
-                <a:spcPts val="0"/>
-              </a:spcBef>
-              <a:spcAft>
-                <a:spcPts val="0"/>
-              </a:spcAft>
-              <a:buClrTx/>
-              <a:buSzTx/>
-              <a:buFontTx/>
-              <a:buNone/>
-              <a:tabLst/>
-              <a:defRPr/>
-            </a:pPr>
-            <a:endParaRPr lang="en-US" dirty="0">
-              <a:highlight>
-                <a:srgbClr val="FFFF00"/>
-              </a:highlight>
-            </a:endParaRPr>
-          </a:p>
-          <a:p>
-            <a:pPr marL="0" marR="0" lvl="0" indent="0" algn="l" defTabSz="914400" rtl="0" eaLnBrk="1" fontAlgn="auto" latinLnBrk="0" hangingPunct="1">
-              <a:lnSpc>
-                <a:spcPct val="100000"/>
-              </a:lnSpc>
-              <a:spcBef>
-                <a:spcPts val="0"/>
-              </a:spcBef>
-              <a:spcAft>
-                <a:spcPts val="0"/>
-              </a:spcAft>
-              <a:buClrTx/>
-              <a:buSzTx/>
-              <a:buFontTx/>
-              <a:buNone/>
-              <a:tabLst/>
-              <a:defRPr/>
+            <a:pPr marL="0" indent="0">
+              <a:buNone/>
             </a:pPr>
             <a:r>
               <a:rPr lang="en-US" dirty="0">
@@ -837,97 +923,8 @@
                   <a:srgbClr val="FFFF00"/>
                 </a:highlight>
               </a:rPr>
-              <a:t>Elaborate on the questions you asked, describing what kinds of data you needed to answer them, and where you found it</a:t>
-            </a:r>
-          </a:p>
-          <a:p>
-            <a:pPr marL="0" marR="0" lvl="0" indent="0" algn="l" defTabSz="914400" rtl="0" eaLnBrk="1" fontAlgn="auto" latinLnBrk="0" hangingPunct="1">
-              <a:lnSpc>
-                <a:spcPct val="100000"/>
-              </a:lnSpc>
-              <a:spcBef>
-                <a:spcPts val="0"/>
-              </a:spcBef>
-              <a:spcAft>
-                <a:spcPts val="0"/>
-              </a:spcAft>
-              <a:buClrTx/>
-              <a:buSzTx/>
-              <a:buFontTx/>
-              <a:buNone/>
-              <a:tabLst/>
-              <a:defRPr/>
-            </a:pPr>
-            <a:endParaRPr lang="en-US" dirty="0">
-              <a:highlight>
-                <a:srgbClr val="FFFF00"/>
-              </a:highlight>
-            </a:endParaRPr>
-          </a:p>
-          <a:p>
-            <a:pPr marL="0" marR="0" lvl="0" indent="0" algn="l" defTabSz="914400" rtl="0" eaLnBrk="1" fontAlgn="auto" latinLnBrk="0" hangingPunct="1">
-              <a:lnSpc>
-                <a:spcPct val="100000"/>
-              </a:lnSpc>
-              <a:spcBef>
-                <a:spcPts val="0"/>
-              </a:spcBef>
-              <a:spcAft>
-                <a:spcPts val="0"/>
-              </a:spcAft>
-              <a:buClrTx/>
-              <a:buSzTx/>
-              <a:buFontTx/>
-              <a:buNone/>
-              <a:tabLst/>
-              <a:defRPr/>
-            </a:pPr>
-            <a:r>
-              <a:rPr lang="en-US" b="1" dirty="0">
-                <a:highlight>
-                  <a:srgbClr val="FFFF00"/>
-                </a:highlight>
-              </a:rPr>
-              <a:t>Challenges:</a:t>
-            </a:r>
-          </a:p>
-          <a:p>
-            <a:pPr marL="0" marR="0" lvl="0" indent="0" algn="l" defTabSz="914400" rtl="0" eaLnBrk="1" fontAlgn="auto" latinLnBrk="0" hangingPunct="1">
-              <a:lnSpc>
-                <a:spcPct val="100000"/>
-              </a:lnSpc>
-              <a:spcBef>
-                <a:spcPts val="0"/>
-              </a:spcBef>
-              <a:spcAft>
-                <a:spcPts val="0"/>
-              </a:spcAft>
-              <a:buClrTx/>
-              <a:buSzTx/>
-              <a:buFontTx/>
-              <a:buNone/>
-              <a:tabLst/>
-              <a:defRPr/>
-            </a:pPr>
-            <a:r>
-              <a:rPr lang="en-US" dirty="0"/>
-              <a:t>Started looking at WA, found crime data from </a:t>
-            </a:r>
-            <a:r>
-              <a:rPr lang="en-AU" dirty="0">
-                <a:hlinkClick r:id="rId3"/>
-              </a:rPr>
-              <a:t>Crime Statistics | Western Australia Police Force</a:t>
-            </a:r>
-            <a:r>
-              <a:rPr lang="en-AU" dirty="0"/>
-              <a:t> was not broken down by location sufficiently to compare to the median house price with a commonality</a:t>
-            </a:r>
-            <a:endParaRPr lang="en-US" dirty="0">
-              <a:highlight>
-                <a:srgbClr val="FFFF00"/>
-              </a:highlight>
-            </a:endParaRPr>
+              <a:t>Describe whether you were able to answer these questions to your satisfaction, and briefly summarize your findings</a:t>
+            </a:r>
           </a:p>
           <a:p>
             <a:endParaRPr lang="en-US" dirty="0"/>
@@ -951,7 +948,7 @@
           <a:p>
             <a:fld id="{4F2AAB9E-B1B6-7347-AEB9-3DE8A4E8C48F}" type="slidenum">
               <a:rPr lang="en-US" smtClean="0"/>
-              <a:t>3</a:t>
+              <a:t>2</a:t>
             </a:fld>
             <a:endParaRPr lang="en-US"/>
           </a:p>
@@ -960,7 +957,7 @@
     </p:spTree>
     <p:extLst>
       <p:ext uri="{BB962C8B-B14F-4D97-AF65-F5344CB8AC3E}">
-        <p14:creationId xmlns:p14="http://schemas.microsoft.com/office/powerpoint/2010/main" val="1264430062"/>
+        <p14:creationId xmlns:p14="http://schemas.microsoft.com/office/powerpoint/2010/main" val="2292279801"/>
       </p:ext>
     </p:extLst>
   </p:cSld>
@@ -1014,33 +1011,22 @@
           <a:bodyPr/>
           <a:lstStyle/>
           <a:p>
-            <a:r>
-              <a:rPr lang="en-US" dirty="0"/>
-              <a:t>Nick to complete</a:t>
-            </a:r>
-          </a:p>
-          <a:p>
-            <a:endParaRPr lang="en-US" dirty="0"/>
-          </a:p>
-          <a:p>
-            <a:r>
-              <a:rPr lang="en-US" dirty="0"/>
-              <a:t>Trying to eliminate petty crimes (e.g. graffiti)</a:t>
-            </a:r>
-          </a:p>
-          <a:p>
-            <a:r>
-              <a:rPr lang="en-US" dirty="0"/>
-              <a:t>Included SCT because we assumed it would only be counted once and the data would be accurate</a:t>
-            </a:r>
-          </a:p>
-          <a:p>
-            <a:endParaRPr lang="en-US" dirty="0"/>
-          </a:p>
-          <a:p>
-            <a:pPr>
-              <a:buFont typeface="Arial" panose="020B0604020202020204" pitchFamily="34" charset="0"/>
-              <a:buChar char="•"/>
+            <a:pPr marL="0" marR="0" lvl="0" indent="0" algn="l" defTabSz="914400" rtl="0" eaLnBrk="1" fontAlgn="auto" latinLnBrk="0" hangingPunct="1">
+              <a:lnSpc>
+                <a:spcPct val="100000"/>
+              </a:lnSpc>
+              <a:spcBef>
+                <a:spcPts val="0"/>
+              </a:spcBef>
+              <a:spcAft>
+                <a:spcPts val="0"/>
+              </a:spcAft>
+              <a:buClrTx/>
+              <a:buSzTx/>
+              <a:buFontTx/>
+              <a:buNone/>
+              <a:tabLst/>
+              <a:defRPr/>
             </a:pPr>
             <a:r>
               <a:rPr lang="en-US" dirty="0">
@@ -1048,23 +1034,155 @@
                   <a:srgbClr val="FFFF00"/>
                 </a:highlight>
               </a:rPr>
-              <a:t>Describe the exploration and cleanup process</a:t>
-            </a:r>
-          </a:p>
-          <a:p>
-            <a:pPr>
+              <a:t>During the slide talk about:</a:t>
+            </a:r>
+          </a:p>
+          <a:p>
+            <a:pPr marL="0" marR="0" lvl="0" indent="0" algn="l" defTabSz="914400" rtl="0" eaLnBrk="1" fontAlgn="auto" latinLnBrk="0" hangingPunct="1">
+              <a:lnSpc>
+                <a:spcPct val="100000"/>
+              </a:lnSpc>
+              <a:spcBef>
+                <a:spcPts val="0"/>
+              </a:spcBef>
+              <a:spcAft>
+                <a:spcPts val="0"/>
+              </a:spcAft>
+              <a:buClrTx/>
+              <a:buSzTx/>
+              <a:buFontTx/>
+              <a:buNone/>
+              <a:tabLst/>
+              <a:defRPr/>
+            </a:pPr>
+            <a:r>
+              <a:rPr lang="en-US" u="sng" dirty="0">
+                <a:highlight>
+                  <a:srgbClr val="FFFF00"/>
+                </a:highlight>
+              </a:rPr>
+              <a:t>Crime Data Source</a:t>
+            </a:r>
+          </a:p>
+          <a:p>
+            <a:pPr marL="171450" marR="0" lvl="0" indent="-171450" algn="l" defTabSz="914400" rtl="0" eaLnBrk="1" fontAlgn="auto" latinLnBrk="0" hangingPunct="1">
+              <a:lnSpc>
+                <a:spcPct val="100000"/>
+              </a:lnSpc>
+              <a:spcBef>
+                <a:spcPts val="0"/>
+              </a:spcBef>
+              <a:spcAft>
+                <a:spcPts val="0"/>
+              </a:spcAft>
+              <a:buClrTx/>
+              <a:buSzTx/>
               <a:buFont typeface="Arial" panose="020B0604020202020204" pitchFamily="34" charset="0"/>
               <a:buChar char="•"/>
+              <a:tabLst/>
+              <a:defRPr/>
             </a:pPr>
             <a:r>
-              <a:rPr lang="en-US" dirty="0"/>
-              <a:t>Crime data found in CSV by financial year, merged the data together for each year</a:t>
-            </a:r>
-          </a:p>
-          <a:p>
-            <a:pPr>
+              <a:rPr lang="en-US" u="none" dirty="0">
+                <a:highlight>
+                  <a:srgbClr val="FFFF00"/>
+                </a:highlight>
+              </a:rPr>
+              <a:t>Five csv files (incorporated all crimes for five financial years)</a:t>
+            </a:r>
+          </a:p>
+          <a:p>
+            <a:pPr marL="171450" marR="0" lvl="0" indent="-171450" algn="l" defTabSz="914400" rtl="0" eaLnBrk="1" fontAlgn="auto" latinLnBrk="0" hangingPunct="1">
+              <a:lnSpc>
+                <a:spcPct val="100000"/>
+              </a:lnSpc>
+              <a:spcBef>
+                <a:spcPts val="0"/>
+              </a:spcBef>
+              <a:spcAft>
+                <a:spcPts val="0"/>
+              </a:spcAft>
+              <a:buClrTx/>
+              <a:buSzTx/>
               <a:buFont typeface="Arial" panose="020B0604020202020204" pitchFamily="34" charset="0"/>
               <a:buChar char="•"/>
+              <a:tabLst/>
+              <a:defRPr/>
+            </a:pPr>
+            <a:r>
+              <a:rPr lang="en-US" u="none" dirty="0">
+                <a:highlight>
+                  <a:srgbClr val="FFFF00"/>
+                </a:highlight>
+              </a:rPr>
+              <a:t>Each row contained the committed crime date, suburb, crime count and crime type</a:t>
+            </a:r>
+          </a:p>
+          <a:p>
+            <a:pPr marL="0" marR="0" lvl="0" indent="0" algn="l" defTabSz="914400" rtl="0" eaLnBrk="1" fontAlgn="auto" latinLnBrk="0" hangingPunct="1">
+              <a:lnSpc>
+                <a:spcPct val="100000"/>
+              </a:lnSpc>
+              <a:spcBef>
+                <a:spcPts val="0"/>
+              </a:spcBef>
+              <a:spcAft>
+                <a:spcPts val="0"/>
+              </a:spcAft>
+              <a:buClrTx/>
+              <a:buSzTx/>
+              <a:buFontTx/>
+              <a:buNone/>
+              <a:tabLst/>
+              <a:defRPr/>
+            </a:pPr>
+            <a:endParaRPr lang="en-US" dirty="0">
+              <a:highlight>
+                <a:srgbClr val="FFFF00"/>
+              </a:highlight>
+            </a:endParaRPr>
+          </a:p>
+          <a:p>
+            <a:pPr marL="0" marR="0" lvl="0" indent="0" algn="l" defTabSz="914400" rtl="0" eaLnBrk="1" fontAlgn="auto" latinLnBrk="0" hangingPunct="1">
+              <a:lnSpc>
+                <a:spcPct val="100000"/>
+              </a:lnSpc>
+              <a:spcBef>
+                <a:spcPts val="0"/>
+              </a:spcBef>
+              <a:spcAft>
+                <a:spcPts val="0"/>
+              </a:spcAft>
+              <a:buClrTx/>
+              <a:buSzTx/>
+              <a:buFontTx/>
+              <a:buNone/>
+              <a:tabLst/>
+              <a:defRPr/>
+            </a:pPr>
+            <a:endParaRPr lang="en-US" dirty="0">
+              <a:highlight>
+                <a:srgbClr val="FFFF00"/>
+              </a:highlight>
+            </a:endParaRPr>
+          </a:p>
+          <a:p>
+            <a:pPr marL="0" marR="0" lvl="0" indent="0" algn="l" defTabSz="914400" rtl="0" eaLnBrk="1" fontAlgn="auto" latinLnBrk="0" hangingPunct="1">
+              <a:lnSpc>
+                <a:spcPct val="100000"/>
+              </a:lnSpc>
+              <a:spcBef>
+                <a:spcPts val="0"/>
+              </a:spcBef>
+              <a:spcAft>
+                <a:spcPts val="0"/>
+              </a:spcAft>
+              <a:buClrTx/>
+              <a:buSzTx/>
+              <a:buFontTx/>
+              <a:buNone/>
+              <a:tabLst/>
+              <a:defRPr/>
             </a:pPr>
             <a:r>
               <a:rPr lang="en-US" dirty="0">
@@ -1072,52 +1190,97 @@
                   <a:srgbClr val="FFFF00"/>
                 </a:highlight>
               </a:rPr>
-              <a:t>Discuss insights you had while exploring the data that you didn't anticipate</a:t>
-            </a:r>
-          </a:p>
-          <a:p>
-            <a:pPr>
-              <a:buFont typeface="Arial" panose="020B0604020202020204" pitchFamily="34" charset="0"/>
-              <a:buChar char="•"/>
+              <a:t>Elaborate on the questions you asked, describing what kinds of data you needed to answer them, and where you found it</a:t>
+            </a:r>
+          </a:p>
+          <a:p>
+            <a:pPr marL="0" marR="0" lvl="0" indent="0" algn="l" defTabSz="914400" rtl="0" eaLnBrk="1" fontAlgn="auto" latinLnBrk="0" hangingPunct="1">
+              <a:lnSpc>
+                <a:spcPct val="100000"/>
+              </a:lnSpc>
+              <a:spcBef>
+                <a:spcPts val="0"/>
+              </a:spcBef>
+              <a:spcAft>
+                <a:spcPts val="0"/>
+              </a:spcAft>
+              <a:buClrTx/>
+              <a:buSzTx/>
+              <a:buFontTx/>
+              <a:buNone/>
+              <a:tabLst/>
+              <a:defRPr/>
             </a:pPr>
-            <a:r>
-              <a:rPr lang="en-US" dirty="0">
+            <a:endParaRPr lang="en-US" dirty="0">
+              <a:highlight>
+                <a:srgbClr val="FFFF00"/>
+              </a:highlight>
+            </a:endParaRPr>
+          </a:p>
+          <a:p>
+            <a:pPr marL="0" marR="0" lvl="0" indent="0" algn="l" defTabSz="914400" rtl="0" eaLnBrk="1" fontAlgn="auto" latinLnBrk="0" hangingPunct="1">
+              <a:lnSpc>
+                <a:spcPct val="100000"/>
+              </a:lnSpc>
+              <a:spcBef>
+                <a:spcPts val="0"/>
+              </a:spcBef>
+              <a:spcAft>
+                <a:spcPts val="0"/>
+              </a:spcAft>
+              <a:buClrTx/>
+              <a:buSzTx/>
+              <a:buFontTx/>
+              <a:buNone/>
+              <a:tabLst/>
+              <a:defRPr/>
+            </a:pPr>
+            <a:r>
+              <a:rPr lang="en-US" b="1" dirty="0">
                 <a:highlight>
                   <a:srgbClr val="FFFF00"/>
                 </a:highlight>
               </a:rPr>
-              <a:t>Discuss any problems that arose after exploring the data, and how you resolved them</a:t>
-            </a:r>
-          </a:p>
-          <a:p>
-            <a:pPr>
-              <a:buFont typeface="Arial" panose="020B0604020202020204" pitchFamily="34" charset="0"/>
-              <a:buChar char="•"/>
+              <a:t>Challenges:</a:t>
+            </a:r>
+          </a:p>
+          <a:p>
+            <a:pPr marL="0" marR="0" lvl="0" indent="0" algn="l" defTabSz="914400" rtl="0" eaLnBrk="1" fontAlgn="auto" latinLnBrk="0" hangingPunct="1">
+              <a:lnSpc>
+                <a:spcPct val="100000"/>
+              </a:lnSpc>
+              <a:spcBef>
+                <a:spcPts val="0"/>
+              </a:spcBef>
+              <a:spcAft>
+                <a:spcPts val="0"/>
+              </a:spcAft>
+              <a:buClrTx/>
+              <a:buSzTx/>
+              <a:buFontTx/>
+              <a:buNone/>
+              <a:tabLst/>
+              <a:defRPr/>
             </a:pPr>
             <a:r>
-              <a:rPr lang="en-US" dirty="0">
-                <a:highlight>
-                  <a:srgbClr val="FFFF00"/>
-                </a:highlight>
+              <a:rPr lang="en-US" dirty="0"/>
+              <a:t>Started looking at WA, found crime data from </a:t>
+            </a:r>
+            <a:r>
+              <a:rPr lang="en-AU" dirty="0">
+                <a:hlinkClick r:id="rId3"/>
               </a:rPr>
-              <a:t>Present and discuss interesting figures developed during exploration, ideally with the help of </a:t>
-            </a:r>
-            <a:r>
-              <a:rPr lang="en-US" dirty="0" err="1">
-                <a:highlight>
-                  <a:srgbClr val="FFFF00"/>
-                </a:highlight>
-              </a:rPr>
-              <a:t>Jupyter</a:t>
-            </a:r>
-            <a:r>
-              <a:rPr lang="en-US" dirty="0">
-                <a:highlight>
-                  <a:srgbClr val="FFFF00"/>
-                </a:highlight>
-              </a:rPr>
-              <a:t> Notebook</a:t>
-            </a:r>
+              <a:t>Crime Statistics | Western Australia Police Force</a:t>
+            </a:r>
+            <a:r>
+              <a:rPr lang="en-AU" dirty="0"/>
+              <a:t> was not broken down by location sufficiently to compare to the median house price with a commonality</a:t>
+            </a:r>
+            <a:endParaRPr lang="en-US" dirty="0">
+              <a:highlight>
+                <a:srgbClr val="FFFF00"/>
+              </a:highlight>
+            </a:endParaRPr>
           </a:p>
           <a:p>
             <a:endParaRPr lang="en-US" dirty="0"/>
@@ -1141,7 +1304,7 @@
           <a:p>
             <a:fld id="{4F2AAB9E-B1B6-7347-AEB9-3DE8A4E8C48F}" type="slidenum">
               <a:rPr lang="en-US" smtClean="0"/>
-              <a:t>4</a:t>
+              <a:t>3</a:t>
             </a:fld>
             <a:endParaRPr lang="en-US"/>
           </a:p>
@@ -1150,7 +1313,7 @@
     </p:spTree>
     <p:extLst>
       <p:ext uri="{BB962C8B-B14F-4D97-AF65-F5344CB8AC3E}">
-        <p14:creationId xmlns:p14="http://schemas.microsoft.com/office/powerpoint/2010/main" val="3600383317"/>
+        <p14:creationId xmlns:p14="http://schemas.microsoft.com/office/powerpoint/2010/main" val="1264430062"/>
       </p:ext>
     </p:extLst>
   </p:cSld>
@@ -1204,6 +1367,303 @@
           <a:bodyPr/>
           <a:lstStyle/>
           <a:p>
+            <a:r>
+              <a:rPr lang="en-US" dirty="0"/>
+              <a:t>Nick to complete</a:t>
+            </a:r>
+          </a:p>
+          <a:p>
+            <a:endParaRPr lang="en-US" dirty="0"/>
+          </a:p>
+          <a:p>
+            <a:pPr marL="285750" indent="-285750">
+              <a:buFont typeface="Courier New" panose="02070309020205020404" pitchFamily="49" charset="0"/>
+              <a:buChar char="o"/>
+            </a:pPr>
+            <a:r>
+              <a:rPr lang="en-US" dirty="0"/>
+              <a:t>Other theft : Description: Theft except motor vehicles</a:t>
+            </a:r>
+          </a:p>
+          <a:p>
+            <a:pPr marL="742950" lvl="1" indent="-285750">
+              <a:buFont typeface="Courier New" panose="02070309020205020404" pitchFamily="49" charset="0"/>
+              <a:buChar char="o"/>
+            </a:pPr>
+            <a:r>
+              <a:rPr lang="en-US" sz="1100" b="0" i="1" dirty="0">
+                <a:solidFill>
+                  <a:srgbClr val="333333"/>
+                </a:solidFill>
+                <a:effectLst/>
+                <a:latin typeface="Arial" panose="020B0604020202020204" pitchFamily="34" charset="0"/>
+              </a:rPr>
+              <a:t>The unlawful taking or obtaining of money, goods or services other than or from motor vehicles, without the use of force, threat of force or violence, coercion or deception, with the intent to permanently deprive the owner or possessor of the use of the money or goods.</a:t>
+            </a:r>
+            <a:endParaRPr lang="en-US" sz="1100" i="1" dirty="0"/>
+          </a:p>
+          <a:p>
+            <a:pPr marL="285750" indent="-285750">
+              <a:buFont typeface="Courier New" panose="02070309020205020404" pitchFamily="49" charset="0"/>
+              <a:buChar char="o"/>
+            </a:pPr>
+            <a:r>
+              <a:rPr lang="en-US" dirty="0"/>
+              <a:t>Other property damage and environmental</a:t>
+            </a:r>
+          </a:p>
+          <a:p>
+            <a:pPr marL="742950" lvl="1" indent="-285750">
+              <a:buFont typeface="Courier New" panose="02070309020205020404" pitchFamily="49" charset="0"/>
+              <a:buChar char="o"/>
+            </a:pPr>
+            <a:r>
+              <a:rPr lang="en-US" sz="1100" i="1" dirty="0">
+                <a:solidFill>
+                  <a:srgbClr val="333333"/>
+                </a:solidFill>
+                <a:latin typeface="Arial" panose="020B0604020202020204" pitchFamily="34" charset="0"/>
+              </a:rPr>
+              <a:t>The </a:t>
+            </a:r>
+            <a:r>
+              <a:rPr lang="en-US" sz="1100" i="1" dirty="0" err="1">
+                <a:solidFill>
+                  <a:srgbClr val="333333"/>
+                </a:solidFill>
+                <a:latin typeface="Arial" panose="020B0604020202020204" pitchFamily="34" charset="0"/>
+              </a:rPr>
+              <a:t>wilful</a:t>
+            </a:r>
+            <a:r>
+              <a:rPr lang="en-US" sz="1100" i="1" dirty="0">
+                <a:solidFill>
+                  <a:srgbClr val="333333"/>
+                </a:solidFill>
+                <a:latin typeface="Arial" panose="020B0604020202020204" pitchFamily="34" charset="0"/>
+              </a:rPr>
+              <a:t> and unlawful destruction, damage or defacement of public or private property or the pollution of property or a definable entity held in common by the community. For this division 'destruction' means altering the property in any way so as to make it imperfect or inoperative.</a:t>
+            </a:r>
+          </a:p>
+          <a:p>
+            <a:pPr marL="285750" indent="-285750">
+              <a:buFont typeface="Courier New" panose="02070309020205020404" pitchFamily="49" charset="0"/>
+              <a:buChar char="o"/>
+            </a:pPr>
+            <a:r>
+              <a:rPr lang="en-US" dirty="0"/>
+              <a:t>Theft from motor vehicle</a:t>
+            </a:r>
+          </a:p>
+          <a:p>
+            <a:pPr marL="742950" lvl="1" indent="-285750">
+              <a:buFont typeface="Courier New" panose="02070309020205020404" pitchFamily="49" charset="0"/>
+              <a:buChar char="o"/>
+            </a:pPr>
+            <a:r>
+              <a:rPr lang="en-US" sz="1100" i="1" dirty="0">
+                <a:solidFill>
+                  <a:srgbClr val="333333"/>
+                </a:solidFill>
+                <a:latin typeface="Arial" panose="020B0604020202020204" pitchFamily="34" charset="0"/>
+              </a:rPr>
+              <a:t>The taking of another person's property other than a motor vehicle, illegally and without permission with the intent of temporarily depriving the owner or possessor of the use of the property.</a:t>
+            </a:r>
+          </a:p>
+          <a:p>
+            <a:pPr marL="285750" indent="-285750">
+              <a:buFont typeface="Courier New" panose="02070309020205020404" pitchFamily="49" charset="0"/>
+              <a:buChar char="o"/>
+            </a:pPr>
+            <a:r>
+              <a:rPr lang="en-US" dirty="0"/>
+              <a:t>SCT – Residence.</a:t>
+            </a:r>
+          </a:p>
+          <a:p>
+            <a:pPr marL="742950" lvl="1" indent="-285750">
+              <a:buFont typeface="Courier New" panose="02070309020205020404" pitchFamily="49" charset="0"/>
+              <a:buChar char="o"/>
+            </a:pPr>
+            <a:r>
+              <a:rPr lang="en-US" sz="1100" i="1" dirty="0">
+                <a:solidFill>
+                  <a:srgbClr val="333333"/>
+                </a:solidFill>
+                <a:latin typeface="Arial" panose="020B0604020202020204" pitchFamily="34" charset="0"/>
+              </a:rPr>
+              <a:t>The unlawful entry of a structure with the intent to commit an offence where the entry is either forced or unforced.</a:t>
+            </a:r>
+          </a:p>
+          <a:p>
+            <a:pPr marL="285750" indent="-285750">
+              <a:buFont typeface="Courier New" panose="02070309020205020404" pitchFamily="49" charset="0"/>
+              <a:buChar char="o"/>
+            </a:pPr>
+            <a:r>
+              <a:rPr lang="en-US" dirty="0"/>
+              <a:t>Theft/Illegal Use of MV</a:t>
+            </a:r>
+          </a:p>
+          <a:p>
+            <a:pPr marL="742950" lvl="1" indent="-285750">
+              <a:buFont typeface="Courier New" panose="02070309020205020404" pitchFamily="49" charset="0"/>
+              <a:buChar char="o"/>
+            </a:pPr>
+            <a:r>
+              <a:rPr lang="en-US" sz="1100" i="1" dirty="0">
+                <a:solidFill>
+                  <a:srgbClr val="333333"/>
+                </a:solidFill>
+                <a:latin typeface="Arial" panose="020B0604020202020204" pitchFamily="34" charset="0"/>
+              </a:rPr>
+              <a:t>The taking of another person's motor vehicle illegally and without permission with the intent of either temporarily or permanently depriving the owner or possessor of the use of the motor vehicle. The taking of another person's motor vehicle parts or its contents illegally, whether or not this also involves the taking of the motor vehicle.</a:t>
+            </a:r>
+            <a:endParaRPr lang="en-AU" sz="1100" i="1" dirty="0">
+              <a:solidFill>
+                <a:srgbClr val="333333"/>
+              </a:solidFill>
+              <a:latin typeface="Arial" panose="020B0604020202020204" pitchFamily="34" charset="0"/>
+            </a:endParaRPr>
+          </a:p>
+          <a:p>
+            <a:endParaRPr lang="en-US" dirty="0"/>
+          </a:p>
+          <a:p>
+            <a:r>
+              <a:rPr lang="en-US" dirty="0"/>
+              <a:t>Trying to eliminate petty crimes (e.g. graffiti)</a:t>
+            </a:r>
+          </a:p>
+          <a:p>
+            <a:r>
+              <a:rPr lang="en-US" dirty="0"/>
+              <a:t>Included SCT because we assumed it would only be counted once and the data would be accurate</a:t>
+            </a:r>
+          </a:p>
+          <a:p>
+            <a:endParaRPr lang="en-US" dirty="0"/>
+          </a:p>
+          <a:p>
+            <a:pPr>
+              <a:buFont typeface="Arial" panose="020B0604020202020204" pitchFamily="34" charset="0"/>
+              <a:buChar char="•"/>
+            </a:pPr>
+            <a:r>
+              <a:rPr lang="en-US" dirty="0">
+                <a:highlight>
+                  <a:srgbClr val="FFFF00"/>
+                </a:highlight>
+              </a:rPr>
+              <a:t>Describe the exploration and cleanup process</a:t>
+            </a:r>
+          </a:p>
+          <a:p>
+            <a:pPr>
+              <a:buFont typeface="Arial" panose="020B0604020202020204" pitchFamily="34" charset="0"/>
+              <a:buChar char="•"/>
+            </a:pPr>
+            <a:r>
+              <a:rPr lang="en-US" dirty="0"/>
+              <a:t>Crime data found in CSV by financial year, </a:t>
+            </a:r>
+            <a:r>
+              <a:rPr lang="en-US" dirty="0" err="1"/>
+              <a:t>concate</a:t>
+            </a:r>
+            <a:r>
+              <a:rPr lang="en-US" dirty="0"/>
+              <a:t> the data together for each year</a:t>
+            </a:r>
+          </a:p>
+          <a:p>
+            <a:pPr lvl="1">
+              <a:buSzPct val="80000"/>
+              <a:buFont typeface="Courier New" panose="02070309020205020404" pitchFamily="49" charset="0"/>
+              <a:buChar char="o"/>
+            </a:pPr>
+            <a:r>
+              <a:rPr lang="en-US" dirty="0"/>
+              <a:t>Trial and error throughout data process</a:t>
+            </a:r>
+          </a:p>
+          <a:p>
+            <a:pPr lvl="1">
+              <a:buSzPct val="80000"/>
+              <a:buFont typeface="Courier New" panose="02070309020205020404" pitchFamily="49" charset="0"/>
+              <a:buChar char="o"/>
+            </a:pPr>
+            <a:r>
+              <a:rPr lang="en-US" dirty="0"/>
+              <a:t>Binning the data</a:t>
+            </a:r>
+          </a:p>
+          <a:p>
+            <a:pPr>
+              <a:buFont typeface="Arial" panose="020B0604020202020204" pitchFamily="34" charset="0"/>
+              <a:buChar char="•"/>
+            </a:pPr>
+            <a:endParaRPr lang="en-US" dirty="0"/>
+          </a:p>
+          <a:p>
+            <a:pPr>
+              <a:buFont typeface="Arial" panose="020B0604020202020204" pitchFamily="34" charset="0"/>
+              <a:buChar char="•"/>
+            </a:pPr>
+            <a:r>
+              <a:rPr lang="en-US" dirty="0">
+                <a:highlight>
+                  <a:srgbClr val="FFFF00"/>
+                </a:highlight>
+              </a:rPr>
+              <a:t>Discuss insights you had while exploring the data that you didn't anticipate</a:t>
+            </a:r>
+          </a:p>
+          <a:p>
+            <a:pPr>
+              <a:buFont typeface="Arial" panose="020B0604020202020204" pitchFamily="34" charset="0"/>
+              <a:buChar char="•"/>
+            </a:pPr>
+            <a:r>
+              <a:rPr lang="en-US" dirty="0">
+                <a:highlight>
+                  <a:srgbClr val="FFFF00"/>
+                </a:highlight>
+              </a:rPr>
+              <a:t>Discuss any problems that arose after exploring the data, and how you resolved them</a:t>
+            </a:r>
+          </a:p>
+          <a:p>
+            <a:pPr>
+              <a:buFont typeface="Arial" panose="020B0604020202020204" pitchFamily="34" charset="0"/>
+              <a:buChar char="•"/>
+            </a:pPr>
+            <a:r>
+              <a:rPr lang="en-US" dirty="0">
+                <a:highlight>
+                  <a:srgbClr val="FFFF00"/>
+                </a:highlight>
+              </a:rPr>
+              <a:t>Present and discuss interesting figures developed during exploration, ideally with the help of </a:t>
+            </a:r>
+            <a:r>
+              <a:rPr lang="en-US" dirty="0" err="1">
+                <a:highlight>
+                  <a:srgbClr val="FFFF00"/>
+                </a:highlight>
+              </a:rPr>
+              <a:t>Jupyter</a:t>
+            </a:r>
+            <a:r>
+              <a:rPr lang="en-US" dirty="0">
+                <a:highlight>
+                  <a:srgbClr val="FFFF00"/>
+                </a:highlight>
+              </a:rPr>
+              <a:t> Notebook</a:t>
+            </a:r>
+          </a:p>
+          <a:p>
             <a:endParaRPr lang="en-US" dirty="0"/>
           </a:p>
         </p:txBody>
@@ -1225,7 +1685,7 @@
           <a:p>
             <a:fld id="{4F2AAB9E-B1B6-7347-AEB9-3DE8A4E8C48F}" type="slidenum">
               <a:rPr lang="en-US" smtClean="0"/>
-              <a:t>5</a:t>
+              <a:t>4</a:t>
             </a:fld>
             <a:endParaRPr lang="en-US"/>
           </a:p>
@@ -1234,7 +1694,7 @@
     </p:spTree>
     <p:extLst>
       <p:ext uri="{BB962C8B-B14F-4D97-AF65-F5344CB8AC3E}">
-        <p14:creationId xmlns:p14="http://schemas.microsoft.com/office/powerpoint/2010/main" val="428156339"/>
+        <p14:creationId xmlns:p14="http://schemas.microsoft.com/office/powerpoint/2010/main" val="3600383317"/>
       </p:ext>
     </p:extLst>
   </p:cSld>
@@ -1288,9 +1748,89 @@
           <a:bodyPr/>
           <a:lstStyle/>
           <a:p>
-            <a:r>
-              <a:rPr lang="en-US" dirty="0"/>
-              <a:t>Potentially just show one graph</a:t>
+            <a:pPr marL="0" marR="0" lvl="0" indent="0" algn="l" defTabSz="914400" rtl="0" eaLnBrk="1" fontAlgn="auto" latinLnBrk="0" hangingPunct="1">
+              <a:lnSpc>
+                <a:spcPct val="100000"/>
+              </a:lnSpc>
+              <a:spcBef>
+                <a:spcPts val="0"/>
+              </a:spcBef>
+              <a:spcAft>
+                <a:spcPts val="0"/>
+              </a:spcAft>
+              <a:buClrTx/>
+              <a:buSzTx/>
+              <a:buFontTx/>
+              <a:buNone/>
+              <a:tabLst/>
+              <a:defRPr/>
+            </a:pPr>
+            <a:r>
+              <a:rPr lang="en-US" dirty="0"/>
+              <a:t>One excel document per quarter, a lot of data to merge</a:t>
+            </a:r>
+          </a:p>
+          <a:p>
+            <a:pPr marL="0" marR="0" lvl="0" indent="0" algn="l" defTabSz="914400" rtl="0" eaLnBrk="1" fontAlgn="auto" latinLnBrk="0" hangingPunct="1">
+              <a:lnSpc>
+                <a:spcPct val="100000"/>
+              </a:lnSpc>
+              <a:spcBef>
+                <a:spcPts val="0"/>
+              </a:spcBef>
+              <a:spcAft>
+                <a:spcPts val="0"/>
+              </a:spcAft>
+              <a:buClrTx/>
+              <a:buSzTx/>
+              <a:buFontTx/>
+              <a:buNone/>
+              <a:tabLst/>
+              <a:defRPr/>
+            </a:pPr>
+            <a:r>
+              <a:rPr lang="en-US" dirty="0"/>
+              <a:t>Lots of </a:t>
+            </a:r>
+            <a:r>
+              <a:rPr lang="en-US" dirty="0" err="1"/>
+              <a:t>NaN</a:t>
+            </a:r>
+            <a:r>
+              <a:rPr lang="en-US" dirty="0"/>
+              <a:t> in the combining of the data due to quarterly data – Median</a:t>
+            </a:r>
+          </a:p>
+          <a:p>
+            <a:pPr marL="0" marR="0" lvl="0" indent="0" algn="l" defTabSz="914400" rtl="0" eaLnBrk="1" fontAlgn="auto" latinLnBrk="0" hangingPunct="1">
+              <a:lnSpc>
+                <a:spcPct val="100000"/>
+              </a:lnSpc>
+              <a:spcBef>
+                <a:spcPts val="0"/>
+              </a:spcBef>
+              <a:spcAft>
+                <a:spcPts val="0"/>
+              </a:spcAft>
+              <a:buClrTx/>
+              <a:buSzTx/>
+              <a:buFontTx/>
+              <a:buNone/>
+              <a:tabLst/>
+              <a:defRPr/>
+            </a:pPr>
+            <a:r>
+              <a:rPr lang="en-US" dirty="0"/>
+              <a:t>Finding the best way to merge data</a:t>
+            </a:r>
+          </a:p>
+          <a:p>
+            <a:endParaRPr lang="en-US" dirty="0"/>
+          </a:p>
+          <a:p>
+            <a:r>
+              <a:rPr lang="en-US" dirty="0"/>
+              <a:t>All Nan were dropped</a:t>
             </a:r>
           </a:p>
         </p:txBody>
@@ -1312,7 +1852,7 @@
           <a:p>
             <a:fld id="{4F2AAB9E-B1B6-7347-AEB9-3DE8A4E8C48F}" type="slidenum">
               <a:rPr lang="en-US" smtClean="0"/>
-              <a:t>10</a:t>
+              <a:t>5</a:t>
             </a:fld>
             <a:endParaRPr lang="en-US"/>
           </a:p>
@@ -1321,7 +1861,7 @@
     </p:spTree>
     <p:extLst>
       <p:ext uri="{BB962C8B-B14F-4D97-AF65-F5344CB8AC3E}">
-        <p14:creationId xmlns:p14="http://schemas.microsoft.com/office/powerpoint/2010/main" val="4246549080"/>
+        <p14:creationId xmlns:p14="http://schemas.microsoft.com/office/powerpoint/2010/main" val="428156339"/>
       </p:ext>
     </p:extLst>
   </p:cSld>
@@ -1375,7 +1915,87 @@
           <a:bodyPr/>
           <a:lstStyle/>
           <a:p>
-            <a:endParaRPr lang="en-US" dirty="0"/>
+            <a:r>
+              <a:rPr lang="en-AU" dirty="0"/>
+              <a:t>Adelaide (#1 for the whole time)</a:t>
+            </a:r>
+          </a:p>
+          <a:p>
+            <a:r>
+              <a:rPr lang="en-AU" dirty="0"/>
+              <a:t>Port Augusta (decrease over period)</a:t>
+            </a:r>
+          </a:p>
+          <a:p>
+            <a:r>
+              <a:rPr lang="en-AU" dirty="0"/>
+              <a:t>Morphett Vale (consistent)</a:t>
+            </a:r>
+          </a:p>
+          <a:p>
+            <a:r>
+              <a:rPr lang="en-AU" dirty="0"/>
+              <a:t>Mount Gambier (consistent)</a:t>
+            </a:r>
+          </a:p>
+          <a:p>
+            <a:r>
+              <a:rPr lang="en-AU" dirty="0"/>
+              <a:t>Port Lincoln (increased in last 2 years)</a:t>
+            </a:r>
+          </a:p>
+          <a:p>
+            <a:r>
+              <a:rPr lang="en-AU" dirty="0" err="1"/>
+              <a:t>Salsibury</a:t>
+            </a:r>
+            <a:r>
+              <a:rPr lang="en-AU" dirty="0"/>
+              <a:t> (consistent)</a:t>
+            </a:r>
+          </a:p>
+          <a:p>
+            <a:r>
+              <a:rPr lang="en-AU" dirty="0"/>
+              <a:t>Murray Bridge (decreased after three years at #3)</a:t>
+            </a:r>
+          </a:p>
+          <a:p>
+            <a:r>
+              <a:rPr lang="en-AU" dirty="0" err="1"/>
+              <a:t>Davoren</a:t>
+            </a:r>
+            <a:r>
+              <a:rPr lang="en-AU" dirty="0"/>
+              <a:t> Park (only in first three years)</a:t>
+            </a:r>
+          </a:p>
+          <a:p>
+            <a:r>
+              <a:rPr lang="en-AU" dirty="0"/>
+              <a:t>Mawson Lakes (consistent)</a:t>
+            </a:r>
+          </a:p>
+          <a:p>
+            <a:r>
+              <a:rPr lang="en-AU" dirty="0"/>
+              <a:t>Parafield Gardens (consistently low)</a:t>
+            </a:r>
+          </a:p>
+          <a:p>
+            <a:r>
+              <a:rPr lang="en-AU" dirty="0"/>
+              <a:t>Whyalla Norrie (only appears twice)</a:t>
+            </a:r>
+          </a:p>
+          <a:p>
+            <a:r>
+              <a:rPr lang="en-AU" dirty="0"/>
+              <a:t>Prospect (only appears once)</a:t>
+            </a:r>
+          </a:p>
+          <a:p>
+            <a:endParaRPr lang="en-AU" dirty="0"/>
           </a:p>
         </p:txBody>
       </p:sp>
@@ -1396,7 +2016,7 @@
           <a:p>
             <a:fld id="{4F2AAB9E-B1B6-7347-AEB9-3DE8A4E8C48F}" type="slidenum">
               <a:rPr lang="en-US" smtClean="0"/>
-              <a:t>11</a:t>
+              <a:t>6</a:t>
             </a:fld>
             <a:endParaRPr lang="en-US"/>
           </a:p>
@@ -1405,7 +2025,262 @@
     </p:spTree>
     <p:extLst>
       <p:ext uri="{BB962C8B-B14F-4D97-AF65-F5344CB8AC3E}">
-        <p14:creationId xmlns:p14="http://schemas.microsoft.com/office/powerpoint/2010/main" val="4063722880"/>
+        <p14:creationId xmlns:p14="http://schemas.microsoft.com/office/powerpoint/2010/main" val="888778711"/>
+      </p:ext>
+    </p:extLst>
+  </p:cSld>
+  <p:clrMapOvr>
+    <a:masterClrMapping/>
+  </p:clrMapOvr>
+</p:notes>
+</file>
+
+<file path=ppt/notesSlides/notesSlide7.xml><?xml version="1.0" encoding="utf-8"?>
+<p:notes xmlns:a="http://schemas.openxmlformats.org/drawingml/2006/main" xmlns:r="http://schemas.openxmlformats.org/officeDocument/2006/relationships" xmlns:p="http://schemas.openxmlformats.org/presentationml/2006/main">
+  <p:cSld>
+    <p:spTree>
+      <p:nvGrpSpPr>
+        <p:cNvPr id="1" name=""/>
+        <p:cNvGrpSpPr/>
+        <p:nvPr/>
+      </p:nvGrpSpPr>
+      <p:grpSpPr>
+        <a:xfrm>
+          <a:off x="0" y="0"/>
+          <a:ext cx="0" cy="0"/>
+          <a:chOff x="0" y="0"/>
+          <a:chExt cx="0" cy="0"/>
+        </a:xfrm>
+      </p:grpSpPr>
+      <p:sp>
+        <p:nvSpPr>
+          <p:cNvPr id="2" name="Slide Image Placeholder 1"/>
+          <p:cNvSpPr>
+            <a:spLocks noGrp="1" noRot="1" noChangeAspect="1"/>
+          </p:cNvSpPr>
+          <p:nvPr>
+            <p:ph type="sldImg"/>
+          </p:nvPr>
+        </p:nvSpPr>
+        <p:spPr/>
+      </p:sp>
+      <p:sp>
+        <p:nvSpPr>
+          <p:cNvPr id="3" name="Notes Placeholder 2"/>
+          <p:cNvSpPr>
+            <a:spLocks noGrp="1"/>
+          </p:cNvSpPr>
+          <p:nvPr>
+            <p:ph type="body" idx="1"/>
+          </p:nvPr>
+        </p:nvSpPr>
+        <p:spPr/>
+        <p:txBody>
+          <a:bodyPr/>
+          <a:lstStyle/>
+          <a:p>
+            <a:r>
+              <a:rPr lang="en-AU" dirty="0"/>
+              <a:t>No graph or bottom 10 as there are an excessive number of locations with just 1 crime for the period of time.  To be able to define a bottom 10 other variables would need to be considered</a:t>
+            </a:r>
+          </a:p>
+        </p:txBody>
+      </p:sp>
+      <p:sp>
+        <p:nvSpPr>
+          <p:cNvPr id="4" name="Slide Number Placeholder 3"/>
+          <p:cNvSpPr>
+            <a:spLocks noGrp="1"/>
+          </p:cNvSpPr>
+          <p:nvPr>
+            <p:ph type="sldNum" sz="quarter" idx="5"/>
+          </p:nvPr>
+        </p:nvSpPr>
+        <p:spPr/>
+        <p:txBody>
+          <a:bodyPr/>
+          <a:lstStyle/>
+          <a:p>
+            <a:fld id="{4F2AAB9E-B1B6-7347-AEB9-3DE8A4E8C48F}" type="slidenum">
+              <a:rPr lang="en-US" smtClean="0"/>
+              <a:t>7</a:t>
+            </a:fld>
+            <a:endParaRPr lang="en-US"/>
+          </a:p>
+        </p:txBody>
+      </p:sp>
+    </p:spTree>
+    <p:extLst>
+      <p:ext uri="{BB962C8B-B14F-4D97-AF65-F5344CB8AC3E}">
+        <p14:creationId xmlns:p14="http://schemas.microsoft.com/office/powerpoint/2010/main" val="2652640691"/>
+      </p:ext>
+    </p:extLst>
+  </p:cSld>
+  <p:clrMapOvr>
+    <a:masterClrMapping/>
+  </p:clrMapOvr>
+</p:notes>
+</file>
+
+<file path=ppt/notesSlides/notesSlide8.xml><?xml version="1.0" encoding="utf-8"?>
+<p:notes xmlns:a="http://schemas.openxmlformats.org/drawingml/2006/main" xmlns:r="http://schemas.openxmlformats.org/officeDocument/2006/relationships" xmlns:p="http://schemas.openxmlformats.org/presentationml/2006/main">
+  <p:cSld>
+    <p:spTree>
+      <p:nvGrpSpPr>
+        <p:cNvPr id="1" name=""/>
+        <p:cNvGrpSpPr/>
+        <p:nvPr/>
+      </p:nvGrpSpPr>
+      <p:grpSpPr>
+        <a:xfrm>
+          <a:off x="0" y="0"/>
+          <a:ext cx="0" cy="0"/>
+          <a:chOff x="0" y="0"/>
+          <a:chExt cx="0" cy="0"/>
+        </a:xfrm>
+      </p:grpSpPr>
+      <p:sp>
+        <p:nvSpPr>
+          <p:cNvPr id="2" name="Slide Image Placeholder 1"/>
+          <p:cNvSpPr>
+            <a:spLocks noGrp="1" noRot="1" noChangeAspect="1"/>
+          </p:cNvSpPr>
+          <p:nvPr>
+            <p:ph type="sldImg"/>
+          </p:nvPr>
+        </p:nvSpPr>
+        <p:spPr/>
+      </p:sp>
+      <p:sp>
+        <p:nvSpPr>
+          <p:cNvPr id="3" name="Notes Placeholder 2"/>
+          <p:cNvSpPr>
+            <a:spLocks noGrp="1"/>
+          </p:cNvSpPr>
+          <p:nvPr>
+            <p:ph type="body" idx="1"/>
+          </p:nvPr>
+        </p:nvSpPr>
+        <p:spPr/>
+        <p:txBody>
+          <a:bodyPr/>
+          <a:lstStyle/>
+          <a:p>
+            <a:endParaRPr lang="en-AU"/>
+          </a:p>
+        </p:txBody>
+      </p:sp>
+      <p:sp>
+        <p:nvSpPr>
+          <p:cNvPr id="4" name="Slide Number Placeholder 3"/>
+          <p:cNvSpPr>
+            <a:spLocks noGrp="1"/>
+          </p:cNvSpPr>
+          <p:nvPr>
+            <p:ph type="sldNum" sz="quarter" idx="5"/>
+          </p:nvPr>
+        </p:nvSpPr>
+        <p:spPr/>
+        <p:txBody>
+          <a:bodyPr/>
+          <a:lstStyle/>
+          <a:p>
+            <a:fld id="{4F2AAB9E-B1B6-7347-AEB9-3DE8A4E8C48F}" type="slidenum">
+              <a:rPr lang="en-US" smtClean="0"/>
+              <a:t>8</a:t>
+            </a:fld>
+            <a:endParaRPr lang="en-US"/>
+          </a:p>
+        </p:txBody>
+      </p:sp>
+    </p:spTree>
+    <p:extLst>
+      <p:ext uri="{BB962C8B-B14F-4D97-AF65-F5344CB8AC3E}">
+        <p14:creationId xmlns:p14="http://schemas.microsoft.com/office/powerpoint/2010/main" val="1074054908"/>
+      </p:ext>
+    </p:extLst>
+  </p:cSld>
+  <p:clrMapOvr>
+    <a:masterClrMapping/>
+  </p:clrMapOvr>
+</p:notes>
+</file>
+
+<file path=ppt/notesSlides/notesSlide9.xml><?xml version="1.0" encoding="utf-8"?>
+<p:notes xmlns:a="http://schemas.openxmlformats.org/drawingml/2006/main" xmlns:r="http://schemas.openxmlformats.org/officeDocument/2006/relationships" xmlns:p="http://schemas.openxmlformats.org/presentationml/2006/main">
+  <p:cSld>
+    <p:spTree>
+      <p:nvGrpSpPr>
+        <p:cNvPr id="1" name=""/>
+        <p:cNvGrpSpPr/>
+        <p:nvPr/>
+      </p:nvGrpSpPr>
+      <p:grpSpPr>
+        <a:xfrm>
+          <a:off x="0" y="0"/>
+          <a:ext cx="0" cy="0"/>
+          <a:chOff x="0" y="0"/>
+          <a:chExt cx="0" cy="0"/>
+        </a:xfrm>
+      </p:grpSpPr>
+      <p:sp>
+        <p:nvSpPr>
+          <p:cNvPr id="2" name="Slide Image Placeholder 1"/>
+          <p:cNvSpPr>
+            <a:spLocks noGrp="1" noRot="1" noChangeAspect="1"/>
+          </p:cNvSpPr>
+          <p:nvPr>
+            <p:ph type="sldImg"/>
+          </p:nvPr>
+        </p:nvSpPr>
+        <p:spPr/>
+      </p:sp>
+      <p:sp>
+        <p:nvSpPr>
+          <p:cNvPr id="3" name="Notes Placeholder 2"/>
+          <p:cNvSpPr>
+            <a:spLocks noGrp="1"/>
+          </p:cNvSpPr>
+          <p:nvPr>
+            <p:ph type="body" idx="1"/>
+          </p:nvPr>
+        </p:nvSpPr>
+        <p:spPr/>
+        <p:txBody>
+          <a:bodyPr/>
+          <a:lstStyle/>
+          <a:p>
+            <a:endParaRPr lang="en-AU"/>
+          </a:p>
+        </p:txBody>
+      </p:sp>
+      <p:sp>
+        <p:nvSpPr>
+          <p:cNvPr id="4" name="Slide Number Placeholder 3"/>
+          <p:cNvSpPr>
+            <a:spLocks noGrp="1"/>
+          </p:cNvSpPr>
+          <p:nvPr>
+            <p:ph type="sldNum" sz="quarter" idx="5"/>
+          </p:nvPr>
+        </p:nvSpPr>
+        <p:spPr/>
+        <p:txBody>
+          <a:bodyPr/>
+          <a:lstStyle/>
+          <a:p>
+            <a:fld id="{4F2AAB9E-B1B6-7347-AEB9-3DE8A4E8C48F}" type="slidenum">
+              <a:rPr lang="en-US" smtClean="0"/>
+              <a:t>9</a:t>
+            </a:fld>
+            <a:endParaRPr lang="en-US"/>
+          </a:p>
+        </p:txBody>
+      </p:sp>
+    </p:spTree>
+    <p:extLst>
+      <p:ext uri="{BB962C8B-B14F-4D97-AF65-F5344CB8AC3E}">
+        <p14:creationId xmlns:p14="http://schemas.microsoft.com/office/powerpoint/2010/main" val="3821414977"/>
       </p:ext>
     </p:extLst>
   </p:cSld>
@@ -1578,7 +2453,7 @@
           <a:p>
             <a:fld id="{FD85B985-76B1-472F-AE68-4120063CE451}" type="datetimeFigureOut">
               <a:rPr lang="en-AU" smtClean="0"/>
-              <a:t>3/2/21</a:t>
+              <a:t>3/02/2021</a:t>
             </a:fld>
             <a:endParaRPr lang="en-AU"/>
           </a:p>
@@ -1748,7 +2623,7 @@
           <a:p>
             <a:fld id="{FD85B985-76B1-472F-AE68-4120063CE451}" type="datetimeFigureOut">
               <a:rPr lang="en-AU" smtClean="0"/>
-              <a:t>3/2/21</a:t>
+              <a:t>3/02/2021</a:t>
             </a:fld>
             <a:endParaRPr lang="en-AU"/>
           </a:p>
@@ -1928,7 +2803,7 @@
           <a:p>
             <a:fld id="{FD85B985-76B1-472F-AE68-4120063CE451}" type="datetimeFigureOut">
               <a:rPr lang="en-AU" smtClean="0"/>
-              <a:t>3/2/21</a:t>
+              <a:t>3/02/2021</a:t>
             </a:fld>
             <a:endParaRPr lang="en-AU"/>
           </a:p>
@@ -2098,7 +2973,7 @@
           <a:p>
             <a:fld id="{FD85B985-76B1-472F-AE68-4120063CE451}" type="datetimeFigureOut">
               <a:rPr lang="en-AU" smtClean="0"/>
-              <a:t>3/2/21</a:t>
+              <a:t>3/02/2021</a:t>
             </a:fld>
             <a:endParaRPr lang="en-AU"/>
           </a:p>
@@ -2366,7 +3241,7 @@
           <a:p>
             <a:fld id="{FD85B985-76B1-472F-AE68-4120063CE451}" type="datetimeFigureOut">
               <a:rPr lang="en-AU" smtClean="0"/>
-              <a:t>3/2/21</a:t>
+              <a:t>3/02/2021</a:t>
             </a:fld>
             <a:endParaRPr lang="en-AU"/>
           </a:p>
@@ -2598,7 +3473,7 @@
           <a:p>
             <a:fld id="{FD85B985-76B1-472F-AE68-4120063CE451}" type="datetimeFigureOut">
               <a:rPr lang="en-AU" smtClean="0"/>
-              <a:t>3/2/21</a:t>
+              <a:t>3/02/2021</a:t>
             </a:fld>
             <a:endParaRPr lang="en-AU"/>
           </a:p>
@@ -2957,7 +3832,7 @@
           <a:p>
             <a:fld id="{FD85B985-76B1-472F-AE68-4120063CE451}" type="datetimeFigureOut">
               <a:rPr lang="en-AU" smtClean="0"/>
-              <a:t>3/2/21</a:t>
+              <a:t>3/02/2021</a:t>
             </a:fld>
             <a:endParaRPr lang="en-AU"/>
           </a:p>
@@ -3098,7 +3973,7 @@
           <a:p>
             <a:fld id="{FD85B985-76B1-472F-AE68-4120063CE451}" type="datetimeFigureOut">
               <a:rPr lang="en-AU" smtClean="0"/>
-              <a:t>3/2/21</a:t>
+              <a:t>3/02/2021</a:t>
             </a:fld>
             <a:endParaRPr lang="en-AU"/>
           </a:p>
@@ -3193,7 +4068,7 @@
           <a:p>
             <a:fld id="{FD85B985-76B1-472F-AE68-4120063CE451}" type="datetimeFigureOut">
               <a:rPr lang="en-AU" smtClean="0"/>
-              <a:t>3/2/21</a:t>
+              <a:t>3/02/2021</a:t>
             </a:fld>
             <a:endParaRPr lang="en-AU"/>
           </a:p>
@@ -3550,7 +4425,7 @@
           <a:p>
             <a:fld id="{FD85B985-76B1-472F-AE68-4120063CE451}" type="datetimeFigureOut">
               <a:rPr lang="en-AU" smtClean="0"/>
-              <a:t>3/2/21</a:t>
+              <a:t>3/02/2021</a:t>
             </a:fld>
             <a:endParaRPr lang="en-AU"/>
           </a:p>
@@ -3907,7 +4782,7 @@
           <a:p>
             <a:fld id="{FD85B985-76B1-472F-AE68-4120063CE451}" type="datetimeFigureOut">
               <a:rPr lang="en-AU" smtClean="0"/>
-              <a:t>3/2/21</a:t>
+              <a:t>3/02/2021</a:t>
             </a:fld>
             <a:endParaRPr lang="en-AU"/>
           </a:p>
@@ -4149,7 +5024,7 @@
           <a:p>
             <a:fld id="{FD85B985-76B1-472F-AE68-4120063CE451}" type="datetimeFigureOut">
               <a:rPr lang="en-AU" smtClean="0"/>
-              <a:t>3/2/21</a:t>
+              <a:t>3/02/2021</a:t>
             </a:fld>
             <a:endParaRPr lang="en-AU"/>
           </a:p>
@@ -4765,7 +5640,7 @@
           <a:lstStyle/>
           <a:p>
             <a:r>
-              <a:rPr lang="en-AU" sz="2900">
+              <a:rPr lang="en-AU" sz="2900" dirty="0">
                 <a:solidFill>
                   <a:schemeClr val="bg1"/>
                 </a:solidFill>
@@ -4773,14 +5648,14 @@
               <a:t>South Australian Crime Rate effect on median House Price</a:t>
             </a:r>
             <a:br>
-              <a:rPr lang="en-AU" sz="2900">
+              <a:rPr lang="en-AU" sz="2900" dirty="0">
                 <a:solidFill>
                   <a:schemeClr val="bg1"/>
                 </a:solidFill>
               </a:rPr>
             </a:br>
             <a:r>
-              <a:rPr lang="en-AU" sz="2900">
+              <a:rPr lang="en-AU" sz="2900" dirty="0">
                 <a:solidFill>
                   <a:schemeClr val="bg1"/>
                 </a:solidFill>
@@ -4893,7 +5768,7 @@
           <p:nvPr/>
         </p:nvPicPr>
         <p:blipFill rotWithShape="1">
-          <a:blip r:embed="rId2"/>
+          <a:blip r:embed="rId3"/>
           <a:srcRect r="19755" b="-2"/>
           <a:stretch/>
         </p:blipFill>
@@ -4922,7 +5797,7 @@
           <p:nvPr/>
         </p:nvPicPr>
         <p:blipFill rotWithShape="1">
-          <a:blip r:embed="rId3"/>
+          <a:blip r:embed="rId4"/>
           <a:srcRect t="951" r="-1" b="15320"/>
           <a:stretch/>
         </p:blipFill>
@@ -4951,7 +5826,7 @@
           <p:nvPr/>
         </p:nvPicPr>
         <p:blipFill rotWithShape="1">
-          <a:blip r:embed="rId4"/>
+          <a:blip r:embed="rId5"/>
           <a:srcRect t="1053" r="1" b="13166"/>
           <a:stretch/>
         </p:blipFill>
@@ -5058,9 +5933,16 @@
             <p:ph idx="1"/>
           </p:nvPr>
         </p:nvSpPr>
-        <p:spPr/>
-        <p:txBody>
-          <a:bodyPr/>
+        <p:spPr>
+          <a:xfrm>
+            <a:off x="6704814" y="2538099"/>
+            <a:ext cx="3786205" cy="3101983"/>
+          </a:xfrm>
+        </p:spPr>
+        <p:txBody>
+          <a:bodyPr>
+            <a:normAutofit/>
+          </a:bodyPr>
           <a:lstStyle/>
           <a:p>
             <a:r>
@@ -5069,7 +5951,7 @@
                   <a:srgbClr val="FF0000"/>
                 </a:solidFill>
               </a:rPr>
-              <a:t>Insert graphs and r squared value</a:t>
+              <a:t>Needs R value</a:t>
             </a:r>
           </a:p>
           <a:p>
@@ -5116,6 +5998,42 @@
           </a:p>
         </p:txBody>
       </p:sp>
+      <p:pic>
+        <p:nvPicPr>
+          <p:cNvPr id="5" name="Picture 4" descr="Chart, scatter chart&#10;&#10;Description automatically generated">
+            <a:extLst>
+              <a:ext uri="{FF2B5EF4-FFF2-40B4-BE49-F238E27FC236}">
+                <a16:creationId xmlns:a16="http://schemas.microsoft.com/office/drawing/2014/main" id="{67B22262-E777-4832-9E80-5CA67DA90716}"/>
+              </a:ext>
+            </a:extLst>
+          </p:cNvPr>
+          <p:cNvPicPr>
+            <a:picLocks noChangeAspect="1"/>
+          </p:cNvPicPr>
+          <p:nvPr/>
+        </p:nvPicPr>
+        <p:blipFill>
+          <a:blip r:embed="rId3">
+            <a:extLst>
+              <a:ext uri="{28A0092B-C50C-407E-A947-70E740481C1C}">
+                <a14:useLocalDpi xmlns:a14="http://schemas.microsoft.com/office/drawing/2010/main" val="0"/>
+              </a:ext>
+            </a:extLst>
+          </a:blip>
+          <a:stretch>
+            <a:fillRect/>
+          </a:stretch>
+        </p:blipFill>
+        <p:spPr>
+          <a:xfrm>
+            <a:off x="1523559" y="2687181"/>
+            <a:ext cx="3963628" cy="2661567"/>
+          </a:xfrm>
+          <a:prstGeom prst="rect">
+            <a:avLst/>
+          </a:prstGeom>
+        </p:spPr>
+      </p:pic>
     </p:spTree>
     <p:extLst>
       <p:ext uri="{BB962C8B-B14F-4D97-AF65-F5344CB8AC3E}">
@@ -5873,13 +6791,13 @@
         </p:nvSpPr>
         <p:spPr>
           <a:xfrm>
-            <a:off x="2231136" y="2638044"/>
-            <a:ext cx="5922264" cy="3101983"/>
+            <a:off x="2231136" y="2413262"/>
+            <a:ext cx="5922264" cy="3480046"/>
           </a:xfrm>
         </p:spPr>
         <p:txBody>
           <a:bodyPr>
-            <a:normAutofit fontScale="77500" lnSpcReduction="20000"/>
+            <a:normAutofit fontScale="62500" lnSpcReduction="20000"/>
           </a:bodyPr>
           <a:lstStyle/>
           <a:p>
@@ -5901,8 +6819,32 @@
             </a:pPr>
             <a:r>
               <a:rPr lang="en-US" dirty="0"/>
-              <a:t>Crime rates will be higher for suburbs with lower median property prices and Crime rates will be lower for suburbs with higher median property prices.</a:t>
-            </a:r>
+              <a:t>Rates of Crime against property directly effects median house price</a:t>
+            </a:r>
+          </a:p>
+          <a:p>
+            <a:pPr marL="0" indent="0">
+              <a:buNone/>
+            </a:pPr>
+            <a:r>
+              <a:rPr lang="en-US" dirty="0"/>
+              <a:t>Crime rates will be higher for suburbs with lower median property prices</a:t>
+            </a:r>
+          </a:p>
+          <a:p>
+            <a:pPr marL="0" indent="0">
+              <a:buNone/>
+            </a:pPr>
+            <a:r>
+              <a:rPr lang="en-US" dirty="0"/>
+              <a:t>Crime rates will be lower for suburbs with higher median property prices</a:t>
+            </a:r>
+          </a:p>
+          <a:p>
+            <a:pPr marL="0" indent="0">
+              <a:buNone/>
+            </a:pPr>
+            <a:endParaRPr lang="en-US" dirty="0"/>
           </a:p>
           <a:p>
             <a:pPr marL="0" indent="0">
@@ -6146,39 +7088,6 @@
               </a:rPr>
               <a:t>https://data.sa.gov.au/data/dataset/metro-median-house-sales</a:t>
             </a:r>
-            <a:r>
-              <a:rPr lang="en-US" dirty="0"/>
-              <a:t>  </a:t>
-            </a:r>
-            <a:r>
-              <a:rPr lang="en-US" dirty="0">
-                <a:solidFill>
-                  <a:srgbClr val="FF0000"/>
-                </a:solidFill>
-              </a:rPr>
-              <a:t>(Miki to confirm </a:t>
-            </a:r>
-            <a:r>
-              <a:rPr lang="en-US" dirty="0" err="1">
-                <a:solidFill>
-                  <a:srgbClr val="FF0000"/>
-                </a:solidFill>
-              </a:rPr>
-              <a:t>url</a:t>
-            </a:r>
-            <a:r>
-              <a:rPr lang="en-US" dirty="0">
-                <a:solidFill>
-                  <a:srgbClr val="FF0000"/>
-                </a:solidFill>
-              </a:rPr>
-              <a:t> and source is correct)</a:t>
-            </a:r>
-          </a:p>
-          <a:p>
-            <a:pPr marL="0" indent="0">
-              <a:buNone/>
-            </a:pPr>
             <a:endParaRPr lang="en-US" dirty="0">
               <a:solidFill>
                 <a:srgbClr val="FF0000"/>
@@ -6243,7 +7152,14 @@
           <a:p>
             <a:r>
               <a:rPr lang="en-US" dirty="0"/>
-              <a:t>DATA SOURCE DEFINITIONS – CRIME DATA</a:t>
+              <a:t>DATA SOURCE DEFINITIONS – </a:t>
+            </a:r>
+            <a:br>
+              <a:rPr lang="en-US" dirty="0"/>
+            </a:br>
+            <a:r>
+              <a:rPr lang="en-US" dirty="0"/>
+              <a:t>CRIME DATA</a:t>
             </a:r>
           </a:p>
         </p:txBody>
@@ -6264,10 +7180,15 @@
             <p:ph idx="1"/>
           </p:nvPr>
         </p:nvSpPr>
-        <p:spPr/>
+        <p:spPr>
+          <a:xfrm>
+            <a:off x="1056289" y="2638044"/>
+            <a:ext cx="10100441" cy="4219956"/>
+          </a:xfrm>
+        </p:spPr>
         <p:txBody>
           <a:bodyPr>
-            <a:normAutofit fontScale="92500" lnSpcReduction="20000"/>
+            <a:normAutofit/>
           </a:bodyPr>
           <a:lstStyle/>
           <a:p>
@@ -6297,84 +7218,54 @@
             </a:r>
           </a:p>
           <a:p>
-            <a:pPr lvl="1"/>
-            <a:r>
-              <a:rPr lang="en-US" dirty="0" err="1">
-                <a:solidFill>
-                  <a:srgbClr val="FF0000"/>
-                </a:solidFill>
-              </a:rPr>
-              <a:t>Xx</a:t>
-            </a:r>
-            <a:endParaRPr lang="en-US" dirty="0">
-              <a:solidFill>
-                <a:srgbClr val="FF0000"/>
-              </a:solidFill>
-            </a:endParaRPr>
-          </a:p>
-          <a:p>
-            <a:pPr lvl="1"/>
-            <a:r>
-              <a:rPr lang="en-US" dirty="0" err="1">
-                <a:solidFill>
-                  <a:srgbClr val="FF0000"/>
-                </a:solidFill>
-              </a:rPr>
-              <a:t>Xx</a:t>
-            </a:r>
-            <a:endParaRPr lang="en-US" dirty="0">
-              <a:solidFill>
-                <a:srgbClr val="FF0000"/>
-              </a:solidFill>
-            </a:endParaRPr>
-          </a:p>
-          <a:p>
-            <a:pPr lvl="1"/>
-            <a:r>
-              <a:rPr lang="en-US" dirty="0" err="1">
-                <a:solidFill>
-                  <a:srgbClr val="FF0000"/>
-                </a:solidFill>
-              </a:rPr>
-              <a:t>Xx</a:t>
-            </a:r>
-            <a:endParaRPr lang="en-US" dirty="0">
-              <a:solidFill>
-                <a:srgbClr val="FF0000"/>
-              </a:solidFill>
-            </a:endParaRPr>
-          </a:p>
-          <a:p>
-            <a:pPr lvl="1"/>
-            <a:r>
-              <a:rPr lang="en-US" dirty="0" err="1">
-                <a:solidFill>
-                  <a:srgbClr val="FF0000"/>
-                </a:solidFill>
-              </a:rPr>
-              <a:t>Xx</a:t>
-            </a:r>
-            <a:endParaRPr lang="en-US" dirty="0">
-              <a:solidFill>
-                <a:srgbClr val="FF0000"/>
-              </a:solidFill>
-            </a:endParaRPr>
-          </a:p>
-          <a:p>
-            <a:pPr lvl="1"/>
-            <a:r>
-              <a:rPr lang="en-US" dirty="0" err="1">
-                <a:solidFill>
-                  <a:srgbClr val="FF0000"/>
-                </a:solidFill>
-              </a:rPr>
-              <a:t>Xx</a:t>
-            </a:r>
-            <a:endParaRPr lang="en-US" dirty="0">
-              <a:solidFill>
-                <a:srgbClr val="FF0000"/>
-              </a:solidFill>
-            </a:endParaRPr>
+            <a:pPr marL="514350" lvl="1" indent="-285750">
+              <a:buFont typeface="Courier New" panose="02070309020205020404" pitchFamily="49" charset="0"/>
+              <a:buChar char="o"/>
+            </a:pPr>
+            <a:r>
+              <a:rPr lang="en-US" dirty="0"/>
+              <a:t>Other theft : Description: Theft except motor vehicles</a:t>
+            </a:r>
+          </a:p>
+          <a:p>
+            <a:pPr marL="514350" lvl="1" indent="-285750">
+              <a:buFont typeface="Courier New" panose="02070309020205020404" pitchFamily="49" charset="0"/>
+              <a:buChar char="o"/>
+            </a:pPr>
+            <a:r>
+              <a:rPr lang="en-US" dirty="0"/>
+              <a:t>Other property damage and environmental</a:t>
+            </a:r>
+          </a:p>
+          <a:p>
+            <a:pPr marL="514350" lvl="1" indent="-285750">
+              <a:buFont typeface="Courier New" panose="02070309020205020404" pitchFamily="49" charset="0"/>
+              <a:buChar char="o"/>
+            </a:pPr>
+            <a:r>
+              <a:rPr lang="en-US" dirty="0"/>
+              <a:t>Theft from motor vehicle</a:t>
+            </a:r>
+          </a:p>
+          <a:p>
+            <a:pPr marL="514350" lvl="1" indent="-285750">
+              <a:buFont typeface="Courier New" panose="02070309020205020404" pitchFamily="49" charset="0"/>
+              <a:buChar char="o"/>
+            </a:pPr>
+            <a:r>
+              <a:rPr lang="en-US" dirty="0"/>
+              <a:t>SCT – Residence.</a:t>
+            </a:r>
+          </a:p>
+          <a:p>
+            <a:pPr marL="514350" lvl="1" indent="-285750">
+              <a:buFont typeface="Courier New" panose="02070309020205020404" pitchFamily="49" charset="0"/>
+              <a:buChar char="o"/>
+            </a:pPr>
+            <a:r>
+              <a:rPr lang="en-US" dirty="0"/>
+              <a:t>Theft/Illegal Use of MV</a:t>
+            </a:r>
           </a:p>
           <a:p>
             <a:r>
@@ -6389,18 +7280,9 @@
           <a:p>
             <a:pPr lvl="1"/>
             <a:r>
-              <a:rPr lang="en-US" dirty="0">
-                <a:solidFill>
-                  <a:srgbClr val="FF0000"/>
-                </a:solidFill>
-              </a:rPr>
-              <a:t>Property related</a:t>
-            </a:r>
-            <a:endParaRPr lang="en-US" dirty="0">
-              <a:solidFill>
-                <a:schemeClr val="tx1"/>
-              </a:solidFill>
-            </a:endParaRPr>
+              <a:rPr lang="en-AU" dirty="0"/>
+              <a:t>Most related to the hypothesis, directly effecting house price.  Categories overlooked we more related to commercial property and petty crime</a:t>
+            </a:r>
           </a:p>
         </p:txBody>
       </p:sp>
@@ -6478,7 +7360,12 @@
             <p:ph idx="1"/>
           </p:nvPr>
         </p:nvSpPr>
-        <p:spPr/>
+        <p:spPr>
+          <a:xfrm>
+            <a:off x="2231135" y="2638044"/>
+            <a:ext cx="8161561" cy="3101983"/>
+          </a:xfrm>
+        </p:spPr>
         <p:txBody>
           <a:bodyPr>
             <a:normAutofit/>
@@ -6488,7 +7375,7 @@
             <a:r>
               <a:rPr lang="en-US" dirty="0">
                 <a:solidFill>
-                  <a:srgbClr val="FF0000"/>
+                  <a:schemeClr val="tx1"/>
                 </a:solidFill>
               </a:rPr>
               <a:t>For the project analysis,  raw data in excel was imported into a </a:t>
@@ -6496,7 +7383,7 @@
             <a:r>
               <a:rPr lang="en-US" dirty="0" err="1">
                 <a:solidFill>
-                  <a:srgbClr val="FF0000"/>
+                  <a:schemeClr val="tx1"/>
                 </a:solidFill>
               </a:rPr>
               <a:t>Jupyter</a:t>
@@ -6504,7 +7391,7 @@
             <a:r>
               <a:rPr lang="en-US" dirty="0">
                 <a:solidFill>
-                  <a:srgbClr val="FF0000"/>
+                  <a:schemeClr val="tx1"/>
                 </a:solidFill>
               </a:rPr>
               <a:t> Notebook for the creation of property-related Panda </a:t>
@@ -6512,7 +7399,7 @@
             <a:r>
               <a:rPr lang="en-US" dirty="0" err="1">
                 <a:solidFill>
-                  <a:srgbClr val="FF0000"/>
+                  <a:schemeClr val="tx1"/>
                 </a:solidFill>
               </a:rPr>
               <a:t>DataFrames</a:t>
@@ -6520,7 +7407,7 @@
             <a:r>
               <a:rPr lang="en-US" dirty="0">
                 <a:solidFill>
-                  <a:srgbClr val="FF0000"/>
+                  <a:schemeClr val="tx1"/>
                 </a:solidFill>
               </a:rPr>
               <a:t>. </a:t>
@@ -6531,7 +7418,7 @@
             <a:r>
               <a:rPr lang="en-US" dirty="0">
                 <a:solidFill>
-                  <a:srgbClr val="FF0000"/>
+                  <a:schemeClr val="tx1"/>
                 </a:solidFill>
               </a:rPr>
               <a:t>The median price of the raw data is available for each quarter (for the past five financial years)</a:t>
@@ -6542,7 +7429,7 @@
             <a:r>
               <a:rPr lang="en-US" dirty="0">
                 <a:solidFill>
-                  <a:srgbClr val="FF0000"/>
+                  <a:schemeClr val="tx1"/>
                 </a:solidFill>
               </a:rPr>
               <a:t>In order to determine if there is a correlation between crime counts and property prices,  one property price value was used for each financial year. This was was the mean of the four quarterly prices of each financial year</a:t>
@@ -6553,7 +7440,7 @@
             <a:r>
               <a:rPr lang="en-US" dirty="0">
                 <a:solidFill>
-                  <a:srgbClr val="FF0000"/>
+                  <a:schemeClr val="tx1"/>
                 </a:solidFill>
               </a:rPr>
               <a:t>The city and suburbs were provided for each property sale. Only the suburb column was used to merge between the crime </a:t>
@@ -6561,7 +7448,7 @@
             <a:r>
               <a:rPr lang="en-US" dirty="0" err="1">
                 <a:solidFill>
-                  <a:srgbClr val="FF0000"/>
+                  <a:schemeClr val="tx1"/>
                 </a:solidFill>
               </a:rPr>
               <a:t>DataFrame</a:t>
@@ -6569,7 +7456,7 @@
             <a:r>
               <a:rPr lang="en-US" dirty="0">
                 <a:solidFill>
-                  <a:srgbClr val="FF0000"/>
+                  <a:schemeClr val="tx1"/>
                 </a:solidFill>
               </a:rPr>
               <a:t> and the property price </a:t>
@@ -6577,14 +7464,14 @@
             <a:r>
               <a:rPr lang="en-US" dirty="0" err="1">
                 <a:solidFill>
-                  <a:srgbClr val="FF0000"/>
+                  <a:schemeClr val="tx1"/>
                 </a:solidFill>
               </a:rPr>
               <a:t>DataFrame</a:t>
             </a:r>
             <a:endParaRPr lang="en-US" dirty="0">
               <a:solidFill>
-                <a:srgbClr val="FF0000"/>
+                <a:schemeClr val="tx1"/>
               </a:solidFill>
             </a:endParaRPr>
           </a:p>
@@ -6681,36 +7568,185 @@
             <p:ph idx="1"/>
           </p:nvPr>
         </p:nvSpPr>
-        <p:spPr/>
-        <p:txBody>
-          <a:bodyPr/>
-          <a:lstStyle/>
-          <a:p>
-            <a:r>
-              <a:rPr lang="en-AU" dirty="0">
-                <a:solidFill>
-                  <a:srgbClr val="FF0000"/>
-                </a:solidFill>
-              </a:rPr>
-              <a:t>Insert graphs</a:t>
-            </a:r>
-          </a:p>
-          <a:p>
-            <a:r>
-              <a:rPr lang="en-AU" dirty="0">
-                <a:solidFill>
-                  <a:srgbClr val="FF0000"/>
-                </a:solidFill>
-              </a:rPr>
-              <a:t>Insert insights – list suburbs that are in the top 10 over the past five financial years. Check if these suburbs are the lowest 10 median property price</a:t>
-            </a:r>
-          </a:p>
+        <p:spPr>
+          <a:xfrm>
+            <a:off x="7192528" y="2598714"/>
+            <a:ext cx="3451909" cy="3101983"/>
+          </a:xfrm>
+        </p:spPr>
+        <p:txBody>
+          <a:bodyPr>
+            <a:normAutofit/>
+          </a:bodyPr>
+          <a:lstStyle/>
           <a:p>
             <a:endParaRPr lang="en-AU" dirty="0">
               <a:solidFill>
                 <a:srgbClr val="FF0000"/>
               </a:solidFill>
             </a:endParaRPr>
+          </a:p>
+          <a:p>
+            <a:pPr marL="0" indent="0">
+              <a:buNone/>
+            </a:pPr>
+            <a:endParaRPr lang="en-AU" dirty="0">
+              <a:solidFill>
+                <a:srgbClr val="FF0000"/>
+              </a:solidFill>
+            </a:endParaRPr>
+          </a:p>
+          <a:p>
+            <a:endParaRPr lang="en-AU" dirty="0">
+              <a:solidFill>
+                <a:srgbClr val="FF0000"/>
+              </a:solidFill>
+            </a:endParaRPr>
+          </a:p>
+        </p:txBody>
+      </p:sp>
+      <p:pic>
+        <p:nvPicPr>
+          <p:cNvPr id="5" name="Picture 4" descr="Chart, bar chart&#10;&#10;Description automatically generated">
+            <a:extLst>
+              <a:ext uri="{FF2B5EF4-FFF2-40B4-BE49-F238E27FC236}">
+                <a16:creationId xmlns:a16="http://schemas.microsoft.com/office/drawing/2014/main" id="{4FDAE468-B883-40FF-88D3-6AC1E9445807}"/>
+              </a:ext>
+            </a:extLst>
+          </p:cNvPr>
+          <p:cNvPicPr>
+            <a:picLocks noChangeAspect="1"/>
+          </p:cNvPicPr>
+          <p:nvPr/>
+        </p:nvPicPr>
+        <p:blipFill>
+          <a:blip r:embed="rId3">
+            <a:extLst>
+              <a:ext uri="{28A0092B-C50C-407E-A947-70E740481C1C}">
+                <a14:useLocalDpi xmlns:a14="http://schemas.microsoft.com/office/drawing/2010/main" val="0"/>
+              </a:ext>
+            </a:extLst>
+          </a:blip>
+          <a:stretch>
+            <a:fillRect/>
+          </a:stretch>
+        </p:blipFill>
+        <p:spPr>
+          <a:xfrm>
+            <a:off x="2015273" y="3005445"/>
+            <a:ext cx="4387706" cy="2288522"/>
+          </a:xfrm>
+          <a:prstGeom prst="rect">
+            <a:avLst/>
+          </a:prstGeom>
+        </p:spPr>
+      </p:pic>
+      <p:sp>
+        <p:nvSpPr>
+          <p:cNvPr id="9" name="TextBox 8">
+            <a:extLst>
+              <a:ext uri="{FF2B5EF4-FFF2-40B4-BE49-F238E27FC236}">
+                <a16:creationId xmlns:a16="http://schemas.microsoft.com/office/drawing/2014/main" id="{4848C587-EE55-458E-BEF6-0ABE7C5F9659}"/>
+              </a:ext>
+            </a:extLst>
+          </p:cNvPr>
+          <p:cNvSpPr txBox="1"/>
+          <p:nvPr/>
+        </p:nvSpPr>
+        <p:spPr>
+          <a:xfrm>
+            <a:off x="7714895" y="2598715"/>
+            <a:ext cx="2245969" cy="3416320"/>
+          </a:xfrm>
+          <a:prstGeom prst="rect">
+            <a:avLst/>
+          </a:prstGeom>
+          <a:noFill/>
+        </p:spPr>
+        <p:txBody>
+          <a:bodyPr wrap="square">
+            <a:spAutoFit/>
+          </a:bodyPr>
+          <a:lstStyle/>
+          <a:p>
+            <a:r>
+              <a:rPr lang="en-AU" dirty="0"/>
+              <a:t>Adelaide </a:t>
+            </a:r>
+          </a:p>
+          <a:p>
+            <a:r>
+              <a:rPr lang="en-AU" dirty="0"/>
+              <a:t>Port Augusta </a:t>
+            </a:r>
+          </a:p>
+          <a:p>
+            <a:r>
+              <a:rPr lang="en-AU" dirty="0"/>
+              <a:t>Morphett Vale</a:t>
+            </a:r>
+          </a:p>
+          <a:p>
+            <a:r>
+              <a:rPr lang="en-AU" dirty="0"/>
+              <a:t>Mount Gambier </a:t>
+            </a:r>
+          </a:p>
+          <a:p>
+            <a:r>
+              <a:rPr lang="en-AU" dirty="0"/>
+              <a:t>Port Lincoln </a:t>
+            </a:r>
+          </a:p>
+          <a:p>
+            <a:r>
+              <a:rPr lang="en-AU" dirty="0" err="1"/>
+              <a:t>Salsibury</a:t>
+            </a:r>
+            <a:r>
+              <a:rPr lang="en-AU" dirty="0"/>
+              <a:t> </a:t>
+            </a:r>
+          </a:p>
+          <a:p>
+            <a:r>
+              <a:rPr lang="en-AU" dirty="0"/>
+              <a:t>Murray Bridge </a:t>
+            </a:r>
+          </a:p>
+          <a:p>
+            <a:r>
+              <a:rPr lang="en-AU" dirty="0" err="1"/>
+              <a:t>Davoren</a:t>
+            </a:r>
+            <a:r>
+              <a:rPr lang="en-AU" dirty="0"/>
+              <a:t> Park </a:t>
+            </a:r>
+          </a:p>
+          <a:p>
+            <a:r>
+              <a:rPr lang="en-AU" dirty="0"/>
+              <a:t>Mawson Lakes </a:t>
+            </a:r>
+          </a:p>
+          <a:p>
+            <a:r>
+              <a:rPr lang="en-AU" dirty="0"/>
+              <a:t>Parafield Gardens </a:t>
+            </a:r>
+          </a:p>
+          <a:p>
+            <a:r>
+              <a:rPr lang="en-AU" dirty="0"/>
+              <a:t>Whyalla Norrie </a:t>
+            </a:r>
+          </a:p>
+          <a:p>
+            <a:r>
+              <a:rPr lang="en-AU" dirty="0"/>
+              <a:t>Prospect</a:t>
+            </a:r>
           </a:p>
         </p:txBody>
       </p:sp>
@@ -6811,12 +7847,8 @@
           <a:lstStyle/>
           <a:p>
             <a:r>
-              <a:rPr lang="en-AU" dirty="0">
-                <a:solidFill>
-                  <a:srgbClr val="FF0000"/>
-                </a:solidFill>
-              </a:rPr>
-              <a:t>Insert graphs</a:t>
+              <a:rPr lang="en-AU" dirty="0"/>
+              <a:t>No graph or bottom 10 as there are an excessive number of locations with just 1 crime for the period of time.  To be able to define a bottom 10 other variables would need to be considered</a:t>
             </a:r>
           </a:p>
           <a:p>

--- a/Project 1 Presentation.pptx
+++ b/Project 1 Presentation.pptx
@@ -5,7 +5,7 @@
     <p:sldMasterId id="2147483713" r:id="rId1"/>
   </p:sldMasterIdLst>
   <p:notesMasterIdLst>
-    <p:notesMasterId r:id="rId16"/>
+    <p:notesMasterId r:id="rId22"/>
   </p:notesMasterIdLst>
   <p:sldIdLst>
     <p:sldId id="256" r:id="rId2"/>
@@ -14,14 +14,20 @@
     <p:sldId id="266" r:id="rId5"/>
     <p:sldId id="267" r:id="rId6"/>
     <p:sldId id="260" r:id="rId7"/>
-    <p:sldId id="268" r:id="rId8"/>
-    <p:sldId id="270" r:id="rId9"/>
-    <p:sldId id="269" r:id="rId10"/>
-    <p:sldId id="271" r:id="rId11"/>
-    <p:sldId id="262" r:id="rId12"/>
-    <p:sldId id="263" r:id="rId13"/>
-    <p:sldId id="264" r:id="rId14"/>
-    <p:sldId id="265" r:id="rId15"/>
+    <p:sldId id="272" r:id="rId8"/>
+    <p:sldId id="273" r:id="rId9"/>
+    <p:sldId id="268" r:id="rId10"/>
+    <p:sldId id="270" r:id="rId11"/>
+    <p:sldId id="274" r:id="rId12"/>
+    <p:sldId id="275" r:id="rId13"/>
+    <p:sldId id="269" r:id="rId14"/>
+    <p:sldId id="276" r:id="rId15"/>
+    <p:sldId id="277" r:id="rId16"/>
+    <p:sldId id="271" r:id="rId17"/>
+    <p:sldId id="262" r:id="rId18"/>
+    <p:sldId id="263" r:id="rId19"/>
+    <p:sldId id="264" r:id="rId20"/>
+    <p:sldId id="265" r:id="rId21"/>
   </p:sldIdLst>
   <p:sldSz cx="12192000" cy="6858000"/>
   <p:notesSz cx="6858000" cy="9144000"/>
@@ -124,6 +130,9 @@
     <p:ext uri="{EFAFB233-063F-42B5-8137-9DF3F51BA10A}">
       <p15:sldGuideLst xmlns:p15="http://schemas.microsoft.com/office/powerpoint/2012/main"/>
     </p:ext>
+    <p:ext uri="{2D200454-40CA-4A62-9FC3-DE9A4176ACB9}">
+      <p15:notesGuideLst xmlns:p15="http://schemas.microsoft.com/office/powerpoint/2012/main"/>
+    </p:ext>
   </p:extLst>
 </p:presentation>
 </file>
@@ -210,7 +219,7 @@
           <a:p>
             <a:fld id="{2429B6F7-E88D-5542-86AE-E68B90A8D5D5}" type="datetimeFigureOut">
               <a:rPr lang="en-US" smtClean="0"/>
-              <a:t>2/3/2021</a:t>
+              <a:t>2/4/2021</a:t>
             </a:fld>
             <a:endParaRPr lang="en-US"/>
           </a:p>
@@ -607,23 +616,26 @@
           <a:lstStyle/>
           <a:p>
             <a:r>
-              <a:rPr lang="en-US" dirty="0"/>
-              <a:t>Potentially just show one graph</a:t>
-            </a:r>
-          </a:p>
-          <a:p>
-            <a:endParaRPr lang="en-US" dirty="0"/>
-          </a:p>
-          <a:p>
-            <a:r>
-              <a:rPr lang="en-US" dirty="0"/>
-              <a:t>Weak correlation due to out data cleaning process of dropping all </a:t>
-            </a:r>
-            <a:r>
-              <a:rPr lang="en-US" dirty="0" err="1"/>
-              <a:t>NaN</a:t>
-            </a:r>
-            <a:endParaRPr lang="en-US" dirty="0"/>
+              <a:rPr lang="en-AU" dirty="0">
+                <a:solidFill>
+                  <a:srgbClr val="FF0000"/>
+                </a:solidFill>
+              </a:rPr>
+              <a:t>Insert graphs</a:t>
+            </a:r>
+          </a:p>
+          <a:p>
+            <a:r>
+              <a:rPr lang="en-AU" dirty="0">
+                <a:solidFill>
+                  <a:srgbClr val="FF0000"/>
+                </a:solidFill>
+              </a:rPr>
+              <a:t>Insert insights – list suburbs that are in the bottom 10 over the past five financial years.</a:t>
+            </a:r>
+          </a:p>
+          <a:p>
+            <a:endParaRPr lang="en-AU" dirty="0"/>
           </a:p>
         </p:txBody>
       </p:sp>
@@ -644,7 +656,7 @@
           <a:p>
             <a:fld id="{4F2AAB9E-B1B6-7347-AEB9-3DE8A4E8C48F}" type="slidenum">
               <a:rPr lang="en-US" smtClean="0"/>
-              <a:t>10</a:t>
+              <a:t>13</a:t>
             </a:fld>
             <a:endParaRPr lang="en-US"/>
           </a:p>
@@ -653,7 +665,7 @@
     </p:spTree>
     <p:extLst>
       <p:ext uri="{BB962C8B-B14F-4D97-AF65-F5344CB8AC3E}">
-        <p14:creationId xmlns:p14="http://schemas.microsoft.com/office/powerpoint/2010/main" val="4246549080"/>
+        <p14:creationId xmlns:p14="http://schemas.microsoft.com/office/powerpoint/2010/main" val="3821414977"/>
       </p:ext>
     </p:extLst>
   </p:cSld>
@@ -707,7 +719,10 @@
           <a:bodyPr/>
           <a:lstStyle/>
           <a:p>
-            <a:endParaRPr lang="en-US" dirty="0"/>
+            <a:r>
+              <a:rPr lang="en-AU" dirty="0"/>
+              <a:t>Chart 2016-2017 missing</a:t>
+            </a:r>
           </a:p>
         </p:txBody>
       </p:sp>
@@ -728,7 +743,7 @@
           <a:p>
             <a:fld id="{4F2AAB9E-B1B6-7347-AEB9-3DE8A4E8C48F}" type="slidenum">
               <a:rPr lang="en-US" smtClean="0"/>
-              <a:t>11</a:t>
+              <a:t>14</a:t>
             </a:fld>
             <a:endParaRPr lang="en-US"/>
           </a:p>
@@ -737,7 +752,7 @@
     </p:spTree>
     <p:extLst>
       <p:ext uri="{BB962C8B-B14F-4D97-AF65-F5344CB8AC3E}">
-        <p14:creationId xmlns:p14="http://schemas.microsoft.com/office/powerpoint/2010/main" val="4063722880"/>
+        <p14:creationId xmlns:p14="http://schemas.microsoft.com/office/powerpoint/2010/main" val="4248295468"/>
       </p:ext>
     </p:extLst>
   </p:cSld>
@@ -791,7 +806,24 @@
           <a:bodyPr/>
           <a:lstStyle/>
           <a:p>
-            <a:endParaRPr lang="en-AU"/>
+            <a:r>
+              <a:rPr lang="en-US" dirty="0"/>
+              <a:t>Potentially just show one graph</a:t>
+            </a:r>
+          </a:p>
+          <a:p>
+            <a:endParaRPr lang="en-US" dirty="0"/>
+          </a:p>
+          <a:p>
+            <a:r>
+              <a:rPr lang="en-US" dirty="0"/>
+              <a:t>Weak correlation due to out data cleaning process of dropping all </a:t>
+            </a:r>
+            <a:r>
+              <a:rPr lang="en-US" dirty="0" err="1"/>
+              <a:t>NaN</a:t>
+            </a:r>
+            <a:endParaRPr lang="en-US" dirty="0"/>
           </a:p>
         </p:txBody>
       </p:sp>
@@ -812,7 +844,175 @@
           <a:p>
             <a:fld id="{4F2AAB9E-B1B6-7347-AEB9-3DE8A4E8C48F}" type="slidenum">
               <a:rPr lang="en-US" smtClean="0"/>
-              <a:t>12</a:t>
+              <a:t>16</a:t>
+            </a:fld>
+            <a:endParaRPr lang="en-US"/>
+          </a:p>
+        </p:txBody>
+      </p:sp>
+    </p:spTree>
+    <p:extLst>
+      <p:ext uri="{BB962C8B-B14F-4D97-AF65-F5344CB8AC3E}">
+        <p14:creationId xmlns:p14="http://schemas.microsoft.com/office/powerpoint/2010/main" val="4246549080"/>
+      </p:ext>
+    </p:extLst>
+  </p:cSld>
+  <p:clrMapOvr>
+    <a:masterClrMapping/>
+  </p:clrMapOvr>
+</p:notes>
+</file>
+
+<file path=ppt/notesSlides/notesSlide13.xml><?xml version="1.0" encoding="utf-8"?>
+<p:notes xmlns:a="http://schemas.openxmlformats.org/drawingml/2006/main" xmlns:r="http://schemas.openxmlformats.org/officeDocument/2006/relationships" xmlns:p="http://schemas.openxmlformats.org/presentationml/2006/main">
+  <p:cSld>
+    <p:spTree>
+      <p:nvGrpSpPr>
+        <p:cNvPr id="1" name=""/>
+        <p:cNvGrpSpPr/>
+        <p:nvPr/>
+      </p:nvGrpSpPr>
+      <p:grpSpPr>
+        <a:xfrm>
+          <a:off x="0" y="0"/>
+          <a:ext cx="0" cy="0"/>
+          <a:chOff x="0" y="0"/>
+          <a:chExt cx="0" cy="0"/>
+        </a:xfrm>
+      </p:grpSpPr>
+      <p:sp>
+        <p:nvSpPr>
+          <p:cNvPr id="2" name="Slide Image Placeholder 1"/>
+          <p:cNvSpPr>
+            <a:spLocks noGrp="1" noRot="1" noChangeAspect="1"/>
+          </p:cNvSpPr>
+          <p:nvPr>
+            <p:ph type="sldImg"/>
+          </p:nvPr>
+        </p:nvSpPr>
+        <p:spPr/>
+      </p:sp>
+      <p:sp>
+        <p:nvSpPr>
+          <p:cNvPr id="3" name="Notes Placeholder 2"/>
+          <p:cNvSpPr>
+            <a:spLocks noGrp="1"/>
+          </p:cNvSpPr>
+          <p:nvPr>
+            <p:ph type="body" idx="1"/>
+          </p:nvPr>
+        </p:nvSpPr>
+        <p:spPr/>
+        <p:txBody>
+          <a:bodyPr/>
+          <a:lstStyle/>
+          <a:p>
+            <a:endParaRPr lang="en-US" dirty="0"/>
+          </a:p>
+        </p:txBody>
+      </p:sp>
+      <p:sp>
+        <p:nvSpPr>
+          <p:cNvPr id="4" name="Slide Number Placeholder 3"/>
+          <p:cNvSpPr>
+            <a:spLocks noGrp="1"/>
+          </p:cNvSpPr>
+          <p:nvPr>
+            <p:ph type="sldNum" sz="quarter" idx="5"/>
+          </p:nvPr>
+        </p:nvSpPr>
+        <p:spPr/>
+        <p:txBody>
+          <a:bodyPr/>
+          <a:lstStyle/>
+          <a:p>
+            <a:fld id="{4F2AAB9E-B1B6-7347-AEB9-3DE8A4E8C48F}" type="slidenum">
+              <a:rPr lang="en-US" smtClean="0"/>
+              <a:t>17</a:t>
+            </a:fld>
+            <a:endParaRPr lang="en-US"/>
+          </a:p>
+        </p:txBody>
+      </p:sp>
+    </p:spTree>
+    <p:extLst>
+      <p:ext uri="{BB962C8B-B14F-4D97-AF65-F5344CB8AC3E}">
+        <p14:creationId xmlns:p14="http://schemas.microsoft.com/office/powerpoint/2010/main" val="4063722880"/>
+      </p:ext>
+    </p:extLst>
+  </p:cSld>
+  <p:clrMapOvr>
+    <a:masterClrMapping/>
+  </p:clrMapOvr>
+</p:notes>
+</file>
+
+<file path=ppt/notesSlides/notesSlide14.xml><?xml version="1.0" encoding="utf-8"?>
+<p:notes xmlns:a="http://schemas.openxmlformats.org/drawingml/2006/main" xmlns:r="http://schemas.openxmlformats.org/officeDocument/2006/relationships" xmlns:p="http://schemas.openxmlformats.org/presentationml/2006/main">
+  <p:cSld>
+    <p:spTree>
+      <p:nvGrpSpPr>
+        <p:cNvPr id="1" name=""/>
+        <p:cNvGrpSpPr/>
+        <p:nvPr/>
+      </p:nvGrpSpPr>
+      <p:grpSpPr>
+        <a:xfrm>
+          <a:off x="0" y="0"/>
+          <a:ext cx="0" cy="0"/>
+          <a:chOff x="0" y="0"/>
+          <a:chExt cx="0" cy="0"/>
+        </a:xfrm>
+      </p:grpSpPr>
+      <p:sp>
+        <p:nvSpPr>
+          <p:cNvPr id="2" name="Slide Image Placeholder 1"/>
+          <p:cNvSpPr>
+            <a:spLocks noGrp="1" noRot="1" noChangeAspect="1"/>
+          </p:cNvSpPr>
+          <p:nvPr>
+            <p:ph type="sldImg"/>
+          </p:nvPr>
+        </p:nvSpPr>
+        <p:spPr/>
+      </p:sp>
+      <p:sp>
+        <p:nvSpPr>
+          <p:cNvPr id="3" name="Notes Placeholder 2"/>
+          <p:cNvSpPr>
+            <a:spLocks noGrp="1"/>
+          </p:cNvSpPr>
+          <p:nvPr>
+            <p:ph type="body" idx="1"/>
+          </p:nvPr>
+        </p:nvSpPr>
+        <p:spPr/>
+        <p:txBody>
+          <a:bodyPr/>
+          <a:lstStyle/>
+          <a:p>
+            <a:endParaRPr lang="en-AU"/>
+          </a:p>
+        </p:txBody>
+      </p:sp>
+      <p:sp>
+        <p:nvSpPr>
+          <p:cNvPr id="4" name="Slide Number Placeholder 3"/>
+          <p:cNvSpPr>
+            <a:spLocks noGrp="1"/>
+          </p:cNvSpPr>
+          <p:nvPr>
+            <p:ph type="sldNum" sz="quarter" idx="5"/>
+          </p:nvPr>
+        </p:nvSpPr>
+        <p:spPr/>
+        <p:txBody>
+          <a:bodyPr/>
+          <a:lstStyle/>
+          <a:p>
+            <a:fld id="{4F2AAB9E-B1B6-7347-AEB9-3DE8A4E8C48F}" type="slidenum">
+              <a:rPr lang="en-US" smtClean="0"/>
+              <a:t>18</a:t>
             </a:fld>
             <a:endParaRPr lang="en-US"/>
           </a:p>
@@ -2103,7 +2303,7 @@
           <a:p>
             <a:fld id="{4F2AAB9E-B1B6-7347-AEB9-3DE8A4E8C48F}" type="slidenum">
               <a:rPr lang="en-US" smtClean="0"/>
-              <a:t>7</a:t>
+              <a:t>9</a:t>
             </a:fld>
             <a:endParaRPr lang="en-US"/>
           </a:p>
@@ -2166,7 +2366,27 @@
           <a:bodyPr/>
           <a:lstStyle/>
           <a:p>
-            <a:endParaRPr lang="en-AU"/>
+            <a:r>
+              <a:rPr lang="en-AU" dirty="0">
+                <a:solidFill>
+                  <a:srgbClr val="FF0000"/>
+                </a:solidFill>
+              </a:rPr>
+              <a:t>Insert graphs</a:t>
+            </a:r>
+          </a:p>
+          <a:p>
+            <a:r>
+              <a:rPr lang="en-AU" dirty="0">
+                <a:solidFill>
+                  <a:srgbClr val="FF0000"/>
+                </a:solidFill>
+              </a:rPr>
+              <a:t>Insert insights – list suburbs that are in the top 10 over the past five financial years</a:t>
+            </a:r>
+          </a:p>
+          <a:p>
+            <a:endParaRPr lang="en-AU" dirty="0"/>
           </a:p>
         </p:txBody>
       </p:sp>
@@ -2187,7 +2407,7 @@
           <a:p>
             <a:fld id="{4F2AAB9E-B1B6-7347-AEB9-3DE8A4E8C48F}" type="slidenum">
               <a:rPr lang="en-US" smtClean="0"/>
-              <a:t>8</a:t>
+              <a:t>10</a:t>
             </a:fld>
             <a:endParaRPr lang="en-US"/>
           </a:p>
@@ -2250,7 +2470,10 @@
           <a:bodyPr/>
           <a:lstStyle/>
           <a:p>
-            <a:endParaRPr lang="en-AU"/>
+            <a:r>
+              <a:rPr lang="en-AU" dirty="0"/>
+              <a:t>Missing 2016 -2017 chart</a:t>
+            </a:r>
           </a:p>
         </p:txBody>
       </p:sp>
@@ -2271,7 +2494,7 @@
           <a:p>
             <a:fld id="{4F2AAB9E-B1B6-7347-AEB9-3DE8A4E8C48F}" type="slidenum">
               <a:rPr lang="en-US" smtClean="0"/>
-              <a:t>9</a:t>
+              <a:t>11</a:t>
             </a:fld>
             <a:endParaRPr lang="en-US"/>
           </a:p>
@@ -2280,7 +2503,7 @@
     </p:spTree>
     <p:extLst>
       <p:ext uri="{BB962C8B-B14F-4D97-AF65-F5344CB8AC3E}">
-        <p14:creationId xmlns:p14="http://schemas.microsoft.com/office/powerpoint/2010/main" val="3821414977"/>
+        <p14:creationId xmlns:p14="http://schemas.microsoft.com/office/powerpoint/2010/main" val="1682390266"/>
       </p:ext>
     </p:extLst>
   </p:cSld>
@@ -2453,7 +2676,7 @@
           <a:p>
             <a:fld id="{FD85B985-76B1-472F-AE68-4120063CE451}" type="datetimeFigureOut">
               <a:rPr lang="en-AU" smtClean="0"/>
-              <a:t>3/02/2021</a:t>
+              <a:t>4/02/2021</a:t>
             </a:fld>
             <a:endParaRPr lang="en-AU"/>
           </a:p>
@@ -2623,7 +2846,7 @@
           <a:p>
             <a:fld id="{FD85B985-76B1-472F-AE68-4120063CE451}" type="datetimeFigureOut">
               <a:rPr lang="en-AU" smtClean="0"/>
-              <a:t>3/02/2021</a:t>
+              <a:t>4/02/2021</a:t>
             </a:fld>
             <a:endParaRPr lang="en-AU"/>
           </a:p>
@@ -2803,7 +3026,7 @@
           <a:p>
             <a:fld id="{FD85B985-76B1-472F-AE68-4120063CE451}" type="datetimeFigureOut">
               <a:rPr lang="en-AU" smtClean="0"/>
-              <a:t>3/02/2021</a:t>
+              <a:t>4/02/2021</a:t>
             </a:fld>
             <a:endParaRPr lang="en-AU"/>
           </a:p>
@@ -2973,7 +3196,7 @@
           <a:p>
             <a:fld id="{FD85B985-76B1-472F-AE68-4120063CE451}" type="datetimeFigureOut">
               <a:rPr lang="en-AU" smtClean="0"/>
-              <a:t>3/02/2021</a:t>
+              <a:t>4/02/2021</a:t>
             </a:fld>
             <a:endParaRPr lang="en-AU"/>
           </a:p>
@@ -3241,7 +3464,7 @@
           <a:p>
             <a:fld id="{FD85B985-76B1-472F-AE68-4120063CE451}" type="datetimeFigureOut">
               <a:rPr lang="en-AU" smtClean="0"/>
-              <a:t>3/02/2021</a:t>
+              <a:t>4/02/2021</a:t>
             </a:fld>
             <a:endParaRPr lang="en-AU"/>
           </a:p>
@@ -3473,7 +3696,7 @@
           <a:p>
             <a:fld id="{FD85B985-76B1-472F-AE68-4120063CE451}" type="datetimeFigureOut">
               <a:rPr lang="en-AU" smtClean="0"/>
-              <a:t>3/02/2021</a:t>
+              <a:t>4/02/2021</a:t>
             </a:fld>
             <a:endParaRPr lang="en-AU"/>
           </a:p>
@@ -3832,7 +4055,7 @@
           <a:p>
             <a:fld id="{FD85B985-76B1-472F-AE68-4120063CE451}" type="datetimeFigureOut">
               <a:rPr lang="en-AU" smtClean="0"/>
-              <a:t>3/02/2021</a:t>
+              <a:t>4/02/2021</a:t>
             </a:fld>
             <a:endParaRPr lang="en-AU"/>
           </a:p>
@@ -3973,7 +4196,7 @@
           <a:p>
             <a:fld id="{FD85B985-76B1-472F-AE68-4120063CE451}" type="datetimeFigureOut">
               <a:rPr lang="en-AU" smtClean="0"/>
-              <a:t>3/02/2021</a:t>
+              <a:t>4/02/2021</a:t>
             </a:fld>
             <a:endParaRPr lang="en-AU"/>
           </a:p>
@@ -4068,7 +4291,7 @@
           <a:p>
             <a:fld id="{FD85B985-76B1-472F-AE68-4120063CE451}" type="datetimeFigureOut">
               <a:rPr lang="en-AU" smtClean="0"/>
-              <a:t>3/02/2021</a:t>
+              <a:t>4/02/2021</a:t>
             </a:fld>
             <a:endParaRPr lang="en-AU"/>
           </a:p>
@@ -4425,7 +4648,7 @@
           <a:p>
             <a:fld id="{FD85B985-76B1-472F-AE68-4120063CE451}" type="datetimeFigureOut">
               <a:rPr lang="en-AU" smtClean="0"/>
-              <a:t>3/02/2021</a:t>
+              <a:t>4/02/2021</a:t>
             </a:fld>
             <a:endParaRPr lang="en-AU"/>
           </a:p>
@@ -4782,7 +5005,7 @@
           <a:p>
             <a:fld id="{FD85B985-76B1-472F-AE68-4120063CE451}" type="datetimeFigureOut">
               <a:rPr lang="en-AU" smtClean="0"/>
-              <a:t>3/02/2021</a:t>
+              <a:t>4/02/2021</a:t>
             </a:fld>
             <a:endParaRPr lang="en-AU"/>
           </a:p>
@@ -5024,7 +5247,7 @@
           <a:p>
             <a:fld id="{FD85B985-76B1-472F-AE68-4120063CE451}" type="datetimeFigureOut">
               <a:rPr lang="en-AU" smtClean="0"/>
-              <a:t>3/02/2021</a:t>
+              <a:t>4/02/2021</a:t>
             </a:fld>
             <a:endParaRPr lang="en-AU"/>
           </a:p>
@@ -5886,6 +6109,724 @@
             <p:ph type="title"/>
           </p:nvPr>
         </p:nvSpPr>
+        <p:spPr/>
+        <p:txBody>
+          <a:bodyPr>
+            <a:normAutofit fontScale="90000"/>
+          </a:bodyPr>
+          <a:lstStyle/>
+          <a:p>
+            <a:r>
+              <a:rPr lang="en-US" dirty="0"/>
+              <a:t>Data </a:t>
+            </a:r>
+            <a:r>
+              <a:rPr lang="en-US" dirty="0" err="1"/>
+              <a:t>AnalysiS</a:t>
+            </a:r>
+            <a:br>
+              <a:rPr lang="en-US" dirty="0"/>
+            </a:br>
+            <a:r>
+              <a:rPr lang="en-US" dirty="0"/>
+              <a:t> TOP 10 SUBURBS BY PROPERTY PRICE</a:t>
+            </a:r>
+            <a:br>
+              <a:rPr lang="en-US" dirty="0"/>
+            </a:br>
+            <a:endParaRPr lang="en-AU" dirty="0"/>
+          </a:p>
+        </p:txBody>
+      </p:sp>
+      <p:pic>
+        <p:nvPicPr>
+          <p:cNvPr id="5" name="Content Placeholder 4" descr="Icon&#10;&#10;Description automatically generated">
+            <a:extLst>
+              <a:ext uri="{FF2B5EF4-FFF2-40B4-BE49-F238E27FC236}">
+                <a16:creationId xmlns:a16="http://schemas.microsoft.com/office/drawing/2014/main" id="{8C3E7055-D6FF-4E94-8DBD-D142F3407FF2}"/>
+              </a:ext>
+            </a:extLst>
+          </p:cNvPr>
+          <p:cNvPicPr>
+            <a:picLocks noGrp="1" noChangeAspect="1"/>
+          </p:cNvPicPr>
+          <p:nvPr>
+            <p:ph idx="1"/>
+          </p:nvPr>
+        </p:nvPicPr>
+        <p:blipFill>
+          <a:blip r:embed="rId3">
+            <a:extLst>
+              <a:ext uri="{28A0092B-C50C-407E-A947-70E740481C1C}">
+                <a14:useLocalDpi xmlns:a14="http://schemas.microsoft.com/office/drawing/2010/main" val="0"/>
+              </a:ext>
+            </a:extLst>
+          </a:blip>
+          <a:stretch>
+            <a:fillRect/>
+          </a:stretch>
+        </p:blipFill>
+        <p:spPr>
+          <a:xfrm>
+            <a:off x="1137510" y="2795469"/>
+            <a:ext cx="4542500" cy="3097837"/>
+          </a:xfrm>
+        </p:spPr>
+      </p:pic>
+    </p:spTree>
+    <p:extLst>
+      <p:ext uri="{BB962C8B-B14F-4D97-AF65-F5344CB8AC3E}">
+        <p14:creationId xmlns:p14="http://schemas.microsoft.com/office/powerpoint/2010/main" val="3150616333"/>
+      </p:ext>
+    </p:extLst>
+  </p:cSld>
+  <p:clrMapOvr>
+    <a:masterClrMapping/>
+  </p:clrMapOvr>
+</p:sld>
+</file>
+
+<file path=ppt/slides/slide11.xml><?xml version="1.0" encoding="utf-8"?>
+<p:sld xmlns:a="http://schemas.openxmlformats.org/drawingml/2006/main" xmlns:r="http://schemas.openxmlformats.org/officeDocument/2006/relationships" xmlns:p="http://schemas.openxmlformats.org/presentationml/2006/main">
+  <p:cSld>
+    <p:spTree>
+      <p:nvGrpSpPr>
+        <p:cNvPr id="1" name=""/>
+        <p:cNvGrpSpPr/>
+        <p:nvPr/>
+      </p:nvGrpSpPr>
+      <p:grpSpPr>
+        <a:xfrm>
+          <a:off x="0" y="0"/>
+          <a:ext cx="0" cy="0"/>
+          <a:chOff x="0" y="0"/>
+          <a:chExt cx="0" cy="0"/>
+        </a:xfrm>
+      </p:grpSpPr>
+      <p:sp>
+        <p:nvSpPr>
+          <p:cNvPr id="2" name="Title 1">
+            <a:extLst>
+              <a:ext uri="{FF2B5EF4-FFF2-40B4-BE49-F238E27FC236}">
+                <a16:creationId xmlns:a16="http://schemas.microsoft.com/office/drawing/2014/main" id="{41198B77-23C6-4C9A-92CD-4ACB88F9C9FF}"/>
+              </a:ext>
+            </a:extLst>
+          </p:cNvPr>
+          <p:cNvSpPr>
+            <a:spLocks noGrp="1"/>
+          </p:cNvSpPr>
+          <p:nvPr>
+            <p:ph type="title"/>
+          </p:nvPr>
+        </p:nvSpPr>
+        <p:spPr/>
+        <p:txBody>
+          <a:bodyPr/>
+          <a:lstStyle/>
+          <a:p>
+            <a:r>
+              <a:rPr lang="en-US" dirty="0"/>
+              <a:t>Data </a:t>
+            </a:r>
+            <a:r>
+              <a:rPr lang="en-US" dirty="0" err="1"/>
+              <a:t>AnalysiS</a:t>
+            </a:r>
+            <a:br>
+              <a:rPr lang="en-US" dirty="0"/>
+            </a:br>
+            <a:r>
+              <a:rPr lang="en-US" dirty="0"/>
+              <a:t> TOP 10 SUBURBS BY PROPERTY PRICE</a:t>
+            </a:r>
+            <a:endParaRPr lang="en-AU" dirty="0"/>
+          </a:p>
+        </p:txBody>
+      </p:sp>
+      <p:pic>
+        <p:nvPicPr>
+          <p:cNvPr id="6" name="Picture 5" descr="Icon&#10;&#10;Description automatically generated">
+            <a:extLst>
+              <a:ext uri="{FF2B5EF4-FFF2-40B4-BE49-F238E27FC236}">
+                <a16:creationId xmlns:a16="http://schemas.microsoft.com/office/drawing/2014/main" id="{560F708A-7AF5-4618-9AB2-12689695337D}"/>
+              </a:ext>
+            </a:extLst>
+          </p:cNvPr>
+          <p:cNvPicPr>
+            <a:picLocks noChangeAspect="1"/>
+          </p:cNvPicPr>
+          <p:nvPr/>
+        </p:nvPicPr>
+        <p:blipFill>
+          <a:blip r:embed="rId3">
+            <a:extLst>
+              <a:ext uri="{28A0092B-C50C-407E-A947-70E740481C1C}">
+                <a14:useLocalDpi xmlns:a14="http://schemas.microsoft.com/office/drawing/2010/main" val="0"/>
+              </a:ext>
+            </a:extLst>
+          </a:blip>
+          <a:stretch>
+            <a:fillRect/>
+          </a:stretch>
+        </p:blipFill>
+        <p:spPr>
+          <a:xfrm>
+            <a:off x="6671199" y="2795470"/>
+            <a:ext cx="4542503" cy="3097838"/>
+          </a:xfrm>
+          <a:prstGeom prst="rect">
+            <a:avLst/>
+          </a:prstGeom>
+        </p:spPr>
+      </p:pic>
+    </p:spTree>
+    <p:extLst>
+      <p:ext uri="{BB962C8B-B14F-4D97-AF65-F5344CB8AC3E}">
+        <p14:creationId xmlns:p14="http://schemas.microsoft.com/office/powerpoint/2010/main" val="67883303"/>
+      </p:ext>
+    </p:extLst>
+  </p:cSld>
+  <p:clrMapOvr>
+    <a:masterClrMapping/>
+  </p:clrMapOvr>
+</p:sld>
+</file>
+
+<file path=ppt/slides/slide12.xml><?xml version="1.0" encoding="utf-8"?>
+<p:sld xmlns:a="http://schemas.openxmlformats.org/drawingml/2006/main" xmlns:r="http://schemas.openxmlformats.org/officeDocument/2006/relationships" xmlns:p="http://schemas.openxmlformats.org/presentationml/2006/main">
+  <p:cSld>
+    <p:spTree>
+      <p:nvGrpSpPr>
+        <p:cNvPr id="1" name=""/>
+        <p:cNvGrpSpPr/>
+        <p:nvPr/>
+      </p:nvGrpSpPr>
+      <p:grpSpPr>
+        <a:xfrm>
+          <a:off x="0" y="0"/>
+          <a:ext cx="0" cy="0"/>
+          <a:chOff x="0" y="0"/>
+          <a:chExt cx="0" cy="0"/>
+        </a:xfrm>
+      </p:grpSpPr>
+      <p:sp>
+        <p:nvSpPr>
+          <p:cNvPr id="2" name="Title 1">
+            <a:extLst>
+              <a:ext uri="{FF2B5EF4-FFF2-40B4-BE49-F238E27FC236}">
+                <a16:creationId xmlns:a16="http://schemas.microsoft.com/office/drawing/2014/main" id="{87D59EE8-76C1-439B-BA30-BD7CBE73E876}"/>
+              </a:ext>
+            </a:extLst>
+          </p:cNvPr>
+          <p:cNvSpPr>
+            <a:spLocks noGrp="1"/>
+          </p:cNvSpPr>
+          <p:nvPr>
+            <p:ph type="title"/>
+          </p:nvPr>
+        </p:nvSpPr>
+        <p:spPr/>
+        <p:txBody>
+          <a:bodyPr/>
+          <a:lstStyle/>
+          <a:p>
+            <a:r>
+              <a:rPr lang="en-US" dirty="0"/>
+              <a:t>Data </a:t>
+            </a:r>
+            <a:r>
+              <a:rPr lang="en-US" dirty="0" err="1"/>
+              <a:t>AnalysiS</a:t>
+            </a:r>
+            <a:br>
+              <a:rPr lang="en-US" dirty="0"/>
+            </a:br>
+            <a:r>
+              <a:rPr lang="en-US" dirty="0"/>
+              <a:t> TOP 10 SUBURBS BY PROPERTY PRICE</a:t>
+            </a:r>
+            <a:endParaRPr lang="en-AU" dirty="0"/>
+          </a:p>
+        </p:txBody>
+      </p:sp>
+      <p:pic>
+        <p:nvPicPr>
+          <p:cNvPr id="5" name="Content Placeholder 4" descr="Icon&#10;&#10;Description automatically generated">
+            <a:extLst>
+              <a:ext uri="{FF2B5EF4-FFF2-40B4-BE49-F238E27FC236}">
+                <a16:creationId xmlns:a16="http://schemas.microsoft.com/office/drawing/2014/main" id="{53B60C00-7268-4D8D-87AE-177F94376CF4}"/>
+              </a:ext>
+            </a:extLst>
+          </p:cNvPr>
+          <p:cNvPicPr>
+            <a:picLocks noGrp="1" noChangeAspect="1"/>
+          </p:cNvPicPr>
+          <p:nvPr>
+            <p:ph idx="1"/>
+          </p:nvPr>
+        </p:nvPicPr>
+        <p:blipFill>
+          <a:blip r:embed="rId2">
+            <a:extLst>
+              <a:ext uri="{28A0092B-C50C-407E-A947-70E740481C1C}">
+                <a14:useLocalDpi xmlns:a14="http://schemas.microsoft.com/office/drawing/2010/main" val="0"/>
+              </a:ext>
+            </a:extLst>
+          </a:blip>
+          <a:stretch>
+            <a:fillRect/>
+          </a:stretch>
+        </p:blipFill>
+        <p:spPr>
+          <a:xfrm>
+            <a:off x="6523694" y="2791332"/>
+            <a:ext cx="4593309" cy="3101975"/>
+          </a:xfrm>
+        </p:spPr>
+      </p:pic>
+      <p:pic>
+        <p:nvPicPr>
+          <p:cNvPr id="6" name="Content Placeholder 4" descr="Icon&#10;&#10;Description automatically generated">
+            <a:extLst>
+              <a:ext uri="{FF2B5EF4-FFF2-40B4-BE49-F238E27FC236}">
+                <a16:creationId xmlns:a16="http://schemas.microsoft.com/office/drawing/2014/main" id="{1389C4C6-FAF5-47AD-A090-87965B0B2ED8}"/>
+              </a:ext>
+            </a:extLst>
+          </p:cNvPr>
+          <p:cNvPicPr>
+            <a:picLocks noChangeAspect="1"/>
+          </p:cNvPicPr>
+          <p:nvPr/>
+        </p:nvPicPr>
+        <p:blipFill>
+          <a:blip r:embed="rId3">
+            <a:extLst>
+              <a:ext uri="{28A0092B-C50C-407E-A947-70E740481C1C}">
+                <a14:useLocalDpi xmlns:a14="http://schemas.microsoft.com/office/drawing/2010/main" val="0"/>
+              </a:ext>
+            </a:extLst>
+          </a:blip>
+          <a:stretch>
+            <a:fillRect/>
+          </a:stretch>
+        </p:blipFill>
+        <p:spPr>
+          <a:xfrm>
+            <a:off x="1308237" y="2791333"/>
+            <a:ext cx="4593309" cy="3101975"/>
+          </a:xfrm>
+          <a:prstGeom prst="rect">
+            <a:avLst/>
+          </a:prstGeom>
+        </p:spPr>
+      </p:pic>
+    </p:spTree>
+    <p:extLst>
+      <p:ext uri="{BB962C8B-B14F-4D97-AF65-F5344CB8AC3E}">
+        <p14:creationId xmlns:p14="http://schemas.microsoft.com/office/powerpoint/2010/main" val="3343731677"/>
+      </p:ext>
+    </p:extLst>
+  </p:cSld>
+  <p:clrMapOvr>
+    <a:masterClrMapping/>
+  </p:clrMapOvr>
+</p:sld>
+</file>
+
+<file path=ppt/slides/slide13.xml><?xml version="1.0" encoding="utf-8"?>
+<p:sld xmlns:a="http://schemas.openxmlformats.org/drawingml/2006/main" xmlns:r="http://schemas.openxmlformats.org/officeDocument/2006/relationships" xmlns:p="http://schemas.openxmlformats.org/presentationml/2006/main">
+  <p:cSld>
+    <p:spTree>
+      <p:nvGrpSpPr>
+        <p:cNvPr id="1" name=""/>
+        <p:cNvGrpSpPr/>
+        <p:nvPr/>
+      </p:nvGrpSpPr>
+      <p:grpSpPr>
+        <a:xfrm>
+          <a:off x="0" y="0"/>
+          <a:ext cx="0" cy="0"/>
+          <a:chOff x="0" y="0"/>
+          <a:chExt cx="0" cy="0"/>
+        </a:xfrm>
+      </p:grpSpPr>
+      <p:sp>
+        <p:nvSpPr>
+          <p:cNvPr id="2" name="Title 1">
+            <a:extLst>
+              <a:ext uri="{FF2B5EF4-FFF2-40B4-BE49-F238E27FC236}">
+                <a16:creationId xmlns:a16="http://schemas.microsoft.com/office/drawing/2014/main" id="{D4112190-B47C-470F-9F25-6023D45B677C}"/>
+              </a:ext>
+            </a:extLst>
+          </p:cNvPr>
+          <p:cNvSpPr>
+            <a:spLocks noGrp="1"/>
+          </p:cNvSpPr>
+          <p:nvPr>
+            <p:ph type="title"/>
+          </p:nvPr>
+        </p:nvSpPr>
+        <p:spPr/>
+        <p:txBody>
+          <a:bodyPr>
+            <a:normAutofit fontScale="90000"/>
+          </a:bodyPr>
+          <a:lstStyle/>
+          <a:p>
+            <a:r>
+              <a:rPr lang="en-US" dirty="0"/>
+              <a:t>Data </a:t>
+            </a:r>
+            <a:r>
+              <a:rPr lang="en-US" dirty="0" err="1"/>
+              <a:t>AnalysiS</a:t>
+            </a:r>
+            <a:br>
+              <a:rPr lang="en-US" dirty="0"/>
+            </a:br>
+            <a:r>
+              <a:rPr lang="en-US" dirty="0"/>
+              <a:t> BOTTOM 10 SUBURBS BY PROPERTY PRICE</a:t>
+            </a:r>
+            <a:br>
+              <a:rPr lang="en-US" dirty="0"/>
+            </a:br>
+            <a:endParaRPr lang="en-AU" dirty="0"/>
+          </a:p>
+        </p:txBody>
+      </p:sp>
+      <p:pic>
+        <p:nvPicPr>
+          <p:cNvPr id="5" name="Picture 4" descr="Icon&#10;&#10;Description automatically generated">
+            <a:extLst>
+              <a:ext uri="{FF2B5EF4-FFF2-40B4-BE49-F238E27FC236}">
+                <a16:creationId xmlns:a16="http://schemas.microsoft.com/office/drawing/2014/main" id="{2B7A0093-D2F6-4BEF-81F5-DB6DC01B6460}"/>
+              </a:ext>
+            </a:extLst>
+          </p:cNvPr>
+          <p:cNvPicPr>
+            <a:picLocks noChangeAspect="1"/>
+          </p:cNvPicPr>
+          <p:nvPr/>
+        </p:nvPicPr>
+        <p:blipFill>
+          <a:blip r:embed="rId3">
+            <a:extLst>
+              <a:ext uri="{28A0092B-C50C-407E-A947-70E740481C1C}">
+                <a14:useLocalDpi xmlns:a14="http://schemas.microsoft.com/office/drawing/2010/main" val="0"/>
+              </a:ext>
+            </a:extLst>
+          </a:blip>
+          <a:stretch>
+            <a:fillRect/>
+          </a:stretch>
+        </p:blipFill>
+        <p:spPr>
+          <a:xfrm>
+            <a:off x="1059228" y="2750781"/>
+            <a:ext cx="4496000" cy="2987848"/>
+          </a:xfrm>
+          <a:prstGeom prst="rect">
+            <a:avLst/>
+          </a:prstGeom>
+        </p:spPr>
+      </p:pic>
+    </p:spTree>
+    <p:extLst>
+      <p:ext uri="{BB962C8B-B14F-4D97-AF65-F5344CB8AC3E}">
+        <p14:creationId xmlns:p14="http://schemas.microsoft.com/office/powerpoint/2010/main" val="2059596493"/>
+      </p:ext>
+    </p:extLst>
+  </p:cSld>
+  <p:clrMapOvr>
+    <a:masterClrMapping/>
+  </p:clrMapOvr>
+</p:sld>
+</file>
+
+<file path=ppt/slides/slide14.xml><?xml version="1.0" encoding="utf-8"?>
+<p:sld xmlns:a="http://schemas.openxmlformats.org/drawingml/2006/main" xmlns:r="http://schemas.openxmlformats.org/officeDocument/2006/relationships" xmlns:p="http://schemas.openxmlformats.org/presentationml/2006/main">
+  <p:cSld>
+    <p:spTree>
+      <p:nvGrpSpPr>
+        <p:cNvPr id="1" name=""/>
+        <p:cNvGrpSpPr/>
+        <p:nvPr/>
+      </p:nvGrpSpPr>
+      <p:grpSpPr>
+        <a:xfrm>
+          <a:off x="0" y="0"/>
+          <a:ext cx="0" cy="0"/>
+          <a:chOff x="0" y="0"/>
+          <a:chExt cx="0" cy="0"/>
+        </a:xfrm>
+      </p:grpSpPr>
+      <p:sp>
+        <p:nvSpPr>
+          <p:cNvPr id="2" name="Title 1">
+            <a:extLst>
+              <a:ext uri="{FF2B5EF4-FFF2-40B4-BE49-F238E27FC236}">
+                <a16:creationId xmlns:a16="http://schemas.microsoft.com/office/drawing/2014/main" id="{1912BA3D-5E20-4EE3-9166-992A1C66B1BD}"/>
+              </a:ext>
+            </a:extLst>
+          </p:cNvPr>
+          <p:cNvSpPr>
+            <a:spLocks noGrp="1"/>
+          </p:cNvSpPr>
+          <p:nvPr>
+            <p:ph type="title"/>
+          </p:nvPr>
+        </p:nvSpPr>
+        <p:spPr/>
+        <p:txBody>
+          <a:bodyPr>
+            <a:normAutofit fontScale="90000"/>
+          </a:bodyPr>
+          <a:lstStyle/>
+          <a:p>
+            <a:r>
+              <a:rPr lang="en-US" dirty="0"/>
+              <a:t>Data </a:t>
+            </a:r>
+            <a:r>
+              <a:rPr lang="en-US" dirty="0" err="1"/>
+              <a:t>AnalysiS</a:t>
+            </a:r>
+            <a:br>
+              <a:rPr lang="en-US" dirty="0"/>
+            </a:br>
+            <a:r>
+              <a:rPr lang="en-US" dirty="0"/>
+              <a:t> BOTTOM 10 SUBURBS BY PROPERTY PRICE</a:t>
+            </a:r>
+            <a:endParaRPr lang="en-AU" dirty="0"/>
+          </a:p>
+        </p:txBody>
+      </p:sp>
+      <p:pic>
+        <p:nvPicPr>
+          <p:cNvPr id="5" name="Content Placeholder 4" descr="Icon&#10;&#10;Description automatically generated">
+            <a:extLst>
+              <a:ext uri="{FF2B5EF4-FFF2-40B4-BE49-F238E27FC236}">
+                <a16:creationId xmlns:a16="http://schemas.microsoft.com/office/drawing/2014/main" id="{5A98B2EF-8D6D-48BB-8BEE-69925EFE56B4}"/>
+              </a:ext>
+            </a:extLst>
+          </p:cNvPr>
+          <p:cNvPicPr>
+            <a:picLocks noGrp="1" noChangeAspect="1"/>
+          </p:cNvPicPr>
+          <p:nvPr>
+            <p:ph idx="1"/>
+          </p:nvPr>
+        </p:nvPicPr>
+        <p:blipFill>
+          <a:blip r:embed="rId3">
+            <a:extLst>
+              <a:ext uri="{28A0092B-C50C-407E-A947-70E740481C1C}">
+                <a14:useLocalDpi xmlns:a14="http://schemas.microsoft.com/office/drawing/2010/main" val="0"/>
+              </a:ext>
+            </a:extLst>
+          </a:blip>
+          <a:stretch>
+            <a:fillRect/>
+          </a:stretch>
+        </p:blipFill>
+        <p:spPr>
+          <a:xfrm>
+            <a:off x="6741307" y="2569599"/>
+            <a:ext cx="4667734" cy="3101975"/>
+          </a:xfrm>
+        </p:spPr>
+      </p:pic>
+    </p:spTree>
+    <p:extLst>
+      <p:ext uri="{BB962C8B-B14F-4D97-AF65-F5344CB8AC3E}">
+        <p14:creationId xmlns:p14="http://schemas.microsoft.com/office/powerpoint/2010/main" val="681243004"/>
+      </p:ext>
+    </p:extLst>
+  </p:cSld>
+  <p:clrMapOvr>
+    <a:masterClrMapping/>
+  </p:clrMapOvr>
+</p:sld>
+</file>
+
+<file path=ppt/slides/slide15.xml><?xml version="1.0" encoding="utf-8"?>
+<p:sld xmlns:a="http://schemas.openxmlformats.org/drawingml/2006/main" xmlns:r="http://schemas.openxmlformats.org/officeDocument/2006/relationships" xmlns:p="http://schemas.openxmlformats.org/presentationml/2006/main">
+  <p:cSld>
+    <p:spTree>
+      <p:nvGrpSpPr>
+        <p:cNvPr id="1" name=""/>
+        <p:cNvGrpSpPr/>
+        <p:nvPr/>
+      </p:nvGrpSpPr>
+      <p:grpSpPr>
+        <a:xfrm>
+          <a:off x="0" y="0"/>
+          <a:ext cx="0" cy="0"/>
+          <a:chOff x="0" y="0"/>
+          <a:chExt cx="0" cy="0"/>
+        </a:xfrm>
+      </p:grpSpPr>
+      <p:sp>
+        <p:nvSpPr>
+          <p:cNvPr id="2" name="Title 1">
+            <a:extLst>
+              <a:ext uri="{FF2B5EF4-FFF2-40B4-BE49-F238E27FC236}">
+                <a16:creationId xmlns:a16="http://schemas.microsoft.com/office/drawing/2014/main" id="{C2EB7043-B959-4267-9150-EB045B42E519}"/>
+              </a:ext>
+            </a:extLst>
+          </p:cNvPr>
+          <p:cNvSpPr>
+            <a:spLocks noGrp="1"/>
+          </p:cNvSpPr>
+          <p:nvPr>
+            <p:ph type="title"/>
+          </p:nvPr>
+        </p:nvSpPr>
+        <p:spPr/>
+        <p:txBody>
+          <a:bodyPr>
+            <a:normAutofit fontScale="90000"/>
+          </a:bodyPr>
+          <a:lstStyle/>
+          <a:p>
+            <a:r>
+              <a:rPr lang="en-US" dirty="0"/>
+              <a:t>Data </a:t>
+            </a:r>
+            <a:r>
+              <a:rPr lang="en-US" dirty="0" err="1"/>
+              <a:t>AnalysiS</a:t>
+            </a:r>
+            <a:br>
+              <a:rPr lang="en-US" dirty="0"/>
+            </a:br>
+            <a:r>
+              <a:rPr lang="en-US" dirty="0"/>
+              <a:t> BOTTOM 10 SUBURBS BY PROPERTY PRICE</a:t>
+            </a:r>
+            <a:endParaRPr lang="en-AU" dirty="0"/>
+          </a:p>
+        </p:txBody>
+      </p:sp>
+      <p:pic>
+        <p:nvPicPr>
+          <p:cNvPr id="5" name="Content Placeholder 4" descr="Icon&#10;&#10;Description automatically generated">
+            <a:extLst>
+              <a:ext uri="{FF2B5EF4-FFF2-40B4-BE49-F238E27FC236}">
+                <a16:creationId xmlns:a16="http://schemas.microsoft.com/office/drawing/2014/main" id="{118D4FEB-AC0B-4706-9465-5CBB0D8457A8}"/>
+              </a:ext>
+            </a:extLst>
+          </p:cNvPr>
+          <p:cNvPicPr>
+            <a:picLocks noGrp="1" noChangeAspect="1"/>
+          </p:cNvPicPr>
+          <p:nvPr>
+            <p:ph idx="1"/>
+          </p:nvPr>
+        </p:nvPicPr>
+        <p:blipFill>
+          <a:blip r:embed="rId2">
+            <a:extLst>
+              <a:ext uri="{28A0092B-C50C-407E-A947-70E740481C1C}">
+                <a14:useLocalDpi xmlns:a14="http://schemas.microsoft.com/office/drawing/2010/main" val="0"/>
+              </a:ext>
+            </a:extLst>
+          </a:blip>
+          <a:stretch>
+            <a:fillRect/>
+          </a:stretch>
+        </p:blipFill>
+        <p:spPr>
+          <a:xfrm>
+            <a:off x="1052051" y="2707986"/>
+            <a:ext cx="4667734" cy="3101975"/>
+          </a:xfrm>
+        </p:spPr>
+      </p:pic>
+      <p:pic>
+        <p:nvPicPr>
+          <p:cNvPr id="7" name="Picture 6" descr="Icon&#10;&#10;Description automatically generated">
+            <a:extLst>
+              <a:ext uri="{FF2B5EF4-FFF2-40B4-BE49-F238E27FC236}">
+                <a16:creationId xmlns:a16="http://schemas.microsoft.com/office/drawing/2014/main" id="{5FCE27FB-90E8-4EE6-85E9-B7EAFDEB481D}"/>
+              </a:ext>
+            </a:extLst>
+          </p:cNvPr>
+          <p:cNvPicPr>
+            <a:picLocks noChangeAspect="1"/>
+          </p:cNvPicPr>
+          <p:nvPr/>
+        </p:nvPicPr>
+        <p:blipFill>
+          <a:blip r:embed="rId3">
+            <a:extLst>
+              <a:ext uri="{28A0092B-C50C-407E-A947-70E740481C1C}">
+                <a14:useLocalDpi xmlns:a14="http://schemas.microsoft.com/office/drawing/2010/main" val="0"/>
+              </a:ext>
+            </a:extLst>
+          </a:blip>
+          <a:stretch>
+            <a:fillRect/>
+          </a:stretch>
+        </p:blipFill>
+        <p:spPr>
+          <a:xfrm>
+            <a:off x="6351639" y="2667922"/>
+            <a:ext cx="4788310" cy="3182105"/>
+          </a:xfrm>
+          <a:prstGeom prst="rect">
+            <a:avLst/>
+          </a:prstGeom>
+        </p:spPr>
+      </p:pic>
+    </p:spTree>
+    <p:extLst>
+      <p:ext uri="{BB962C8B-B14F-4D97-AF65-F5344CB8AC3E}">
+        <p14:creationId xmlns:p14="http://schemas.microsoft.com/office/powerpoint/2010/main" val="2907969553"/>
+      </p:ext>
+    </p:extLst>
+  </p:cSld>
+  <p:clrMapOvr>
+    <a:masterClrMapping/>
+  </p:clrMapOvr>
+</p:sld>
+</file>
+
+<file path=ppt/slides/slide16.xml><?xml version="1.0" encoding="utf-8"?>
+<p:sld xmlns:a="http://schemas.openxmlformats.org/drawingml/2006/main" xmlns:r="http://schemas.openxmlformats.org/officeDocument/2006/relationships" xmlns:p="http://schemas.openxmlformats.org/presentationml/2006/main">
+  <p:cSld>
+    <p:spTree>
+      <p:nvGrpSpPr>
+        <p:cNvPr id="1" name=""/>
+        <p:cNvGrpSpPr/>
+        <p:nvPr/>
+      </p:nvGrpSpPr>
+      <p:grpSpPr>
+        <a:xfrm>
+          <a:off x="0" y="0"/>
+          <a:ext cx="0" cy="0"/>
+          <a:chOff x="0" y="0"/>
+          <a:chExt cx="0" cy="0"/>
+        </a:xfrm>
+      </p:grpSpPr>
+      <p:sp>
+        <p:nvSpPr>
+          <p:cNvPr id="2" name="Title 1">
+            <a:extLst>
+              <a:ext uri="{FF2B5EF4-FFF2-40B4-BE49-F238E27FC236}">
+                <a16:creationId xmlns:a16="http://schemas.microsoft.com/office/drawing/2014/main" id="{D4112190-B47C-470F-9F25-6023D45B677C}"/>
+              </a:ext>
+            </a:extLst>
+          </p:cNvPr>
+          <p:cNvSpPr>
+            <a:spLocks noGrp="1"/>
+          </p:cNvSpPr>
+          <p:nvPr>
+            <p:ph type="title"/>
+          </p:nvPr>
+        </p:nvSpPr>
         <p:spPr>
           <a:xfrm>
             <a:off x="2231136" y="964691"/>
@@ -6047,7 +6988,7 @@
 </p:sld>
 </file>
 
-<file path=ppt/slides/slide11.xml><?xml version="1.0" encoding="utf-8"?>
+<file path=ppt/slides/slide17.xml><?xml version="1.0" encoding="utf-8"?>
 <p:sld xmlns:a="http://schemas.openxmlformats.org/drawingml/2006/main" xmlns:r="http://schemas.openxmlformats.org/officeDocument/2006/relationships" xmlns:p="http://schemas.openxmlformats.org/presentationml/2006/main">
   <p:cSld>
     <p:spTree>
@@ -6241,7 +7182,7 @@
 </p:sld>
 </file>
 
-<file path=ppt/slides/slide12.xml><?xml version="1.0" encoding="utf-8"?>
+<file path=ppt/slides/slide18.xml><?xml version="1.0" encoding="utf-8"?>
 <p:sld xmlns:a="http://schemas.openxmlformats.org/drawingml/2006/main" xmlns:r="http://schemas.openxmlformats.org/officeDocument/2006/relationships" xmlns:p="http://schemas.openxmlformats.org/presentationml/2006/main">
   <p:cSld>
     <p:spTree>
@@ -6331,7 +7272,7 @@
 </p:sld>
 </file>
 
-<file path=ppt/slides/slide13.xml><?xml version="1.0" encoding="utf-8"?>
+<file path=ppt/slides/slide19.xml><?xml version="1.0" encoding="utf-8"?>
 <p:sld xmlns:a="http://schemas.openxmlformats.org/drawingml/2006/main" xmlns:r="http://schemas.openxmlformats.org/officeDocument/2006/relationships" xmlns:p="http://schemas.openxmlformats.org/presentationml/2006/main" show="0">
   <p:cSld>
     <p:spTree>
@@ -6512,209 +7453,6 @@
     <p:extLst>
       <p:ext uri="{BB962C8B-B14F-4D97-AF65-F5344CB8AC3E}">
         <p14:creationId xmlns:p14="http://schemas.microsoft.com/office/powerpoint/2010/main" val="4011474787"/>
-      </p:ext>
-    </p:extLst>
-  </p:cSld>
-  <p:clrMapOvr>
-    <a:masterClrMapping/>
-  </p:clrMapOvr>
-</p:sld>
-</file>
-
-<file path=ppt/slides/slide14.xml><?xml version="1.0" encoding="utf-8"?>
-<p:sld xmlns:a="http://schemas.openxmlformats.org/drawingml/2006/main" xmlns:r="http://schemas.openxmlformats.org/officeDocument/2006/relationships" xmlns:p="http://schemas.openxmlformats.org/presentationml/2006/main" show="0">
-  <p:cSld>
-    <p:spTree>
-      <p:nvGrpSpPr>
-        <p:cNvPr id="1" name=""/>
-        <p:cNvGrpSpPr/>
-        <p:nvPr/>
-      </p:nvGrpSpPr>
-      <p:grpSpPr>
-        <a:xfrm>
-          <a:off x="0" y="0"/>
-          <a:ext cx="0" cy="0"/>
-          <a:chOff x="0" y="0"/>
-          <a:chExt cx="0" cy="0"/>
-        </a:xfrm>
-      </p:grpSpPr>
-      <p:sp>
-        <p:nvSpPr>
-          <p:cNvPr id="2" name="Title 1">
-            <a:extLst>
-              <a:ext uri="{FF2B5EF4-FFF2-40B4-BE49-F238E27FC236}">
-                <a16:creationId xmlns:a16="http://schemas.microsoft.com/office/drawing/2014/main" id="{111F2E32-EA5D-4D5A-9751-851D77B11313}"/>
-              </a:ext>
-            </a:extLst>
-          </p:cNvPr>
-          <p:cNvSpPr>
-            <a:spLocks noGrp="1"/>
-          </p:cNvSpPr>
-          <p:nvPr>
-            <p:ph type="title"/>
-          </p:nvPr>
-        </p:nvSpPr>
-        <p:spPr/>
-        <p:txBody>
-          <a:bodyPr/>
-          <a:lstStyle/>
-          <a:p>
-            <a:r>
-              <a:rPr lang="en-AU" dirty="0"/>
-              <a:t>Must Complete for Presentation</a:t>
-            </a:r>
-          </a:p>
-        </p:txBody>
-      </p:sp>
-      <p:sp>
-        <p:nvSpPr>
-          <p:cNvPr id="3" name="Content Placeholder 2">
-            <a:extLst>
-              <a:ext uri="{FF2B5EF4-FFF2-40B4-BE49-F238E27FC236}">
-                <a16:creationId xmlns:a16="http://schemas.microsoft.com/office/drawing/2014/main" id="{A78EBA7C-5C18-4A7B-85EF-BD711BBEF3E2}"/>
-              </a:ext>
-            </a:extLst>
-          </p:cNvPr>
-          <p:cNvSpPr>
-            <a:spLocks noGrp="1"/>
-          </p:cNvSpPr>
-          <p:nvPr>
-            <p:ph idx="1"/>
-          </p:nvPr>
-        </p:nvSpPr>
-        <p:spPr/>
-        <p:txBody>
-          <a:bodyPr>
-            <a:normAutofit fontScale="55000" lnSpcReduction="20000"/>
-          </a:bodyPr>
-          <a:lstStyle/>
-          <a:p>
-            <a:r>
-              <a:rPr lang="en-US" dirty="0"/>
-              <a:t>The presentation requirements for Project 1 are as follows.</a:t>
-            </a:r>
-          </a:p>
-          <a:p>
-            <a:r>
-              <a:rPr lang="en-US" dirty="0"/>
-              <a:t>Your presentation must:</a:t>
-            </a:r>
-          </a:p>
-          <a:p>
-            <a:pPr>
-              <a:buFont typeface="Arial" panose="020B0604020202020204" pitchFamily="34" charset="0"/>
-              <a:buChar char="•"/>
-            </a:pPr>
-            <a:r>
-              <a:rPr lang="en-US" dirty="0"/>
-              <a:t>Be at least 8-10 min. long</a:t>
-            </a:r>
-          </a:p>
-          <a:p>
-            <a:pPr>
-              <a:buFont typeface="Arial" panose="020B0604020202020204" pitchFamily="34" charset="0"/>
-              <a:buChar char="•"/>
-            </a:pPr>
-            <a:r>
-              <a:rPr lang="en-US" dirty="0"/>
-              <a:t>Describe the core message or hypothesis for your project.</a:t>
-            </a:r>
-          </a:p>
-          <a:p>
-            <a:pPr>
-              <a:buFont typeface="Arial" panose="020B0604020202020204" pitchFamily="34" charset="0"/>
-              <a:buChar char="•"/>
-            </a:pPr>
-            <a:r>
-              <a:rPr lang="en-US" dirty="0"/>
-              <a:t>Describe the questions you and your group found interesting, and what motivated you to answer them</a:t>
-            </a:r>
-          </a:p>
-          <a:p>
-            <a:pPr>
-              <a:buFont typeface="Arial" panose="020B0604020202020204" pitchFamily="34" charset="0"/>
-              <a:buChar char="•"/>
-            </a:pPr>
-            <a:r>
-              <a:rPr lang="en-US" dirty="0"/>
-              <a:t>Summarize where and how you found the data you used to answer these questions</a:t>
-            </a:r>
-          </a:p>
-          <a:p>
-            <a:pPr>
-              <a:buFont typeface="Arial" panose="020B0604020202020204" pitchFamily="34" charset="0"/>
-              <a:buChar char="•"/>
-            </a:pPr>
-            <a:r>
-              <a:rPr lang="en-US" dirty="0"/>
-              <a:t>Describe the data exploration and cleanup process (accompanied by your </a:t>
-            </a:r>
-            <a:r>
-              <a:rPr lang="en-US" dirty="0" err="1"/>
-              <a:t>Jupyter</a:t>
-            </a:r>
-            <a:r>
-              <a:rPr lang="en-US" dirty="0"/>
-              <a:t> Notebook)</a:t>
-            </a:r>
-          </a:p>
-          <a:p>
-            <a:pPr>
-              <a:buFont typeface="Arial" panose="020B0604020202020204" pitchFamily="34" charset="0"/>
-              <a:buChar char="•"/>
-            </a:pPr>
-            <a:r>
-              <a:rPr lang="en-US" dirty="0"/>
-              <a:t>Describe the analysis process (accompanied by your </a:t>
-            </a:r>
-            <a:r>
-              <a:rPr lang="en-US" dirty="0" err="1"/>
-              <a:t>Jupyter</a:t>
-            </a:r>
-            <a:r>
-              <a:rPr lang="en-US" dirty="0"/>
-              <a:t> Notebook)</a:t>
-            </a:r>
-          </a:p>
-          <a:p>
-            <a:pPr>
-              <a:buFont typeface="Arial" panose="020B0604020202020204" pitchFamily="34" charset="0"/>
-              <a:buChar char="•"/>
-            </a:pPr>
-            <a:r>
-              <a:rPr lang="en-US" dirty="0"/>
-              <a:t>Summarize your conclusions. This should include a numerical summary (i.e., what data did your analysis yield), as well as visualizations of that summary (plots of the final analysis data)</a:t>
-            </a:r>
-          </a:p>
-          <a:p>
-            <a:pPr>
-              <a:buFont typeface="Arial" panose="020B0604020202020204" pitchFamily="34" charset="0"/>
-              <a:buChar char="•"/>
-            </a:pPr>
-            <a:r>
-              <a:rPr lang="en-US" dirty="0"/>
-              <a:t>Discuss the implications of your findings. This is where you get to have an open-ended discussion about what your findings "mean".</a:t>
-            </a:r>
-          </a:p>
-          <a:p>
-            <a:pPr>
-              <a:buFont typeface="Arial" panose="020B0604020202020204" pitchFamily="34" charset="0"/>
-              <a:buChar char="•"/>
-            </a:pPr>
-            <a:r>
-              <a:rPr lang="en-US" dirty="0"/>
-              <a:t>Tell a good story! Storytelling through data analysis is no different than in literature. Find your narrative and use your analysis and visualization skills to highlight conflict and resolution in your data.</a:t>
-            </a:r>
-          </a:p>
-          <a:p>
-            <a:endParaRPr lang="en-AU" dirty="0"/>
-          </a:p>
-        </p:txBody>
-      </p:sp>
-    </p:spTree>
-    <p:extLst>
-      <p:ext uri="{BB962C8B-B14F-4D97-AF65-F5344CB8AC3E}">
-        <p14:creationId xmlns:p14="http://schemas.microsoft.com/office/powerpoint/2010/main" val="220314126"/>
       </p:ext>
     </p:extLst>
   </p:cSld>
@@ -6894,16 +7632,13 @@
           <a:p>
             <a:r>
               <a:rPr lang="en-AU" dirty="0"/>
-              <a:t>Adelaide metropolitan area suburbs</a:t>
-            </a:r>
-            <a:r>
-              <a:rPr lang="en-US" dirty="0">
-                <a:solidFill>
-                  <a:srgbClr val="FF0000"/>
-                </a:solidFill>
-              </a:rPr>
-              <a:t> (Kylie to confirm)</a:t>
-            </a:r>
+              <a:t>South Australian Suburbs</a:t>
+            </a:r>
+            <a:endParaRPr lang="en-US" dirty="0">
+              <a:solidFill>
+                <a:srgbClr val="FF0000"/>
+              </a:solidFill>
+            </a:endParaRPr>
           </a:p>
           <a:p>
             <a:r>
@@ -6968,6 +7703,209 @@
 </p:sld>
 </file>
 
+<file path=ppt/slides/slide20.xml><?xml version="1.0" encoding="utf-8"?>
+<p:sld xmlns:a="http://schemas.openxmlformats.org/drawingml/2006/main" xmlns:r="http://schemas.openxmlformats.org/officeDocument/2006/relationships" xmlns:p="http://schemas.openxmlformats.org/presentationml/2006/main" show="0">
+  <p:cSld>
+    <p:spTree>
+      <p:nvGrpSpPr>
+        <p:cNvPr id="1" name=""/>
+        <p:cNvGrpSpPr/>
+        <p:nvPr/>
+      </p:nvGrpSpPr>
+      <p:grpSpPr>
+        <a:xfrm>
+          <a:off x="0" y="0"/>
+          <a:ext cx="0" cy="0"/>
+          <a:chOff x="0" y="0"/>
+          <a:chExt cx="0" cy="0"/>
+        </a:xfrm>
+      </p:grpSpPr>
+      <p:sp>
+        <p:nvSpPr>
+          <p:cNvPr id="2" name="Title 1">
+            <a:extLst>
+              <a:ext uri="{FF2B5EF4-FFF2-40B4-BE49-F238E27FC236}">
+                <a16:creationId xmlns:a16="http://schemas.microsoft.com/office/drawing/2014/main" id="{111F2E32-EA5D-4D5A-9751-851D77B11313}"/>
+              </a:ext>
+            </a:extLst>
+          </p:cNvPr>
+          <p:cNvSpPr>
+            <a:spLocks noGrp="1"/>
+          </p:cNvSpPr>
+          <p:nvPr>
+            <p:ph type="title"/>
+          </p:nvPr>
+        </p:nvSpPr>
+        <p:spPr/>
+        <p:txBody>
+          <a:bodyPr/>
+          <a:lstStyle/>
+          <a:p>
+            <a:r>
+              <a:rPr lang="en-AU" dirty="0"/>
+              <a:t>Must Complete for Presentation</a:t>
+            </a:r>
+          </a:p>
+        </p:txBody>
+      </p:sp>
+      <p:sp>
+        <p:nvSpPr>
+          <p:cNvPr id="3" name="Content Placeholder 2">
+            <a:extLst>
+              <a:ext uri="{FF2B5EF4-FFF2-40B4-BE49-F238E27FC236}">
+                <a16:creationId xmlns:a16="http://schemas.microsoft.com/office/drawing/2014/main" id="{A78EBA7C-5C18-4A7B-85EF-BD711BBEF3E2}"/>
+              </a:ext>
+            </a:extLst>
+          </p:cNvPr>
+          <p:cNvSpPr>
+            <a:spLocks noGrp="1"/>
+          </p:cNvSpPr>
+          <p:nvPr>
+            <p:ph idx="1"/>
+          </p:nvPr>
+        </p:nvSpPr>
+        <p:spPr/>
+        <p:txBody>
+          <a:bodyPr>
+            <a:normAutofit fontScale="55000" lnSpcReduction="20000"/>
+          </a:bodyPr>
+          <a:lstStyle/>
+          <a:p>
+            <a:r>
+              <a:rPr lang="en-US" dirty="0"/>
+              <a:t>The presentation requirements for Project 1 are as follows.</a:t>
+            </a:r>
+          </a:p>
+          <a:p>
+            <a:r>
+              <a:rPr lang="en-US" dirty="0"/>
+              <a:t>Your presentation must:</a:t>
+            </a:r>
+          </a:p>
+          <a:p>
+            <a:pPr>
+              <a:buFont typeface="Arial" panose="020B0604020202020204" pitchFamily="34" charset="0"/>
+              <a:buChar char="•"/>
+            </a:pPr>
+            <a:r>
+              <a:rPr lang="en-US" dirty="0"/>
+              <a:t>Be at least 8-10 min. long</a:t>
+            </a:r>
+          </a:p>
+          <a:p>
+            <a:pPr>
+              <a:buFont typeface="Arial" panose="020B0604020202020204" pitchFamily="34" charset="0"/>
+              <a:buChar char="•"/>
+            </a:pPr>
+            <a:r>
+              <a:rPr lang="en-US" dirty="0"/>
+              <a:t>Describe the core message or hypothesis for your project.</a:t>
+            </a:r>
+          </a:p>
+          <a:p>
+            <a:pPr>
+              <a:buFont typeface="Arial" panose="020B0604020202020204" pitchFamily="34" charset="0"/>
+              <a:buChar char="•"/>
+            </a:pPr>
+            <a:r>
+              <a:rPr lang="en-US" dirty="0"/>
+              <a:t>Describe the questions you and your group found interesting, and what motivated you to answer them</a:t>
+            </a:r>
+          </a:p>
+          <a:p>
+            <a:pPr>
+              <a:buFont typeface="Arial" panose="020B0604020202020204" pitchFamily="34" charset="0"/>
+              <a:buChar char="•"/>
+            </a:pPr>
+            <a:r>
+              <a:rPr lang="en-US" dirty="0"/>
+              <a:t>Summarize where and how you found the data you used to answer these questions</a:t>
+            </a:r>
+          </a:p>
+          <a:p>
+            <a:pPr>
+              <a:buFont typeface="Arial" panose="020B0604020202020204" pitchFamily="34" charset="0"/>
+              <a:buChar char="•"/>
+            </a:pPr>
+            <a:r>
+              <a:rPr lang="en-US" dirty="0"/>
+              <a:t>Describe the data exploration and cleanup process (accompanied by your </a:t>
+            </a:r>
+            <a:r>
+              <a:rPr lang="en-US" dirty="0" err="1"/>
+              <a:t>Jupyter</a:t>
+            </a:r>
+            <a:r>
+              <a:rPr lang="en-US" dirty="0"/>
+              <a:t> Notebook)</a:t>
+            </a:r>
+          </a:p>
+          <a:p>
+            <a:pPr>
+              <a:buFont typeface="Arial" panose="020B0604020202020204" pitchFamily="34" charset="0"/>
+              <a:buChar char="•"/>
+            </a:pPr>
+            <a:r>
+              <a:rPr lang="en-US" dirty="0"/>
+              <a:t>Describe the analysis process (accompanied by your </a:t>
+            </a:r>
+            <a:r>
+              <a:rPr lang="en-US" dirty="0" err="1"/>
+              <a:t>Jupyter</a:t>
+            </a:r>
+            <a:r>
+              <a:rPr lang="en-US" dirty="0"/>
+              <a:t> Notebook)</a:t>
+            </a:r>
+          </a:p>
+          <a:p>
+            <a:pPr>
+              <a:buFont typeface="Arial" panose="020B0604020202020204" pitchFamily="34" charset="0"/>
+              <a:buChar char="•"/>
+            </a:pPr>
+            <a:r>
+              <a:rPr lang="en-US" dirty="0"/>
+              <a:t>Summarize your conclusions. This should include a numerical summary (i.e., what data did your analysis yield), as well as visualizations of that summary (plots of the final analysis data)</a:t>
+            </a:r>
+          </a:p>
+          <a:p>
+            <a:pPr>
+              <a:buFont typeface="Arial" panose="020B0604020202020204" pitchFamily="34" charset="0"/>
+              <a:buChar char="•"/>
+            </a:pPr>
+            <a:r>
+              <a:rPr lang="en-US" dirty="0"/>
+              <a:t>Discuss the implications of your findings. This is where you get to have an open-ended discussion about what your findings "mean".</a:t>
+            </a:r>
+          </a:p>
+          <a:p>
+            <a:pPr>
+              <a:buFont typeface="Arial" panose="020B0604020202020204" pitchFamily="34" charset="0"/>
+              <a:buChar char="•"/>
+            </a:pPr>
+            <a:r>
+              <a:rPr lang="en-US" dirty="0"/>
+              <a:t>Tell a good story! Storytelling through data analysis is no different than in literature. Find your narrative and use your analysis and visualization skills to highlight conflict and resolution in your data.</a:t>
+            </a:r>
+          </a:p>
+          <a:p>
+            <a:endParaRPr lang="en-AU" dirty="0"/>
+          </a:p>
+        </p:txBody>
+      </p:sp>
+    </p:spTree>
+    <p:extLst>
+      <p:ext uri="{BB962C8B-B14F-4D97-AF65-F5344CB8AC3E}">
+        <p14:creationId xmlns:p14="http://schemas.microsoft.com/office/powerpoint/2010/main" val="220314126"/>
+      </p:ext>
+    </p:extLst>
+  </p:cSld>
+  <p:clrMapOvr>
+    <a:masterClrMapping/>
+  </p:clrMapOvr>
+</p:sld>
+</file>
+
 <file path=ppt/slides/slide3.xml><?xml version="1.0" encoding="utf-8"?>
 <p:sld xmlns:a="http://schemas.openxmlformats.org/drawingml/2006/main" xmlns:r="http://schemas.openxmlformats.org/officeDocument/2006/relationships" xmlns:p="http://schemas.openxmlformats.org/presentationml/2006/main">
   <p:cSld>
@@ -7523,7 +8461,12 @@
             <p:ph type="title"/>
           </p:nvPr>
         </p:nvSpPr>
-        <p:spPr/>
+        <p:spPr>
+          <a:xfrm>
+            <a:off x="2231136" y="729022"/>
+            <a:ext cx="7729728" cy="1188720"/>
+          </a:xfrm>
+        </p:spPr>
         <p:txBody>
           <a:bodyPr>
             <a:normAutofit fontScale="90000"/>
@@ -7633,7 +8576,7 @@
         </p:blipFill>
         <p:spPr>
           <a:xfrm>
-            <a:off x="2015273" y="3005445"/>
+            <a:off x="1708294" y="3005444"/>
             <a:ext cx="4387706" cy="2288522"/>
           </a:xfrm>
           <a:prstGeom prst="rect">
@@ -7785,7 +8728,7 @@
           <p:cNvPr id="2" name="Title 1">
             <a:extLst>
               <a:ext uri="{FF2B5EF4-FFF2-40B4-BE49-F238E27FC236}">
-                <a16:creationId xmlns:a16="http://schemas.microsoft.com/office/drawing/2014/main" id="{D4112190-B47C-470F-9F25-6023D45B677C}"/>
+                <a16:creationId xmlns:a16="http://schemas.microsoft.com/office/drawing/2014/main" id="{AC4FC0D9-40F7-4DF7-B19D-39CC7A4CEDDB}"/>
               </a:ext>
             </a:extLst>
           </p:cNvPr>
@@ -7798,9 +8741,7 @@
         </p:nvSpPr>
         <p:spPr/>
         <p:txBody>
-          <a:bodyPr>
-            <a:normAutofit fontScale="90000"/>
-          </a:bodyPr>
+          <a:bodyPr/>
           <a:lstStyle/>
           <a:p>
             <a:r>
@@ -7816,64 +8757,87 @@
             </a:br>
             <a:r>
               <a:rPr lang="en-US" dirty="0"/>
-              <a:t> BOTTOM 10 SUBURBS BY CRIME COUNT</a:t>
-            </a:r>
-            <a:br>
-              <a:rPr lang="en-US" dirty="0"/>
-            </a:br>
+              <a:t> TOP 10 SUBURBS BY CRIME COUNT</a:t>
+            </a:r>
             <a:endParaRPr lang="en-AU" dirty="0"/>
           </a:p>
         </p:txBody>
       </p:sp>
-      <p:sp>
-        <p:nvSpPr>
-          <p:cNvPr id="3" name="Content Placeholder 2">
+      <p:pic>
+        <p:nvPicPr>
+          <p:cNvPr id="5" name="Content Placeholder 4" descr="Chart, bar chart&#10;&#10;Description automatically generated">
             <a:extLst>
               <a:ext uri="{FF2B5EF4-FFF2-40B4-BE49-F238E27FC236}">
-                <a16:creationId xmlns:a16="http://schemas.microsoft.com/office/drawing/2014/main" id="{9DE61BC1-0CFD-4085-B545-1FDE0510523F}"/>
+                <a16:creationId xmlns:a16="http://schemas.microsoft.com/office/drawing/2014/main" id="{393D0E56-F411-417B-A2E7-ED198E39578B}"/>
               </a:ext>
             </a:extLst>
           </p:cNvPr>
-          <p:cNvSpPr>
-            <a:spLocks noGrp="1"/>
-          </p:cNvSpPr>
+          <p:cNvPicPr>
+            <a:picLocks noGrp="1" noChangeAspect="1"/>
+          </p:cNvPicPr>
           <p:nvPr>
             <p:ph idx="1"/>
           </p:nvPr>
-        </p:nvSpPr>
-        <p:spPr/>
-        <p:txBody>
-          <a:bodyPr/>
-          <a:lstStyle/>
-          <a:p>
-            <a:r>
-              <a:rPr lang="en-AU" dirty="0"/>
-              <a:t>No graph or bottom 10 as there are an excessive number of locations with just 1 crime for the period of time.  To be able to define a bottom 10 other variables would need to be considered</a:t>
-            </a:r>
-          </a:p>
-          <a:p>
-            <a:r>
-              <a:rPr lang="en-AU" dirty="0">
-                <a:solidFill>
-                  <a:srgbClr val="FF0000"/>
-                </a:solidFill>
-              </a:rPr>
-              <a:t>Insert insights – list suburbs that are in the bottom 10 over the past five financial years. Check if these suburbs are the highest 10 median property price</a:t>
-            </a:r>
-          </a:p>
-          <a:p>
-            <a:endParaRPr lang="en-AU" dirty="0">
-              <a:solidFill>
-                <a:srgbClr val="FF0000"/>
-              </a:solidFill>
-            </a:endParaRPr>
-          </a:p>
-        </p:txBody>
-      </p:sp>
+        </p:nvPicPr>
+        <p:blipFill>
+          <a:blip r:embed="rId2">
+            <a:extLst>
+              <a:ext uri="{28A0092B-C50C-407E-A947-70E740481C1C}">
+                <a14:useLocalDpi xmlns:a14="http://schemas.microsoft.com/office/drawing/2010/main" val="0"/>
+              </a:ext>
+            </a:extLst>
+          </a:blip>
+          <a:stretch>
+            <a:fillRect/>
+          </a:stretch>
+        </p:blipFill>
+        <p:spPr>
+          <a:xfrm>
+            <a:off x="1023822" y="2910077"/>
+            <a:ext cx="4659822" cy="2435020"/>
+          </a:xfrm>
+        </p:spPr>
+      </p:pic>
+      <p:pic>
+        <p:nvPicPr>
+          <p:cNvPr id="7" name="Picture 6" descr="Chart, bar chart&#10;&#10;Description automatically generated">
+            <a:extLst>
+              <a:ext uri="{FF2B5EF4-FFF2-40B4-BE49-F238E27FC236}">
+                <a16:creationId xmlns:a16="http://schemas.microsoft.com/office/drawing/2014/main" id="{23FA6601-CDC8-4C8F-8E84-74BC21894EFC}"/>
+              </a:ext>
+            </a:extLst>
+          </p:cNvPr>
+          <p:cNvPicPr>
+            <a:picLocks noChangeAspect="1"/>
+          </p:cNvPicPr>
+          <p:nvPr/>
+        </p:nvPicPr>
+        <p:blipFill>
+          <a:blip r:embed="rId3">
+            <a:extLst>
+              <a:ext uri="{28A0092B-C50C-407E-A947-70E740481C1C}">
+                <a14:useLocalDpi xmlns:a14="http://schemas.microsoft.com/office/drawing/2010/main" val="0"/>
+              </a:ext>
+            </a:extLst>
+          </a:blip>
+          <a:stretch>
+            <a:fillRect/>
+          </a:stretch>
+        </p:blipFill>
+        <p:spPr>
+          <a:xfrm>
+            <a:off x="6695171" y="2910077"/>
+            <a:ext cx="4647997" cy="2428840"/>
+          </a:xfrm>
+          <a:prstGeom prst="rect">
+            <a:avLst/>
+          </a:prstGeom>
+        </p:spPr>
+      </p:pic>
     </p:spTree>
     <p:extLst>
       <p:ext uri="{BB962C8B-B14F-4D97-AF65-F5344CB8AC3E}">
-        <p14:creationId xmlns:p14="http://schemas.microsoft.com/office/powerpoint/2010/main" val="117376051"/>
+        <p14:creationId xmlns:p14="http://schemas.microsoft.com/office/powerpoint/2010/main" val="1587673485"/>
       </p:ext>
     </p:extLst>
   </p:cSld>
@@ -7905,7 +8869,7 @@
           <p:cNvPr id="2" name="Title 1">
             <a:extLst>
               <a:ext uri="{FF2B5EF4-FFF2-40B4-BE49-F238E27FC236}">
-                <a16:creationId xmlns:a16="http://schemas.microsoft.com/office/drawing/2014/main" id="{D4112190-B47C-470F-9F25-6023D45B677C}"/>
+                <a16:creationId xmlns:a16="http://schemas.microsoft.com/office/drawing/2014/main" id="{2FC8876C-C690-4D34-B4F3-97A32A7F9C35}"/>
               </a:ext>
             </a:extLst>
           </p:cNvPr>
@@ -7918,9 +8882,7 @@
         </p:nvSpPr>
         <p:spPr/>
         <p:txBody>
-          <a:bodyPr>
-            <a:normAutofit fontScale="90000"/>
-          </a:bodyPr>
+          <a:bodyPr/>
           <a:lstStyle/>
           <a:p>
             <a:r>
@@ -7936,68 +8898,87 @@
             </a:br>
             <a:r>
               <a:rPr lang="en-US" dirty="0"/>
-              <a:t> TOP 10 SUBURBS BY PROPERTY PRICE</a:t>
-            </a:r>
-            <a:br>
-              <a:rPr lang="en-US" dirty="0"/>
-            </a:br>
+              <a:t> TOP 10 SUBURBS BY CRIME COUNT</a:t>
+            </a:r>
             <a:endParaRPr lang="en-AU" dirty="0"/>
           </a:p>
         </p:txBody>
       </p:sp>
-      <p:sp>
-        <p:nvSpPr>
-          <p:cNvPr id="3" name="Content Placeholder 2">
+      <p:pic>
+        <p:nvPicPr>
+          <p:cNvPr id="5" name="Content Placeholder 4" descr="Chart, bar chart&#10;&#10;Description automatically generated">
             <a:extLst>
               <a:ext uri="{FF2B5EF4-FFF2-40B4-BE49-F238E27FC236}">
-                <a16:creationId xmlns:a16="http://schemas.microsoft.com/office/drawing/2014/main" id="{9DE61BC1-0CFD-4085-B545-1FDE0510523F}"/>
+                <a16:creationId xmlns:a16="http://schemas.microsoft.com/office/drawing/2014/main" id="{36AB36A0-FE81-4078-AE16-9F5CFDBB5F48}"/>
               </a:ext>
             </a:extLst>
           </p:cNvPr>
-          <p:cNvSpPr>
-            <a:spLocks noGrp="1"/>
-          </p:cNvSpPr>
+          <p:cNvPicPr>
+            <a:picLocks noGrp="1" noChangeAspect="1"/>
+          </p:cNvPicPr>
           <p:nvPr>
             <p:ph idx="1"/>
           </p:nvPr>
-        </p:nvSpPr>
-        <p:spPr/>
-        <p:txBody>
-          <a:bodyPr/>
-          <a:lstStyle/>
-          <a:p>
-            <a:r>
-              <a:rPr lang="en-AU" dirty="0">
-                <a:solidFill>
-                  <a:srgbClr val="FF0000"/>
-                </a:solidFill>
-              </a:rPr>
-              <a:t>Insert graphs</a:t>
-            </a:r>
-          </a:p>
-          <a:p>
-            <a:r>
-              <a:rPr lang="en-AU" dirty="0">
-                <a:solidFill>
-                  <a:srgbClr val="FF0000"/>
-                </a:solidFill>
-              </a:rPr>
-              <a:t>Insert insights – list suburbs that are in the top 10 over the past five financial years</a:t>
-            </a:r>
-          </a:p>
-          <a:p>
-            <a:endParaRPr lang="en-AU" dirty="0">
-              <a:solidFill>
-                <a:srgbClr val="FF0000"/>
-              </a:solidFill>
-            </a:endParaRPr>
-          </a:p>
-        </p:txBody>
-      </p:sp>
+        </p:nvPicPr>
+        <p:blipFill>
+          <a:blip r:embed="rId2">
+            <a:extLst>
+              <a:ext uri="{28A0092B-C50C-407E-A947-70E740481C1C}">
+                <a14:useLocalDpi xmlns:a14="http://schemas.microsoft.com/office/drawing/2010/main" val="0"/>
+              </a:ext>
+            </a:extLst>
+          </a:blip>
+          <a:stretch>
+            <a:fillRect/>
+          </a:stretch>
+        </p:blipFill>
+        <p:spPr>
+          <a:xfrm>
+            <a:off x="972283" y="2972722"/>
+            <a:ext cx="4986627" cy="2553007"/>
+          </a:xfrm>
+        </p:spPr>
+      </p:pic>
+      <p:pic>
+        <p:nvPicPr>
+          <p:cNvPr id="7" name="Picture 6" descr="Chart, bar chart, histogram&#10;&#10;Description automatically generated">
+            <a:extLst>
+              <a:ext uri="{FF2B5EF4-FFF2-40B4-BE49-F238E27FC236}">
+                <a16:creationId xmlns:a16="http://schemas.microsoft.com/office/drawing/2014/main" id="{471EB2BD-1E0D-4A4C-B8E7-40E2A6B21B34}"/>
+              </a:ext>
+            </a:extLst>
+          </p:cNvPr>
+          <p:cNvPicPr>
+            <a:picLocks noChangeAspect="1"/>
+          </p:cNvPicPr>
+          <p:nvPr/>
+        </p:nvPicPr>
+        <p:blipFill>
+          <a:blip r:embed="rId3">
+            <a:extLst>
+              <a:ext uri="{28A0092B-C50C-407E-A947-70E740481C1C}">
+                <a14:useLocalDpi xmlns:a14="http://schemas.microsoft.com/office/drawing/2010/main" val="0"/>
+              </a:ext>
+            </a:extLst>
+          </a:blip>
+          <a:stretch>
+            <a:fillRect/>
+          </a:stretch>
+        </p:blipFill>
+        <p:spPr>
+          <a:xfrm>
+            <a:off x="6488956" y="2972722"/>
+            <a:ext cx="4730761" cy="2558660"/>
+          </a:xfrm>
+          <a:prstGeom prst="rect">
+            <a:avLst/>
+          </a:prstGeom>
+        </p:spPr>
+      </p:pic>
     </p:spTree>
     <p:extLst>
       <p:ext uri="{BB962C8B-B14F-4D97-AF65-F5344CB8AC3E}">
-        <p14:creationId xmlns:p14="http://schemas.microsoft.com/office/powerpoint/2010/main" val="3150616333"/>
+        <p14:creationId xmlns:p14="http://schemas.microsoft.com/office/powerpoint/2010/main" val="2262359111"/>
       </p:ext>
     </p:extLst>
   </p:cSld>
@@ -8060,7 +9041,7 @@
             </a:br>
             <a:r>
               <a:rPr lang="en-US" dirty="0"/>
-              <a:t> BOTTOM 10 SUBURBS BY PROPERTY PRICE</a:t>
+              <a:t> BOTTOM 10 SUBURBS BY CRIME COUNT</a:t>
             </a:r>
             <a:br>
               <a:rPr lang="en-US" dirty="0"/>
@@ -8091,22 +9072,18 @@
           <a:lstStyle/>
           <a:p>
             <a:r>
+              <a:rPr lang="en-AU" dirty="0"/>
+              <a:t>No graph or bottom 10 as there are an excessive number of locations with just 1 crime for the period of time.  To be able to define a bottom 10 other variables would need to be considered</a:t>
+            </a:r>
+          </a:p>
+          <a:p>
+            <a:r>
               <a:rPr lang="en-AU" dirty="0">
                 <a:solidFill>
                   <a:srgbClr val="FF0000"/>
                 </a:solidFill>
               </a:rPr>
-              <a:t>Insert graphs</a:t>
-            </a:r>
-          </a:p>
-          <a:p>
-            <a:r>
-              <a:rPr lang="en-AU" dirty="0">
-                <a:solidFill>
-                  <a:srgbClr val="FF0000"/>
-                </a:solidFill>
-              </a:rPr>
-              <a:t>Insert insights – list suburbs that are in the bottom 10 over the past five financial years.</a:t>
+              <a:t>Insert insights – list suburbs that are in the bottom 10 over the past five financial years. Check if these suburbs are the highest 10 median property price</a:t>
             </a:r>
           </a:p>
           <a:p>
@@ -8121,7 +9098,7 @@
     </p:spTree>
     <p:extLst>
       <p:ext uri="{BB962C8B-B14F-4D97-AF65-F5344CB8AC3E}">
-        <p14:creationId xmlns:p14="http://schemas.microsoft.com/office/powerpoint/2010/main" val="2059596493"/>
+        <p14:creationId xmlns:p14="http://schemas.microsoft.com/office/powerpoint/2010/main" val="117376051"/>
       </p:ext>
     </p:extLst>
   </p:cSld>

--- a/Project 1 Presentation.pptx
+++ b/Project 1 Presentation.pptx
@@ -1102,6 +1102,53 @@
               </a:rPr>
               <a:t> you asked them</a:t>
             </a:r>
+          </a:p>
+          <a:p>
+            <a:pPr marL="0" indent="0">
+              <a:buNone/>
+            </a:pPr>
+            <a:endParaRPr lang="en-US" dirty="0">
+              <a:highlight>
+                <a:srgbClr val="FFFF00"/>
+              </a:highlight>
+            </a:endParaRPr>
+          </a:p>
+          <a:p>
+            <a:pPr marL="0" indent="0">
+              <a:buNone/>
+            </a:pPr>
+            <a:r>
+              <a:rPr lang="en-US" dirty="0"/>
+              <a:t>Will Crime rates will be higher for suburbs with lower median property prices</a:t>
+            </a:r>
+          </a:p>
+          <a:p>
+            <a:pPr marL="0" indent="0">
+              <a:buNone/>
+            </a:pPr>
+            <a:r>
+              <a:rPr lang="en-US" dirty="0"/>
+              <a:t>Will Crime rates will be lower for suburbs with higher median property prices</a:t>
+            </a:r>
+          </a:p>
+          <a:p>
+            <a:pPr marL="0" indent="0">
+              <a:buNone/>
+            </a:pPr>
+            <a:r>
+              <a:rPr lang="en-US" dirty="0"/>
+              <a:t>Will theft have the highest rate</a:t>
+            </a:r>
+          </a:p>
+          <a:p>
+            <a:pPr marL="0" indent="0">
+              <a:buNone/>
+            </a:pPr>
+            <a:endParaRPr lang="en-US" dirty="0">
+              <a:highlight>
+                <a:srgbClr val="FFFF00"/>
+              </a:highlight>
+            </a:endParaRPr>
           </a:p>
           <a:p>
             <a:pPr marL="0" indent="0">
@@ -7535,7 +7582,7 @@
         </p:spPr>
         <p:txBody>
           <a:bodyPr>
-            <a:normAutofit fontScale="62500" lnSpcReduction="20000"/>
+            <a:normAutofit fontScale="85000" lnSpcReduction="20000"/>
           </a:bodyPr>
           <a:lstStyle/>
           <a:p>
@@ -7558,24 +7605,6 @@
             <a:r>
               <a:rPr lang="en-US" dirty="0"/>
               <a:t>Rates of Crime against property directly effects median house price</a:t>
-            </a:r>
-          </a:p>
-          <a:p>
-            <a:pPr marL="0" indent="0">
-              <a:buNone/>
-            </a:pPr>
-            <a:r>
-              <a:rPr lang="en-US" dirty="0"/>
-              <a:t>Crime rates will be higher for suburbs with lower median property prices</a:t>
-            </a:r>
-          </a:p>
-          <a:p>
-            <a:pPr marL="0" indent="0">
-              <a:buNone/>
-            </a:pPr>
-            <a:r>
-              <a:rPr lang="en-US" dirty="0"/>
-              <a:t>Crime rates will be lower for suburbs with higher median property prices</a:t>
             </a:r>
           </a:p>
           <a:p>
@@ -8133,15 +8162,15 @@
             <a:r>
               <a:rPr lang="en-US" dirty="0">
                 <a:solidFill>
-                  <a:srgbClr val="FF0000"/>
+                  <a:schemeClr val="tx1"/>
                 </a:solidFill>
               </a:rPr>
-              <a:t>For the project analysis,  in the crime data pandas were used to create </a:t>
+              <a:t>For the project analysis,  CSV files were imported into pandas to create </a:t>
             </a:r>
             <a:r>
               <a:rPr lang="en-US" dirty="0" err="1">
                 <a:solidFill>
-                  <a:srgbClr val="FF0000"/>
+                  <a:schemeClr val="tx1"/>
                 </a:solidFill>
               </a:rPr>
               <a:t>DataFrames</a:t>
@@ -8149,7 +8178,7 @@
             <a:r>
               <a:rPr lang="en-US" dirty="0">
                 <a:solidFill>
-                  <a:srgbClr val="FF0000"/>
+                  <a:schemeClr val="tx1"/>
                 </a:solidFill>
               </a:rPr>
               <a:t> for this raw data. The SA government file incorporated all types of crimes, but for our analysis we only selected five categories. These five categories are:</a:t>
@@ -8219,7 +8248,7 @@
             <a:pPr lvl="1"/>
             <a:r>
               <a:rPr lang="en-AU" dirty="0"/>
-              <a:t>Most related to the hypothesis, directly effecting house price.  Categories overlooked we more related to commercial property and petty crime</a:t>
+              <a:t>These categories were believed to have the most impact on the hypothesis, directly effecting house price.  Categories overlooked we more related to commercial property and petty crime</a:t>
             </a:r>
           </a:p>
         </p:txBody>
@@ -9073,17 +9102,7 @@
           <a:p>
             <a:r>
               <a:rPr lang="en-AU" dirty="0"/>
-              <a:t>No graph or bottom 10 as there are an excessive number of locations with just 1 crime for the period of time.  To be able to define a bottom 10 other variables would need to be considered</a:t>
-            </a:r>
-          </a:p>
-          <a:p>
-            <a:r>
-              <a:rPr lang="en-AU" dirty="0">
-                <a:solidFill>
-                  <a:srgbClr val="FF0000"/>
-                </a:solidFill>
-              </a:rPr>
-              <a:t>Insert insights – list suburbs that are in the bottom 10 over the past five financial years. Check if these suburbs are the highest 10 median property price</a:t>
+              <a:t>No graph or bottom 10 as there are an excessive number of locations with just one (1) crime for the period of time.  To be able to define the bottom 10 suburbs by crime count other variables would need to be considered</a:t>
             </a:r>
           </a:p>
           <a:p>

--- a/Project 1 Presentation.pptx
+++ b/Project 1 Presentation.pptx
@@ -5,7 +5,7 @@
     <p:sldMasterId id="2147483713" r:id="rId1"/>
   </p:sldMasterIdLst>
   <p:notesMasterIdLst>
-    <p:notesMasterId r:id="rId22"/>
+    <p:notesMasterId r:id="rId18"/>
   </p:notesMasterIdLst>
   <p:sldIdLst>
     <p:sldId id="256" r:id="rId2"/>
@@ -16,18 +16,14 @@
     <p:sldId id="260" r:id="rId7"/>
     <p:sldId id="272" r:id="rId8"/>
     <p:sldId id="273" r:id="rId9"/>
-    <p:sldId id="268" r:id="rId10"/>
-    <p:sldId id="270" r:id="rId11"/>
-    <p:sldId id="274" r:id="rId12"/>
-    <p:sldId id="275" r:id="rId13"/>
-    <p:sldId id="269" r:id="rId14"/>
-    <p:sldId id="276" r:id="rId15"/>
-    <p:sldId id="277" r:id="rId16"/>
-    <p:sldId id="271" r:id="rId17"/>
-    <p:sldId id="262" r:id="rId18"/>
-    <p:sldId id="263" r:id="rId19"/>
-    <p:sldId id="264" r:id="rId20"/>
-    <p:sldId id="265" r:id="rId21"/>
+    <p:sldId id="270" r:id="rId10"/>
+    <p:sldId id="274" r:id="rId11"/>
+    <p:sldId id="275" r:id="rId12"/>
+    <p:sldId id="271" r:id="rId13"/>
+    <p:sldId id="262" r:id="rId14"/>
+    <p:sldId id="263" r:id="rId15"/>
+    <p:sldId id="264" r:id="rId16"/>
+    <p:sldId id="265" r:id="rId17"/>
   </p:sldIdLst>
   <p:sldSz cx="12192000" cy="6858000"/>
   <p:notesSz cx="6858000" cy="9144000"/>
@@ -219,7 +215,7 @@
           <a:p>
             <a:fld id="{2429B6F7-E88D-5542-86AE-E68B90A8D5D5}" type="datetimeFigureOut">
               <a:rPr lang="en-US" smtClean="0"/>
-              <a:t>2/4/2021</a:t>
+              <a:t>2/4/21</a:t>
             </a:fld>
             <a:endParaRPr lang="en-US"/>
           </a:p>
@@ -531,7 +527,10 @@
           <a:bodyPr/>
           <a:lstStyle/>
           <a:p>
-            <a:endParaRPr lang="en-AU" dirty="0"/>
+            <a:r>
+              <a:rPr lang="en-AU" dirty="0"/>
+              <a:t>Kylie</a:t>
+            </a:r>
           </a:p>
         </p:txBody>
       </p:sp>
@@ -616,26 +615,18 @@
           <a:lstStyle/>
           <a:p>
             <a:r>
-              <a:rPr lang="en-AU" dirty="0">
-                <a:solidFill>
-                  <a:srgbClr val="FF0000"/>
-                </a:solidFill>
-              </a:rPr>
-              <a:t>Insert graphs</a:t>
-            </a:r>
-          </a:p>
-          <a:p>
-            <a:r>
-              <a:rPr lang="en-AU" dirty="0">
-                <a:solidFill>
-                  <a:srgbClr val="FF0000"/>
-                </a:solidFill>
-              </a:rPr>
-              <a:t>Insert insights – list suburbs that are in the bottom 10 over the past five financial years.</a:t>
+              <a:rPr lang="en-AU" dirty="0"/>
+              <a:t>Miki</a:t>
             </a:r>
           </a:p>
           <a:p>
             <a:endParaRPr lang="en-AU" dirty="0"/>
+          </a:p>
+          <a:p>
+            <a:r>
+              <a:rPr lang="en-AU" dirty="0"/>
+              <a:t>Missing 2016 -2017 chart</a:t>
+            </a:r>
           </a:p>
         </p:txBody>
       </p:sp>
@@ -656,7 +647,7 @@
           <a:p>
             <a:fld id="{4F2AAB9E-B1B6-7347-AEB9-3DE8A4E8C48F}" type="slidenum">
               <a:rPr lang="en-US" smtClean="0"/>
-              <a:t>13</a:t>
+              <a:t>10</a:t>
             </a:fld>
             <a:endParaRPr lang="en-US"/>
           </a:p>
@@ -665,7 +656,7 @@
     </p:spTree>
     <p:extLst>
       <p:ext uri="{BB962C8B-B14F-4D97-AF65-F5344CB8AC3E}">
-        <p14:creationId xmlns:p14="http://schemas.microsoft.com/office/powerpoint/2010/main" val="3821414977"/>
+        <p14:creationId xmlns:p14="http://schemas.microsoft.com/office/powerpoint/2010/main" val="1682390266"/>
       </p:ext>
     </p:extLst>
   </p:cSld>
@@ -720,8 +711,8 @@
           <a:lstStyle/>
           <a:p>
             <a:r>
-              <a:rPr lang="en-AU" dirty="0"/>
-              <a:t>Chart 2016-2017 missing</a:t>
+              <a:rPr lang="en-US" dirty="0"/>
+              <a:t>Miki</a:t>
             </a:r>
           </a:p>
         </p:txBody>
@@ -743,7 +734,7 @@
           <a:p>
             <a:fld id="{4F2AAB9E-B1B6-7347-AEB9-3DE8A4E8C48F}" type="slidenum">
               <a:rPr lang="en-US" smtClean="0"/>
-              <a:t>14</a:t>
+              <a:t>11</a:t>
             </a:fld>
             <a:endParaRPr lang="en-US"/>
           </a:p>
@@ -752,7 +743,7 @@
     </p:spTree>
     <p:extLst>
       <p:ext uri="{BB962C8B-B14F-4D97-AF65-F5344CB8AC3E}">
-        <p14:creationId xmlns:p14="http://schemas.microsoft.com/office/powerpoint/2010/main" val="4248295468"/>
+        <p14:creationId xmlns:p14="http://schemas.microsoft.com/office/powerpoint/2010/main" val="4053908687"/>
       </p:ext>
     </p:extLst>
   </p:cSld>
@@ -808,6 +799,15 @@
           <a:p>
             <a:r>
               <a:rPr lang="en-US" dirty="0"/>
+              <a:t>Nick</a:t>
+            </a:r>
+          </a:p>
+          <a:p>
+            <a:endParaRPr lang="en-US" dirty="0"/>
+          </a:p>
+          <a:p>
+            <a:r>
+              <a:rPr lang="en-US" dirty="0"/>
               <a:t>Potentially just show one graph</a:t>
             </a:r>
           </a:p>
@@ -844,7 +844,7 @@
           <a:p>
             <a:fld id="{4F2AAB9E-B1B6-7347-AEB9-3DE8A4E8C48F}" type="slidenum">
               <a:rPr lang="en-US" smtClean="0"/>
-              <a:t>16</a:t>
+              <a:t>12</a:t>
             </a:fld>
             <a:endParaRPr lang="en-US"/>
           </a:p>
@@ -907,7 +907,20 @@
           <a:bodyPr/>
           <a:lstStyle/>
           <a:p>
-            <a:endParaRPr lang="en-US" dirty="0"/>
+            <a:r>
+              <a:rPr lang="en-US" dirty="0" err="1"/>
+              <a:t>Presit</a:t>
+            </a:r>
+            <a:r>
+              <a:rPr lang="en-US" dirty="0"/>
+              <a:t> – Challenges </a:t>
+            </a:r>
+          </a:p>
+          <a:p>
+            <a:r>
+              <a:rPr lang="en-US" dirty="0"/>
+              <a:t>Nick – Additional project time</a:t>
+            </a:r>
           </a:p>
         </p:txBody>
       </p:sp>
@@ -928,7 +941,7 @@
           <a:p>
             <a:fld id="{4F2AAB9E-B1B6-7347-AEB9-3DE8A4E8C48F}" type="slidenum">
               <a:rPr lang="en-US" smtClean="0"/>
-              <a:t>17</a:t>
+              <a:t>13</a:t>
             </a:fld>
             <a:endParaRPr lang="en-US"/>
           </a:p>
@@ -1012,7 +1025,7 @@
           <a:p>
             <a:fld id="{4F2AAB9E-B1B6-7347-AEB9-3DE8A4E8C48F}" type="slidenum">
               <a:rPr lang="en-US" smtClean="0"/>
-              <a:t>18</a:t>
+              <a:t>14</a:t>
             </a:fld>
             <a:endParaRPr lang="en-US"/>
           </a:p>
@@ -1084,6 +1097,29 @@
                   <a:srgbClr val="FFFF00"/>
                 </a:highlight>
               </a:rPr>
+              <a:t>Kylie</a:t>
+            </a:r>
+          </a:p>
+          <a:p>
+            <a:pPr marL="0" indent="0">
+              <a:buNone/>
+            </a:pPr>
+            <a:endParaRPr lang="en-US" dirty="0">
+              <a:highlight>
+                <a:srgbClr val="FFFF00"/>
+              </a:highlight>
+            </a:endParaRPr>
+          </a:p>
+          <a:p>
+            <a:pPr marL="0" indent="0">
+              <a:buNone/>
+            </a:pPr>
+            <a:r>
+              <a:rPr lang="en-US" dirty="0">
+                <a:highlight>
+                  <a:srgbClr val="FFFF00"/>
+                </a:highlight>
+              </a:rPr>
               <a:t>Describe the questions you asked, and </a:t>
             </a:r>
             <a:r>
@@ -1281,6 +1317,57 @@
                   <a:srgbClr val="FFFF00"/>
                 </a:highlight>
               </a:rPr>
+              <a:t>Kylie</a:t>
+            </a:r>
+          </a:p>
+          <a:p>
+            <a:pPr marL="0" marR="0" lvl="0" indent="0" algn="l" defTabSz="914400" rtl="0" eaLnBrk="1" fontAlgn="auto" latinLnBrk="0" hangingPunct="1">
+              <a:lnSpc>
+                <a:spcPct val="100000"/>
+              </a:lnSpc>
+              <a:spcBef>
+                <a:spcPts val="0"/>
+              </a:spcBef>
+              <a:spcAft>
+                <a:spcPts val="0"/>
+              </a:spcAft>
+              <a:buClrTx/>
+              <a:buSzTx/>
+              <a:buFontTx/>
+              <a:buNone/>
+              <a:tabLst/>
+              <a:defRPr/>
+            </a:pPr>
+            <a:endParaRPr lang="en-US" dirty="0">
+              <a:highlight>
+                <a:srgbClr val="FFFF00"/>
+              </a:highlight>
+            </a:endParaRPr>
+          </a:p>
+          <a:p>
+            <a:pPr marL="0" marR="0" lvl="0" indent="0" algn="l" defTabSz="914400" rtl="0" eaLnBrk="1" fontAlgn="auto" latinLnBrk="0" hangingPunct="1">
+              <a:lnSpc>
+                <a:spcPct val="100000"/>
+              </a:lnSpc>
+              <a:spcBef>
+                <a:spcPts val="0"/>
+              </a:spcBef>
+              <a:spcAft>
+                <a:spcPts val="0"/>
+              </a:spcAft>
+              <a:buClrTx/>
+              <a:buSzTx/>
+              <a:buFontTx/>
+              <a:buNone/>
+              <a:tabLst/>
+              <a:defRPr/>
+            </a:pPr>
+            <a:r>
+              <a:rPr lang="en-US" dirty="0">
+                <a:highlight>
+                  <a:srgbClr val="FFFF00"/>
+                </a:highlight>
+              </a:rPr>
               <a:t>During the slide talk about:</a:t>
             </a:r>
           </a:p>
@@ -1616,7 +1703,7 @@
           <a:p>
             <a:r>
               <a:rPr lang="en-US" dirty="0"/>
-              <a:t>Nick to complete</a:t>
+              <a:t>Kylie</a:t>
             </a:r>
           </a:p>
           <a:p>
@@ -2013,9 +2100,10 @@
               <a:defRPr/>
             </a:pPr>
             <a:r>
-              <a:rPr lang="en-US" dirty="0"/>
-              <a:t>One excel document per quarter, a lot of data to merge</a:t>
-            </a:r>
+              <a:rPr lang="en-US" dirty="0" err="1"/>
+              <a:t>Presit</a:t>
+            </a:r>
+            <a:endParaRPr lang="en-US" dirty="0"/>
           </a:p>
           <a:p>
             <a:pPr marL="0" marR="0" lvl="0" indent="0" algn="l" defTabSz="914400" rtl="0" eaLnBrk="1" fontAlgn="auto" latinLnBrk="0" hangingPunct="1">
@@ -2035,18 +2123,7 @@
               <a:tabLst/>
               <a:defRPr/>
             </a:pPr>
-            <a:r>
-              <a:rPr lang="en-US" dirty="0"/>
-              <a:t>Lots of </a:t>
-            </a:r>
-            <a:r>
-              <a:rPr lang="en-US" dirty="0" err="1"/>
-              <a:t>NaN</a:t>
-            </a:r>
-            <a:r>
-              <a:rPr lang="en-US" dirty="0"/>
-              <a:t> in the combining of the data due to quarterly data – Median</a:t>
-            </a:r>
+            <a:endParaRPr lang="en-US" dirty="0"/>
           </a:p>
           <a:p>
             <a:pPr marL="0" marR="0" lvl="0" indent="0" algn="l" defTabSz="914400" rtl="0" eaLnBrk="1" fontAlgn="auto" latinLnBrk="0" hangingPunct="1">
@@ -2068,7 +2145,69 @@
             </a:pPr>
             <a:r>
               <a:rPr lang="en-US" dirty="0"/>
-              <a:t>Finding the best way to merge data</a:t>
+              <a:t>One excel document per quarter, a lot of data to merge</a:t>
+            </a:r>
+          </a:p>
+          <a:p>
+            <a:pPr marL="0" marR="0" lvl="0" indent="0" algn="l" defTabSz="914400" rtl="0" eaLnBrk="1" fontAlgn="auto" latinLnBrk="0" hangingPunct="1">
+              <a:lnSpc>
+                <a:spcPct val="100000"/>
+              </a:lnSpc>
+              <a:spcBef>
+                <a:spcPts val="0"/>
+              </a:spcBef>
+              <a:spcAft>
+                <a:spcPts val="0"/>
+              </a:spcAft>
+              <a:buClrTx/>
+              <a:buSzTx/>
+              <a:buFontTx/>
+              <a:buNone/>
+              <a:tabLst/>
+              <a:defRPr/>
+            </a:pPr>
+            <a:r>
+              <a:rPr lang="en-US" dirty="0"/>
+              <a:t>Lots of </a:t>
+            </a:r>
+            <a:r>
+              <a:rPr lang="en-US" dirty="0" err="1"/>
+              <a:t>NaN</a:t>
+            </a:r>
+            <a:r>
+              <a:rPr lang="en-US" dirty="0"/>
+              <a:t> in the combining of the data due to quarterly data – Median</a:t>
+            </a:r>
+          </a:p>
+          <a:p>
+            <a:pPr marL="0" marR="0" lvl="0" indent="0" algn="l" defTabSz="914400" rtl="0" eaLnBrk="1" fontAlgn="auto" latinLnBrk="0" hangingPunct="1">
+              <a:lnSpc>
+                <a:spcPct val="100000"/>
+              </a:lnSpc>
+              <a:spcBef>
+                <a:spcPts val="0"/>
+              </a:spcBef>
+              <a:spcAft>
+                <a:spcPts val="0"/>
+              </a:spcAft>
+              <a:buClrTx/>
+              <a:buSzTx/>
+              <a:buFontTx/>
+              <a:buNone/>
+              <a:tabLst/>
+              <a:defRPr/>
+            </a:pPr>
+            <a:r>
+              <a:rPr lang="en-US" dirty="0"/>
+              <a:t>Finding the best way to merge data (</a:t>
+            </a:r>
+            <a:r>
+              <a:rPr lang="en-US" dirty="0" err="1"/>
+              <a:t>concat</a:t>
+            </a:r>
+            <a:r>
+              <a:rPr lang="en-US" dirty="0"/>
+              <a:t> vs merge)</a:t>
             </a:r>
           </a:p>
           <a:p>
@@ -2164,6 +2303,15 @@
           <a:p>
             <a:r>
               <a:rPr lang="en-AU" dirty="0"/>
+              <a:t>Annabel</a:t>
+            </a:r>
+          </a:p>
+          <a:p>
+            <a:endParaRPr lang="en-AU" dirty="0"/>
+          </a:p>
+          <a:p>
+            <a:r>
+              <a:rPr lang="en-AU" dirty="0"/>
               <a:t>Adelaide (#1 for the whole time)</a:t>
             </a:r>
           </a:p>
@@ -2327,8 +2475,8 @@
           <a:lstStyle/>
           <a:p>
             <a:r>
-              <a:rPr lang="en-AU" dirty="0"/>
-              <a:t>No graph or bottom 10 as there are an excessive number of locations with just 1 crime for the period of time.  To be able to define a bottom 10 other variables would need to be considered</a:t>
+              <a:rPr lang="en-US" dirty="0"/>
+              <a:t>Annabel</a:t>
             </a:r>
           </a:p>
         </p:txBody>
@@ -2350,7 +2498,7 @@
           <a:p>
             <a:fld id="{4F2AAB9E-B1B6-7347-AEB9-3DE8A4E8C48F}" type="slidenum">
               <a:rPr lang="en-US" smtClean="0"/>
-              <a:t>9</a:t>
+              <a:t>7</a:t>
             </a:fld>
             <a:endParaRPr lang="en-US"/>
           </a:p>
@@ -2359,7 +2507,7 @@
     </p:spTree>
     <p:extLst>
       <p:ext uri="{BB962C8B-B14F-4D97-AF65-F5344CB8AC3E}">
-        <p14:creationId xmlns:p14="http://schemas.microsoft.com/office/powerpoint/2010/main" val="2652640691"/>
+        <p14:creationId xmlns:p14="http://schemas.microsoft.com/office/powerpoint/2010/main" val="2495370457"/>
       </p:ext>
     </p:extLst>
   </p:cSld>
@@ -2414,26 +2562,9 @@
           <a:lstStyle/>
           <a:p>
             <a:r>
-              <a:rPr lang="en-AU" dirty="0">
-                <a:solidFill>
-                  <a:srgbClr val="FF0000"/>
-                </a:solidFill>
-              </a:rPr>
-              <a:t>Insert graphs</a:t>
-            </a:r>
-          </a:p>
-          <a:p>
-            <a:r>
-              <a:rPr lang="en-AU" dirty="0">
-                <a:solidFill>
-                  <a:srgbClr val="FF0000"/>
-                </a:solidFill>
-              </a:rPr>
-              <a:t>Insert insights – list suburbs that are in the top 10 over the past five financial years</a:t>
-            </a:r>
-          </a:p>
-          <a:p>
-            <a:endParaRPr lang="en-AU" dirty="0"/>
+              <a:rPr lang="en-US" dirty="0"/>
+              <a:t>Annabel</a:t>
+            </a:r>
           </a:p>
         </p:txBody>
       </p:sp>
@@ -2454,7 +2585,7 @@
           <a:p>
             <a:fld id="{4F2AAB9E-B1B6-7347-AEB9-3DE8A4E8C48F}" type="slidenum">
               <a:rPr lang="en-US" smtClean="0"/>
-              <a:t>10</a:t>
+              <a:t>8</a:t>
             </a:fld>
             <a:endParaRPr lang="en-US"/>
           </a:p>
@@ -2463,7 +2594,7 @@
     </p:spTree>
     <p:extLst>
       <p:ext uri="{BB962C8B-B14F-4D97-AF65-F5344CB8AC3E}">
-        <p14:creationId xmlns:p14="http://schemas.microsoft.com/office/powerpoint/2010/main" val="1074054908"/>
+        <p14:creationId xmlns:p14="http://schemas.microsoft.com/office/powerpoint/2010/main" val="254680774"/>
       </p:ext>
     </p:extLst>
   </p:cSld>
@@ -2518,9 +2649,43 @@
           <a:lstStyle/>
           <a:p>
             <a:r>
-              <a:rPr lang="en-AU" dirty="0"/>
-              <a:t>Missing 2016 -2017 chart</a:t>
-            </a:r>
+              <a:rPr lang="en-AU" dirty="0">
+                <a:solidFill>
+                  <a:srgbClr val="FF0000"/>
+                </a:solidFill>
+              </a:rPr>
+              <a:t>Miki</a:t>
+            </a:r>
+          </a:p>
+          <a:p>
+            <a:endParaRPr lang="en-AU" dirty="0">
+              <a:solidFill>
+                <a:srgbClr val="FF0000"/>
+              </a:solidFill>
+            </a:endParaRPr>
+          </a:p>
+          <a:p>
+            <a:r>
+              <a:rPr lang="en-AU" dirty="0">
+                <a:solidFill>
+                  <a:srgbClr val="FF0000"/>
+                </a:solidFill>
+              </a:rPr>
+              <a:t>Insert graphs</a:t>
+            </a:r>
+          </a:p>
+          <a:p>
+            <a:r>
+              <a:rPr lang="en-AU" dirty="0">
+                <a:solidFill>
+                  <a:srgbClr val="FF0000"/>
+                </a:solidFill>
+              </a:rPr>
+              <a:t>Insert insights – list suburbs that are in the top 10 over the past five financial years</a:t>
+            </a:r>
+          </a:p>
+          <a:p>
+            <a:endParaRPr lang="en-AU" dirty="0"/>
           </a:p>
         </p:txBody>
       </p:sp>
@@ -2541,7 +2706,7 @@
           <a:p>
             <a:fld id="{4F2AAB9E-B1B6-7347-AEB9-3DE8A4E8C48F}" type="slidenum">
               <a:rPr lang="en-US" smtClean="0"/>
-              <a:t>11</a:t>
+              <a:t>9</a:t>
             </a:fld>
             <a:endParaRPr lang="en-US"/>
           </a:p>
@@ -2550,7 +2715,7 @@
     </p:spTree>
     <p:extLst>
       <p:ext uri="{BB962C8B-B14F-4D97-AF65-F5344CB8AC3E}">
-        <p14:creationId xmlns:p14="http://schemas.microsoft.com/office/powerpoint/2010/main" val="1682390266"/>
+        <p14:creationId xmlns:p14="http://schemas.microsoft.com/office/powerpoint/2010/main" val="1074054908"/>
       </p:ext>
     </p:extLst>
   </p:cSld>
@@ -2723,7 +2888,7 @@
           <a:p>
             <a:fld id="{FD85B985-76B1-472F-AE68-4120063CE451}" type="datetimeFigureOut">
               <a:rPr lang="en-AU" smtClean="0"/>
-              <a:t>4/02/2021</a:t>
+              <a:t>4/2/21</a:t>
             </a:fld>
             <a:endParaRPr lang="en-AU"/>
           </a:p>
@@ -2893,7 +3058,7 @@
           <a:p>
             <a:fld id="{FD85B985-76B1-472F-AE68-4120063CE451}" type="datetimeFigureOut">
               <a:rPr lang="en-AU" smtClean="0"/>
-              <a:t>4/02/2021</a:t>
+              <a:t>4/2/21</a:t>
             </a:fld>
             <a:endParaRPr lang="en-AU"/>
           </a:p>
@@ -3073,7 +3238,7 @@
           <a:p>
             <a:fld id="{FD85B985-76B1-472F-AE68-4120063CE451}" type="datetimeFigureOut">
               <a:rPr lang="en-AU" smtClean="0"/>
-              <a:t>4/02/2021</a:t>
+              <a:t>4/2/21</a:t>
             </a:fld>
             <a:endParaRPr lang="en-AU"/>
           </a:p>
@@ -3243,7 +3408,7 @@
           <a:p>
             <a:fld id="{FD85B985-76B1-472F-AE68-4120063CE451}" type="datetimeFigureOut">
               <a:rPr lang="en-AU" smtClean="0"/>
-              <a:t>4/02/2021</a:t>
+              <a:t>4/2/21</a:t>
             </a:fld>
             <a:endParaRPr lang="en-AU"/>
           </a:p>
@@ -3511,7 +3676,7 @@
           <a:p>
             <a:fld id="{FD85B985-76B1-472F-AE68-4120063CE451}" type="datetimeFigureOut">
               <a:rPr lang="en-AU" smtClean="0"/>
-              <a:t>4/02/2021</a:t>
+              <a:t>4/2/21</a:t>
             </a:fld>
             <a:endParaRPr lang="en-AU"/>
           </a:p>
@@ -3743,7 +3908,7 @@
           <a:p>
             <a:fld id="{FD85B985-76B1-472F-AE68-4120063CE451}" type="datetimeFigureOut">
               <a:rPr lang="en-AU" smtClean="0"/>
-              <a:t>4/02/2021</a:t>
+              <a:t>4/2/21</a:t>
             </a:fld>
             <a:endParaRPr lang="en-AU"/>
           </a:p>
@@ -4102,7 +4267,7 @@
           <a:p>
             <a:fld id="{FD85B985-76B1-472F-AE68-4120063CE451}" type="datetimeFigureOut">
               <a:rPr lang="en-AU" smtClean="0"/>
-              <a:t>4/02/2021</a:t>
+              <a:t>4/2/21</a:t>
             </a:fld>
             <a:endParaRPr lang="en-AU"/>
           </a:p>
@@ -4243,7 +4408,7 @@
           <a:p>
             <a:fld id="{FD85B985-76B1-472F-AE68-4120063CE451}" type="datetimeFigureOut">
               <a:rPr lang="en-AU" smtClean="0"/>
-              <a:t>4/02/2021</a:t>
+              <a:t>4/2/21</a:t>
             </a:fld>
             <a:endParaRPr lang="en-AU"/>
           </a:p>
@@ -4338,7 +4503,7 @@
           <a:p>
             <a:fld id="{FD85B985-76B1-472F-AE68-4120063CE451}" type="datetimeFigureOut">
               <a:rPr lang="en-AU" smtClean="0"/>
-              <a:t>4/02/2021</a:t>
+              <a:t>4/2/21</a:t>
             </a:fld>
             <a:endParaRPr lang="en-AU"/>
           </a:p>
@@ -4695,7 +4860,7 @@
           <a:p>
             <a:fld id="{FD85B985-76B1-472F-AE68-4120063CE451}" type="datetimeFigureOut">
               <a:rPr lang="en-AU" smtClean="0"/>
-              <a:t>4/02/2021</a:t>
+              <a:t>4/2/21</a:t>
             </a:fld>
             <a:endParaRPr lang="en-AU"/>
           </a:p>
@@ -5052,7 +5217,7 @@
           <a:p>
             <a:fld id="{FD85B985-76B1-472F-AE68-4120063CE451}" type="datetimeFigureOut">
               <a:rPr lang="en-AU" smtClean="0"/>
-              <a:t>4/02/2021</a:t>
+              <a:t>4/2/21</a:t>
             </a:fld>
             <a:endParaRPr lang="en-AU"/>
           </a:p>
@@ -5294,7 +5459,7 @@
           <a:p>
             <a:fld id="{FD85B985-76B1-472F-AE68-4120063CE451}" type="datetimeFigureOut">
               <a:rPr lang="en-AU" smtClean="0"/>
-              <a:t>4/02/2021</a:t>
+              <a:t>4/2/21</a:t>
             </a:fld>
             <a:endParaRPr lang="en-AU"/>
           </a:p>
@@ -6145,116 +6310,6 @@
           <p:cNvPr id="2" name="Title 1">
             <a:extLst>
               <a:ext uri="{FF2B5EF4-FFF2-40B4-BE49-F238E27FC236}">
-                <a16:creationId xmlns:a16="http://schemas.microsoft.com/office/drawing/2014/main" id="{D4112190-B47C-470F-9F25-6023D45B677C}"/>
-              </a:ext>
-            </a:extLst>
-          </p:cNvPr>
-          <p:cNvSpPr>
-            <a:spLocks noGrp="1"/>
-          </p:cNvSpPr>
-          <p:nvPr>
-            <p:ph type="title"/>
-          </p:nvPr>
-        </p:nvSpPr>
-        <p:spPr/>
-        <p:txBody>
-          <a:bodyPr>
-            <a:normAutofit fontScale="90000"/>
-          </a:bodyPr>
-          <a:lstStyle/>
-          <a:p>
-            <a:r>
-              <a:rPr lang="en-US" dirty="0"/>
-              <a:t>Data </a:t>
-            </a:r>
-            <a:r>
-              <a:rPr lang="en-US" dirty="0" err="1"/>
-              <a:t>AnalysiS</a:t>
-            </a:r>
-            <a:br>
-              <a:rPr lang="en-US" dirty="0"/>
-            </a:br>
-            <a:r>
-              <a:rPr lang="en-US" dirty="0"/>
-              <a:t> TOP 10 SUBURBS BY PROPERTY PRICE</a:t>
-            </a:r>
-            <a:br>
-              <a:rPr lang="en-US" dirty="0"/>
-            </a:br>
-            <a:endParaRPr lang="en-AU" dirty="0"/>
-          </a:p>
-        </p:txBody>
-      </p:sp>
-      <p:pic>
-        <p:nvPicPr>
-          <p:cNvPr id="5" name="Content Placeholder 4" descr="Icon&#10;&#10;Description automatically generated">
-            <a:extLst>
-              <a:ext uri="{FF2B5EF4-FFF2-40B4-BE49-F238E27FC236}">
-                <a16:creationId xmlns:a16="http://schemas.microsoft.com/office/drawing/2014/main" id="{8C3E7055-D6FF-4E94-8DBD-D142F3407FF2}"/>
-              </a:ext>
-            </a:extLst>
-          </p:cNvPr>
-          <p:cNvPicPr>
-            <a:picLocks noGrp="1" noChangeAspect="1"/>
-          </p:cNvPicPr>
-          <p:nvPr>
-            <p:ph idx="1"/>
-          </p:nvPr>
-        </p:nvPicPr>
-        <p:blipFill>
-          <a:blip r:embed="rId3">
-            <a:extLst>
-              <a:ext uri="{28A0092B-C50C-407E-A947-70E740481C1C}">
-                <a14:useLocalDpi xmlns:a14="http://schemas.microsoft.com/office/drawing/2010/main" val="0"/>
-              </a:ext>
-            </a:extLst>
-          </a:blip>
-          <a:stretch>
-            <a:fillRect/>
-          </a:stretch>
-        </p:blipFill>
-        <p:spPr>
-          <a:xfrm>
-            <a:off x="1137510" y="2795469"/>
-            <a:ext cx="4542500" cy="3097837"/>
-          </a:xfrm>
-        </p:spPr>
-      </p:pic>
-    </p:spTree>
-    <p:extLst>
-      <p:ext uri="{BB962C8B-B14F-4D97-AF65-F5344CB8AC3E}">
-        <p14:creationId xmlns:p14="http://schemas.microsoft.com/office/powerpoint/2010/main" val="3150616333"/>
-      </p:ext>
-    </p:extLst>
-  </p:cSld>
-  <p:clrMapOvr>
-    <a:masterClrMapping/>
-  </p:clrMapOvr>
-</p:sld>
-</file>
-
-<file path=ppt/slides/slide11.xml><?xml version="1.0" encoding="utf-8"?>
-<p:sld xmlns:a="http://schemas.openxmlformats.org/drawingml/2006/main" xmlns:r="http://schemas.openxmlformats.org/officeDocument/2006/relationships" xmlns:p="http://schemas.openxmlformats.org/presentationml/2006/main">
-  <p:cSld>
-    <p:spTree>
-      <p:nvGrpSpPr>
-        <p:cNvPr id="1" name=""/>
-        <p:cNvGrpSpPr/>
-        <p:nvPr/>
-      </p:nvGrpSpPr>
-      <p:grpSpPr>
-        <a:xfrm>
-          <a:off x="0" y="0"/>
-          <a:ext cx="0" cy="0"/>
-          <a:chOff x="0" y="0"/>
-          <a:chExt cx="0" cy="0"/>
-        </a:xfrm>
-      </p:grpSpPr>
-      <p:sp>
-        <p:nvSpPr>
-          <p:cNvPr id="2" name="Title 1">
-            <a:extLst>
-              <a:ext uri="{FF2B5EF4-FFF2-40B4-BE49-F238E27FC236}">
                 <a16:creationId xmlns:a16="http://schemas.microsoft.com/office/drawing/2014/main" id="{41198B77-23C6-4C9A-92CD-4ACB88F9C9FF}"/>
               </a:ext>
             </a:extLst>
@@ -6339,7 +6394,7 @@
 </p:sld>
 </file>
 
-<file path=ppt/slides/slide12.xml><?xml version="1.0" encoding="utf-8"?>
+<file path=ppt/slides/slide11.xml><?xml version="1.0" encoding="utf-8"?>
 <p:sld xmlns:a="http://schemas.openxmlformats.org/drawingml/2006/main" xmlns:r="http://schemas.openxmlformats.org/officeDocument/2006/relationships" xmlns:p="http://schemas.openxmlformats.org/presentationml/2006/main">
   <p:cSld>
     <p:spTree>
@@ -6413,7 +6468,7 @@
           </p:nvPr>
         </p:nvPicPr>
         <p:blipFill>
-          <a:blip r:embed="rId2">
+          <a:blip r:embed="rId3">
             <a:extLst>
               <a:ext uri="{28A0092B-C50C-407E-A947-70E740481C1C}">
                 <a14:useLocalDpi xmlns:a14="http://schemas.microsoft.com/office/drawing/2010/main" val="0"/>
@@ -6446,7 +6501,7 @@
           <p:nvPr/>
         </p:nvPicPr>
         <p:blipFill>
-          <a:blip r:embed="rId3">
+          <a:blip r:embed="rId4">
             <a:extLst>
               <a:ext uri="{28A0092B-C50C-407E-A947-70E740481C1C}">
                 <a14:useLocalDpi xmlns:a14="http://schemas.microsoft.com/office/drawing/2010/main" val="0"/>
@@ -6480,368 +6535,7 @@
 </p:sld>
 </file>
 
-<file path=ppt/slides/slide13.xml><?xml version="1.0" encoding="utf-8"?>
-<p:sld xmlns:a="http://schemas.openxmlformats.org/drawingml/2006/main" xmlns:r="http://schemas.openxmlformats.org/officeDocument/2006/relationships" xmlns:p="http://schemas.openxmlformats.org/presentationml/2006/main">
-  <p:cSld>
-    <p:spTree>
-      <p:nvGrpSpPr>
-        <p:cNvPr id="1" name=""/>
-        <p:cNvGrpSpPr/>
-        <p:nvPr/>
-      </p:nvGrpSpPr>
-      <p:grpSpPr>
-        <a:xfrm>
-          <a:off x="0" y="0"/>
-          <a:ext cx="0" cy="0"/>
-          <a:chOff x="0" y="0"/>
-          <a:chExt cx="0" cy="0"/>
-        </a:xfrm>
-      </p:grpSpPr>
-      <p:sp>
-        <p:nvSpPr>
-          <p:cNvPr id="2" name="Title 1">
-            <a:extLst>
-              <a:ext uri="{FF2B5EF4-FFF2-40B4-BE49-F238E27FC236}">
-                <a16:creationId xmlns:a16="http://schemas.microsoft.com/office/drawing/2014/main" id="{D4112190-B47C-470F-9F25-6023D45B677C}"/>
-              </a:ext>
-            </a:extLst>
-          </p:cNvPr>
-          <p:cNvSpPr>
-            <a:spLocks noGrp="1"/>
-          </p:cNvSpPr>
-          <p:nvPr>
-            <p:ph type="title"/>
-          </p:nvPr>
-        </p:nvSpPr>
-        <p:spPr/>
-        <p:txBody>
-          <a:bodyPr>
-            <a:normAutofit fontScale="90000"/>
-          </a:bodyPr>
-          <a:lstStyle/>
-          <a:p>
-            <a:r>
-              <a:rPr lang="en-US" dirty="0"/>
-              <a:t>Data </a:t>
-            </a:r>
-            <a:r>
-              <a:rPr lang="en-US" dirty="0" err="1"/>
-              <a:t>AnalysiS</a:t>
-            </a:r>
-            <a:br>
-              <a:rPr lang="en-US" dirty="0"/>
-            </a:br>
-            <a:r>
-              <a:rPr lang="en-US" dirty="0"/>
-              <a:t> BOTTOM 10 SUBURBS BY PROPERTY PRICE</a:t>
-            </a:r>
-            <a:br>
-              <a:rPr lang="en-US" dirty="0"/>
-            </a:br>
-            <a:endParaRPr lang="en-AU" dirty="0"/>
-          </a:p>
-        </p:txBody>
-      </p:sp>
-      <p:pic>
-        <p:nvPicPr>
-          <p:cNvPr id="5" name="Picture 4" descr="Icon&#10;&#10;Description automatically generated">
-            <a:extLst>
-              <a:ext uri="{FF2B5EF4-FFF2-40B4-BE49-F238E27FC236}">
-                <a16:creationId xmlns:a16="http://schemas.microsoft.com/office/drawing/2014/main" id="{2B7A0093-D2F6-4BEF-81F5-DB6DC01B6460}"/>
-              </a:ext>
-            </a:extLst>
-          </p:cNvPr>
-          <p:cNvPicPr>
-            <a:picLocks noChangeAspect="1"/>
-          </p:cNvPicPr>
-          <p:nvPr/>
-        </p:nvPicPr>
-        <p:blipFill>
-          <a:blip r:embed="rId3">
-            <a:extLst>
-              <a:ext uri="{28A0092B-C50C-407E-A947-70E740481C1C}">
-                <a14:useLocalDpi xmlns:a14="http://schemas.microsoft.com/office/drawing/2010/main" val="0"/>
-              </a:ext>
-            </a:extLst>
-          </a:blip>
-          <a:stretch>
-            <a:fillRect/>
-          </a:stretch>
-        </p:blipFill>
-        <p:spPr>
-          <a:xfrm>
-            <a:off x="1059228" y="2750781"/>
-            <a:ext cx="4496000" cy="2987848"/>
-          </a:xfrm>
-          <a:prstGeom prst="rect">
-            <a:avLst/>
-          </a:prstGeom>
-        </p:spPr>
-      </p:pic>
-    </p:spTree>
-    <p:extLst>
-      <p:ext uri="{BB962C8B-B14F-4D97-AF65-F5344CB8AC3E}">
-        <p14:creationId xmlns:p14="http://schemas.microsoft.com/office/powerpoint/2010/main" val="2059596493"/>
-      </p:ext>
-    </p:extLst>
-  </p:cSld>
-  <p:clrMapOvr>
-    <a:masterClrMapping/>
-  </p:clrMapOvr>
-</p:sld>
-</file>
-
-<file path=ppt/slides/slide14.xml><?xml version="1.0" encoding="utf-8"?>
-<p:sld xmlns:a="http://schemas.openxmlformats.org/drawingml/2006/main" xmlns:r="http://schemas.openxmlformats.org/officeDocument/2006/relationships" xmlns:p="http://schemas.openxmlformats.org/presentationml/2006/main">
-  <p:cSld>
-    <p:spTree>
-      <p:nvGrpSpPr>
-        <p:cNvPr id="1" name=""/>
-        <p:cNvGrpSpPr/>
-        <p:nvPr/>
-      </p:nvGrpSpPr>
-      <p:grpSpPr>
-        <a:xfrm>
-          <a:off x="0" y="0"/>
-          <a:ext cx="0" cy="0"/>
-          <a:chOff x="0" y="0"/>
-          <a:chExt cx="0" cy="0"/>
-        </a:xfrm>
-      </p:grpSpPr>
-      <p:sp>
-        <p:nvSpPr>
-          <p:cNvPr id="2" name="Title 1">
-            <a:extLst>
-              <a:ext uri="{FF2B5EF4-FFF2-40B4-BE49-F238E27FC236}">
-                <a16:creationId xmlns:a16="http://schemas.microsoft.com/office/drawing/2014/main" id="{1912BA3D-5E20-4EE3-9166-992A1C66B1BD}"/>
-              </a:ext>
-            </a:extLst>
-          </p:cNvPr>
-          <p:cNvSpPr>
-            <a:spLocks noGrp="1"/>
-          </p:cNvSpPr>
-          <p:nvPr>
-            <p:ph type="title"/>
-          </p:nvPr>
-        </p:nvSpPr>
-        <p:spPr/>
-        <p:txBody>
-          <a:bodyPr>
-            <a:normAutofit fontScale="90000"/>
-          </a:bodyPr>
-          <a:lstStyle/>
-          <a:p>
-            <a:r>
-              <a:rPr lang="en-US" dirty="0"/>
-              <a:t>Data </a:t>
-            </a:r>
-            <a:r>
-              <a:rPr lang="en-US" dirty="0" err="1"/>
-              <a:t>AnalysiS</a:t>
-            </a:r>
-            <a:br>
-              <a:rPr lang="en-US" dirty="0"/>
-            </a:br>
-            <a:r>
-              <a:rPr lang="en-US" dirty="0"/>
-              <a:t> BOTTOM 10 SUBURBS BY PROPERTY PRICE</a:t>
-            </a:r>
-            <a:endParaRPr lang="en-AU" dirty="0"/>
-          </a:p>
-        </p:txBody>
-      </p:sp>
-      <p:pic>
-        <p:nvPicPr>
-          <p:cNvPr id="5" name="Content Placeholder 4" descr="Icon&#10;&#10;Description automatically generated">
-            <a:extLst>
-              <a:ext uri="{FF2B5EF4-FFF2-40B4-BE49-F238E27FC236}">
-                <a16:creationId xmlns:a16="http://schemas.microsoft.com/office/drawing/2014/main" id="{5A98B2EF-8D6D-48BB-8BEE-69925EFE56B4}"/>
-              </a:ext>
-            </a:extLst>
-          </p:cNvPr>
-          <p:cNvPicPr>
-            <a:picLocks noGrp="1" noChangeAspect="1"/>
-          </p:cNvPicPr>
-          <p:nvPr>
-            <p:ph idx="1"/>
-          </p:nvPr>
-        </p:nvPicPr>
-        <p:blipFill>
-          <a:blip r:embed="rId3">
-            <a:extLst>
-              <a:ext uri="{28A0092B-C50C-407E-A947-70E740481C1C}">
-                <a14:useLocalDpi xmlns:a14="http://schemas.microsoft.com/office/drawing/2010/main" val="0"/>
-              </a:ext>
-            </a:extLst>
-          </a:blip>
-          <a:stretch>
-            <a:fillRect/>
-          </a:stretch>
-        </p:blipFill>
-        <p:spPr>
-          <a:xfrm>
-            <a:off x="6741307" y="2569599"/>
-            <a:ext cx="4667734" cy="3101975"/>
-          </a:xfrm>
-        </p:spPr>
-      </p:pic>
-    </p:spTree>
-    <p:extLst>
-      <p:ext uri="{BB962C8B-B14F-4D97-AF65-F5344CB8AC3E}">
-        <p14:creationId xmlns:p14="http://schemas.microsoft.com/office/powerpoint/2010/main" val="681243004"/>
-      </p:ext>
-    </p:extLst>
-  </p:cSld>
-  <p:clrMapOvr>
-    <a:masterClrMapping/>
-  </p:clrMapOvr>
-</p:sld>
-</file>
-
-<file path=ppt/slides/slide15.xml><?xml version="1.0" encoding="utf-8"?>
-<p:sld xmlns:a="http://schemas.openxmlformats.org/drawingml/2006/main" xmlns:r="http://schemas.openxmlformats.org/officeDocument/2006/relationships" xmlns:p="http://schemas.openxmlformats.org/presentationml/2006/main">
-  <p:cSld>
-    <p:spTree>
-      <p:nvGrpSpPr>
-        <p:cNvPr id="1" name=""/>
-        <p:cNvGrpSpPr/>
-        <p:nvPr/>
-      </p:nvGrpSpPr>
-      <p:grpSpPr>
-        <a:xfrm>
-          <a:off x="0" y="0"/>
-          <a:ext cx="0" cy="0"/>
-          <a:chOff x="0" y="0"/>
-          <a:chExt cx="0" cy="0"/>
-        </a:xfrm>
-      </p:grpSpPr>
-      <p:sp>
-        <p:nvSpPr>
-          <p:cNvPr id="2" name="Title 1">
-            <a:extLst>
-              <a:ext uri="{FF2B5EF4-FFF2-40B4-BE49-F238E27FC236}">
-                <a16:creationId xmlns:a16="http://schemas.microsoft.com/office/drawing/2014/main" id="{C2EB7043-B959-4267-9150-EB045B42E519}"/>
-              </a:ext>
-            </a:extLst>
-          </p:cNvPr>
-          <p:cNvSpPr>
-            <a:spLocks noGrp="1"/>
-          </p:cNvSpPr>
-          <p:nvPr>
-            <p:ph type="title"/>
-          </p:nvPr>
-        </p:nvSpPr>
-        <p:spPr/>
-        <p:txBody>
-          <a:bodyPr>
-            <a:normAutofit fontScale="90000"/>
-          </a:bodyPr>
-          <a:lstStyle/>
-          <a:p>
-            <a:r>
-              <a:rPr lang="en-US" dirty="0"/>
-              <a:t>Data </a:t>
-            </a:r>
-            <a:r>
-              <a:rPr lang="en-US" dirty="0" err="1"/>
-              <a:t>AnalysiS</a:t>
-            </a:r>
-            <a:br>
-              <a:rPr lang="en-US" dirty="0"/>
-            </a:br>
-            <a:r>
-              <a:rPr lang="en-US" dirty="0"/>
-              <a:t> BOTTOM 10 SUBURBS BY PROPERTY PRICE</a:t>
-            </a:r>
-            <a:endParaRPr lang="en-AU" dirty="0"/>
-          </a:p>
-        </p:txBody>
-      </p:sp>
-      <p:pic>
-        <p:nvPicPr>
-          <p:cNvPr id="5" name="Content Placeholder 4" descr="Icon&#10;&#10;Description automatically generated">
-            <a:extLst>
-              <a:ext uri="{FF2B5EF4-FFF2-40B4-BE49-F238E27FC236}">
-                <a16:creationId xmlns:a16="http://schemas.microsoft.com/office/drawing/2014/main" id="{118D4FEB-AC0B-4706-9465-5CBB0D8457A8}"/>
-              </a:ext>
-            </a:extLst>
-          </p:cNvPr>
-          <p:cNvPicPr>
-            <a:picLocks noGrp="1" noChangeAspect="1"/>
-          </p:cNvPicPr>
-          <p:nvPr>
-            <p:ph idx="1"/>
-          </p:nvPr>
-        </p:nvPicPr>
-        <p:blipFill>
-          <a:blip r:embed="rId2">
-            <a:extLst>
-              <a:ext uri="{28A0092B-C50C-407E-A947-70E740481C1C}">
-                <a14:useLocalDpi xmlns:a14="http://schemas.microsoft.com/office/drawing/2010/main" val="0"/>
-              </a:ext>
-            </a:extLst>
-          </a:blip>
-          <a:stretch>
-            <a:fillRect/>
-          </a:stretch>
-        </p:blipFill>
-        <p:spPr>
-          <a:xfrm>
-            <a:off x="1052051" y="2707986"/>
-            <a:ext cx="4667734" cy="3101975"/>
-          </a:xfrm>
-        </p:spPr>
-      </p:pic>
-      <p:pic>
-        <p:nvPicPr>
-          <p:cNvPr id="7" name="Picture 6" descr="Icon&#10;&#10;Description automatically generated">
-            <a:extLst>
-              <a:ext uri="{FF2B5EF4-FFF2-40B4-BE49-F238E27FC236}">
-                <a16:creationId xmlns:a16="http://schemas.microsoft.com/office/drawing/2014/main" id="{5FCE27FB-90E8-4EE6-85E9-B7EAFDEB481D}"/>
-              </a:ext>
-            </a:extLst>
-          </p:cNvPr>
-          <p:cNvPicPr>
-            <a:picLocks noChangeAspect="1"/>
-          </p:cNvPicPr>
-          <p:nvPr/>
-        </p:nvPicPr>
-        <p:blipFill>
-          <a:blip r:embed="rId3">
-            <a:extLst>
-              <a:ext uri="{28A0092B-C50C-407E-A947-70E740481C1C}">
-                <a14:useLocalDpi xmlns:a14="http://schemas.microsoft.com/office/drawing/2010/main" val="0"/>
-              </a:ext>
-            </a:extLst>
-          </a:blip>
-          <a:stretch>
-            <a:fillRect/>
-          </a:stretch>
-        </p:blipFill>
-        <p:spPr>
-          <a:xfrm>
-            <a:off x="6351639" y="2667922"/>
-            <a:ext cx="4788310" cy="3182105"/>
-          </a:xfrm>
-          <a:prstGeom prst="rect">
-            <a:avLst/>
-          </a:prstGeom>
-        </p:spPr>
-      </p:pic>
-    </p:spTree>
-    <p:extLst>
-      <p:ext uri="{BB962C8B-B14F-4D97-AF65-F5344CB8AC3E}">
-        <p14:creationId xmlns:p14="http://schemas.microsoft.com/office/powerpoint/2010/main" val="2907969553"/>
-      </p:ext>
-    </p:extLst>
-  </p:cSld>
-  <p:clrMapOvr>
-    <a:masterClrMapping/>
-  </p:clrMapOvr>
-</p:sld>
-</file>
-
-<file path=ppt/slides/slide16.xml><?xml version="1.0" encoding="utf-8"?>
+<file path=ppt/slides/slide12.xml><?xml version="1.0" encoding="utf-8"?>
 <p:sld xmlns:a="http://schemas.openxmlformats.org/drawingml/2006/main" xmlns:r="http://schemas.openxmlformats.org/officeDocument/2006/relationships" xmlns:p="http://schemas.openxmlformats.org/presentationml/2006/main">
   <p:cSld>
     <p:spTree>
@@ -7035,7 +6729,7 @@
 </p:sld>
 </file>
 
-<file path=ppt/slides/slide17.xml><?xml version="1.0" encoding="utf-8"?>
+<file path=ppt/slides/slide13.xml><?xml version="1.0" encoding="utf-8"?>
 <p:sld xmlns:a="http://schemas.openxmlformats.org/drawingml/2006/main" xmlns:r="http://schemas.openxmlformats.org/officeDocument/2006/relationships" xmlns:p="http://schemas.openxmlformats.org/presentationml/2006/main">
   <p:cSld>
     <p:spTree>
@@ -7229,7 +6923,7 @@
 </p:sld>
 </file>
 
-<file path=ppt/slides/slide18.xml><?xml version="1.0" encoding="utf-8"?>
+<file path=ppt/slides/slide14.xml><?xml version="1.0" encoding="utf-8"?>
 <p:sld xmlns:a="http://schemas.openxmlformats.org/drawingml/2006/main" xmlns:r="http://schemas.openxmlformats.org/officeDocument/2006/relationships" xmlns:p="http://schemas.openxmlformats.org/presentationml/2006/main">
   <p:cSld>
     <p:spTree>
@@ -7319,7 +7013,7 @@
 </p:sld>
 </file>
 
-<file path=ppt/slides/slide19.xml><?xml version="1.0" encoding="utf-8"?>
+<file path=ppt/slides/slide15.xml><?xml version="1.0" encoding="utf-8"?>
 <p:sld xmlns:a="http://schemas.openxmlformats.org/drawingml/2006/main" xmlns:r="http://schemas.openxmlformats.org/officeDocument/2006/relationships" xmlns:p="http://schemas.openxmlformats.org/presentationml/2006/main" show="0">
   <p:cSld>
     <p:spTree>
@@ -7500,6 +7194,209 @@
     <p:extLst>
       <p:ext uri="{BB962C8B-B14F-4D97-AF65-F5344CB8AC3E}">
         <p14:creationId xmlns:p14="http://schemas.microsoft.com/office/powerpoint/2010/main" val="4011474787"/>
+      </p:ext>
+    </p:extLst>
+  </p:cSld>
+  <p:clrMapOvr>
+    <a:masterClrMapping/>
+  </p:clrMapOvr>
+</p:sld>
+</file>
+
+<file path=ppt/slides/slide16.xml><?xml version="1.0" encoding="utf-8"?>
+<p:sld xmlns:a="http://schemas.openxmlformats.org/drawingml/2006/main" xmlns:r="http://schemas.openxmlformats.org/officeDocument/2006/relationships" xmlns:p="http://schemas.openxmlformats.org/presentationml/2006/main" show="0">
+  <p:cSld>
+    <p:spTree>
+      <p:nvGrpSpPr>
+        <p:cNvPr id="1" name=""/>
+        <p:cNvGrpSpPr/>
+        <p:nvPr/>
+      </p:nvGrpSpPr>
+      <p:grpSpPr>
+        <a:xfrm>
+          <a:off x="0" y="0"/>
+          <a:ext cx="0" cy="0"/>
+          <a:chOff x="0" y="0"/>
+          <a:chExt cx="0" cy="0"/>
+        </a:xfrm>
+      </p:grpSpPr>
+      <p:sp>
+        <p:nvSpPr>
+          <p:cNvPr id="2" name="Title 1">
+            <a:extLst>
+              <a:ext uri="{FF2B5EF4-FFF2-40B4-BE49-F238E27FC236}">
+                <a16:creationId xmlns:a16="http://schemas.microsoft.com/office/drawing/2014/main" id="{111F2E32-EA5D-4D5A-9751-851D77B11313}"/>
+              </a:ext>
+            </a:extLst>
+          </p:cNvPr>
+          <p:cNvSpPr>
+            <a:spLocks noGrp="1"/>
+          </p:cNvSpPr>
+          <p:nvPr>
+            <p:ph type="title"/>
+          </p:nvPr>
+        </p:nvSpPr>
+        <p:spPr/>
+        <p:txBody>
+          <a:bodyPr/>
+          <a:lstStyle/>
+          <a:p>
+            <a:r>
+              <a:rPr lang="en-AU" dirty="0"/>
+              <a:t>Must Complete for Presentation</a:t>
+            </a:r>
+          </a:p>
+        </p:txBody>
+      </p:sp>
+      <p:sp>
+        <p:nvSpPr>
+          <p:cNvPr id="3" name="Content Placeholder 2">
+            <a:extLst>
+              <a:ext uri="{FF2B5EF4-FFF2-40B4-BE49-F238E27FC236}">
+                <a16:creationId xmlns:a16="http://schemas.microsoft.com/office/drawing/2014/main" id="{A78EBA7C-5C18-4A7B-85EF-BD711BBEF3E2}"/>
+              </a:ext>
+            </a:extLst>
+          </p:cNvPr>
+          <p:cNvSpPr>
+            <a:spLocks noGrp="1"/>
+          </p:cNvSpPr>
+          <p:nvPr>
+            <p:ph idx="1"/>
+          </p:nvPr>
+        </p:nvSpPr>
+        <p:spPr/>
+        <p:txBody>
+          <a:bodyPr>
+            <a:normAutofit fontScale="55000" lnSpcReduction="20000"/>
+          </a:bodyPr>
+          <a:lstStyle/>
+          <a:p>
+            <a:r>
+              <a:rPr lang="en-US" dirty="0"/>
+              <a:t>The presentation requirements for Project 1 are as follows.</a:t>
+            </a:r>
+          </a:p>
+          <a:p>
+            <a:r>
+              <a:rPr lang="en-US" dirty="0"/>
+              <a:t>Your presentation must:</a:t>
+            </a:r>
+          </a:p>
+          <a:p>
+            <a:pPr>
+              <a:buFont typeface="Arial" panose="020B0604020202020204" pitchFamily="34" charset="0"/>
+              <a:buChar char="•"/>
+            </a:pPr>
+            <a:r>
+              <a:rPr lang="en-US" dirty="0"/>
+              <a:t>Be at least 8-10 min. long</a:t>
+            </a:r>
+          </a:p>
+          <a:p>
+            <a:pPr>
+              <a:buFont typeface="Arial" panose="020B0604020202020204" pitchFamily="34" charset="0"/>
+              <a:buChar char="•"/>
+            </a:pPr>
+            <a:r>
+              <a:rPr lang="en-US" dirty="0"/>
+              <a:t>Describe the core message or hypothesis for your project.</a:t>
+            </a:r>
+          </a:p>
+          <a:p>
+            <a:pPr>
+              <a:buFont typeface="Arial" panose="020B0604020202020204" pitchFamily="34" charset="0"/>
+              <a:buChar char="•"/>
+            </a:pPr>
+            <a:r>
+              <a:rPr lang="en-US" dirty="0"/>
+              <a:t>Describe the questions you and your group found interesting, and what motivated you to answer them</a:t>
+            </a:r>
+          </a:p>
+          <a:p>
+            <a:pPr>
+              <a:buFont typeface="Arial" panose="020B0604020202020204" pitchFamily="34" charset="0"/>
+              <a:buChar char="•"/>
+            </a:pPr>
+            <a:r>
+              <a:rPr lang="en-US" dirty="0"/>
+              <a:t>Summarize where and how you found the data you used to answer these questions</a:t>
+            </a:r>
+          </a:p>
+          <a:p>
+            <a:pPr>
+              <a:buFont typeface="Arial" panose="020B0604020202020204" pitchFamily="34" charset="0"/>
+              <a:buChar char="•"/>
+            </a:pPr>
+            <a:r>
+              <a:rPr lang="en-US" dirty="0"/>
+              <a:t>Describe the data exploration and cleanup process (accompanied by your </a:t>
+            </a:r>
+            <a:r>
+              <a:rPr lang="en-US" dirty="0" err="1"/>
+              <a:t>Jupyter</a:t>
+            </a:r>
+            <a:r>
+              <a:rPr lang="en-US" dirty="0"/>
+              <a:t> Notebook)</a:t>
+            </a:r>
+          </a:p>
+          <a:p>
+            <a:pPr>
+              <a:buFont typeface="Arial" panose="020B0604020202020204" pitchFamily="34" charset="0"/>
+              <a:buChar char="•"/>
+            </a:pPr>
+            <a:r>
+              <a:rPr lang="en-US" dirty="0"/>
+              <a:t>Describe the analysis process (accompanied by your </a:t>
+            </a:r>
+            <a:r>
+              <a:rPr lang="en-US" dirty="0" err="1"/>
+              <a:t>Jupyter</a:t>
+            </a:r>
+            <a:r>
+              <a:rPr lang="en-US" dirty="0"/>
+              <a:t> Notebook)</a:t>
+            </a:r>
+          </a:p>
+          <a:p>
+            <a:pPr>
+              <a:buFont typeface="Arial" panose="020B0604020202020204" pitchFamily="34" charset="0"/>
+              <a:buChar char="•"/>
+            </a:pPr>
+            <a:r>
+              <a:rPr lang="en-US" dirty="0"/>
+              <a:t>Summarize your conclusions. This should include a numerical summary (i.e., what data did your analysis yield), as well as visualizations of that summary (plots of the final analysis data)</a:t>
+            </a:r>
+          </a:p>
+          <a:p>
+            <a:pPr>
+              <a:buFont typeface="Arial" panose="020B0604020202020204" pitchFamily="34" charset="0"/>
+              <a:buChar char="•"/>
+            </a:pPr>
+            <a:r>
+              <a:rPr lang="en-US" dirty="0"/>
+              <a:t>Discuss the implications of your findings. This is where you get to have an open-ended discussion about what your findings "mean".</a:t>
+            </a:r>
+          </a:p>
+          <a:p>
+            <a:pPr>
+              <a:buFont typeface="Arial" panose="020B0604020202020204" pitchFamily="34" charset="0"/>
+              <a:buChar char="•"/>
+            </a:pPr>
+            <a:r>
+              <a:rPr lang="en-US" dirty="0"/>
+              <a:t>Tell a good story! Storytelling through data analysis is no different than in literature. Find your narrative and use your analysis and visualization skills to highlight conflict and resolution in your data.</a:t>
+            </a:r>
+          </a:p>
+          <a:p>
+            <a:endParaRPr lang="en-AU" dirty="0"/>
+          </a:p>
+        </p:txBody>
+      </p:sp>
+    </p:spTree>
+    <p:extLst>
+      <p:ext uri="{BB962C8B-B14F-4D97-AF65-F5344CB8AC3E}">
+        <p14:creationId xmlns:p14="http://schemas.microsoft.com/office/powerpoint/2010/main" val="220314126"/>
       </p:ext>
     </p:extLst>
   </p:cSld>
@@ -7732,209 +7629,6 @@
 </p:sld>
 </file>
 
-<file path=ppt/slides/slide20.xml><?xml version="1.0" encoding="utf-8"?>
-<p:sld xmlns:a="http://schemas.openxmlformats.org/drawingml/2006/main" xmlns:r="http://schemas.openxmlformats.org/officeDocument/2006/relationships" xmlns:p="http://schemas.openxmlformats.org/presentationml/2006/main" show="0">
-  <p:cSld>
-    <p:spTree>
-      <p:nvGrpSpPr>
-        <p:cNvPr id="1" name=""/>
-        <p:cNvGrpSpPr/>
-        <p:nvPr/>
-      </p:nvGrpSpPr>
-      <p:grpSpPr>
-        <a:xfrm>
-          <a:off x="0" y="0"/>
-          <a:ext cx="0" cy="0"/>
-          <a:chOff x="0" y="0"/>
-          <a:chExt cx="0" cy="0"/>
-        </a:xfrm>
-      </p:grpSpPr>
-      <p:sp>
-        <p:nvSpPr>
-          <p:cNvPr id="2" name="Title 1">
-            <a:extLst>
-              <a:ext uri="{FF2B5EF4-FFF2-40B4-BE49-F238E27FC236}">
-                <a16:creationId xmlns:a16="http://schemas.microsoft.com/office/drawing/2014/main" id="{111F2E32-EA5D-4D5A-9751-851D77B11313}"/>
-              </a:ext>
-            </a:extLst>
-          </p:cNvPr>
-          <p:cNvSpPr>
-            <a:spLocks noGrp="1"/>
-          </p:cNvSpPr>
-          <p:nvPr>
-            <p:ph type="title"/>
-          </p:nvPr>
-        </p:nvSpPr>
-        <p:spPr/>
-        <p:txBody>
-          <a:bodyPr/>
-          <a:lstStyle/>
-          <a:p>
-            <a:r>
-              <a:rPr lang="en-AU" dirty="0"/>
-              <a:t>Must Complete for Presentation</a:t>
-            </a:r>
-          </a:p>
-        </p:txBody>
-      </p:sp>
-      <p:sp>
-        <p:nvSpPr>
-          <p:cNvPr id="3" name="Content Placeholder 2">
-            <a:extLst>
-              <a:ext uri="{FF2B5EF4-FFF2-40B4-BE49-F238E27FC236}">
-                <a16:creationId xmlns:a16="http://schemas.microsoft.com/office/drawing/2014/main" id="{A78EBA7C-5C18-4A7B-85EF-BD711BBEF3E2}"/>
-              </a:ext>
-            </a:extLst>
-          </p:cNvPr>
-          <p:cNvSpPr>
-            <a:spLocks noGrp="1"/>
-          </p:cNvSpPr>
-          <p:nvPr>
-            <p:ph idx="1"/>
-          </p:nvPr>
-        </p:nvSpPr>
-        <p:spPr/>
-        <p:txBody>
-          <a:bodyPr>
-            <a:normAutofit fontScale="55000" lnSpcReduction="20000"/>
-          </a:bodyPr>
-          <a:lstStyle/>
-          <a:p>
-            <a:r>
-              <a:rPr lang="en-US" dirty="0"/>
-              <a:t>The presentation requirements for Project 1 are as follows.</a:t>
-            </a:r>
-          </a:p>
-          <a:p>
-            <a:r>
-              <a:rPr lang="en-US" dirty="0"/>
-              <a:t>Your presentation must:</a:t>
-            </a:r>
-          </a:p>
-          <a:p>
-            <a:pPr>
-              <a:buFont typeface="Arial" panose="020B0604020202020204" pitchFamily="34" charset="0"/>
-              <a:buChar char="•"/>
-            </a:pPr>
-            <a:r>
-              <a:rPr lang="en-US" dirty="0"/>
-              <a:t>Be at least 8-10 min. long</a:t>
-            </a:r>
-          </a:p>
-          <a:p>
-            <a:pPr>
-              <a:buFont typeface="Arial" panose="020B0604020202020204" pitchFamily="34" charset="0"/>
-              <a:buChar char="•"/>
-            </a:pPr>
-            <a:r>
-              <a:rPr lang="en-US" dirty="0"/>
-              <a:t>Describe the core message or hypothesis for your project.</a:t>
-            </a:r>
-          </a:p>
-          <a:p>
-            <a:pPr>
-              <a:buFont typeface="Arial" panose="020B0604020202020204" pitchFamily="34" charset="0"/>
-              <a:buChar char="•"/>
-            </a:pPr>
-            <a:r>
-              <a:rPr lang="en-US" dirty="0"/>
-              <a:t>Describe the questions you and your group found interesting, and what motivated you to answer them</a:t>
-            </a:r>
-          </a:p>
-          <a:p>
-            <a:pPr>
-              <a:buFont typeface="Arial" panose="020B0604020202020204" pitchFamily="34" charset="0"/>
-              <a:buChar char="•"/>
-            </a:pPr>
-            <a:r>
-              <a:rPr lang="en-US" dirty="0"/>
-              <a:t>Summarize where and how you found the data you used to answer these questions</a:t>
-            </a:r>
-          </a:p>
-          <a:p>
-            <a:pPr>
-              <a:buFont typeface="Arial" panose="020B0604020202020204" pitchFamily="34" charset="0"/>
-              <a:buChar char="•"/>
-            </a:pPr>
-            <a:r>
-              <a:rPr lang="en-US" dirty="0"/>
-              <a:t>Describe the data exploration and cleanup process (accompanied by your </a:t>
-            </a:r>
-            <a:r>
-              <a:rPr lang="en-US" dirty="0" err="1"/>
-              <a:t>Jupyter</a:t>
-            </a:r>
-            <a:r>
-              <a:rPr lang="en-US" dirty="0"/>
-              <a:t> Notebook)</a:t>
-            </a:r>
-          </a:p>
-          <a:p>
-            <a:pPr>
-              <a:buFont typeface="Arial" panose="020B0604020202020204" pitchFamily="34" charset="0"/>
-              <a:buChar char="•"/>
-            </a:pPr>
-            <a:r>
-              <a:rPr lang="en-US" dirty="0"/>
-              <a:t>Describe the analysis process (accompanied by your </a:t>
-            </a:r>
-            <a:r>
-              <a:rPr lang="en-US" dirty="0" err="1"/>
-              <a:t>Jupyter</a:t>
-            </a:r>
-            <a:r>
-              <a:rPr lang="en-US" dirty="0"/>
-              <a:t> Notebook)</a:t>
-            </a:r>
-          </a:p>
-          <a:p>
-            <a:pPr>
-              <a:buFont typeface="Arial" panose="020B0604020202020204" pitchFamily="34" charset="0"/>
-              <a:buChar char="•"/>
-            </a:pPr>
-            <a:r>
-              <a:rPr lang="en-US" dirty="0"/>
-              <a:t>Summarize your conclusions. This should include a numerical summary (i.e., what data did your analysis yield), as well as visualizations of that summary (plots of the final analysis data)</a:t>
-            </a:r>
-          </a:p>
-          <a:p>
-            <a:pPr>
-              <a:buFont typeface="Arial" panose="020B0604020202020204" pitchFamily="34" charset="0"/>
-              <a:buChar char="•"/>
-            </a:pPr>
-            <a:r>
-              <a:rPr lang="en-US" dirty="0"/>
-              <a:t>Discuss the implications of your findings. This is where you get to have an open-ended discussion about what your findings "mean".</a:t>
-            </a:r>
-          </a:p>
-          <a:p>
-            <a:pPr>
-              <a:buFont typeface="Arial" panose="020B0604020202020204" pitchFamily="34" charset="0"/>
-              <a:buChar char="•"/>
-            </a:pPr>
-            <a:r>
-              <a:rPr lang="en-US" dirty="0"/>
-              <a:t>Tell a good story! Storytelling through data analysis is no different than in literature. Find your narrative and use your analysis and visualization skills to highlight conflict and resolution in your data.</a:t>
-            </a:r>
-          </a:p>
-          <a:p>
-            <a:endParaRPr lang="en-AU" dirty="0"/>
-          </a:p>
-        </p:txBody>
-      </p:sp>
-    </p:spTree>
-    <p:extLst>
-      <p:ext uri="{BB962C8B-B14F-4D97-AF65-F5344CB8AC3E}">
-        <p14:creationId xmlns:p14="http://schemas.microsoft.com/office/powerpoint/2010/main" val="220314126"/>
-      </p:ext>
-    </p:extLst>
-  </p:cSld>
-  <p:clrMapOvr>
-    <a:masterClrMapping/>
-  </p:clrMapOvr>
-</p:sld>
-</file>
-
 <file path=ppt/slides/slide3.xml><?xml version="1.0" encoding="utf-8"?>
 <p:sld xmlns:a="http://schemas.openxmlformats.org/drawingml/2006/main" xmlns:r="http://schemas.openxmlformats.org/officeDocument/2006/relationships" xmlns:p="http://schemas.openxmlformats.org/presentationml/2006/main">
   <p:cSld>
@@ -8248,7 +7942,7 @@
             <a:pPr lvl="1"/>
             <a:r>
               <a:rPr lang="en-AU" dirty="0"/>
-              <a:t>These categories were believed to have the most impact on the hypothesis, directly effecting house price.  Categories overlooked we more related to commercial property and petty crime</a:t>
+              <a:t>These categories were believed to have the most impact on the hypothesis, directly affecting house price.  Categories overlooked were more related to commercial property and petty crime</a:t>
             </a:r>
           </a:p>
         </p:txBody>
@@ -8399,7 +8093,7 @@
                   <a:schemeClr val="tx1"/>
                 </a:solidFill>
               </a:rPr>
-              <a:t>In order to determine if there is a correlation between crime counts and property prices,  one property price value was used for each financial year. This was was the mean of the four quarterly prices of each financial year</a:t>
+              <a:t>In order to determine if there is a correlation between crime counts and property prices,  one property price value was used for each financial year. This was the mean of the four quarterly prices of each financial year</a:t>
             </a:r>
           </a:p>
           <a:p>
@@ -8809,7 +8503,7 @@
           </p:nvPr>
         </p:nvPicPr>
         <p:blipFill>
-          <a:blip r:embed="rId2">
+          <a:blip r:embed="rId3">
             <a:extLst>
               <a:ext uri="{28A0092B-C50C-407E-A947-70E740481C1C}">
                 <a14:useLocalDpi xmlns:a14="http://schemas.microsoft.com/office/drawing/2010/main" val="0"/>
@@ -8842,7 +8536,7 @@
           <p:nvPr/>
         </p:nvPicPr>
         <p:blipFill>
-          <a:blip r:embed="rId3">
+          <a:blip r:embed="rId4">
             <a:extLst>
               <a:ext uri="{28A0092B-C50C-407E-A947-70E740481C1C}">
                 <a14:useLocalDpi xmlns:a14="http://schemas.microsoft.com/office/drawing/2010/main" val="0"/>
@@ -8950,7 +8644,7 @@
           </p:nvPr>
         </p:nvPicPr>
         <p:blipFill>
-          <a:blip r:embed="rId2">
+          <a:blip r:embed="rId3">
             <a:extLst>
               <a:ext uri="{28A0092B-C50C-407E-A947-70E740481C1C}">
                 <a14:useLocalDpi xmlns:a14="http://schemas.microsoft.com/office/drawing/2010/main" val="0"/>
@@ -8983,7 +8677,7 @@
           <p:nvPr/>
         </p:nvPicPr>
         <p:blipFill>
-          <a:blip r:embed="rId3">
+          <a:blip r:embed="rId4">
             <a:extLst>
               <a:ext uri="{28A0092B-C50C-407E-A947-70E740481C1C}">
                 <a14:useLocalDpi xmlns:a14="http://schemas.microsoft.com/office/drawing/2010/main" val="0"/>
@@ -9070,7 +8764,7 @@
             </a:br>
             <a:r>
               <a:rPr lang="en-US" dirty="0"/>
-              <a:t> BOTTOM 10 SUBURBS BY CRIME COUNT</a:t>
+              <a:t> TOP 10 SUBURBS BY PROPERTY PRICE</a:t>
             </a:r>
             <a:br>
               <a:rPr lang="en-US" dirty="0"/>
@@ -9079,45 +8773,45 @@
           </a:p>
         </p:txBody>
       </p:sp>
-      <p:sp>
-        <p:nvSpPr>
-          <p:cNvPr id="3" name="Content Placeholder 2">
+      <p:pic>
+        <p:nvPicPr>
+          <p:cNvPr id="5" name="Content Placeholder 4" descr="Icon&#10;&#10;Description automatically generated">
             <a:extLst>
               <a:ext uri="{FF2B5EF4-FFF2-40B4-BE49-F238E27FC236}">
-                <a16:creationId xmlns:a16="http://schemas.microsoft.com/office/drawing/2014/main" id="{9DE61BC1-0CFD-4085-B545-1FDE0510523F}"/>
+                <a16:creationId xmlns:a16="http://schemas.microsoft.com/office/drawing/2014/main" id="{8C3E7055-D6FF-4E94-8DBD-D142F3407FF2}"/>
               </a:ext>
             </a:extLst>
           </p:cNvPr>
-          <p:cNvSpPr>
-            <a:spLocks noGrp="1"/>
-          </p:cNvSpPr>
+          <p:cNvPicPr>
+            <a:picLocks noGrp="1" noChangeAspect="1"/>
+          </p:cNvPicPr>
           <p:nvPr>
             <p:ph idx="1"/>
           </p:nvPr>
-        </p:nvSpPr>
-        <p:spPr/>
-        <p:txBody>
-          <a:bodyPr/>
-          <a:lstStyle/>
-          <a:p>
-            <a:r>
-              <a:rPr lang="en-AU" dirty="0"/>
-              <a:t>No graph or bottom 10 as there are an excessive number of locations with just one (1) crime for the period of time.  To be able to define the bottom 10 suburbs by crime count other variables would need to be considered</a:t>
-            </a:r>
-          </a:p>
-          <a:p>
-            <a:endParaRPr lang="en-AU" dirty="0">
-              <a:solidFill>
-                <a:srgbClr val="FF0000"/>
-              </a:solidFill>
-            </a:endParaRPr>
-          </a:p>
-        </p:txBody>
-      </p:sp>
+        </p:nvPicPr>
+        <p:blipFill>
+          <a:blip r:embed="rId3">
+            <a:extLst>
+              <a:ext uri="{28A0092B-C50C-407E-A947-70E740481C1C}">
+                <a14:useLocalDpi xmlns:a14="http://schemas.microsoft.com/office/drawing/2010/main" val="0"/>
+              </a:ext>
+            </a:extLst>
+          </a:blip>
+          <a:stretch>
+            <a:fillRect/>
+          </a:stretch>
+        </p:blipFill>
+        <p:spPr>
+          <a:xfrm>
+            <a:off x="1137510" y="2795469"/>
+            <a:ext cx="4542500" cy="3097837"/>
+          </a:xfrm>
+        </p:spPr>
+      </p:pic>
     </p:spTree>
     <p:extLst>
       <p:ext uri="{BB962C8B-B14F-4D97-AF65-F5344CB8AC3E}">
-        <p14:creationId xmlns:p14="http://schemas.microsoft.com/office/powerpoint/2010/main" val="117376051"/>
+        <p14:creationId xmlns:p14="http://schemas.microsoft.com/office/powerpoint/2010/main" val="3150616333"/>
       </p:ext>
     </p:extLst>
   </p:cSld>

--- a/Project 1 Presentation.pptx
+++ b/Project 1 Presentation.pptx
@@ -5,25 +5,27 @@
     <p:sldMasterId id="2147483713" r:id="rId1"/>
   </p:sldMasterIdLst>
   <p:notesMasterIdLst>
-    <p:notesMasterId r:id="rId18"/>
+    <p:notesMasterId r:id="rId20"/>
   </p:notesMasterIdLst>
   <p:sldIdLst>
     <p:sldId id="256" r:id="rId2"/>
-    <p:sldId id="257" r:id="rId3"/>
-    <p:sldId id="258" r:id="rId4"/>
-    <p:sldId id="266" r:id="rId5"/>
+    <p:sldId id="280" r:id="rId3"/>
+    <p:sldId id="281" r:id="rId4"/>
+    <p:sldId id="282" r:id="rId5"/>
     <p:sldId id="267" r:id="rId6"/>
-    <p:sldId id="260" r:id="rId7"/>
-    <p:sldId id="272" r:id="rId8"/>
-    <p:sldId id="273" r:id="rId9"/>
-    <p:sldId id="270" r:id="rId10"/>
-    <p:sldId id="274" r:id="rId11"/>
-    <p:sldId id="275" r:id="rId12"/>
-    <p:sldId id="271" r:id="rId13"/>
-    <p:sldId id="262" r:id="rId14"/>
-    <p:sldId id="263" r:id="rId15"/>
-    <p:sldId id="264" r:id="rId16"/>
-    <p:sldId id="265" r:id="rId17"/>
+    <p:sldId id="283" r:id="rId7"/>
+    <p:sldId id="277" r:id="rId8"/>
+    <p:sldId id="278" r:id="rId9"/>
+    <p:sldId id="279" r:id="rId10"/>
+    <p:sldId id="284" r:id="rId11"/>
+    <p:sldId id="285" r:id="rId12"/>
+    <p:sldId id="286" r:id="rId13"/>
+    <p:sldId id="275" r:id="rId14"/>
+    <p:sldId id="276" r:id="rId15"/>
+    <p:sldId id="287" r:id="rId16"/>
+    <p:sldId id="263" r:id="rId17"/>
+    <p:sldId id="264" r:id="rId18"/>
+    <p:sldId id="265" r:id="rId19"/>
   </p:sldIdLst>
   <p:sldSz cx="12192000" cy="6858000"/>
   <p:notesSz cx="6858000" cy="9144000"/>
@@ -615,18 +617,43 @@
           <a:lstStyle/>
           <a:p>
             <a:r>
-              <a:rPr lang="en-AU" dirty="0"/>
+              <a:rPr lang="en-AU" dirty="0">
+                <a:solidFill>
+                  <a:srgbClr val="FF0000"/>
+                </a:solidFill>
+              </a:rPr>
               <a:t>Miki</a:t>
             </a:r>
           </a:p>
           <a:p>
+            <a:endParaRPr lang="en-AU" dirty="0">
+              <a:solidFill>
+                <a:srgbClr val="FF0000"/>
+              </a:solidFill>
+            </a:endParaRPr>
+          </a:p>
+          <a:p>
+            <a:r>
+              <a:rPr lang="en-AU" dirty="0">
+                <a:solidFill>
+                  <a:srgbClr val="FF0000"/>
+                </a:solidFill>
+              </a:rPr>
+              <a:t>Insert graphs</a:t>
+            </a:r>
+          </a:p>
+          <a:p>
+            <a:r>
+              <a:rPr lang="en-AU" dirty="0">
+                <a:solidFill>
+                  <a:srgbClr val="FF0000"/>
+                </a:solidFill>
+              </a:rPr>
+              <a:t>Insert insights – list suburbs that are in the top 10 over the past five financial years</a:t>
+            </a:r>
+          </a:p>
+          <a:p>
             <a:endParaRPr lang="en-AU" dirty="0"/>
-          </a:p>
-          <a:p>
-            <a:r>
-              <a:rPr lang="en-AU" dirty="0"/>
-              <a:t>Missing 2016 -2017 chart</a:t>
-            </a:r>
           </a:p>
         </p:txBody>
       </p:sp>
@@ -656,7 +683,7 @@
     </p:spTree>
     <p:extLst>
       <p:ext uri="{BB962C8B-B14F-4D97-AF65-F5344CB8AC3E}">
-        <p14:creationId xmlns:p14="http://schemas.microsoft.com/office/powerpoint/2010/main" val="1682390266"/>
+        <p14:creationId xmlns:p14="http://schemas.microsoft.com/office/powerpoint/2010/main" val="4101713849"/>
       </p:ext>
     </p:extLst>
   </p:cSld>
@@ -711,8 +738,17 @@
           <a:lstStyle/>
           <a:p>
             <a:r>
-              <a:rPr lang="en-US" dirty="0"/>
+              <a:rPr lang="en-AU" dirty="0"/>
               <a:t>Miki</a:t>
+            </a:r>
+          </a:p>
+          <a:p>
+            <a:endParaRPr lang="en-AU" dirty="0"/>
+          </a:p>
+          <a:p>
+            <a:r>
+              <a:rPr lang="en-AU" dirty="0"/>
+              <a:t>Missing 2016 -2017 chart</a:t>
             </a:r>
           </a:p>
         </p:txBody>
@@ -743,7 +779,7 @@
     </p:spTree>
     <p:extLst>
       <p:ext uri="{BB962C8B-B14F-4D97-AF65-F5344CB8AC3E}">
-        <p14:creationId xmlns:p14="http://schemas.microsoft.com/office/powerpoint/2010/main" val="4053908687"/>
+        <p14:creationId xmlns:p14="http://schemas.microsoft.com/office/powerpoint/2010/main" val="1461187036"/>
       </p:ext>
     </p:extLst>
   </p:cSld>
@@ -799,31 +835,8 @@
           <a:p>
             <a:r>
               <a:rPr lang="en-US" dirty="0"/>
-              <a:t>Nick</a:t>
-            </a:r>
-          </a:p>
-          <a:p>
-            <a:endParaRPr lang="en-US" dirty="0"/>
-          </a:p>
-          <a:p>
-            <a:r>
-              <a:rPr lang="en-US" dirty="0"/>
-              <a:t>Potentially just show one graph</a:t>
-            </a:r>
-          </a:p>
-          <a:p>
-            <a:endParaRPr lang="en-US" dirty="0"/>
-          </a:p>
-          <a:p>
-            <a:r>
-              <a:rPr lang="en-US" dirty="0"/>
-              <a:t>Weak correlation due to out data cleaning process of dropping all </a:t>
-            </a:r>
-            <a:r>
-              <a:rPr lang="en-US" dirty="0" err="1"/>
-              <a:t>NaN</a:t>
-            </a:r>
-            <a:endParaRPr lang="en-US" dirty="0"/>
+              <a:t>Miki</a:t>
+            </a:r>
           </a:p>
         </p:txBody>
       </p:sp>
@@ -853,7 +866,7 @@
     </p:spTree>
     <p:extLst>
       <p:ext uri="{BB962C8B-B14F-4D97-AF65-F5344CB8AC3E}">
-        <p14:creationId xmlns:p14="http://schemas.microsoft.com/office/powerpoint/2010/main" val="4246549080"/>
+        <p14:creationId xmlns:p14="http://schemas.microsoft.com/office/powerpoint/2010/main" val="1575001064"/>
       </p:ext>
     </p:extLst>
   </p:cSld>
@@ -908,18 +921,8 @@
           <a:lstStyle/>
           <a:p>
             <a:r>
-              <a:rPr lang="en-US" dirty="0" err="1"/>
-              <a:t>Presit</a:t>
-            </a:r>
-            <a:r>
-              <a:rPr lang="en-US" dirty="0"/>
-              <a:t> – Challenges </a:t>
-            </a:r>
-          </a:p>
-          <a:p>
-            <a:r>
-              <a:rPr lang="en-US" dirty="0"/>
-              <a:t>Nick – Additional project time</a:t>
+              <a:rPr lang="en-US" dirty="0"/>
+              <a:t>Miki</a:t>
             </a:r>
           </a:p>
         </p:txBody>
@@ -950,7 +953,7 @@
     </p:spTree>
     <p:extLst>
       <p:ext uri="{BB962C8B-B14F-4D97-AF65-F5344CB8AC3E}">
-        <p14:creationId xmlns:p14="http://schemas.microsoft.com/office/powerpoint/2010/main" val="4063722880"/>
+        <p14:creationId xmlns:p14="http://schemas.microsoft.com/office/powerpoint/2010/main" val="3934458469"/>
       </p:ext>
     </p:extLst>
   </p:cSld>
@@ -1004,7 +1007,13 @@
           <a:bodyPr/>
           <a:lstStyle/>
           <a:p>
-            <a:endParaRPr lang="en-AU"/>
+            <a:r>
+              <a:rPr lang="en-US" dirty="0"/>
+              <a:t>Nick</a:t>
+            </a:r>
+          </a:p>
+          <a:p>
+            <a:endParaRPr lang="en-US" dirty="0"/>
           </a:p>
         </p:txBody>
       </p:sp>
@@ -1026,6 +1035,187 @@
             <a:fld id="{4F2AAB9E-B1B6-7347-AEB9-3DE8A4E8C48F}" type="slidenum">
               <a:rPr lang="en-US" smtClean="0"/>
               <a:t>14</a:t>
+            </a:fld>
+            <a:endParaRPr lang="en-US"/>
+          </a:p>
+        </p:txBody>
+      </p:sp>
+    </p:spTree>
+    <p:extLst>
+      <p:ext uri="{BB962C8B-B14F-4D97-AF65-F5344CB8AC3E}">
+        <p14:creationId xmlns:p14="http://schemas.microsoft.com/office/powerpoint/2010/main" val="336626188"/>
+      </p:ext>
+    </p:extLst>
+  </p:cSld>
+  <p:clrMapOvr>
+    <a:masterClrMapping/>
+  </p:clrMapOvr>
+</p:notes>
+</file>
+
+<file path=ppt/notesSlides/notesSlide15.xml><?xml version="1.0" encoding="utf-8"?>
+<p:notes xmlns:a="http://schemas.openxmlformats.org/drawingml/2006/main" xmlns:r="http://schemas.openxmlformats.org/officeDocument/2006/relationships" xmlns:p="http://schemas.openxmlformats.org/presentationml/2006/main">
+  <p:cSld>
+    <p:spTree>
+      <p:nvGrpSpPr>
+        <p:cNvPr id="1" name=""/>
+        <p:cNvGrpSpPr/>
+        <p:nvPr/>
+      </p:nvGrpSpPr>
+      <p:grpSpPr>
+        <a:xfrm>
+          <a:off x="0" y="0"/>
+          <a:ext cx="0" cy="0"/>
+          <a:chOff x="0" y="0"/>
+          <a:chExt cx="0" cy="0"/>
+        </a:xfrm>
+      </p:grpSpPr>
+      <p:sp>
+        <p:nvSpPr>
+          <p:cNvPr id="2" name="Slide Image Placeholder 1"/>
+          <p:cNvSpPr>
+            <a:spLocks noGrp="1" noRot="1" noChangeAspect="1"/>
+          </p:cNvSpPr>
+          <p:nvPr>
+            <p:ph type="sldImg"/>
+          </p:nvPr>
+        </p:nvSpPr>
+        <p:spPr/>
+      </p:sp>
+      <p:sp>
+        <p:nvSpPr>
+          <p:cNvPr id="3" name="Notes Placeholder 2"/>
+          <p:cNvSpPr>
+            <a:spLocks noGrp="1"/>
+          </p:cNvSpPr>
+          <p:nvPr>
+            <p:ph type="body" idx="1"/>
+          </p:nvPr>
+        </p:nvSpPr>
+        <p:spPr/>
+        <p:txBody>
+          <a:bodyPr/>
+          <a:lstStyle/>
+          <a:p>
+            <a:r>
+              <a:rPr lang="en-US" dirty="0" err="1"/>
+              <a:t>Presit</a:t>
+            </a:r>
+            <a:r>
+              <a:rPr lang="en-US" dirty="0"/>
+              <a:t> – Challenges </a:t>
+            </a:r>
+          </a:p>
+          <a:p>
+            <a:r>
+              <a:rPr lang="en-US" dirty="0"/>
+              <a:t>Nick – Additional project time</a:t>
+            </a:r>
+          </a:p>
+        </p:txBody>
+      </p:sp>
+      <p:sp>
+        <p:nvSpPr>
+          <p:cNvPr id="4" name="Slide Number Placeholder 3"/>
+          <p:cNvSpPr>
+            <a:spLocks noGrp="1"/>
+          </p:cNvSpPr>
+          <p:nvPr>
+            <p:ph type="sldNum" sz="quarter" idx="5"/>
+          </p:nvPr>
+        </p:nvSpPr>
+        <p:spPr/>
+        <p:txBody>
+          <a:bodyPr/>
+          <a:lstStyle/>
+          <a:p>
+            <a:fld id="{4F2AAB9E-B1B6-7347-AEB9-3DE8A4E8C48F}" type="slidenum">
+              <a:rPr lang="en-US" smtClean="0"/>
+              <a:t>15</a:t>
+            </a:fld>
+            <a:endParaRPr lang="en-US"/>
+          </a:p>
+        </p:txBody>
+      </p:sp>
+    </p:spTree>
+    <p:extLst>
+      <p:ext uri="{BB962C8B-B14F-4D97-AF65-F5344CB8AC3E}">
+        <p14:creationId xmlns:p14="http://schemas.microsoft.com/office/powerpoint/2010/main" val="2023778032"/>
+      </p:ext>
+    </p:extLst>
+  </p:cSld>
+  <p:clrMapOvr>
+    <a:masterClrMapping/>
+  </p:clrMapOvr>
+</p:notes>
+</file>
+
+<file path=ppt/notesSlides/notesSlide16.xml><?xml version="1.0" encoding="utf-8"?>
+<p:notes xmlns:a="http://schemas.openxmlformats.org/drawingml/2006/main" xmlns:r="http://schemas.openxmlformats.org/officeDocument/2006/relationships" xmlns:p="http://schemas.openxmlformats.org/presentationml/2006/main">
+  <p:cSld>
+    <p:spTree>
+      <p:nvGrpSpPr>
+        <p:cNvPr id="1" name=""/>
+        <p:cNvGrpSpPr/>
+        <p:nvPr/>
+      </p:nvGrpSpPr>
+      <p:grpSpPr>
+        <a:xfrm>
+          <a:off x="0" y="0"/>
+          <a:ext cx="0" cy="0"/>
+          <a:chOff x="0" y="0"/>
+          <a:chExt cx="0" cy="0"/>
+        </a:xfrm>
+      </p:grpSpPr>
+      <p:sp>
+        <p:nvSpPr>
+          <p:cNvPr id="2" name="Slide Image Placeholder 1"/>
+          <p:cNvSpPr>
+            <a:spLocks noGrp="1" noRot="1" noChangeAspect="1"/>
+          </p:cNvSpPr>
+          <p:nvPr>
+            <p:ph type="sldImg"/>
+          </p:nvPr>
+        </p:nvSpPr>
+        <p:spPr/>
+      </p:sp>
+      <p:sp>
+        <p:nvSpPr>
+          <p:cNvPr id="3" name="Notes Placeholder 2"/>
+          <p:cNvSpPr>
+            <a:spLocks noGrp="1"/>
+          </p:cNvSpPr>
+          <p:nvPr>
+            <p:ph type="body" idx="1"/>
+          </p:nvPr>
+        </p:nvSpPr>
+        <p:spPr/>
+        <p:txBody>
+          <a:bodyPr/>
+          <a:lstStyle/>
+          <a:p>
+            <a:endParaRPr lang="en-AU"/>
+          </a:p>
+        </p:txBody>
+      </p:sp>
+      <p:sp>
+        <p:nvSpPr>
+          <p:cNvPr id="4" name="Slide Number Placeholder 3"/>
+          <p:cNvSpPr>
+            <a:spLocks noGrp="1"/>
+          </p:cNvSpPr>
+          <p:nvPr>
+            <p:ph type="sldNum" sz="quarter" idx="5"/>
+          </p:nvPr>
+        </p:nvSpPr>
+        <p:spPr/>
+        <p:txBody>
+          <a:bodyPr/>
+          <a:lstStyle/>
+          <a:p>
+            <a:fld id="{4F2AAB9E-B1B6-7347-AEB9-3DE8A4E8C48F}" type="slidenum">
+              <a:rPr lang="en-US" smtClean="0"/>
+              <a:t>16</a:t>
             </a:fld>
             <a:endParaRPr lang="en-US"/>
           </a:p>
@@ -1091,13 +1281,37 @@
             <a:pPr marL="0" indent="0">
               <a:buNone/>
             </a:pPr>
-            <a:r>
-              <a:rPr lang="en-US" dirty="0">
-                <a:highlight>
-                  <a:srgbClr val="FFFF00"/>
-                </a:highlight>
-              </a:rPr>
-              <a:t>Kylie</a:t>
+            <a:endParaRPr lang="en-US" dirty="0">
+              <a:highlight>
+                <a:srgbClr val="FFFF00"/>
+              </a:highlight>
+            </a:endParaRPr>
+          </a:p>
+          <a:p>
+            <a:pPr marL="0" indent="0">
+              <a:buNone/>
+            </a:pPr>
+            <a:r>
+              <a:rPr lang="en-US" dirty="0"/>
+              <a:t>Will Crime rates will be higher for suburbs with lower median property prices</a:t>
+            </a:r>
+          </a:p>
+          <a:p>
+            <a:pPr marL="0" indent="0">
+              <a:buNone/>
+            </a:pPr>
+            <a:r>
+              <a:rPr lang="en-US" dirty="0"/>
+              <a:t>Will Crime rates will be lower for suburbs with higher median property prices</a:t>
+            </a:r>
+          </a:p>
+          <a:p>
+            <a:pPr marL="0" indent="0">
+              <a:buNone/>
+            </a:pPr>
+            <a:r>
+              <a:rPr lang="en-US" dirty="0"/>
+              <a:t>Will theft have the highest rate</a:t>
             </a:r>
           </a:p>
           <a:p>
@@ -1115,34 +1329,35 @@
               <a:buNone/>
             </a:pPr>
             <a:r>
-              <a:rPr lang="en-US" dirty="0">
-                <a:highlight>
-                  <a:srgbClr val="FFFF00"/>
-                </a:highlight>
+              <a:rPr lang="en-US" b="0" i="0" dirty="0">
+                <a:solidFill>
+                  <a:srgbClr val="111111"/>
+                </a:solidFill>
+                <a:effectLst/>
+                <a:latin typeface="SourceSansPro"/>
               </a:rPr>
-              <a:t>Describe the questions you asked, and </a:t>
-            </a:r>
-            <a:r>
-              <a:rPr lang="en-US" i="1" dirty="0">
-                <a:highlight>
-                  <a:srgbClr val="FFFF00"/>
-                </a:highlight>
+              <a:t>Expect negative correlation with </a:t>
+            </a:r>
+            <a:r>
+              <a:rPr lang="en-US" b="0" i="0" dirty="0" err="1">
+                <a:solidFill>
+                  <a:srgbClr val="111111"/>
+                </a:solidFill>
+                <a:effectLst/>
+                <a:latin typeface="SourceSansPro"/>
               </a:rPr>
-              <a:t>why</a:t>
-            </a:r>
-            <a:r>
-              <a:rPr lang="en-US" dirty="0">
-                <a:highlight>
-                  <a:srgbClr val="FFFF00"/>
-                </a:highlight>
+              <a:t>r-value</a:t>
+            </a:r>
+            <a:r>
+              <a:rPr lang="en-US" b="0" i="0" dirty="0">
+                <a:solidFill>
+                  <a:srgbClr val="111111"/>
+                </a:solidFill>
+                <a:effectLst/>
+                <a:latin typeface="SourceSansPro"/>
               </a:rPr>
-              <a:t> you asked them</a:t>
-            </a:r>
-          </a:p>
-          <a:p>
-            <a:pPr marL="0" indent="0">
-              <a:buNone/>
-            </a:pPr>
+              <a:t> of close to the value -1.0</a:t>
+            </a:r>
             <a:endParaRPr lang="en-US" dirty="0">
               <a:highlight>
                 <a:srgbClr val="FFFF00"/>
@@ -1150,66 +1365,6 @@
             </a:endParaRPr>
           </a:p>
           <a:p>
-            <a:pPr marL="0" indent="0">
-              <a:buNone/>
-            </a:pPr>
-            <a:r>
-              <a:rPr lang="en-US" dirty="0"/>
-              <a:t>Will Crime rates will be higher for suburbs with lower median property prices</a:t>
-            </a:r>
-          </a:p>
-          <a:p>
-            <a:pPr marL="0" indent="0">
-              <a:buNone/>
-            </a:pPr>
-            <a:r>
-              <a:rPr lang="en-US" dirty="0"/>
-              <a:t>Will Crime rates will be lower for suburbs with higher median property prices</a:t>
-            </a:r>
-          </a:p>
-          <a:p>
-            <a:pPr marL="0" indent="0">
-              <a:buNone/>
-            </a:pPr>
-            <a:r>
-              <a:rPr lang="en-US" dirty="0"/>
-              <a:t>Will theft have the highest rate</a:t>
-            </a:r>
-          </a:p>
-          <a:p>
-            <a:pPr marL="0" indent="0">
-              <a:buNone/>
-            </a:pPr>
-            <a:endParaRPr lang="en-US" dirty="0">
-              <a:highlight>
-                <a:srgbClr val="FFFF00"/>
-              </a:highlight>
-            </a:endParaRPr>
-          </a:p>
-          <a:p>
-            <a:pPr marL="0" indent="0">
-              <a:buNone/>
-            </a:pPr>
-            <a:endParaRPr lang="en-US" dirty="0">
-              <a:highlight>
-                <a:srgbClr val="FFFF00"/>
-              </a:highlight>
-            </a:endParaRPr>
-          </a:p>
-          <a:p>
-            <a:pPr marL="0" indent="0">
-              <a:buNone/>
-            </a:pPr>
-            <a:r>
-              <a:rPr lang="en-US" dirty="0">
-                <a:highlight>
-                  <a:srgbClr val="FFFF00"/>
-                </a:highlight>
-              </a:rPr>
-              <a:t>Describe whether you were able to answer these questions to your satisfaction, and briefly summarize your findings</a:t>
-            </a:r>
-          </a:p>
-          <a:p>
             <a:endParaRPr lang="en-US" dirty="0"/>
           </a:p>
         </p:txBody>
@@ -1240,7 +1395,7 @@
     </p:spTree>
     <p:extLst>
       <p:ext uri="{BB962C8B-B14F-4D97-AF65-F5344CB8AC3E}">
-        <p14:creationId xmlns:p14="http://schemas.microsoft.com/office/powerpoint/2010/main" val="2292279801"/>
+        <p14:creationId xmlns:p14="http://schemas.microsoft.com/office/powerpoint/2010/main" val="3608805481"/>
       </p:ext>
     </p:extLst>
   </p:cSld>
@@ -1317,7 +1472,7 @@
                   <a:srgbClr val="FFFF00"/>
                 </a:highlight>
               </a:rPr>
-              <a:t>Kylie</a:t>
+              <a:t>Elaborate on the questions you asked, describing what kinds of data you needed to answer them, and where you found it</a:t>
             </a:r>
           </a:p>
           <a:p>
@@ -1363,12 +1518,12 @@
               <a:defRPr/>
             </a:pPr>
             <a:r>
-              <a:rPr lang="en-US" dirty="0">
+              <a:rPr lang="en-US" b="1" dirty="0">
                 <a:highlight>
                   <a:srgbClr val="FFFF00"/>
                 </a:highlight>
               </a:rPr>
-              <a:t>During the slide talk about:</a:t>
+              <a:t>Challenges:</a:t>
             </a:r>
           </a:p>
           <a:p>
@@ -1390,67 +1545,24 @@
               <a:defRPr/>
             </a:pPr>
             <a:r>
-              <a:rPr lang="en-US" u="sng" dirty="0">
-                <a:highlight>
-                  <a:srgbClr val="FFFF00"/>
-                </a:highlight>
+              <a:rPr lang="en-US" dirty="0"/>
+              <a:t>Started looking at WA, found crime data from </a:t>
+            </a:r>
+            <a:r>
+              <a:rPr lang="en-AU" dirty="0">
+                <a:hlinkClick r:id="rId3"/>
               </a:rPr>
-              <a:t>Crime Data Source</a:t>
-            </a:r>
-          </a:p>
-          <a:p>
-            <a:pPr marL="171450" marR="0" lvl="0" indent="-171450" algn="l" defTabSz="914400" rtl="0" eaLnBrk="1" fontAlgn="auto" latinLnBrk="0" hangingPunct="1">
-              <a:lnSpc>
-                <a:spcPct val="100000"/>
-              </a:lnSpc>
-              <a:spcBef>
-                <a:spcPts val="0"/>
-              </a:spcBef>
-              <a:spcAft>
-                <a:spcPts val="0"/>
-              </a:spcAft>
-              <a:buClrTx/>
-              <a:buSzTx/>
-              <a:buFont typeface="Arial" panose="020B0604020202020204" pitchFamily="34" charset="0"/>
-              <a:buChar char="•"/>
-              <a:tabLst/>
-              <a:defRPr/>
-            </a:pPr>
-            <a:r>
-              <a:rPr lang="en-US" u="none" dirty="0">
-                <a:highlight>
-                  <a:srgbClr val="FFFF00"/>
-                </a:highlight>
-              </a:rPr>
-              <a:t>Five csv files (incorporated all crimes for five financial years)</a:t>
-            </a:r>
-          </a:p>
-          <a:p>
-            <a:pPr marL="171450" marR="0" lvl="0" indent="-171450" algn="l" defTabSz="914400" rtl="0" eaLnBrk="1" fontAlgn="auto" latinLnBrk="0" hangingPunct="1">
-              <a:lnSpc>
-                <a:spcPct val="100000"/>
-              </a:lnSpc>
-              <a:spcBef>
-                <a:spcPts val="0"/>
-              </a:spcBef>
-              <a:spcAft>
-                <a:spcPts val="0"/>
-              </a:spcAft>
-              <a:buClrTx/>
-              <a:buSzTx/>
-              <a:buFont typeface="Arial" panose="020B0604020202020204" pitchFamily="34" charset="0"/>
-              <a:buChar char="•"/>
-              <a:tabLst/>
-              <a:defRPr/>
-            </a:pPr>
-            <a:r>
-              <a:rPr lang="en-US" u="none" dirty="0">
-                <a:highlight>
-                  <a:srgbClr val="FFFF00"/>
-                </a:highlight>
-              </a:rPr>
-              <a:t>Each row contained the committed crime date, suburb, crime count and crime type</a:t>
-            </a:r>
+              <a:t>Crime Statistics | Western Australia Police Force</a:t>
+            </a:r>
+            <a:r>
+              <a:rPr lang="en-AU" dirty="0"/>
+              <a:t> was not broken down by location sufficiently to compare to the median house price with a commonality</a:t>
+            </a:r>
+            <a:endParaRPr lang="en-US" dirty="0">
+              <a:highlight>
+                <a:srgbClr val="FFFF00"/>
+              </a:highlight>
+            </a:endParaRPr>
           </a:p>
           <a:p>
             <a:pPr marL="0" marR="0" lvl="0" indent="0" algn="l" defTabSz="914400" rtl="0" eaLnBrk="1" fontAlgn="auto" latinLnBrk="0" hangingPunct="1">
@@ -1494,11 +1606,14 @@
               <a:tabLst/>
               <a:defRPr/>
             </a:pPr>
-            <a:endParaRPr lang="en-US" dirty="0">
-              <a:highlight>
-                <a:srgbClr val="FFFF00"/>
-              </a:highlight>
-            </a:endParaRPr>
+            <a:r>
+              <a:rPr lang="en-US" dirty="0">
+                <a:highlight>
+                  <a:srgbClr val="FFFF00"/>
+                </a:highlight>
+              </a:rPr>
+              <a:t>During the slide talk about:</a:t>
+            </a:r>
           </a:p>
           <a:p>
             <a:pPr marL="0" marR="0" lvl="0" indent="0" algn="l" defTabSz="914400" rtl="0" eaLnBrk="1" fontAlgn="auto" latinLnBrk="0" hangingPunct="1">
@@ -1519,12 +1634,93 @@
               <a:defRPr/>
             </a:pPr>
             <a:r>
-              <a:rPr lang="en-US" dirty="0">
+              <a:rPr lang="en-US" u="sng" dirty="0">
                 <a:highlight>
                   <a:srgbClr val="FFFF00"/>
                 </a:highlight>
               </a:rPr>
-              <a:t>Elaborate on the questions you asked, describing what kinds of data you needed to answer them, and where you found it</a:t>
+              <a:t>Crime Data Source</a:t>
+            </a:r>
+          </a:p>
+          <a:p>
+            <a:pPr marL="171450" marR="0" lvl="0" indent="-171450" algn="l" defTabSz="914400" rtl="0" eaLnBrk="1" fontAlgn="auto" latinLnBrk="0" hangingPunct="1">
+              <a:lnSpc>
+                <a:spcPct val="100000"/>
+              </a:lnSpc>
+              <a:spcBef>
+                <a:spcPts val="0"/>
+              </a:spcBef>
+              <a:spcAft>
+                <a:spcPts val="0"/>
+              </a:spcAft>
+              <a:buClrTx/>
+              <a:buSzTx/>
+              <a:buFont typeface="Arial" panose="020B0604020202020204" pitchFamily="34" charset="0"/>
+              <a:buChar char="•"/>
+              <a:tabLst/>
+              <a:defRPr/>
+            </a:pPr>
+            <a:r>
+              <a:rPr lang="en-US" u="none" dirty="0">
+                <a:highlight>
+                  <a:srgbClr val="FFFF00"/>
+                </a:highlight>
+              </a:rPr>
+              <a:t>Five csv files (incorporated all crimes for five financial years)</a:t>
+            </a:r>
+          </a:p>
+          <a:p>
+            <a:pPr marL="171450" marR="0" lvl="0" indent="-171450" algn="l" defTabSz="914400" rtl="0" eaLnBrk="1" fontAlgn="auto" latinLnBrk="0" hangingPunct="1">
+              <a:lnSpc>
+                <a:spcPct val="100000"/>
+              </a:lnSpc>
+              <a:spcBef>
+                <a:spcPts val="0"/>
+              </a:spcBef>
+              <a:spcAft>
+                <a:spcPts val="0"/>
+              </a:spcAft>
+              <a:buClrTx/>
+              <a:buSzTx/>
+              <a:buFont typeface="Arial" panose="020B0604020202020204" pitchFamily="34" charset="0"/>
+              <a:buChar char="•"/>
+              <a:tabLst/>
+              <a:defRPr/>
+            </a:pPr>
+            <a:r>
+              <a:rPr lang="en-US" u="none" dirty="0">
+                <a:highlight>
+                  <a:srgbClr val="FFFF00"/>
+                </a:highlight>
+              </a:rPr>
+              <a:t>Each row contained the committed crime date, suburb, crime count and crime type</a:t>
+            </a:r>
+          </a:p>
+          <a:p>
+            <a:pPr marL="171450" marR="0" lvl="0" indent="-171450" algn="l" defTabSz="914400" rtl="0" eaLnBrk="1" fontAlgn="auto" latinLnBrk="0" hangingPunct="1">
+              <a:lnSpc>
+                <a:spcPct val="100000"/>
+              </a:lnSpc>
+              <a:spcBef>
+                <a:spcPts val="0"/>
+              </a:spcBef>
+              <a:spcAft>
+                <a:spcPts val="0"/>
+              </a:spcAft>
+              <a:buClrTx/>
+              <a:buSzTx/>
+              <a:buFont typeface="Arial" panose="020B0604020202020204" pitchFamily="34" charset="0"/>
+              <a:buChar char="•"/>
+              <a:tabLst/>
+              <a:defRPr/>
+            </a:pPr>
+            <a:r>
+              <a:rPr lang="en-US" u="none" dirty="0">
+                <a:highlight>
+                  <a:srgbClr val="FFFF00"/>
+                </a:highlight>
+              </a:rPr>
+              <a:t>Data from a reliable source, could have trust</a:t>
             </a:r>
           </a:p>
           <a:p>
@@ -1552,71 +1748,6 @@
             </a:endParaRPr>
           </a:p>
           <a:p>
-            <a:pPr marL="0" marR="0" lvl="0" indent="0" algn="l" defTabSz="914400" rtl="0" eaLnBrk="1" fontAlgn="auto" latinLnBrk="0" hangingPunct="1">
-              <a:lnSpc>
-                <a:spcPct val="100000"/>
-              </a:lnSpc>
-              <a:spcBef>
-                <a:spcPts val="0"/>
-              </a:spcBef>
-              <a:spcAft>
-                <a:spcPts val="0"/>
-              </a:spcAft>
-              <a:buClrTx/>
-              <a:buSzTx/>
-              <a:buFontTx/>
-              <a:buNone/>
-              <a:tabLst/>
-              <a:defRPr/>
-            </a:pPr>
-            <a:r>
-              <a:rPr lang="en-US" b="1" dirty="0">
-                <a:highlight>
-                  <a:srgbClr val="FFFF00"/>
-                </a:highlight>
-              </a:rPr>
-              <a:t>Challenges:</a:t>
-            </a:r>
-          </a:p>
-          <a:p>
-            <a:pPr marL="0" marR="0" lvl="0" indent="0" algn="l" defTabSz="914400" rtl="0" eaLnBrk="1" fontAlgn="auto" latinLnBrk="0" hangingPunct="1">
-              <a:lnSpc>
-                <a:spcPct val="100000"/>
-              </a:lnSpc>
-              <a:spcBef>
-                <a:spcPts val="0"/>
-              </a:spcBef>
-              <a:spcAft>
-                <a:spcPts val="0"/>
-              </a:spcAft>
-              <a:buClrTx/>
-              <a:buSzTx/>
-              <a:buFontTx/>
-              <a:buNone/>
-              <a:tabLst/>
-              <a:defRPr/>
-            </a:pPr>
-            <a:r>
-              <a:rPr lang="en-US" dirty="0"/>
-              <a:t>Started looking at WA, found crime data from </a:t>
-            </a:r>
-            <a:r>
-              <a:rPr lang="en-AU" dirty="0">
-                <a:hlinkClick r:id="rId3"/>
-              </a:rPr>
-              <a:t>Crime Statistics | Western Australia Police Force</a:t>
-            </a:r>
-            <a:r>
-              <a:rPr lang="en-AU" dirty="0"/>
-              <a:t> was not broken down by location sufficiently to compare to the median house price with a commonality</a:t>
-            </a:r>
-            <a:endParaRPr lang="en-US" dirty="0">
-              <a:highlight>
-                <a:srgbClr val="FFFF00"/>
-              </a:highlight>
-            </a:endParaRPr>
-          </a:p>
-          <a:p>
             <a:endParaRPr lang="en-US" dirty="0"/>
           </a:p>
         </p:txBody>
@@ -1647,7 +1778,7 @@
     </p:spTree>
     <p:extLst>
       <p:ext uri="{BB962C8B-B14F-4D97-AF65-F5344CB8AC3E}">
-        <p14:creationId xmlns:p14="http://schemas.microsoft.com/office/powerpoint/2010/main" val="1264430062"/>
+        <p14:creationId xmlns:p14="http://schemas.microsoft.com/office/powerpoint/2010/main" val="2100229153"/>
       </p:ext>
     </p:extLst>
   </p:cSld>
@@ -1703,7 +1834,7 @@
           <a:p>
             <a:r>
               <a:rPr lang="en-US" dirty="0"/>
-              <a:t>Kylie</a:t>
+              <a:t>Nick to complete</a:t>
             </a:r>
           </a:p>
           <a:p>
@@ -2028,7 +2159,7 @@
     </p:spTree>
     <p:extLst>
       <p:ext uri="{BB962C8B-B14F-4D97-AF65-F5344CB8AC3E}">
-        <p14:creationId xmlns:p14="http://schemas.microsoft.com/office/powerpoint/2010/main" val="3600383317"/>
+        <p14:creationId xmlns:p14="http://schemas.microsoft.com/office/powerpoint/2010/main" val="2762886878"/>
       </p:ext>
     </p:extLst>
   </p:cSld>
@@ -2247,7 +2378,7 @@
     </p:spTree>
     <p:extLst>
       <p:ext uri="{BB962C8B-B14F-4D97-AF65-F5344CB8AC3E}">
-        <p14:creationId xmlns:p14="http://schemas.microsoft.com/office/powerpoint/2010/main" val="428156339"/>
+        <p14:creationId xmlns:p14="http://schemas.microsoft.com/office/powerpoint/2010/main" val="2663201667"/>
       </p:ext>
     </p:extLst>
   </p:cSld>
@@ -2301,96 +2432,90 @@
           <a:bodyPr/>
           <a:lstStyle/>
           <a:p>
-            <a:r>
-              <a:rPr lang="en-AU" dirty="0"/>
-              <a:t>Annabel</a:t>
-            </a:r>
-          </a:p>
-          <a:p>
-            <a:endParaRPr lang="en-AU" dirty="0"/>
-          </a:p>
-          <a:p>
-            <a:r>
-              <a:rPr lang="en-AU" dirty="0"/>
-              <a:t>Adelaide (#1 for the whole time)</a:t>
-            </a:r>
-          </a:p>
-          <a:p>
-            <a:r>
-              <a:rPr lang="en-AU" dirty="0"/>
-              <a:t>Port Augusta (decrease over period)</a:t>
-            </a:r>
-          </a:p>
-          <a:p>
-            <a:r>
-              <a:rPr lang="en-AU" dirty="0"/>
-              <a:t>Morphett Vale (consistent)</a:t>
-            </a:r>
-          </a:p>
-          <a:p>
-            <a:r>
-              <a:rPr lang="en-AU" dirty="0"/>
-              <a:t>Mount Gambier (consistent)</a:t>
-            </a:r>
-          </a:p>
-          <a:p>
-            <a:r>
-              <a:rPr lang="en-AU" dirty="0"/>
-              <a:t>Port Lincoln (increased in last 2 years)</a:t>
-            </a:r>
-          </a:p>
-          <a:p>
-            <a:r>
-              <a:rPr lang="en-AU" dirty="0" err="1"/>
-              <a:t>Salsibury</a:t>
-            </a:r>
-            <a:r>
-              <a:rPr lang="en-AU" dirty="0"/>
-              <a:t> (consistent)</a:t>
-            </a:r>
-          </a:p>
-          <a:p>
-            <a:r>
-              <a:rPr lang="en-AU" dirty="0"/>
-              <a:t>Murray Bridge (decreased after three years at #3)</a:t>
-            </a:r>
-          </a:p>
-          <a:p>
-            <a:r>
-              <a:rPr lang="en-AU" dirty="0" err="1"/>
-              <a:t>Davoren</a:t>
-            </a:r>
-            <a:r>
-              <a:rPr lang="en-AU" dirty="0"/>
-              <a:t> Park (only in first three years)</a:t>
-            </a:r>
-          </a:p>
-          <a:p>
-            <a:r>
-              <a:rPr lang="en-AU" dirty="0"/>
-              <a:t>Mawson Lakes (consistent)</a:t>
-            </a:r>
-          </a:p>
-          <a:p>
-            <a:r>
-              <a:rPr lang="en-AU" dirty="0"/>
-              <a:t>Parafield Gardens (consistently low)</a:t>
-            </a:r>
-          </a:p>
-          <a:p>
-            <a:r>
-              <a:rPr lang="en-AU" dirty="0"/>
-              <a:t>Whyalla Norrie (only appears twice)</a:t>
-            </a:r>
-          </a:p>
-          <a:p>
-            <a:r>
-              <a:rPr lang="en-AU" dirty="0"/>
-              <a:t>Prospect (only appears once)</a:t>
-            </a:r>
-          </a:p>
-          <a:p>
-            <a:endParaRPr lang="en-AU" dirty="0"/>
+            <a:pPr marL="0" marR="0" lvl="0" indent="0" algn="l" defTabSz="914400" rtl="0" eaLnBrk="1" fontAlgn="auto" latinLnBrk="0" hangingPunct="1">
+              <a:lnSpc>
+                <a:spcPct val="100000"/>
+              </a:lnSpc>
+              <a:spcBef>
+                <a:spcPts val="0"/>
+              </a:spcBef>
+              <a:spcAft>
+                <a:spcPts val="0"/>
+              </a:spcAft>
+              <a:buClrTx/>
+              <a:buSzTx/>
+              <a:buFontTx/>
+              <a:buNone/>
+              <a:tabLst/>
+              <a:defRPr/>
+            </a:pPr>
+            <a:r>
+              <a:rPr lang="en-US" dirty="0"/>
+              <a:t>One excel document per quarter, a lot of data to merge</a:t>
+            </a:r>
+          </a:p>
+          <a:p>
+            <a:pPr marL="0" marR="0" lvl="0" indent="0" algn="l" defTabSz="914400" rtl="0" eaLnBrk="1" fontAlgn="auto" latinLnBrk="0" hangingPunct="1">
+              <a:lnSpc>
+                <a:spcPct val="100000"/>
+              </a:lnSpc>
+              <a:spcBef>
+                <a:spcPts val="0"/>
+              </a:spcBef>
+              <a:spcAft>
+                <a:spcPts val="0"/>
+              </a:spcAft>
+              <a:buClrTx/>
+              <a:buSzTx/>
+              <a:buFontTx/>
+              <a:buNone/>
+              <a:tabLst/>
+              <a:defRPr/>
+            </a:pPr>
+            <a:r>
+              <a:rPr lang="en-US" dirty="0"/>
+              <a:t>Lots of </a:t>
+            </a:r>
+            <a:r>
+              <a:rPr lang="en-US" dirty="0" err="1"/>
+              <a:t>NaN</a:t>
+            </a:r>
+            <a:r>
+              <a:rPr lang="en-US" dirty="0"/>
+              <a:t> in the combining of the data due to quarterly data – Median</a:t>
+            </a:r>
+          </a:p>
+          <a:p>
+            <a:pPr marL="0" marR="0" lvl="0" indent="0" algn="l" defTabSz="914400" rtl="0" eaLnBrk="1" fontAlgn="auto" latinLnBrk="0" hangingPunct="1">
+              <a:lnSpc>
+                <a:spcPct val="100000"/>
+              </a:lnSpc>
+              <a:spcBef>
+                <a:spcPts val="0"/>
+              </a:spcBef>
+              <a:spcAft>
+                <a:spcPts val="0"/>
+              </a:spcAft>
+              <a:buClrTx/>
+              <a:buSzTx/>
+              <a:buFontTx/>
+              <a:buNone/>
+              <a:tabLst/>
+              <a:defRPr/>
+            </a:pPr>
+            <a:r>
+              <a:rPr lang="en-US" dirty="0"/>
+              <a:t>Finding the best way to merge data</a:t>
+            </a:r>
+          </a:p>
+          <a:p>
+            <a:endParaRPr lang="en-US" dirty="0"/>
+          </a:p>
+          <a:p>
+            <a:r>
+              <a:rPr lang="en-US" dirty="0"/>
+              <a:t>All Nan were dropped</a:t>
+            </a:r>
           </a:p>
         </p:txBody>
       </p:sp>
@@ -2420,7 +2545,7 @@
     </p:spTree>
     <p:extLst>
       <p:ext uri="{BB962C8B-B14F-4D97-AF65-F5344CB8AC3E}">
-        <p14:creationId xmlns:p14="http://schemas.microsoft.com/office/powerpoint/2010/main" val="888778711"/>
+        <p14:creationId xmlns:p14="http://schemas.microsoft.com/office/powerpoint/2010/main" val="3796125349"/>
       </p:ext>
     </p:extLst>
   </p:cSld>
@@ -2475,9 +2600,95 @@
           <a:lstStyle/>
           <a:p>
             <a:r>
-              <a:rPr lang="en-US" dirty="0"/>
+              <a:rPr lang="en-AU" dirty="0"/>
               <a:t>Annabel</a:t>
             </a:r>
+          </a:p>
+          <a:p>
+            <a:endParaRPr lang="en-AU" dirty="0"/>
+          </a:p>
+          <a:p>
+            <a:r>
+              <a:rPr lang="en-AU" dirty="0"/>
+              <a:t>Adelaide (#1 for the whole time)</a:t>
+            </a:r>
+          </a:p>
+          <a:p>
+            <a:r>
+              <a:rPr lang="en-AU" dirty="0"/>
+              <a:t>Port Augusta (decrease over period)</a:t>
+            </a:r>
+          </a:p>
+          <a:p>
+            <a:r>
+              <a:rPr lang="en-AU" dirty="0"/>
+              <a:t>Morphett Vale (consistent)</a:t>
+            </a:r>
+          </a:p>
+          <a:p>
+            <a:r>
+              <a:rPr lang="en-AU" dirty="0"/>
+              <a:t>Mount Gambier (consistent)</a:t>
+            </a:r>
+          </a:p>
+          <a:p>
+            <a:r>
+              <a:rPr lang="en-AU" dirty="0"/>
+              <a:t>Port Lincoln (increased in last 2 years)</a:t>
+            </a:r>
+          </a:p>
+          <a:p>
+            <a:r>
+              <a:rPr lang="en-AU" dirty="0" err="1"/>
+              <a:t>Salsibury</a:t>
+            </a:r>
+            <a:r>
+              <a:rPr lang="en-AU" dirty="0"/>
+              <a:t> (consistent)</a:t>
+            </a:r>
+          </a:p>
+          <a:p>
+            <a:r>
+              <a:rPr lang="en-AU" dirty="0"/>
+              <a:t>Murray Bridge (decreased after three years at #3)</a:t>
+            </a:r>
+          </a:p>
+          <a:p>
+            <a:r>
+              <a:rPr lang="en-AU" dirty="0" err="1"/>
+              <a:t>Davoren</a:t>
+            </a:r>
+            <a:r>
+              <a:rPr lang="en-AU" dirty="0"/>
+              <a:t> Park (only in first three years)</a:t>
+            </a:r>
+          </a:p>
+          <a:p>
+            <a:r>
+              <a:rPr lang="en-AU" dirty="0"/>
+              <a:t>Mawson Lakes (consistent)</a:t>
+            </a:r>
+          </a:p>
+          <a:p>
+            <a:r>
+              <a:rPr lang="en-AU" dirty="0"/>
+              <a:t>Parafield Gardens (consistently low)</a:t>
+            </a:r>
+          </a:p>
+          <a:p>
+            <a:r>
+              <a:rPr lang="en-AU" dirty="0"/>
+              <a:t>Whyalla Norrie (only appears twice)</a:t>
+            </a:r>
+          </a:p>
+          <a:p>
+            <a:r>
+              <a:rPr lang="en-AU" dirty="0"/>
+              <a:t>Prospect (only appears once)</a:t>
+            </a:r>
+          </a:p>
+          <a:p>
+            <a:endParaRPr lang="en-AU" dirty="0"/>
           </a:p>
         </p:txBody>
       </p:sp>
@@ -2507,7 +2718,7 @@
     </p:spTree>
     <p:extLst>
       <p:ext uri="{BB962C8B-B14F-4D97-AF65-F5344CB8AC3E}">
-        <p14:creationId xmlns:p14="http://schemas.microsoft.com/office/powerpoint/2010/main" val="2495370457"/>
+        <p14:creationId xmlns:p14="http://schemas.microsoft.com/office/powerpoint/2010/main" val="3627595690"/>
       </p:ext>
     </p:extLst>
   </p:cSld>
@@ -2594,7 +2805,7 @@
     </p:spTree>
     <p:extLst>
       <p:ext uri="{BB962C8B-B14F-4D97-AF65-F5344CB8AC3E}">
-        <p14:creationId xmlns:p14="http://schemas.microsoft.com/office/powerpoint/2010/main" val="254680774"/>
+        <p14:creationId xmlns:p14="http://schemas.microsoft.com/office/powerpoint/2010/main" val="577759006"/>
       </p:ext>
     </p:extLst>
   </p:cSld>
@@ -2649,43 +2860,147 @@
           <a:lstStyle/>
           <a:p>
             <a:r>
-              <a:rPr lang="en-AU" dirty="0">
-                <a:solidFill>
-                  <a:srgbClr val="FF0000"/>
-                </a:solidFill>
-              </a:rPr>
-              <a:t>Miki</a:t>
-            </a:r>
-          </a:p>
-          <a:p>
-            <a:endParaRPr lang="en-AU" dirty="0">
-              <a:solidFill>
-                <a:srgbClr val="FF0000"/>
-              </a:solidFill>
-            </a:endParaRPr>
-          </a:p>
-          <a:p>
-            <a:r>
-              <a:rPr lang="en-AU" dirty="0">
-                <a:solidFill>
-                  <a:srgbClr val="FF0000"/>
-                </a:solidFill>
-              </a:rPr>
-              <a:t>Insert graphs</a:t>
-            </a:r>
-          </a:p>
-          <a:p>
-            <a:r>
-              <a:rPr lang="en-AU" dirty="0">
-                <a:solidFill>
-                  <a:srgbClr val="FF0000"/>
-                </a:solidFill>
-              </a:rPr>
-              <a:t>Insert insights – list suburbs that are in the top 10 over the past five financial years</a:t>
-            </a:r>
-          </a:p>
-          <a:p>
-            <a:endParaRPr lang="en-AU" dirty="0"/>
+              <a:rPr lang="en-US" dirty="0"/>
+              <a:t>Annabel</a:t>
+            </a:r>
+          </a:p>
+          <a:p>
+            <a:endParaRPr lang="en-US" dirty="0"/>
+          </a:p>
+          <a:p>
+            <a:r>
+              <a:rPr lang="en-US" dirty="0"/>
+              <a:t>In this bar chart, 8 of these suburbs remain in the Top 10 Crime Count suburbs over the past 5 years. (</a:t>
+            </a:r>
+            <a:r>
+              <a:rPr lang="en-US" dirty="0" err="1"/>
+              <a:t>ie</a:t>
+            </a:r>
+            <a:r>
+              <a:rPr lang="en-US" dirty="0"/>
+              <a:t>. The Top 8 in 2019-2020 existed in the top 10 for the past 5 financial years)</a:t>
+            </a:r>
+          </a:p>
+          <a:p>
+            <a:pPr marL="228600" indent="-228600">
+              <a:buAutoNum type="arabicParenR"/>
+            </a:pPr>
+            <a:r>
+              <a:rPr lang="en-US" dirty="0"/>
+              <a:t>Adelaide</a:t>
+            </a:r>
+          </a:p>
+          <a:p>
+            <a:pPr marL="228600" indent="-228600">
+              <a:buAutoNum type="arabicParenR"/>
+            </a:pPr>
+            <a:r>
+              <a:rPr lang="en-US" dirty="0" err="1"/>
+              <a:t>Morphette</a:t>
+            </a:r>
+            <a:r>
+              <a:rPr lang="en-US" dirty="0"/>
+              <a:t> Vale</a:t>
+            </a:r>
+          </a:p>
+          <a:p>
+            <a:pPr marL="228600" indent="-228600">
+              <a:buAutoNum type="arabicParenR"/>
+            </a:pPr>
+            <a:r>
+              <a:rPr lang="en-US" dirty="0"/>
+              <a:t>Port Lincoln</a:t>
+            </a:r>
+          </a:p>
+          <a:p>
+            <a:pPr marL="228600" indent="-228600">
+              <a:buAutoNum type="arabicParenR"/>
+            </a:pPr>
+            <a:r>
+              <a:rPr lang="en-US" dirty="0"/>
+              <a:t>Mount Gambier</a:t>
+            </a:r>
+          </a:p>
+          <a:p>
+            <a:pPr marL="228600" indent="-228600">
+              <a:buAutoNum type="arabicParenR"/>
+            </a:pPr>
+            <a:r>
+              <a:rPr lang="en-US" dirty="0"/>
+              <a:t>Murray Bridge</a:t>
+            </a:r>
+          </a:p>
+          <a:p>
+            <a:pPr marL="228600" indent="-228600">
+              <a:buAutoNum type="arabicParenR"/>
+            </a:pPr>
+            <a:r>
+              <a:rPr lang="en-US" dirty="0"/>
+              <a:t>Salisbury</a:t>
+            </a:r>
+          </a:p>
+          <a:p>
+            <a:pPr marL="228600" indent="-228600">
+              <a:buAutoNum type="arabicParenR"/>
+            </a:pPr>
+            <a:r>
+              <a:rPr lang="en-US" dirty="0"/>
+              <a:t>Mawson Lakes</a:t>
+            </a:r>
+          </a:p>
+          <a:p>
+            <a:pPr marL="228600" indent="-228600">
+              <a:buAutoNum type="arabicParenR"/>
+            </a:pPr>
+            <a:r>
+              <a:rPr lang="en-US" dirty="0"/>
+              <a:t>Port Augusta	</a:t>
+            </a:r>
+          </a:p>
+          <a:p>
+            <a:pPr marL="228600" indent="-228600">
+              <a:buAutoNum type="arabicParenR"/>
+            </a:pPr>
+            <a:endParaRPr lang="en-US" dirty="0"/>
+          </a:p>
+          <a:p>
+            <a:pPr marL="0" indent="0">
+              <a:buNone/>
+            </a:pPr>
+            <a:r>
+              <a:rPr lang="en-US" dirty="0"/>
+              <a:t>Of the top 3 crime count suburbs, based on our hypothesis, high crime rates correlates to low property prices, the highest committing crime suburbs should be the cheapest. (</a:t>
+            </a:r>
+            <a:r>
+              <a:rPr lang="en-US" dirty="0" err="1"/>
+              <a:t>ie</a:t>
+            </a:r>
+            <a:r>
+              <a:rPr lang="en-US" dirty="0"/>
+              <a:t>. Lowest ranking) (</a:t>
+            </a:r>
+            <a:r>
+              <a:rPr lang="en-US" dirty="0" err="1"/>
+              <a:t>eg.</a:t>
+            </a:r>
+            <a:r>
+              <a:rPr lang="en-US" dirty="0"/>
+              <a:t> 325</a:t>
+            </a:r>
+            <a:r>
+              <a:rPr lang="en-US" baseline="30000" dirty="0"/>
+              <a:t>th</a:t>
+            </a:r>
+            <a:r>
+              <a:rPr lang="en-US" dirty="0"/>
+              <a:t> ranking for Adelaide is what is expected from the hypothesis) </a:t>
+            </a:r>
+          </a:p>
+          <a:p>
+            <a:pPr marL="0" indent="0">
+              <a:buNone/>
+            </a:pPr>
+            <a:endParaRPr lang="en-US" dirty="0"/>
           </a:p>
         </p:txBody>
       </p:sp>
@@ -2715,7 +3030,7 @@
     </p:spTree>
     <p:extLst>
       <p:ext uri="{BB962C8B-B14F-4D97-AF65-F5344CB8AC3E}">
-        <p14:creationId xmlns:p14="http://schemas.microsoft.com/office/powerpoint/2010/main" val="1074054908"/>
+        <p14:creationId xmlns:p14="http://schemas.microsoft.com/office/powerpoint/2010/main" val="4010469913"/>
       </p:ext>
     </p:extLst>
   </p:cSld>
@@ -6095,7 +6410,7 @@
                   <a:schemeClr val="bg1"/>
                 </a:solidFill>
               </a:rPr>
-              <a:t>2015 -2021</a:t>
+              <a:t>2015 -2020</a:t>
             </a:r>
           </a:p>
         </p:txBody>
@@ -6310,6 +6625,203 @@
           <p:cNvPr id="2" name="Title 1">
             <a:extLst>
               <a:ext uri="{FF2B5EF4-FFF2-40B4-BE49-F238E27FC236}">
+                <a16:creationId xmlns:a16="http://schemas.microsoft.com/office/drawing/2014/main" id="{D4112190-B47C-470F-9F25-6023D45B677C}"/>
+              </a:ext>
+            </a:extLst>
+          </p:cNvPr>
+          <p:cNvSpPr>
+            <a:spLocks noGrp="1"/>
+          </p:cNvSpPr>
+          <p:nvPr>
+            <p:ph type="title"/>
+          </p:nvPr>
+        </p:nvSpPr>
+        <p:spPr/>
+        <p:txBody>
+          <a:bodyPr>
+            <a:normAutofit fontScale="90000"/>
+          </a:bodyPr>
+          <a:lstStyle/>
+          <a:p>
+            <a:r>
+              <a:rPr lang="en-US" dirty="0"/>
+              <a:t>Data </a:t>
+            </a:r>
+            <a:r>
+              <a:rPr lang="en-US" dirty="0" err="1"/>
+              <a:t>AnalysiS</a:t>
+            </a:r>
+            <a:br>
+              <a:rPr lang="en-US" dirty="0"/>
+            </a:br>
+            <a:r>
+              <a:rPr lang="en-US" dirty="0"/>
+              <a:t> Bottom 10 SUBURBS BY PROPERTY PRICE</a:t>
+            </a:r>
+            <a:br>
+              <a:rPr lang="en-US" dirty="0"/>
+            </a:br>
+            <a:endParaRPr lang="en-AU" dirty="0"/>
+          </a:p>
+        </p:txBody>
+      </p:sp>
+      <p:pic>
+        <p:nvPicPr>
+          <p:cNvPr id="7" name="Content Placeholder 6" descr="Icon&#10;&#10;Description automatically generated">
+            <a:extLst>
+              <a:ext uri="{FF2B5EF4-FFF2-40B4-BE49-F238E27FC236}">
+                <a16:creationId xmlns:a16="http://schemas.microsoft.com/office/drawing/2014/main" id="{8923D90D-FAAA-4BA0-9A62-313D6D654289}"/>
+              </a:ext>
+            </a:extLst>
+          </p:cNvPr>
+          <p:cNvPicPr>
+            <a:picLocks noGrp="1" noChangeAspect="1"/>
+          </p:cNvPicPr>
+          <p:nvPr>
+            <p:ph idx="1"/>
+          </p:nvPr>
+        </p:nvPicPr>
+        <p:blipFill>
+          <a:blip r:embed="rId3">
+            <a:extLst>
+              <a:ext uri="{28A0092B-C50C-407E-A947-70E740481C1C}">
+                <a14:useLocalDpi xmlns:a14="http://schemas.microsoft.com/office/drawing/2010/main" val="0"/>
+              </a:ext>
+            </a:extLst>
+          </a:blip>
+          <a:stretch>
+            <a:fillRect/>
+          </a:stretch>
+        </p:blipFill>
+        <p:spPr>
+          <a:xfrm>
+            <a:off x="614892" y="2739435"/>
+            <a:ext cx="4949501" cy="3289225"/>
+          </a:xfrm>
+        </p:spPr>
+      </p:pic>
+      <p:sp>
+        <p:nvSpPr>
+          <p:cNvPr id="8" name="TextBox 7">
+            <a:extLst>
+              <a:ext uri="{FF2B5EF4-FFF2-40B4-BE49-F238E27FC236}">
+                <a16:creationId xmlns:a16="http://schemas.microsoft.com/office/drawing/2014/main" id="{14598C71-DC44-43A3-9A9E-C566B76F72B2}"/>
+              </a:ext>
+            </a:extLst>
+          </p:cNvPr>
+          <p:cNvSpPr txBox="1"/>
+          <p:nvPr/>
+        </p:nvSpPr>
+        <p:spPr>
+          <a:xfrm>
+            <a:off x="6096000" y="2739435"/>
+            <a:ext cx="2665228" cy="2585323"/>
+          </a:xfrm>
+          <a:prstGeom prst="rect">
+            <a:avLst/>
+          </a:prstGeom>
+          <a:noFill/>
+        </p:spPr>
+        <p:txBody>
+          <a:bodyPr wrap="square" rtlCol="0">
+            <a:spAutoFit/>
+          </a:bodyPr>
+          <a:lstStyle/>
+          <a:p>
+            <a:r>
+              <a:rPr lang="en-AU" dirty="0"/>
+              <a:t>Smithfield Plains</a:t>
+            </a:r>
+          </a:p>
+          <a:p>
+            <a:r>
+              <a:rPr lang="en-AU" dirty="0" err="1"/>
+              <a:t>Davoren</a:t>
+            </a:r>
+            <a:r>
+              <a:rPr lang="en-AU" dirty="0"/>
+              <a:t> Park</a:t>
+            </a:r>
+          </a:p>
+          <a:p>
+            <a:r>
+              <a:rPr lang="en-AU" dirty="0"/>
+              <a:t>Elizabeth Downs</a:t>
+            </a:r>
+          </a:p>
+          <a:p>
+            <a:r>
+              <a:rPr lang="en-AU" dirty="0"/>
+              <a:t>Elizabeth North</a:t>
+            </a:r>
+          </a:p>
+          <a:p>
+            <a:r>
+              <a:rPr lang="en-AU" dirty="0"/>
+              <a:t>Elizabeth Park</a:t>
+            </a:r>
+          </a:p>
+          <a:p>
+            <a:r>
+              <a:rPr lang="en-AU" dirty="0"/>
+              <a:t>Elizabeth East</a:t>
+            </a:r>
+          </a:p>
+          <a:p>
+            <a:r>
+              <a:rPr lang="en-AU" dirty="0"/>
+              <a:t>Elizabeth South</a:t>
+            </a:r>
+          </a:p>
+          <a:p>
+            <a:r>
+              <a:rPr lang="en-AU" dirty="0"/>
+              <a:t>Elizabeth</a:t>
+            </a:r>
+          </a:p>
+          <a:p>
+            <a:r>
+              <a:rPr lang="en-AU" dirty="0"/>
+              <a:t>Elizabeth Vale</a:t>
+            </a:r>
+          </a:p>
+        </p:txBody>
+      </p:sp>
+    </p:spTree>
+    <p:extLst>
+      <p:ext uri="{BB962C8B-B14F-4D97-AF65-F5344CB8AC3E}">
+        <p14:creationId xmlns:p14="http://schemas.microsoft.com/office/powerpoint/2010/main" val="788958099"/>
+      </p:ext>
+    </p:extLst>
+  </p:cSld>
+  <p:clrMapOvr>
+    <a:masterClrMapping/>
+  </p:clrMapOvr>
+</p:sld>
+</file>
+
+<file path=ppt/slides/slide11.xml><?xml version="1.0" encoding="utf-8"?>
+<p:sld xmlns:a="http://schemas.openxmlformats.org/drawingml/2006/main" xmlns:r="http://schemas.openxmlformats.org/officeDocument/2006/relationships" xmlns:p="http://schemas.openxmlformats.org/presentationml/2006/main">
+  <p:cSld>
+    <p:spTree>
+      <p:nvGrpSpPr>
+        <p:cNvPr id="1" name=""/>
+        <p:cNvGrpSpPr/>
+        <p:nvPr/>
+      </p:nvGrpSpPr>
+      <p:grpSpPr>
+        <a:xfrm>
+          <a:off x="0" y="0"/>
+          <a:ext cx="0" cy="0"/>
+          <a:chOff x="0" y="0"/>
+          <a:chExt cx="0" cy="0"/>
+        </a:xfrm>
+      </p:grpSpPr>
+      <p:sp>
+        <p:nvSpPr>
+          <p:cNvPr id="2" name="Title 1">
+            <a:extLst>
+              <a:ext uri="{FF2B5EF4-FFF2-40B4-BE49-F238E27FC236}">
                 <a16:creationId xmlns:a16="http://schemas.microsoft.com/office/drawing/2014/main" id="{41198B77-23C6-4C9A-92CD-4ACB88F9C9FF}"/>
               </a:ext>
             </a:extLst>
@@ -6323,7 +6835,9 @@
         </p:nvSpPr>
         <p:spPr/>
         <p:txBody>
-          <a:bodyPr/>
+          <a:bodyPr>
+            <a:normAutofit fontScale="90000"/>
+          </a:bodyPr>
           <a:lstStyle/>
           <a:p>
             <a:r>
@@ -6339,7 +6853,7 @@
             </a:br>
             <a:r>
               <a:rPr lang="en-US" dirty="0"/>
-              <a:t> TOP 10 SUBURBS BY PROPERTY PRICE</a:t>
+              <a:t> Bottom 10 SUBURBS BY PROPERTY PRICE</a:t>
             </a:r>
             <a:endParaRPr lang="en-AU" dirty="0"/>
           </a:p>
@@ -6347,10 +6861,10 @@
       </p:sp>
       <p:pic>
         <p:nvPicPr>
-          <p:cNvPr id="6" name="Picture 5" descr="Icon&#10;&#10;Description automatically generated">
+          <p:cNvPr id="4" name="Picture 3" descr="Icon&#10;&#10;Description automatically generated">
             <a:extLst>
               <a:ext uri="{FF2B5EF4-FFF2-40B4-BE49-F238E27FC236}">
-                <a16:creationId xmlns:a16="http://schemas.microsoft.com/office/drawing/2014/main" id="{560F708A-7AF5-4618-9AB2-12689695337D}"/>
+                <a16:creationId xmlns:a16="http://schemas.microsoft.com/office/drawing/2014/main" id="{CEA2BCB7-41BE-4E8F-A25B-CF7AA04DA81D}"/>
               </a:ext>
             </a:extLst>
           </p:cNvPr>
@@ -6373,8 +6887,44 @@
         </p:blipFill>
         <p:spPr>
           <a:xfrm>
-            <a:off x="6671199" y="2795470"/>
-            <a:ext cx="4542503" cy="3097838"/>
+            <a:off x="132226" y="2744916"/>
+            <a:ext cx="5061248" cy="3363488"/>
+          </a:xfrm>
+          <a:prstGeom prst="rect">
+            <a:avLst/>
+          </a:prstGeom>
+        </p:spPr>
+      </p:pic>
+      <p:pic>
+        <p:nvPicPr>
+          <p:cNvPr id="8" name="Picture 7" descr="Icon&#10;&#10;Description automatically generated">
+            <a:extLst>
+              <a:ext uri="{FF2B5EF4-FFF2-40B4-BE49-F238E27FC236}">
+                <a16:creationId xmlns:a16="http://schemas.microsoft.com/office/drawing/2014/main" id="{A5B96C2D-A48A-4E33-9BF7-447B4C992D72}"/>
+              </a:ext>
+            </a:extLst>
+          </p:cNvPr>
+          <p:cNvPicPr>
+            <a:picLocks noChangeAspect="1"/>
+          </p:cNvPicPr>
+          <p:nvPr/>
+        </p:nvPicPr>
+        <p:blipFill>
+          <a:blip r:embed="rId4">
+            <a:extLst>
+              <a:ext uri="{28A0092B-C50C-407E-A947-70E740481C1C}">
+                <a14:useLocalDpi xmlns:a14="http://schemas.microsoft.com/office/drawing/2010/main" val="0"/>
+              </a:ext>
+            </a:extLst>
+          </a:blip>
+          <a:stretch>
+            <a:fillRect/>
+          </a:stretch>
+        </p:blipFill>
+        <p:spPr>
+          <a:xfrm>
+            <a:off x="5437107" y="2803395"/>
+            <a:ext cx="4565266" cy="3172103"/>
           </a:xfrm>
           <a:prstGeom prst="rect">
             <a:avLst/>
@@ -6384,7 +6934,7 @@
     </p:spTree>
     <p:extLst>
       <p:ext uri="{BB962C8B-B14F-4D97-AF65-F5344CB8AC3E}">
-        <p14:creationId xmlns:p14="http://schemas.microsoft.com/office/powerpoint/2010/main" val="67883303"/>
+        <p14:creationId xmlns:p14="http://schemas.microsoft.com/office/powerpoint/2010/main" val="537538894"/>
       </p:ext>
     </p:extLst>
   </p:cSld>
@@ -6394,7 +6944,148 @@
 </p:sld>
 </file>
 
-<file path=ppt/slides/slide11.xml><?xml version="1.0" encoding="utf-8"?>
+<file path=ppt/slides/slide12.xml><?xml version="1.0" encoding="utf-8"?>
+<p:sld xmlns:a="http://schemas.openxmlformats.org/drawingml/2006/main" xmlns:r="http://schemas.openxmlformats.org/officeDocument/2006/relationships" xmlns:p="http://schemas.openxmlformats.org/presentationml/2006/main">
+  <p:cSld>
+    <p:spTree>
+      <p:nvGrpSpPr>
+        <p:cNvPr id="1" name=""/>
+        <p:cNvGrpSpPr/>
+        <p:nvPr/>
+      </p:nvGrpSpPr>
+      <p:grpSpPr>
+        <a:xfrm>
+          <a:off x="0" y="0"/>
+          <a:ext cx="0" cy="0"/>
+          <a:chOff x="0" y="0"/>
+          <a:chExt cx="0" cy="0"/>
+        </a:xfrm>
+      </p:grpSpPr>
+      <p:sp>
+        <p:nvSpPr>
+          <p:cNvPr id="2" name="Title 1">
+            <a:extLst>
+              <a:ext uri="{FF2B5EF4-FFF2-40B4-BE49-F238E27FC236}">
+                <a16:creationId xmlns:a16="http://schemas.microsoft.com/office/drawing/2014/main" id="{87D59EE8-76C1-439B-BA30-BD7CBE73E876}"/>
+              </a:ext>
+            </a:extLst>
+          </p:cNvPr>
+          <p:cNvSpPr>
+            <a:spLocks noGrp="1"/>
+          </p:cNvSpPr>
+          <p:nvPr>
+            <p:ph type="title"/>
+          </p:nvPr>
+        </p:nvSpPr>
+        <p:spPr/>
+        <p:txBody>
+          <a:bodyPr>
+            <a:normAutofit fontScale="90000"/>
+          </a:bodyPr>
+          <a:lstStyle/>
+          <a:p>
+            <a:r>
+              <a:rPr lang="en-US" dirty="0"/>
+              <a:t>Data </a:t>
+            </a:r>
+            <a:r>
+              <a:rPr lang="en-US" dirty="0" err="1"/>
+              <a:t>AnalysiS</a:t>
+            </a:r>
+            <a:br>
+              <a:rPr lang="en-US" dirty="0"/>
+            </a:br>
+            <a:r>
+              <a:rPr lang="en-US" dirty="0"/>
+              <a:t> Bottom 10 SUBURBS BY PROPERTY PRICE</a:t>
+            </a:r>
+            <a:endParaRPr lang="en-AU" dirty="0"/>
+          </a:p>
+        </p:txBody>
+      </p:sp>
+      <p:pic>
+        <p:nvPicPr>
+          <p:cNvPr id="5" name="Content Placeholder 4">
+            <a:extLst>
+              <a:ext uri="{FF2B5EF4-FFF2-40B4-BE49-F238E27FC236}">
+                <a16:creationId xmlns:a16="http://schemas.microsoft.com/office/drawing/2014/main" id="{53B60C00-7268-4D8D-87AE-177F94376CF4}"/>
+              </a:ext>
+            </a:extLst>
+          </p:cNvPr>
+          <p:cNvPicPr>
+            <a:picLocks noGrp="1" noChangeAspect="1"/>
+          </p:cNvPicPr>
+          <p:nvPr>
+            <p:ph idx="1"/>
+          </p:nvPr>
+        </p:nvPicPr>
+        <p:blipFill>
+          <a:blip r:embed="rId3">
+            <a:extLst>
+              <a:ext uri="{28A0092B-C50C-407E-A947-70E740481C1C}">
+                <a14:useLocalDpi xmlns:a14="http://schemas.microsoft.com/office/drawing/2010/main" val="0"/>
+              </a:ext>
+            </a:extLst>
+          </a:blip>
+          <a:srcRect/>
+          <a:stretch/>
+        </p:blipFill>
+        <p:spPr>
+          <a:xfrm>
+            <a:off x="4849066" y="2791331"/>
+            <a:ext cx="4593309" cy="3052515"/>
+          </a:xfrm>
+        </p:spPr>
+      </p:pic>
+      <p:pic>
+        <p:nvPicPr>
+          <p:cNvPr id="6" name="Content Placeholder 4">
+            <a:extLst>
+              <a:ext uri="{FF2B5EF4-FFF2-40B4-BE49-F238E27FC236}">
+                <a16:creationId xmlns:a16="http://schemas.microsoft.com/office/drawing/2014/main" id="{1389C4C6-FAF5-47AD-A090-87965B0B2ED8}"/>
+              </a:ext>
+            </a:extLst>
+          </p:cNvPr>
+          <p:cNvPicPr>
+            <a:picLocks noChangeAspect="1"/>
+          </p:cNvPicPr>
+          <p:nvPr/>
+        </p:nvPicPr>
+        <p:blipFill>
+          <a:blip r:embed="rId4">
+            <a:extLst>
+              <a:ext uri="{28A0092B-C50C-407E-A947-70E740481C1C}">
+                <a14:useLocalDpi xmlns:a14="http://schemas.microsoft.com/office/drawing/2010/main" val="0"/>
+              </a:ext>
+            </a:extLst>
+          </a:blip>
+          <a:srcRect/>
+          <a:stretch/>
+        </p:blipFill>
+        <p:spPr>
+          <a:xfrm>
+            <a:off x="133339" y="2791332"/>
+            <a:ext cx="4593309" cy="3052515"/>
+          </a:xfrm>
+          <a:prstGeom prst="rect">
+            <a:avLst/>
+          </a:prstGeom>
+        </p:spPr>
+      </p:pic>
+    </p:spTree>
+    <p:extLst>
+      <p:ext uri="{BB962C8B-B14F-4D97-AF65-F5344CB8AC3E}">
+        <p14:creationId xmlns:p14="http://schemas.microsoft.com/office/powerpoint/2010/main" val="4141603700"/>
+      </p:ext>
+    </p:extLst>
+  </p:cSld>
+  <p:clrMapOvr>
+    <a:masterClrMapping/>
+  </p:clrMapOvr>
+</p:sld>
+</file>
+
+<file path=ppt/slides/slide13.xml><?xml version="1.0" encoding="utf-8"?>
 <p:sld xmlns:a="http://schemas.openxmlformats.org/drawingml/2006/main" xmlns:r="http://schemas.openxmlformats.org/officeDocument/2006/relationships" xmlns:p="http://schemas.openxmlformats.org/presentationml/2006/main">
   <p:cSld>
     <p:spTree>
@@ -6522,10 +7213,995 @@
           </a:prstGeom>
         </p:spPr>
       </p:pic>
+      <p:graphicFrame>
+        <p:nvGraphicFramePr>
+          <p:cNvPr id="3" name="Table 2">
+            <a:extLst>
+              <a:ext uri="{FF2B5EF4-FFF2-40B4-BE49-F238E27FC236}">
+                <a16:creationId xmlns:a16="http://schemas.microsoft.com/office/drawing/2014/main" id="{EB35012C-3851-BB42-8923-3C0D00274E71}"/>
+              </a:ext>
+            </a:extLst>
+          </p:cNvPr>
+          <p:cNvGraphicFramePr>
+            <a:graphicFrameLocks noGrp="1"/>
+          </p:cNvGraphicFramePr>
+          <p:nvPr/>
+        </p:nvGraphicFramePr>
+        <p:xfrm>
+          <a:off x="7141751" y="5086857"/>
+          <a:ext cx="4597400" cy="1612900"/>
+        </p:xfrm>
+        <a:graphic>
+          <a:graphicData uri="http://schemas.openxmlformats.org/drawingml/2006/table">
+            <a:tbl>
+              <a:tblPr firstRow="1" firstCol="1">
+                <a:tableStyleId>{00A15C55-8517-42AA-B614-E9B94910E393}</a:tableStyleId>
+              </a:tblPr>
+              <a:tblGrid>
+                <a:gridCol w="1295400">
+                  <a:extLst>
+                    <a:ext uri="{9D8B030D-6E8A-4147-A177-3AD203B41FA5}">
+                      <a16:colId xmlns:a16="http://schemas.microsoft.com/office/drawing/2014/main" val="2286635193"/>
+                    </a:ext>
+                  </a:extLst>
+                </a:gridCol>
+                <a:gridCol w="1651000">
+                  <a:extLst>
+                    <a:ext uri="{9D8B030D-6E8A-4147-A177-3AD203B41FA5}">
+                      <a16:colId xmlns:a16="http://schemas.microsoft.com/office/drawing/2014/main" val="4109209908"/>
+                    </a:ext>
+                  </a:extLst>
+                </a:gridCol>
+                <a:gridCol w="1651000">
+                  <a:extLst>
+                    <a:ext uri="{9D8B030D-6E8A-4147-A177-3AD203B41FA5}">
+                      <a16:colId xmlns:a16="http://schemas.microsoft.com/office/drawing/2014/main" val="1998260925"/>
+                    </a:ext>
+                  </a:extLst>
+                </a:gridCol>
+              </a:tblGrid>
+              <a:tr h="203200">
+                <a:tc gridSpan="3">
+                  <a:txBody>
+                    <a:bodyPr/>
+                    <a:lstStyle/>
+                    <a:p>
+                      <a:pPr algn="l" fontAlgn="b"/>
+                      <a:r>
+                        <a:rPr lang="en-AU" sz="1200" u="none" strike="noStrike">
+                          <a:effectLst/>
+                        </a:rPr>
+                        <a:t>2019-2020 Financial Year</a:t>
+                      </a:r>
+                      <a:endParaRPr lang="en-AU" sz="1200" b="0" i="0" u="none" strike="noStrike">
+                        <a:solidFill>
+                          <a:srgbClr val="000000"/>
+                        </a:solidFill>
+                        <a:effectLst/>
+                        <a:latin typeface="Calibri" panose="020F0502020204030204" pitchFamily="34" charset="0"/>
+                      </a:endParaRPr>
+                    </a:p>
+                  </a:txBody>
+                  <a:tcPr marL="9525" marR="9525" marT="9525" marB="0" anchor="b">
+                    <a:lnL w="12700" cap="flat" cmpd="sng" algn="ctr">
+                      <a:solidFill>
+                        <a:schemeClr val="tx1"/>
+                      </a:solidFill>
+                      <a:prstDash val="solid"/>
+                      <a:round/>
+                      <a:headEnd type="none" w="med" len="med"/>
+                      <a:tailEnd type="none" w="med" len="med"/>
+                    </a:lnL>
+                    <a:lnR w="12700" cap="flat" cmpd="sng" algn="ctr">
+                      <a:solidFill>
+                        <a:schemeClr val="tx1"/>
+                      </a:solidFill>
+                      <a:prstDash val="solid"/>
+                      <a:round/>
+                      <a:headEnd type="none" w="med" len="med"/>
+                      <a:tailEnd type="none" w="med" len="med"/>
+                    </a:lnR>
+                    <a:lnT w="12700" cap="flat" cmpd="sng" algn="ctr">
+                      <a:solidFill>
+                        <a:schemeClr val="tx1"/>
+                      </a:solidFill>
+                      <a:prstDash val="solid"/>
+                      <a:round/>
+                      <a:headEnd type="none" w="med" len="med"/>
+                      <a:tailEnd type="none" w="med" len="med"/>
+                    </a:lnT>
+                    <a:lnB w="12700" cap="flat" cmpd="sng" algn="ctr">
+                      <a:solidFill>
+                        <a:schemeClr val="tx1"/>
+                      </a:solidFill>
+                      <a:prstDash val="solid"/>
+                      <a:round/>
+                      <a:headEnd type="none" w="med" len="med"/>
+                      <a:tailEnd type="none" w="med" len="med"/>
+                    </a:lnB>
+                  </a:tcPr>
+                </a:tc>
+                <a:tc hMerge="1">
+                  <a:txBody>
+                    <a:bodyPr/>
+                    <a:lstStyle/>
+                    <a:p>
+                      <a:endParaRPr lang="en-US"/>
+                    </a:p>
+                  </a:txBody>
+                  <a:tcPr/>
+                </a:tc>
+                <a:tc hMerge="1">
+                  <a:txBody>
+                    <a:bodyPr/>
+                    <a:lstStyle/>
+                    <a:p>
+                      <a:endParaRPr lang="en-US"/>
+                    </a:p>
+                  </a:txBody>
+                  <a:tcPr/>
+                </a:tc>
+                <a:extLst>
+                  <a:ext uri="{0D108BD9-81ED-4DB2-BD59-A6C34878D82A}">
+                    <a16:rowId xmlns:a16="http://schemas.microsoft.com/office/drawing/2014/main" val="1279980899"/>
+                  </a:ext>
+                </a:extLst>
+              </a:tr>
+              <a:tr h="596900">
+                <a:tc>
+                  <a:txBody>
+                    <a:bodyPr/>
+                    <a:lstStyle/>
+                    <a:p>
+                      <a:pPr algn="l" fontAlgn="t"/>
+                      <a:r>
+                        <a:rPr lang="en-AU" sz="1200" u="none" strike="noStrike">
+                          <a:effectLst/>
+                        </a:rPr>
+                        <a:t>Suburb</a:t>
+                      </a:r>
+                      <a:endParaRPr lang="en-AU" sz="1200" b="1" i="0" u="none" strike="noStrike">
+                        <a:solidFill>
+                          <a:srgbClr val="000000"/>
+                        </a:solidFill>
+                        <a:effectLst/>
+                        <a:latin typeface="Calibri" panose="020F0502020204030204" pitchFamily="34" charset="0"/>
+                      </a:endParaRPr>
+                    </a:p>
+                  </a:txBody>
+                  <a:tcPr marL="9525" marR="9525" marT="9525" marB="0">
+                    <a:lnL w="12700" cap="flat" cmpd="sng" algn="ctr">
+                      <a:solidFill>
+                        <a:schemeClr val="tx1"/>
+                      </a:solidFill>
+                      <a:prstDash val="solid"/>
+                      <a:round/>
+                      <a:headEnd type="none" w="med" len="med"/>
+                      <a:tailEnd type="none" w="med" len="med"/>
+                    </a:lnL>
+                    <a:lnR w="12700" cap="flat" cmpd="sng" algn="ctr">
+                      <a:solidFill>
+                        <a:schemeClr val="tx1"/>
+                      </a:solidFill>
+                      <a:prstDash val="solid"/>
+                      <a:round/>
+                      <a:headEnd type="none" w="med" len="med"/>
+                      <a:tailEnd type="none" w="med" len="med"/>
+                    </a:lnR>
+                    <a:lnT w="12700" cap="flat" cmpd="sng" algn="ctr">
+                      <a:solidFill>
+                        <a:schemeClr val="tx1"/>
+                      </a:solidFill>
+                      <a:prstDash val="solid"/>
+                      <a:round/>
+                      <a:headEnd type="none" w="med" len="med"/>
+                      <a:tailEnd type="none" w="med" len="med"/>
+                    </a:lnT>
+                    <a:lnB w="12700" cap="flat" cmpd="sng" algn="ctr">
+                      <a:solidFill>
+                        <a:schemeClr val="tx1"/>
+                      </a:solidFill>
+                      <a:prstDash val="solid"/>
+                      <a:round/>
+                      <a:headEnd type="none" w="med" len="med"/>
+                      <a:tailEnd type="none" w="med" len="med"/>
+                    </a:lnB>
+                  </a:tcPr>
+                </a:tc>
+                <a:tc>
+                  <a:txBody>
+                    <a:bodyPr/>
+                    <a:lstStyle/>
+                    <a:p>
+                      <a:pPr algn="ctr" fontAlgn="t"/>
+                      <a:r>
+                        <a:rPr lang="en-AU" sz="1200" u="none" strike="noStrike" dirty="0">
+                          <a:effectLst/>
+                        </a:rPr>
+                        <a:t>Property Price Ranking                 </a:t>
+                      </a:r>
+                      <a:r>
+                        <a:rPr lang="en-AU" sz="1000" u="none" strike="noStrike" dirty="0">
+                          <a:effectLst/>
+                        </a:rPr>
+                        <a:t>(Ranking 1: most expensive)</a:t>
+                      </a:r>
+                      <a:endParaRPr lang="en-AU" sz="1200" b="1" i="0" u="none" strike="noStrike" dirty="0">
+                        <a:solidFill>
+                          <a:srgbClr val="000000"/>
+                        </a:solidFill>
+                        <a:effectLst/>
+                        <a:latin typeface="Calibri" panose="020F0502020204030204" pitchFamily="34" charset="0"/>
+                      </a:endParaRPr>
+                    </a:p>
+                  </a:txBody>
+                  <a:tcPr marL="9525" marR="9525" marT="9525" marB="0">
+                    <a:lnL w="12700" cap="flat" cmpd="sng" algn="ctr">
+                      <a:solidFill>
+                        <a:schemeClr val="tx1"/>
+                      </a:solidFill>
+                      <a:prstDash val="solid"/>
+                      <a:round/>
+                      <a:headEnd type="none" w="med" len="med"/>
+                      <a:tailEnd type="none" w="med" len="med"/>
+                    </a:lnL>
+                    <a:lnR w="12700" cap="flat" cmpd="sng" algn="ctr">
+                      <a:solidFill>
+                        <a:schemeClr val="tx1"/>
+                      </a:solidFill>
+                      <a:prstDash val="solid"/>
+                      <a:round/>
+                      <a:headEnd type="none" w="med" len="med"/>
+                      <a:tailEnd type="none" w="med" len="med"/>
+                    </a:lnR>
+                    <a:lnT w="12700" cap="flat" cmpd="sng" algn="ctr">
+                      <a:solidFill>
+                        <a:schemeClr val="tx1"/>
+                      </a:solidFill>
+                      <a:prstDash val="solid"/>
+                      <a:round/>
+                      <a:headEnd type="none" w="med" len="med"/>
+                      <a:tailEnd type="none" w="med" len="med"/>
+                    </a:lnT>
+                    <a:lnB w="12700" cap="flat" cmpd="sng" algn="ctr">
+                      <a:solidFill>
+                        <a:schemeClr val="tx1"/>
+                      </a:solidFill>
+                      <a:prstDash val="solid"/>
+                      <a:round/>
+                      <a:headEnd type="none" w="med" len="med"/>
+                      <a:tailEnd type="none" w="med" len="med"/>
+                    </a:lnB>
+                  </a:tcPr>
+                </a:tc>
+                <a:tc>
+                  <a:txBody>
+                    <a:bodyPr/>
+                    <a:lstStyle/>
+                    <a:p>
+                      <a:pPr algn="ctr" fontAlgn="t"/>
+                      <a:r>
+                        <a:rPr lang="en-AU" sz="1200" u="none" strike="noStrike">
+                          <a:effectLst/>
+                        </a:rPr>
+                        <a:t>Crime Ranking           </a:t>
+                      </a:r>
+                      <a:r>
+                        <a:rPr lang="en-AU" sz="1000" u="none" strike="noStrike">
+                          <a:effectLst/>
+                        </a:rPr>
+                        <a:t>(Ranking 1: highest crime count)</a:t>
+                      </a:r>
+                      <a:endParaRPr lang="en-AU" sz="1200" b="1" i="0" u="none" strike="noStrike">
+                        <a:solidFill>
+                          <a:srgbClr val="000000"/>
+                        </a:solidFill>
+                        <a:effectLst/>
+                        <a:latin typeface="Calibri" panose="020F0502020204030204" pitchFamily="34" charset="0"/>
+                      </a:endParaRPr>
+                    </a:p>
+                  </a:txBody>
+                  <a:tcPr marL="9525" marR="9525" marT="9525" marB="0">
+                    <a:lnL w="12700" cap="flat" cmpd="sng" algn="ctr">
+                      <a:solidFill>
+                        <a:schemeClr val="tx1"/>
+                      </a:solidFill>
+                      <a:prstDash val="solid"/>
+                      <a:round/>
+                      <a:headEnd type="none" w="med" len="med"/>
+                      <a:tailEnd type="none" w="med" len="med"/>
+                    </a:lnL>
+                    <a:lnR w="12700" cap="flat" cmpd="sng" algn="ctr">
+                      <a:solidFill>
+                        <a:schemeClr val="tx1"/>
+                      </a:solidFill>
+                      <a:prstDash val="solid"/>
+                      <a:round/>
+                      <a:headEnd type="none" w="med" len="med"/>
+                      <a:tailEnd type="none" w="med" len="med"/>
+                    </a:lnR>
+                    <a:lnT w="12700" cap="flat" cmpd="sng" algn="ctr">
+                      <a:solidFill>
+                        <a:schemeClr val="tx1"/>
+                      </a:solidFill>
+                      <a:prstDash val="solid"/>
+                      <a:round/>
+                      <a:headEnd type="none" w="med" len="med"/>
+                      <a:tailEnd type="none" w="med" len="med"/>
+                    </a:lnT>
+                    <a:lnB w="12700" cap="flat" cmpd="sng" algn="ctr">
+                      <a:solidFill>
+                        <a:schemeClr val="tx1"/>
+                      </a:solidFill>
+                      <a:prstDash val="solid"/>
+                      <a:round/>
+                      <a:headEnd type="none" w="med" len="med"/>
+                      <a:tailEnd type="none" w="med" len="med"/>
+                    </a:lnB>
+                  </a:tcPr>
+                </a:tc>
+                <a:extLst>
+                  <a:ext uri="{0D108BD9-81ED-4DB2-BD59-A6C34878D82A}">
+                    <a16:rowId xmlns:a16="http://schemas.microsoft.com/office/drawing/2014/main" val="1714884608"/>
+                  </a:ext>
+                </a:extLst>
+              </a:tr>
+              <a:tr h="203200">
+                <a:tc>
+                  <a:txBody>
+                    <a:bodyPr/>
+                    <a:lstStyle/>
+                    <a:p>
+                      <a:pPr algn="l" fontAlgn="b"/>
+                      <a:r>
+                        <a:rPr lang="en-AU" sz="1200" u="none" strike="noStrike">
+                          <a:effectLst/>
+                        </a:rPr>
+                        <a:t>Hyde Park</a:t>
+                      </a:r>
+                      <a:endParaRPr lang="en-AU" sz="1200" b="0" i="0" u="none" strike="noStrike">
+                        <a:solidFill>
+                          <a:srgbClr val="000000"/>
+                        </a:solidFill>
+                        <a:effectLst/>
+                        <a:latin typeface="Calibri" panose="020F0502020204030204" pitchFamily="34" charset="0"/>
+                      </a:endParaRPr>
+                    </a:p>
+                  </a:txBody>
+                  <a:tcPr marL="9525" marR="9525" marT="9525" marB="0" anchor="b">
+                    <a:lnL w="12700" cap="flat" cmpd="sng" algn="ctr">
+                      <a:solidFill>
+                        <a:schemeClr val="tx1"/>
+                      </a:solidFill>
+                      <a:prstDash val="solid"/>
+                      <a:round/>
+                      <a:headEnd type="none" w="med" len="med"/>
+                      <a:tailEnd type="none" w="med" len="med"/>
+                    </a:lnL>
+                    <a:lnR w="12700" cap="flat" cmpd="sng" algn="ctr">
+                      <a:solidFill>
+                        <a:schemeClr val="tx1"/>
+                      </a:solidFill>
+                      <a:prstDash val="solid"/>
+                      <a:round/>
+                      <a:headEnd type="none" w="med" len="med"/>
+                      <a:tailEnd type="none" w="med" len="med"/>
+                    </a:lnR>
+                    <a:lnT w="12700" cap="flat" cmpd="sng" algn="ctr">
+                      <a:solidFill>
+                        <a:schemeClr val="tx1"/>
+                      </a:solidFill>
+                      <a:prstDash val="solid"/>
+                      <a:round/>
+                      <a:headEnd type="none" w="med" len="med"/>
+                      <a:tailEnd type="none" w="med" len="med"/>
+                    </a:lnT>
+                    <a:lnB w="12700" cap="flat" cmpd="sng" algn="ctr">
+                      <a:solidFill>
+                        <a:schemeClr val="tx1"/>
+                      </a:solidFill>
+                      <a:prstDash val="solid"/>
+                      <a:round/>
+                      <a:headEnd type="none" w="med" len="med"/>
+                      <a:tailEnd type="none" w="med" len="med"/>
+                    </a:lnB>
+                  </a:tcPr>
+                </a:tc>
+                <a:tc>
+                  <a:txBody>
+                    <a:bodyPr/>
+                    <a:lstStyle/>
+                    <a:p>
+                      <a:pPr algn="ctr" fontAlgn="ctr"/>
+                      <a:r>
+                        <a:rPr lang="en-AU" sz="1200" u="none" strike="noStrike">
+                          <a:effectLst/>
+                        </a:rPr>
+                        <a:t>1</a:t>
+                      </a:r>
+                      <a:endParaRPr lang="en-AU" sz="1200" b="0" i="0" u="none" strike="noStrike">
+                        <a:solidFill>
+                          <a:srgbClr val="000000"/>
+                        </a:solidFill>
+                        <a:effectLst/>
+                        <a:latin typeface="Calibri" panose="020F0502020204030204" pitchFamily="34" charset="0"/>
+                      </a:endParaRPr>
+                    </a:p>
+                  </a:txBody>
+                  <a:tcPr marL="9525" marR="9525" marT="9525" marB="0" anchor="ctr">
+                    <a:lnL w="12700" cap="flat" cmpd="sng" algn="ctr">
+                      <a:solidFill>
+                        <a:schemeClr val="tx1"/>
+                      </a:solidFill>
+                      <a:prstDash val="solid"/>
+                      <a:round/>
+                      <a:headEnd type="none" w="med" len="med"/>
+                      <a:tailEnd type="none" w="med" len="med"/>
+                    </a:lnL>
+                    <a:lnR w="12700" cap="flat" cmpd="sng" algn="ctr">
+                      <a:solidFill>
+                        <a:schemeClr val="tx1"/>
+                      </a:solidFill>
+                      <a:prstDash val="solid"/>
+                      <a:round/>
+                      <a:headEnd type="none" w="med" len="med"/>
+                      <a:tailEnd type="none" w="med" len="med"/>
+                    </a:lnR>
+                    <a:lnT w="12700" cap="flat" cmpd="sng" algn="ctr">
+                      <a:solidFill>
+                        <a:schemeClr val="tx1"/>
+                      </a:solidFill>
+                      <a:prstDash val="solid"/>
+                      <a:round/>
+                      <a:headEnd type="none" w="med" len="med"/>
+                      <a:tailEnd type="none" w="med" len="med"/>
+                    </a:lnT>
+                    <a:lnB w="12700" cap="flat" cmpd="sng" algn="ctr">
+                      <a:solidFill>
+                        <a:schemeClr val="tx1"/>
+                      </a:solidFill>
+                      <a:prstDash val="solid"/>
+                      <a:round/>
+                      <a:headEnd type="none" w="med" len="med"/>
+                      <a:tailEnd type="none" w="med" len="med"/>
+                    </a:lnB>
+                  </a:tcPr>
+                </a:tc>
+                <a:tc>
+                  <a:txBody>
+                    <a:bodyPr/>
+                    <a:lstStyle/>
+                    <a:p>
+                      <a:pPr algn="ctr" fontAlgn="ctr"/>
+                      <a:r>
+                        <a:rPr lang="en-AU" sz="1200" u="none" strike="noStrike">
+                          <a:effectLst/>
+                        </a:rPr>
+                        <a:t>279</a:t>
+                      </a:r>
+                      <a:endParaRPr lang="en-AU" sz="1200" b="0" i="0" u="none" strike="noStrike">
+                        <a:solidFill>
+                          <a:srgbClr val="000000"/>
+                        </a:solidFill>
+                        <a:effectLst/>
+                        <a:latin typeface="Calibri" panose="020F0502020204030204" pitchFamily="34" charset="0"/>
+                      </a:endParaRPr>
+                    </a:p>
+                  </a:txBody>
+                  <a:tcPr marL="9525" marR="9525" marT="9525" marB="0" anchor="ctr">
+                    <a:lnL w="12700" cap="flat" cmpd="sng" algn="ctr">
+                      <a:solidFill>
+                        <a:schemeClr val="tx1"/>
+                      </a:solidFill>
+                      <a:prstDash val="solid"/>
+                      <a:round/>
+                      <a:headEnd type="none" w="med" len="med"/>
+                      <a:tailEnd type="none" w="med" len="med"/>
+                    </a:lnL>
+                    <a:lnR w="12700" cap="flat" cmpd="sng" algn="ctr">
+                      <a:solidFill>
+                        <a:schemeClr val="tx1"/>
+                      </a:solidFill>
+                      <a:prstDash val="solid"/>
+                      <a:round/>
+                      <a:headEnd type="none" w="med" len="med"/>
+                      <a:tailEnd type="none" w="med" len="med"/>
+                    </a:lnR>
+                    <a:lnT w="12700" cap="flat" cmpd="sng" algn="ctr">
+                      <a:solidFill>
+                        <a:schemeClr val="tx1"/>
+                      </a:solidFill>
+                      <a:prstDash val="solid"/>
+                      <a:round/>
+                      <a:headEnd type="none" w="med" len="med"/>
+                      <a:tailEnd type="none" w="med" len="med"/>
+                    </a:lnT>
+                    <a:lnB w="12700" cap="flat" cmpd="sng" algn="ctr">
+                      <a:solidFill>
+                        <a:schemeClr val="tx1"/>
+                      </a:solidFill>
+                      <a:prstDash val="solid"/>
+                      <a:round/>
+                      <a:headEnd type="none" w="med" len="med"/>
+                      <a:tailEnd type="none" w="med" len="med"/>
+                    </a:lnB>
+                  </a:tcPr>
+                </a:tc>
+                <a:extLst>
+                  <a:ext uri="{0D108BD9-81ED-4DB2-BD59-A6C34878D82A}">
+                    <a16:rowId xmlns:a16="http://schemas.microsoft.com/office/drawing/2014/main" val="3776452173"/>
+                  </a:ext>
+                </a:extLst>
+              </a:tr>
+              <a:tr h="203200">
+                <a:tc>
+                  <a:txBody>
+                    <a:bodyPr/>
+                    <a:lstStyle/>
+                    <a:p>
+                      <a:pPr algn="l" fontAlgn="b"/>
+                      <a:r>
+                        <a:rPr lang="en-AU" sz="1200" u="none" strike="noStrike">
+                          <a:effectLst/>
+                        </a:rPr>
+                        <a:t>Unley Park</a:t>
+                      </a:r>
+                      <a:endParaRPr lang="en-AU" sz="1200" b="0" i="0" u="none" strike="noStrike">
+                        <a:solidFill>
+                          <a:srgbClr val="000000"/>
+                        </a:solidFill>
+                        <a:effectLst/>
+                        <a:latin typeface="Calibri" panose="020F0502020204030204" pitchFamily="34" charset="0"/>
+                      </a:endParaRPr>
+                    </a:p>
+                  </a:txBody>
+                  <a:tcPr marL="9525" marR="9525" marT="9525" marB="0" anchor="b">
+                    <a:lnL w="12700" cap="flat" cmpd="sng" algn="ctr">
+                      <a:solidFill>
+                        <a:schemeClr val="tx1"/>
+                      </a:solidFill>
+                      <a:prstDash val="solid"/>
+                      <a:round/>
+                      <a:headEnd type="none" w="med" len="med"/>
+                      <a:tailEnd type="none" w="med" len="med"/>
+                    </a:lnL>
+                    <a:lnR w="12700" cap="flat" cmpd="sng" algn="ctr">
+                      <a:solidFill>
+                        <a:schemeClr val="tx1"/>
+                      </a:solidFill>
+                      <a:prstDash val="solid"/>
+                      <a:round/>
+                      <a:headEnd type="none" w="med" len="med"/>
+                      <a:tailEnd type="none" w="med" len="med"/>
+                    </a:lnR>
+                    <a:lnT w="12700" cap="flat" cmpd="sng" algn="ctr">
+                      <a:solidFill>
+                        <a:schemeClr val="tx1"/>
+                      </a:solidFill>
+                      <a:prstDash val="solid"/>
+                      <a:round/>
+                      <a:headEnd type="none" w="med" len="med"/>
+                      <a:tailEnd type="none" w="med" len="med"/>
+                    </a:lnT>
+                    <a:lnB w="12700" cap="flat" cmpd="sng" algn="ctr">
+                      <a:solidFill>
+                        <a:schemeClr val="tx1"/>
+                      </a:solidFill>
+                      <a:prstDash val="solid"/>
+                      <a:round/>
+                      <a:headEnd type="none" w="med" len="med"/>
+                      <a:tailEnd type="none" w="med" len="med"/>
+                    </a:lnB>
+                  </a:tcPr>
+                </a:tc>
+                <a:tc>
+                  <a:txBody>
+                    <a:bodyPr/>
+                    <a:lstStyle/>
+                    <a:p>
+                      <a:pPr algn="ctr" fontAlgn="ctr"/>
+                      <a:r>
+                        <a:rPr lang="en-AU" sz="1200" u="none" strike="noStrike">
+                          <a:effectLst/>
+                        </a:rPr>
+                        <a:t>2</a:t>
+                      </a:r>
+                      <a:endParaRPr lang="en-AU" sz="1200" b="0" i="0" u="none" strike="noStrike">
+                        <a:solidFill>
+                          <a:srgbClr val="000000"/>
+                        </a:solidFill>
+                        <a:effectLst/>
+                        <a:latin typeface="Calibri" panose="020F0502020204030204" pitchFamily="34" charset="0"/>
+                      </a:endParaRPr>
+                    </a:p>
+                  </a:txBody>
+                  <a:tcPr marL="9525" marR="9525" marT="9525" marB="0" anchor="ctr">
+                    <a:lnL w="12700" cap="flat" cmpd="sng" algn="ctr">
+                      <a:solidFill>
+                        <a:schemeClr val="tx1"/>
+                      </a:solidFill>
+                      <a:prstDash val="solid"/>
+                      <a:round/>
+                      <a:headEnd type="none" w="med" len="med"/>
+                      <a:tailEnd type="none" w="med" len="med"/>
+                    </a:lnL>
+                    <a:lnR w="12700" cap="flat" cmpd="sng" algn="ctr">
+                      <a:solidFill>
+                        <a:schemeClr val="tx1"/>
+                      </a:solidFill>
+                      <a:prstDash val="solid"/>
+                      <a:round/>
+                      <a:headEnd type="none" w="med" len="med"/>
+                      <a:tailEnd type="none" w="med" len="med"/>
+                    </a:lnR>
+                    <a:lnT w="12700" cap="flat" cmpd="sng" algn="ctr">
+                      <a:solidFill>
+                        <a:schemeClr val="tx1"/>
+                      </a:solidFill>
+                      <a:prstDash val="solid"/>
+                      <a:round/>
+                      <a:headEnd type="none" w="med" len="med"/>
+                      <a:tailEnd type="none" w="med" len="med"/>
+                    </a:lnT>
+                    <a:lnB w="12700" cap="flat" cmpd="sng" algn="ctr">
+                      <a:solidFill>
+                        <a:schemeClr val="tx1"/>
+                      </a:solidFill>
+                      <a:prstDash val="solid"/>
+                      <a:round/>
+                      <a:headEnd type="none" w="med" len="med"/>
+                      <a:tailEnd type="none" w="med" len="med"/>
+                    </a:lnB>
+                  </a:tcPr>
+                </a:tc>
+                <a:tc>
+                  <a:txBody>
+                    <a:bodyPr/>
+                    <a:lstStyle/>
+                    <a:p>
+                      <a:pPr algn="ctr" fontAlgn="ctr"/>
+                      <a:r>
+                        <a:rPr lang="en-AU" sz="1200" u="none" strike="noStrike">
+                          <a:effectLst/>
+                        </a:rPr>
+                        <a:t>267</a:t>
+                      </a:r>
+                      <a:endParaRPr lang="en-AU" sz="1200" b="0" i="0" u="none" strike="noStrike">
+                        <a:solidFill>
+                          <a:srgbClr val="000000"/>
+                        </a:solidFill>
+                        <a:effectLst/>
+                        <a:latin typeface="Calibri" panose="020F0502020204030204" pitchFamily="34" charset="0"/>
+                      </a:endParaRPr>
+                    </a:p>
+                  </a:txBody>
+                  <a:tcPr marL="9525" marR="9525" marT="9525" marB="0" anchor="ctr">
+                    <a:lnL w="12700" cap="flat" cmpd="sng" algn="ctr">
+                      <a:solidFill>
+                        <a:schemeClr val="tx1"/>
+                      </a:solidFill>
+                      <a:prstDash val="solid"/>
+                      <a:round/>
+                      <a:headEnd type="none" w="med" len="med"/>
+                      <a:tailEnd type="none" w="med" len="med"/>
+                    </a:lnL>
+                    <a:lnR w="12700" cap="flat" cmpd="sng" algn="ctr">
+                      <a:solidFill>
+                        <a:schemeClr val="tx1"/>
+                      </a:solidFill>
+                      <a:prstDash val="solid"/>
+                      <a:round/>
+                      <a:headEnd type="none" w="med" len="med"/>
+                      <a:tailEnd type="none" w="med" len="med"/>
+                    </a:lnR>
+                    <a:lnT w="12700" cap="flat" cmpd="sng" algn="ctr">
+                      <a:solidFill>
+                        <a:schemeClr val="tx1"/>
+                      </a:solidFill>
+                      <a:prstDash val="solid"/>
+                      <a:round/>
+                      <a:headEnd type="none" w="med" len="med"/>
+                      <a:tailEnd type="none" w="med" len="med"/>
+                    </a:lnT>
+                    <a:lnB w="12700" cap="flat" cmpd="sng" algn="ctr">
+                      <a:solidFill>
+                        <a:schemeClr val="tx1"/>
+                      </a:solidFill>
+                      <a:prstDash val="solid"/>
+                      <a:round/>
+                      <a:headEnd type="none" w="med" len="med"/>
+                      <a:tailEnd type="none" w="med" len="med"/>
+                    </a:lnB>
+                  </a:tcPr>
+                </a:tc>
+                <a:extLst>
+                  <a:ext uri="{0D108BD9-81ED-4DB2-BD59-A6C34878D82A}">
+                    <a16:rowId xmlns:a16="http://schemas.microsoft.com/office/drawing/2014/main" val="3790149289"/>
+                  </a:ext>
+                </a:extLst>
+              </a:tr>
+              <a:tr h="203200">
+                <a:tc>
+                  <a:txBody>
+                    <a:bodyPr/>
+                    <a:lstStyle/>
+                    <a:p>
+                      <a:pPr algn="l" fontAlgn="b"/>
+                      <a:r>
+                        <a:rPr lang="en-AU" sz="1200" u="none" strike="noStrike">
+                          <a:effectLst/>
+                        </a:rPr>
+                        <a:t>Toorak Gardens</a:t>
+                      </a:r>
+                      <a:endParaRPr lang="en-AU" sz="1200" b="0" i="0" u="none" strike="noStrike">
+                        <a:solidFill>
+                          <a:srgbClr val="000000"/>
+                        </a:solidFill>
+                        <a:effectLst/>
+                        <a:latin typeface="Calibri" panose="020F0502020204030204" pitchFamily="34" charset="0"/>
+                      </a:endParaRPr>
+                    </a:p>
+                  </a:txBody>
+                  <a:tcPr marL="9525" marR="9525" marT="9525" marB="0" anchor="b">
+                    <a:lnL w="12700" cap="flat" cmpd="sng" algn="ctr">
+                      <a:solidFill>
+                        <a:schemeClr val="tx1"/>
+                      </a:solidFill>
+                      <a:prstDash val="solid"/>
+                      <a:round/>
+                      <a:headEnd type="none" w="med" len="med"/>
+                      <a:tailEnd type="none" w="med" len="med"/>
+                    </a:lnL>
+                    <a:lnR w="12700" cap="flat" cmpd="sng" algn="ctr">
+                      <a:solidFill>
+                        <a:schemeClr val="tx1"/>
+                      </a:solidFill>
+                      <a:prstDash val="solid"/>
+                      <a:round/>
+                      <a:headEnd type="none" w="med" len="med"/>
+                      <a:tailEnd type="none" w="med" len="med"/>
+                    </a:lnR>
+                    <a:lnT w="12700" cap="flat" cmpd="sng" algn="ctr">
+                      <a:solidFill>
+                        <a:schemeClr val="tx1"/>
+                      </a:solidFill>
+                      <a:prstDash val="solid"/>
+                      <a:round/>
+                      <a:headEnd type="none" w="med" len="med"/>
+                      <a:tailEnd type="none" w="med" len="med"/>
+                    </a:lnT>
+                    <a:lnB w="12700" cap="flat" cmpd="sng" algn="ctr">
+                      <a:solidFill>
+                        <a:schemeClr val="tx1"/>
+                      </a:solidFill>
+                      <a:prstDash val="solid"/>
+                      <a:round/>
+                      <a:headEnd type="none" w="med" len="med"/>
+                      <a:tailEnd type="none" w="med" len="med"/>
+                    </a:lnB>
+                  </a:tcPr>
+                </a:tc>
+                <a:tc>
+                  <a:txBody>
+                    <a:bodyPr/>
+                    <a:lstStyle/>
+                    <a:p>
+                      <a:pPr algn="ctr" fontAlgn="ctr"/>
+                      <a:r>
+                        <a:rPr lang="en-AU" sz="1200" u="none" strike="noStrike">
+                          <a:effectLst/>
+                        </a:rPr>
+                        <a:t>3</a:t>
+                      </a:r>
+                      <a:endParaRPr lang="en-AU" sz="1200" b="0" i="0" u="none" strike="noStrike">
+                        <a:solidFill>
+                          <a:srgbClr val="000000"/>
+                        </a:solidFill>
+                        <a:effectLst/>
+                        <a:latin typeface="Calibri" panose="020F0502020204030204" pitchFamily="34" charset="0"/>
+                      </a:endParaRPr>
+                    </a:p>
+                  </a:txBody>
+                  <a:tcPr marL="9525" marR="9525" marT="9525" marB="0" anchor="ctr">
+                    <a:lnL w="12700" cap="flat" cmpd="sng" algn="ctr">
+                      <a:solidFill>
+                        <a:schemeClr val="tx1"/>
+                      </a:solidFill>
+                      <a:prstDash val="solid"/>
+                      <a:round/>
+                      <a:headEnd type="none" w="med" len="med"/>
+                      <a:tailEnd type="none" w="med" len="med"/>
+                    </a:lnL>
+                    <a:lnR w="12700" cap="flat" cmpd="sng" algn="ctr">
+                      <a:solidFill>
+                        <a:schemeClr val="tx1"/>
+                      </a:solidFill>
+                      <a:prstDash val="solid"/>
+                      <a:round/>
+                      <a:headEnd type="none" w="med" len="med"/>
+                      <a:tailEnd type="none" w="med" len="med"/>
+                    </a:lnR>
+                    <a:lnT w="12700" cap="flat" cmpd="sng" algn="ctr">
+                      <a:solidFill>
+                        <a:schemeClr val="tx1"/>
+                      </a:solidFill>
+                      <a:prstDash val="solid"/>
+                      <a:round/>
+                      <a:headEnd type="none" w="med" len="med"/>
+                      <a:tailEnd type="none" w="med" len="med"/>
+                    </a:lnT>
+                    <a:lnB w="12700" cap="flat" cmpd="sng" algn="ctr">
+                      <a:solidFill>
+                        <a:schemeClr val="tx1"/>
+                      </a:solidFill>
+                      <a:prstDash val="solid"/>
+                      <a:round/>
+                      <a:headEnd type="none" w="med" len="med"/>
+                      <a:tailEnd type="none" w="med" len="med"/>
+                    </a:lnB>
+                  </a:tcPr>
+                </a:tc>
+                <a:tc>
+                  <a:txBody>
+                    <a:bodyPr/>
+                    <a:lstStyle/>
+                    <a:p>
+                      <a:pPr algn="ctr" fontAlgn="ctr"/>
+                      <a:r>
+                        <a:rPr lang="en-AU" sz="1200" u="none" strike="noStrike">
+                          <a:effectLst/>
+                        </a:rPr>
+                        <a:t>233</a:t>
+                      </a:r>
+                      <a:endParaRPr lang="en-AU" sz="1200" b="0" i="0" u="none" strike="noStrike">
+                        <a:solidFill>
+                          <a:srgbClr val="000000"/>
+                        </a:solidFill>
+                        <a:effectLst/>
+                        <a:latin typeface="Calibri" panose="020F0502020204030204" pitchFamily="34" charset="0"/>
+                      </a:endParaRPr>
+                    </a:p>
+                  </a:txBody>
+                  <a:tcPr marL="9525" marR="9525" marT="9525" marB="0" anchor="ctr">
+                    <a:lnL w="12700" cap="flat" cmpd="sng" algn="ctr">
+                      <a:solidFill>
+                        <a:schemeClr val="tx1"/>
+                      </a:solidFill>
+                      <a:prstDash val="solid"/>
+                      <a:round/>
+                      <a:headEnd type="none" w="med" len="med"/>
+                      <a:tailEnd type="none" w="med" len="med"/>
+                    </a:lnL>
+                    <a:lnR w="12700" cap="flat" cmpd="sng" algn="ctr">
+                      <a:solidFill>
+                        <a:schemeClr val="tx1"/>
+                      </a:solidFill>
+                      <a:prstDash val="solid"/>
+                      <a:round/>
+                      <a:headEnd type="none" w="med" len="med"/>
+                      <a:tailEnd type="none" w="med" len="med"/>
+                    </a:lnR>
+                    <a:lnT w="12700" cap="flat" cmpd="sng" algn="ctr">
+                      <a:solidFill>
+                        <a:schemeClr val="tx1"/>
+                      </a:solidFill>
+                      <a:prstDash val="solid"/>
+                      <a:round/>
+                      <a:headEnd type="none" w="med" len="med"/>
+                      <a:tailEnd type="none" w="med" len="med"/>
+                    </a:lnT>
+                    <a:lnB w="12700" cap="flat" cmpd="sng" algn="ctr">
+                      <a:solidFill>
+                        <a:schemeClr val="tx1"/>
+                      </a:solidFill>
+                      <a:prstDash val="solid"/>
+                      <a:round/>
+                      <a:headEnd type="none" w="med" len="med"/>
+                      <a:tailEnd type="none" w="med" len="med"/>
+                    </a:lnB>
+                  </a:tcPr>
+                </a:tc>
+                <a:extLst>
+                  <a:ext uri="{0D108BD9-81ED-4DB2-BD59-A6C34878D82A}">
+                    <a16:rowId xmlns:a16="http://schemas.microsoft.com/office/drawing/2014/main" val="1835742404"/>
+                  </a:ext>
+                </a:extLst>
+              </a:tr>
+              <a:tr h="203200">
+                <a:tc gridSpan="3">
+                  <a:txBody>
+                    <a:bodyPr/>
+                    <a:lstStyle/>
+                    <a:p>
+                      <a:pPr algn="l" fontAlgn="b"/>
+                      <a:r>
+                        <a:rPr lang="en-AU" sz="1200" u="none" strike="noStrike" dirty="0">
+                          <a:effectLst/>
+                        </a:rPr>
+                        <a:t>*Total Suburbs = 325</a:t>
+                      </a:r>
+                      <a:endParaRPr lang="en-AU" sz="1200" b="0" i="1" u="none" strike="noStrike" dirty="0">
+                        <a:solidFill>
+                          <a:srgbClr val="000000"/>
+                        </a:solidFill>
+                        <a:effectLst/>
+                        <a:latin typeface="Calibri" panose="020F0502020204030204" pitchFamily="34" charset="0"/>
+                      </a:endParaRPr>
+                    </a:p>
+                  </a:txBody>
+                  <a:tcPr marL="9525" marR="9525" marT="9525" marB="0" anchor="b">
+                    <a:lnL w="12700" cap="flat" cmpd="sng" algn="ctr">
+                      <a:solidFill>
+                        <a:schemeClr val="tx1"/>
+                      </a:solidFill>
+                      <a:prstDash val="solid"/>
+                      <a:round/>
+                      <a:headEnd type="none" w="med" len="med"/>
+                      <a:tailEnd type="none" w="med" len="med"/>
+                    </a:lnL>
+                    <a:lnR w="12700" cap="flat" cmpd="sng" algn="ctr">
+                      <a:solidFill>
+                        <a:schemeClr val="tx1"/>
+                      </a:solidFill>
+                      <a:prstDash val="solid"/>
+                      <a:round/>
+                      <a:headEnd type="none" w="med" len="med"/>
+                      <a:tailEnd type="none" w="med" len="med"/>
+                    </a:lnR>
+                    <a:lnT w="12700" cap="flat" cmpd="sng" algn="ctr">
+                      <a:solidFill>
+                        <a:schemeClr val="tx1"/>
+                      </a:solidFill>
+                      <a:prstDash val="solid"/>
+                      <a:round/>
+                      <a:headEnd type="none" w="med" len="med"/>
+                      <a:tailEnd type="none" w="med" len="med"/>
+                    </a:lnT>
+                    <a:lnB w="12700" cap="flat" cmpd="sng" algn="ctr">
+                      <a:solidFill>
+                        <a:schemeClr val="tx1"/>
+                      </a:solidFill>
+                      <a:prstDash val="solid"/>
+                      <a:round/>
+                      <a:headEnd type="none" w="med" len="med"/>
+                      <a:tailEnd type="none" w="med" len="med"/>
+                    </a:lnB>
+                  </a:tcPr>
+                </a:tc>
+                <a:tc hMerge="1">
+                  <a:txBody>
+                    <a:bodyPr/>
+                    <a:lstStyle/>
+                    <a:p>
+                      <a:endParaRPr lang="en-US"/>
+                    </a:p>
+                  </a:txBody>
+                  <a:tcPr/>
+                </a:tc>
+                <a:tc hMerge="1">
+                  <a:txBody>
+                    <a:bodyPr/>
+                    <a:lstStyle/>
+                    <a:p>
+                      <a:endParaRPr lang="en-US"/>
+                    </a:p>
+                  </a:txBody>
+                  <a:tcPr/>
+                </a:tc>
+                <a:extLst>
+                  <a:ext uri="{0D108BD9-81ED-4DB2-BD59-A6C34878D82A}">
+                    <a16:rowId xmlns:a16="http://schemas.microsoft.com/office/drawing/2014/main" val="3273851102"/>
+                  </a:ext>
+                </a:extLst>
+              </a:tr>
+            </a:tbl>
+          </a:graphicData>
+        </a:graphic>
+      </p:graphicFrame>
     </p:spTree>
     <p:extLst>
       <p:ext uri="{BB962C8B-B14F-4D97-AF65-F5344CB8AC3E}">
-        <p14:creationId xmlns:p14="http://schemas.microsoft.com/office/powerpoint/2010/main" val="3343731677"/>
+        <p14:creationId xmlns:p14="http://schemas.microsoft.com/office/powerpoint/2010/main" val="1855784569"/>
       </p:ext>
     </p:extLst>
   </p:cSld>
@@ -6535,7 +8211,7 @@
 </p:sld>
 </file>
 
-<file path=ppt/slides/slide12.xml><?xml version="1.0" encoding="utf-8"?>
+<file path=ppt/slides/slide14.xml><?xml version="1.0" encoding="utf-8"?>
 <p:sld xmlns:a="http://schemas.openxmlformats.org/drawingml/2006/main" xmlns:r="http://schemas.openxmlformats.org/officeDocument/2006/relationships" xmlns:p="http://schemas.openxmlformats.org/presentationml/2006/main">
   <p:cSld>
     <p:spTree>
@@ -6618,65 +8294,114 @@
         <p:spPr>
           <a:xfrm>
             <a:off x="6704814" y="2538099"/>
-            <a:ext cx="3786205" cy="3101983"/>
+            <a:ext cx="3786205" cy="3355210"/>
           </a:xfrm>
         </p:spPr>
         <p:txBody>
           <a:bodyPr>
-            <a:normAutofit/>
+            <a:normAutofit fontScale="77500" lnSpcReduction="20000"/>
           </a:bodyPr>
           <a:lstStyle/>
           <a:p>
             <a:r>
               <a:rPr lang="en-AU" dirty="0">
                 <a:solidFill>
-                  <a:srgbClr val="FF0000"/>
+                  <a:schemeClr val="tx1"/>
                 </a:solidFill>
               </a:rPr>
-              <a:t>Needs R value</a:t>
-            </a:r>
-          </a:p>
-          <a:p>
+              <a:t>2019/20:</a:t>
+            </a:r>
+          </a:p>
+          <a:p>
+            <a:pPr lvl="1"/>
             <a:r>
               <a:rPr lang="en-AU" dirty="0">
                 <a:solidFill>
-                  <a:srgbClr val="FF0000"/>
+                  <a:schemeClr val="tx1"/>
                 </a:solidFill>
               </a:rPr>
-              <a:t>Summarise correlation findings </a:t>
-            </a:r>
-          </a:p>
-          <a:p>
+              <a:t>Coefficient: -305.48</a:t>
+            </a:r>
+          </a:p>
+          <a:p>
+            <a:pPr lvl="1"/>
             <a:r>
               <a:rPr lang="en-AU" dirty="0">
                 <a:solidFill>
-                  <a:srgbClr val="FF0000"/>
+                  <a:schemeClr val="tx1"/>
                 </a:solidFill>
               </a:rPr>
-              <a:t>The weak correlation is due to these reasons:</a:t>
-            </a:r>
-          </a:p>
-          <a:p>
-            <a:pPr lvl="1"/>
+              <a:t>R-squared value: 0.05</a:t>
+            </a:r>
+          </a:p>
+          <a:p>
             <a:r>
               <a:rPr lang="en-AU" dirty="0">
                 <a:solidFill>
-                  <a:srgbClr val="FF0000"/>
+                  <a:schemeClr val="tx1"/>
                 </a:solidFill>
               </a:rPr>
-              <a:t>Other variables affecting property price (not solely crime counts)</a:t>
-            </a:r>
-          </a:p>
-          <a:p>
-            <a:pPr lvl="1"/>
+              <a:t>Negative relationship between crime count and property price in all five financial years analysed</a:t>
+            </a:r>
+          </a:p>
+          <a:p>
             <a:r>
               <a:rPr lang="en-AU" dirty="0">
                 <a:solidFill>
-                  <a:srgbClr val="FF0000"/>
+                  <a:schemeClr val="tx1"/>
                 </a:solidFill>
               </a:rPr>
-              <a:t>Need for per capita data (population density)</a:t>
-            </a:r>
+              <a:t>Weak correlation as indicated by r-squared value</a:t>
+            </a:r>
+          </a:p>
+          <a:p>
+            <a:r>
+              <a:rPr lang="en-AU" dirty="0">
+                <a:solidFill>
+                  <a:schemeClr val="tx1"/>
+                </a:solidFill>
+              </a:rPr>
+              <a:t>Possible explanations for weak correlation:</a:t>
+            </a:r>
+          </a:p>
+          <a:p>
+            <a:pPr lvl="1"/>
+            <a:r>
+              <a:rPr lang="en-AU" dirty="0">
+                <a:solidFill>
+                  <a:schemeClr val="tx1"/>
+                </a:solidFill>
+              </a:rPr>
+              <a:t>Other variables affecting property price</a:t>
+            </a:r>
+          </a:p>
+          <a:p>
+            <a:pPr lvl="1"/>
+            <a:r>
+              <a:rPr lang="en-AU" dirty="0">
+                <a:solidFill>
+                  <a:schemeClr val="tx1"/>
+                </a:solidFill>
+              </a:rPr>
+              <a:t>Data not adjusted to account for variance in population between suburbs</a:t>
+            </a:r>
+          </a:p>
+          <a:p>
+            <a:r>
+              <a:rPr lang="en-AU" dirty="0">
+                <a:solidFill>
+                  <a:schemeClr val="tx1"/>
+                </a:solidFill>
+              </a:rPr>
+              <a:t>Reject alternative hypothesis</a:t>
+            </a:r>
+          </a:p>
+          <a:p>
+            <a:endParaRPr lang="en-AU" dirty="0">
+              <a:solidFill>
+                <a:schemeClr val="tx1"/>
+              </a:solidFill>
+            </a:endParaRPr>
           </a:p>
         </p:txBody>
       </p:sp>
@@ -6708,8 +8433,8 @@
         </p:blipFill>
         <p:spPr>
           <a:xfrm>
-            <a:off x="1523559" y="2687181"/>
-            <a:ext cx="3963628" cy="2661567"/>
+            <a:off x="1523558" y="2687181"/>
+            <a:ext cx="4427997" cy="2973390"/>
           </a:xfrm>
           <a:prstGeom prst="rect">
             <a:avLst/>
@@ -6719,7 +8444,7 @@
     </p:spTree>
     <p:extLst>
       <p:ext uri="{BB962C8B-B14F-4D97-AF65-F5344CB8AC3E}">
-        <p14:creationId xmlns:p14="http://schemas.microsoft.com/office/powerpoint/2010/main" val="3027296124"/>
+        <p14:creationId xmlns:p14="http://schemas.microsoft.com/office/powerpoint/2010/main" val="1476471902"/>
       </p:ext>
     </p:extLst>
   </p:cSld>
@@ -6729,7 +8454,7 @@
 </p:sld>
 </file>
 
-<file path=ppt/slides/slide13.xml><?xml version="1.0" encoding="utf-8"?>
+<file path=ppt/slides/slide15.xml><?xml version="1.0" encoding="utf-8"?>
 <p:sld xmlns:a="http://schemas.openxmlformats.org/drawingml/2006/main" xmlns:r="http://schemas.openxmlformats.org/officeDocument/2006/relationships" xmlns:p="http://schemas.openxmlformats.org/presentationml/2006/main">
   <p:cSld>
     <p:spTree>
@@ -6821,15 +8546,7 @@
             </a:pPr>
             <a:r>
               <a:rPr lang="en-US" dirty="0"/>
-              <a:t>WA Data is not </a:t>
-            </a:r>
-            <a:r>
-              <a:rPr lang="en-US" dirty="0" err="1"/>
-              <a:t>categorised</a:t>
-            </a:r>
-            <a:r>
-              <a:rPr lang="en-US" dirty="0"/>
-              <a:t> by suburb</a:t>
+              <a:t>Initially data for Western Australia was considered however there was no common column to combine the two data frames on </a:t>
             </a:r>
           </a:p>
           <a:p>
@@ -6839,7 +8556,7 @@
             </a:pPr>
             <a:r>
               <a:rPr lang="en-US" dirty="0"/>
-              <a:t>Binning each crime entry by financial year</a:t>
+              <a:t>Raw crime data was sorted by dates and not yearly quarters </a:t>
             </a:r>
           </a:p>
           <a:p>
@@ -6913,7 +8630,7 @@
     </p:spTree>
     <p:extLst>
       <p:ext uri="{BB962C8B-B14F-4D97-AF65-F5344CB8AC3E}">
-        <p14:creationId xmlns:p14="http://schemas.microsoft.com/office/powerpoint/2010/main" val="1313478886"/>
+        <p14:creationId xmlns:p14="http://schemas.microsoft.com/office/powerpoint/2010/main" val="3017070493"/>
       </p:ext>
     </p:extLst>
   </p:cSld>
@@ -6923,7 +8640,7 @@
 </p:sld>
 </file>
 
-<file path=ppt/slides/slide14.xml><?xml version="1.0" encoding="utf-8"?>
+<file path=ppt/slides/slide16.xml><?xml version="1.0" encoding="utf-8"?>
 <p:sld xmlns:a="http://schemas.openxmlformats.org/drawingml/2006/main" xmlns:r="http://schemas.openxmlformats.org/officeDocument/2006/relationships" xmlns:p="http://schemas.openxmlformats.org/presentationml/2006/main">
   <p:cSld>
     <p:spTree>
@@ -7013,7 +8730,7 @@
 </p:sld>
 </file>
 
-<file path=ppt/slides/slide15.xml><?xml version="1.0" encoding="utf-8"?>
+<file path=ppt/slides/slide17.xml><?xml version="1.0" encoding="utf-8"?>
 <p:sld xmlns:a="http://schemas.openxmlformats.org/drawingml/2006/main" xmlns:r="http://schemas.openxmlformats.org/officeDocument/2006/relationships" xmlns:p="http://schemas.openxmlformats.org/presentationml/2006/main" show="0">
   <p:cSld>
     <p:spTree>
@@ -7203,7 +8920,7 @@
 </p:sld>
 </file>
 
-<file path=ppt/slides/slide16.xml><?xml version="1.0" encoding="utf-8"?>
+<file path=ppt/slides/slide18.xml><?xml version="1.0" encoding="utf-8"?>
 <p:sld xmlns:a="http://schemas.openxmlformats.org/drawingml/2006/main" xmlns:r="http://schemas.openxmlformats.org/officeDocument/2006/relationships" xmlns:p="http://schemas.openxmlformats.org/presentationml/2006/main" show="0">
   <p:cSld>
     <p:spTree>
@@ -7473,13 +9190,13 @@
         </p:nvSpPr>
         <p:spPr>
           <a:xfrm>
-            <a:off x="2231136" y="2413262"/>
-            <a:ext cx="5922264" cy="3480046"/>
+            <a:off x="1590113" y="2469822"/>
+            <a:ext cx="5922264" cy="3817856"/>
           </a:xfrm>
         </p:spPr>
         <p:txBody>
           <a:bodyPr>
-            <a:normAutofit fontScale="85000" lnSpcReduction="20000"/>
+            <a:normAutofit fontScale="77500" lnSpcReduction="20000"/>
           </a:bodyPr>
           <a:lstStyle/>
           <a:p>
@@ -7501,7 +9218,7 @@
             </a:pPr>
             <a:r>
               <a:rPr lang="en-US" dirty="0"/>
-              <a:t>Rates of Crime against property directly effects median house price</a:t>
+              <a:t>Rates of crime against property directly effects median house price</a:t>
             </a:r>
           </a:p>
           <a:p>
@@ -7526,16 +9243,20 @@
           <a:p>
             <a:r>
               <a:rPr lang="en-US" dirty="0"/>
-              <a:t>Relevant to our Australian audience</a:t>
-            </a:r>
-          </a:p>
-          <a:p>
-            <a:pPr lvl="1"/>
-            <a:r>
-              <a:rPr lang="en-US" dirty="0"/>
-              <a:t>In terms of crime and property owners</a:t>
-            </a:r>
-            <a:endParaRPr lang="en-AU" dirty="0"/>
+              <a:t>Relevant to Australian audience ,in terms of crime and property ownership</a:t>
+            </a:r>
+          </a:p>
+          <a:p>
+            <a:r>
+              <a:rPr lang="en-AU" dirty="0"/>
+              <a:t>One of the determining factors when purchasing a house</a:t>
+            </a:r>
+          </a:p>
+          <a:p>
+            <a:pPr marL="0" indent="0">
+              <a:buNone/>
+            </a:pPr>
+            <a:endParaRPr lang="en-AU" b="1" dirty="0"/>
           </a:p>
           <a:p>
             <a:pPr marL="0" indent="0">
@@ -7619,7 +9340,7 @@
     </p:spTree>
     <p:extLst>
       <p:ext uri="{BB962C8B-B14F-4D97-AF65-F5344CB8AC3E}">
-        <p14:creationId xmlns:p14="http://schemas.microsoft.com/office/powerpoint/2010/main" val="2680539756"/>
+        <p14:creationId xmlns:p14="http://schemas.microsoft.com/office/powerpoint/2010/main" val="4236505490"/>
       </p:ext>
     </p:extLst>
   </p:cSld>
@@ -7694,7 +9415,12 @@
             <p:ph idx="1"/>
           </p:nvPr>
         </p:nvSpPr>
-        <p:spPr/>
+        <p:spPr>
+          <a:xfrm>
+            <a:off x="1634042" y="2977408"/>
+            <a:ext cx="8923916" cy="3101983"/>
+          </a:xfrm>
+        </p:spPr>
         <p:txBody>
           <a:bodyPr>
             <a:normAutofit/>
@@ -7724,6 +9450,12 @@
               <a:rPr lang="en-US" dirty="0"/>
               <a:t> </a:t>
             </a:r>
+          </a:p>
+          <a:p>
+            <a:pPr marL="0" indent="0">
+              <a:buNone/>
+            </a:pPr>
+            <a:endParaRPr lang="en-US" dirty="0"/>
           </a:p>
           <a:p>
             <a:pPr marL="0" indent="0">
@@ -7763,7 +9495,7 @@
     </p:spTree>
     <p:extLst>
       <p:ext uri="{BB962C8B-B14F-4D97-AF65-F5344CB8AC3E}">
-        <p14:creationId xmlns:p14="http://schemas.microsoft.com/office/powerpoint/2010/main" val="2021155221"/>
+        <p14:creationId xmlns:p14="http://schemas.microsoft.com/office/powerpoint/2010/main" val="2044955115"/>
       </p:ext>
     </p:extLst>
   </p:cSld>
@@ -7843,8 +9575,8 @@
         </p:nvSpPr>
         <p:spPr>
           <a:xfrm>
-            <a:off x="1056289" y="2638044"/>
-            <a:ext cx="10100441" cy="4219956"/>
+            <a:off x="1056289" y="2309567"/>
+            <a:ext cx="10100441" cy="4548433"/>
           </a:xfrm>
         </p:spPr>
         <p:txBody>
@@ -7885,7 +9617,7 @@
             </a:pPr>
             <a:r>
               <a:rPr lang="en-US" dirty="0"/>
-              <a:t>Other theft : Description: Theft except motor vehicles</a:t>
+              <a:t>Other theft : Description:  Theft except motor vehicles</a:t>
             </a:r>
           </a:p>
           <a:p>
@@ -7915,7 +9647,7 @@
             </a:pPr>
             <a:r>
               <a:rPr lang="en-US" dirty="0"/>
-              <a:t>SCT – Residence.</a:t>
+              <a:t>Serious Criminal Trespass – Residence</a:t>
             </a:r>
           </a:p>
           <a:p>
@@ -7925,14 +9657,20 @@
             </a:pPr>
             <a:r>
               <a:rPr lang="en-US" dirty="0"/>
-              <a:t>Theft/Illegal Use of MV</a:t>
-            </a:r>
+              <a:t>Theft/Illegal Use of Motor Vehicle</a:t>
+            </a:r>
+          </a:p>
+          <a:p>
+            <a:pPr marL="228600" lvl="1" indent="0">
+              <a:buNone/>
+            </a:pPr>
+            <a:endParaRPr lang="en-US" dirty="0"/>
           </a:p>
           <a:p>
             <a:r>
               <a:rPr lang="en-US" dirty="0">
                 <a:solidFill>
-                  <a:srgbClr val="FF0000"/>
+                  <a:schemeClr val="tx1"/>
                 </a:solidFill>
               </a:rPr>
               <a:t>Why did we select these 5 categories?</a:t>
@@ -7942,7 +9680,7 @@
             <a:pPr lvl="1"/>
             <a:r>
               <a:rPr lang="en-AU" dirty="0"/>
-              <a:t>These categories were believed to have the most impact on the hypothesis, directly affecting house price.  Categories overlooked were more related to commercial property and petty crime</a:t>
+              <a:t>These categories were believed to have the most impact on the hypothesis, directly effecting house price.  The crime categories overlooked were more related to commercial property and petty crime.</a:t>
             </a:r>
           </a:p>
         </p:txBody>
@@ -7950,7 +9688,7 @@
     </p:spTree>
     <p:extLst>
       <p:ext uri="{BB962C8B-B14F-4D97-AF65-F5344CB8AC3E}">
-        <p14:creationId xmlns:p14="http://schemas.microsoft.com/office/powerpoint/2010/main" val="2967559075"/>
+        <p14:creationId xmlns:p14="http://schemas.microsoft.com/office/powerpoint/2010/main" val="2255214863"/>
       </p:ext>
     </p:extLst>
   </p:cSld>
@@ -7993,13 +9731,35 @@
             <p:ph type="title"/>
           </p:nvPr>
         </p:nvSpPr>
-        <p:spPr/>
-        <p:txBody>
-          <a:bodyPr/>
+        <p:spPr>
+          <a:xfrm>
+            <a:off x="1260873" y="1586484"/>
+            <a:ext cx="3685032" cy="3685032"/>
+          </a:xfrm>
+          <a:prstGeom prst="ellipse">
+            <a:avLst/>
+          </a:prstGeom>
+          <a:solidFill>
+            <a:schemeClr val="accent2">
+              <a:lumMod val="75000"/>
+            </a:schemeClr>
+          </a:solidFill>
+          <a:ln>
+            <a:noFill/>
+          </a:ln>
+        </p:spPr>
+        <p:txBody>
+          <a:bodyPr>
+            <a:normAutofit/>
+          </a:bodyPr>
           <a:lstStyle/>
           <a:p>
             <a:r>
-              <a:rPr lang="en-US" dirty="0"/>
+              <a:rPr lang="en-US" sz="2600">
+                <a:solidFill>
+                  <a:srgbClr val="FFFFFF"/>
+                </a:solidFill>
+              </a:rPr>
               <a:t>DATA SOURCE DEFINITIONS – PROPERTY DATA</a:t>
             </a:r>
           </a:p>
@@ -8023,125 +9783,73 @@
         </p:nvSpPr>
         <p:spPr>
           <a:xfrm>
-            <a:off x="2231135" y="2638044"/>
-            <a:ext cx="8161561" cy="3101983"/>
+            <a:off x="5591695" y="1402080"/>
+            <a:ext cx="5320696" cy="4053840"/>
           </a:xfrm>
         </p:spPr>
         <p:txBody>
-          <a:bodyPr>
+          <a:bodyPr anchor="ctr">
             <a:normAutofit/>
           </a:bodyPr>
           <a:lstStyle/>
           <a:p>
-            <a:r>
-              <a:rPr lang="en-US" dirty="0">
-                <a:solidFill>
-                  <a:schemeClr val="tx1"/>
-                </a:solidFill>
-              </a:rPr>
-              <a:t>For the project analysis,  raw data in excel was imported into a </a:t>
-            </a:r>
-            <a:r>
-              <a:rPr lang="en-US" dirty="0" err="1">
-                <a:solidFill>
-                  <a:schemeClr val="tx1"/>
-                </a:solidFill>
-              </a:rPr>
-              <a:t>Jupyter</a:t>
-            </a:r>
-            <a:r>
-              <a:rPr lang="en-US" dirty="0">
-                <a:solidFill>
-                  <a:schemeClr val="tx1"/>
-                </a:solidFill>
-              </a:rPr>
-              <a:t> Notebook for the creation of property-related Panda </a:t>
-            </a:r>
-            <a:r>
-              <a:rPr lang="en-US" dirty="0" err="1">
-                <a:solidFill>
-                  <a:schemeClr val="tx1"/>
-                </a:solidFill>
-              </a:rPr>
-              <a:t>DataFrames</a:t>
-            </a:r>
-            <a:r>
-              <a:rPr lang="en-US" dirty="0">
-                <a:solidFill>
-                  <a:schemeClr val="tx1"/>
-                </a:solidFill>
-              </a:rPr>
-              <a:t>. </a:t>
-            </a:r>
-          </a:p>
-          <a:p>
             <a:pPr lvl="1"/>
             <a:r>
-              <a:rPr lang="en-US" dirty="0">
-                <a:solidFill>
-                  <a:schemeClr val="tx1"/>
-                </a:solidFill>
-              </a:rPr>
-              <a:t>The median price of the raw data is available for each quarter (for the past five financial years)</a:t>
+              <a:rPr lang="en-US" dirty="0"/>
+              <a:t>Raw data was collected from data.sa.gov.au</a:t>
             </a:r>
           </a:p>
           <a:p>
             <a:pPr lvl="1"/>
             <a:r>
-              <a:rPr lang="en-US" dirty="0">
-                <a:solidFill>
-                  <a:schemeClr val="tx1"/>
-                </a:solidFill>
-              </a:rPr>
-              <a:t>In order to determine if there is a correlation between crime counts and property prices,  one property price value was used for each financial year. This was the mean of the four quarterly prices of each financial year</a:t>
+              <a:rPr lang="en-US" dirty="0"/>
+              <a:t>This data was provided as quarters for each financial year and contained irrelevant columns and cells with </a:t>
+            </a:r>
+            <a:r>
+              <a:rPr lang="en-US" dirty="0" err="1"/>
+              <a:t>NaN</a:t>
+            </a:r>
+            <a:r>
+              <a:rPr lang="en-US" dirty="0"/>
+              <a:t> values </a:t>
             </a:r>
           </a:p>
           <a:p>
             <a:pPr lvl="1"/>
             <a:r>
-              <a:rPr lang="en-US" dirty="0">
-                <a:solidFill>
-                  <a:schemeClr val="tx1"/>
-                </a:solidFill>
-              </a:rPr>
-              <a:t>The city and suburbs were provided for each property sale. Only the suburb column was used to merge between the crime </a:t>
-            </a:r>
-            <a:r>
-              <a:rPr lang="en-US" dirty="0" err="1">
-                <a:solidFill>
-                  <a:schemeClr val="tx1"/>
-                </a:solidFill>
-              </a:rPr>
-              <a:t>DataFrame</a:t>
-            </a:r>
-            <a:r>
-              <a:rPr lang="en-US" dirty="0">
-                <a:solidFill>
-                  <a:schemeClr val="tx1"/>
-                </a:solidFill>
-              </a:rPr>
-              <a:t> and the property price </a:t>
-            </a:r>
-            <a:r>
-              <a:rPr lang="en-US" dirty="0" err="1">
-                <a:solidFill>
-                  <a:schemeClr val="tx1"/>
-                </a:solidFill>
-              </a:rPr>
-              <a:t>DataFrame</a:t>
-            </a:r>
-            <a:endParaRPr lang="en-US" dirty="0">
-              <a:solidFill>
-                <a:schemeClr val="tx1"/>
-              </a:solidFill>
-            </a:endParaRPr>
+              <a:rPr lang="en-US" dirty="0"/>
+              <a:t>Quarters were merged into financial years after irrelevant columns and </a:t>
+            </a:r>
+            <a:r>
+              <a:rPr lang="en-US" dirty="0" err="1"/>
+              <a:t>NaN</a:t>
+            </a:r>
+            <a:r>
+              <a:rPr lang="en-US" dirty="0"/>
+              <a:t> cells were removed</a:t>
+            </a:r>
+          </a:p>
+          <a:p>
+            <a:pPr lvl="1"/>
+            <a:r>
+              <a:rPr lang="en-US" dirty="0"/>
+              <a:t>After respective financial year data frames were grouped by suburb using the “</a:t>
+            </a:r>
+            <a:r>
+              <a:rPr lang="en-US" dirty="0" err="1"/>
+              <a:t>groupby</a:t>
+            </a:r>
+            <a:r>
+              <a:rPr lang="en-US" dirty="0"/>
+              <a:t>” function for data frames </a:t>
+            </a:r>
           </a:p>
         </p:txBody>
       </p:sp>
     </p:spTree>
     <p:extLst>
       <p:ext uri="{BB962C8B-B14F-4D97-AF65-F5344CB8AC3E}">
-        <p14:creationId xmlns:p14="http://schemas.microsoft.com/office/powerpoint/2010/main" val="479094587"/>
+        <p14:creationId xmlns:p14="http://schemas.microsoft.com/office/powerpoint/2010/main" val="764380631"/>
       </p:ext>
     </p:extLst>
   </p:cSld>
@@ -8173,7 +9881,7 @@
           <p:cNvPr id="2" name="Title 1">
             <a:extLst>
               <a:ext uri="{FF2B5EF4-FFF2-40B4-BE49-F238E27FC236}">
-                <a16:creationId xmlns:a16="http://schemas.microsoft.com/office/drawing/2014/main" id="{D4112190-B47C-470F-9F25-6023D45B677C}"/>
+                <a16:creationId xmlns:a16="http://schemas.microsoft.com/office/drawing/2014/main" id="{A05E3969-0ED9-2A4B-8412-48313BA670F1}"/>
               </a:ext>
             </a:extLst>
           </p:cNvPr>
@@ -8184,40 +9892,181 @@
             <p:ph type="title"/>
           </p:nvPr>
         </p:nvSpPr>
+        <p:spPr/>
+        <p:txBody>
+          <a:bodyPr/>
+          <a:lstStyle/>
+          <a:p>
+            <a:r>
+              <a:rPr lang="en-US" dirty="0"/>
+              <a:t>DATA SOURCE DEFINITIONS – PROPERTY DATA</a:t>
+            </a:r>
+          </a:p>
+        </p:txBody>
+      </p:sp>
+      <p:sp>
+        <p:nvSpPr>
+          <p:cNvPr id="3" name="Content Placeholder 2">
+            <a:extLst>
+              <a:ext uri="{FF2B5EF4-FFF2-40B4-BE49-F238E27FC236}">
+                <a16:creationId xmlns:a16="http://schemas.microsoft.com/office/drawing/2014/main" id="{6E05505D-DF6B-5E44-9E87-2B7073B0557B}"/>
+              </a:ext>
+            </a:extLst>
+          </p:cNvPr>
+          <p:cNvSpPr>
+            <a:spLocks noGrp="1"/>
+          </p:cNvSpPr>
+          <p:nvPr>
+            <p:ph idx="1"/>
+          </p:nvPr>
+        </p:nvSpPr>
         <p:spPr>
           <a:xfrm>
-            <a:off x="2231136" y="729022"/>
-            <a:ext cx="7729728" cy="1188720"/>
+            <a:off x="2231135" y="2638044"/>
+            <a:ext cx="8161561" cy="3101983"/>
           </a:xfrm>
         </p:spPr>
         <p:txBody>
           <a:bodyPr>
-            <a:normAutofit fontScale="90000"/>
+            <a:normAutofit/>
           </a:bodyPr>
           <a:lstStyle/>
           <a:p>
             <a:r>
-              <a:rPr lang="en-US" dirty="0"/>
-              <a:t>Data </a:t>
-            </a:r>
-            <a:r>
-              <a:rPr lang="en-US" dirty="0" err="1"/>
-              <a:t>AnalysiS</a:t>
-            </a:r>
-            <a:br>
-              <a:rPr lang="en-US" dirty="0"/>
-            </a:br>
-            <a:r>
-              <a:rPr lang="en-US" dirty="0"/>
-              <a:t> TOP 10 SUBURBS BY CRIME COUNT</a:t>
-            </a:r>
-            <a:br>
-              <a:rPr lang="en-US" dirty="0"/>
-            </a:br>
-            <a:endParaRPr lang="en-AU" dirty="0"/>
-          </a:p>
-        </p:txBody>
-      </p:sp>
+              <a:rPr lang="en-US" dirty="0">
+                <a:solidFill>
+                  <a:schemeClr val="tx1"/>
+                </a:solidFill>
+              </a:rPr>
+              <a:t>For the project analysis,  raw data in excel was imported into a </a:t>
+            </a:r>
+            <a:r>
+              <a:rPr lang="en-US" dirty="0" err="1">
+                <a:solidFill>
+                  <a:schemeClr val="tx1"/>
+                </a:solidFill>
+              </a:rPr>
+              <a:t>Jupyter</a:t>
+            </a:r>
+            <a:r>
+              <a:rPr lang="en-US" dirty="0">
+                <a:solidFill>
+                  <a:schemeClr val="tx1"/>
+                </a:solidFill>
+              </a:rPr>
+              <a:t> Notebook for the creation of property-related Panda </a:t>
+            </a:r>
+            <a:r>
+              <a:rPr lang="en-US" dirty="0" err="1">
+                <a:solidFill>
+                  <a:schemeClr val="tx1"/>
+                </a:solidFill>
+              </a:rPr>
+              <a:t>DataFrames</a:t>
+            </a:r>
+            <a:r>
+              <a:rPr lang="en-US" dirty="0">
+                <a:solidFill>
+                  <a:schemeClr val="tx1"/>
+                </a:solidFill>
+              </a:rPr>
+              <a:t>. </a:t>
+            </a:r>
+          </a:p>
+          <a:p>
+            <a:pPr lvl="1"/>
+            <a:r>
+              <a:rPr lang="en-US" dirty="0">
+                <a:solidFill>
+                  <a:schemeClr val="tx1"/>
+                </a:solidFill>
+              </a:rPr>
+              <a:t>The median price of the raw data is available for each quarter (for the past five financial years)</a:t>
+            </a:r>
+          </a:p>
+          <a:p>
+            <a:pPr lvl="1"/>
+            <a:r>
+              <a:rPr lang="en-US" dirty="0">
+                <a:solidFill>
+                  <a:schemeClr val="tx1"/>
+                </a:solidFill>
+              </a:rPr>
+              <a:t>In order to determine if there is a correlation between crime counts and property prices,  one property price value was used for each financial year. This was was the mean of the four quarterly prices of each financial year</a:t>
+            </a:r>
+          </a:p>
+          <a:p>
+            <a:pPr lvl="1"/>
+            <a:r>
+              <a:rPr lang="en-US" dirty="0">
+                <a:solidFill>
+                  <a:schemeClr val="tx1"/>
+                </a:solidFill>
+              </a:rPr>
+              <a:t>The city and suburbs were provided for each property sale. Only the suburb column was used to merge between the crime </a:t>
+            </a:r>
+            <a:r>
+              <a:rPr lang="en-US" dirty="0" err="1">
+                <a:solidFill>
+                  <a:schemeClr val="tx1"/>
+                </a:solidFill>
+              </a:rPr>
+              <a:t>DataFrame</a:t>
+            </a:r>
+            <a:r>
+              <a:rPr lang="en-US" dirty="0">
+                <a:solidFill>
+                  <a:schemeClr val="tx1"/>
+                </a:solidFill>
+              </a:rPr>
+              <a:t> and the property price </a:t>
+            </a:r>
+            <a:r>
+              <a:rPr lang="en-US" dirty="0" err="1">
+                <a:solidFill>
+                  <a:schemeClr val="tx1"/>
+                </a:solidFill>
+              </a:rPr>
+              <a:t>DataFrame</a:t>
+            </a:r>
+            <a:endParaRPr lang="en-US" dirty="0">
+              <a:solidFill>
+                <a:schemeClr val="tx1"/>
+              </a:solidFill>
+            </a:endParaRPr>
+          </a:p>
+        </p:txBody>
+      </p:sp>
+    </p:spTree>
+    <p:extLst>
+      <p:ext uri="{BB962C8B-B14F-4D97-AF65-F5344CB8AC3E}">
+        <p14:creationId xmlns:p14="http://schemas.microsoft.com/office/powerpoint/2010/main" val="2047645864"/>
+      </p:ext>
+    </p:extLst>
+  </p:cSld>
+  <p:clrMapOvr>
+    <a:masterClrMapping/>
+  </p:clrMapOvr>
+</p:sld>
+</file>
+
+<file path=ppt/slides/slide7.xml><?xml version="1.0" encoding="utf-8"?>
+<p:sld xmlns:a="http://schemas.openxmlformats.org/drawingml/2006/main" xmlns:r="http://schemas.openxmlformats.org/officeDocument/2006/relationships" xmlns:p="http://schemas.openxmlformats.org/presentationml/2006/main">
+  <p:cSld>
+    <p:spTree>
+      <p:nvGrpSpPr>
+        <p:cNvPr id="1" name=""/>
+        <p:cNvGrpSpPr/>
+        <p:nvPr/>
+      </p:nvGrpSpPr>
+      <p:grpSpPr>
+        <a:xfrm>
+          <a:off x="0" y="0"/>
+          <a:ext cx="0" cy="0"/>
+          <a:chOff x="0" y="0"/>
+          <a:chExt cx="0" cy="0"/>
+        </a:xfrm>
+      </p:grpSpPr>
       <p:sp>
         <p:nvSpPr>
           <p:cNvPr id="3" name="Content Placeholder 2">
@@ -8299,234 +10148,20 @@
         </p:blipFill>
         <p:spPr>
           <a:xfrm>
-            <a:off x="1708294" y="3005444"/>
-            <a:ext cx="4387706" cy="2288522"/>
+            <a:off x="712255" y="2888274"/>
+            <a:ext cx="5253494" cy="2740096"/>
           </a:xfrm>
           <a:prstGeom prst="rect">
             <a:avLst/>
           </a:prstGeom>
         </p:spPr>
       </p:pic>
-      <p:sp>
-        <p:nvSpPr>
-          <p:cNvPr id="9" name="TextBox 8">
+      <p:pic>
+        <p:nvPicPr>
+          <p:cNvPr id="7" name="Content Placeholder 4" descr="Chart, bar chart&#10;&#10;Description automatically generated">
             <a:extLst>
               <a:ext uri="{FF2B5EF4-FFF2-40B4-BE49-F238E27FC236}">
-                <a16:creationId xmlns:a16="http://schemas.microsoft.com/office/drawing/2014/main" id="{4848C587-EE55-458E-BEF6-0ABE7C5F9659}"/>
-              </a:ext>
-            </a:extLst>
-          </p:cNvPr>
-          <p:cNvSpPr txBox="1"/>
-          <p:nvPr/>
-        </p:nvSpPr>
-        <p:spPr>
-          <a:xfrm>
-            <a:off x="7714895" y="2598715"/>
-            <a:ext cx="2245969" cy="3416320"/>
-          </a:xfrm>
-          <a:prstGeom prst="rect">
-            <a:avLst/>
-          </a:prstGeom>
-          <a:noFill/>
-        </p:spPr>
-        <p:txBody>
-          <a:bodyPr wrap="square">
-            <a:spAutoFit/>
-          </a:bodyPr>
-          <a:lstStyle/>
-          <a:p>
-            <a:r>
-              <a:rPr lang="en-AU" dirty="0"/>
-              <a:t>Adelaide </a:t>
-            </a:r>
-          </a:p>
-          <a:p>
-            <a:r>
-              <a:rPr lang="en-AU" dirty="0"/>
-              <a:t>Port Augusta </a:t>
-            </a:r>
-          </a:p>
-          <a:p>
-            <a:r>
-              <a:rPr lang="en-AU" dirty="0"/>
-              <a:t>Morphett Vale</a:t>
-            </a:r>
-          </a:p>
-          <a:p>
-            <a:r>
-              <a:rPr lang="en-AU" dirty="0"/>
-              <a:t>Mount Gambier </a:t>
-            </a:r>
-          </a:p>
-          <a:p>
-            <a:r>
-              <a:rPr lang="en-AU" dirty="0"/>
-              <a:t>Port Lincoln </a:t>
-            </a:r>
-          </a:p>
-          <a:p>
-            <a:r>
-              <a:rPr lang="en-AU" dirty="0" err="1"/>
-              <a:t>Salsibury</a:t>
-            </a:r>
-            <a:r>
-              <a:rPr lang="en-AU" dirty="0"/>
-              <a:t> </a:t>
-            </a:r>
-          </a:p>
-          <a:p>
-            <a:r>
-              <a:rPr lang="en-AU" dirty="0"/>
-              <a:t>Murray Bridge </a:t>
-            </a:r>
-          </a:p>
-          <a:p>
-            <a:r>
-              <a:rPr lang="en-AU" dirty="0" err="1"/>
-              <a:t>Davoren</a:t>
-            </a:r>
-            <a:r>
-              <a:rPr lang="en-AU" dirty="0"/>
-              <a:t> Park </a:t>
-            </a:r>
-          </a:p>
-          <a:p>
-            <a:r>
-              <a:rPr lang="en-AU" dirty="0"/>
-              <a:t>Mawson Lakes </a:t>
-            </a:r>
-          </a:p>
-          <a:p>
-            <a:r>
-              <a:rPr lang="en-AU" dirty="0"/>
-              <a:t>Parafield Gardens </a:t>
-            </a:r>
-          </a:p>
-          <a:p>
-            <a:r>
-              <a:rPr lang="en-AU" dirty="0"/>
-              <a:t>Whyalla Norrie </a:t>
-            </a:r>
-          </a:p>
-          <a:p>
-            <a:r>
-              <a:rPr lang="en-AU" dirty="0"/>
-              <a:t>Prospect</a:t>
-            </a:r>
-          </a:p>
-        </p:txBody>
-      </p:sp>
-    </p:spTree>
-    <p:extLst>
-      <p:ext uri="{BB962C8B-B14F-4D97-AF65-F5344CB8AC3E}">
-        <p14:creationId xmlns:p14="http://schemas.microsoft.com/office/powerpoint/2010/main" val="2862855137"/>
-      </p:ext>
-    </p:extLst>
-  </p:cSld>
-  <p:clrMapOvr>
-    <a:masterClrMapping/>
-  </p:clrMapOvr>
-</p:sld>
-</file>
-
-<file path=ppt/slides/slide7.xml><?xml version="1.0" encoding="utf-8"?>
-<p:sld xmlns:a="http://schemas.openxmlformats.org/drawingml/2006/main" xmlns:r="http://schemas.openxmlformats.org/officeDocument/2006/relationships" xmlns:p="http://schemas.openxmlformats.org/presentationml/2006/main">
-  <p:cSld>
-    <p:spTree>
-      <p:nvGrpSpPr>
-        <p:cNvPr id="1" name=""/>
-        <p:cNvGrpSpPr/>
-        <p:nvPr/>
-      </p:nvGrpSpPr>
-      <p:grpSpPr>
-        <a:xfrm>
-          <a:off x="0" y="0"/>
-          <a:ext cx="0" cy="0"/>
-          <a:chOff x="0" y="0"/>
-          <a:chExt cx="0" cy="0"/>
-        </a:xfrm>
-      </p:grpSpPr>
-      <p:sp>
-        <p:nvSpPr>
-          <p:cNvPr id="2" name="Title 1">
-            <a:extLst>
-              <a:ext uri="{FF2B5EF4-FFF2-40B4-BE49-F238E27FC236}">
-                <a16:creationId xmlns:a16="http://schemas.microsoft.com/office/drawing/2014/main" id="{AC4FC0D9-40F7-4DF7-B19D-39CC7A4CEDDB}"/>
-              </a:ext>
-            </a:extLst>
-          </p:cNvPr>
-          <p:cNvSpPr>
-            <a:spLocks noGrp="1"/>
-          </p:cNvSpPr>
-          <p:nvPr>
-            <p:ph type="title"/>
-          </p:nvPr>
-        </p:nvSpPr>
-        <p:spPr/>
-        <p:txBody>
-          <a:bodyPr/>
-          <a:lstStyle/>
-          <a:p>
-            <a:r>
-              <a:rPr lang="en-US" dirty="0"/>
-              <a:t>Data </a:t>
-            </a:r>
-            <a:r>
-              <a:rPr lang="en-US" dirty="0" err="1"/>
-              <a:t>AnalysiS</a:t>
-            </a:r>
-            <a:br>
-              <a:rPr lang="en-US" dirty="0"/>
-            </a:br>
-            <a:r>
-              <a:rPr lang="en-US" dirty="0"/>
-              <a:t> TOP 10 SUBURBS BY CRIME COUNT</a:t>
-            </a:r>
-            <a:endParaRPr lang="en-AU" dirty="0"/>
-          </a:p>
-        </p:txBody>
-      </p:sp>
-      <p:pic>
-        <p:nvPicPr>
-          <p:cNvPr id="5" name="Content Placeholder 4" descr="Chart, bar chart&#10;&#10;Description automatically generated">
-            <a:extLst>
-              <a:ext uri="{FF2B5EF4-FFF2-40B4-BE49-F238E27FC236}">
-                <a16:creationId xmlns:a16="http://schemas.microsoft.com/office/drawing/2014/main" id="{393D0E56-F411-417B-A2E7-ED198E39578B}"/>
-              </a:ext>
-            </a:extLst>
-          </p:cNvPr>
-          <p:cNvPicPr>
-            <a:picLocks noGrp="1" noChangeAspect="1"/>
-          </p:cNvPicPr>
-          <p:nvPr>
-            <p:ph idx="1"/>
-          </p:nvPr>
-        </p:nvPicPr>
-        <p:blipFill>
-          <a:blip r:embed="rId3">
-            <a:extLst>
-              <a:ext uri="{28A0092B-C50C-407E-A947-70E740481C1C}">
-                <a14:useLocalDpi xmlns:a14="http://schemas.microsoft.com/office/drawing/2010/main" val="0"/>
-              </a:ext>
-            </a:extLst>
-          </a:blip>
-          <a:stretch>
-            <a:fillRect/>
-          </a:stretch>
-        </p:blipFill>
-        <p:spPr>
-          <a:xfrm>
-            <a:off x="1023822" y="2910077"/>
-            <a:ext cx="4659822" cy="2435020"/>
-          </a:xfrm>
-        </p:spPr>
-      </p:pic>
-      <p:pic>
-        <p:nvPicPr>
-          <p:cNvPr id="7" name="Picture 6" descr="Chart, bar chart&#10;&#10;Description automatically generated">
-            <a:extLst>
-              <a:ext uri="{FF2B5EF4-FFF2-40B4-BE49-F238E27FC236}">
-                <a16:creationId xmlns:a16="http://schemas.microsoft.com/office/drawing/2014/main" id="{23FA6601-CDC8-4C8F-8E84-74BC21894EFC}"/>
+                <a16:creationId xmlns:a16="http://schemas.microsoft.com/office/drawing/2014/main" id="{2253861C-0D5F-3B40-BFBA-8A1925B0DDA4}"/>
               </a:ext>
             </a:extLst>
           </p:cNvPr>
@@ -8549,18 +10184,93 @@
         </p:blipFill>
         <p:spPr>
           <a:xfrm>
-            <a:off x="6695171" y="2910077"/>
-            <a:ext cx="4647997" cy="2428840"/>
+            <a:off x="6126480" y="2888274"/>
+            <a:ext cx="5243636" cy="2740096"/>
           </a:xfrm>
           <a:prstGeom prst="rect">
             <a:avLst/>
           </a:prstGeom>
         </p:spPr>
       </p:pic>
+      <p:sp>
+        <p:nvSpPr>
+          <p:cNvPr id="8" name="Title 1">
+            <a:extLst>
+              <a:ext uri="{FF2B5EF4-FFF2-40B4-BE49-F238E27FC236}">
+                <a16:creationId xmlns:a16="http://schemas.microsoft.com/office/drawing/2014/main" id="{230D5CD1-01AF-0A45-BD73-9951D30287A9}"/>
+              </a:ext>
+            </a:extLst>
+          </p:cNvPr>
+          <p:cNvSpPr txBox="1">
+            <a:spLocks/>
+          </p:cNvSpPr>
+          <p:nvPr/>
+        </p:nvSpPr>
+        <p:spPr bwMode="black">
+          <a:xfrm>
+            <a:off x="2215896" y="970550"/>
+            <a:ext cx="7729728" cy="1188720"/>
+          </a:xfrm>
+          <a:prstGeom prst="rect">
+            <a:avLst/>
+          </a:prstGeom>
+          <a:solidFill>
+            <a:srgbClr val="FFFFFF"/>
+          </a:solidFill>
+          <a:ln w="31750" cap="sq">
+            <a:solidFill>
+              <a:srgbClr val="404040"/>
+            </a:solidFill>
+            <a:miter lim="800000"/>
+          </a:ln>
+        </p:spPr>
+        <p:txBody>
+          <a:bodyPr vert="horz" lIns="182880" tIns="182880" rIns="182880" bIns="182880" rtlCol="0" anchor="ctr">
+            <a:normAutofit/>
+          </a:bodyPr>
+          <a:lstStyle>
+            <a:lvl1pPr algn="ctr" defTabSz="914400" rtl="0" eaLnBrk="1" latinLnBrk="0" hangingPunct="1">
+              <a:lnSpc>
+                <a:spcPct val="90000"/>
+              </a:lnSpc>
+              <a:spcBef>
+                <a:spcPct val="0"/>
+              </a:spcBef>
+              <a:buNone/>
+              <a:defRPr sz="2800" kern="1200" cap="all" spc="200" baseline="0">
+                <a:solidFill>
+                  <a:srgbClr val="262626"/>
+                </a:solidFill>
+                <a:latin typeface="+mj-lt"/>
+                <a:ea typeface="+mj-ea"/>
+                <a:cs typeface="+mj-cs"/>
+              </a:defRPr>
+            </a:lvl1pPr>
+          </a:lstStyle>
+          <a:p>
+            <a:r>
+              <a:rPr lang="en-US" dirty="0"/>
+              <a:t>Data </a:t>
+            </a:r>
+            <a:r>
+              <a:rPr lang="en-US" dirty="0" err="1"/>
+              <a:t>AnalysiS</a:t>
+            </a:r>
+            <a:br>
+              <a:rPr lang="en-US" dirty="0"/>
+            </a:br>
+            <a:r>
+              <a:rPr lang="en-US" dirty="0"/>
+              <a:t> TOP 10 SUBURBS BY CRIME COUNT</a:t>
+            </a:r>
+            <a:endParaRPr lang="en-AU" dirty="0"/>
+          </a:p>
+        </p:txBody>
+      </p:sp>
     </p:spTree>
     <p:extLst>
       <p:ext uri="{BB962C8B-B14F-4D97-AF65-F5344CB8AC3E}">
-        <p14:creationId xmlns:p14="http://schemas.microsoft.com/office/powerpoint/2010/main" val="1587673485"/>
+        <p14:creationId xmlns:p14="http://schemas.microsoft.com/office/powerpoint/2010/main" val="4114517458"/>
       </p:ext>
     </p:extLst>
   </p:cSld>
@@ -8592,7 +10302,7 @@
           <p:cNvPr id="2" name="Title 1">
             <a:extLst>
               <a:ext uri="{FF2B5EF4-FFF2-40B4-BE49-F238E27FC236}">
-                <a16:creationId xmlns:a16="http://schemas.microsoft.com/office/drawing/2014/main" id="{2FC8876C-C690-4D34-B4F3-97A32A7F9C35}"/>
+                <a16:creationId xmlns:a16="http://schemas.microsoft.com/office/drawing/2014/main" id="{AC4FC0D9-40F7-4DF7-B19D-39CC7A4CEDDB}"/>
               </a:ext>
             </a:extLst>
           </p:cNvPr>
@@ -8629,19 +10339,17 @@
       </p:sp>
       <p:pic>
         <p:nvPicPr>
-          <p:cNvPr id="5" name="Content Placeholder 4" descr="Chart, bar chart&#10;&#10;Description automatically generated">
+          <p:cNvPr id="7" name="Picture 6" descr="Chart, bar chart&#10;&#10;Description automatically generated">
             <a:extLst>
               <a:ext uri="{FF2B5EF4-FFF2-40B4-BE49-F238E27FC236}">
-                <a16:creationId xmlns:a16="http://schemas.microsoft.com/office/drawing/2014/main" id="{36AB36A0-FE81-4078-AE16-9F5CFDBB5F48}"/>
+                <a16:creationId xmlns:a16="http://schemas.microsoft.com/office/drawing/2014/main" id="{23FA6601-CDC8-4C8F-8E84-74BC21894EFC}"/>
               </a:ext>
             </a:extLst>
           </p:cNvPr>
           <p:cNvPicPr>
-            <a:picLocks noGrp="1" noChangeAspect="1"/>
+            <a:picLocks noChangeAspect="1"/>
           </p:cNvPicPr>
-          <p:nvPr>
-            <p:ph idx="1"/>
-          </p:nvPr>
+          <p:nvPr/>
         </p:nvPicPr>
         <p:blipFill>
           <a:blip r:embed="rId3">
@@ -8657,24 +10365,29 @@
         </p:blipFill>
         <p:spPr>
           <a:xfrm>
-            <a:off x="972283" y="2972722"/>
-            <a:ext cx="4986627" cy="2553007"/>
+            <a:off x="715202" y="2986277"/>
+            <a:ext cx="5243638" cy="2740096"/>
           </a:xfrm>
+          <a:prstGeom prst="rect">
+            <a:avLst/>
+          </a:prstGeom>
         </p:spPr>
       </p:pic>
       <p:pic>
         <p:nvPicPr>
-          <p:cNvPr id="7" name="Picture 6" descr="Chart, bar chart, histogram&#10;&#10;Description automatically generated">
+          <p:cNvPr id="8" name="Content Placeholder 4" descr="Chart, bar chart&#10;&#10;Description automatically generated">
             <a:extLst>
               <a:ext uri="{FF2B5EF4-FFF2-40B4-BE49-F238E27FC236}">
-                <a16:creationId xmlns:a16="http://schemas.microsoft.com/office/drawing/2014/main" id="{471EB2BD-1E0D-4A4C-B8E7-40E2A6B21B34}"/>
+                <a16:creationId xmlns:a16="http://schemas.microsoft.com/office/drawing/2014/main" id="{2E00E3B3-6456-8441-80A4-AA0D04A70B84}"/>
               </a:ext>
             </a:extLst>
           </p:cNvPr>
           <p:cNvPicPr>
-            <a:picLocks noChangeAspect="1"/>
+            <a:picLocks noGrp="1" noChangeAspect="1"/>
           </p:cNvPicPr>
-          <p:nvPr/>
+          <p:nvPr>
+            <p:ph idx="1"/>
+          </p:nvPr>
         </p:nvPicPr>
         <p:blipFill>
           <a:blip r:embed="rId4">
@@ -8690,18 +10403,15 @@
         </p:blipFill>
         <p:spPr>
           <a:xfrm>
-            <a:off x="6488956" y="2972722"/>
-            <a:ext cx="4730761" cy="2558660"/>
+            <a:off x="6185535" y="2986277"/>
+            <a:ext cx="5352057" cy="2740096"/>
           </a:xfrm>
-          <a:prstGeom prst="rect">
-            <a:avLst/>
-          </a:prstGeom>
         </p:spPr>
       </p:pic>
     </p:spTree>
     <p:extLst>
       <p:ext uri="{BB962C8B-B14F-4D97-AF65-F5344CB8AC3E}">
-        <p14:creationId xmlns:p14="http://schemas.microsoft.com/office/powerpoint/2010/main" val="2262359111"/>
+        <p14:creationId xmlns:p14="http://schemas.microsoft.com/office/powerpoint/2010/main" val="3981118626"/>
       </p:ext>
     </p:extLst>
   </p:cSld>
@@ -8733,7 +10443,7 @@
           <p:cNvPr id="2" name="Title 1">
             <a:extLst>
               <a:ext uri="{FF2B5EF4-FFF2-40B4-BE49-F238E27FC236}">
-                <a16:creationId xmlns:a16="http://schemas.microsoft.com/office/drawing/2014/main" id="{D4112190-B47C-470F-9F25-6023D45B677C}"/>
+                <a16:creationId xmlns:a16="http://schemas.microsoft.com/office/drawing/2014/main" id="{2FC8876C-C690-4D34-B4F3-97A32A7F9C35}"/>
               </a:ext>
             </a:extLst>
           </p:cNvPr>
@@ -8746,9 +10456,7 @@
         </p:nvSpPr>
         <p:spPr/>
         <p:txBody>
-          <a:bodyPr>
-            <a:normAutofit fontScale="90000"/>
-          </a:bodyPr>
+          <a:bodyPr/>
           <a:lstStyle/>
           <a:p>
             <a:r>
@@ -8764,30 +10472,25 @@
             </a:br>
             <a:r>
               <a:rPr lang="en-US" dirty="0"/>
-              <a:t> TOP 10 SUBURBS BY PROPERTY PRICE</a:t>
-            </a:r>
-            <a:br>
-              <a:rPr lang="en-US" dirty="0"/>
-            </a:br>
+              <a:t> TOP 10 SUBURBS BY CRIME COUNT</a:t>
+            </a:r>
             <a:endParaRPr lang="en-AU" dirty="0"/>
           </a:p>
         </p:txBody>
       </p:sp>
       <p:pic>
         <p:nvPicPr>
-          <p:cNvPr id="5" name="Content Placeholder 4" descr="Icon&#10;&#10;Description automatically generated">
+          <p:cNvPr id="7" name="Picture 6" descr="Chart, bar chart, histogram&#10;&#10;Description automatically generated">
             <a:extLst>
               <a:ext uri="{FF2B5EF4-FFF2-40B4-BE49-F238E27FC236}">
-                <a16:creationId xmlns:a16="http://schemas.microsoft.com/office/drawing/2014/main" id="{8C3E7055-D6FF-4E94-8DBD-D142F3407FF2}"/>
+                <a16:creationId xmlns:a16="http://schemas.microsoft.com/office/drawing/2014/main" id="{471EB2BD-1E0D-4A4C-B8E7-40E2A6B21B34}"/>
               </a:ext>
             </a:extLst>
           </p:cNvPr>
           <p:cNvPicPr>
-            <a:picLocks noGrp="1" noChangeAspect="1"/>
+            <a:picLocks noChangeAspect="1"/>
           </p:cNvPicPr>
-          <p:nvPr>
-            <p:ph idx="1"/>
-          </p:nvPr>
+          <p:nvPr/>
         </p:nvPicPr>
         <p:blipFill>
           <a:blip r:embed="rId3">
@@ -8803,15 +10506,1003 @@
         </p:blipFill>
         <p:spPr>
           <a:xfrm>
-            <a:off x="1137510" y="2795469"/>
-            <a:ext cx="4542500" cy="3097837"/>
+            <a:off x="707991" y="2862378"/>
+            <a:ext cx="5302449" cy="2867861"/>
           </a:xfrm>
+          <a:prstGeom prst="rect">
+            <a:avLst/>
+          </a:prstGeom>
         </p:spPr>
       </p:pic>
+      <p:graphicFrame>
+        <p:nvGraphicFramePr>
+          <p:cNvPr id="3" name="Table 2">
+            <a:extLst>
+              <a:ext uri="{FF2B5EF4-FFF2-40B4-BE49-F238E27FC236}">
+                <a16:creationId xmlns:a16="http://schemas.microsoft.com/office/drawing/2014/main" id="{67C65BE8-D441-794F-84F1-7A3CD9F8A373}"/>
+              </a:ext>
+            </a:extLst>
+          </p:cNvPr>
+          <p:cNvGraphicFramePr>
+            <a:graphicFrameLocks noGrp="1"/>
+          </p:cNvGraphicFramePr>
+          <p:nvPr/>
+        </p:nvGraphicFramePr>
+        <p:xfrm>
+          <a:off x="6552612" y="3429000"/>
+          <a:ext cx="4597400" cy="1612900"/>
+        </p:xfrm>
+        <a:graphic>
+          <a:graphicData uri="http://schemas.openxmlformats.org/drawingml/2006/table">
+            <a:tbl>
+              <a:tblPr firstRow="1" firstCol="1">
+                <a:tableStyleId>{00A15C55-8517-42AA-B614-E9B94910E393}</a:tableStyleId>
+              </a:tblPr>
+              <a:tblGrid>
+                <a:gridCol w="1295400">
+                  <a:extLst>
+                    <a:ext uri="{9D8B030D-6E8A-4147-A177-3AD203B41FA5}">
+                      <a16:colId xmlns:a16="http://schemas.microsoft.com/office/drawing/2014/main" val="999557224"/>
+                    </a:ext>
+                  </a:extLst>
+                </a:gridCol>
+                <a:gridCol w="1651000">
+                  <a:extLst>
+                    <a:ext uri="{9D8B030D-6E8A-4147-A177-3AD203B41FA5}">
+                      <a16:colId xmlns:a16="http://schemas.microsoft.com/office/drawing/2014/main" val="432000542"/>
+                    </a:ext>
+                  </a:extLst>
+                </a:gridCol>
+                <a:gridCol w="1651000">
+                  <a:extLst>
+                    <a:ext uri="{9D8B030D-6E8A-4147-A177-3AD203B41FA5}">
+                      <a16:colId xmlns:a16="http://schemas.microsoft.com/office/drawing/2014/main" val="1467077530"/>
+                    </a:ext>
+                  </a:extLst>
+                </a:gridCol>
+              </a:tblGrid>
+              <a:tr h="203200">
+                <a:tc gridSpan="3">
+                  <a:txBody>
+                    <a:bodyPr/>
+                    <a:lstStyle/>
+                    <a:p>
+                      <a:pPr algn="l" fontAlgn="b"/>
+                      <a:r>
+                        <a:rPr lang="en-AU" sz="1200" u="none" strike="noStrike" dirty="0">
+                          <a:effectLst/>
+                        </a:rPr>
+                        <a:t>2019-2020 Financial Year</a:t>
+                      </a:r>
+                      <a:endParaRPr lang="en-AU" sz="1200" b="0" i="0" u="none" strike="noStrike" dirty="0">
+                        <a:solidFill>
+                          <a:srgbClr val="000000"/>
+                        </a:solidFill>
+                        <a:effectLst/>
+                        <a:latin typeface="Calibri" panose="020F0502020204030204" pitchFamily="34" charset="0"/>
+                      </a:endParaRPr>
+                    </a:p>
+                  </a:txBody>
+                  <a:tcPr marL="9525" marR="9525" marT="9525" marB="0" anchor="b">
+                    <a:lnL w="12700" cap="flat" cmpd="sng" algn="ctr">
+                      <a:solidFill>
+                        <a:schemeClr val="tx1"/>
+                      </a:solidFill>
+                      <a:prstDash val="solid"/>
+                      <a:round/>
+                      <a:headEnd type="none" w="med" len="med"/>
+                      <a:tailEnd type="none" w="med" len="med"/>
+                    </a:lnL>
+                    <a:lnR w="12700" cap="flat" cmpd="sng" algn="ctr">
+                      <a:solidFill>
+                        <a:schemeClr val="tx1"/>
+                      </a:solidFill>
+                      <a:prstDash val="solid"/>
+                      <a:round/>
+                      <a:headEnd type="none" w="med" len="med"/>
+                      <a:tailEnd type="none" w="med" len="med"/>
+                    </a:lnR>
+                    <a:lnT w="12700" cap="flat" cmpd="sng" algn="ctr">
+                      <a:solidFill>
+                        <a:schemeClr val="tx1"/>
+                      </a:solidFill>
+                      <a:prstDash val="solid"/>
+                      <a:round/>
+                      <a:headEnd type="none" w="med" len="med"/>
+                      <a:tailEnd type="none" w="med" len="med"/>
+                    </a:lnT>
+                    <a:lnB w="12700" cap="flat" cmpd="sng" algn="ctr">
+                      <a:solidFill>
+                        <a:schemeClr val="tx1"/>
+                      </a:solidFill>
+                      <a:prstDash val="solid"/>
+                      <a:round/>
+                      <a:headEnd type="none" w="med" len="med"/>
+                      <a:tailEnd type="none" w="med" len="med"/>
+                    </a:lnB>
+                  </a:tcPr>
+                </a:tc>
+                <a:tc hMerge="1">
+                  <a:txBody>
+                    <a:bodyPr/>
+                    <a:lstStyle/>
+                    <a:p>
+                      <a:endParaRPr lang="en-US"/>
+                    </a:p>
+                  </a:txBody>
+                  <a:tcPr/>
+                </a:tc>
+                <a:tc hMerge="1">
+                  <a:txBody>
+                    <a:bodyPr/>
+                    <a:lstStyle/>
+                    <a:p>
+                      <a:endParaRPr lang="en-US"/>
+                    </a:p>
+                  </a:txBody>
+                  <a:tcPr/>
+                </a:tc>
+                <a:extLst>
+                  <a:ext uri="{0D108BD9-81ED-4DB2-BD59-A6C34878D82A}">
+                    <a16:rowId xmlns:a16="http://schemas.microsoft.com/office/drawing/2014/main" val="1006677968"/>
+                  </a:ext>
+                </a:extLst>
+              </a:tr>
+              <a:tr h="596900">
+                <a:tc>
+                  <a:txBody>
+                    <a:bodyPr/>
+                    <a:lstStyle/>
+                    <a:p>
+                      <a:pPr algn="l" fontAlgn="t"/>
+                      <a:r>
+                        <a:rPr lang="en-AU" sz="1200" u="none" strike="noStrike" dirty="0">
+                          <a:effectLst/>
+                        </a:rPr>
+                        <a:t>Suburb</a:t>
+                      </a:r>
+                      <a:endParaRPr lang="en-AU" sz="1200" b="1" i="0" u="none" strike="noStrike" dirty="0">
+                        <a:solidFill>
+                          <a:srgbClr val="000000"/>
+                        </a:solidFill>
+                        <a:effectLst/>
+                        <a:latin typeface="Calibri" panose="020F0502020204030204" pitchFamily="34" charset="0"/>
+                      </a:endParaRPr>
+                    </a:p>
+                  </a:txBody>
+                  <a:tcPr marL="9525" marR="9525" marT="9525" marB="0">
+                    <a:lnL w="12700" cap="flat" cmpd="sng" algn="ctr">
+                      <a:solidFill>
+                        <a:schemeClr val="tx1"/>
+                      </a:solidFill>
+                      <a:prstDash val="solid"/>
+                      <a:round/>
+                      <a:headEnd type="none" w="med" len="med"/>
+                      <a:tailEnd type="none" w="med" len="med"/>
+                    </a:lnL>
+                    <a:lnR w="12700" cap="flat" cmpd="sng" algn="ctr">
+                      <a:solidFill>
+                        <a:schemeClr val="tx1"/>
+                      </a:solidFill>
+                      <a:prstDash val="solid"/>
+                      <a:round/>
+                      <a:headEnd type="none" w="med" len="med"/>
+                      <a:tailEnd type="none" w="med" len="med"/>
+                    </a:lnR>
+                    <a:lnT w="12700" cap="flat" cmpd="sng" algn="ctr">
+                      <a:solidFill>
+                        <a:schemeClr val="tx1"/>
+                      </a:solidFill>
+                      <a:prstDash val="solid"/>
+                      <a:round/>
+                      <a:headEnd type="none" w="med" len="med"/>
+                      <a:tailEnd type="none" w="med" len="med"/>
+                    </a:lnT>
+                    <a:lnB w="12700" cap="flat" cmpd="sng" algn="ctr">
+                      <a:solidFill>
+                        <a:schemeClr val="tx1"/>
+                      </a:solidFill>
+                      <a:prstDash val="solid"/>
+                      <a:round/>
+                      <a:headEnd type="none" w="med" len="med"/>
+                      <a:tailEnd type="none" w="med" len="med"/>
+                    </a:lnB>
+                  </a:tcPr>
+                </a:tc>
+                <a:tc>
+                  <a:txBody>
+                    <a:bodyPr/>
+                    <a:lstStyle/>
+                    <a:p>
+                      <a:pPr algn="ctr" fontAlgn="t"/>
+                      <a:r>
+                        <a:rPr lang="en-AU" sz="1200" u="none" strike="noStrike" dirty="0">
+                          <a:effectLst/>
+                        </a:rPr>
+                        <a:t>Crime Ranking           </a:t>
+                      </a:r>
+                      <a:r>
+                        <a:rPr lang="en-AU" sz="1000" u="none" strike="noStrike" dirty="0">
+                          <a:effectLst/>
+                        </a:rPr>
+                        <a:t>(Ranking 1: highest crime count)</a:t>
+                      </a:r>
+                      <a:endParaRPr lang="en-AU" sz="1200" b="1" i="0" u="none" strike="noStrike" dirty="0">
+                        <a:solidFill>
+                          <a:srgbClr val="000000"/>
+                        </a:solidFill>
+                        <a:effectLst/>
+                        <a:latin typeface="Calibri" panose="020F0502020204030204" pitchFamily="34" charset="0"/>
+                      </a:endParaRPr>
+                    </a:p>
+                  </a:txBody>
+                  <a:tcPr marL="9525" marR="9525" marT="9525" marB="0">
+                    <a:lnL w="12700" cap="flat" cmpd="sng" algn="ctr">
+                      <a:solidFill>
+                        <a:schemeClr val="tx1"/>
+                      </a:solidFill>
+                      <a:prstDash val="solid"/>
+                      <a:round/>
+                      <a:headEnd type="none" w="med" len="med"/>
+                      <a:tailEnd type="none" w="med" len="med"/>
+                    </a:lnL>
+                    <a:lnR w="12700" cap="flat" cmpd="sng" algn="ctr">
+                      <a:solidFill>
+                        <a:schemeClr val="tx1"/>
+                      </a:solidFill>
+                      <a:prstDash val="solid"/>
+                      <a:round/>
+                      <a:headEnd type="none" w="med" len="med"/>
+                      <a:tailEnd type="none" w="med" len="med"/>
+                    </a:lnR>
+                    <a:lnT w="12700" cap="flat" cmpd="sng" algn="ctr">
+                      <a:solidFill>
+                        <a:schemeClr val="tx1"/>
+                      </a:solidFill>
+                      <a:prstDash val="solid"/>
+                      <a:round/>
+                      <a:headEnd type="none" w="med" len="med"/>
+                      <a:tailEnd type="none" w="med" len="med"/>
+                    </a:lnT>
+                    <a:lnB w="12700" cap="flat" cmpd="sng" algn="ctr">
+                      <a:solidFill>
+                        <a:schemeClr val="tx1"/>
+                      </a:solidFill>
+                      <a:prstDash val="solid"/>
+                      <a:round/>
+                      <a:headEnd type="none" w="med" len="med"/>
+                      <a:tailEnd type="none" w="med" len="med"/>
+                    </a:lnB>
+                  </a:tcPr>
+                </a:tc>
+                <a:tc>
+                  <a:txBody>
+                    <a:bodyPr/>
+                    <a:lstStyle/>
+                    <a:p>
+                      <a:pPr algn="ctr" fontAlgn="t"/>
+                      <a:r>
+                        <a:rPr lang="en-AU" sz="1200" u="none" strike="noStrike" dirty="0">
+                          <a:effectLst/>
+                        </a:rPr>
+                        <a:t>Property Price Ranking                 </a:t>
+                      </a:r>
+                      <a:r>
+                        <a:rPr lang="en-AU" sz="1000" u="none" strike="noStrike" dirty="0">
+                          <a:effectLst/>
+                        </a:rPr>
+                        <a:t>(Ranking 1: most expensive)</a:t>
+                      </a:r>
+                      <a:endParaRPr lang="en-AU" sz="1200" b="1" i="0" u="none" strike="noStrike" dirty="0">
+                        <a:solidFill>
+                          <a:srgbClr val="000000"/>
+                        </a:solidFill>
+                        <a:effectLst/>
+                        <a:latin typeface="Calibri" panose="020F0502020204030204" pitchFamily="34" charset="0"/>
+                      </a:endParaRPr>
+                    </a:p>
+                  </a:txBody>
+                  <a:tcPr marL="9525" marR="9525" marT="9525" marB="0">
+                    <a:lnL w="12700" cap="flat" cmpd="sng" algn="ctr">
+                      <a:solidFill>
+                        <a:schemeClr val="tx1"/>
+                      </a:solidFill>
+                      <a:prstDash val="solid"/>
+                      <a:round/>
+                      <a:headEnd type="none" w="med" len="med"/>
+                      <a:tailEnd type="none" w="med" len="med"/>
+                    </a:lnL>
+                    <a:lnR w="12700" cap="flat" cmpd="sng" algn="ctr">
+                      <a:solidFill>
+                        <a:schemeClr val="tx1"/>
+                      </a:solidFill>
+                      <a:prstDash val="solid"/>
+                      <a:round/>
+                      <a:headEnd type="none" w="med" len="med"/>
+                      <a:tailEnd type="none" w="med" len="med"/>
+                    </a:lnR>
+                    <a:lnT w="12700" cap="flat" cmpd="sng" algn="ctr">
+                      <a:solidFill>
+                        <a:schemeClr val="tx1"/>
+                      </a:solidFill>
+                      <a:prstDash val="solid"/>
+                      <a:round/>
+                      <a:headEnd type="none" w="med" len="med"/>
+                      <a:tailEnd type="none" w="med" len="med"/>
+                    </a:lnT>
+                    <a:lnB w="12700" cap="flat" cmpd="sng" algn="ctr">
+                      <a:solidFill>
+                        <a:schemeClr val="tx1"/>
+                      </a:solidFill>
+                      <a:prstDash val="solid"/>
+                      <a:round/>
+                      <a:headEnd type="none" w="med" len="med"/>
+                      <a:tailEnd type="none" w="med" len="med"/>
+                    </a:lnB>
+                  </a:tcPr>
+                </a:tc>
+                <a:extLst>
+                  <a:ext uri="{0D108BD9-81ED-4DB2-BD59-A6C34878D82A}">
+                    <a16:rowId xmlns:a16="http://schemas.microsoft.com/office/drawing/2014/main" val="2800303111"/>
+                  </a:ext>
+                </a:extLst>
+              </a:tr>
+              <a:tr h="203200">
+                <a:tc>
+                  <a:txBody>
+                    <a:bodyPr/>
+                    <a:lstStyle/>
+                    <a:p>
+                      <a:pPr algn="l" fontAlgn="b"/>
+                      <a:r>
+                        <a:rPr lang="en-AU" sz="1200" u="none" strike="noStrike">
+                          <a:effectLst/>
+                        </a:rPr>
+                        <a:t>Adelaide</a:t>
+                      </a:r>
+                      <a:endParaRPr lang="en-AU" sz="1200" b="0" i="0" u="none" strike="noStrike">
+                        <a:solidFill>
+                          <a:srgbClr val="000000"/>
+                        </a:solidFill>
+                        <a:effectLst/>
+                        <a:latin typeface="Calibri" panose="020F0502020204030204" pitchFamily="34" charset="0"/>
+                      </a:endParaRPr>
+                    </a:p>
+                  </a:txBody>
+                  <a:tcPr marL="9525" marR="9525" marT="9525" marB="0" anchor="b">
+                    <a:lnL w="12700" cap="flat" cmpd="sng" algn="ctr">
+                      <a:solidFill>
+                        <a:schemeClr val="tx1"/>
+                      </a:solidFill>
+                      <a:prstDash val="solid"/>
+                      <a:round/>
+                      <a:headEnd type="none" w="med" len="med"/>
+                      <a:tailEnd type="none" w="med" len="med"/>
+                    </a:lnL>
+                    <a:lnR w="12700" cap="flat" cmpd="sng" algn="ctr">
+                      <a:solidFill>
+                        <a:schemeClr val="tx1"/>
+                      </a:solidFill>
+                      <a:prstDash val="solid"/>
+                      <a:round/>
+                      <a:headEnd type="none" w="med" len="med"/>
+                      <a:tailEnd type="none" w="med" len="med"/>
+                    </a:lnR>
+                    <a:lnT w="12700" cap="flat" cmpd="sng" algn="ctr">
+                      <a:solidFill>
+                        <a:schemeClr val="tx1"/>
+                      </a:solidFill>
+                      <a:prstDash val="solid"/>
+                      <a:round/>
+                      <a:headEnd type="none" w="med" len="med"/>
+                      <a:tailEnd type="none" w="med" len="med"/>
+                    </a:lnT>
+                    <a:lnB w="12700" cap="flat" cmpd="sng" algn="ctr">
+                      <a:solidFill>
+                        <a:schemeClr val="tx1"/>
+                      </a:solidFill>
+                      <a:prstDash val="solid"/>
+                      <a:round/>
+                      <a:headEnd type="none" w="med" len="med"/>
+                      <a:tailEnd type="none" w="med" len="med"/>
+                    </a:lnB>
+                  </a:tcPr>
+                </a:tc>
+                <a:tc>
+                  <a:txBody>
+                    <a:bodyPr/>
+                    <a:lstStyle/>
+                    <a:p>
+                      <a:pPr algn="ctr" fontAlgn="ctr"/>
+                      <a:r>
+                        <a:rPr lang="en-AU" sz="1200" u="none" strike="noStrike">
+                          <a:effectLst/>
+                        </a:rPr>
+                        <a:t>1</a:t>
+                      </a:r>
+                      <a:endParaRPr lang="en-AU" sz="1200" b="0" i="0" u="none" strike="noStrike">
+                        <a:solidFill>
+                          <a:srgbClr val="000000"/>
+                        </a:solidFill>
+                        <a:effectLst/>
+                        <a:latin typeface="Calibri" panose="020F0502020204030204" pitchFamily="34" charset="0"/>
+                      </a:endParaRPr>
+                    </a:p>
+                  </a:txBody>
+                  <a:tcPr marL="9525" marR="9525" marT="9525" marB="0" anchor="ctr">
+                    <a:lnL w="12700" cap="flat" cmpd="sng" algn="ctr">
+                      <a:solidFill>
+                        <a:schemeClr val="tx1"/>
+                      </a:solidFill>
+                      <a:prstDash val="solid"/>
+                      <a:round/>
+                      <a:headEnd type="none" w="med" len="med"/>
+                      <a:tailEnd type="none" w="med" len="med"/>
+                    </a:lnL>
+                    <a:lnR w="12700" cap="flat" cmpd="sng" algn="ctr">
+                      <a:solidFill>
+                        <a:schemeClr val="tx1"/>
+                      </a:solidFill>
+                      <a:prstDash val="solid"/>
+                      <a:round/>
+                      <a:headEnd type="none" w="med" len="med"/>
+                      <a:tailEnd type="none" w="med" len="med"/>
+                    </a:lnR>
+                    <a:lnT w="12700" cap="flat" cmpd="sng" algn="ctr">
+                      <a:solidFill>
+                        <a:schemeClr val="tx1"/>
+                      </a:solidFill>
+                      <a:prstDash val="solid"/>
+                      <a:round/>
+                      <a:headEnd type="none" w="med" len="med"/>
+                      <a:tailEnd type="none" w="med" len="med"/>
+                    </a:lnT>
+                    <a:lnB w="12700" cap="flat" cmpd="sng" algn="ctr">
+                      <a:solidFill>
+                        <a:schemeClr val="tx1"/>
+                      </a:solidFill>
+                      <a:prstDash val="solid"/>
+                      <a:round/>
+                      <a:headEnd type="none" w="med" len="med"/>
+                      <a:tailEnd type="none" w="med" len="med"/>
+                    </a:lnB>
+                  </a:tcPr>
+                </a:tc>
+                <a:tc>
+                  <a:txBody>
+                    <a:bodyPr/>
+                    <a:lstStyle/>
+                    <a:p>
+                      <a:pPr algn="ctr" fontAlgn="ctr"/>
+                      <a:r>
+                        <a:rPr lang="en-AU" sz="1200" u="none" strike="noStrike">
+                          <a:effectLst/>
+                        </a:rPr>
+                        <a:t>66</a:t>
+                      </a:r>
+                      <a:endParaRPr lang="en-AU" sz="1200" b="0" i="0" u="none" strike="noStrike">
+                        <a:solidFill>
+                          <a:srgbClr val="000000"/>
+                        </a:solidFill>
+                        <a:effectLst/>
+                        <a:latin typeface="Calibri" panose="020F0502020204030204" pitchFamily="34" charset="0"/>
+                      </a:endParaRPr>
+                    </a:p>
+                  </a:txBody>
+                  <a:tcPr marL="9525" marR="9525" marT="9525" marB="0" anchor="ctr">
+                    <a:lnL w="12700" cap="flat" cmpd="sng" algn="ctr">
+                      <a:solidFill>
+                        <a:schemeClr val="tx1"/>
+                      </a:solidFill>
+                      <a:prstDash val="solid"/>
+                      <a:round/>
+                      <a:headEnd type="none" w="med" len="med"/>
+                      <a:tailEnd type="none" w="med" len="med"/>
+                    </a:lnL>
+                    <a:lnR w="12700" cap="flat" cmpd="sng" algn="ctr">
+                      <a:solidFill>
+                        <a:schemeClr val="tx1"/>
+                      </a:solidFill>
+                      <a:prstDash val="solid"/>
+                      <a:round/>
+                      <a:headEnd type="none" w="med" len="med"/>
+                      <a:tailEnd type="none" w="med" len="med"/>
+                    </a:lnR>
+                    <a:lnT w="12700" cap="flat" cmpd="sng" algn="ctr">
+                      <a:solidFill>
+                        <a:schemeClr val="tx1"/>
+                      </a:solidFill>
+                      <a:prstDash val="solid"/>
+                      <a:round/>
+                      <a:headEnd type="none" w="med" len="med"/>
+                      <a:tailEnd type="none" w="med" len="med"/>
+                    </a:lnT>
+                    <a:lnB w="12700" cap="flat" cmpd="sng" algn="ctr">
+                      <a:solidFill>
+                        <a:schemeClr val="tx1"/>
+                      </a:solidFill>
+                      <a:prstDash val="solid"/>
+                      <a:round/>
+                      <a:headEnd type="none" w="med" len="med"/>
+                      <a:tailEnd type="none" w="med" len="med"/>
+                    </a:lnB>
+                  </a:tcPr>
+                </a:tc>
+                <a:extLst>
+                  <a:ext uri="{0D108BD9-81ED-4DB2-BD59-A6C34878D82A}">
+                    <a16:rowId xmlns:a16="http://schemas.microsoft.com/office/drawing/2014/main" val="3818215490"/>
+                  </a:ext>
+                </a:extLst>
+              </a:tr>
+              <a:tr h="203200">
+                <a:tc>
+                  <a:txBody>
+                    <a:bodyPr/>
+                    <a:lstStyle/>
+                    <a:p>
+                      <a:pPr algn="l" fontAlgn="b"/>
+                      <a:r>
+                        <a:rPr lang="en-AU" sz="1200" u="none" strike="noStrike">
+                          <a:effectLst/>
+                        </a:rPr>
+                        <a:t>Morphette Vale</a:t>
+                      </a:r>
+                      <a:endParaRPr lang="en-AU" sz="1200" b="0" i="0" u="none" strike="noStrike">
+                        <a:solidFill>
+                          <a:srgbClr val="000000"/>
+                        </a:solidFill>
+                        <a:effectLst/>
+                        <a:latin typeface="Calibri" panose="020F0502020204030204" pitchFamily="34" charset="0"/>
+                      </a:endParaRPr>
+                    </a:p>
+                  </a:txBody>
+                  <a:tcPr marL="9525" marR="9525" marT="9525" marB="0" anchor="b">
+                    <a:lnL w="12700" cap="flat" cmpd="sng" algn="ctr">
+                      <a:solidFill>
+                        <a:schemeClr val="tx1"/>
+                      </a:solidFill>
+                      <a:prstDash val="solid"/>
+                      <a:round/>
+                      <a:headEnd type="none" w="med" len="med"/>
+                      <a:tailEnd type="none" w="med" len="med"/>
+                    </a:lnL>
+                    <a:lnR w="12700" cap="flat" cmpd="sng" algn="ctr">
+                      <a:solidFill>
+                        <a:schemeClr val="tx1"/>
+                      </a:solidFill>
+                      <a:prstDash val="solid"/>
+                      <a:round/>
+                      <a:headEnd type="none" w="med" len="med"/>
+                      <a:tailEnd type="none" w="med" len="med"/>
+                    </a:lnR>
+                    <a:lnT w="12700" cap="flat" cmpd="sng" algn="ctr">
+                      <a:solidFill>
+                        <a:schemeClr val="tx1"/>
+                      </a:solidFill>
+                      <a:prstDash val="solid"/>
+                      <a:round/>
+                      <a:headEnd type="none" w="med" len="med"/>
+                      <a:tailEnd type="none" w="med" len="med"/>
+                    </a:lnT>
+                    <a:lnB w="12700" cap="flat" cmpd="sng" algn="ctr">
+                      <a:solidFill>
+                        <a:schemeClr val="tx1"/>
+                      </a:solidFill>
+                      <a:prstDash val="solid"/>
+                      <a:round/>
+                      <a:headEnd type="none" w="med" len="med"/>
+                      <a:tailEnd type="none" w="med" len="med"/>
+                    </a:lnB>
+                  </a:tcPr>
+                </a:tc>
+                <a:tc>
+                  <a:txBody>
+                    <a:bodyPr/>
+                    <a:lstStyle/>
+                    <a:p>
+                      <a:pPr algn="ctr" fontAlgn="ctr"/>
+                      <a:r>
+                        <a:rPr lang="en-AU" sz="1200" u="none" strike="noStrike">
+                          <a:effectLst/>
+                        </a:rPr>
+                        <a:t>2</a:t>
+                      </a:r>
+                      <a:endParaRPr lang="en-AU" sz="1200" b="0" i="0" u="none" strike="noStrike">
+                        <a:solidFill>
+                          <a:srgbClr val="000000"/>
+                        </a:solidFill>
+                        <a:effectLst/>
+                        <a:latin typeface="Calibri" panose="020F0502020204030204" pitchFamily="34" charset="0"/>
+                      </a:endParaRPr>
+                    </a:p>
+                  </a:txBody>
+                  <a:tcPr marL="9525" marR="9525" marT="9525" marB="0" anchor="ctr">
+                    <a:lnL w="12700" cap="flat" cmpd="sng" algn="ctr">
+                      <a:solidFill>
+                        <a:schemeClr val="tx1"/>
+                      </a:solidFill>
+                      <a:prstDash val="solid"/>
+                      <a:round/>
+                      <a:headEnd type="none" w="med" len="med"/>
+                      <a:tailEnd type="none" w="med" len="med"/>
+                    </a:lnL>
+                    <a:lnR w="12700" cap="flat" cmpd="sng" algn="ctr">
+                      <a:solidFill>
+                        <a:schemeClr val="tx1"/>
+                      </a:solidFill>
+                      <a:prstDash val="solid"/>
+                      <a:round/>
+                      <a:headEnd type="none" w="med" len="med"/>
+                      <a:tailEnd type="none" w="med" len="med"/>
+                    </a:lnR>
+                    <a:lnT w="12700" cap="flat" cmpd="sng" algn="ctr">
+                      <a:solidFill>
+                        <a:schemeClr val="tx1"/>
+                      </a:solidFill>
+                      <a:prstDash val="solid"/>
+                      <a:round/>
+                      <a:headEnd type="none" w="med" len="med"/>
+                      <a:tailEnd type="none" w="med" len="med"/>
+                    </a:lnT>
+                    <a:lnB w="12700" cap="flat" cmpd="sng" algn="ctr">
+                      <a:solidFill>
+                        <a:schemeClr val="tx1"/>
+                      </a:solidFill>
+                      <a:prstDash val="solid"/>
+                      <a:round/>
+                      <a:headEnd type="none" w="med" len="med"/>
+                      <a:tailEnd type="none" w="med" len="med"/>
+                    </a:lnB>
+                  </a:tcPr>
+                </a:tc>
+                <a:tc>
+                  <a:txBody>
+                    <a:bodyPr/>
+                    <a:lstStyle/>
+                    <a:p>
+                      <a:pPr algn="ctr" fontAlgn="ctr"/>
+                      <a:r>
+                        <a:rPr lang="en-AU" sz="1200" u="none" strike="noStrike">
+                          <a:effectLst/>
+                        </a:rPr>
+                        <a:t>296</a:t>
+                      </a:r>
+                      <a:endParaRPr lang="en-AU" sz="1200" b="0" i="0" u="none" strike="noStrike">
+                        <a:solidFill>
+                          <a:srgbClr val="000000"/>
+                        </a:solidFill>
+                        <a:effectLst/>
+                        <a:latin typeface="Calibri" panose="020F0502020204030204" pitchFamily="34" charset="0"/>
+                      </a:endParaRPr>
+                    </a:p>
+                  </a:txBody>
+                  <a:tcPr marL="9525" marR="9525" marT="9525" marB="0" anchor="ctr">
+                    <a:lnL w="12700" cap="flat" cmpd="sng" algn="ctr">
+                      <a:solidFill>
+                        <a:schemeClr val="tx1"/>
+                      </a:solidFill>
+                      <a:prstDash val="solid"/>
+                      <a:round/>
+                      <a:headEnd type="none" w="med" len="med"/>
+                      <a:tailEnd type="none" w="med" len="med"/>
+                    </a:lnL>
+                    <a:lnR w="12700" cap="flat" cmpd="sng" algn="ctr">
+                      <a:solidFill>
+                        <a:schemeClr val="tx1"/>
+                      </a:solidFill>
+                      <a:prstDash val="solid"/>
+                      <a:round/>
+                      <a:headEnd type="none" w="med" len="med"/>
+                      <a:tailEnd type="none" w="med" len="med"/>
+                    </a:lnR>
+                    <a:lnT w="12700" cap="flat" cmpd="sng" algn="ctr">
+                      <a:solidFill>
+                        <a:schemeClr val="tx1"/>
+                      </a:solidFill>
+                      <a:prstDash val="solid"/>
+                      <a:round/>
+                      <a:headEnd type="none" w="med" len="med"/>
+                      <a:tailEnd type="none" w="med" len="med"/>
+                    </a:lnT>
+                    <a:lnB w="12700" cap="flat" cmpd="sng" algn="ctr">
+                      <a:solidFill>
+                        <a:schemeClr val="tx1"/>
+                      </a:solidFill>
+                      <a:prstDash val="solid"/>
+                      <a:round/>
+                      <a:headEnd type="none" w="med" len="med"/>
+                      <a:tailEnd type="none" w="med" len="med"/>
+                    </a:lnB>
+                  </a:tcPr>
+                </a:tc>
+                <a:extLst>
+                  <a:ext uri="{0D108BD9-81ED-4DB2-BD59-A6C34878D82A}">
+                    <a16:rowId xmlns:a16="http://schemas.microsoft.com/office/drawing/2014/main" val="1898148033"/>
+                  </a:ext>
+                </a:extLst>
+              </a:tr>
+              <a:tr h="203200">
+                <a:tc>
+                  <a:txBody>
+                    <a:bodyPr/>
+                    <a:lstStyle/>
+                    <a:p>
+                      <a:pPr algn="l" fontAlgn="b"/>
+                      <a:r>
+                        <a:rPr lang="en-AU" sz="1200" u="none" strike="noStrike">
+                          <a:effectLst/>
+                        </a:rPr>
+                        <a:t>Port Lincoln</a:t>
+                      </a:r>
+                      <a:endParaRPr lang="en-AU" sz="1200" b="0" i="0" u="none" strike="noStrike">
+                        <a:solidFill>
+                          <a:srgbClr val="000000"/>
+                        </a:solidFill>
+                        <a:effectLst/>
+                        <a:latin typeface="Calibri" panose="020F0502020204030204" pitchFamily="34" charset="0"/>
+                      </a:endParaRPr>
+                    </a:p>
+                  </a:txBody>
+                  <a:tcPr marL="9525" marR="9525" marT="9525" marB="0" anchor="b">
+                    <a:lnL w="12700" cap="flat" cmpd="sng" algn="ctr">
+                      <a:solidFill>
+                        <a:schemeClr val="tx1"/>
+                      </a:solidFill>
+                      <a:prstDash val="solid"/>
+                      <a:round/>
+                      <a:headEnd type="none" w="med" len="med"/>
+                      <a:tailEnd type="none" w="med" len="med"/>
+                    </a:lnL>
+                    <a:lnR w="12700" cap="flat" cmpd="sng" algn="ctr">
+                      <a:solidFill>
+                        <a:schemeClr val="tx1"/>
+                      </a:solidFill>
+                      <a:prstDash val="solid"/>
+                      <a:round/>
+                      <a:headEnd type="none" w="med" len="med"/>
+                      <a:tailEnd type="none" w="med" len="med"/>
+                    </a:lnR>
+                    <a:lnT w="12700" cap="flat" cmpd="sng" algn="ctr">
+                      <a:solidFill>
+                        <a:schemeClr val="tx1"/>
+                      </a:solidFill>
+                      <a:prstDash val="solid"/>
+                      <a:round/>
+                      <a:headEnd type="none" w="med" len="med"/>
+                      <a:tailEnd type="none" w="med" len="med"/>
+                    </a:lnT>
+                    <a:lnB w="12700" cap="flat" cmpd="sng" algn="ctr">
+                      <a:solidFill>
+                        <a:schemeClr val="tx1"/>
+                      </a:solidFill>
+                      <a:prstDash val="solid"/>
+                      <a:round/>
+                      <a:headEnd type="none" w="med" len="med"/>
+                      <a:tailEnd type="none" w="med" len="med"/>
+                    </a:lnB>
+                  </a:tcPr>
+                </a:tc>
+                <a:tc>
+                  <a:txBody>
+                    <a:bodyPr/>
+                    <a:lstStyle/>
+                    <a:p>
+                      <a:pPr algn="ctr" fontAlgn="ctr"/>
+                      <a:r>
+                        <a:rPr lang="en-AU" sz="1200" u="none" strike="noStrike">
+                          <a:effectLst/>
+                        </a:rPr>
+                        <a:t>3</a:t>
+                      </a:r>
+                      <a:endParaRPr lang="en-AU" sz="1200" b="0" i="0" u="none" strike="noStrike">
+                        <a:solidFill>
+                          <a:srgbClr val="000000"/>
+                        </a:solidFill>
+                        <a:effectLst/>
+                        <a:latin typeface="Calibri" panose="020F0502020204030204" pitchFamily="34" charset="0"/>
+                      </a:endParaRPr>
+                    </a:p>
+                  </a:txBody>
+                  <a:tcPr marL="9525" marR="9525" marT="9525" marB="0" anchor="ctr">
+                    <a:lnL w="12700" cap="flat" cmpd="sng" algn="ctr">
+                      <a:solidFill>
+                        <a:schemeClr val="tx1"/>
+                      </a:solidFill>
+                      <a:prstDash val="solid"/>
+                      <a:round/>
+                      <a:headEnd type="none" w="med" len="med"/>
+                      <a:tailEnd type="none" w="med" len="med"/>
+                    </a:lnL>
+                    <a:lnR w="12700" cap="flat" cmpd="sng" algn="ctr">
+                      <a:solidFill>
+                        <a:schemeClr val="tx1"/>
+                      </a:solidFill>
+                      <a:prstDash val="solid"/>
+                      <a:round/>
+                      <a:headEnd type="none" w="med" len="med"/>
+                      <a:tailEnd type="none" w="med" len="med"/>
+                    </a:lnR>
+                    <a:lnT w="12700" cap="flat" cmpd="sng" algn="ctr">
+                      <a:solidFill>
+                        <a:schemeClr val="tx1"/>
+                      </a:solidFill>
+                      <a:prstDash val="solid"/>
+                      <a:round/>
+                      <a:headEnd type="none" w="med" len="med"/>
+                      <a:tailEnd type="none" w="med" len="med"/>
+                    </a:lnT>
+                    <a:lnB w="12700" cap="flat" cmpd="sng" algn="ctr">
+                      <a:solidFill>
+                        <a:schemeClr val="tx1"/>
+                      </a:solidFill>
+                      <a:prstDash val="solid"/>
+                      <a:round/>
+                      <a:headEnd type="none" w="med" len="med"/>
+                      <a:tailEnd type="none" w="med" len="med"/>
+                    </a:lnB>
+                  </a:tcPr>
+                </a:tc>
+                <a:tc>
+                  <a:txBody>
+                    <a:bodyPr/>
+                    <a:lstStyle/>
+                    <a:p>
+                      <a:pPr algn="ctr" fontAlgn="ctr"/>
+                      <a:r>
+                        <a:rPr lang="en-AU" sz="1200" u="none" strike="noStrike">
+                          <a:effectLst/>
+                        </a:rPr>
+                        <a:t>293</a:t>
+                      </a:r>
+                      <a:endParaRPr lang="en-AU" sz="1200" b="0" i="0" u="none" strike="noStrike">
+                        <a:solidFill>
+                          <a:srgbClr val="000000"/>
+                        </a:solidFill>
+                        <a:effectLst/>
+                        <a:latin typeface="Calibri" panose="020F0502020204030204" pitchFamily="34" charset="0"/>
+                      </a:endParaRPr>
+                    </a:p>
+                  </a:txBody>
+                  <a:tcPr marL="9525" marR="9525" marT="9525" marB="0" anchor="ctr">
+                    <a:lnL w="12700" cap="flat" cmpd="sng" algn="ctr">
+                      <a:solidFill>
+                        <a:schemeClr val="tx1"/>
+                      </a:solidFill>
+                      <a:prstDash val="solid"/>
+                      <a:round/>
+                      <a:headEnd type="none" w="med" len="med"/>
+                      <a:tailEnd type="none" w="med" len="med"/>
+                    </a:lnL>
+                    <a:lnR w="12700" cap="flat" cmpd="sng" algn="ctr">
+                      <a:solidFill>
+                        <a:schemeClr val="tx1"/>
+                      </a:solidFill>
+                      <a:prstDash val="solid"/>
+                      <a:round/>
+                      <a:headEnd type="none" w="med" len="med"/>
+                      <a:tailEnd type="none" w="med" len="med"/>
+                    </a:lnR>
+                    <a:lnT w="12700" cap="flat" cmpd="sng" algn="ctr">
+                      <a:solidFill>
+                        <a:schemeClr val="tx1"/>
+                      </a:solidFill>
+                      <a:prstDash val="solid"/>
+                      <a:round/>
+                      <a:headEnd type="none" w="med" len="med"/>
+                      <a:tailEnd type="none" w="med" len="med"/>
+                    </a:lnT>
+                    <a:lnB w="12700" cap="flat" cmpd="sng" algn="ctr">
+                      <a:solidFill>
+                        <a:schemeClr val="tx1"/>
+                      </a:solidFill>
+                      <a:prstDash val="solid"/>
+                      <a:round/>
+                      <a:headEnd type="none" w="med" len="med"/>
+                      <a:tailEnd type="none" w="med" len="med"/>
+                    </a:lnB>
+                  </a:tcPr>
+                </a:tc>
+                <a:extLst>
+                  <a:ext uri="{0D108BD9-81ED-4DB2-BD59-A6C34878D82A}">
+                    <a16:rowId xmlns:a16="http://schemas.microsoft.com/office/drawing/2014/main" val="2957775750"/>
+                  </a:ext>
+                </a:extLst>
+              </a:tr>
+              <a:tr h="203200">
+                <a:tc gridSpan="3">
+                  <a:txBody>
+                    <a:bodyPr/>
+                    <a:lstStyle/>
+                    <a:p>
+                      <a:pPr algn="l" fontAlgn="b"/>
+                      <a:r>
+                        <a:rPr lang="en-AU" sz="1200" u="none" strike="noStrike" dirty="0">
+                          <a:effectLst/>
+                        </a:rPr>
+                        <a:t>*Total Suburbs = 325</a:t>
+                      </a:r>
+                      <a:endParaRPr lang="en-AU" sz="1200" b="0" i="1" u="none" strike="noStrike" dirty="0">
+                        <a:solidFill>
+                          <a:srgbClr val="000000"/>
+                        </a:solidFill>
+                        <a:effectLst/>
+                        <a:latin typeface="Calibri" panose="020F0502020204030204" pitchFamily="34" charset="0"/>
+                      </a:endParaRPr>
+                    </a:p>
+                  </a:txBody>
+                  <a:tcPr marL="9525" marR="9525" marT="9525" marB="0" anchor="b">
+                    <a:lnL w="12700" cap="flat" cmpd="sng" algn="ctr">
+                      <a:solidFill>
+                        <a:schemeClr val="tx1"/>
+                      </a:solidFill>
+                      <a:prstDash val="solid"/>
+                      <a:round/>
+                      <a:headEnd type="none" w="med" len="med"/>
+                      <a:tailEnd type="none" w="med" len="med"/>
+                    </a:lnL>
+                    <a:lnR w="12700" cap="flat" cmpd="sng" algn="ctr">
+                      <a:solidFill>
+                        <a:schemeClr val="tx1"/>
+                      </a:solidFill>
+                      <a:prstDash val="solid"/>
+                      <a:round/>
+                      <a:headEnd type="none" w="med" len="med"/>
+                      <a:tailEnd type="none" w="med" len="med"/>
+                    </a:lnR>
+                    <a:lnT w="12700" cap="flat" cmpd="sng" algn="ctr">
+                      <a:solidFill>
+                        <a:schemeClr val="tx1"/>
+                      </a:solidFill>
+                      <a:prstDash val="solid"/>
+                      <a:round/>
+                      <a:headEnd type="none" w="med" len="med"/>
+                      <a:tailEnd type="none" w="med" len="med"/>
+                    </a:lnT>
+                    <a:lnB w="12700" cap="flat" cmpd="sng" algn="ctr">
+                      <a:solidFill>
+                        <a:schemeClr val="tx1"/>
+                      </a:solidFill>
+                      <a:prstDash val="solid"/>
+                      <a:round/>
+                      <a:headEnd type="none" w="med" len="med"/>
+                      <a:tailEnd type="none" w="med" len="med"/>
+                    </a:lnB>
+                  </a:tcPr>
+                </a:tc>
+                <a:tc hMerge="1">
+                  <a:txBody>
+                    <a:bodyPr/>
+                    <a:lstStyle/>
+                    <a:p>
+                      <a:endParaRPr lang="en-US"/>
+                    </a:p>
+                  </a:txBody>
+                  <a:tcPr/>
+                </a:tc>
+                <a:tc hMerge="1">
+                  <a:txBody>
+                    <a:bodyPr/>
+                    <a:lstStyle/>
+                    <a:p>
+                      <a:endParaRPr lang="en-US"/>
+                    </a:p>
+                  </a:txBody>
+                  <a:tcPr/>
+                </a:tc>
+                <a:extLst>
+                  <a:ext uri="{0D108BD9-81ED-4DB2-BD59-A6C34878D82A}">
+                    <a16:rowId xmlns:a16="http://schemas.microsoft.com/office/drawing/2014/main" val="4214924431"/>
+                  </a:ext>
+                </a:extLst>
+              </a:tr>
+            </a:tbl>
+          </a:graphicData>
+        </a:graphic>
+      </p:graphicFrame>
     </p:spTree>
     <p:extLst>
       <p:ext uri="{BB962C8B-B14F-4D97-AF65-F5344CB8AC3E}">
-        <p14:creationId xmlns:p14="http://schemas.microsoft.com/office/powerpoint/2010/main" val="3150616333"/>
+        <p14:creationId xmlns:p14="http://schemas.microsoft.com/office/powerpoint/2010/main" val="1804729159"/>
       </p:ext>
     </p:extLst>
   </p:cSld>

--- a/Project 1 Presentation.pptx
+++ b/Project 1 Presentation.pptx
@@ -5,7 +5,7 @@
     <p:sldMasterId id="2147483713" r:id="rId1"/>
   </p:sldMasterIdLst>
   <p:notesMasterIdLst>
-    <p:notesMasterId r:id="rId20"/>
+    <p:notesMasterId r:id="rId19"/>
   </p:notesMasterIdLst>
   <p:sldIdLst>
     <p:sldId id="256" r:id="rId2"/>
@@ -13,19 +13,18 @@
     <p:sldId id="281" r:id="rId4"/>
     <p:sldId id="282" r:id="rId5"/>
     <p:sldId id="267" r:id="rId6"/>
-    <p:sldId id="283" r:id="rId7"/>
-    <p:sldId id="277" r:id="rId8"/>
-    <p:sldId id="278" r:id="rId9"/>
-    <p:sldId id="279" r:id="rId10"/>
-    <p:sldId id="284" r:id="rId11"/>
-    <p:sldId id="285" r:id="rId12"/>
-    <p:sldId id="286" r:id="rId13"/>
-    <p:sldId id="275" r:id="rId14"/>
-    <p:sldId id="276" r:id="rId15"/>
-    <p:sldId id="287" r:id="rId16"/>
-    <p:sldId id="263" r:id="rId17"/>
-    <p:sldId id="264" r:id="rId18"/>
-    <p:sldId id="265" r:id="rId19"/>
+    <p:sldId id="277" r:id="rId7"/>
+    <p:sldId id="278" r:id="rId8"/>
+    <p:sldId id="279" r:id="rId9"/>
+    <p:sldId id="284" r:id="rId10"/>
+    <p:sldId id="285" r:id="rId11"/>
+    <p:sldId id="286" r:id="rId12"/>
+    <p:sldId id="275" r:id="rId13"/>
+    <p:sldId id="276" r:id="rId14"/>
+    <p:sldId id="287" r:id="rId15"/>
+    <p:sldId id="263" r:id="rId16"/>
+    <p:sldId id="264" r:id="rId17"/>
+    <p:sldId id="265" r:id="rId18"/>
   </p:sldIdLst>
   <p:sldSz cx="12192000" cy="6858000"/>
   <p:notesSz cx="6858000" cy="9144000"/>
@@ -617,43 +616,18 @@
           <a:lstStyle/>
           <a:p>
             <a:r>
-              <a:rPr lang="en-AU" dirty="0">
-                <a:solidFill>
-                  <a:srgbClr val="FF0000"/>
-                </a:solidFill>
-              </a:rPr>
+              <a:rPr lang="en-AU" dirty="0"/>
               <a:t>Miki</a:t>
             </a:r>
           </a:p>
           <a:p>
-            <a:endParaRPr lang="en-AU" dirty="0">
-              <a:solidFill>
-                <a:srgbClr val="FF0000"/>
-              </a:solidFill>
-            </a:endParaRPr>
-          </a:p>
-          <a:p>
-            <a:r>
-              <a:rPr lang="en-AU" dirty="0">
-                <a:solidFill>
-                  <a:srgbClr val="FF0000"/>
-                </a:solidFill>
-              </a:rPr>
-              <a:t>Insert graphs</a:t>
-            </a:r>
-          </a:p>
-          <a:p>
-            <a:r>
-              <a:rPr lang="en-AU" dirty="0">
-                <a:solidFill>
-                  <a:srgbClr val="FF0000"/>
-                </a:solidFill>
-              </a:rPr>
-              <a:t>Insert insights – list suburbs that are in the top 10 over the past five financial years</a:t>
-            </a:r>
-          </a:p>
-          <a:p>
             <a:endParaRPr lang="en-AU" dirty="0"/>
+          </a:p>
+          <a:p>
+            <a:r>
+              <a:rPr lang="en-AU" dirty="0"/>
+              <a:t>Missing 2016 -2017 chart</a:t>
+            </a:r>
           </a:p>
         </p:txBody>
       </p:sp>
@@ -683,7 +657,7 @@
     </p:spTree>
     <p:extLst>
       <p:ext uri="{BB962C8B-B14F-4D97-AF65-F5344CB8AC3E}">
-        <p14:creationId xmlns:p14="http://schemas.microsoft.com/office/powerpoint/2010/main" val="4101713849"/>
+        <p14:creationId xmlns:p14="http://schemas.microsoft.com/office/powerpoint/2010/main" val="1461187036"/>
       </p:ext>
     </p:extLst>
   </p:cSld>
@@ -738,17 +712,8 @@
           <a:lstStyle/>
           <a:p>
             <a:r>
-              <a:rPr lang="en-AU" dirty="0"/>
+              <a:rPr lang="en-US" dirty="0"/>
               <a:t>Miki</a:t>
-            </a:r>
-          </a:p>
-          <a:p>
-            <a:endParaRPr lang="en-AU" dirty="0"/>
-          </a:p>
-          <a:p>
-            <a:r>
-              <a:rPr lang="en-AU" dirty="0"/>
-              <a:t>Missing 2016 -2017 chart</a:t>
             </a:r>
           </a:p>
         </p:txBody>
@@ -779,7 +744,7 @@
     </p:spTree>
     <p:extLst>
       <p:ext uri="{BB962C8B-B14F-4D97-AF65-F5344CB8AC3E}">
-        <p14:creationId xmlns:p14="http://schemas.microsoft.com/office/powerpoint/2010/main" val="1461187036"/>
+        <p14:creationId xmlns:p14="http://schemas.microsoft.com/office/powerpoint/2010/main" val="1575001064"/>
       </p:ext>
     </p:extLst>
   </p:cSld>
@@ -866,7 +831,7 @@
     </p:spTree>
     <p:extLst>
       <p:ext uri="{BB962C8B-B14F-4D97-AF65-F5344CB8AC3E}">
-        <p14:creationId xmlns:p14="http://schemas.microsoft.com/office/powerpoint/2010/main" val="1575001064"/>
+        <p14:creationId xmlns:p14="http://schemas.microsoft.com/office/powerpoint/2010/main" val="3934458469"/>
       </p:ext>
     </p:extLst>
   </p:cSld>
@@ -922,8 +887,11 @@
           <a:p>
             <a:r>
               <a:rPr lang="en-US" dirty="0"/>
-              <a:t>Miki</a:t>
-            </a:r>
+              <a:t>Nick</a:t>
+            </a:r>
+          </a:p>
+          <a:p>
+            <a:endParaRPr lang="en-US" dirty="0"/>
           </a:p>
         </p:txBody>
       </p:sp>
@@ -953,7 +921,7 @@
     </p:spTree>
     <p:extLst>
       <p:ext uri="{BB962C8B-B14F-4D97-AF65-F5344CB8AC3E}">
-        <p14:creationId xmlns:p14="http://schemas.microsoft.com/office/powerpoint/2010/main" val="3934458469"/>
+        <p14:creationId xmlns:p14="http://schemas.microsoft.com/office/powerpoint/2010/main" val="336626188"/>
       </p:ext>
     </p:extLst>
   </p:cSld>
@@ -1008,12 +976,19 @@
           <a:lstStyle/>
           <a:p>
             <a:r>
-              <a:rPr lang="en-US" dirty="0"/>
-              <a:t>Nick</a:t>
-            </a:r>
-          </a:p>
-          <a:p>
-            <a:endParaRPr lang="en-US" dirty="0"/>
+              <a:rPr lang="en-US" dirty="0" err="1"/>
+              <a:t>Presit</a:t>
+            </a:r>
+            <a:r>
+              <a:rPr lang="en-US" dirty="0"/>
+              <a:t> – Challenges </a:t>
+            </a:r>
+          </a:p>
+          <a:p>
+            <a:r>
+              <a:rPr lang="en-US" dirty="0"/>
+              <a:t>Nick – Additional project time</a:t>
+            </a:r>
           </a:p>
         </p:txBody>
       </p:sp>
@@ -1043,7 +1018,7 @@
     </p:spTree>
     <p:extLst>
       <p:ext uri="{BB962C8B-B14F-4D97-AF65-F5344CB8AC3E}">
-        <p14:creationId xmlns:p14="http://schemas.microsoft.com/office/powerpoint/2010/main" val="336626188"/>
+        <p14:creationId xmlns:p14="http://schemas.microsoft.com/office/powerpoint/2010/main" val="2023778032"/>
       </p:ext>
     </p:extLst>
   </p:cSld>
@@ -1097,20 +1072,7 @@
           <a:bodyPr/>
           <a:lstStyle/>
           <a:p>
-            <a:r>
-              <a:rPr lang="en-US" dirty="0" err="1"/>
-              <a:t>Presit</a:t>
-            </a:r>
-            <a:r>
-              <a:rPr lang="en-US" dirty="0"/>
-              <a:t> – Challenges </a:t>
-            </a:r>
-          </a:p>
-          <a:p>
-            <a:r>
-              <a:rPr lang="en-US" dirty="0"/>
-              <a:t>Nick – Additional project time</a:t>
-            </a:r>
+            <a:endParaRPr lang="en-AU"/>
           </a:p>
         </p:txBody>
       </p:sp>
@@ -1132,90 +1094,6 @@
             <a:fld id="{4F2AAB9E-B1B6-7347-AEB9-3DE8A4E8C48F}" type="slidenum">
               <a:rPr lang="en-US" smtClean="0"/>
               <a:t>15</a:t>
-            </a:fld>
-            <a:endParaRPr lang="en-US"/>
-          </a:p>
-        </p:txBody>
-      </p:sp>
-    </p:spTree>
-    <p:extLst>
-      <p:ext uri="{BB962C8B-B14F-4D97-AF65-F5344CB8AC3E}">
-        <p14:creationId xmlns:p14="http://schemas.microsoft.com/office/powerpoint/2010/main" val="2023778032"/>
-      </p:ext>
-    </p:extLst>
-  </p:cSld>
-  <p:clrMapOvr>
-    <a:masterClrMapping/>
-  </p:clrMapOvr>
-</p:notes>
-</file>
-
-<file path=ppt/notesSlides/notesSlide16.xml><?xml version="1.0" encoding="utf-8"?>
-<p:notes xmlns:a="http://schemas.openxmlformats.org/drawingml/2006/main" xmlns:r="http://schemas.openxmlformats.org/officeDocument/2006/relationships" xmlns:p="http://schemas.openxmlformats.org/presentationml/2006/main">
-  <p:cSld>
-    <p:spTree>
-      <p:nvGrpSpPr>
-        <p:cNvPr id="1" name=""/>
-        <p:cNvGrpSpPr/>
-        <p:nvPr/>
-      </p:nvGrpSpPr>
-      <p:grpSpPr>
-        <a:xfrm>
-          <a:off x="0" y="0"/>
-          <a:ext cx="0" cy="0"/>
-          <a:chOff x="0" y="0"/>
-          <a:chExt cx="0" cy="0"/>
-        </a:xfrm>
-      </p:grpSpPr>
-      <p:sp>
-        <p:nvSpPr>
-          <p:cNvPr id="2" name="Slide Image Placeholder 1"/>
-          <p:cNvSpPr>
-            <a:spLocks noGrp="1" noRot="1" noChangeAspect="1"/>
-          </p:cNvSpPr>
-          <p:nvPr>
-            <p:ph type="sldImg"/>
-          </p:nvPr>
-        </p:nvSpPr>
-        <p:spPr/>
-      </p:sp>
-      <p:sp>
-        <p:nvSpPr>
-          <p:cNvPr id="3" name="Notes Placeholder 2"/>
-          <p:cNvSpPr>
-            <a:spLocks noGrp="1"/>
-          </p:cNvSpPr>
-          <p:nvPr>
-            <p:ph type="body" idx="1"/>
-          </p:nvPr>
-        </p:nvSpPr>
-        <p:spPr/>
-        <p:txBody>
-          <a:bodyPr/>
-          <a:lstStyle/>
-          <a:p>
-            <a:endParaRPr lang="en-AU"/>
-          </a:p>
-        </p:txBody>
-      </p:sp>
-      <p:sp>
-        <p:nvSpPr>
-          <p:cNvPr id="4" name="Slide Number Placeholder 3"/>
-          <p:cNvSpPr>
-            <a:spLocks noGrp="1"/>
-          </p:cNvSpPr>
-          <p:nvPr>
-            <p:ph type="sldNum" sz="quarter" idx="5"/>
-          </p:nvPr>
-        </p:nvSpPr>
-        <p:spPr/>
-        <p:txBody>
-          <a:bodyPr/>
-          <a:lstStyle/>
-          <a:p>
-            <a:fld id="{4F2AAB9E-B1B6-7347-AEB9-3DE8A4E8C48F}" type="slidenum">
-              <a:rPr lang="en-US" smtClean="0"/>
-              <a:t>16</a:t>
             </a:fld>
             <a:endParaRPr lang="en-US"/>
           </a:p>
@@ -2432,90 +2310,96 @@
           <a:bodyPr/>
           <a:lstStyle/>
           <a:p>
-            <a:pPr marL="0" marR="0" lvl="0" indent="0" algn="l" defTabSz="914400" rtl="0" eaLnBrk="1" fontAlgn="auto" latinLnBrk="0" hangingPunct="1">
-              <a:lnSpc>
-                <a:spcPct val="100000"/>
-              </a:lnSpc>
-              <a:spcBef>
-                <a:spcPts val="0"/>
-              </a:spcBef>
-              <a:spcAft>
-                <a:spcPts val="0"/>
-              </a:spcAft>
-              <a:buClrTx/>
-              <a:buSzTx/>
-              <a:buFontTx/>
-              <a:buNone/>
-              <a:tabLst/>
-              <a:defRPr/>
-            </a:pPr>
-            <a:r>
-              <a:rPr lang="en-US" dirty="0"/>
-              <a:t>One excel document per quarter, a lot of data to merge</a:t>
-            </a:r>
-          </a:p>
-          <a:p>
-            <a:pPr marL="0" marR="0" lvl="0" indent="0" algn="l" defTabSz="914400" rtl="0" eaLnBrk="1" fontAlgn="auto" latinLnBrk="0" hangingPunct="1">
-              <a:lnSpc>
-                <a:spcPct val="100000"/>
-              </a:lnSpc>
-              <a:spcBef>
-                <a:spcPts val="0"/>
-              </a:spcBef>
-              <a:spcAft>
-                <a:spcPts val="0"/>
-              </a:spcAft>
-              <a:buClrTx/>
-              <a:buSzTx/>
-              <a:buFontTx/>
-              <a:buNone/>
-              <a:tabLst/>
-              <a:defRPr/>
-            </a:pPr>
-            <a:r>
-              <a:rPr lang="en-US" dirty="0"/>
-              <a:t>Lots of </a:t>
-            </a:r>
-            <a:r>
-              <a:rPr lang="en-US" dirty="0" err="1"/>
-              <a:t>NaN</a:t>
-            </a:r>
-            <a:r>
-              <a:rPr lang="en-US" dirty="0"/>
-              <a:t> in the combining of the data due to quarterly data – Median</a:t>
-            </a:r>
-          </a:p>
-          <a:p>
-            <a:pPr marL="0" marR="0" lvl="0" indent="0" algn="l" defTabSz="914400" rtl="0" eaLnBrk="1" fontAlgn="auto" latinLnBrk="0" hangingPunct="1">
-              <a:lnSpc>
-                <a:spcPct val="100000"/>
-              </a:lnSpc>
-              <a:spcBef>
-                <a:spcPts val="0"/>
-              </a:spcBef>
-              <a:spcAft>
-                <a:spcPts val="0"/>
-              </a:spcAft>
-              <a:buClrTx/>
-              <a:buSzTx/>
-              <a:buFontTx/>
-              <a:buNone/>
-              <a:tabLst/>
-              <a:defRPr/>
-            </a:pPr>
-            <a:r>
-              <a:rPr lang="en-US" dirty="0"/>
-              <a:t>Finding the best way to merge data</a:t>
-            </a:r>
-          </a:p>
-          <a:p>
-            <a:endParaRPr lang="en-US" dirty="0"/>
-          </a:p>
-          <a:p>
-            <a:r>
-              <a:rPr lang="en-US" dirty="0"/>
-              <a:t>All Nan were dropped</a:t>
-            </a:r>
+            <a:r>
+              <a:rPr lang="en-AU" dirty="0"/>
+              <a:t>Annabel</a:t>
+            </a:r>
+          </a:p>
+          <a:p>
+            <a:endParaRPr lang="en-AU" dirty="0"/>
+          </a:p>
+          <a:p>
+            <a:r>
+              <a:rPr lang="en-AU" dirty="0"/>
+              <a:t>Adelaide (#1 for the whole time)</a:t>
+            </a:r>
+          </a:p>
+          <a:p>
+            <a:r>
+              <a:rPr lang="en-AU" dirty="0"/>
+              <a:t>Port Augusta (decrease over period)</a:t>
+            </a:r>
+          </a:p>
+          <a:p>
+            <a:r>
+              <a:rPr lang="en-AU" dirty="0"/>
+              <a:t>Morphett Vale (consistent)</a:t>
+            </a:r>
+          </a:p>
+          <a:p>
+            <a:r>
+              <a:rPr lang="en-AU" dirty="0"/>
+              <a:t>Mount Gambier (consistent)</a:t>
+            </a:r>
+          </a:p>
+          <a:p>
+            <a:r>
+              <a:rPr lang="en-AU" dirty="0"/>
+              <a:t>Port Lincoln (increased in last 2 years)</a:t>
+            </a:r>
+          </a:p>
+          <a:p>
+            <a:r>
+              <a:rPr lang="en-AU" dirty="0" err="1"/>
+              <a:t>Salsibury</a:t>
+            </a:r>
+            <a:r>
+              <a:rPr lang="en-AU" dirty="0"/>
+              <a:t> (consistent)</a:t>
+            </a:r>
+          </a:p>
+          <a:p>
+            <a:r>
+              <a:rPr lang="en-AU" dirty="0"/>
+              <a:t>Murray Bridge (decreased after three years at #3)</a:t>
+            </a:r>
+          </a:p>
+          <a:p>
+            <a:r>
+              <a:rPr lang="en-AU" dirty="0" err="1"/>
+              <a:t>Davoren</a:t>
+            </a:r>
+            <a:r>
+              <a:rPr lang="en-AU" dirty="0"/>
+              <a:t> Park (only in first three years)</a:t>
+            </a:r>
+          </a:p>
+          <a:p>
+            <a:r>
+              <a:rPr lang="en-AU" dirty="0"/>
+              <a:t>Mawson Lakes (consistent)</a:t>
+            </a:r>
+          </a:p>
+          <a:p>
+            <a:r>
+              <a:rPr lang="en-AU" dirty="0"/>
+              <a:t>Parafield Gardens (consistently low)</a:t>
+            </a:r>
+          </a:p>
+          <a:p>
+            <a:r>
+              <a:rPr lang="en-AU" dirty="0"/>
+              <a:t>Whyalla Norrie (only appears twice)</a:t>
+            </a:r>
+          </a:p>
+          <a:p>
+            <a:r>
+              <a:rPr lang="en-AU" dirty="0"/>
+              <a:t>Prospect (only appears once)</a:t>
+            </a:r>
+          </a:p>
+          <a:p>
+            <a:endParaRPr lang="en-AU" dirty="0"/>
           </a:p>
         </p:txBody>
       </p:sp>
@@ -2545,7 +2429,7 @@
     </p:spTree>
     <p:extLst>
       <p:ext uri="{BB962C8B-B14F-4D97-AF65-F5344CB8AC3E}">
-        <p14:creationId xmlns:p14="http://schemas.microsoft.com/office/powerpoint/2010/main" val="3796125349"/>
+        <p14:creationId xmlns:p14="http://schemas.microsoft.com/office/powerpoint/2010/main" val="3627595690"/>
       </p:ext>
     </p:extLst>
   </p:cSld>
@@ -2600,95 +2484,9 @@
           <a:lstStyle/>
           <a:p>
             <a:r>
-              <a:rPr lang="en-AU" dirty="0"/>
+              <a:rPr lang="en-US" dirty="0"/>
               <a:t>Annabel</a:t>
             </a:r>
-          </a:p>
-          <a:p>
-            <a:endParaRPr lang="en-AU" dirty="0"/>
-          </a:p>
-          <a:p>
-            <a:r>
-              <a:rPr lang="en-AU" dirty="0"/>
-              <a:t>Adelaide (#1 for the whole time)</a:t>
-            </a:r>
-          </a:p>
-          <a:p>
-            <a:r>
-              <a:rPr lang="en-AU" dirty="0"/>
-              <a:t>Port Augusta (decrease over period)</a:t>
-            </a:r>
-          </a:p>
-          <a:p>
-            <a:r>
-              <a:rPr lang="en-AU" dirty="0"/>
-              <a:t>Morphett Vale (consistent)</a:t>
-            </a:r>
-          </a:p>
-          <a:p>
-            <a:r>
-              <a:rPr lang="en-AU" dirty="0"/>
-              <a:t>Mount Gambier (consistent)</a:t>
-            </a:r>
-          </a:p>
-          <a:p>
-            <a:r>
-              <a:rPr lang="en-AU" dirty="0"/>
-              <a:t>Port Lincoln (increased in last 2 years)</a:t>
-            </a:r>
-          </a:p>
-          <a:p>
-            <a:r>
-              <a:rPr lang="en-AU" dirty="0" err="1"/>
-              <a:t>Salsibury</a:t>
-            </a:r>
-            <a:r>
-              <a:rPr lang="en-AU" dirty="0"/>
-              <a:t> (consistent)</a:t>
-            </a:r>
-          </a:p>
-          <a:p>
-            <a:r>
-              <a:rPr lang="en-AU" dirty="0"/>
-              <a:t>Murray Bridge (decreased after three years at #3)</a:t>
-            </a:r>
-          </a:p>
-          <a:p>
-            <a:r>
-              <a:rPr lang="en-AU" dirty="0" err="1"/>
-              <a:t>Davoren</a:t>
-            </a:r>
-            <a:r>
-              <a:rPr lang="en-AU" dirty="0"/>
-              <a:t> Park (only in first three years)</a:t>
-            </a:r>
-          </a:p>
-          <a:p>
-            <a:r>
-              <a:rPr lang="en-AU" dirty="0"/>
-              <a:t>Mawson Lakes (consistent)</a:t>
-            </a:r>
-          </a:p>
-          <a:p>
-            <a:r>
-              <a:rPr lang="en-AU" dirty="0"/>
-              <a:t>Parafield Gardens (consistently low)</a:t>
-            </a:r>
-          </a:p>
-          <a:p>
-            <a:r>
-              <a:rPr lang="en-AU" dirty="0"/>
-              <a:t>Whyalla Norrie (only appears twice)</a:t>
-            </a:r>
-          </a:p>
-          <a:p>
-            <a:r>
-              <a:rPr lang="en-AU" dirty="0"/>
-              <a:t>Prospect (only appears once)</a:t>
-            </a:r>
-          </a:p>
-          <a:p>
-            <a:endParaRPr lang="en-AU" dirty="0"/>
           </a:p>
         </p:txBody>
       </p:sp>
@@ -2718,7 +2516,7 @@
     </p:spTree>
     <p:extLst>
       <p:ext uri="{BB962C8B-B14F-4D97-AF65-F5344CB8AC3E}">
-        <p14:creationId xmlns:p14="http://schemas.microsoft.com/office/powerpoint/2010/main" val="3627595690"/>
+        <p14:creationId xmlns:p14="http://schemas.microsoft.com/office/powerpoint/2010/main" val="577759006"/>
       </p:ext>
     </p:extLst>
   </p:cSld>
@@ -2777,6 +2575,144 @@
               <a:t>Annabel</a:t>
             </a:r>
           </a:p>
+          <a:p>
+            <a:endParaRPr lang="en-US" dirty="0"/>
+          </a:p>
+          <a:p>
+            <a:r>
+              <a:rPr lang="en-US" dirty="0"/>
+              <a:t>In this bar chart, 8 of these suburbs remain in the Top 10 Crime Count suburbs over the past 5 years. (</a:t>
+            </a:r>
+            <a:r>
+              <a:rPr lang="en-US" dirty="0" err="1"/>
+              <a:t>ie</a:t>
+            </a:r>
+            <a:r>
+              <a:rPr lang="en-US" dirty="0"/>
+              <a:t>. The Top 8 in 2019-2020 existed in the top 10 for the past 5 financial years)</a:t>
+            </a:r>
+          </a:p>
+          <a:p>
+            <a:pPr marL="228600" indent="-228600">
+              <a:buAutoNum type="arabicParenR"/>
+            </a:pPr>
+            <a:r>
+              <a:rPr lang="en-US" dirty="0"/>
+              <a:t>Adelaide</a:t>
+            </a:r>
+          </a:p>
+          <a:p>
+            <a:pPr marL="228600" indent="-228600">
+              <a:buAutoNum type="arabicParenR"/>
+            </a:pPr>
+            <a:r>
+              <a:rPr lang="en-US" dirty="0" err="1"/>
+              <a:t>Morphette</a:t>
+            </a:r>
+            <a:r>
+              <a:rPr lang="en-US" dirty="0"/>
+              <a:t> Vale</a:t>
+            </a:r>
+          </a:p>
+          <a:p>
+            <a:pPr marL="228600" indent="-228600">
+              <a:buAutoNum type="arabicParenR"/>
+            </a:pPr>
+            <a:r>
+              <a:rPr lang="en-US" dirty="0"/>
+              <a:t>Port Lincoln</a:t>
+            </a:r>
+          </a:p>
+          <a:p>
+            <a:pPr marL="228600" indent="-228600">
+              <a:buAutoNum type="arabicParenR"/>
+            </a:pPr>
+            <a:r>
+              <a:rPr lang="en-US" dirty="0"/>
+              <a:t>Mount Gambier</a:t>
+            </a:r>
+          </a:p>
+          <a:p>
+            <a:pPr marL="228600" indent="-228600">
+              <a:buAutoNum type="arabicParenR"/>
+            </a:pPr>
+            <a:r>
+              <a:rPr lang="en-US" dirty="0"/>
+              <a:t>Murray Bridge</a:t>
+            </a:r>
+          </a:p>
+          <a:p>
+            <a:pPr marL="228600" indent="-228600">
+              <a:buAutoNum type="arabicParenR"/>
+            </a:pPr>
+            <a:r>
+              <a:rPr lang="en-US" dirty="0"/>
+              <a:t>Salisbury</a:t>
+            </a:r>
+          </a:p>
+          <a:p>
+            <a:pPr marL="228600" indent="-228600">
+              <a:buAutoNum type="arabicParenR"/>
+            </a:pPr>
+            <a:r>
+              <a:rPr lang="en-US" dirty="0"/>
+              <a:t>Mawson Lakes</a:t>
+            </a:r>
+          </a:p>
+          <a:p>
+            <a:pPr marL="228600" indent="-228600">
+              <a:buAutoNum type="arabicParenR"/>
+            </a:pPr>
+            <a:r>
+              <a:rPr lang="en-US" dirty="0"/>
+              <a:t>Port Augusta	</a:t>
+            </a:r>
+          </a:p>
+          <a:p>
+            <a:pPr marL="228600" indent="-228600">
+              <a:buAutoNum type="arabicParenR"/>
+            </a:pPr>
+            <a:endParaRPr lang="en-US" dirty="0"/>
+          </a:p>
+          <a:p>
+            <a:pPr marL="0" indent="0">
+              <a:buNone/>
+            </a:pPr>
+            <a:r>
+              <a:rPr lang="en-US" dirty="0"/>
+              <a:t>Of the top 3 crime count suburbs, based on our hypothesis, high crime rates correlates to low property prices, the highest committing crime suburbs should be the cheapest. (</a:t>
+            </a:r>
+            <a:r>
+              <a:rPr lang="en-US" dirty="0" err="1"/>
+              <a:t>ie</a:t>
+            </a:r>
+            <a:r>
+              <a:rPr lang="en-US" dirty="0"/>
+              <a:t>. Lowest ranking) (</a:t>
+            </a:r>
+            <a:r>
+              <a:rPr lang="en-US" dirty="0" err="1"/>
+              <a:t>eg.</a:t>
+            </a:r>
+            <a:r>
+              <a:rPr lang="en-US" dirty="0"/>
+              <a:t> 325</a:t>
+            </a:r>
+            <a:r>
+              <a:rPr lang="en-US" baseline="30000" dirty="0"/>
+              <a:t>th</a:t>
+            </a:r>
+            <a:r>
+              <a:rPr lang="en-US" dirty="0"/>
+              <a:t> ranking for Adelaide is what is expected from the hypothesis) </a:t>
+            </a:r>
+          </a:p>
+          <a:p>
+            <a:pPr marL="0" indent="0">
+              <a:buNone/>
+            </a:pPr>
+            <a:endParaRPr lang="en-US" dirty="0"/>
+          </a:p>
         </p:txBody>
       </p:sp>
       <p:sp>
@@ -2805,7 +2741,7 @@
     </p:spTree>
     <p:extLst>
       <p:ext uri="{BB962C8B-B14F-4D97-AF65-F5344CB8AC3E}">
-        <p14:creationId xmlns:p14="http://schemas.microsoft.com/office/powerpoint/2010/main" val="577759006"/>
+        <p14:creationId xmlns:p14="http://schemas.microsoft.com/office/powerpoint/2010/main" val="4010469913"/>
       </p:ext>
     </p:extLst>
   </p:cSld>
@@ -2860,147 +2796,43 @@
           <a:lstStyle/>
           <a:p>
             <a:r>
-              <a:rPr lang="en-US" dirty="0"/>
-              <a:t>Annabel</a:t>
-            </a:r>
-          </a:p>
-          <a:p>
-            <a:endParaRPr lang="en-US" dirty="0"/>
-          </a:p>
-          <a:p>
-            <a:r>
-              <a:rPr lang="en-US" dirty="0"/>
-              <a:t>In this bar chart, 8 of these suburbs remain in the Top 10 Crime Count suburbs over the past 5 years. (</a:t>
-            </a:r>
-            <a:r>
-              <a:rPr lang="en-US" dirty="0" err="1"/>
-              <a:t>ie</a:t>
-            </a:r>
-            <a:r>
-              <a:rPr lang="en-US" dirty="0"/>
-              <a:t>. The Top 8 in 2019-2020 existed in the top 10 for the past 5 financial years)</a:t>
-            </a:r>
-          </a:p>
-          <a:p>
-            <a:pPr marL="228600" indent="-228600">
-              <a:buAutoNum type="arabicParenR"/>
-            </a:pPr>
-            <a:r>
-              <a:rPr lang="en-US" dirty="0"/>
-              <a:t>Adelaide</a:t>
-            </a:r>
-          </a:p>
-          <a:p>
-            <a:pPr marL="228600" indent="-228600">
-              <a:buAutoNum type="arabicParenR"/>
-            </a:pPr>
-            <a:r>
-              <a:rPr lang="en-US" dirty="0" err="1"/>
-              <a:t>Morphette</a:t>
-            </a:r>
-            <a:r>
-              <a:rPr lang="en-US" dirty="0"/>
-              <a:t> Vale</a:t>
-            </a:r>
-          </a:p>
-          <a:p>
-            <a:pPr marL="228600" indent="-228600">
-              <a:buAutoNum type="arabicParenR"/>
-            </a:pPr>
-            <a:r>
-              <a:rPr lang="en-US" dirty="0"/>
-              <a:t>Port Lincoln</a:t>
-            </a:r>
-          </a:p>
-          <a:p>
-            <a:pPr marL="228600" indent="-228600">
-              <a:buAutoNum type="arabicParenR"/>
-            </a:pPr>
-            <a:r>
-              <a:rPr lang="en-US" dirty="0"/>
-              <a:t>Mount Gambier</a:t>
-            </a:r>
-          </a:p>
-          <a:p>
-            <a:pPr marL="228600" indent="-228600">
-              <a:buAutoNum type="arabicParenR"/>
-            </a:pPr>
-            <a:r>
-              <a:rPr lang="en-US" dirty="0"/>
-              <a:t>Murray Bridge</a:t>
-            </a:r>
-          </a:p>
-          <a:p>
-            <a:pPr marL="228600" indent="-228600">
-              <a:buAutoNum type="arabicParenR"/>
-            </a:pPr>
-            <a:r>
-              <a:rPr lang="en-US" dirty="0"/>
-              <a:t>Salisbury</a:t>
-            </a:r>
-          </a:p>
-          <a:p>
-            <a:pPr marL="228600" indent="-228600">
-              <a:buAutoNum type="arabicParenR"/>
-            </a:pPr>
-            <a:r>
-              <a:rPr lang="en-US" dirty="0"/>
-              <a:t>Mawson Lakes</a:t>
-            </a:r>
-          </a:p>
-          <a:p>
-            <a:pPr marL="228600" indent="-228600">
-              <a:buAutoNum type="arabicParenR"/>
-            </a:pPr>
-            <a:r>
-              <a:rPr lang="en-US" dirty="0"/>
-              <a:t>Port Augusta	</a:t>
-            </a:r>
-          </a:p>
-          <a:p>
-            <a:pPr marL="228600" indent="-228600">
-              <a:buAutoNum type="arabicParenR"/>
-            </a:pPr>
-            <a:endParaRPr lang="en-US" dirty="0"/>
-          </a:p>
-          <a:p>
-            <a:pPr marL="0" indent="0">
-              <a:buNone/>
-            </a:pPr>
-            <a:r>
-              <a:rPr lang="en-US" dirty="0"/>
-              <a:t>Of the top 3 crime count suburbs, based on our hypothesis, high crime rates correlates to low property prices, the highest committing crime suburbs should be the cheapest. (</a:t>
-            </a:r>
-            <a:r>
-              <a:rPr lang="en-US" dirty="0" err="1"/>
-              <a:t>ie</a:t>
-            </a:r>
-            <a:r>
-              <a:rPr lang="en-US" dirty="0"/>
-              <a:t>. Lowest ranking) (</a:t>
-            </a:r>
-            <a:r>
-              <a:rPr lang="en-US" dirty="0" err="1"/>
-              <a:t>eg.</a:t>
-            </a:r>
-            <a:r>
-              <a:rPr lang="en-US" dirty="0"/>
-              <a:t> 325</a:t>
-            </a:r>
-            <a:r>
-              <a:rPr lang="en-US" baseline="30000" dirty="0"/>
-              <a:t>th</a:t>
-            </a:r>
-            <a:r>
-              <a:rPr lang="en-US" dirty="0"/>
-              <a:t> ranking for Adelaide is what is expected from the hypothesis) </a:t>
-            </a:r>
-          </a:p>
-          <a:p>
-            <a:pPr marL="0" indent="0">
-              <a:buNone/>
-            </a:pPr>
-            <a:endParaRPr lang="en-US" dirty="0"/>
+              <a:rPr lang="en-AU" dirty="0">
+                <a:solidFill>
+                  <a:srgbClr val="FF0000"/>
+                </a:solidFill>
+              </a:rPr>
+              <a:t>Miki</a:t>
+            </a:r>
+          </a:p>
+          <a:p>
+            <a:endParaRPr lang="en-AU" dirty="0">
+              <a:solidFill>
+                <a:srgbClr val="FF0000"/>
+              </a:solidFill>
+            </a:endParaRPr>
+          </a:p>
+          <a:p>
+            <a:r>
+              <a:rPr lang="en-AU" dirty="0">
+                <a:solidFill>
+                  <a:srgbClr val="FF0000"/>
+                </a:solidFill>
+              </a:rPr>
+              <a:t>Insert graphs</a:t>
+            </a:r>
+          </a:p>
+          <a:p>
+            <a:r>
+              <a:rPr lang="en-AU" dirty="0">
+                <a:solidFill>
+                  <a:srgbClr val="FF0000"/>
+                </a:solidFill>
+              </a:rPr>
+              <a:t>Insert insights – list suburbs that are in the top 10 over the past five financial years</a:t>
+            </a:r>
+          </a:p>
+          <a:p>
+            <a:endParaRPr lang="en-AU" dirty="0"/>
           </a:p>
         </p:txBody>
       </p:sp>
@@ -3030,7 +2862,7 @@
     </p:spTree>
     <p:extLst>
       <p:ext uri="{BB962C8B-B14F-4D97-AF65-F5344CB8AC3E}">
-        <p14:creationId xmlns:p14="http://schemas.microsoft.com/office/powerpoint/2010/main" val="4010469913"/>
+        <p14:creationId xmlns:p14="http://schemas.microsoft.com/office/powerpoint/2010/main" val="4101713849"/>
       </p:ext>
     </p:extLst>
   </p:cSld>
@@ -6410,7 +6242,7 @@
                   <a:schemeClr val="bg1"/>
                 </a:solidFill>
               </a:rPr>
-              <a:t>2015 -2020</a:t>
+              <a:t>2015 - 2020</a:t>
             </a:r>
           </a:p>
         </p:txBody>
@@ -6625,203 +6457,6 @@
           <p:cNvPr id="2" name="Title 1">
             <a:extLst>
               <a:ext uri="{FF2B5EF4-FFF2-40B4-BE49-F238E27FC236}">
-                <a16:creationId xmlns:a16="http://schemas.microsoft.com/office/drawing/2014/main" id="{D4112190-B47C-470F-9F25-6023D45B677C}"/>
-              </a:ext>
-            </a:extLst>
-          </p:cNvPr>
-          <p:cNvSpPr>
-            <a:spLocks noGrp="1"/>
-          </p:cNvSpPr>
-          <p:nvPr>
-            <p:ph type="title"/>
-          </p:nvPr>
-        </p:nvSpPr>
-        <p:spPr/>
-        <p:txBody>
-          <a:bodyPr>
-            <a:normAutofit fontScale="90000"/>
-          </a:bodyPr>
-          <a:lstStyle/>
-          <a:p>
-            <a:r>
-              <a:rPr lang="en-US" dirty="0"/>
-              <a:t>Data </a:t>
-            </a:r>
-            <a:r>
-              <a:rPr lang="en-US" dirty="0" err="1"/>
-              <a:t>AnalysiS</a:t>
-            </a:r>
-            <a:br>
-              <a:rPr lang="en-US" dirty="0"/>
-            </a:br>
-            <a:r>
-              <a:rPr lang="en-US" dirty="0"/>
-              <a:t> Bottom 10 SUBURBS BY PROPERTY PRICE</a:t>
-            </a:r>
-            <a:br>
-              <a:rPr lang="en-US" dirty="0"/>
-            </a:br>
-            <a:endParaRPr lang="en-AU" dirty="0"/>
-          </a:p>
-        </p:txBody>
-      </p:sp>
-      <p:pic>
-        <p:nvPicPr>
-          <p:cNvPr id="7" name="Content Placeholder 6" descr="Icon&#10;&#10;Description automatically generated">
-            <a:extLst>
-              <a:ext uri="{FF2B5EF4-FFF2-40B4-BE49-F238E27FC236}">
-                <a16:creationId xmlns:a16="http://schemas.microsoft.com/office/drawing/2014/main" id="{8923D90D-FAAA-4BA0-9A62-313D6D654289}"/>
-              </a:ext>
-            </a:extLst>
-          </p:cNvPr>
-          <p:cNvPicPr>
-            <a:picLocks noGrp="1" noChangeAspect="1"/>
-          </p:cNvPicPr>
-          <p:nvPr>
-            <p:ph idx="1"/>
-          </p:nvPr>
-        </p:nvPicPr>
-        <p:blipFill>
-          <a:blip r:embed="rId3">
-            <a:extLst>
-              <a:ext uri="{28A0092B-C50C-407E-A947-70E740481C1C}">
-                <a14:useLocalDpi xmlns:a14="http://schemas.microsoft.com/office/drawing/2010/main" val="0"/>
-              </a:ext>
-            </a:extLst>
-          </a:blip>
-          <a:stretch>
-            <a:fillRect/>
-          </a:stretch>
-        </p:blipFill>
-        <p:spPr>
-          <a:xfrm>
-            <a:off x="614892" y="2739435"/>
-            <a:ext cx="4949501" cy="3289225"/>
-          </a:xfrm>
-        </p:spPr>
-      </p:pic>
-      <p:sp>
-        <p:nvSpPr>
-          <p:cNvPr id="8" name="TextBox 7">
-            <a:extLst>
-              <a:ext uri="{FF2B5EF4-FFF2-40B4-BE49-F238E27FC236}">
-                <a16:creationId xmlns:a16="http://schemas.microsoft.com/office/drawing/2014/main" id="{14598C71-DC44-43A3-9A9E-C566B76F72B2}"/>
-              </a:ext>
-            </a:extLst>
-          </p:cNvPr>
-          <p:cNvSpPr txBox="1"/>
-          <p:nvPr/>
-        </p:nvSpPr>
-        <p:spPr>
-          <a:xfrm>
-            <a:off x="6096000" y="2739435"/>
-            <a:ext cx="2665228" cy="2585323"/>
-          </a:xfrm>
-          <a:prstGeom prst="rect">
-            <a:avLst/>
-          </a:prstGeom>
-          <a:noFill/>
-        </p:spPr>
-        <p:txBody>
-          <a:bodyPr wrap="square" rtlCol="0">
-            <a:spAutoFit/>
-          </a:bodyPr>
-          <a:lstStyle/>
-          <a:p>
-            <a:r>
-              <a:rPr lang="en-AU" dirty="0"/>
-              <a:t>Smithfield Plains</a:t>
-            </a:r>
-          </a:p>
-          <a:p>
-            <a:r>
-              <a:rPr lang="en-AU" dirty="0" err="1"/>
-              <a:t>Davoren</a:t>
-            </a:r>
-            <a:r>
-              <a:rPr lang="en-AU" dirty="0"/>
-              <a:t> Park</a:t>
-            </a:r>
-          </a:p>
-          <a:p>
-            <a:r>
-              <a:rPr lang="en-AU" dirty="0"/>
-              <a:t>Elizabeth Downs</a:t>
-            </a:r>
-          </a:p>
-          <a:p>
-            <a:r>
-              <a:rPr lang="en-AU" dirty="0"/>
-              <a:t>Elizabeth North</a:t>
-            </a:r>
-          </a:p>
-          <a:p>
-            <a:r>
-              <a:rPr lang="en-AU" dirty="0"/>
-              <a:t>Elizabeth Park</a:t>
-            </a:r>
-          </a:p>
-          <a:p>
-            <a:r>
-              <a:rPr lang="en-AU" dirty="0"/>
-              <a:t>Elizabeth East</a:t>
-            </a:r>
-          </a:p>
-          <a:p>
-            <a:r>
-              <a:rPr lang="en-AU" dirty="0"/>
-              <a:t>Elizabeth South</a:t>
-            </a:r>
-          </a:p>
-          <a:p>
-            <a:r>
-              <a:rPr lang="en-AU" dirty="0"/>
-              <a:t>Elizabeth</a:t>
-            </a:r>
-          </a:p>
-          <a:p>
-            <a:r>
-              <a:rPr lang="en-AU" dirty="0"/>
-              <a:t>Elizabeth Vale</a:t>
-            </a:r>
-          </a:p>
-        </p:txBody>
-      </p:sp>
-    </p:spTree>
-    <p:extLst>
-      <p:ext uri="{BB962C8B-B14F-4D97-AF65-F5344CB8AC3E}">
-        <p14:creationId xmlns:p14="http://schemas.microsoft.com/office/powerpoint/2010/main" val="788958099"/>
-      </p:ext>
-    </p:extLst>
-  </p:cSld>
-  <p:clrMapOvr>
-    <a:masterClrMapping/>
-  </p:clrMapOvr>
-</p:sld>
-</file>
-
-<file path=ppt/slides/slide11.xml><?xml version="1.0" encoding="utf-8"?>
-<p:sld xmlns:a="http://schemas.openxmlformats.org/drawingml/2006/main" xmlns:r="http://schemas.openxmlformats.org/officeDocument/2006/relationships" xmlns:p="http://schemas.openxmlformats.org/presentationml/2006/main">
-  <p:cSld>
-    <p:spTree>
-      <p:nvGrpSpPr>
-        <p:cNvPr id="1" name=""/>
-        <p:cNvGrpSpPr/>
-        <p:nvPr/>
-      </p:nvGrpSpPr>
-      <p:grpSpPr>
-        <a:xfrm>
-          <a:off x="0" y="0"/>
-          <a:ext cx="0" cy="0"/>
-          <a:chOff x="0" y="0"/>
-          <a:chExt cx="0" cy="0"/>
-        </a:xfrm>
-      </p:grpSpPr>
-      <p:sp>
-        <p:nvSpPr>
-          <p:cNvPr id="2" name="Title 1">
-            <a:extLst>
-              <a:ext uri="{FF2B5EF4-FFF2-40B4-BE49-F238E27FC236}">
                 <a16:creationId xmlns:a16="http://schemas.microsoft.com/office/drawing/2014/main" id="{41198B77-23C6-4C9A-92CD-4ACB88F9C9FF}"/>
               </a:ext>
             </a:extLst>
@@ -6887,7 +6522,7 @@
         </p:blipFill>
         <p:spPr>
           <a:xfrm>
-            <a:off x="132226" y="2744916"/>
+            <a:off x="630990" y="2744915"/>
             <a:ext cx="5061248" cy="3363488"/>
           </a:xfrm>
           <a:prstGeom prst="rect">
@@ -6923,7 +6558,7 @@
         </p:blipFill>
         <p:spPr>
           <a:xfrm>
-            <a:off x="5437107" y="2803395"/>
+            <a:off x="5963580" y="2840608"/>
             <a:ext cx="4565266" cy="3172103"/>
           </a:xfrm>
           <a:prstGeom prst="rect">
@@ -6944,7 +6579,7 @@
 </p:sld>
 </file>
 
-<file path=ppt/slides/slide12.xml><?xml version="1.0" encoding="utf-8"?>
+<file path=ppt/slides/slide11.xml><?xml version="1.0" encoding="utf-8"?>
 <p:sld xmlns:a="http://schemas.openxmlformats.org/drawingml/2006/main" xmlns:r="http://schemas.openxmlformats.org/officeDocument/2006/relationships" xmlns:p="http://schemas.openxmlformats.org/presentationml/2006/main">
   <p:cSld>
     <p:spTree>
@@ -7032,7 +6667,7 @@
         </p:blipFill>
         <p:spPr>
           <a:xfrm>
-            <a:off x="4849066" y="2791331"/>
+            <a:off x="5791175" y="2811755"/>
             <a:ext cx="4593309" cy="3052515"/>
           </a:xfrm>
         </p:spPr>
@@ -7064,7 +6699,7 @@
         </p:blipFill>
         <p:spPr>
           <a:xfrm>
-            <a:off x="133339" y="2791332"/>
+            <a:off x="756794" y="2811755"/>
             <a:ext cx="4593309" cy="3052515"/>
           </a:xfrm>
           <a:prstGeom prst="rect">
@@ -7085,7 +6720,7 @@
 </p:sld>
 </file>
 
-<file path=ppt/slides/slide13.xml><?xml version="1.0" encoding="utf-8"?>
+<file path=ppt/slides/slide12.xml><?xml version="1.0" encoding="utf-8"?>
 <p:sld xmlns:a="http://schemas.openxmlformats.org/drawingml/2006/main" xmlns:r="http://schemas.openxmlformats.org/officeDocument/2006/relationships" xmlns:p="http://schemas.openxmlformats.org/presentationml/2006/main">
   <p:cSld>
     <p:spTree>
@@ -7120,7 +6755,9 @@
         </p:nvSpPr>
         <p:spPr/>
         <p:txBody>
-          <a:bodyPr/>
+          <a:bodyPr>
+            <a:normAutofit/>
+          </a:bodyPr>
           <a:lstStyle/>
           <a:p>
             <a:r>
@@ -7136,83 +6773,12 @@
             </a:br>
             <a:r>
               <a:rPr lang="en-US" dirty="0"/>
-              <a:t> TOP 10 SUBURBS BY PROPERTY PRICE</a:t>
+              <a:t> 2019-2020 TOP 3 PROPERTY RANKING</a:t>
             </a:r>
             <a:endParaRPr lang="en-AU" dirty="0"/>
           </a:p>
         </p:txBody>
       </p:sp>
-      <p:pic>
-        <p:nvPicPr>
-          <p:cNvPr id="5" name="Content Placeholder 4" descr="Icon&#10;&#10;Description automatically generated">
-            <a:extLst>
-              <a:ext uri="{FF2B5EF4-FFF2-40B4-BE49-F238E27FC236}">
-                <a16:creationId xmlns:a16="http://schemas.microsoft.com/office/drawing/2014/main" id="{53B60C00-7268-4D8D-87AE-177F94376CF4}"/>
-              </a:ext>
-            </a:extLst>
-          </p:cNvPr>
-          <p:cNvPicPr>
-            <a:picLocks noGrp="1" noChangeAspect="1"/>
-          </p:cNvPicPr>
-          <p:nvPr>
-            <p:ph idx="1"/>
-          </p:nvPr>
-        </p:nvPicPr>
-        <p:blipFill>
-          <a:blip r:embed="rId3">
-            <a:extLst>
-              <a:ext uri="{28A0092B-C50C-407E-A947-70E740481C1C}">
-                <a14:useLocalDpi xmlns:a14="http://schemas.microsoft.com/office/drawing/2010/main" val="0"/>
-              </a:ext>
-            </a:extLst>
-          </a:blip>
-          <a:stretch>
-            <a:fillRect/>
-          </a:stretch>
-        </p:blipFill>
-        <p:spPr>
-          <a:xfrm>
-            <a:off x="6523694" y="2791332"/>
-            <a:ext cx="4593309" cy="3101975"/>
-          </a:xfrm>
-        </p:spPr>
-      </p:pic>
-      <p:pic>
-        <p:nvPicPr>
-          <p:cNvPr id="6" name="Content Placeholder 4" descr="Icon&#10;&#10;Description automatically generated">
-            <a:extLst>
-              <a:ext uri="{FF2B5EF4-FFF2-40B4-BE49-F238E27FC236}">
-                <a16:creationId xmlns:a16="http://schemas.microsoft.com/office/drawing/2014/main" id="{1389C4C6-FAF5-47AD-A090-87965B0B2ED8}"/>
-              </a:ext>
-            </a:extLst>
-          </p:cNvPr>
-          <p:cNvPicPr>
-            <a:picLocks noChangeAspect="1"/>
-          </p:cNvPicPr>
-          <p:nvPr/>
-        </p:nvPicPr>
-        <p:blipFill>
-          <a:blip r:embed="rId4">
-            <a:extLst>
-              <a:ext uri="{28A0092B-C50C-407E-A947-70E740481C1C}">
-                <a14:useLocalDpi xmlns:a14="http://schemas.microsoft.com/office/drawing/2010/main" val="0"/>
-              </a:ext>
-            </a:extLst>
-          </a:blip>
-          <a:stretch>
-            <a:fillRect/>
-          </a:stretch>
-        </p:blipFill>
-        <p:spPr>
-          <a:xfrm>
-            <a:off x="1308237" y="2791333"/>
-            <a:ext cx="4593309" cy="3101975"/>
-          </a:xfrm>
-          <a:prstGeom prst="rect">
-            <a:avLst/>
-          </a:prstGeom>
-        </p:spPr>
-      </p:pic>
       <p:graphicFrame>
         <p:nvGraphicFramePr>
           <p:cNvPr id="3" name="Table 2">
@@ -7225,11 +6791,17 @@
           <p:cNvGraphicFramePr>
             <a:graphicFrameLocks noGrp="1"/>
           </p:cNvGraphicFramePr>
-          <p:nvPr/>
+          <p:nvPr>
+            <p:extLst>
+              <p:ext uri="{D42A27DB-BD31-4B8C-83A1-F6EECF244321}">
+                <p14:modId xmlns:p14="http://schemas.microsoft.com/office/powerpoint/2010/main" val="796000701"/>
+              </p:ext>
+            </p:extLst>
+          </p:nvPr>
         </p:nvGraphicFramePr>
         <p:xfrm>
-          <a:off x="7141751" y="5086857"/>
-          <a:ext cx="4597400" cy="1612900"/>
+          <a:off x="2529744" y="2772985"/>
+          <a:ext cx="7113019" cy="2503460"/>
         </p:xfrm>
         <a:graphic>
           <a:graphicData uri="http://schemas.openxmlformats.org/drawingml/2006/table">
@@ -7238,21 +6810,21 @@
                 <a:tableStyleId>{00A15C55-8517-42AA-B614-E9B94910E393}</a:tableStyleId>
               </a:tblPr>
               <a:tblGrid>
-                <a:gridCol w="1295400">
+                <a:gridCol w="2004221">
                   <a:extLst>
                     <a:ext uri="{9D8B030D-6E8A-4147-A177-3AD203B41FA5}">
                       <a16:colId xmlns:a16="http://schemas.microsoft.com/office/drawing/2014/main" val="2286635193"/>
                     </a:ext>
                   </a:extLst>
                 </a:gridCol>
-                <a:gridCol w="1651000">
+                <a:gridCol w="2554399">
                   <a:extLst>
                     <a:ext uri="{9D8B030D-6E8A-4147-A177-3AD203B41FA5}">
                       <a16:colId xmlns:a16="http://schemas.microsoft.com/office/drawing/2014/main" val="4109209908"/>
                     </a:ext>
                   </a:extLst>
                 </a:gridCol>
-                <a:gridCol w="1651000">
+                <a:gridCol w="2554399">
                   <a:extLst>
                     <a:ext uri="{9D8B030D-6E8A-4147-A177-3AD203B41FA5}">
                       <a16:colId xmlns:a16="http://schemas.microsoft.com/office/drawing/2014/main" val="1998260925"/>
@@ -7260,7 +6832,7 @@
                   </a:extLst>
                 </a:gridCol>
               </a:tblGrid>
-              <a:tr h="203200">
+              <a:tr h="408175">
                 <a:tc gridSpan="3">
                   <a:txBody>
                     <a:bodyPr/>
@@ -7347,7 +6919,7 @@
                   </a:ext>
                 </a:extLst>
               </a:tr>
-              <a:tr h="596900">
+              <a:tr h="462585">
                 <a:tc>
                   <a:txBody>
                     <a:bodyPr/>
@@ -7481,18 +7053,27 @@
                     <a:p>
                       <a:pPr algn="ctr" fontAlgn="t"/>
                       <a:r>
-                        <a:rPr lang="en-AU" sz="1200" u="none" strike="noStrike">
+                        <a:rPr lang="en-AU" sz="1200" u="none" strike="noStrike" dirty="0">
                           <a:effectLst/>
                         </a:rPr>
-                        <a:t>Crime Ranking           </a:t>
+                        <a:t>Crime Ranking        </a:t>
+                      </a:r>
+                    </a:p>
+                    <a:p>
+                      <a:pPr algn="ctr" fontAlgn="t"/>
+                      <a:r>
+                        <a:rPr lang="en-AU" sz="1200" u="none" strike="noStrike" dirty="0">
+                          <a:effectLst/>
+                        </a:rPr>
+                        <a:t>   </a:t>
                       </a:r>
                       <a:r>
-                        <a:rPr lang="en-AU" sz="1000" u="none" strike="noStrike">
+                        <a:rPr lang="en-AU" sz="1000" u="none" strike="noStrike" dirty="0">
                           <a:effectLst/>
                         </a:rPr>
                         <a:t>(Ranking 1: highest crime count)</a:t>
                       </a:r>
-                      <a:endParaRPr lang="en-AU" sz="1200" b="1" i="0" u="none" strike="noStrike">
+                      <a:endParaRPr lang="en-AU" sz="1200" b="1" i="0" u="none" strike="noStrike" dirty="0">
                         <a:solidFill>
                           <a:srgbClr val="000000"/>
                         </a:solidFill>
@@ -7546,7 +7127,7 @@
                   </a:ext>
                 </a:extLst>
               </a:tr>
-              <a:tr h="203200">
+              <a:tr h="408175">
                 <a:tc>
                   <a:txBody>
                     <a:bodyPr/>
@@ -7733,7 +7314,7 @@
                   </a:ext>
                 </a:extLst>
               </a:tr>
-              <a:tr h="203200">
+              <a:tr h="408175">
                 <a:tc>
                   <a:txBody>
                     <a:bodyPr/>
@@ -7861,12 +7442,12 @@
                     <a:p>
                       <a:pPr algn="ctr" fontAlgn="ctr"/>
                       <a:r>
-                        <a:rPr lang="en-AU" sz="1200" u="none" strike="noStrike">
+                        <a:rPr lang="en-AU" sz="1200" u="none" strike="noStrike" dirty="0">
                           <a:effectLst/>
                         </a:rPr>
                         <a:t>267</a:t>
                       </a:r>
-                      <a:endParaRPr lang="en-AU" sz="1200" b="0" i="0" u="none" strike="noStrike">
+                      <a:endParaRPr lang="en-AU" sz="1200" b="0" i="0" u="none" strike="noStrike" dirty="0">
                         <a:solidFill>
                           <a:srgbClr val="000000"/>
                         </a:solidFill>
@@ -7920,7 +7501,7 @@
                   </a:ext>
                 </a:extLst>
               </a:tr>
-              <a:tr h="203200">
+              <a:tr h="408175">
                 <a:tc>
                   <a:txBody>
                     <a:bodyPr/>
@@ -8107,7 +7688,7 @@
                   </a:ext>
                 </a:extLst>
               </a:tr>
-              <a:tr h="203200">
+              <a:tr h="408175">
                 <a:tc gridSpan="3">
                   <a:txBody>
                     <a:bodyPr/>
@@ -8211,7 +7792,7 @@
 </p:sld>
 </file>
 
-<file path=ppt/slides/slide14.xml><?xml version="1.0" encoding="utf-8"?>
+<file path=ppt/slides/slide13.xml><?xml version="1.0" encoding="utf-8"?>
 <p:sld xmlns:a="http://schemas.openxmlformats.org/drawingml/2006/main" xmlns:r="http://schemas.openxmlformats.org/officeDocument/2006/relationships" xmlns:p="http://schemas.openxmlformats.org/presentationml/2006/main">
   <p:cSld>
     <p:spTree>
@@ -8320,7 +7901,7 @@
                   <a:schemeClr val="tx1"/>
                 </a:solidFill>
               </a:rPr>
-              <a:t>Coefficient: -305.48</a:t>
+              <a:t>Coefficient (Slope): -305.48</a:t>
             </a:r>
           </a:p>
           <a:p>
@@ -8393,15 +7974,8 @@
                   <a:schemeClr val="tx1"/>
                 </a:solidFill>
               </a:rPr>
-              <a:t>Reject alternative hypothesis</a:t>
-            </a:r>
-          </a:p>
-          <a:p>
-            <a:endParaRPr lang="en-AU" dirty="0">
-              <a:solidFill>
-                <a:schemeClr val="tx1"/>
-              </a:solidFill>
-            </a:endParaRPr>
+              <a:t>Reject hypothesis</a:t>
+            </a:r>
           </a:p>
         </p:txBody>
       </p:sp>
@@ -8454,6 +8028,192 @@
 </p:sld>
 </file>
 
+<file path=ppt/slides/slide14.xml><?xml version="1.0" encoding="utf-8"?>
+<p:sld xmlns:a="http://schemas.openxmlformats.org/drawingml/2006/main" xmlns:r="http://schemas.openxmlformats.org/officeDocument/2006/relationships" xmlns:p="http://schemas.openxmlformats.org/presentationml/2006/main">
+  <p:cSld>
+    <p:spTree>
+      <p:nvGrpSpPr>
+        <p:cNvPr id="1" name=""/>
+        <p:cNvGrpSpPr/>
+        <p:nvPr/>
+      </p:nvGrpSpPr>
+      <p:grpSpPr>
+        <a:xfrm>
+          <a:off x="0" y="0"/>
+          <a:ext cx="0" cy="0"/>
+          <a:chOff x="0" y="0"/>
+          <a:chExt cx="0" cy="0"/>
+        </a:xfrm>
+      </p:grpSpPr>
+      <p:sp>
+        <p:nvSpPr>
+          <p:cNvPr id="2" name="Title 1">
+            <a:extLst>
+              <a:ext uri="{FF2B5EF4-FFF2-40B4-BE49-F238E27FC236}">
+                <a16:creationId xmlns:a16="http://schemas.microsoft.com/office/drawing/2014/main" id="{97EDCECB-1016-4042-BFE3-761303E9E76C}"/>
+              </a:ext>
+            </a:extLst>
+          </p:cNvPr>
+          <p:cNvSpPr>
+            <a:spLocks noGrp="1"/>
+          </p:cNvSpPr>
+          <p:nvPr>
+            <p:ph type="title"/>
+          </p:nvPr>
+        </p:nvSpPr>
+        <p:spPr/>
+        <p:txBody>
+          <a:bodyPr/>
+          <a:lstStyle/>
+          <a:p>
+            <a:r>
+              <a:rPr lang="en-US" dirty="0"/>
+              <a:t>PROJECT CHALLENGES</a:t>
+            </a:r>
+            <a:br>
+              <a:rPr lang="en-US" dirty="0"/>
+            </a:br>
+            <a:endParaRPr lang="en-AU" dirty="0"/>
+          </a:p>
+        </p:txBody>
+      </p:sp>
+      <p:sp>
+        <p:nvSpPr>
+          <p:cNvPr id="3" name="Content Placeholder 2">
+            <a:extLst>
+              <a:ext uri="{FF2B5EF4-FFF2-40B4-BE49-F238E27FC236}">
+                <a16:creationId xmlns:a16="http://schemas.microsoft.com/office/drawing/2014/main" id="{41041EED-5A1F-4BA1-9880-478BF56219F1}"/>
+              </a:ext>
+            </a:extLst>
+          </p:cNvPr>
+          <p:cNvSpPr>
+            <a:spLocks noGrp="1"/>
+          </p:cNvSpPr>
+          <p:nvPr>
+            <p:ph idx="1"/>
+          </p:nvPr>
+        </p:nvSpPr>
+        <p:spPr>
+          <a:xfrm>
+            <a:off x="2231136" y="2638044"/>
+            <a:ext cx="7729728" cy="3392366"/>
+          </a:xfrm>
+        </p:spPr>
+        <p:txBody>
+          <a:bodyPr>
+            <a:normAutofit fontScale="92500" lnSpcReduction="20000"/>
+          </a:bodyPr>
+          <a:lstStyle/>
+          <a:p>
+            <a:pPr marL="0" indent="0">
+              <a:buNone/>
+            </a:pPr>
+            <a:r>
+              <a:rPr lang="en-US" u="sng" dirty="0"/>
+              <a:t>Challenges</a:t>
+            </a:r>
+          </a:p>
+          <a:p>
+            <a:pPr>
+              <a:buFont typeface="Arial" panose="020B0604020202020204" pitchFamily="34" charset="0"/>
+              <a:buChar char="•"/>
+            </a:pPr>
+            <a:r>
+              <a:rPr lang="en-US" dirty="0"/>
+              <a:t>Initially data for Western Australia was considered however there was no common column to combine the two data frames on </a:t>
+            </a:r>
+          </a:p>
+          <a:p>
+            <a:pPr>
+              <a:buFont typeface="Arial" panose="020B0604020202020204" pitchFamily="34" charset="0"/>
+              <a:buChar char="•"/>
+            </a:pPr>
+            <a:r>
+              <a:rPr lang="en-US" dirty="0"/>
+              <a:t>Raw crime data was sorted by dates and not yearly quarters </a:t>
+            </a:r>
+          </a:p>
+          <a:p>
+            <a:pPr>
+              <a:buFont typeface="Arial" panose="020B0604020202020204" pitchFamily="34" charset="0"/>
+              <a:buChar char="•"/>
+            </a:pPr>
+            <a:r>
+              <a:rPr lang="en-US" dirty="0"/>
+              <a:t>Determining how to find an appropriate property value to represent the financial year as only quarterly median prices were provided in the raw data</a:t>
+            </a:r>
+          </a:p>
+          <a:p>
+            <a:pPr marL="0" indent="0">
+              <a:buNone/>
+            </a:pPr>
+            <a:endParaRPr lang="en-US" u="sng" dirty="0"/>
+          </a:p>
+          <a:p>
+            <a:pPr marL="0" indent="0">
+              <a:buNone/>
+            </a:pPr>
+            <a:r>
+              <a:rPr lang="en-US" u="sng" dirty="0"/>
+              <a:t>Given Additional Project Time</a:t>
+            </a:r>
+          </a:p>
+          <a:p>
+            <a:pPr>
+              <a:buFont typeface="Arial" panose="020B0604020202020204" pitchFamily="34" charset="0"/>
+              <a:buChar char="•"/>
+            </a:pPr>
+            <a:r>
+              <a:rPr lang="en-US" dirty="0"/>
+              <a:t>Dropped all rows with data that was not available (</a:t>
+            </a:r>
+            <a:r>
+              <a:rPr lang="en-US" dirty="0" err="1"/>
+              <a:t>NaN</a:t>
+            </a:r>
+            <a:r>
+              <a:rPr lang="en-US" dirty="0"/>
+              <a:t>)</a:t>
+            </a:r>
+          </a:p>
+          <a:p>
+            <a:pPr>
+              <a:buFont typeface="Arial" panose="020B0604020202020204" pitchFamily="34" charset="0"/>
+              <a:buChar char="•"/>
+            </a:pPr>
+            <a:r>
+              <a:rPr lang="en-US" dirty="0"/>
+              <a:t>Explore other variables affecting property prices</a:t>
+            </a:r>
+          </a:p>
+          <a:p>
+            <a:pPr>
+              <a:buFont typeface="Arial" panose="020B0604020202020204" pitchFamily="34" charset="0"/>
+              <a:buChar char="•"/>
+            </a:pPr>
+            <a:r>
+              <a:rPr lang="en-US" dirty="0"/>
+              <a:t>Further analysis into crime types versus crime count and property prices</a:t>
+            </a:r>
+          </a:p>
+          <a:p>
+            <a:endParaRPr lang="en-AU" dirty="0"/>
+          </a:p>
+        </p:txBody>
+      </p:sp>
+    </p:spTree>
+    <p:extLst>
+      <p:ext uri="{BB962C8B-B14F-4D97-AF65-F5344CB8AC3E}">
+        <p14:creationId xmlns:p14="http://schemas.microsoft.com/office/powerpoint/2010/main" val="3017070493"/>
+      </p:ext>
+    </p:extLst>
+  </p:cSld>
+  <p:clrMapOvr>
+    <a:masterClrMapping/>
+  </p:clrMapOvr>
+</p:sld>
+</file>
+
 <file path=ppt/slides/slide15.xml><?xml version="1.0" encoding="utf-8"?>
 <p:sld xmlns:a="http://schemas.openxmlformats.org/drawingml/2006/main" xmlns:r="http://schemas.openxmlformats.org/officeDocument/2006/relationships" xmlns:p="http://schemas.openxmlformats.org/presentationml/2006/main">
   <p:cSld>
@@ -8476,192 +8236,6 @@
           <p:cNvPr id="2" name="Title 1">
             <a:extLst>
               <a:ext uri="{FF2B5EF4-FFF2-40B4-BE49-F238E27FC236}">
-                <a16:creationId xmlns:a16="http://schemas.microsoft.com/office/drawing/2014/main" id="{97EDCECB-1016-4042-BFE3-761303E9E76C}"/>
-              </a:ext>
-            </a:extLst>
-          </p:cNvPr>
-          <p:cNvSpPr>
-            <a:spLocks noGrp="1"/>
-          </p:cNvSpPr>
-          <p:nvPr>
-            <p:ph type="title"/>
-          </p:nvPr>
-        </p:nvSpPr>
-        <p:spPr/>
-        <p:txBody>
-          <a:bodyPr/>
-          <a:lstStyle/>
-          <a:p>
-            <a:r>
-              <a:rPr lang="en-US" dirty="0"/>
-              <a:t>PROJECT CHALLENGES</a:t>
-            </a:r>
-            <a:br>
-              <a:rPr lang="en-US" dirty="0"/>
-            </a:br>
-            <a:endParaRPr lang="en-AU" dirty="0"/>
-          </a:p>
-        </p:txBody>
-      </p:sp>
-      <p:sp>
-        <p:nvSpPr>
-          <p:cNvPr id="3" name="Content Placeholder 2">
-            <a:extLst>
-              <a:ext uri="{FF2B5EF4-FFF2-40B4-BE49-F238E27FC236}">
-                <a16:creationId xmlns:a16="http://schemas.microsoft.com/office/drawing/2014/main" id="{41041EED-5A1F-4BA1-9880-478BF56219F1}"/>
-              </a:ext>
-            </a:extLst>
-          </p:cNvPr>
-          <p:cNvSpPr>
-            <a:spLocks noGrp="1"/>
-          </p:cNvSpPr>
-          <p:nvPr>
-            <p:ph idx="1"/>
-          </p:nvPr>
-        </p:nvSpPr>
-        <p:spPr>
-          <a:xfrm>
-            <a:off x="2231136" y="2638044"/>
-            <a:ext cx="7729728" cy="3392366"/>
-          </a:xfrm>
-        </p:spPr>
-        <p:txBody>
-          <a:bodyPr>
-            <a:normAutofit fontScale="92500" lnSpcReduction="20000"/>
-          </a:bodyPr>
-          <a:lstStyle/>
-          <a:p>
-            <a:pPr marL="0" indent="0">
-              <a:buNone/>
-            </a:pPr>
-            <a:r>
-              <a:rPr lang="en-US" u="sng" dirty="0"/>
-              <a:t>Challenges</a:t>
-            </a:r>
-          </a:p>
-          <a:p>
-            <a:pPr>
-              <a:buFont typeface="Arial" panose="020B0604020202020204" pitchFamily="34" charset="0"/>
-              <a:buChar char="•"/>
-            </a:pPr>
-            <a:r>
-              <a:rPr lang="en-US" dirty="0"/>
-              <a:t>Initially data for Western Australia was considered however there was no common column to combine the two data frames on </a:t>
-            </a:r>
-          </a:p>
-          <a:p>
-            <a:pPr>
-              <a:buFont typeface="Arial" panose="020B0604020202020204" pitchFamily="34" charset="0"/>
-              <a:buChar char="•"/>
-            </a:pPr>
-            <a:r>
-              <a:rPr lang="en-US" dirty="0"/>
-              <a:t>Raw crime data was sorted by dates and not yearly quarters </a:t>
-            </a:r>
-          </a:p>
-          <a:p>
-            <a:pPr>
-              <a:buFont typeface="Arial" panose="020B0604020202020204" pitchFamily="34" charset="0"/>
-              <a:buChar char="•"/>
-            </a:pPr>
-            <a:r>
-              <a:rPr lang="en-US" dirty="0"/>
-              <a:t>Determining how to find an appropriate property value to represent the financial year as only quarterly median prices were provided in the raw data</a:t>
-            </a:r>
-          </a:p>
-          <a:p>
-            <a:pPr marL="0" indent="0">
-              <a:buNone/>
-            </a:pPr>
-            <a:endParaRPr lang="en-US" u="sng" dirty="0"/>
-          </a:p>
-          <a:p>
-            <a:pPr marL="0" indent="0">
-              <a:buNone/>
-            </a:pPr>
-            <a:r>
-              <a:rPr lang="en-US" u="sng" dirty="0"/>
-              <a:t>Given Additional Project Time</a:t>
-            </a:r>
-          </a:p>
-          <a:p>
-            <a:pPr>
-              <a:buFont typeface="Arial" panose="020B0604020202020204" pitchFamily="34" charset="0"/>
-              <a:buChar char="•"/>
-            </a:pPr>
-            <a:r>
-              <a:rPr lang="en-US" dirty="0"/>
-              <a:t>Dropped all rows with data that was not available (</a:t>
-            </a:r>
-            <a:r>
-              <a:rPr lang="en-US" dirty="0" err="1"/>
-              <a:t>NaN</a:t>
-            </a:r>
-            <a:r>
-              <a:rPr lang="en-US" dirty="0"/>
-              <a:t>)</a:t>
-            </a:r>
-          </a:p>
-          <a:p>
-            <a:pPr>
-              <a:buFont typeface="Arial" panose="020B0604020202020204" pitchFamily="34" charset="0"/>
-              <a:buChar char="•"/>
-            </a:pPr>
-            <a:r>
-              <a:rPr lang="en-US" dirty="0"/>
-              <a:t>Explore other variables affecting property prices</a:t>
-            </a:r>
-          </a:p>
-          <a:p>
-            <a:pPr>
-              <a:buFont typeface="Arial" panose="020B0604020202020204" pitchFamily="34" charset="0"/>
-              <a:buChar char="•"/>
-            </a:pPr>
-            <a:r>
-              <a:rPr lang="en-US" dirty="0"/>
-              <a:t>Further analysis into crime types versus crime count and property prices</a:t>
-            </a:r>
-          </a:p>
-          <a:p>
-            <a:endParaRPr lang="en-AU" dirty="0"/>
-          </a:p>
-        </p:txBody>
-      </p:sp>
-    </p:spTree>
-    <p:extLst>
-      <p:ext uri="{BB962C8B-B14F-4D97-AF65-F5344CB8AC3E}">
-        <p14:creationId xmlns:p14="http://schemas.microsoft.com/office/powerpoint/2010/main" val="3017070493"/>
-      </p:ext>
-    </p:extLst>
-  </p:cSld>
-  <p:clrMapOvr>
-    <a:masterClrMapping/>
-  </p:clrMapOvr>
-</p:sld>
-</file>
-
-<file path=ppt/slides/slide16.xml><?xml version="1.0" encoding="utf-8"?>
-<p:sld xmlns:a="http://schemas.openxmlformats.org/drawingml/2006/main" xmlns:r="http://schemas.openxmlformats.org/officeDocument/2006/relationships" xmlns:p="http://schemas.openxmlformats.org/presentationml/2006/main">
-  <p:cSld>
-    <p:spTree>
-      <p:nvGrpSpPr>
-        <p:cNvPr id="1" name=""/>
-        <p:cNvGrpSpPr/>
-        <p:nvPr/>
-      </p:nvGrpSpPr>
-      <p:grpSpPr>
-        <a:xfrm>
-          <a:off x="0" y="0"/>
-          <a:ext cx="0" cy="0"/>
-          <a:chOff x="0" y="0"/>
-          <a:chExt cx="0" cy="0"/>
-        </a:xfrm>
-      </p:grpSpPr>
-      <p:sp>
-        <p:nvSpPr>
-          <p:cNvPr id="2" name="Title 1">
-            <a:extLst>
-              <a:ext uri="{FF2B5EF4-FFF2-40B4-BE49-F238E27FC236}">
                 <a16:creationId xmlns:a16="http://schemas.microsoft.com/office/drawing/2014/main" id="{0F0E2EE8-FA75-4D9D-8908-3E5819AA8CB1}"/>
               </a:ext>
             </a:extLst>
@@ -8685,34 +8259,6 @@
             <a:br>
               <a:rPr lang="en-US" dirty="0"/>
             </a:br>
-            <a:endParaRPr lang="en-AU" dirty="0"/>
-          </a:p>
-        </p:txBody>
-      </p:sp>
-      <p:sp>
-        <p:nvSpPr>
-          <p:cNvPr id="3" name="Content Placeholder 2">
-            <a:extLst>
-              <a:ext uri="{FF2B5EF4-FFF2-40B4-BE49-F238E27FC236}">
-                <a16:creationId xmlns:a16="http://schemas.microsoft.com/office/drawing/2014/main" id="{498E87A0-0BC5-434B-930D-C2DB78772A44}"/>
-              </a:ext>
-            </a:extLst>
-          </p:cNvPr>
-          <p:cNvSpPr>
-            <a:spLocks noGrp="1"/>
-          </p:cNvSpPr>
-          <p:nvPr>
-            <p:ph idx="1"/>
-          </p:nvPr>
-        </p:nvSpPr>
-        <p:spPr/>
-        <p:txBody>
-          <a:bodyPr/>
-          <a:lstStyle/>
-          <a:p>
-            <a:pPr marL="0" indent="0">
-              <a:buNone/>
-            </a:pPr>
             <a:endParaRPr lang="en-AU" dirty="0"/>
           </a:p>
         </p:txBody>
@@ -8730,7 +8276,7 @@
 </p:sld>
 </file>
 
-<file path=ppt/slides/slide17.xml><?xml version="1.0" encoding="utf-8"?>
+<file path=ppt/slides/slide16.xml><?xml version="1.0" encoding="utf-8"?>
 <p:sld xmlns:a="http://schemas.openxmlformats.org/drawingml/2006/main" xmlns:r="http://schemas.openxmlformats.org/officeDocument/2006/relationships" xmlns:p="http://schemas.openxmlformats.org/presentationml/2006/main" show="0">
   <p:cSld>
     <p:spTree>
@@ -8920,7 +8466,7 @@
 </p:sld>
 </file>
 
-<file path=ppt/slides/slide18.xml><?xml version="1.0" encoding="utf-8"?>
+<file path=ppt/slides/slide17.xml><?xml version="1.0" encoding="utf-8"?>
 <p:sld xmlns:a="http://schemas.openxmlformats.org/drawingml/2006/main" xmlns:r="http://schemas.openxmlformats.org/officeDocument/2006/relationships" xmlns:p="http://schemas.openxmlformats.org/presentationml/2006/main" show="0">
   <p:cSld>
     <p:spTree>
@@ -9243,7 +8789,7 @@
           <a:p>
             <a:r>
               <a:rPr lang="en-US" dirty="0"/>
-              <a:t>Relevant to Australian audience ,in terms of crime and property ownership</a:t>
+              <a:t>Relevant to Australian audience, in terms of crime and property ownership</a:t>
             </a:r>
           </a:p>
           <a:p>
@@ -9860,197 +9406,6 @@
 </file>
 
 <file path=ppt/slides/slide6.xml><?xml version="1.0" encoding="utf-8"?>
-<p:sld xmlns:a="http://schemas.openxmlformats.org/drawingml/2006/main" xmlns:r="http://schemas.openxmlformats.org/officeDocument/2006/relationships" xmlns:p="http://schemas.openxmlformats.org/presentationml/2006/main">
-  <p:cSld>
-    <p:spTree>
-      <p:nvGrpSpPr>
-        <p:cNvPr id="1" name=""/>
-        <p:cNvGrpSpPr/>
-        <p:nvPr/>
-      </p:nvGrpSpPr>
-      <p:grpSpPr>
-        <a:xfrm>
-          <a:off x="0" y="0"/>
-          <a:ext cx="0" cy="0"/>
-          <a:chOff x="0" y="0"/>
-          <a:chExt cx="0" cy="0"/>
-        </a:xfrm>
-      </p:grpSpPr>
-      <p:sp>
-        <p:nvSpPr>
-          <p:cNvPr id="2" name="Title 1">
-            <a:extLst>
-              <a:ext uri="{FF2B5EF4-FFF2-40B4-BE49-F238E27FC236}">
-                <a16:creationId xmlns:a16="http://schemas.microsoft.com/office/drawing/2014/main" id="{A05E3969-0ED9-2A4B-8412-48313BA670F1}"/>
-              </a:ext>
-            </a:extLst>
-          </p:cNvPr>
-          <p:cNvSpPr>
-            <a:spLocks noGrp="1"/>
-          </p:cNvSpPr>
-          <p:nvPr>
-            <p:ph type="title"/>
-          </p:nvPr>
-        </p:nvSpPr>
-        <p:spPr/>
-        <p:txBody>
-          <a:bodyPr/>
-          <a:lstStyle/>
-          <a:p>
-            <a:r>
-              <a:rPr lang="en-US" dirty="0"/>
-              <a:t>DATA SOURCE DEFINITIONS – PROPERTY DATA</a:t>
-            </a:r>
-          </a:p>
-        </p:txBody>
-      </p:sp>
-      <p:sp>
-        <p:nvSpPr>
-          <p:cNvPr id="3" name="Content Placeholder 2">
-            <a:extLst>
-              <a:ext uri="{FF2B5EF4-FFF2-40B4-BE49-F238E27FC236}">
-                <a16:creationId xmlns:a16="http://schemas.microsoft.com/office/drawing/2014/main" id="{6E05505D-DF6B-5E44-9E87-2B7073B0557B}"/>
-              </a:ext>
-            </a:extLst>
-          </p:cNvPr>
-          <p:cNvSpPr>
-            <a:spLocks noGrp="1"/>
-          </p:cNvSpPr>
-          <p:nvPr>
-            <p:ph idx="1"/>
-          </p:nvPr>
-        </p:nvSpPr>
-        <p:spPr>
-          <a:xfrm>
-            <a:off x="2231135" y="2638044"/>
-            <a:ext cx="8161561" cy="3101983"/>
-          </a:xfrm>
-        </p:spPr>
-        <p:txBody>
-          <a:bodyPr>
-            <a:normAutofit/>
-          </a:bodyPr>
-          <a:lstStyle/>
-          <a:p>
-            <a:r>
-              <a:rPr lang="en-US" dirty="0">
-                <a:solidFill>
-                  <a:schemeClr val="tx1"/>
-                </a:solidFill>
-              </a:rPr>
-              <a:t>For the project analysis,  raw data in excel was imported into a </a:t>
-            </a:r>
-            <a:r>
-              <a:rPr lang="en-US" dirty="0" err="1">
-                <a:solidFill>
-                  <a:schemeClr val="tx1"/>
-                </a:solidFill>
-              </a:rPr>
-              <a:t>Jupyter</a:t>
-            </a:r>
-            <a:r>
-              <a:rPr lang="en-US" dirty="0">
-                <a:solidFill>
-                  <a:schemeClr val="tx1"/>
-                </a:solidFill>
-              </a:rPr>
-              <a:t> Notebook for the creation of property-related Panda </a:t>
-            </a:r>
-            <a:r>
-              <a:rPr lang="en-US" dirty="0" err="1">
-                <a:solidFill>
-                  <a:schemeClr val="tx1"/>
-                </a:solidFill>
-              </a:rPr>
-              <a:t>DataFrames</a:t>
-            </a:r>
-            <a:r>
-              <a:rPr lang="en-US" dirty="0">
-                <a:solidFill>
-                  <a:schemeClr val="tx1"/>
-                </a:solidFill>
-              </a:rPr>
-              <a:t>. </a:t>
-            </a:r>
-          </a:p>
-          <a:p>
-            <a:pPr lvl="1"/>
-            <a:r>
-              <a:rPr lang="en-US" dirty="0">
-                <a:solidFill>
-                  <a:schemeClr val="tx1"/>
-                </a:solidFill>
-              </a:rPr>
-              <a:t>The median price of the raw data is available for each quarter (for the past five financial years)</a:t>
-            </a:r>
-          </a:p>
-          <a:p>
-            <a:pPr lvl="1"/>
-            <a:r>
-              <a:rPr lang="en-US" dirty="0">
-                <a:solidFill>
-                  <a:schemeClr val="tx1"/>
-                </a:solidFill>
-              </a:rPr>
-              <a:t>In order to determine if there is a correlation between crime counts and property prices,  one property price value was used for each financial year. This was was the mean of the four quarterly prices of each financial year</a:t>
-            </a:r>
-          </a:p>
-          <a:p>
-            <a:pPr lvl="1"/>
-            <a:r>
-              <a:rPr lang="en-US" dirty="0">
-                <a:solidFill>
-                  <a:schemeClr val="tx1"/>
-                </a:solidFill>
-              </a:rPr>
-              <a:t>The city and suburbs were provided for each property sale. Only the suburb column was used to merge between the crime </a:t>
-            </a:r>
-            <a:r>
-              <a:rPr lang="en-US" dirty="0" err="1">
-                <a:solidFill>
-                  <a:schemeClr val="tx1"/>
-                </a:solidFill>
-              </a:rPr>
-              <a:t>DataFrame</a:t>
-            </a:r>
-            <a:r>
-              <a:rPr lang="en-US" dirty="0">
-                <a:solidFill>
-                  <a:schemeClr val="tx1"/>
-                </a:solidFill>
-              </a:rPr>
-              <a:t> and the property price </a:t>
-            </a:r>
-            <a:r>
-              <a:rPr lang="en-US" dirty="0" err="1">
-                <a:solidFill>
-                  <a:schemeClr val="tx1"/>
-                </a:solidFill>
-              </a:rPr>
-              <a:t>DataFrame</a:t>
-            </a:r>
-            <a:endParaRPr lang="en-US" dirty="0">
-              <a:solidFill>
-                <a:schemeClr val="tx1"/>
-              </a:solidFill>
-            </a:endParaRPr>
-          </a:p>
-        </p:txBody>
-      </p:sp>
-    </p:spTree>
-    <p:extLst>
-      <p:ext uri="{BB962C8B-B14F-4D97-AF65-F5344CB8AC3E}">
-        <p14:creationId xmlns:p14="http://schemas.microsoft.com/office/powerpoint/2010/main" val="2047645864"/>
-      </p:ext>
-    </p:extLst>
-  </p:cSld>
-  <p:clrMapOvr>
-    <a:masterClrMapping/>
-  </p:clrMapOvr>
-</p:sld>
-</file>
-
-<file path=ppt/slides/slide7.xml><?xml version="1.0" encoding="utf-8"?>
 <p:sld xmlns:a="http://schemas.openxmlformats.org/drawingml/2006/main" xmlns:r="http://schemas.openxmlformats.org/officeDocument/2006/relationships" xmlns:p="http://schemas.openxmlformats.org/presentationml/2006/main">
   <p:cSld>
     <p:spTree>
@@ -10280,7 +9635,7 @@
 </p:sld>
 </file>
 
-<file path=ppt/slides/slide8.xml><?xml version="1.0" encoding="utf-8"?>
+<file path=ppt/slides/slide7.xml><?xml version="1.0" encoding="utf-8"?>
 <p:sld xmlns:a="http://schemas.openxmlformats.org/drawingml/2006/main" xmlns:r="http://schemas.openxmlformats.org/officeDocument/2006/relationships" xmlns:p="http://schemas.openxmlformats.org/presentationml/2006/main">
   <p:cSld>
     <p:spTree>
@@ -10421,7 +9776,7 @@
 </p:sld>
 </file>
 
-<file path=ppt/slides/slide9.xml><?xml version="1.0" encoding="utf-8"?>
+<file path=ppt/slides/slide8.xml><?xml version="1.0" encoding="utf-8"?>
 <p:sld xmlns:a="http://schemas.openxmlformats.org/drawingml/2006/main" xmlns:r="http://schemas.openxmlformats.org/officeDocument/2006/relationships" xmlns:p="http://schemas.openxmlformats.org/presentationml/2006/main">
   <p:cSld>
     <p:spTree>
@@ -10526,11 +9881,17 @@
           <p:cNvGraphicFramePr>
             <a:graphicFrameLocks noGrp="1"/>
           </p:cNvGraphicFramePr>
-          <p:nvPr/>
+          <p:nvPr>
+            <p:extLst>
+              <p:ext uri="{D42A27DB-BD31-4B8C-83A1-F6EECF244321}">
+                <p14:modId xmlns:p14="http://schemas.microsoft.com/office/powerpoint/2010/main" val="461169777"/>
+              </p:ext>
+            </p:extLst>
+          </p:nvPr>
         </p:nvGraphicFramePr>
         <p:xfrm>
-          <a:off x="6552612" y="3429000"/>
-          <a:ext cx="4597400" cy="1612900"/>
+          <a:off x="6345382" y="3200400"/>
+          <a:ext cx="4804631" cy="1841500"/>
         </p:xfrm>
         <a:graphic>
           <a:graphicData uri="http://schemas.openxmlformats.org/drawingml/2006/table">
@@ -10539,21 +9900,21 @@
                 <a:tableStyleId>{00A15C55-8517-42AA-B614-E9B94910E393}</a:tableStyleId>
               </a:tblPr>
               <a:tblGrid>
-                <a:gridCol w="1295400">
+                <a:gridCol w="1353791">
                   <a:extLst>
                     <a:ext uri="{9D8B030D-6E8A-4147-A177-3AD203B41FA5}">
                       <a16:colId xmlns:a16="http://schemas.microsoft.com/office/drawing/2014/main" val="999557224"/>
                     </a:ext>
                   </a:extLst>
                 </a:gridCol>
-                <a:gridCol w="1651000">
+                <a:gridCol w="1725420">
                   <a:extLst>
                     <a:ext uri="{9D8B030D-6E8A-4147-A177-3AD203B41FA5}">
                       <a16:colId xmlns:a16="http://schemas.microsoft.com/office/drawing/2014/main" val="432000542"/>
                     </a:ext>
                   </a:extLst>
                 </a:gridCol>
-                <a:gridCol w="1651000">
+                <a:gridCol w="1725420">
                   <a:extLst>
                     <a:ext uri="{9D8B030D-6E8A-4147-A177-3AD203B41FA5}">
                       <a16:colId xmlns:a16="http://schemas.microsoft.com/office/drawing/2014/main" val="1467077530"/>
@@ -10561,7 +9922,7 @@
                   </a:extLst>
                 </a:gridCol>
               </a:tblGrid>
-              <a:tr h="203200">
+              <a:tr h="232000">
                 <a:tc gridSpan="3">
                   <a:txBody>
                     <a:bodyPr/>
@@ -10648,7 +10009,7 @@
                   </a:ext>
                 </a:extLst>
               </a:tr>
-              <a:tr h="596900">
+              <a:tr h="681500">
                 <a:tc>
                   <a:txBody>
                     <a:bodyPr/>
@@ -10847,7 +10208,7 @@
                   </a:ext>
                 </a:extLst>
               </a:tr>
-              <a:tr h="203200">
+              <a:tr h="232000">
                 <a:tc>
                   <a:txBody>
                     <a:bodyPr/>
@@ -11034,7 +10395,7 @@
                   </a:ext>
                 </a:extLst>
               </a:tr>
-              <a:tr h="203200">
+              <a:tr h="232000">
                 <a:tc>
                   <a:txBody>
                     <a:bodyPr/>
@@ -11221,7 +10582,7 @@
                   </a:ext>
                 </a:extLst>
               </a:tr>
-              <a:tr h="203200">
+              <a:tr h="232000">
                 <a:tc>
                   <a:txBody>
                     <a:bodyPr/>
@@ -11408,7 +10769,7 @@
                   </a:ext>
                 </a:extLst>
               </a:tr>
-              <a:tr h="203200">
+              <a:tr h="232000">
                 <a:tc gridSpan="3">
                   <a:txBody>
                     <a:bodyPr/>
@@ -11503,6 +10864,203 @@
     <p:extLst>
       <p:ext uri="{BB962C8B-B14F-4D97-AF65-F5344CB8AC3E}">
         <p14:creationId xmlns:p14="http://schemas.microsoft.com/office/powerpoint/2010/main" val="1804729159"/>
+      </p:ext>
+    </p:extLst>
+  </p:cSld>
+  <p:clrMapOvr>
+    <a:masterClrMapping/>
+  </p:clrMapOvr>
+</p:sld>
+</file>
+
+<file path=ppt/slides/slide9.xml><?xml version="1.0" encoding="utf-8"?>
+<p:sld xmlns:a="http://schemas.openxmlformats.org/drawingml/2006/main" xmlns:r="http://schemas.openxmlformats.org/officeDocument/2006/relationships" xmlns:p="http://schemas.openxmlformats.org/presentationml/2006/main">
+  <p:cSld>
+    <p:spTree>
+      <p:nvGrpSpPr>
+        <p:cNvPr id="1" name=""/>
+        <p:cNvGrpSpPr/>
+        <p:nvPr/>
+      </p:nvGrpSpPr>
+      <p:grpSpPr>
+        <a:xfrm>
+          <a:off x="0" y="0"/>
+          <a:ext cx="0" cy="0"/>
+          <a:chOff x="0" y="0"/>
+          <a:chExt cx="0" cy="0"/>
+        </a:xfrm>
+      </p:grpSpPr>
+      <p:sp>
+        <p:nvSpPr>
+          <p:cNvPr id="2" name="Title 1">
+            <a:extLst>
+              <a:ext uri="{FF2B5EF4-FFF2-40B4-BE49-F238E27FC236}">
+                <a16:creationId xmlns:a16="http://schemas.microsoft.com/office/drawing/2014/main" id="{D4112190-B47C-470F-9F25-6023D45B677C}"/>
+              </a:ext>
+            </a:extLst>
+          </p:cNvPr>
+          <p:cNvSpPr>
+            <a:spLocks noGrp="1"/>
+          </p:cNvSpPr>
+          <p:nvPr>
+            <p:ph type="title"/>
+          </p:nvPr>
+        </p:nvSpPr>
+        <p:spPr/>
+        <p:txBody>
+          <a:bodyPr>
+            <a:normAutofit fontScale="90000"/>
+          </a:bodyPr>
+          <a:lstStyle/>
+          <a:p>
+            <a:r>
+              <a:rPr lang="en-US" dirty="0"/>
+              <a:t>Data </a:t>
+            </a:r>
+            <a:r>
+              <a:rPr lang="en-US" dirty="0" err="1"/>
+              <a:t>AnalysiS</a:t>
+            </a:r>
+            <a:br>
+              <a:rPr lang="en-US" dirty="0"/>
+            </a:br>
+            <a:r>
+              <a:rPr lang="en-US" dirty="0"/>
+              <a:t> Bottom 10 SUBURBS BY PROPERTY PRICE</a:t>
+            </a:r>
+            <a:br>
+              <a:rPr lang="en-US" dirty="0"/>
+            </a:br>
+            <a:endParaRPr lang="en-AU" dirty="0"/>
+          </a:p>
+        </p:txBody>
+      </p:sp>
+      <p:pic>
+        <p:nvPicPr>
+          <p:cNvPr id="7" name="Content Placeholder 6" descr="Icon&#10;&#10;Description automatically generated">
+            <a:extLst>
+              <a:ext uri="{FF2B5EF4-FFF2-40B4-BE49-F238E27FC236}">
+                <a16:creationId xmlns:a16="http://schemas.microsoft.com/office/drawing/2014/main" id="{8923D90D-FAAA-4BA0-9A62-313D6D654289}"/>
+              </a:ext>
+            </a:extLst>
+          </p:cNvPr>
+          <p:cNvPicPr>
+            <a:picLocks noGrp="1" noChangeAspect="1"/>
+          </p:cNvPicPr>
+          <p:nvPr>
+            <p:ph idx="1"/>
+          </p:nvPr>
+        </p:nvPicPr>
+        <p:blipFill>
+          <a:blip r:embed="rId3">
+            <a:extLst>
+              <a:ext uri="{28A0092B-C50C-407E-A947-70E740481C1C}">
+                <a14:useLocalDpi xmlns:a14="http://schemas.microsoft.com/office/drawing/2010/main" val="0"/>
+              </a:ext>
+            </a:extLst>
+          </a:blip>
+          <a:stretch>
+            <a:fillRect/>
+          </a:stretch>
+        </p:blipFill>
+        <p:spPr>
+          <a:xfrm>
+            <a:off x="1543147" y="2739435"/>
+            <a:ext cx="4949501" cy="3289225"/>
+          </a:xfrm>
+        </p:spPr>
+      </p:pic>
+      <p:sp>
+        <p:nvSpPr>
+          <p:cNvPr id="8" name="TextBox 7">
+            <a:extLst>
+              <a:ext uri="{FF2B5EF4-FFF2-40B4-BE49-F238E27FC236}">
+                <a16:creationId xmlns:a16="http://schemas.microsoft.com/office/drawing/2014/main" id="{14598C71-DC44-43A3-9A9E-C566B76F72B2}"/>
+              </a:ext>
+            </a:extLst>
+          </p:cNvPr>
+          <p:cNvSpPr txBox="1"/>
+          <p:nvPr/>
+        </p:nvSpPr>
+        <p:spPr>
+          <a:xfrm>
+            <a:off x="7051964" y="2739435"/>
+            <a:ext cx="2665228" cy="2585323"/>
+          </a:xfrm>
+          <a:prstGeom prst="rect">
+            <a:avLst/>
+          </a:prstGeom>
+          <a:noFill/>
+        </p:spPr>
+        <p:txBody>
+          <a:bodyPr wrap="square" rtlCol="0">
+            <a:spAutoFit/>
+          </a:bodyPr>
+          <a:lstStyle/>
+          <a:p>
+            <a:r>
+              <a:rPr lang="en-AU" dirty="0"/>
+              <a:t>Smithfield Plains</a:t>
+            </a:r>
+          </a:p>
+          <a:p>
+            <a:r>
+              <a:rPr lang="en-AU" dirty="0" err="1"/>
+              <a:t>Davoren</a:t>
+            </a:r>
+            <a:r>
+              <a:rPr lang="en-AU" dirty="0"/>
+              <a:t> Park</a:t>
+            </a:r>
+          </a:p>
+          <a:p>
+            <a:r>
+              <a:rPr lang="en-AU" dirty="0"/>
+              <a:t>Elizabeth Downs</a:t>
+            </a:r>
+          </a:p>
+          <a:p>
+            <a:r>
+              <a:rPr lang="en-AU" dirty="0"/>
+              <a:t>Elizabeth North</a:t>
+            </a:r>
+          </a:p>
+          <a:p>
+            <a:r>
+              <a:rPr lang="en-AU" dirty="0"/>
+              <a:t>Elizabeth Park</a:t>
+            </a:r>
+          </a:p>
+          <a:p>
+            <a:r>
+              <a:rPr lang="en-AU" dirty="0"/>
+              <a:t>Elizabeth East</a:t>
+            </a:r>
+          </a:p>
+          <a:p>
+            <a:r>
+              <a:rPr lang="en-AU" dirty="0"/>
+              <a:t>Elizabeth South</a:t>
+            </a:r>
+          </a:p>
+          <a:p>
+            <a:r>
+              <a:rPr lang="en-AU" dirty="0"/>
+              <a:t>Elizabeth</a:t>
+            </a:r>
+          </a:p>
+          <a:p>
+            <a:r>
+              <a:rPr lang="en-AU" dirty="0"/>
+              <a:t>Elizabeth Vale</a:t>
+            </a:r>
+          </a:p>
+        </p:txBody>
+      </p:sp>
+    </p:spTree>
+    <p:extLst>
+      <p:ext uri="{BB962C8B-B14F-4D97-AF65-F5344CB8AC3E}">
+        <p14:creationId xmlns:p14="http://schemas.microsoft.com/office/powerpoint/2010/main" val="788958099"/>
       </p:ext>
     </p:extLst>
   </p:cSld>

--- a/Project 1 Presentation.pptx
+++ b/Project 1 Presentation.pptx
@@ -215,7 +215,7 @@
           <a:p>
             <a:fld id="{2429B6F7-E88D-5542-86AE-E68B90A8D5D5}" type="datetimeFigureOut">
               <a:rPr lang="en-US" smtClean="0"/>
-              <a:t>2/4/21</a:t>
+              <a:t>2/4/2021</a:t>
             </a:fld>
             <a:endParaRPr lang="en-US"/>
           </a:p>
@@ -2888,7 +2888,7 @@
           <a:p>
             <a:fld id="{FD85B985-76B1-472F-AE68-4120063CE451}" type="datetimeFigureOut">
               <a:rPr lang="en-AU" smtClean="0"/>
-              <a:t>4/2/21</a:t>
+              <a:t>4/02/2021</a:t>
             </a:fld>
             <a:endParaRPr lang="en-AU"/>
           </a:p>
@@ -3058,7 +3058,7 @@
           <a:p>
             <a:fld id="{FD85B985-76B1-472F-AE68-4120063CE451}" type="datetimeFigureOut">
               <a:rPr lang="en-AU" smtClean="0"/>
-              <a:t>4/2/21</a:t>
+              <a:t>4/02/2021</a:t>
             </a:fld>
             <a:endParaRPr lang="en-AU"/>
           </a:p>
@@ -3238,7 +3238,7 @@
           <a:p>
             <a:fld id="{FD85B985-76B1-472F-AE68-4120063CE451}" type="datetimeFigureOut">
               <a:rPr lang="en-AU" smtClean="0"/>
-              <a:t>4/2/21</a:t>
+              <a:t>4/02/2021</a:t>
             </a:fld>
             <a:endParaRPr lang="en-AU"/>
           </a:p>
@@ -3408,7 +3408,7 @@
           <a:p>
             <a:fld id="{FD85B985-76B1-472F-AE68-4120063CE451}" type="datetimeFigureOut">
               <a:rPr lang="en-AU" smtClean="0"/>
-              <a:t>4/2/21</a:t>
+              <a:t>4/02/2021</a:t>
             </a:fld>
             <a:endParaRPr lang="en-AU"/>
           </a:p>
@@ -3676,7 +3676,7 @@
           <a:p>
             <a:fld id="{FD85B985-76B1-472F-AE68-4120063CE451}" type="datetimeFigureOut">
               <a:rPr lang="en-AU" smtClean="0"/>
-              <a:t>4/2/21</a:t>
+              <a:t>4/02/2021</a:t>
             </a:fld>
             <a:endParaRPr lang="en-AU"/>
           </a:p>
@@ -3908,7 +3908,7 @@
           <a:p>
             <a:fld id="{FD85B985-76B1-472F-AE68-4120063CE451}" type="datetimeFigureOut">
               <a:rPr lang="en-AU" smtClean="0"/>
-              <a:t>4/2/21</a:t>
+              <a:t>4/02/2021</a:t>
             </a:fld>
             <a:endParaRPr lang="en-AU"/>
           </a:p>
@@ -4267,7 +4267,7 @@
           <a:p>
             <a:fld id="{FD85B985-76B1-472F-AE68-4120063CE451}" type="datetimeFigureOut">
               <a:rPr lang="en-AU" smtClean="0"/>
-              <a:t>4/2/21</a:t>
+              <a:t>4/02/2021</a:t>
             </a:fld>
             <a:endParaRPr lang="en-AU"/>
           </a:p>
@@ -4408,7 +4408,7 @@
           <a:p>
             <a:fld id="{FD85B985-76B1-472F-AE68-4120063CE451}" type="datetimeFigureOut">
               <a:rPr lang="en-AU" smtClean="0"/>
-              <a:t>4/2/21</a:t>
+              <a:t>4/02/2021</a:t>
             </a:fld>
             <a:endParaRPr lang="en-AU"/>
           </a:p>
@@ -4503,7 +4503,7 @@
           <a:p>
             <a:fld id="{FD85B985-76B1-472F-AE68-4120063CE451}" type="datetimeFigureOut">
               <a:rPr lang="en-AU" smtClean="0"/>
-              <a:t>4/2/21</a:t>
+              <a:t>4/02/2021</a:t>
             </a:fld>
             <a:endParaRPr lang="en-AU"/>
           </a:p>
@@ -4860,7 +4860,7 @@
           <a:p>
             <a:fld id="{FD85B985-76B1-472F-AE68-4120063CE451}" type="datetimeFigureOut">
               <a:rPr lang="en-AU" smtClean="0"/>
-              <a:t>4/2/21</a:t>
+              <a:t>4/02/2021</a:t>
             </a:fld>
             <a:endParaRPr lang="en-AU"/>
           </a:p>
@@ -5217,7 +5217,7 @@
           <a:p>
             <a:fld id="{FD85B985-76B1-472F-AE68-4120063CE451}" type="datetimeFigureOut">
               <a:rPr lang="en-AU" smtClean="0"/>
-              <a:t>4/2/21</a:t>
+              <a:t>4/02/2021</a:t>
             </a:fld>
             <a:endParaRPr lang="en-AU"/>
           </a:p>
@@ -5459,7 +5459,7 @@
           <a:p>
             <a:fld id="{FD85B985-76B1-472F-AE68-4120063CE451}" type="datetimeFigureOut">
               <a:rPr lang="en-AU" smtClean="0"/>
-              <a:t>4/2/21</a:t>
+              <a:t>4/02/2021</a:t>
             </a:fld>
             <a:endParaRPr lang="en-AU"/>
           </a:p>
@@ -6323,7 +6323,9 @@
         </p:nvSpPr>
         <p:spPr/>
         <p:txBody>
-          <a:bodyPr/>
+          <a:bodyPr>
+            <a:normAutofit fontScale="90000"/>
+          </a:bodyPr>
           <a:lstStyle/>
           <a:p>
             <a:r>
@@ -6339,7 +6341,7 @@
             </a:br>
             <a:r>
               <a:rPr lang="en-US" dirty="0"/>
-              <a:t> TOP 10 SUBURBS BY PROPERTY PRICE</a:t>
+              <a:t> Bottom 10 SUBURBS BY PROPERTY PRICE</a:t>
             </a:r>
             <a:endParaRPr lang="en-AU" dirty="0"/>
           </a:p>
@@ -6347,10 +6349,10 @@
       </p:sp>
       <p:pic>
         <p:nvPicPr>
-          <p:cNvPr id="6" name="Picture 5" descr="Icon&#10;&#10;Description automatically generated">
+          <p:cNvPr id="4" name="Picture 3" descr="Icon&#10;&#10;Description automatically generated">
             <a:extLst>
               <a:ext uri="{FF2B5EF4-FFF2-40B4-BE49-F238E27FC236}">
-                <a16:creationId xmlns:a16="http://schemas.microsoft.com/office/drawing/2014/main" id="{560F708A-7AF5-4618-9AB2-12689695337D}"/>
+                <a16:creationId xmlns:a16="http://schemas.microsoft.com/office/drawing/2014/main" id="{CEA2BCB7-41BE-4E8F-A25B-CF7AA04DA81D}"/>
               </a:ext>
             </a:extLst>
           </p:cNvPr>
@@ -6373,8 +6375,44 @@
         </p:blipFill>
         <p:spPr>
           <a:xfrm>
-            <a:off x="6671199" y="2795470"/>
-            <a:ext cx="4542503" cy="3097838"/>
+            <a:off x="132226" y="2744916"/>
+            <a:ext cx="5061248" cy="3363488"/>
+          </a:xfrm>
+          <a:prstGeom prst="rect">
+            <a:avLst/>
+          </a:prstGeom>
+        </p:spPr>
+      </p:pic>
+      <p:pic>
+        <p:nvPicPr>
+          <p:cNvPr id="8" name="Picture 7" descr="Icon&#10;&#10;Description automatically generated">
+            <a:extLst>
+              <a:ext uri="{FF2B5EF4-FFF2-40B4-BE49-F238E27FC236}">
+                <a16:creationId xmlns:a16="http://schemas.microsoft.com/office/drawing/2014/main" id="{A5B96C2D-A48A-4E33-9BF7-447B4C992D72}"/>
+              </a:ext>
+            </a:extLst>
+          </p:cNvPr>
+          <p:cNvPicPr>
+            <a:picLocks noChangeAspect="1"/>
+          </p:cNvPicPr>
+          <p:nvPr/>
+        </p:nvPicPr>
+        <p:blipFill>
+          <a:blip r:embed="rId4">
+            <a:extLst>
+              <a:ext uri="{28A0092B-C50C-407E-A947-70E740481C1C}">
+                <a14:useLocalDpi xmlns:a14="http://schemas.microsoft.com/office/drawing/2010/main" val="0"/>
+              </a:ext>
+            </a:extLst>
+          </a:blip>
+          <a:stretch>
+            <a:fillRect/>
+          </a:stretch>
+        </p:blipFill>
+        <p:spPr>
+          <a:xfrm>
+            <a:off x="5437107" y="2803395"/>
+            <a:ext cx="4565266" cy="3172103"/>
           </a:xfrm>
           <a:prstGeom prst="rect">
             <a:avLst/>
@@ -6429,7 +6467,9 @@
         </p:nvSpPr>
         <p:spPr/>
         <p:txBody>
-          <a:bodyPr/>
+          <a:bodyPr>
+            <a:normAutofit fontScale="90000"/>
+          </a:bodyPr>
           <a:lstStyle/>
           <a:p>
             <a:r>
@@ -6445,7 +6485,7 @@
             </a:br>
             <a:r>
               <a:rPr lang="en-US" dirty="0"/>
-              <a:t> TOP 10 SUBURBS BY PROPERTY PRICE</a:t>
+              <a:t> Bottom 10 SUBURBS BY PROPERTY PRICE</a:t>
             </a:r>
             <a:endParaRPr lang="en-AU" dirty="0"/>
           </a:p>
@@ -6453,7 +6493,7 @@
       </p:sp>
       <p:pic>
         <p:nvPicPr>
-          <p:cNvPr id="5" name="Content Placeholder 4" descr="Icon&#10;&#10;Description automatically generated">
+          <p:cNvPr id="5" name="Content Placeholder 4">
             <a:extLst>
               <a:ext uri="{FF2B5EF4-FFF2-40B4-BE49-F238E27FC236}">
                 <a16:creationId xmlns:a16="http://schemas.microsoft.com/office/drawing/2014/main" id="{53B60C00-7268-4D8D-87AE-177F94376CF4}"/>
@@ -6475,20 +6515,19 @@
               </a:ext>
             </a:extLst>
           </a:blip>
-          <a:stretch>
-            <a:fillRect/>
-          </a:stretch>
+          <a:srcRect/>
+          <a:stretch/>
         </p:blipFill>
         <p:spPr>
           <a:xfrm>
-            <a:off x="6523694" y="2791332"/>
-            <a:ext cx="4593309" cy="3101975"/>
+            <a:off x="4849066" y="2791331"/>
+            <a:ext cx="4593309" cy="3052515"/>
           </a:xfrm>
         </p:spPr>
       </p:pic>
       <p:pic>
         <p:nvPicPr>
-          <p:cNvPr id="6" name="Content Placeholder 4" descr="Icon&#10;&#10;Description automatically generated">
+          <p:cNvPr id="6" name="Content Placeholder 4">
             <a:extLst>
               <a:ext uri="{FF2B5EF4-FFF2-40B4-BE49-F238E27FC236}">
                 <a16:creationId xmlns:a16="http://schemas.microsoft.com/office/drawing/2014/main" id="{1389C4C6-FAF5-47AD-A090-87965B0B2ED8}"/>
@@ -6508,14 +6547,13 @@
               </a:ext>
             </a:extLst>
           </a:blip>
-          <a:stretch>
-            <a:fillRect/>
-          </a:stretch>
+          <a:srcRect/>
+          <a:stretch/>
         </p:blipFill>
         <p:spPr>
           <a:xfrm>
-            <a:off x="1308237" y="2791333"/>
-            <a:ext cx="4593309" cy="3101975"/>
+            <a:off x="133339" y="2791332"/>
+            <a:ext cx="4593309" cy="3052515"/>
           </a:xfrm>
           <a:prstGeom prst="rect">
             <a:avLst/>
@@ -8764,7 +8802,7 @@
             </a:br>
             <a:r>
               <a:rPr lang="en-US" dirty="0"/>
-              <a:t> TOP 10 SUBURBS BY PROPERTY PRICE</a:t>
+              <a:t> Bottom 10 SUBURBS BY PROPERTY PRICE</a:t>
             </a:r>
             <a:br>
               <a:rPr lang="en-US" dirty="0"/>
@@ -8775,10 +8813,10 @@
       </p:sp>
       <p:pic>
         <p:nvPicPr>
-          <p:cNvPr id="5" name="Content Placeholder 4" descr="Icon&#10;&#10;Description automatically generated">
+          <p:cNvPr id="7" name="Content Placeholder 6" descr="Icon&#10;&#10;Description automatically generated">
             <a:extLst>
               <a:ext uri="{FF2B5EF4-FFF2-40B4-BE49-F238E27FC236}">
-                <a16:creationId xmlns:a16="http://schemas.microsoft.com/office/drawing/2014/main" id="{8C3E7055-D6FF-4E94-8DBD-D142F3407FF2}"/>
+                <a16:creationId xmlns:a16="http://schemas.microsoft.com/office/drawing/2014/main" id="{8923D90D-FAAA-4BA0-9A62-313D6D654289}"/>
               </a:ext>
             </a:extLst>
           </p:cNvPr>
@@ -8803,11 +8841,98 @@
         </p:blipFill>
         <p:spPr>
           <a:xfrm>
-            <a:off x="1137510" y="2795469"/>
-            <a:ext cx="4542500" cy="3097837"/>
+            <a:off x="614892" y="2739435"/>
+            <a:ext cx="4949501" cy="3289225"/>
           </a:xfrm>
         </p:spPr>
       </p:pic>
+      <p:sp>
+        <p:nvSpPr>
+          <p:cNvPr id="8" name="TextBox 7">
+            <a:extLst>
+              <a:ext uri="{FF2B5EF4-FFF2-40B4-BE49-F238E27FC236}">
+                <a16:creationId xmlns:a16="http://schemas.microsoft.com/office/drawing/2014/main" id="{14598C71-DC44-43A3-9A9E-C566B76F72B2}"/>
+              </a:ext>
+            </a:extLst>
+          </p:cNvPr>
+          <p:cNvSpPr txBox="1"/>
+          <p:nvPr/>
+        </p:nvSpPr>
+        <p:spPr>
+          <a:xfrm>
+            <a:off x="6096000" y="2739435"/>
+            <a:ext cx="2665228" cy="2585323"/>
+          </a:xfrm>
+          <a:prstGeom prst="rect">
+            <a:avLst/>
+          </a:prstGeom>
+          <a:noFill/>
+        </p:spPr>
+        <p:txBody>
+          <a:bodyPr wrap="square" rtlCol="0">
+            <a:spAutoFit/>
+          </a:bodyPr>
+          <a:lstStyle/>
+          <a:p>
+            <a:r>
+              <a:rPr lang="en-AU" dirty="0"/>
+              <a:t>Smithfield Plains</a:t>
+            </a:r>
+          </a:p>
+          <a:p>
+            <a:r>
+              <a:rPr lang="en-AU" dirty="0" err="1"/>
+              <a:t>Davoren</a:t>
+            </a:r>
+            <a:r>
+              <a:rPr lang="en-AU" dirty="0"/>
+              <a:t> Park</a:t>
+            </a:r>
+          </a:p>
+          <a:p>
+            <a:r>
+              <a:rPr lang="en-AU" dirty="0"/>
+              <a:t>Elizabeth Downs</a:t>
+            </a:r>
+          </a:p>
+          <a:p>
+            <a:r>
+              <a:rPr lang="en-AU" dirty="0"/>
+              <a:t>Elizabeth North</a:t>
+            </a:r>
+          </a:p>
+          <a:p>
+            <a:r>
+              <a:rPr lang="en-AU" dirty="0"/>
+              <a:t>Elizabeth Park</a:t>
+            </a:r>
+          </a:p>
+          <a:p>
+            <a:r>
+              <a:rPr lang="en-AU" dirty="0"/>
+              <a:t>Elizabeth East</a:t>
+            </a:r>
+          </a:p>
+          <a:p>
+            <a:r>
+              <a:rPr lang="en-AU" dirty="0"/>
+              <a:t>Elizabeth South</a:t>
+            </a:r>
+          </a:p>
+          <a:p>
+            <a:r>
+              <a:rPr lang="en-AU" dirty="0"/>
+              <a:t>Elizabeth</a:t>
+            </a:r>
+          </a:p>
+          <a:p>
+            <a:r>
+              <a:rPr lang="en-AU" dirty="0"/>
+              <a:t>Elizabeth Vale</a:t>
+            </a:r>
+          </a:p>
+        </p:txBody>
+      </p:sp>
     </p:spTree>
     <p:extLst>
       <p:ext uri="{BB962C8B-B14F-4D97-AF65-F5344CB8AC3E}">
